--- a/Building SPAs in SharePoint Using AngularJS.pptx
+++ b/Building SPAs in SharePoint Using AngularJS.pptx
@@ -8675,6 +8675,13 @@
         </dgm:presLayoutVars>
       </dgm:prSet>
       <dgm:spPr/>
+      <dgm:t>
+        <a:bodyPr/>
+        <a:lstStyle/>
+        <a:p>
+          <a:endParaRPr lang="en-US"/>
+        </a:p>
+      </dgm:t>
     </dgm:pt>
     <dgm:pt modelId="{F03DFD42-67C2-4358-9E3E-25486EF6835C}" type="pres">
       <dgm:prSet presAssocID="{A1CA7067-99DF-442F-8B4A-1C2228638645}" presName="singleCycle" presStyleCnt="0"/>
@@ -8699,6 +8706,13 @@
     <dgm:pt modelId="{898210EA-0F22-496D-8BE1-A4737E6F9293}" type="pres">
       <dgm:prSet presAssocID="{1DA1513B-D09C-47F1-8A4F-92F2458B0A1F}" presName="Name56" presStyleLbl="parChTrans1D2" presStyleIdx="0" presStyleCnt="2"/>
       <dgm:spPr/>
+      <dgm:t>
+        <a:bodyPr/>
+        <a:lstStyle/>
+        <a:p>
+          <a:endParaRPr lang="en-US"/>
+        </a:p>
+      </dgm:t>
     </dgm:pt>
     <dgm:pt modelId="{2301A33D-33BA-40C8-8E39-25D00DB34497}" type="pres">
       <dgm:prSet presAssocID="{97423992-5790-4B93-9A4B-058E93279F83}" presName="text0" presStyleLbl="node1" presStyleIdx="1" presStyleCnt="3">
@@ -8718,6 +8732,13 @@
     <dgm:pt modelId="{863225D8-A3D1-4726-98D0-7C450D270A4A}" type="pres">
       <dgm:prSet presAssocID="{23899028-6BB4-4EDE-85C0-C18A05C4C7B6}" presName="Name56" presStyleLbl="parChTrans1D2" presStyleIdx="1" presStyleCnt="2"/>
       <dgm:spPr/>
+      <dgm:t>
+        <a:bodyPr/>
+        <a:lstStyle/>
+        <a:p>
+          <a:endParaRPr lang="en-US"/>
+        </a:p>
+      </dgm:t>
     </dgm:pt>
     <dgm:pt modelId="{A1E87F02-FF0E-46D1-A190-D92C658321B3}" type="pres">
       <dgm:prSet presAssocID="{4EC20CE3-6324-4FB2-92C1-C1838B267F50}" presName="text0" presStyleLbl="node1" presStyleIdx="2" presStyleCnt="3">
@@ -8736,15 +8757,15 @@
     </dgm:pt>
   </dgm:ptLst>
   <dgm:cxnLst>
-    <dgm:cxn modelId="{6DBA60CB-8ABF-40A3-AD50-B0979926FC69}" type="presOf" srcId="{1DA1513B-D09C-47F1-8A4F-92F2458B0A1F}" destId="{898210EA-0F22-496D-8BE1-A4737E6F9293}" srcOrd="0" destOrd="0" presId="urn:microsoft.com/office/officeart/2008/layout/RadialCluster"/>
-    <dgm:cxn modelId="{C091189D-4E00-4AD0-B7F4-D15A54D1511D}" type="presOf" srcId="{23899028-6BB4-4EDE-85C0-C18A05C4C7B6}" destId="{863225D8-A3D1-4726-98D0-7C450D270A4A}" srcOrd="0" destOrd="0" presId="urn:microsoft.com/office/officeart/2008/layout/RadialCluster"/>
+    <dgm:cxn modelId="{854831E2-D263-48CE-8F09-010E766514A6}" srcId="{A1CA7067-99DF-442F-8B4A-1C2228638645}" destId="{4EC20CE3-6324-4FB2-92C1-C1838B267F50}" srcOrd="1" destOrd="0" parTransId="{23899028-6BB4-4EDE-85C0-C18A05C4C7B6}" sibTransId="{605265A2-F4AB-4E1E-8607-6FC3BAA29D8A}"/>
+    <dgm:cxn modelId="{E099D1C9-49DD-4942-80E4-D858E08A6E02}" type="presOf" srcId="{4EC20CE3-6324-4FB2-92C1-C1838B267F50}" destId="{A1E87F02-FF0E-46D1-A190-D92C658321B3}" srcOrd="0" destOrd="0" presId="urn:microsoft.com/office/officeart/2008/layout/RadialCluster"/>
+    <dgm:cxn modelId="{9B77BDF5-1D58-4DF1-AD87-F8C5DD108141}" type="presOf" srcId="{97423992-5790-4B93-9A4B-058E93279F83}" destId="{2301A33D-33BA-40C8-8E39-25D00DB34497}" srcOrd="0" destOrd="0" presId="urn:microsoft.com/office/officeart/2008/layout/RadialCluster"/>
+    <dgm:cxn modelId="{80C0682C-F1A4-4924-9895-69826ABFF7B9}" type="presOf" srcId="{A1CA7067-99DF-442F-8B4A-1C2228638645}" destId="{552CD446-1E6C-47BC-BE1D-3A8CCCB618F5}" srcOrd="0" destOrd="0" presId="urn:microsoft.com/office/officeart/2008/layout/RadialCluster"/>
     <dgm:cxn modelId="{9FDDAB17-CEF5-4089-94AD-598F654E73F4}" srcId="{ECA545A9-2D5A-4CCA-A6D3-28919F160995}" destId="{A1CA7067-99DF-442F-8B4A-1C2228638645}" srcOrd="0" destOrd="0" parTransId="{4E4695B7-71EE-4B34-99AC-EA5DBC6DEB08}" sibTransId="{215EF350-AB8E-4113-990A-AC7457608154}"/>
     <dgm:cxn modelId="{7A55A0FF-571C-4BBD-9A06-DE584A12806F}" srcId="{A1CA7067-99DF-442F-8B4A-1C2228638645}" destId="{97423992-5790-4B93-9A4B-058E93279F83}" srcOrd="0" destOrd="0" parTransId="{1DA1513B-D09C-47F1-8A4F-92F2458B0A1F}" sibTransId="{902F8495-EBB0-4716-8828-6784FDC18053}"/>
-    <dgm:cxn modelId="{854831E2-D263-48CE-8F09-010E766514A6}" srcId="{A1CA7067-99DF-442F-8B4A-1C2228638645}" destId="{4EC20CE3-6324-4FB2-92C1-C1838B267F50}" srcOrd="1" destOrd="0" parTransId="{23899028-6BB4-4EDE-85C0-C18A05C4C7B6}" sibTransId="{605265A2-F4AB-4E1E-8607-6FC3BAA29D8A}"/>
+    <dgm:cxn modelId="{C091189D-4E00-4AD0-B7F4-D15A54D1511D}" type="presOf" srcId="{23899028-6BB4-4EDE-85C0-C18A05C4C7B6}" destId="{863225D8-A3D1-4726-98D0-7C450D270A4A}" srcOrd="0" destOrd="0" presId="urn:microsoft.com/office/officeart/2008/layout/RadialCluster"/>
     <dgm:cxn modelId="{1E9F834A-C446-4E90-BDD9-E2E0C28CD885}" type="presOf" srcId="{ECA545A9-2D5A-4CCA-A6D3-28919F160995}" destId="{D93C248C-D76D-4EBA-AC92-8AC699E22EA4}" srcOrd="0" destOrd="0" presId="urn:microsoft.com/office/officeart/2008/layout/RadialCluster"/>
-    <dgm:cxn modelId="{9B77BDF5-1D58-4DF1-AD87-F8C5DD108141}" type="presOf" srcId="{97423992-5790-4B93-9A4B-058E93279F83}" destId="{2301A33D-33BA-40C8-8E39-25D00DB34497}" srcOrd="0" destOrd="0" presId="urn:microsoft.com/office/officeart/2008/layout/RadialCluster"/>
-    <dgm:cxn modelId="{E099D1C9-49DD-4942-80E4-D858E08A6E02}" type="presOf" srcId="{4EC20CE3-6324-4FB2-92C1-C1838B267F50}" destId="{A1E87F02-FF0E-46D1-A190-D92C658321B3}" srcOrd="0" destOrd="0" presId="urn:microsoft.com/office/officeart/2008/layout/RadialCluster"/>
-    <dgm:cxn modelId="{80C0682C-F1A4-4924-9895-69826ABFF7B9}" type="presOf" srcId="{A1CA7067-99DF-442F-8B4A-1C2228638645}" destId="{552CD446-1E6C-47BC-BE1D-3A8CCCB618F5}" srcOrd="0" destOrd="0" presId="urn:microsoft.com/office/officeart/2008/layout/RadialCluster"/>
+    <dgm:cxn modelId="{6DBA60CB-8ABF-40A3-AD50-B0979926FC69}" type="presOf" srcId="{1DA1513B-D09C-47F1-8A4F-92F2458B0A1F}" destId="{898210EA-0F22-496D-8BE1-A4737E6F9293}" srcOrd="0" destOrd="0" presId="urn:microsoft.com/office/officeart/2008/layout/RadialCluster"/>
     <dgm:cxn modelId="{412261E1-ACC4-4353-AD50-469DC6F074B8}" type="presParOf" srcId="{D93C248C-D76D-4EBA-AC92-8AC699E22EA4}" destId="{F03DFD42-67C2-4358-9E3E-25486EF6835C}" srcOrd="0" destOrd="0" presId="urn:microsoft.com/office/officeart/2008/layout/RadialCluster"/>
     <dgm:cxn modelId="{857CD243-F233-4307-A4E9-228CC32395EE}" type="presParOf" srcId="{F03DFD42-67C2-4358-9E3E-25486EF6835C}" destId="{552CD446-1E6C-47BC-BE1D-3A8CCCB618F5}" srcOrd="0" destOrd="0" presId="urn:microsoft.com/office/officeart/2008/layout/RadialCluster"/>
     <dgm:cxn modelId="{1A986B89-6C2A-4FAD-972B-6B1C546C5CEA}" type="presParOf" srcId="{F03DFD42-67C2-4358-9E3E-25486EF6835C}" destId="{898210EA-0F22-496D-8BE1-A4737E6F9293}" srcOrd="1" destOrd="0" presId="urn:microsoft.com/office/officeart/2008/layout/RadialCluster"/>
@@ -10178,24 +10199,24 @@
     </dgm:pt>
   </dgm:ptLst>
   <dgm:cxnLst>
-    <dgm:cxn modelId="{E3127806-8416-954D-A6C0-94B0BC97C2AA}" type="presOf" srcId="{11888A7B-1E89-45E6-84F4-EF92B26189CD}" destId="{FE18ED5F-9A71-45CE-87E6-C0921B5A24D6}" srcOrd="1" destOrd="0" presId="urn:microsoft.com/office/officeart/2005/8/layout/list1"/>
+    <dgm:cxn modelId="{957C551D-31A8-4286-A3AE-C5928DB663CE}" srcId="{356F6FEF-38C8-437A-8562-86A5ED3F5885}" destId="{640CA9BD-09C1-4472-8DAC-0F150EC5E678}" srcOrd="0" destOrd="0" parTransId="{90609DF7-843B-4BEF-A3B5-89270E6B0951}" sibTransId="{67B503AA-82FD-4AA4-8357-3D8B59D6160B}"/>
+    <dgm:cxn modelId="{4F9AE3DC-6826-8A4D-B505-94DC9489C9FE}" type="presOf" srcId="{11888A7B-1E89-45E6-84F4-EF92B26189CD}" destId="{75922BE6-701E-4BA9-A4D0-D411670A834F}" srcOrd="0" destOrd="0" presId="urn:microsoft.com/office/officeart/2005/8/layout/list1"/>
+    <dgm:cxn modelId="{9301CB8B-3F2F-0B41-A368-34AF9EF5EA9A}" type="presOf" srcId="{FD0C6DBE-1630-40B2-B624-EC1F16E42DB3}" destId="{B014BCF9-3CF0-4932-9F01-C8EDA8E469DD}" srcOrd="0" destOrd="0" presId="urn:microsoft.com/office/officeart/2005/8/layout/list1"/>
+    <dgm:cxn modelId="{931A4804-A23A-C740-B368-1414E352C043}" type="presOf" srcId="{712EDDD5-F1C9-457B-A81D-F94868058B44}" destId="{1CF0D767-27A0-4A0D-8AD7-1C805538B782}" srcOrd="1" destOrd="0" presId="urn:microsoft.com/office/officeart/2005/8/layout/list1"/>
+    <dgm:cxn modelId="{392AE56A-6939-469F-BFEC-2DEEC6ABC100}" srcId="{2EFB202A-8611-4DDC-831D-D12EB67B6CF7}" destId="{712EDDD5-F1C9-457B-A81D-F94868058B44}" srcOrd="1" destOrd="0" parTransId="{5E2CC1CB-7E12-4298-9BE5-B8F6683E4161}" sibTransId="{630DB5C2-135D-425B-B7D5-1F5FFE12BF3B}"/>
+    <dgm:cxn modelId="{9141C1C8-F12D-5F40-B46B-E7C97FEC40BB}" type="presOf" srcId="{640CA9BD-09C1-4472-8DAC-0F150EC5E678}" destId="{065ED812-3110-45CB-BF60-C55BC725AA59}" srcOrd="0" destOrd="0" presId="urn:microsoft.com/office/officeart/2005/8/layout/list1"/>
+    <dgm:cxn modelId="{B2BF21B1-CBE7-4C5C-AEA8-BEC7AD474AA5}" srcId="{712EDDD5-F1C9-457B-A81D-F94868058B44}" destId="{FD0C6DBE-1630-40B2-B624-EC1F16E42DB3}" srcOrd="0" destOrd="0" parTransId="{E36B8C3A-F1B5-43BA-A80E-BB09E617B100}" sibTransId="{277B567A-A827-446E-9BF5-7F70AD3D8524}"/>
+    <dgm:cxn modelId="{5DB7BC28-D7CA-1B49-A41F-F46BA13EE219}" type="presOf" srcId="{2EFB202A-8611-4DDC-831D-D12EB67B6CF7}" destId="{C451E4B4-999F-4453-A3DD-8163324A608E}" srcOrd="0" destOrd="0" presId="urn:microsoft.com/office/officeart/2005/8/layout/list1"/>
+    <dgm:cxn modelId="{001054AC-F72E-7F41-9B3D-175F92FD768F}" type="presOf" srcId="{C65DEFF2-AA86-49F1-98AF-ECC7C9A55F8F}" destId="{D0247A5C-194D-40DD-ACBA-7E963F02BAC5}" srcOrd="0" destOrd="0" presId="urn:microsoft.com/office/officeart/2005/8/layout/list1"/>
     <dgm:cxn modelId="{C1F80965-071B-3D4F-AFAF-6DF7C0896EE4}" type="presOf" srcId="{356F6FEF-38C8-437A-8562-86A5ED3F5885}" destId="{1F18BCE3-3253-48F7-AD42-D7032F677CFA}" srcOrd="0" destOrd="0" presId="urn:microsoft.com/office/officeart/2005/8/layout/list1"/>
-    <dgm:cxn modelId="{392AE56A-6939-469F-BFEC-2DEEC6ABC100}" srcId="{2EFB202A-8611-4DDC-831D-D12EB67B6CF7}" destId="{712EDDD5-F1C9-457B-A81D-F94868058B44}" srcOrd="1" destOrd="0" parTransId="{5E2CC1CB-7E12-4298-9BE5-B8F6683E4161}" sibTransId="{630DB5C2-135D-425B-B7D5-1F5FFE12BF3B}"/>
-    <dgm:cxn modelId="{4F9AE3DC-6826-8A4D-B505-94DC9489C9FE}" type="presOf" srcId="{11888A7B-1E89-45E6-84F4-EF92B26189CD}" destId="{75922BE6-701E-4BA9-A4D0-D411670A834F}" srcOrd="0" destOrd="0" presId="urn:microsoft.com/office/officeart/2005/8/layout/list1"/>
-    <dgm:cxn modelId="{B2BF21B1-CBE7-4C5C-AEA8-BEC7AD474AA5}" srcId="{712EDDD5-F1C9-457B-A81D-F94868058B44}" destId="{FD0C6DBE-1630-40B2-B624-EC1F16E42DB3}" srcOrd="0" destOrd="0" parTransId="{E36B8C3A-F1B5-43BA-A80E-BB09E617B100}" sibTransId="{277B567A-A827-446E-9BF5-7F70AD3D8524}"/>
     <dgm:cxn modelId="{CD3DBCEC-EEDA-4109-81A5-6979404266EF}" srcId="{356F6FEF-38C8-437A-8562-86A5ED3F5885}" destId="{77C3ADDA-CBFC-4773-939B-B820C1A52764}" srcOrd="1" destOrd="0" parTransId="{3B3B282E-7AC6-4347-8A0C-2E7D6FE9EC7F}" sibTransId="{A98AC8CF-021B-48F8-A127-D60CBE6EB071}"/>
     <dgm:cxn modelId="{F1ACF037-5EAE-E441-A81B-F68BEAAF78C1}" type="presOf" srcId="{77C3ADDA-CBFC-4773-939B-B820C1A52764}" destId="{065ED812-3110-45CB-BF60-C55BC725AA59}" srcOrd="0" destOrd="1" presId="urn:microsoft.com/office/officeart/2005/8/layout/list1"/>
+    <dgm:cxn modelId="{8247D1A2-555D-4B39-B44D-5F2B5AE64242}" srcId="{2EFB202A-8611-4DDC-831D-D12EB67B6CF7}" destId="{356F6FEF-38C8-437A-8562-86A5ED3F5885}" srcOrd="2" destOrd="0" parTransId="{BD9B34C9-939F-47F5-A040-1B30C9EEA310}" sibTransId="{665399A3-A410-4656-8F7E-3FAB641DE891}"/>
+    <dgm:cxn modelId="{B67482D2-CA92-EE49-809A-1AF1712B376C}" type="presOf" srcId="{356F6FEF-38C8-437A-8562-86A5ED3F5885}" destId="{25AD4B18-A6F3-4E52-A6B5-53F7A9EAF766}" srcOrd="1" destOrd="0" presId="urn:microsoft.com/office/officeart/2005/8/layout/list1"/>
+    <dgm:cxn modelId="{444BF4C1-45F8-4DAC-80A4-B20302E0D326}" srcId="{11888A7B-1E89-45E6-84F4-EF92B26189CD}" destId="{C65DEFF2-AA86-49F1-98AF-ECC7C9A55F8F}" srcOrd="0" destOrd="0" parTransId="{8C366E53-622D-45E5-9076-7C960E3333CC}" sibTransId="{2FD13AAE-85C2-4DED-BE23-DB3E95AF1C43}"/>
     <dgm:cxn modelId="{5376348D-4465-4E2E-9DB8-EA1F5276717B}" srcId="{2EFB202A-8611-4DDC-831D-D12EB67B6CF7}" destId="{11888A7B-1E89-45E6-84F4-EF92B26189CD}" srcOrd="0" destOrd="0" parTransId="{6043087E-917B-44BC-97F8-41385FD50DC3}" sibTransId="{438F37F5-E676-4BB5-A241-95D895E1B43F}"/>
-    <dgm:cxn modelId="{8247D1A2-555D-4B39-B44D-5F2B5AE64242}" srcId="{2EFB202A-8611-4DDC-831D-D12EB67B6CF7}" destId="{356F6FEF-38C8-437A-8562-86A5ED3F5885}" srcOrd="2" destOrd="0" parTransId="{BD9B34C9-939F-47F5-A040-1B30C9EEA310}" sibTransId="{665399A3-A410-4656-8F7E-3FAB641DE891}"/>
-    <dgm:cxn modelId="{444BF4C1-45F8-4DAC-80A4-B20302E0D326}" srcId="{11888A7B-1E89-45E6-84F4-EF92B26189CD}" destId="{C65DEFF2-AA86-49F1-98AF-ECC7C9A55F8F}" srcOrd="0" destOrd="0" parTransId="{8C366E53-622D-45E5-9076-7C960E3333CC}" sibTransId="{2FD13AAE-85C2-4DED-BE23-DB3E95AF1C43}"/>
-    <dgm:cxn modelId="{957C551D-31A8-4286-A3AE-C5928DB663CE}" srcId="{356F6FEF-38C8-437A-8562-86A5ED3F5885}" destId="{640CA9BD-09C1-4472-8DAC-0F150EC5E678}" srcOrd="0" destOrd="0" parTransId="{90609DF7-843B-4BEF-A3B5-89270E6B0951}" sibTransId="{67B503AA-82FD-4AA4-8357-3D8B59D6160B}"/>
-    <dgm:cxn modelId="{9301CB8B-3F2F-0B41-A368-34AF9EF5EA9A}" type="presOf" srcId="{FD0C6DBE-1630-40B2-B624-EC1F16E42DB3}" destId="{B014BCF9-3CF0-4932-9F01-C8EDA8E469DD}" srcOrd="0" destOrd="0" presId="urn:microsoft.com/office/officeart/2005/8/layout/list1"/>
-    <dgm:cxn modelId="{001054AC-F72E-7F41-9B3D-175F92FD768F}" type="presOf" srcId="{C65DEFF2-AA86-49F1-98AF-ECC7C9A55F8F}" destId="{D0247A5C-194D-40DD-ACBA-7E963F02BAC5}" srcOrd="0" destOrd="0" presId="urn:microsoft.com/office/officeart/2005/8/layout/list1"/>
     <dgm:cxn modelId="{4782F6B3-5C00-EA48-B55F-B2AD7A3A4335}" type="presOf" srcId="{712EDDD5-F1C9-457B-A81D-F94868058B44}" destId="{75A39EDD-D781-43E1-9360-E6E730441671}" srcOrd="0" destOrd="0" presId="urn:microsoft.com/office/officeart/2005/8/layout/list1"/>
-    <dgm:cxn modelId="{9141C1C8-F12D-5F40-B46B-E7C97FEC40BB}" type="presOf" srcId="{640CA9BD-09C1-4472-8DAC-0F150EC5E678}" destId="{065ED812-3110-45CB-BF60-C55BC725AA59}" srcOrd="0" destOrd="0" presId="urn:microsoft.com/office/officeart/2005/8/layout/list1"/>
-    <dgm:cxn modelId="{B67482D2-CA92-EE49-809A-1AF1712B376C}" type="presOf" srcId="{356F6FEF-38C8-437A-8562-86A5ED3F5885}" destId="{25AD4B18-A6F3-4E52-A6B5-53F7A9EAF766}" srcOrd="1" destOrd="0" presId="urn:microsoft.com/office/officeart/2005/8/layout/list1"/>
-    <dgm:cxn modelId="{931A4804-A23A-C740-B368-1414E352C043}" type="presOf" srcId="{712EDDD5-F1C9-457B-A81D-F94868058B44}" destId="{1CF0D767-27A0-4A0D-8AD7-1C805538B782}" srcOrd="1" destOrd="0" presId="urn:microsoft.com/office/officeart/2005/8/layout/list1"/>
-    <dgm:cxn modelId="{5DB7BC28-D7CA-1B49-A41F-F46BA13EE219}" type="presOf" srcId="{2EFB202A-8611-4DDC-831D-D12EB67B6CF7}" destId="{C451E4B4-999F-4453-A3DD-8163324A608E}" srcOrd="0" destOrd="0" presId="urn:microsoft.com/office/officeart/2005/8/layout/list1"/>
+    <dgm:cxn modelId="{E3127806-8416-954D-A6C0-94B0BC97C2AA}" type="presOf" srcId="{11888A7B-1E89-45E6-84F4-EF92B26189CD}" destId="{FE18ED5F-9A71-45CE-87E6-C0921B5A24D6}" srcOrd="1" destOrd="0" presId="urn:microsoft.com/office/officeart/2005/8/layout/list1"/>
     <dgm:cxn modelId="{5FD971CB-C9D9-3D49-B228-719C82CDAA0F}" type="presParOf" srcId="{C451E4B4-999F-4453-A3DD-8163324A608E}" destId="{6293A9EF-C215-42FA-A704-64EE0A15C16B}" srcOrd="0" destOrd="0" presId="urn:microsoft.com/office/officeart/2005/8/layout/list1"/>
     <dgm:cxn modelId="{2658A61D-C6EB-C445-BFAD-C541434AA777}" type="presParOf" srcId="{6293A9EF-C215-42FA-A704-64EE0A15C16B}" destId="{75922BE6-701E-4BA9-A4D0-D411670A834F}" srcOrd="0" destOrd="0" presId="urn:microsoft.com/office/officeart/2005/8/layout/list1"/>
     <dgm:cxn modelId="{6651486A-EC47-CF42-8472-AF4CEB00F5E7}" type="presParOf" srcId="{6293A9EF-C215-42FA-A704-64EE0A15C16B}" destId="{FE18ED5F-9A71-45CE-87E6-C0921B5A24D6}" srcOrd="1" destOrd="0" presId="urn:microsoft.com/office/officeart/2005/8/layout/list1"/>
@@ -11292,8 +11313,8 @@
     <dgm:cxn modelId="{7DB6483A-B80D-42D2-BF45-8FC42D52B7C2}" srcId="{06ABEAEB-0AB1-4B03-9DB2-1747D846F76E}" destId="{FE3B62F3-16B2-4505-A781-2C5EA89C0A75}" srcOrd="1" destOrd="0" parTransId="{FCE8BF76-8459-44A6-AF47-516739743B79}" sibTransId="{BBFF9749-C9E0-4A6F-93AB-6AB20DBCFFA6}"/>
     <dgm:cxn modelId="{19922D7B-B1AD-4DE5-BEB1-700D46ACC036}" type="presOf" srcId="{54E4D10D-9956-43BF-A898-E51BAEB96E54}" destId="{F8F803D2-F894-4A68-9008-99F98DB3F7B5}" srcOrd="0" destOrd="1" presId="urn:microsoft.com/office/officeart/2005/8/layout/hProcess9"/>
     <dgm:cxn modelId="{3F8C2EF0-7EEC-4535-8BDD-B9F85B2EB2EB}" type="presOf" srcId="{3D2CA84F-7F83-488E-9CE9-2466A7E58E8C}" destId="{C5C479F1-027C-425C-A0B3-5734FC2D9DF4}" srcOrd="0" destOrd="3" presId="urn:microsoft.com/office/officeart/2005/8/layout/hProcess9"/>
+    <dgm:cxn modelId="{C9FA1EB8-5B24-40AF-8C62-2AE1AFD2A8CC}" srcId="{95A2F766-9D02-45F9-8F0E-E4477259B64E}" destId="{ABE8702E-C85F-4DF3-BEE1-89127B3D166E}" srcOrd="3" destOrd="0" parTransId="{1A83ADD3-FE8B-4D5B-B98E-CDB103B5D1B8}" sibTransId="{8F224685-50DB-4839-85D6-BA3606041EBF}"/>
     <dgm:cxn modelId="{72AD5F0C-B437-4BFC-9665-757831C46FEF}" type="presOf" srcId="{7BAE7899-E3C2-4B98-B54B-7CF98FABE6C9}" destId="{C5C479F1-027C-425C-A0B3-5734FC2D9DF4}" srcOrd="0" destOrd="0" presId="urn:microsoft.com/office/officeart/2005/8/layout/hProcess9"/>
-    <dgm:cxn modelId="{C9FA1EB8-5B24-40AF-8C62-2AE1AFD2A8CC}" srcId="{95A2F766-9D02-45F9-8F0E-E4477259B64E}" destId="{ABE8702E-C85F-4DF3-BEE1-89127B3D166E}" srcOrd="3" destOrd="0" parTransId="{1A83ADD3-FE8B-4D5B-B98E-CDB103B5D1B8}" sibTransId="{8F224685-50DB-4839-85D6-BA3606041EBF}"/>
     <dgm:cxn modelId="{2450A74E-017D-4228-843D-4B58F429494F}" srcId="{BF062759-82A3-4EE6-8B7D-352DA80FED78}" destId="{58D83055-D030-43E5-9416-99E2EA94DAE9}" srcOrd="0" destOrd="0" parTransId="{C830BC5C-B99A-4851-9221-DB92EC30C18C}" sibTransId="{78F890E6-46BC-4337-8533-14B6EEC84A4C}"/>
     <dgm:cxn modelId="{C51F55C3-2602-4C73-8F58-7E89904527D6}" type="presOf" srcId="{ED8C6F13-9AE5-48F3-9E7D-DFFA59D5DA38}" destId="{8B253DC2-B939-4DFC-A16E-B01B88769EE1}" srcOrd="0" destOrd="1" presId="urn:microsoft.com/office/officeart/2005/8/layout/hProcess9"/>
     <dgm:cxn modelId="{1D18664A-1349-4004-8982-DF8E93BE35A8}" srcId="{ABE8702E-C85F-4DF3-BEE1-89127B3D166E}" destId="{19780FB9-F640-477D-8EBB-AA1833FE98F4}" srcOrd="1" destOrd="0" parTransId="{696747B4-73AC-4923-B2AF-0B24180240F3}" sibTransId="{CDF2244A-28E3-49D3-8CA1-1FB79F42DB1F}"/>
@@ -32730,7 +32751,16 @@
                 </a:solidFill>
                 <a:hlinkClick r:id="rId5"/>
               </a:rPr>
-              <a:t>http://jsfiddle.net/spietrek/VKbpu/2</a:t>
+              <a:t>http://</a:t>
+            </a:r>
+            <a:r>
+              <a:rPr lang="en-US" dirty="0" smtClean="0">
+                <a:solidFill>
+                  <a:schemeClr val="bg1"/>
+                </a:solidFill>
+                <a:hlinkClick r:id="rId5"/>
+              </a:rPr>
+              <a:t>jsfiddle.net/spietrek/VKbpu/3</a:t>
             </a:r>
             <a:endParaRPr lang="en-US" dirty="0">
               <a:solidFill>
@@ -33741,11 +33771,7 @@
           <a:p>
             <a:r>
               <a:rPr lang="en-US" dirty="0" smtClean="0"/>
-              <a:t>Data models </a:t>
-            </a:r>
-            <a:r>
-              <a:rPr lang="en-US" dirty="0" smtClean="0"/>
-              <a:t>which are POJO's</a:t>
+              <a:t>Data models which are POJO's</a:t>
             </a:r>
           </a:p>
           <a:p>
@@ -33770,7 +33796,6 @@
               <a:rPr lang="en-US" dirty="0" smtClean="0"/>
               <a:t>Expressions</a:t>
             </a:r>
-            <a:endParaRPr lang="en-US" dirty="0" smtClean="0"/>
           </a:p>
           <a:p>
             <a:pPr marL="0" indent="0">
@@ -38707,7 +38732,7 @@
               <a:rPr lang="en-US" sz="2800" dirty="0" smtClean="0">
                 <a:hlinkClick r:id="rId3"/>
               </a:rPr>
-              <a:t>jsfiddle.net/spietrek/VKbpu/2/</a:t>
+              <a:t>jsfiddle.net/spietrek/VKbpu/3/</a:t>
             </a:r>
             <a:r>
               <a:rPr lang="en-US" sz="2800" dirty="0" smtClean="0"/>
@@ -40407,7 +40432,7 @@
           </a:ln>
           <a:extLst>
             <a:ext uri="{91240B29-F687-4f45-9708-019B960494DF}">
-              <a14:hiddenLine xmlns="" xmlns:a14="http://schemas.microsoft.com/office/drawing/2010/main" w="9525">
+              <a14:hiddenLine xmlns:a14="http://schemas.microsoft.com/office/drawing/2010/main" xmlns="" w="9525">
                 <a:solidFill>
                   <a:srgbClr val="000000"/>
                 </a:solidFill>
@@ -40461,7 +40486,7 @@
           </a:ln>
           <a:extLst>
             <a:ext uri="{91240B29-F687-4f45-9708-019B960494DF}">
-              <a14:hiddenLine xmlns="" xmlns:a14="http://schemas.microsoft.com/office/drawing/2010/main" w="9525">
+              <a14:hiddenLine xmlns:a14="http://schemas.microsoft.com/office/drawing/2010/main" xmlns="" w="9525">
                 <a:solidFill>
                   <a:srgbClr val="000000"/>
                 </a:solidFill>

--- a/Building SPAs in SharePoint Using AngularJS.pptx
+++ b/Building SPAs in SharePoint Using AngularJS.pptx
@@ -10199,24 +10199,24 @@
     </dgm:pt>
   </dgm:ptLst>
   <dgm:cxnLst>
-    <dgm:cxn modelId="{957C551D-31A8-4286-A3AE-C5928DB663CE}" srcId="{356F6FEF-38C8-437A-8562-86A5ED3F5885}" destId="{640CA9BD-09C1-4472-8DAC-0F150EC5E678}" srcOrd="0" destOrd="0" parTransId="{90609DF7-843B-4BEF-A3B5-89270E6B0951}" sibTransId="{67B503AA-82FD-4AA4-8357-3D8B59D6160B}"/>
+    <dgm:cxn modelId="{E3127806-8416-954D-A6C0-94B0BC97C2AA}" type="presOf" srcId="{11888A7B-1E89-45E6-84F4-EF92B26189CD}" destId="{FE18ED5F-9A71-45CE-87E6-C0921B5A24D6}" srcOrd="1" destOrd="0" presId="urn:microsoft.com/office/officeart/2005/8/layout/list1"/>
+    <dgm:cxn modelId="{C1F80965-071B-3D4F-AFAF-6DF7C0896EE4}" type="presOf" srcId="{356F6FEF-38C8-437A-8562-86A5ED3F5885}" destId="{1F18BCE3-3253-48F7-AD42-D7032F677CFA}" srcOrd="0" destOrd="0" presId="urn:microsoft.com/office/officeart/2005/8/layout/list1"/>
+    <dgm:cxn modelId="{392AE56A-6939-469F-BFEC-2DEEC6ABC100}" srcId="{2EFB202A-8611-4DDC-831D-D12EB67B6CF7}" destId="{712EDDD5-F1C9-457B-A81D-F94868058B44}" srcOrd="1" destOrd="0" parTransId="{5E2CC1CB-7E12-4298-9BE5-B8F6683E4161}" sibTransId="{630DB5C2-135D-425B-B7D5-1F5FFE12BF3B}"/>
     <dgm:cxn modelId="{4F9AE3DC-6826-8A4D-B505-94DC9489C9FE}" type="presOf" srcId="{11888A7B-1E89-45E6-84F4-EF92B26189CD}" destId="{75922BE6-701E-4BA9-A4D0-D411670A834F}" srcOrd="0" destOrd="0" presId="urn:microsoft.com/office/officeart/2005/8/layout/list1"/>
-    <dgm:cxn modelId="{9301CB8B-3F2F-0B41-A368-34AF9EF5EA9A}" type="presOf" srcId="{FD0C6DBE-1630-40B2-B624-EC1F16E42DB3}" destId="{B014BCF9-3CF0-4932-9F01-C8EDA8E469DD}" srcOrd="0" destOrd="0" presId="urn:microsoft.com/office/officeart/2005/8/layout/list1"/>
-    <dgm:cxn modelId="{931A4804-A23A-C740-B368-1414E352C043}" type="presOf" srcId="{712EDDD5-F1C9-457B-A81D-F94868058B44}" destId="{1CF0D767-27A0-4A0D-8AD7-1C805538B782}" srcOrd="1" destOrd="0" presId="urn:microsoft.com/office/officeart/2005/8/layout/list1"/>
-    <dgm:cxn modelId="{392AE56A-6939-469F-BFEC-2DEEC6ABC100}" srcId="{2EFB202A-8611-4DDC-831D-D12EB67B6CF7}" destId="{712EDDD5-F1C9-457B-A81D-F94868058B44}" srcOrd="1" destOrd="0" parTransId="{5E2CC1CB-7E12-4298-9BE5-B8F6683E4161}" sibTransId="{630DB5C2-135D-425B-B7D5-1F5FFE12BF3B}"/>
-    <dgm:cxn modelId="{9141C1C8-F12D-5F40-B46B-E7C97FEC40BB}" type="presOf" srcId="{640CA9BD-09C1-4472-8DAC-0F150EC5E678}" destId="{065ED812-3110-45CB-BF60-C55BC725AA59}" srcOrd="0" destOrd="0" presId="urn:microsoft.com/office/officeart/2005/8/layout/list1"/>
     <dgm:cxn modelId="{B2BF21B1-CBE7-4C5C-AEA8-BEC7AD474AA5}" srcId="{712EDDD5-F1C9-457B-A81D-F94868058B44}" destId="{FD0C6DBE-1630-40B2-B624-EC1F16E42DB3}" srcOrd="0" destOrd="0" parTransId="{E36B8C3A-F1B5-43BA-A80E-BB09E617B100}" sibTransId="{277B567A-A827-446E-9BF5-7F70AD3D8524}"/>
-    <dgm:cxn modelId="{5DB7BC28-D7CA-1B49-A41F-F46BA13EE219}" type="presOf" srcId="{2EFB202A-8611-4DDC-831D-D12EB67B6CF7}" destId="{C451E4B4-999F-4453-A3DD-8163324A608E}" srcOrd="0" destOrd="0" presId="urn:microsoft.com/office/officeart/2005/8/layout/list1"/>
-    <dgm:cxn modelId="{001054AC-F72E-7F41-9B3D-175F92FD768F}" type="presOf" srcId="{C65DEFF2-AA86-49F1-98AF-ECC7C9A55F8F}" destId="{D0247A5C-194D-40DD-ACBA-7E963F02BAC5}" srcOrd="0" destOrd="0" presId="urn:microsoft.com/office/officeart/2005/8/layout/list1"/>
-    <dgm:cxn modelId="{C1F80965-071B-3D4F-AFAF-6DF7C0896EE4}" type="presOf" srcId="{356F6FEF-38C8-437A-8562-86A5ED3F5885}" destId="{1F18BCE3-3253-48F7-AD42-D7032F677CFA}" srcOrd="0" destOrd="0" presId="urn:microsoft.com/office/officeart/2005/8/layout/list1"/>
     <dgm:cxn modelId="{CD3DBCEC-EEDA-4109-81A5-6979404266EF}" srcId="{356F6FEF-38C8-437A-8562-86A5ED3F5885}" destId="{77C3ADDA-CBFC-4773-939B-B820C1A52764}" srcOrd="1" destOrd="0" parTransId="{3B3B282E-7AC6-4347-8A0C-2E7D6FE9EC7F}" sibTransId="{A98AC8CF-021B-48F8-A127-D60CBE6EB071}"/>
     <dgm:cxn modelId="{F1ACF037-5EAE-E441-A81B-F68BEAAF78C1}" type="presOf" srcId="{77C3ADDA-CBFC-4773-939B-B820C1A52764}" destId="{065ED812-3110-45CB-BF60-C55BC725AA59}" srcOrd="0" destOrd="1" presId="urn:microsoft.com/office/officeart/2005/8/layout/list1"/>
+    <dgm:cxn modelId="{5376348D-4465-4E2E-9DB8-EA1F5276717B}" srcId="{2EFB202A-8611-4DDC-831D-D12EB67B6CF7}" destId="{11888A7B-1E89-45E6-84F4-EF92B26189CD}" srcOrd="0" destOrd="0" parTransId="{6043087E-917B-44BC-97F8-41385FD50DC3}" sibTransId="{438F37F5-E676-4BB5-A241-95D895E1B43F}"/>
     <dgm:cxn modelId="{8247D1A2-555D-4B39-B44D-5F2B5AE64242}" srcId="{2EFB202A-8611-4DDC-831D-D12EB67B6CF7}" destId="{356F6FEF-38C8-437A-8562-86A5ED3F5885}" srcOrd="2" destOrd="0" parTransId="{BD9B34C9-939F-47F5-A040-1B30C9EEA310}" sibTransId="{665399A3-A410-4656-8F7E-3FAB641DE891}"/>
+    <dgm:cxn modelId="{444BF4C1-45F8-4DAC-80A4-B20302E0D326}" srcId="{11888A7B-1E89-45E6-84F4-EF92B26189CD}" destId="{C65DEFF2-AA86-49F1-98AF-ECC7C9A55F8F}" srcOrd="0" destOrd="0" parTransId="{8C366E53-622D-45E5-9076-7C960E3333CC}" sibTransId="{2FD13AAE-85C2-4DED-BE23-DB3E95AF1C43}"/>
+    <dgm:cxn modelId="{957C551D-31A8-4286-A3AE-C5928DB663CE}" srcId="{356F6FEF-38C8-437A-8562-86A5ED3F5885}" destId="{640CA9BD-09C1-4472-8DAC-0F150EC5E678}" srcOrd="0" destOrd="0" parTransId="{90609DF7-843B-4BEF-A3B5-89270E6B0951}" sibTransId="{67B503AA-82FD-4AA4-8357-3D8B59D6160B}"/>
+    <dgm:cxn modelId="{9301CB8B-3F2F-0B41-A368-34AF9EF5EA9A}" type="presOf" srcId="{FD0C6DBE-1630-40B2-B624-EC1F16E42DB3}" destId="{B014BCF9-3CF0-4932-9F01-C8EDA8E469DD}" srcOrd="0" destOrd="0" presId="urn:microsoft.com/office/officeart/2005/8/layout/list1"/>
+    <dgm:cxn modelId="{001054AC-F72E-7F41-9B3D-175F92FD768F}" type="presOf" srcId="{C65DEFF2-AA86-49F1-98AF-ECC7C9A55F8F}" destId="{D0247A5C-194D-40DD-ACBA-7E963F02BAC5}" srcOrd="0" destOrd="0" presId="urn:microsoft.com/office/officeart/2005/8/layout/list1"/>
+    <dgm:cxn modelId="{4782F6B3-5C00-EA48-B55F-B2AD7A3A4335}" type="presOf" srcId="{712EDDD5-F1C9-457B-A81D-F94868058B44}" destId="{75A39EDD-D781-43E1-9360-E6E730441671}" srcOrd="0" destOrd="0" presId="urn:microsoft.com/office/officeart/2005/8/layout/list1"/>
+    <dgm:cxn modelId="{9141C1C8-F12D-5F40-B46B-E7C97FEC40BB}" type="presOf" srcId="{640CA9BD-09C1-4472-8DAC-0F150EC5E678}" destId="{065ED812-3110-45CB-BF60-C55BC725AA59}" srcOrd="0" destOrd="0" presId="urn:microsoft.com/office/officeart/2005/8/layout/list1"/>
     <dgm:cxn modelId="{B67482D2-CA92-EE49-809A-1AF1712B376C}" type="presOf" srcId="{356F6FEF-38C8-437A-8562-86A5ED3F5885}" destId="{25AD4B18-A6F3-4E52-A6B5-53F7A9EAF766}" srcOrd="1" destOrd="0" presId="urn:microsoft.com/office/officeart/2005/8/layout/list1"/>
-    <dgm:cxn modelId="{444BF4C1-45F8-4DAC-80A4-B20302E0D326}" srcId="{11888A7B-1E89-45E6-84F4-EF92B26189CD}" destId="{C65DEFF2-AA86-49F1-98AF-ECC7C9A55F8F}" srcOrd="0" destOrd="0" parTransId="{8C366E53-622D-45E5-9076-7C960E3333CC}" sibTransId="{2FD13AAE-85C2-4DED-BE23-DB3E95AF1C43}"/>
-    <dgm:cxn modelId="{5376348D-4465-4E2E-9DB8-EA1F5276717B}" srcId="{2EFB202A-8611-4DDC-831D-D12EB67B6CF7}" destId="{11888A7B-1E89-45E6-84F4-EF92B26189CD}" srcOrd="0" destOrd="0" parTransId="{6043087E-917B-44BC-97F8-41385FD50DC3}" sibTransId="{438F37F5-E676-4BB5-A241-95D895E1B43F}"/>
-    <dgm:cxn modelId="{4782F6B3-5C00-EA48-B55F-B2AD7A3A4335}" type="presOf" srcId="{712EDDD5-F1C9-457B-A81D-F94868058B44}" destId="{75A39EDD-D781-43E1-9360-E6E730441671}" srcOrd="0" destOrd="0" presId="urn:microsoft.com/office/officeart/2005/8/layout/list1"/>
-    <dgm:cxn modelId="{E3127806-8416-954D-A6C0-94B0BC97C2AA}" type="presOf" srcId="{11888A7B-1E89-45E6-84F4-EF92B26189CD}" destId="{FE18ED5F-9A71-45CE-87E6-C0921B5A24D6}" srcOrd="1" destOrd="0" presId="urn:microsoft.com/office/officeart/2005/8/layout/list1"/>
+    <dgm:cxn modelId="{931A4804-A23A-C740-B368-1414E352C043}" type="presOf" srcId="{712EDDD5-F1C9-457B-A81D-F94868058B44}" destId="{1CF0D767-27A0-4A0D-8AD7-1C805538B782}" srcOrd="1" destOrd="0" presId="urn:microsoft.com/office/officeart/2005/8/layout/list1"/>
+    <dgm:cxn modelId="{5DB7BC28-D7CA-1B49-A41F-F46BA13EE219}" type="presOf" srcId="{2EFB202A-8611-4DDC-831D-D12EB67B6CF7}" destId="{C451E4B4-999F-4453-A3DD-8163324A608E}" srcOrd="0" destOrd="0" presId="urn:microsoft.com/office/officeart/2005/8/layout/list1"/>
     <dgm:cxn modelId="{5FD971CB-C9D9-3D49-B228-719C82CDAA0F}" type="presParOf" srcId="{C451E4B4-999F-4453-A3DD-8163324A608E}" destId="{6293A9EF-C215-42FA-A704-64EE0A15C16B}" srcOrd="0" destOrd="0" presId="urn:microsoft.com/office/officeart/2005/8/layout/list1"/>
     <dgm:cxn modelId="{2658A61D-C6EB-C445-BFAD-C541434AA777}" type="presParOf" srcId="{6293A9EF-C215-42FA-A704-64EE0A15C16B}" destId="{75922BE6-701E-4BA9-A4D0-D411670A834F}" srcOrd="0" destOrd="0" presId="urn:microsoft.com/office/officeart/2005/8/layout/list1"/>
     <dgm:cxn modelId="{6651486A-EC47-CF42-8472-AF4CEB00F5E7}" type="presParOf" srcId="{6293A9EF-C215-42FA-A704-64EE0A15C16B}" destId="{FE18ED5F-9A71-45CE-87E6-C0921B5A24D6}" srcOrd="1" destOrd="0" presId="urn:microsoft.com/office/officeart/2005/8/layout/list1"/>
@@ -11313,8 +11313,8 @@
     <dgm:cxn modelId="{7DB6483A-B80D-42D2-BF45-8FC42D52B7C2}" srcId="{06ABEAEB-0AB1-4B03-9DB2-1747D846F76E}" destId="{FE3B62F3-16B2-4505-A781-2C5EA89C0A75}" srcOrd="1" destOrd="0" parTransId="{FCE8BF76-8459-44A6-AF47-516739743B79}" sibTransId="{BBFF9749-C9E0-4A6F-93AB-6AB20DBCFFA6}"/>
     <dgm:cxn modelId="{19922D7B-B1AD-4DE5-BEB1-700D46ACC036}" type="presOf" srcId="{54E4D10D-9956-43BF-A898-E51BAEB96E54}" destId="{F8F803D2-F894-4A68-9008-99F98DB3F7B5}" srcOrd="0" destOrd="1" presId="urn:microsoft.com/office/officeart/2005/8/layout/hProcess9"/>
     <dgm:cxn modelId="{3F8C2EF0-7EEC-4535-8BDD-B9F85B2EB2EB}" type="presOf" srcId="{3D2CA84F-7F83-488E-9CE9-2466A7E58E8C}" destId="{C5C479F1-027C-425C-A0B3-5734FC2D9DF4}" srcOrd="0" destOrd="3" presId="urn:microsoft.com/office/officeart/2005/8/layout/hProcess9"/>
+    <dgm:cxn modelId="{72AD5F0C-B437-4BFC-9665-757831C46FEF}" type="presOf" srcId="{7BAE7899-E3C2-4B98-B54B-7CF98FABE6C9}" destId="{C5C479F1-027C-425C-A0B3-5734FC2D9DF4}" srcOrd="0" destOrd="0" presId="urn:microsoft.com/office/officeart/2005/8/layout/hProcess9"/>
     <dgm:cxn modelId="{C9FA1EB8-5B24-40AF-8C62-2AE1AFD2A8CC}" srcId="{95A2F766-9D02-45F9-8F0E-E4477259B64E}" destId="{ABE8702E-C85F-4DF3-BEE1-89127B3D166E}" srcOrd="3" destOrd="0" parTransId="{1A83ADD3-FE8B-4D5B-B98E-CDB103B5D1B8}" sibTransId="{8F224685-50DB-4839-85D6-BA3606041EBF}"/>
-    <dgm:cxn modelId="{72AD5F0C-B437-4BFC-9665-757831C46FEF}" type="presOf" srcId="{7BAE7899-E3C2-4B98-B54B-7CF98FABE6C9}" destId="{C5C479F1-027C-425C-A0B3-5734FC2D9DF4}" srcOrd="0" destOrd="0" presId="urn:microsoft.com/office/officeart/2005/8/layout/hProcess9"/>
     <dgm:cxn modelId="{2450A74E-017D-4228-843D-4B58F429494F}" srcId="{BF062759-82A3-4EE6-8B7D-352DA80FED78}" destId="{58D83055-D030-43E5-9416-99E2EA94DAE9}" srcOrd="0" destOrd="0" parTransId="{C830BC5C-B99A-4851-9221-DB92EC30C18C}" sibTransId="{78F890E6-46BC-4337-8533-14B6EEC84A4C}"/>
     <dgm:cxn modelId="{C51F55C3-2602-4C73-8F58-7E89904527D6}" type="presOf" srcId="{ED8C6F13-9AE5-48F3-9E7D-DFFA59D5DA38}" destId="{8B253DC2-B939-4DFC-A16E-B01B88769EE1}" srcOrd="0" destOrd="1" presId="urn:microsoft.com/office/officeart/2005/8/layout/hProcess9"/>
     <dgm:cxn modelId="{1D18664A-1349-4004-8982-DF8E93BE35A8}" srcId="{ABE8702E-C85F-4DF3-BEE1-89127B3D166E}" destId="{19780FB9-F640-477D-8EBB-AA1833FE98F4}" srcOrd="1" destOrd="0" parTransId="{696747B4-73AC-4923-B2AF-0B24180240F3}" sibTransId="{CDF2244A-28E3-49D3-8CA1-1FB79F42DB1F}"/>
@@ -11353,1168 +11353,6 @@
       <dsp:cNvGrpSpPr/>
     </dsp:nvGrpSpPr>
     <dsp:grpSpPr/>
-    <dsp:sp modelId="{CFDA206A-66D4-4CB9-AD9B-54A2785435CF}">
-      <dsp:nvSpPr>
-        <dsp:cNvPr id="0" name=""/>
-        <dsp:cNvSpPr/>
-      </dsp:nvSpPr>
-      <dsp:spPr>
-        <a:xfrm>
-          <a:off x="3568" y="392199"/>
-          <a:ext cx="1931900" cy="1159140"/>
-        </a:xfrm>
-        <a:prstGeom prst="rect">
-          <a:avLst/>
-        </a:prstGeom>
-        <a:solidFill>
-          <a:schemeClr val="accent2">
-            <a:hueOff val="0"/>
-            <a:satOff val="0"/>
-            <a:lumOff val="0"/>
-            <a:alphaOff val="0"/>
-          </a:schemeClr>
-        </a:solidFill>
-        <a:ln w="12700" cap="flat" cmpd="sng" algn="ctr">
-          <a:solidFill>
-            <a:schemeClr val="lt1">
-              <a:hueOff val="0"/>
-              <a:satOff val="0"/>
-              <a:lumOff val="0"/>
-              <a:alphaOff val="0"/>
-            </a:schemeClr>
-          </a:solidFill>
-          <a:prstDash val="solid"/>
-          <a:miter lim="800000"/>
-        </a:ln>
-        <a:effectLst/>
-      </dsp:spPr>
-      <dsp:style>
-        <a:lnRef idx="2">
-          <a:scrgbClr r="0" g="0" b="0"/>
-        </a:lnRef>
-        <a:fillRef idx="1">
-          <a:scrgbClr r="0" g="0" b="0"/>
-        </a:fillRef>
-        <a:effectRef idx="0">
-          <a:scrgbClr r="0" g="0" b="0"/>
-        </a:effectRef>
-        <a:fontRef idx="minor">
-          <a:schemeClr val="lt1"/>
-        </a:fontRef>
-      </dsp:style>
-      <dsp:txBody>
-        <a:bodyPr spcFirstLastPara="0" vert="horz" wrap="square" lIns="87630" tIns="87630" rIns="87630" bIns="87630" numCol="1" spcCol="1270" anchor="ctr" anchorCtr="0">
-          <a:noAutofit/>
-        </a:bodyPr>
-        <a:lstStyle/>
-        <a:p>
-          <a:pPr lvl="0" algn="ctr" defTabSz="1022350">
-            <a:lnSpc>
-              <a:spcPct val="90000"/>
-            </a:lnSpc>
-            <a:spcBef>
-              <a:spcPct val="0"/>
-            </a:spcBef>
-            <a:spcAft>
-              <a:spcPct val="35000"/>
-            </a:spcAft>
-          </a:pPr>
-          <a:r>
-            <a:rPr lang="en-US" sz="2300" kern="1200" dirty="0" smtClean="0"/>
-            <a:t>Backed by Google &amp; Community</a:t>
-          </a:r>
-          <a:endParaRPr lang="en-US" sz="2300" kern="1200" dirty="0"/>
-        </a:p>
-      </dsp:txBody>
-      <dsp:txXfrm>
-        <a:off x="3568" y="392199"/>
-        <a:ext cx="1931900" cy="1159140"/>
-      </dsp:txXfrm>
-    </dsp:sp>
-    <dsp:sp modelId="{79C4F599-DAA5-4B64-B839-E136F05674D1}">
-      <dsp:nvSpPr>
-        <dsp:cNvPr id="0" name=""/>
-        <dsp:cNvSpPr/>
-      </dsp:nvSpPr>
-      <dsp:spPr>
-        <a:xfrm>
-          <a:off x="2128658" y="392199"/>
-          <a:ext cx="1931900" cy="1159140"/>
-        </a:xfrm>
-        <a:prstGeom prst="rect">
-          <a:avLst/>
-        </a:prstGeom>
-        <a:solidFill>
-          <a:schemeClr val="accent2">
-            <a:hueOff val="0"/>
-            <a:satOff val="0"/>
-            <a:lumOff val="-784"/>
-            <a:alphaOff val="0"/>
-          </a:schemeClr>
-        </a:solidFill>
-        <a:ln w="12700" cap="flat" cmpd="sng" algn="ctr">
-          <a:solidFill>
-            <a:schemeClr val="lt1">
-              <a:hueOff val="0"/>
-              <a:satOff val="0"/>
-              <a:lumOff val="0"/>
-              <a:alphaOff val="0"/>
-            </a:schemeClr>
-          </a:solidFill>
-          <a:prstDash val="solid"/>
-          <a:miter lim="800000"/>
-        </a:ln>
-        <a:effectLst/>
-      </dsp:spPr>
-      <dsp:style>
-        <a:lnRef idx="2">
-          <a:scrgbClr r="0" g="0" b="0"/>
-        </a:lnRef>
-        <a:fillRef idx="1">
-          <a:scrgbClr r="0" g="0" b="0"/>
-        </a:fillRef>
-        <a:effectRef idx="0">
-          <a:scrgbClr r="0" g="0" b="0"/>
-        </a:effectRef>
-        <a:fontRef idx="minor">
-          <a:schemeClr val="lt1"/>
-        </a:fontRef>
-      </dsp:style>
-      <dsp:txBody>
-        <a:bodyPr spcFirstLastPara="0" vert="horz" wrap="square" lIns="87630" tIns="87630" rIns="87630" bIns="87630" numCol="1" spcCol="1270" anchor="ctr" anchorCtr="0">
-          <a:noAutofit/>
-        </a:bodyPr>
-        <a:lstStyle/>
-        <a:p>
-          <a:pPr lvl="0" algn="ctr" defTabSz="1022350">
-            <a:lnSpc>
-              <a:spcPct val="90000"/>
-            </a:lnSpc>
-            <a:spcBef>
-              <a:spcPct val="0"/>
-            </a:spcBef>
-            <a:spcAft>
-              <a:spcPct val="35000"/>
-            </a:spcAft>
-          </a:pPr>
-          <a:r>
-            <a:rPr lang="en-US" sz="2300" kern="1200" dirty="0" smtClean="0"/>
-            <a:t>Great for SPA’s</a:t>
-          </a:r>
-          <a:endParaRPr lang="en-US" sz="2300" kern="1200" dirty="0"/>
-        </a:p>
-      </dsp:txBody>
-      <dsp:txXfrm>
-        <a:off x="2128658" y="392199"/>
-        <a:ext cx="1931900" cy="1159140"/>
-      </dsp:txXfrm>
-    </dsp:sp>
-    <dsp:sp modelId="{323D8D7F-73C3-4AE0-ADFF-DEA47ACAEAEC}">
-      <dsp:nvSpPr>
-        <dsp:cNvPr id="0" name=""/>
-        <dsp:cNvSpPr/>
-      </dsp:nvSpPr>
-      <dsp:spPr>
-        <a:xfrm>
-          <a:off x="4253749" y="392199"/>
-          <a:ext cx="1931900" cy="1159140"/>
-        </a:xfrm>
-        <a:prstGeom prst="rect">
-          <a:avLst/>
-        </a:prstGeom>
-        <a:solidFill>
-          <a:schemeClr val="accent2">
-            <a:hueOff val="0"/>
-            <a:satOff val="0"/>
-            <a:lumOff val="-1569"/>
-            <a:alphaOff val="0"/>
-          </a:schemeClr>
-        </a:solidFill>
-        <a:ln w="12700" cap="flat" cmpd="sng" algn="ctr">
-          <a:solidFill>
-            <a:schemeClr val="lt1">
-              <a:hueOff val="0"/>
-              <a:satOff val="0"/>
-              <a:lumOff val="0"/>
-              <a:alphaOff val="0"/>
-            </a:schemeClr>
-          </a:solidFill>
-          <a:prstDash val="solid"/>
-          <a:miter lim="800000"/>
-        </a:ln>
-        <a:effectLst/>
-      </dsp:spPr>
-      <dsp:style>
-        <a:lnRef idx="2">
-          <a:scrgbClr r="0" g="0" b="0"/>
-        </a:lnRef>
-        <a:fillRef idx="1">
-          <a:scrgbClr r="0" g="0" b="0"/>
-        </a:fillRef>
-        <a:effectRef idx="0">
-          <a:scrgbClr r="0" g="0" b="0"/>
-        </a:effectRef>
-        <a:fontRef idx="minor">
-          <a:schemeClr val="lt1"/>
-        </a:fontRef>
-      </dsp:style>
-      <dsp:txBody>
-        <a:bodyPr spcFirstLastPara="0" vert="horz" wrap="square" lIns="87630" tIns="87630" rIns="87630" bIns="87630" numCol="1" spcCol="1270" anchor="ctr" anchorCtr="0">
-          <a:noAutofit/>
-        </a:bodyPr>
-        <a:lstStyle/>
-        <a:p>
-          <a:pPr lvl="0" algn="ctr" defTabSz="1022350">
-            <a:lnSpc>
-              <a:spcPct val="90000"/>
-            </a:lnSpc>
-            <a:spcBef>
-              <a:spcPct val="0"/>
-            </a:spcBef>
-            <a:spcAft>
-              <a:spcPct val="35000"/>
-            </a:spcAft>
-          </a:pPr>
-          <a:r>
-            <a:rPr lang="en-US" sz="2300" kern="1200" dirty="0" smtClean="0"/>
-            <a:t>Two-way Data Binding</a:t>
-          </a:r>
-          <a:endParaRPr lang="en-US" sz="2300" kern="1200" dirty="0"/>
-        </a:p>
-      </dsp:txBody>
-      <dsp:txXfrm>
-        <a:off x="4253749" y="392199"/>
-        <a:ext cx="1931900" cy="1159140"/>
-      </dsp:txXfrm>
-    </dsp:sp>
-    <dsp:sp modelId="{F42622AE-00E9-46E6-B25C-7610AB5BE17A}">
-      <dsp:nvSpPr>
-        <dsp:cNvPr id="0" name=""/>
-        <dsp:cNvSpPr/>
-      </dsp:nvSpPr>
-      <dsp:spPr>
-        <a:xfrm>
-          <a:off x="6378840" y="392199"/>
-          <a:ext cx="1931900" cy="1159140"/>
-        </a:xfrm>
-        <a:prstGeom prst="rect">
-          <a:avLst/>
-        </a:prstGeom>
-        <a:solidFill>
-          <a:schemeClr val="accent2">
-            <a:hueOff val="0"/>
-            <a:satOff val="0"/>
-            <a:lumOff val="-2353"/>
-            <a:alphaOff val="0"/>
-          </a:schemeClr>
-        </a:solidFill>
-        <a:ln w="12700" cap="flat" cmpd="sng" algn="ctr">
-          <a:solidFill>
-            <a:schemeClr val="lt1">
-              <a:hueOff val="0"/>
-              <a:satOff val="0"/>
-              <a:lumOff val="0"/>
-              <a:alphaOff val="0"/>
-            </a:schemeClr>
-          </a:solidFill>
-          <a:prstDash val="solid"/>
-          <a:miter lim="800000"/>
-        </a:ln>
-        <a:effectLst/>
-      </dsp:spPr>
-      <dsp:style>
-        <a:lnRef idx="2">
-          <a:scrgbClr r="0" g="0" b="0"/>
-        </a:lnRef>
-        <a:fillRef idx="1">
-          <a:scrgbClr r="0" g="0" b="0"/>
-        </a:fillRef>
-        <a:effectRef idx="0">
-          <a:scrgbClr r="0" g="0" b="0"/>
-        </a:effectRef>
-        <a:fontRef idx="minor">
-          <a:schemeClr val="lt1"/>
-        </a:fontRef>
-      </dsp:style>
-      <dsp:txBody>
-        <a:bodyPr spcFirstLastPara="0" vert="horz" wrap="square" lIns="87630" tIns="87630" rIns="87630" bIns="87630" numCol="1" spcCol="1270" anchor="ctr" anchorCtr="0">
-          <a:noAutofit/>
-        </a:bodyPr>
-        <a:lstStyle/>
-        <a:p>
-          <a:pPr lvl="0" algn="ctr" defTabSz="1022350">
-            <a:lnSpc>
-              <a:spcPct val="90000"/>
-            </a:lnSpc>
-            <a:spcBef>
-              <a:spcPct val="0"/>
-            </a:spcBef>
-            <a:spcAft>
-              <a:spcPct val="35000"/>
-            </a:spcAft>
-          </a:pPr>
-          <a:r>
-            <a:rPr lang="en-US" sz="2300" kern="1200" dirty="0" smtClean="0"/>
-            <a:t>MV*</a:t>
-          </a:r>
-          <a:endParaRPr lang="en-US" sz="2300" kern="1200" dirty="0"/>
-        </a:p>
-      </dsp:txBody>
-      <dsp:txXfrm>
-        <a:off x="6378840" y="392199"/>
-        <a:ext cx="1931900" cy="1159140"/>
-      </dsp:txXfrm>
-    </dsp:sp>
-    <dsp:sp modelId="{CEE8964B-4B00-4631-A3E8-5C19D9F55D5D}">
-      <dsp:nvSpPr>
-        <dsp:cNvPr id="0" name=""/>
-        <dsp:cNvSpPr/>
-      </dsp:nvSpPr>
-      <dsp:spPr>
-        <a:xfrm>
-          <a:off x="8503931" y="392199"/>
-          <a:ext cx="1931900" cy="1159140"/>
-        </a:xfrm>
-        <a:prstGeom prst="rect">
-          <a:avLst/>
-        </a:prstGeom>
-        <a:solidFill>
-          <a:schemeClr val="accent2">
-            <a:hueOff val="0"/>
-            <a:satOff val="0"/>
-            <a:lumOff val="-3137"/>
-            <a:alphaOff val="0"/>
-          </a:schemeClr>
-        </a:solidFill>
-        <a:ln w="12700" cap="flat" cmpd="sng" algn="ctr">
-          <a:solidFill>
-            <a:schemeClr val="lt1">
-              <a:hueOff val="0"/>
-              <a:satOff val="0"/>
-              <a:lumOff val="0"/>
-              <a:alphaOff val="0"/>
-            </a:schemeClr>
-          </a:solidFill>
-          <a:prstDash val="solid"/>
-          <a:miter lim="800000"/>
-        </a:ln>
-        <a:effectLst/>
-      </dsp:spPr>
-      <dsp:style>
-        <a:lnRef idx="2">
-          <a:scrgbClr r="0" g="0" b="0"/>
-        </a:lnRef>
-        <a:fillRef idx="1">
-          <a:scrgbClr r="0" g="0" b="0"/>
-        </a:fillRef>
-        <a:effectRef idx="0">
-          <a:scrgbClr r="0" g="0" b="0"/>
-        </a:effectRef>
-        <a:fontRef idx="minor">
-          <a:schemeClr val="lt1"/>
-        </a:fontRef>
-      </dsp:style>
-      <dsp:txBody>
-        <a:bodyPr spcFirstLastPara="0" vert="horz" wrap="square" lIns="87630" tIns="87630" rIns="87630" bIns="87630" numCol="1" spcCol="1270" anchor="ctr" anchorCtr="0">
-          <a:noAutofit/>
-        </a:bodyPr>
-        <a:lstStyle/>
-        <a:p>
-          <a:pPr lvl="0" algn="ctr" defTabSz="1022350">
-            <a:lnSpc>
-              <a:spcPct val="90000"/>
-            </a:lnSpc>
-            <a:spcBef>
-              <a:spcPct val="0"/>
-            </a:spcBef>
-            <a:spcAft>
-              <a:spcPct val="35000"/>
-            </a:spcAft>
-          </a:pPr>
-          <a:r>
-            <a:rPr lang="en-US" sz="2300" kern="1200" dirty="0" smtClean="0"/>
-            <a:t>Dependency Injection</a:t>
-          </a:r>
-          <a:endParaRPr lang="en-US" sz="2300" kern="1200" dirty="0"/>
-        </a:p>
-      </dsp:txBody>
-      <dsp:txXfrm>
-        <a:off x="8503931" y="392199"/>
-        <a:ext cx="1931900" cy="1159140"/>
-      </dsp:txXfrm>
-    </dsp:sp>
-    <dsp:sp modelId="{132B08A8-E421-4EA4-B062-31BC0FD62343}">
-      <dsp:nvSpPr>
-        <dsp:cNvPr id="0" name=""/>
-        <dsp:cNvSpPr/>
-      </dsp:nvSpPr>
-      <dsp:spPr>
-        <a:xfrm>
-          <a:off x="3568" y="1744529"/>
-          <a:ext cx="1931900" cy="1159140"/>
-        </a:xfrm>
-        <a:prstGeom prst="rect">
-          <a:avLst/>
-        </a:prstGeom>
-        <a:solidFill>
-          <a:schemeClr val="accent2">
-            <a:hueOff val="0"/>
-            <a:satOff val="0"/>
-            <a:lumOff val="-3921"/>
-            <a:alphaOff val="0"/>
-          </a:schemeClr>
-        </a:solidFill>
-        <a:ln w="12700" cap="flat" cmpd="sng" algn="ctr">
-          <a:solidFill>
-            <a:schemeClr val="lt1">
-              <a:hueOff val="0"/>
-              <a:satOff val="0"/>
-              <a:lumOff val="0"/>
-              <a:alphaOff val="0"/>
-            </a:schemeClr>
-          </a:solidFill>
-          <a:prstDash val="solid"/>
-          <a:miter lim="800000"/>
-        </a:ln>
-        <a:effectLst/>
-      </dsp:spPr>
-      <dsp:style>
-        <a:lnRef idx="2">
-          <a:scrgbClr r="0" g="0" b="0"/>
-        </a:lnRef>
-        <a:fillRef idx="1">
-          <a:scrgbClr r="0" g="0" b="0"/>
-        </a:fillRef>
-        <a:effectRef idx="0">
-          <a:scrgbClr r="0" g="0" b="0"/>
-        </a:effectRef>
-        <a:fontRef idx="minor">
-          <a:schemeClr val="lt1"/>
-        </a:fontRef>
-      </dsp:style>
-      <dsp:txBody>
-        <a:bodyPr spcFirstLastPara="0" vert="horz" wrap="square" lIns="87630" tIns="87630" rIns="87630" bIns="87630" numCol="1" spcCol="1270" anchor="ctr" anchorCtr="0">
-          <a:noAutofit/>
-        </a:bodyPr>
-        <a:lstStyle/>
-        <a:p>
-          <a:pPr lvl="0" algn="ctr" defTabSz="1022350">
-            <a:lnSpc>
-              <a:spcPct val="90000"/>
-            </a:lnSpc>
-            <a:spcBef>
-              <a:spcPct val="0"/>
-            </a:spcBef>
-            <a:spcAft>
-              <a:spcPct val="35000"/>
-            </a:spcAft>
-          </a:pPr>
-          <a:r>
-            <a:rPr lang="en-US" sz="2300" kern="1200" dirty="0" smtClean="0"/>
-            <a:t>Testing</a:t>
-          </a:r>
-          <a:endParaRPr lang="en-US" sz="2300" kern="1200" dirty="0"/>
-        </a:p>
-      </dsp:txBody>
-      <dsp:txXfrm>
-        <a:off x="3568" y="1744529"/>
-        <a:ext cx="1931900" cy="1159140"/>
-      </dsp:txXfrm>
-    </dsp:sp>
-    <dsp:sp modelId="{17459AAF-06DC-4C23-A450-BCC558EF88A4}">
-      <dsp:nvSpPr>
-        <dsp:cNvPr id="0" name=""/>
-        <dsp:cNvSpPr/>
-      </dsp:nvSpPr>
-      <dsp:spPr>
-        <a:xfrm>
-          <a:off x="2128658" y="1744529"/>
-          <a:ext cx="1931900" cy="1159140"/>
-        </a:xfrm>
-        <a:prstGeom prst="rect">
-          <a:avLst/>
-        </a:prstGeom>
-        <a:solidFill>
-          <a:schemeClr val="accent2">
-            <a:hueOff val="0"/>
-            <a:satOff val="0"/>
-            <a:lumOff val="-4706"/>
-            <a:alphaOff val="0"/>
-          </a:schemeClr>
-        </a:solidFill>
-        <a:ln w="12700" cap="flat" cmpd="sng" algn="ctr">
-          <a:solidFill>
-            <a:schemeClr val="lt1">
-              <a:hueOff val="0"/>
-              <a:satOff val="0"/>
-              <a:lumOff val="0"/>
-              <a:alphaOff val="0"/>
-            </a:schemeClr>
-          </a:solidFill>
-          <a:prstDash val="solid"/>
-          <a:miter lim="800000"/>
-        </a:ln>
-        <a:effectLst/>
-      </dsp:spPr>
-      <dsp:style>
-        <a:lnRef idx="2">
-          <a:scrgbClr r="0" g="0" b="0"/>
-        </a:lnRef>
-        <a:fillRef idx="1">
-          <a:scrgbClr r="0" g="0" b="0"/>
-        </a:fillRef>
-        <a:effectRef idx="0">
-          <a:scrgbClr r="0" g="0" b="0"/>
-        </a:effectRef>
-        <a:fontRef idx="minor">
-          <a:schemeClr val="lt1"/>
-        </a:fontRef>
-      </dsp:style>
-      <dsp:txBody>
-        <a:bodyPr spcFirstLastPara="0" vert="horz" wrap="square" lIns="87630" tIns="87630" rIns="87630" bIns="87630" numCol="1" spcCol="1270" anchor="ctr" anchorCtr="0">
-          <a:noAutofit/>
-        </a:bodyPr>
-        <a:lstStyle/>
-        <a:p>
-          <a:pPr lvl="0" algn="ctr" defTabSz="1022350">
-            <a:lnSpc>
-              <a:spcPct val="90000"/>
-            </a:lnSpc>
-            <a:spcBef>
-              <a:spcPct val="0"/>
-            </a:spcBef>
-            <a:spcAft>
-              <a:spcPct val="35000"/>
-            </a:spcAft>
-          </a:pPr>
-          <a:r>
-            <a:rPr lang="en-US" sz="2300" kern="1200" dirty="0" smtClean="0"/>
-            <a:t>jqLite</a:t>
-          </a:r>
-        </a:p>
-      </dsp:txBody>
-      <dsp:txXfrm>
-        <a:off x="2128658" y="1744529"/>
-        <a:ext cx="1931900" cy="1159140"/>
-      </dsp:txXfrm>
-    </dsp:sp>
-    <dsp:sp modelId="{CCBB4DFD-6C6B-4CC4-8737-4A003FB9F0DE}">
-      <dsp:nvSpPr>
-        <dsp:cNvPr id="0" name=""/>
-        <dsp:cNvSpPr/>
-      </dsp:nvSpPr>
-      <dsp:spPr>
-        <a:xfrm>
-          <a:off x="4253749" y="1744529"/>
-          <a:ext cx="1931900" cy="1159140"/>
-        </a:xfrm>
-        <a:prstGeom prst="rect">
-          <a:avLst/>
-        </a:prstGeom>
-        <a:solidFill>
-          <a:schemeClr val="accent2">
-            <a:hueOff val="0"/>
-            <a:satOff val="0"/>
-            <a:lumOff val="-5490"/>
-            <a:alphaOff val="0"/>
-          </a:schemeClr>
-        </a:solidFill>
-        <a:ln w="12700" cap="flat" cmpd="sng" algn="ctr">
-          <a:solidFill>
-            <a:schemeClr val="lt1">
-              <a:hueOff val="0"/>
-              <a:satOff val="0"/>
-              <a:lumOff val="0"/>
-              <a:alphaOff val="0"/>
-            </a:schemeClr>
-          </a:solidFill>
-          <a:prstDash val="solid"/>
-          <a:miter lim="800000"/>
-        </a:ln>
-        <a:effectLst/>
-      </dsp:spPr>
-      <dsp:style>
-        <a:lnRef idx="2">
-          <a:scrgbClr r="0" g="0" b="0"/>
-        </a:lnRef>
-        <a:fillRef idx="1">
-          <a:scrgbClr r="0" g="0" b="0"/>
-        </a:fillRef>
-        <a:effectRef idx="0">
-          <a:scrgbClr r="0" g="0" b="0"/>
-        </a:effectRef>
-        <a:fontRef idx="minor">
-          <a:schemeClr val="lt1"/>
-        </a:fontRef>
-      </dsp:style>
-      <dsp:txBody>
-        <a:bodyPr spcFirstLastPara="0" vert="horz" wrap="square" lIns="87630" tIns="87630" rIns="87630" bIns="87630" numCol="1" spcCol="1270" anchor="ctr" anchorCtr="0">
-          <a:noAutofit/>
-        </a:bodyPr>
-        <a:lstStyle/>
-        <a:p>
-          <a:pPr lvl="0" algn="ctr" defTabSz="1022350">
-            <a:lnSpc>
-              <a:spcPct val="90000"/>
-            </a:lnSpc>
-            <a:spcBef>
-              <a:spcPct val="0"/>
-            </a:spcBef>
-            <a:spcAft>
-              <a:spcPct val="35000"/>
-            </a:spcAft>
-          </a:pPr>
-          <a:r>
-            <a:rPr lang="en-US" sz="2300" kern="1200" dirty="0" smtClean="0"/>
-            <a:t>Templates</a:t>
-          </a:r>
-        </a:p>
-      </dsp:txBody>
-      <dsp:txXfrm>
-        <a:off x="4253749" y="1744529"/>
-        <a:ext cx="1931900" cy="1159140"/>
-      </dsp:txXfrm>
-    </dsp:sp>
-    <dsp:sp modelId="{9211F004-41C9-436B-9C68-0C8CD2CE5223}">
-      <dsp:nvSpPr>
-        <dsp:cNvPr id="0" name=""/>
-        <dsp:cNvSpPr/>
-      </dsp:nvSpPr>
-      <dsp:spPr>
-        <a:xfrm>
-          <a:off x="6378840" y="1744529"/>
-          <a:ext cx="1931900" cy="1159140"/>
-        </a:xfrm>
-        <a:prstGeom prst="rect">
-          <a:avLst/>
-        </a:prstGeom>
-        <a:solidFill>
-          <a:schemeClr val="accent2">
-            <a:hueOff val="0"/>
-            <a:satOff val="0"/>
-            <a:lumOff val="-6274"/>
-            <a:alphaOff val="0"/>
-          </a:schemeClr>
-        </a:solidFill>
-        <a:ln w="12700" cap="flat" cmpd="sng" algn="ctr">
-          <a:solidFill>
-            <a:schemeClr val="lt1">
-              <a:hueOff val="0"/>
-              <a:satOff val="0"/>
-              <a:lumOff val="0"/>
-              <a:alphaOff val="0"/>
-            </a:schemeClr>
-          </a:solidFill>
-          <a:prstDash val="solid"/>
-          <a:miter lim="800000"/>
-        </a:ln>
-        <a:effectLst/>
-      </dsp:spPr>
-      <dsp:style>
-        <a:lnRef idx="2">
-          <a:scrgbClr r="0" g="0" b="0"/>
-        </a:lnRef>
-        <a:fillRef idx="1">
-          <a:scrgbClr r="0" g="0" b="0"/>
-        </a:fillRef>
-        <a:effectRef idx="0">
-          <a:scrgbClr r="0" g="0" b="0"/>
-        </a:effectRef>
-        <a:fontRef idx="minor">
-          <a:schemeClr val="lt1"/>
-        </a:fontRef>
-      </dsp:style>
-      <dsp:txBody>
-        <a:bodyPr spcFirstLastPara="0" vert="horz" wrap="square" lIns="87630" tIns="87630" rIns="87630" bIns="87630" numCol="1" spcCol="1270" anchor="ctr" anchorCtr="0">
-          <a:noAutofit/>
-        </a:bodyPr>
-        <a:lstStyle/>
-        <a:p>
-          <a:pPr lvl="0" algn="ctr" defTabSz="1022350">
-            <a:lnSpc>
-              <a:spcPct val="90000"/>
-            </a:lnSpc>
-            <a:spcBef>
-              <a:spcPct val="0"/>
-            </a:spcBef>
-            <a:spcAft>
-              <a:spcPct val="35000"/>
-            </a:spcAft>
-          </a:pPr>
-          <a:r>
-            <a:rPr lang="en-US" sz="2300" kern="1200" dirty="0" smtClean="0"/>
-            <a:t>Modules</a:t>
-          </a:r>
-        </a:p>
-      </dsp:txBody>
-      <dsp:txXfrm>
-        <a:off x="6378840" y="1744529"/>
-        <a:ext cx="1931900" cy="1159140"/>
-      </dsp:txXfrm>
-    </dsp:sp>
-    <dsp:sp modelId="{99A5D91A-2D6B-4309-9471-E46BFB3D929C}">
-      <dsp:nvSpPr>
-        <dsp:cNvPr id="0" name=""/>
-        <dsp:cNvSpPr/>
-      </dsp:nvSpPr>
-      <dsp:spPr>
-        <a:xfrm>
-          <a:off x="8503931" y="1744529"/>
-          <a:ext cx="1931900" cy="1159140"/>
-        </a:xfrm>
-        <a:prstGeom prst="rect">
-          <a:avLst/>
-        </a:prstGeom>
-        <a:solidFill>
-          <a:schemeClr val="accent2">
-            <a:hueOff val="0"/>
-            <a:satOff val="0"/>
-            <a:lumOff val="-7059"/>
-            <a:alphaOff val="0"/>
-          </a:schemeClr>
-        </a:solidFill>
-        <a:ln w="12700" cap="flat" cmpd="sng" algn="ctr">
-          <a:solidFill>
-            <a:schemeClr val="lt1">
-              <a:hueOff val="0"/>
-              <a:satOff val="0"/>
-              <a:lumOff val="0"/>
-              <a:alphaOff val="0"/>
-            </a:schemeClr>
-          </a:solidFill>
-          <a:prstDash val="solid"/>
-          <a:miter lim="800000"/>
-        </a:ln>
-        <a:effectLst/>
-      </dsp:spPr>
-      <dsp:style>
-        <a:lnRef idx="2">
-          <a:scrgbClr r="0" g="0" b="0"/>
-        </a:lnRef>
-        <a:fillRef idx="1">
-          <a:scrgbClr r="0" g="0" b="0"/>
-        </a:fillRef>
-        <a:effectRef idx="0">
-          <a:scrgbClr r="0" g="0" b="0"/>
-        </a:effectRef>
-        <a:fontRef idx="minor">
-          <a:schemeClr val="lt1"/>
-        </a:fontRef>
-      </dsp:style>
-      <dsp:txBody>
-        <a:bodyPr spcFirstLastPara="0" vert="horz" wrap="square" lIns="87630" tIns="87630" rIns="87630" bIns="87630" numCol="1" spcCol="1270" anchor="ctr" anchorCtr="0">
-          <a:noAutofit/>
-        </a:bodyPr>
-        <a:lstStyle/>
-        <a:p>
-          <a:pPr lvl="0" algn="ctr" defTabSz="1022350">
-            <a:lnSpc>
-              <a:spcPct val="90000"/>
-            </a:lnSpc>
-            <a:spcBef>
-              <a:spcPct val="0"/>
-            </a:spcBef>
-            <a:spcAft>
-              <a:spcPct val="35000"/>
-            </a:spcAft>
-          </a:pPr>
-          <a:r>
-            <a:rPr lang="en-US" sz="2300" kern="1200" dirty="0" smtClean="0"/>
-            <a:t>Controllers</a:t>
-          </a:r>
-        </a:p>
-      </dsp:txBody>
-      <dsp:txXfrm>
-        <a:off x="8503931" y="1744529"/>
-        <a:ext cx="1931900" cy="1159140"/>
-      </dsp:txXfrm>
-    </dsp:sp>
-    <dsp:sp modelId="{C3DB7B56-D373-4A48-9A71-A46DD7871267}">
-      <dsp:nvSpPr>
-        <dsp:cNvPr id="0" name=""/>
-        <dsp:cNvSpPr/>
-      </dsp:nvSpPr>
-      <dsp:spPr>
-        <a:xfrm>
-          <a:off x="3568" y="3096860"/>
-          <a:ext cx="1931900" cy="1159140"/>
-        </a:xfrm>
-        <a:prstGeom prst="rect">
-          <a:avLst/>
-        </a:prstGeom>
-        <a:solidFill>
-          <a:schemeClr val="accent2">
-            <a:hueOff val="0"/>
-            <a:satOff val="0"/>
-            <a:lumOff val="-7843"/>
-            <a:alphaOff val="0"/>
-          </a:schemeClr>
-        </a:solidFill>
-        <a:ln w="12700" cap="flat" cmpd="sng" algn="ctr">
-          <a:solidFill>
-            <a:schemeClr val="lt1">
-              <a:hueOff val="0"/>
-              <a:satOff val="0"/>
-              <a:lumOff val="0"/>
-              <a:alphaOff val="0"/>
-            </a:schemeClr>
-          </a:solidFill>
-          <a:prstDash val="solid"/>
-          <a:miter lim="800000"/>
-        </a:ln>
-        <a:effectLst/>
-      </dsp:spPr>
-      <dsp:style>
-        <a:lnRef idx="2">
-          <a:scrgbClr r="0" g="0" b="0"/>
-        </a:lnRef>
-        <a:fillRef idx="1">
-          <a:scrgbClr r="0" g="0" b="0"/>
-        </a:fillRef>
-        <a:effectRef idx="0">
-          <a:scrgbClr r="0" g="0" b="0"/>
-        </a:effectRef>
-        <a:fontRef idx="minor">
-          <a:schemeClr val="lt1"/>
-        </a:fontRef>
-      </dsp:style>
-      <dsp:txBody>
-        <a:bodyPr spcFirstLastPara="0" vert="horz" wrap="square" lIns="87630" tIns="87630" rIns="87630" bIns="87630" numCol="1" spcCol="1270" anchor="ctr" anchorCtr="0">
-          <a:noAutofit/>
-        </a:bodyPr>
-        <a:lstStyle/>
-        <a:p>
-          <a:pPr lvl="0" algn="ctr" defTabSz="1022350">
-            <a:lnSpc>
-              <a:spcPct val="90000"/>
-            </a:lnSpc>
-            <a:spcBef>
-              <a:spcPct val="0"/>
-            </a:spcBef>
-            <a:spcAft>
-              <a:spcPct val="35000"/>
-            </a:spcAft>
-          </a:pPr>
-          <a:r>
-            <a:rPr lang="en-US" sz="2300" kern="1200" dirty="0" smtClean="0"/>
-            <a:t>Filters</a:t>
-          </a:r>
-        </a:p>
-      </dsp:txBody>
-      <dsp:txXfrm>
-        <a:off x="3568" y="3096860"/>
-        <a:ext cx="1931900" cy="1159140"/>
-      </dsp:txXfrm>
-    </dsp:sp>
-    <dsp:sp modelId="{82CDDC58-85B7-463A-BAD0-FBFCA0712F1C}">
-      <dsp:nvSpPr>
-        <dsp:cNvPr id="0" name=""/>
-        <dsp:cNvSpPr/>
-      </dsp:nvSpPr>
-      <dsp:spPr>
-        <a:xfrm>
-          <a:off x="2128658" y="3096860"/>
-          <a:ext cx="1931900" cy="1159140"/>
-        </a:xfrm>
-        <a:prstGeom prst="rect">
-          <a:avLst/>
-        </a:prstGeom>
-        <a:solidFill>
-          <a:schemeClr val="accent2">
-            <a:hueOff val="0"/>
-            <a:satOff val="0"/>
-            <a:lumOff val="-8627"/>
-            <a:alphaOff val="0"/>
-          </a:schemeClr>
-        </a:solidFill>
-        <a:ln w="12700" cap="flat" cmpd="sng" algn="ctr">
-          <a:solidFill>
-            <a:schemeClr val="lt1">
-              <a:hueOff val="0"/>
-              <a:satOff val="0"/>
-              <a:lumOff val="0"/>
-              <a:alphaOff val="0"/>
-            </a:schemeClr>
-          </a:solidFill>
-          <a:prstDash val="solid"/>
-          <a:miter lim="800000"/>
-        </a:ln>
-        <a:effectLst/>
-      </dsp:spPr>
-      <dsp:style>
-        <a:lnRef idx="2">
-          <a:scrgbClr r="0" g="0" b="0"/>
-        </a:lnRef>
-        <a:fillRef idx="1">
-          <a:scrgbClr r="0" g="0" b="0"/>
-        </a:fillRef>
-        <a:effectRef idx="0">
-          <a:scrgbClr r="0" g="0" b="0"/>
-        </a:effectRef>
-        <a:fontRef idx="minor">
-          <a:schemeClr val="lt1"/>
-        </a:fontRef>
-      </dsp:style>
-      <dsp:txBody>
-        <a:bodyPr spcFirstLastPara="0" vert="horz" wrap="square" lIns="87630" tIns="87630" rIns="87630" bIns="87630" numCol="1" spcCol="1270" anchor="ctr" anchorCtr="0">
-          <a:noAutofit/>
-        </a:bodyPr>
-        <a:lstStyle/>
-        <a:p>
-          <a:pPr lvl="0" algn="ctr" defTabSz="1022350">
-            <a:lnSpc>
-              <a:spcPct val="90000"/>
-            </a:lnSpc>
-            <a:spcBef>
-              <a:spcPct val="0"/>
-            </a:spcBef>
-            <a:spcAft>
-              <a:spcPct val="35000"/>
-            </a:spcAft>
-          </a:pPr>
-          <a:r>
-            <a:rPr lang="en-US" sz="2300" kern="1200" dirty="0" smtClean="0"/>
-            <a:t>Providers</a:t>
-          </a:r>
-        </a:p>
-      </dsp:txBody>
-      <dsp:txXfrm>
-        <a:off x="2128658" y="3096860"/>
-        <a:ext cx="1931900" cy="1159140"/>
-      </dsp:txXfrm>
-    </dsp:sp>
-    <dsp:sp modelId="{EB310276-7406-4F8F-B311-738501754F41}">
-      <dsp:nvSpPr>
-        <dsp:cNvPr id="0" name=""/>
-        <dsp:cNvSpPr/>
-      </dsp:nvSpPr>
-      <dsp:spPr>
-        <a:xfrm>
-          <a:off x="4253749" y="3096860"/>
-          <a:ext cx="1931900" cy="1159140"/>
-        </a:xfrm>
-        <a:prstGeom prst="rect">
-          <a:avLst/>
-        </a:prstGeom>
-        <a:solidFill>
-          <a:schemeClr val="accent2">
-            <a:hueOff val="0"/>
-            <a:satOff val="0"/>
-            <a:lumOff val="-9411"/>
-            <a:alphaOff val="0"/>
-          </a:schemeClr>
-        </a:solidFill>
-        <a:ln w="12700" cap="flat" cmpd="sng" algn="ctr">
-          <a:solidFill>
-            <a:schemeClr val="lt1">
-              <a:hueOff val="0"/>
-              <a:satOff val="0"/>
-              <a:lumOff val="0"/>
-              <a:alphaOff val="0"/>
-            </a:schemeClr>
-          </a:solidFill>
-          <a:prstDash val="solid"/>
-          <a:miter lim="800000"/>
-        </a:ln>
-        <a:effectLst/>
-      </dsp:spPr>
-      <dsp:style>
-        <a:lnRef idx="2">
-          <a:scrgbClr r="0" g="0" b="0"/>
-        </a:lnRef>
-        <a:fillRef idx="1">
-          <a:scrgbClr r="0" g="0" b="0"/>
-        </a:fillRef>
-        <a:effectRef idx="0">
-          <a:scrgbClr r="0" g="0" b="0"/>
-        </a:effectRef>
-        <a:fontRef idx="minor">
-          <a:schemeClr val="lt1"/>
-        </a:fontRef>
-      </dsp:style>
-      <dsp:txBody>
-        <a:bodyPr spcFirstLastPara="0" vert="horz" wrap="square" lIns="87630" tIns="87630" rIns="87630" bIns="87630" numCol="1" spcCol="1270" anchor="ctr" anchorCtr="0">
-          <a:noAutofit/>
-        </a:bodyPr>
-        <a:lstStyle/>
-        <a:p>
-          <a:pPr lvl="0" algn="ctr" defTabSz="1022350">
-            <a:lnSpc>
-              <a:spcPct val="90000"/>
-            </a:lnSpc>
-            <a:spcBef>
-              <a:spcPct val="0"/>
-            </a:spcBef>
-            <a:spcAft>
-              <a:spcPct val="35000"/>
-            </a:spcAft>
-          </a:pPr>
-          <a:r>
-            <a:rPr lang="en-US" sz="2300" kern="1200" dirty="0" smtClean="0"/>
-            <a:t>Directives</a:t>
-          </a:r>
-        </a:p>
-      </dsp:txBody>
-      <dsp:txXfrm>
-        <a:off x="4253749" y="3096860"/>
-        <a:ext cx="1931900" cy="1159140"/>
-      </dsp:txXfrm>
-    </dsp:sp>
-    <dsp:sp modelId="{60FA720F-99B1-498C-8299-B803124EC0FD}">
-      <dsp:nvSpPr>
-        <dsp:cNvPr id="0" name=""/>
-        <dsp:cNvSpPr/>
-      </dsp:nvSpPr>
-      <dsp:spPr>
-        <a:xfrm>
-          <a:off x="6378840" y="3096860"/>
-          <a:ext cx="1931900" cy="1159140"/>
-        </a:xfrm>
-        <a:prstGeom prst="rect">
-          <a:avLst/>
-        </a:prstGeom>
-        <a:solidFill>
-          <a:schemeClr val="accent2">
-            <a:hueOff val="0"/>
-            <a:satOff val="0"/>
-            <a:lumOff val="-10196"/>
-            <a:alphaOff val="0"/>
-          </a:schemeClr>
-        </a:solidFill>
-        <a:ln w="12700" cap="flat" cmpd="sng" algn="ctr">
-          <a:solidFill>
-            <a:schemeClr val="lt1">
-              <a:hueOff val="0"/>
-              <a:satOff val="0"/>
-              <a:lumOff val="0"/>
-              <a:alphaOff val="0"/>
-            </a:schemeClr>
-          </a:solidFill>
-          <a:prstDash val="solid"/>
-          <a:miter lim="800000"/>
-        </a:ln>
-        <a:effectLst/>
-      </dsp:spPr>
-      <dsp:style>
-        <a:lnRef idx="2">
-          <a:scrgbClr r="0" g="0" b="0"/>
-        </a:lnRef>
-        <a:fillRef idx="1">
-          <a:scrgbClr r="0" g="0" b="0"/>
-        </a:fillRef>
-        <a:effectRef idx="0">
-          <a:scrgbClr r="0" g="0" b="0"/>
-        </a:effectRef>
-        <a:fontRef idx="minor">
-          <a:schemeClr val="lt1"/>
-        </a:fontRef>
-      </dsp:style>
-      <dsp:txBody>
-        <a:bodyPr spcFirstLastPara="0" vert="horz" wrap="square" lIns="87630" tIns="87630" rIns="87630" bIns="87630" numCol="1" spcCol="1270" anchor="ctr" anchorCtr="0">
-          <a:noAutofit/>
-        </a:bodyPr>
-        <a:lstStyle/>
-        <a:p>
-          <a:pPr lvl="0" algn="ctr" defTabSz="1022350">
-            <a:lnSpc>
-              <a:spcPct val="90000"/>
-            </a:lnSpc>
-            <a:spcBef>
-              <a:spcPct val="0"/>
-            </a:spcBef>
-            <a:spcAft>
-              <a:spcPct val="35000"/>
-            </a:spcAft>
-          </a:pPr>
-          <a:r>
-            <a:rPr lang="en-US" sz="2300" kern="1200" dirty="0" smtClean="0"/>
-            <a:t>Routing</a:t>
-          </a:r>
-        </a:p>
-      </dsp:txBody>
-      <dsp:txXfrm>
-        <a:off x="6378840" y="3096860"/>
-        <a:ext cx="1931900" cy="1159140"/>
-      </dsp:txXfrm>
-    </dsp:sp>
-    <dsp:sp modelId="{38748953-EDFB-447D-B8F3-BDDEF5DFCCC7}">
-      <dsp:nvSpPr>
-        <dsp:cNvPr id="0" name=""/>
-        <dsp:cNvSpPr/>
-      </dsp:nvSpPr>
-      <dsp:spPr>
-        <a:xfrm>
-          <a:off x="8503931" y="3096860"/>
-          <a:ext cx="1931900" cy="1159140"/>
-        </a:xfrm>
-        <a:prstGeom prst="rect">
-          <a:avLst/>
-        </a:prstGeom>
-        <a:solidFill>
-          <a:schemeClr val="accent2">
-            <a:hueOff val="0"/>
-            <a:satOff val="0"/>
-            <a:lumOff val="-10980"/>
-            <a:alphaOff val="0"/>
-          </a:schemeClr>
-        </a:solidFill>
-        <a:ln w="12700" cap="flat" cmpd="sng" algn="ctr">
-          <a:solidFill>
-            <a:schemeClr val="lt1">
-              <a:hueOff val="0"/>
-              <a:satOff val="0"/>
-              <a:lumOff val="0"/>
-              <a:alphaOff val="0"/>
-            </a:schemeClr>
-          </a:solidFill>
-          <a:prstDash val="solid"/>
-          <a:miter lim="800000"/>
-        </a:ln>
-        <a:effectLst/>
-      </dsp:spPr>
-      <dsp:style>
-        <a:lnRef idx="2">
-          <a:scrgbClr r="0" g="0" b="0"/>
-        </a:lnRef>
-        <a:fillRef idx="1">
-          <a:scrgbClr r="0" g="0" b="0"/>
-        </a:fillRef>
-        <a:effectRef idx="0">
-          <a:scrgbClr r="0" g="0" b="0"/>
-        </a:effectRef>
-        <a:fontRef idx="minor">
-          <a:schemeClr val="lt1"/>
-        </a:fontRef>
-      </dsp:style>
-      <dsp:txBody>
-        <a:bodyPr spcFirstLastPara="0" vert="horz" wrap="square" lIns="87630" tIns="87630" rIns="87630" bIns="87630" numCol="1" spcCol="1270" anchor="ctr" anchorCtr="0">
-          <a:noAutofit/>
-        </a:bodyPr>
-        <a:lstStyle/>
-        <a:p>
-          <a:pPr lvl="0" algn="ctr" defTabSz="1022350">
-            <a:lnSpc>
-              <a:spcPct val="90000"/>
-            </a:lnSpc>
-            <a:spcBef>
-              <a:spcPct val="0"/>
-            </a:spcBef>
-            <a:spcAft>
-              <a:spcPct val="35000"/>
-            </a:spcAft>
-          </a:pPr>
-          <a:r>
-            <a:rPr lang="en-US" sz="2300" kern="1200" dirty="0" smtClean="0"/>
-            <a:t>Form Validation</a:t>
-          </a:r>
-          <a:endParaRPr lang="en-US" sz="2300" kern="1200" dirty="0"/>
-        </a:p>
-      </dsp:txBody>
-      <dsp:txXfrm>
-        <a:off x="8503931" y="3096860"/>
-        <a:ext cx="1931900" cy="1159140"/>
-      </dsp:txXfrm>
-    </dsp:sp>
   </dsp:spTree>
 </dsp:drawing>
 </file>
@@ -12527,881 +11365,6 @@
       <dsp:cNvGrpSpPr/>
     </dsp:nvGrpSpPr>
     <dsp:grpSpPr/>
-    <dsp:sp modelId="{FCA14618-3495-49FE-B307-8BC056BB221D}">
-      <dsp:nvSpPr>
-        <dsp:cNvPr id="0" name=""/>
-        <dsp:cNvSpPr/>
-      </dsp:nvSpPr>
-      <dsp:spPr>
-        <a:xfrm>
-          <a:off x="4037" y="95"/>
-          <a:ext cx="10050325" cy="338971"/>
-        </a:xfrm>
-        <a:prstGeom prst="roundRect">
-          <a:avLst>
-            <a:gd name="adj" fmla="val 10000"/>
-          </a:avLst>
-        </a:prstGeom>
-        <a:solidFill>
-          <a:schemeClr val="accent2">
-            <a:hueOff val="0"/>
-            <a:satOff val="0"/>
-            <a:lumOff val="0"/>
-            <a:alphaOff val="0"/>
-          </a:schemeClr>
-        </a:solidFill>
-        <a:ln w="12700" cap="flat" cmpd="sng" algn="ctr">
-          <a:solidFill>
-            <a:schemeClr val="lt1">
-              <a:hueOff val="0"/>
-              <a:satOff val="0"/>
-              <a:lumOff val="0"/>
-              <a:alphaOff val="0"/>
-            </a:schemeClr>
-          </a:solidFill>
-          <a:prstDash val="solid"/>
-          <a:miter lim="800000"/>
-        </a:ln>
-        <a:effectLst/>
-      </dsp:spPr>
-      <dsp:style>
-        <a:lnRef idx="2">
-          <a:scrgbClr r="0" g="0" b="0"/>
-        </a:lnRef>
-        <a:fillRef idx="1">
-          <a:scrgbClr r="0" g="0" b="0"/>
-        </a:fillRef>
-        <a:effectRef idx="0">
-          <a:scrgbClr r="0" g="0" b="0"/>
-        </a:effectRef>
-        <a:fontRef idx="minor">
-          <a:schemeClr val="lt1"/>
-        </a:fontRef>
-      </dsp:style>
-      <dsp:txBody>
-        <a:bodyPr spcFirstLastPara="0" vert="horz" wrap="square" lIns="53340" tIns="53340" rIns="53340" bIns="53340" numCol="1" spcCol="1270" anchor="ctr" anchorCtr="0">
-          <a:noAutofit/>
-        </a:bodyPr>
-        <a:lstStyle/>
-        <a:p>
-          <a:pPr lvl="0" algn="ctr" defTabSz="622300">
-            <a:lnSpc>
-              <a:spcPct val="90000"/>
-            </a:lnSpc>
-            <a:spcBef>
-              <a:spcPct val="0"/>
-            </a:spcBef>
-            <a:spcAft>
-              <a:spcPct val="35000"/>
-            </a:spcAft>
-          </a:pPr>
-          <a:r>
-            <a:rPr lang="en-US" sz="1400" kern="1200" dirty="0" smtClean="0"/>
-            <a:t>Module</a:t>
-          </a:r>
-          <a:endParaRPr lang="en-US" sz="1400" kern="1200" dirty="0"/>
-        </a:p>
-      </dsp:txBody>
-      <dsp:txXfrm>
-        <a:off x="13965" y="10023"/>
-        <a:ext cx="10030469" cy="319115"/>
-      </dsp:txXfrm>
-    </dsp:sp>
-    <dsp:sp modelId="{DD84CC17-6CF5-41BC-BC47-9CEE7C6F1811}">
-      <dsp:nvSpPr>
-        <dsp:cNvPr id="0" name=""/>
-        <dsp:cNvSpPr/>
-      </dsp:nvSpPr>
-      <dsp:spPr>
-        <a:xfrm>
-          <a:off x="4037" y="417726"/>
-          <a:ext cx="1883494" cy="338971"/>
-        </a:xfrm>
-        <a:prstGeom prst="roundRect">
-          <a:avLst>
-            <a:gd name="adj" fmla="val 10000"/>
-          </a:avLst>
-        </a:prstGeom>
-        <a:solidFill>
-          <a:schemeClr val="accent2">
-            <a:hueOff val="0"/>
-            <a:satOff val="0"/>
-            <a:lumOff val="0"/>
-            <a:alphaOff val="0"/>
-          </a:schemeClr>
-        </a:solidFill>
-        <a:ln w="12700" cap="flat" cmpd="sng" algn="ctr">
-          <a:solidFill>
-            <a:schemeClr val="lt1">
-              <a:hueOff val="0"/>
-              <a:satOff val="0"/>
-              <a:lumOff val="0"/>
-              <a:alphaOff val="0"/>
-            </a:schemeClr>
-          </a:solidFill>
-          <a:prstDash val="solid"/>
-          <a:miter lim="800000"/>
-        </a:ln>
-        <a:effectLst/>
-      </dsp:spPr>
-      <dsp:style>
-        <a:lnRef idx="2">
-          <a:scrgbClr r="0" g="0" b="0"/>
-        </a:lnRef>
-        <a:fillRef idx="1">
-          <a:scrgbClr r="0" g="0" b="0"/>
-        </a:fillRef>
-        <a:effectRef idx="0">
-          <a:scrgbClr r="0" g="0" b="0"/>
-        </a:effectRef>
-        <a:fontRef idx="minor">
-          <a:schemeClr val="lt1"/>
-        </a:fontRef>
-      </dsp:style>
-      <dsp:txBody>
-        <a:bodyPr spcFirstLastPara="0" vert="horz" wrap="square" lIns="53340" tIns="53340" rIns="53340" bIns="53340" numCol="1" spcCol="1270" anchor="ctr" anchorCtr="0">
-          <a:noAutofit/>
-        </a:bodyPr>
-        <a:lstStyle/>
-        <a:p>
-          <a:pPr lvl="0" algn="ctr" defTabSz="622300">
-            <a:lnSpc>
-              <a:spcPct val="90000"/>
-            </a:lnSpc>
-            <a:spcBef>
-              <a:spcPct val="0"/>
-            </a:spcBef>
-            <a:spcAft>
-              <a:spcPct val="35000"/>
-            </a:spcAft>
-          </a:pPr>
-          <a:r>
-            <a:rPr lang="en-US" sz="1400" kern="1200" dirty="0" smtClean="0"/>
-            <a:t>Config</a:t>
-          </a:r>
-          <a:endParaRPr lang="en-US" sz="1400" kern="1200" dirty="0"/>
-        </a:p>
-      </dsp:txBody>
-      <dsp:txXfrm>
-        <a:off x="13965" y="427654"/>
-        <a:ext cx="1863638" cy="319115"/>
-      </dsp:txXfrm>
-    </dsp:sp>
-    <dsp:sp modelId="{D8310B51-D4CE-4689-8996-51C06FE21818}">
-      <dsp:nvSpPr>
-        <dsp:cNvPr id="0" name=""/>
-        <dsp:cNvSpPr/>
-      </dsp:nvSpPr>
-      <dsp:spPr>
-        <a:xfrm>
-          <a:off x="4037" y="835357"/>
-          <a:ext cx="1883494" cy="338971"/>
-        </a:xfrm>
-        <a:prstGeom prst="roundRect">
-          <a:avLst>
-            <a:gd name="adj" fmla="val 10000"/>
-          </a:avLst>
-        </a:prstGeom>
-        <a:solidFill>
-          <a:schemeClr val="accent2">
-            <a:hueOff val="0"/>
-            <a:satOff val="0"/>
-            <a:lumOff val="0"/>
-            <a:alphaOff val="0"/>
-          </a:schemeClr>
-        </a:solidFill>
-        <a:ln w="12700" cap="flat" cmpd="sng" algn="ctr">
-          <a:solidFill>
-            <a:schemeClr val="lt1">
-              <a:hueOff val="0"/>
-              <a:satOff val="0"/>
-              <a:lumOff val="0"/>
-              <a:alphaOff val="0"/>
-            </a:schemeClr>
-          </a:solidFill>
-          <a:prstDash val="solid"/>
-          <a:miter lim="800000"/>
-        </a:ln>
-        <a:effectLst/>
-      </dsp:spPr>
-      <dsp:style>
-        <a:lnRef idx="2">
-          <a:scrgbClr r="0" g="0" b="0"/>
-        </a:lnRef>
-        <a:fillRef idx="1">
-          <a:scrgbClr r="0" g="0" b="0"/>
-        </a:fillRef>
-        <a:effectRef idx="0">
-          <a:scrgbClr r="0" g="0" b="0"/>
-        </a:effectRef>
-        <a:fontRef idx="minor">
-          <a:schemeClr val="lt1"/>
-        </a:fontRef>
-      </dsp:style>
-      <dsp:txBody>
-        <a:bodyPr spcFirstLastPara="0" vert="horz" wrap="square" lIns="53340" tIns="53340" rIns="53340" bIns="53340" numCol="1" spcCol="1270" anchor="ctr" anchorCtr="0">
-          <a:noAutofit/>
-        </a:bodyPr>
-        <a:lstStyle/>
-        <a:p>
-          <a:pPr lvl="0" algn="ctr" defTabSz="622300">
-            <a:lnSpc>
-              <a:spcPct val="90000"/>
-            </a:lnSpc>
-            <a:spcBef>
-              <a:spcPct val="0"/>
-            </a:spcBef>
-            <a:spcAft>
-              <a:spcPct val="35000"/>
-            </a:spcAft>
-          </a:pPr>
-          <a:r>
-            <a:rPr lang="en-US" sz="1400" kern="1200" dirty="0" smtClean="0"/>
-            <a:t>Routes</a:t>
-          </a:r>
-          <a:endParaRPr lang="en-US" sz="1400" kern="1200" dirty="0"/>
-        </a:p>
-      </dsp:txBody>
-      <dsp:txXfrm>
-        <a:off x="13965" y="845285"/>
-        <a:ext cx="1863638" cy="319115"/>
-      </dsp:txXfrm>
-    </dsp:sp>
-    <dsp:sp modelId="{201F53D6-4B54-4971-9F10-5B8A22AA8AB8}">
-      <dsp:nvSpPr>
-        <dsp:cNvPr id="0" name=""/>
-        <dsp:cNvSpPr/>
-      </dsp:nvSpPr>
-      <dsp:spPr>
-        <a:xfrm>
-          <a:off x="2045744" y="417726"/>
-          <a:ext cx="1883494" cy="338971"/>
-        </a:xfrm>
-        <a:prstGeom prst="roundRect">
-          <a:avLst>
-            <a:gd name="adj" fmla="val 10000"/>
-          </a:avLst>
-        </a:prstGeom>
-        <a:solidFill>
-          <a:schemeClr val="accent2">
-            <a:hueOff val="0"/>
-            <a:satOff val="0"/>
-            <a:lumOff val="0"/>
-            <a:alphaOff val="0"/>
-          </a:schemeClr>
-        </a:solidFill>
-        <a:ln w="12700" cap="flat" cmpd="sng" algn="ctr">
-          <a:solidFill>
-            <a:schemeClr val="lt1">
-              <a:hueOff val="0"/>
-              <a:satOff val="0"/>
-              <a:lumOff val="0"/>
-              <a:alphaOff val="0"/>
-            </a:schemeClr>
-          </a:solidFill>
-          <a:prstDash val="solid"/>
-          <a:miter lim="800000"/>
-        </a:ln>
-        <a:effectLst/>
-      </dsp:spPr>
-      <dsp:style>
-        <a:lnRef idx="2">
-          <a:scrgbClr r="0" g="0" b="0"/>
-        </a:lnRef>
-        <a:fillRef idx="1">
-          <a:scrgbClr r="0" g="0" b="0"/>
-        </a:fillRef>
-        <a:effectRef idx="0">
-          <a:scrgbClr r="0" g="0" b="0"/>
-        </a:effectRef>
-        <a:fontRef idx="minor">
-          <a:schemeClr val="lt1"/>
-        </a:fontRef>
-      </dsp:style>
-      <dsp:txBody>
-        <a:bodyPr spcFirstLastPara="0" vert="horz" wrap="square" lIns="53340" tIns="53340" rIns="53340" bIns="53340" numCol="1" spcCol="1270" anchor="ctr" anchorCtr="0">
-          <a:noAutofit/>
-        </a:bodyPr>
-        <a:lstStyle/>
-        <a:p>
-          <a:pPr lvl="0" algn="ctr" defTabSz="622300">
-            <a:lnSpc>
-              <a:spcPct val="90000"/>
-            </a:lnSpc>
-            <a:spcBef>
-              <a:spcPct val="0"/>
-            </a:spcBef>
-            <a:spcAft>
-              <a:spcPct val="35000"/>
-            </a:spcAft>
-          </a:pPr>
-          <a:r>
-            <a:rPr lang="en-US" sz="1400" kern="1200" dirty="0" smtClean="0"/>
-            <a:t>Controllers</a:t>
-          </a:r>
-          <a:endParaRPr lang="en-US" sz="1400" kern="1200" dirty="0"/>
-        </a:p>
-      </dsp:txBody>
-      <dsp:txXfrm>
-        <a:off x="2055672" y="427654"/>
-        <a:ext cx="1863638" cy="319115"/>
-      </dsp:txXfrm>
-    </dsp:sp>
-    <dsp:sp modelId="{E4C1734F-D1BB-427F-8439-41027576474F}">
-      <dsp:nvSpPr>
-        <dsp:cNvPr id="0" name=""/>
-        <dsp:cNvSpPr/>
-      </dsp:nvSpPr>
-      <dsp:spPr>
-        <a:xfrm>
-          <a:off x="4087452" y="417726"/>
-          <a:ext cx="1883494" cy="338971"/>
-        </a:xfrm>
-        <a:prstGeom prst="roundRect">
-          <a:avLst>
-            <a:gd name="adj" fmla="val 10000"/>
-          </a:avLst>
-        </a:prstGeom>
-        <a:solidFill>
-          <a:schemeClr val="accent2">
-            <a:hueOff val="0"/>
-            <a:satOff val="0"/>
-            <a:lumOff val="0"/>
-            <a:alphaOff val="0"/>
-          </a:schemeClr>
-        </a:solidFill>
-        <a:ln w="12700" cap="flat" cmpd="sng" algn="ctr">
-          <a:solidFill>
-            <a:schemeClr val="lt1">
-              <a:hueOff val="0"/>
-              <a:satOff val="0"/>
-              <a:lumOff val="0"/>
-              <a:alphaOff val="0"/>
-            </a:schemeClr>
-          </a:solidFill>
-          <a:prstDash val="solid"/>
-          <a:miter lim="800000"/>
-        </a:ln>
-        <a:effectLst/>
-      </dsp:spPr>
-      <dsp:style>
-        <a:lnRef idx="2">
-          <a:scrgbClr r="0" g="0" b="0"/>
-        </a:lnRef>
-        <a:fillRef idx="1">
-          <a:scrgbClr r="0" g="0" b="0"/>
-        </a:fillRef>
-        <a:effectRef idx="0">
-          <a:scrgbClr r="0" g="0" b="0"/>
-        </a:effectRef>
-        <a:fontRef idx="minor">
-          <a:schemeClr val="lt1"/>
-        </a:fontRef>
-      </dsp:style>
-      <dsp:txBody>
-        <a:bodyPr spcFirstLastPara="0" vert="horz" wrap="square" lIns="53340" tIns="53340" rIns="53340" bIns="53340" numCol="1" spcCol="1270" anchor="ctr" anchorCtr="0">
-          <a:noAutofit/>
-        </a:bodyPr>
-        <a:lstStyle/>
-        <a:p>
-          <a:pPr lvl="0" algn="ctr" defTabSz="622300">
-            <a:lnSpc>
-              <a:spcPct val="90000"/>
-            </a:lnSpc>
-            <a:spcBef>
-              <a:spcPct val="0"/>
-            </a:spcBef>
-            <a:spcAft>
-              <a:spcPct val="35000"/>
-            </a:spcAft>
-          </a:pPr>
-          <a:r>
-            <a:rPr lang="en-US" sz="1400" kern="1200" dirty="0" smtClean="0"/>
-            <a:t>Filters</a:t>
-          </a:r>
-          <a:endParaRPr lang="en-US" sz="1400" kern="1200" dirty="0"/>
-        </a:p>
-      </dsp:txBody>
-      <dsp:txXfrm>
-        <a:off x="4097380" y="427654"/>
-        <a:ext cx="1863638" cy="319115"/>
-      </dsp:txXfrm>
-    </dsp:sp>
-    <dsp:sp modelId="{CB00067E-BAF3-4A09-93AC-8A9D3174C829}">
-      <dsp:nvSpPr>
-        <dsp:cNvPr id="0" name=""/>
-        <dsp:cNvSpPr/>
-      </dsp:nvSpPr>
-      <dsp:spPr>
-        <a:xfrm>
-          <a:off x="6129160" y="417726"/>
-          <a:ext cx="1883494" cy="338971"/>
-        </a:xfrm>
-        <a:prstGeom prst="roundRect">
-          <a:avLst>
-            <a:gd name="adj" fmla="val 10000"/>
-          </a:avLst>
-        </a:prstGeom>
-        <a:solidFill>
-          <a:schemeClr val="accent2">
-            <a:hueOff val="0"/>
-            <a:satOff val="0"/>
-            <a:lumOff val="0"/>
-            <a:alphaOff val="0"/>
-          </a:schemeClr>
-        </a:solidFill>
-        <a:ln w="12700" cap="flat" cmpd="sng" algn="ctr">
-          <a:solidFill>
-            <a:schemeClr val="lt1">
-              <a:hueOff val="0"/>
-              <a:satOff val="0"/>
-              <a:lumOff val="0"/>
-              <a:alphaOff val="0"/>
-            </a:schemeClr>
-          </a:solidFill>
-          <a:prstDash val="solid"/>
-          <a:miter lim="800000"/>
-        </a:ln>
-        <a:effectLst/>
-      </dsp:spPr>
-      <dsp:style>
-        <a:lnRef idx="2">
-          <a:scrgbClr r="0" g="0" b="0"/>
-        </a:lnRef>
-        <a:fillRef idx="1">
-          <a:scrgbClr r="0" g="0" b="0"/>
-        </a:fillRef>
-        <a:effectRef idx="0">
-          <a:scrgbClr r="0" g="0" b="0"/>
-        </a:effectRef>
-        <a:fontRef idx="minor">
-          <a:schemeClr val="lt1"/>
-        </a:fontRef>
-      </dsp:style>
-      <dsp:txBody>
-        <a:bodyPr spcFirstLastPara="0" vert="horz" wrap="square" lIns="53340" tIns="53340" rIns="53340" bIns="53340" numCol="1" spcCol="1270" anchor="ctr" anchorCtr="0">
-          <a:noAutofit/>
-        </a:bodyPr>
-        <a:lstStyle/>
-        <a:p>
-          <a:pPr lvl="0" algn="ctr" defTabSz="622300">
-            <a:lnSpc>
-              <a:spcPct val="90000"/>
-            </a:lnSpc>
-            <a:spcBef>
-              <a:spcPct val="0"/>
-            </a:spcBef>
-            <a:spcAft>
-              <a:spcPct val="35000"/>
-            </a:spcAft>
-          </a:pPr>
-          <a:r>
-            <a:rPr lang="en-US" sz="1400" kern="1200" dirty="0" smtClean="0"/>
-            <a:t>Directives</a:t>
-          </a:r>
-          <a:endParaRPr lang="en-US" sz="1400" kern="1200" dirty="0"/>
-        </a:p>
-      </dsp:txBody>
-      <dsp:txXfrm>
-        <a:off x="6139088" y="427654"/>
-        <a:ext cx="1863638" cy="319115"/>
-      </dsp:txXfrm>
-    </dsp:sp>
-    <dsp:sp modelId="{C2958758-FD1C-4C93-A4DE-D55E07646D77}">
-      <dsp:nvSpPr>
-        <dsp:cNvPr id="0" name=""/>
-        <dsp:cNvSpPr/>
-      </dsp:nvSpPr>
-      <dsp:spPr>
-        <a:xfrm>
-          <a:off x="8170868" y="417726"/>
-          <a:ext cx="1883494" cy="338971"/>
-        </a:xfrm>
-        <a:prstGeom prst="roundRect">
-          <a:avLst>
-            <a:gd name="adj" fmla="val 10000"/>
-          </a:avLst>
-        </a:prstGeom>
-        <a:solidFill>
-          <a:schemeClr val="accent2">
-            <a:hueOff val="0"/>
-            <a:satOff val="0"/>
-            <a:lumOff val="0"/>
-            <a:alphaOff val="0"/>
-          </a:schemeClr>
-        </a:solidFill>
-        <a:ln w="12700" cap="flat" cmpd="sng" algn="ctr">
-          <a:solidFill>
-            <a:schemeClr val="lt1">
-              <a:hueOff val="0"/>
-              <a:satOff val="0"/>
-              <a:lumOff val="0"/>
-              <a:alphaOff val="0"/>
-            </a:schemeClr>
-          </a:solidFill>
-          <a:prstDash val="solid"/>
-          <a:miter lim="800000"/>
-        </a:ln>
-        <a:effectLst/>
-      </dsp:spPr>
-      <dsp:style>
-        <a:lnRef idx="2">
-          <a:scrgbClr r="0" g="0" b="0"/>
-        </a:lnRef>
-        <a:fillRef idx="1">
-          <a:scrgbClr r="0" g="0" b="0"/>
-        </a:fillRef>
-        <a:effectRef idx="0">
-          <a:scrgbClr r="0" g="0" b="0"/>
-        </a:effectRef>
-        <a:fontRef idx="minor">
-          <a:schemeClr val="lt1"/>
-        </a:fontRef>
-      </dsp:style>
-      <dsp:txBody>
-        <a:bodyPr spcFirstLastPara="0" vert="horz" wrap="square" lIns="53340" tIns="53340" rIns="53340" bIns="53340" numCol="1" spcCol="1270" anchor="ctr" anchorCtr="0">
-          <a:noAutofit/>
-        </a:bodyPr>
-        <a:lstStyle/>
-        <a:p>
-          <a:pPr lvl="0" algn="ctr" defTabSz="622300">
-            <a:lnSpc>
-              <a:spcPct val="90000"/>
-            </a:lnSpc>
-            <a:spcBef>
-              <a:spcPct val="0"/>
-            </a:spcBef>
-            <a:spcAft>
-              <a:spcPct val="35000"/>
-            </a:spcAft>
-          </a:pPr>
-          <a:r>
-            <a:rPr lang="en-US" sz="1400" kern="1200" dirty="0" smtClean="0"/>
-            <a:t>Factories</a:t>
-          </a:r>
-        </a:p>
-      </dsp:txBody>
-      <dsp:txXfrm>
-        <a:off x="8180796" y="427654"/>
-        <a:ext cx="1863638" cy="319115"/>
-      </dsp:txXfrm>
-    </dsp:sp>
-    <dsp:sp modelId="{337CD664-5ABB-4675-9983-37563E8F652D}">
-      <dsp:nvSpPr>
-        <dsp:cNvPr id="0" name=""/>
-        <dsp:cNvSpPr/>
-      </dsp:nvSpPr>
-      <dsp:spPr>
-        <a:xfrm>
-          <a:off x="8170868" y="835357"/>
-          <a:ext cx="1883494" cy="338971"/>
-        </a:xfrm>
-        <a:prstGeom prst="roundRect">
-          <a:avLst>
-            <a:gd name="adj" fmla="val 10000"/>
-          </a:avLst>
-        </a:prstGeom>
-        <a:solidFill>
-          <a:schemeClr val="accent2">
-            <a:hueOff val="0"/>
-            <a:satOff val="0"/>
-            <a:lumOff val="0"/>
-            <a:alphaOff val="0"/>
-          </a:schemeClr>
-        </a:solidFill>
-        <a:ln w="12700" cap="flat" cmpd="sng" algn="ctr">
-          <a:solidFill>
-            <a:schemeClr val="lt1">
-              <a:hueOff val="0"/>
-              <a:satOff val="0"/>
-              <a:lumOff val="0"/>
-              <a:alphaOff val="0"/>
-            </a:schemeClr>
-          </a:solidFill>
-          <a:prstDash val="solid"/>
-          <a:miter lim="800000"/>
-        </a:ln>
-        <a:effectLst/>
-      </dsp:spPr>
-      <dsp:style>
-        <a:lnRef idx="2">
-          <a:scrgbClr r="0" g="0" b="0"/>
-        </a:lnRef>
-        <a:fillRef idx="1">
-          <a:scrgbClr r="0" g="0" b="0"/>
-        </a:fillRef>
-        <a:effectRef idx="0">
-          <a:scrgbClr r="0" g="0" b="0"/>
-        </a:effectRef>
-        <a:fontRef idx="minor">
-          <a:schemeClr val="lt1"/>
-        </a:fontRef>
-      </dsp:style>
-      <dsp:txBody>
-        <a:bodyPr spcFirstLastPara="0" vert="horz" wrap="square" lIns="53340" tIns="53340" rIns="53340" bIns="53340" numCol="1" spcCol="1270" anchor="ctr" anchorCtr="0">
-          <a:noAutofit/>
-        </a:bodyPr>
-        <a:lstStyle/>
-        <a:p>
-          <a:pPr lvl="0" algn="ctr" defTabSz="622300">
-            <a:lnSpc>
-              <a:spcPct val="90000"/>
-            </a:lnSpc>
-            <a:spcBef>
-              <a:spcPct val="0"/>
-            </a:spcBef>
-            <a:spcAft>
-              <a:spcPct val="35000"/>
-            </a:spcAft>
-          </a:pPr>
-          <a:r>
-            <a:rPr lang="en-US" sz="1400" kern="1200" dirty="0" smtClean="0"/>
-            <a:t>Services</a:t>
-          </a:r>
-        </a:p>
-      </dsp:txBody>
-      <dsp:txXfrm>
-        <a:off x="8180796" y="845285"/>
-        <a:ext cx="1863638" cy="319115"/>
-      </dsp:txXfrm>
-    </dsp:sp>
-    <dsp:sp modelId="{DB8E62A3-45E8-4839-9BA8-85CA9DAC279A}">
-      <dsp:nvSpPr>
-        <dsp:cNvPr id="0" name=""/>
-        <dsp:cNvSpPr/>
-      </dsp:nvSpPr>
-      <dsp:spPr>
-        <a:xfrm>
-          <a:off x="8170868" y="1252988"/>
-          <a:ext cx="1883494" cy="338971"/>
-        </a:xfrm>
-        <a:prstGeom prst="roundRect">
-          <a:avLst>
-            <a:gd name="adj" fmla="val 10000"/>
-          </a:avLst>
-        </a:prstGeom>
-        <a:solidFill>
-          <a:schemeClr val="accent2">
-            <a:hueOff val="0"/>
-            <a:satOff val="0"/>
-            <a:lumOff val="0"/>
-            <a:alphaOff val="0"/>
-          </a:schemeClr>
-        </a:solidFill>
-        <a:ln w="12700" cap="flat" cmpd="sng" algn="ctr">
-          <a:solidFill>
-            <a:schemeClr val="lt1">
-              <a:hueOff val="0"/>
-              <a:satOff val="0"/>
-              <a:lumOff val="0"/>
-              <a:alphaOff val="0"/>
-            </a:schemeClr>
-          </a:solidFill>
-          <a:prstDash val="solid"/>
-          <a:miter lim="800000"/>
-        </a:ln>
-        <a:effectLst/>
-      </dsp:spPr>
-      <dsp:style>
-        <a:lnRef idx="2">
-          <a:scrgbClr r="0" g="0" b="0"/>
-        </a:lnRef>
-        <a:fillRef idx="1">
-          <a:scrgbClr r="0" g="0" b="0"/>
-        </a:fillRef>
-        <a:effectRef idx="0">
-          <a:scrgbClr r="0" g="0" b="0"/>
-        </a:effectRef>
-        <a:fontRef idx="minor">
-          <a:schemeClr val="lt1"/>
-        </a:fontRef>
-      </dsp:style>
-      <dsp:txBody>
-        <a:bodyPr spcFirstLastPara="0" vert="horz" wrap="square" lIns="53340" tIns="53340" rIns="53340" bIns="53340" numCol="1" spcCol="1270" anchor="ctr" anchorCtr="0">
-          <a:noAutofit/>
-        </a:bodyPr>
-        <a:lstStyle/>
-        <a:p>
-          <a:pPr lvl="0" algn="ctr" defTabSz="622300">
-            <a:lnSpc>
-              <a:spcPct val="90000"/>
-            </a:lnSpc>
-            <a:spcBef>
-              <a:spcPct val="0"/>
-            </a:spcBef>
-            <a:spcAft>
-              <a:spcPct val="35000"/>
-            </a:spcAft>
-          </a:pPr>
-          <a:r>
-            <a:rPr lang="en-US" sz="1400" kern="1200" dirty="0" smtClean="0"/>
-            <a:t>Providers</a:t>
-          </a:r>
-        </a:p>
-      </dsp:txBody>
-      <dsp:txXfrm>
-        <a:off x="8180796" y="1262916"/>
-        <a:ext cx="1863638" cy="319115"/>
-      </dsp:txXfrm>
-    </dsp:sp>
-    <dsp:sp modelId="{FD9FEBE2-34F2-4045-ACA9-41576229234A}">
-      <dsp:nvSpPr>
-        <dsp:cNvPr id="0" name=""/>
-        <dsp:cNvSpPr/>
-      </dsp:nvSpPr>
-      <dsp:spPr>
-        <a:xfrm>
-          <a:off x="8170868" y="1670619"/>
-          <a:ext cx="1883494" cy="338971"/>
-        </a:xfrm>
-        <a:prstGeom prst="roundRect">
-          <a:avLst>
-            <a:gd name="adj" fmla="val 10000"/>
-          </a:avLst>
-        </a:prstGeom>
-        <a:solidFill>
-          <a:schemeClr val="accent2">
-            <a:hueOff val="0"/>
-            <a:satOff val="0"/>
-            <a:lumOff val="0"/>
-            <a:alphaOff val="0"/>
-          </a:schemeClr>
-        </a:solidFill>
-        <a:ln w="12700" cap="flat" cmpd="sng" algn="ctr">
-          <a:solidFill>
-            <a:schemeClr val="lt1">
-              <a:hueOff val="0"/>
-              <a:satOff val="0"/>
-              <a:lumOff val="0"/>
-              <a:alphaOff val="0"/>
-            </a:schemeClr>
-          </a:solidFill>
-          <a:prstDash val="solid"/>
-          <a:miter lim="800000"/>
-        </a:ln>
-        <a:effectLst/>
-      </dsp:spPr>
-      <dsp:style>
-        <a:lnRef idx="2">
-          <a:scrgbClr r="0" g="0" b="0"/>
-        </a:lnRef>
-        <a:fillRef idx="1">
-          <a:scrgbClr r="0" g="0" b="0"/>
-        </a:fillRef>
-        <a:effectRef idx="0">
-          <a:scrgbClr r="0" g="0" b="0"/>
-        </a:effectRef>
-        <a:fontRef idx="minor">
-          <a:schemeClr val="lt1"/>
-        </a:fontRef>
-      </dsp:style>
-      <dsp:txBody>
-        <a:bodyPr spcFirstLastPara="0" vert="horz" wrap="square" lIns="53340" tIns="53340" rIns="53340" bIns="53340" numCol="1" spcCol="1270" anchor="ctr" anchorCtr="0">
-          <a:noAutofit/>
-        </a:bodyPr>
-        <a:lstStyle/>
-        <a:p>
-          <a:pPr lvl="0" algn="ctr" defTabSz="622300">
-            <a:lnSpc>
-              <a:spcPct val="90000"/>
-            </a:lnSpc>
-            <a:spcBef>
-              <a:spcPct val="0"/>
-            </a:spcBef>
-            <a:spcAft>
-              <a:spcPct val="35000"/>
-            </a:spcAft>
-          </a:pPr>
-          <a:r>
-            <a:rPr lang="en-US" sz="1400" kern="1200" dirty="0" smtClean="0"/>
-            <a:t>Values</a:t>
-          </a:r>
-        </a:p>
-      </dsp:txBody>
-      <dsp:txXfrm>
-        <a:off x="8180796" y="1680547"/>
-        <a:ext cx="1863638" cy="319115"/>
-      </dsp:txXfrm>
-    </dsp:sp>
-    <dsp:sp modelId="{73E32843-E768-4125-9EFA-3FCFA60B2E74}">
-      <dsp:nvSpPr>
-        <dsp:cNvPr id="0" name=""/>
-        <dsp:cNvSpPr/>
-      </dsp:nvSpPr>
-      <dsp:spPr>
-        <a:xfrm>
-          <a:off x="8170868" y="2088250"/>
-          <a:ext cx="1883494" cy="338971"/>
-        </a:xfrm>
-        <a:prstGeom prst="roundRect">
-          <a:avLst>
-            <a:gd name="adj" fmla="val 10000"/>
-          </a:avLst>
-        </a:prstGeom>
-        <a:solidFill>
-          <a:schemeClr val="accent2">
-            <a:hueOff val="0"/>
-            <a:satOff val="0"/>
-            <a:lumOff val="0"/>
-            <a:alphaOff val="0"/>
-          </a:schemeClr>
-        </a:solidFill>
-        <a:ln w="12700" cap="flat" cmpd="sng" algn="ctr">
-          <a:solidFill>
-            <a:schemeClr val="lt1">
-              <a:hueOff val="0"/>
-              <a:satOff val="0"/>
-              <a:lumOff val="0"/>
-              <a:alphaOff val="0"/>
-            </a:schemeClr>
-          </a:solidFill>
-          <a:prstDash val="solid"/>
-          <a:miter lim="800000"/>
-        </a:ln>
-        <a:effectLst/>
-      </dsp:spPr>
-      <dsp:style>
-        <a:lnRef idx="2">
-          <a:scrgbClr r="0" g="0" b="0"/>
-        </a:lnRef>
-        <a:fillRef idx="1">
-          <a:scrgbClr r="0" g="0" b="0"/>
-        </a:fillRef>
-        <a:effectRef idx="0">
-          <a:scrgbClr r="0" g="0" b="0"/>
-        </a:effectRef>
-        <a:fontRef idx="minor">
-          <a:schemeClr val="lt1"/>
-        </a:fontRef>
-      </dsp:style>
-      <dsp:txBody>
-        <a:bodyPr spcFirstLastPara="0" vert="horz" wrap="square" lIns="53340" tIns="53340" rIns="53340" bIns="53340" numCol="1" spcCol="1270" anchor="ctr" anchorCtr="0">
-          <a:noAutofit/>
-        </a:bodyPr>
-        <a:lstStyle/>
-        <a:p>
-          <a:pPr lvl="0" algn="ctr" defTabSz="622300">
-            <a:lnSpc>
-              <a:spcPct val="90000"/>
-            </a:lnSpc>
-            <a:spcBef>
-              <a:spcPct val="0"/>
-            </a:spcBef>
-            <a:spcAft>
-              <a:spcPct val="35000"/>
-            </a:spcAft>
-          </a:pPr>
-          <a:r>
-            <a:rPr lang="en-US" sz="1400" kern="1200" dirty="0" smtClean="0"/>
-            <a:t>Constants</a:t>
-          </a:r>
-        </a:p>
-      </dsp:txBody>
-      <dsp:txXfrm>
-        <a:off x="8180796" y="2098178"/>
-        <a:ext cx="1863638" cy="319115"/>
-      </dsp:txXfrm>
-    </dsp:sp>
   </dsp:spTree>
 </dsp:drawing>
 </file>
@@ -13414,351 +11377,6 @@
       <dsp:cNvGrpSpPr/>
     </dsp:nvGrpSpPr>
     <dsp:grpSpPr/>
-    <dsp:sp modelId="{552CD446-1E6C-47BC-BE1D-3A8CCCB618F5}">
-      <dsp:nvSpPr>
-        <dsp:cNvPr id="0" name=""/>
-        <dsp:cNvSpPr/>
-      </dsp:nvSpPr>
-      <dsp:spPr>
-        <a:xfrm>
-          <a:off x="1440179" y="1820916"/>
-          <a:ext cx="1234440" cy="1234440"/>
-        </a:xfrm>
-        <a:prstGeom prst="roundRect">
-          <a:avLst/>
-        </a:prstGeom>
-        <a:solidFill>
-          <a:schemeClr val="accent6">
-            <a:hueOff val="0"/>
-            <a:satOff val="0"/>
-            <a:lumOff val="0"/>
-            <a:alphaOff val="0"/>
-          </a:schemeClr>
-        </a:solidFill>
-        <a:ln w="12700" cap="flat" cmpd="sng" algn="ctr">
-          <a:solidFill>
-            <a:schemeClr val="lt1">
-              <a:hueOff val="0"/>
-              <a:satOff val="0"/>
-              <a:lumOff val="0"/>
-              <a:alphaOff val="0"/>
-            </a:schemeClr>
-          </a:solidFill>
-          <a:prstDash val="solid"/>
-          <a:miter lim="800000"/>
-        </a:ln>
-        <a:effectLst/>
-      </dsp:spPr>
-      <dsp:style>
-        <a:lnRef idx="2">
-          <a:scrgbClr r="0" g="0" b="0"/>
-        </a:lnRef>
-        <a:fillRef idx="1">
-          <a:scrgbClr r="0" g="0" b="0"/>
-        </a:fillRef>
-        <a:effectRef idx="0">
-          <a:scrgbClr r="0" g="0" b="0"/>
-        </a:effectRef>
-        <a:fontRef idx="minor">
-          <a:schemeClr val="lt1"/>
-        </a:fontRef>
-      </dsp:style>
-      <dsp:txBody>
-        <a:bodyPr spcFirstLastPara="0" vert="horz" wrap="square" lIns="71120" tIns="71120" rIns="71120" bIns="71120" numCol="1" spcCol="1270" anchor="ctr" anchorCtr="0">
-          <a:noAutofit/>
-        </a:bodyPr>
-        <a:lstStyle/>
-        <a:p>
-          <a:pPr lvl="0" algn="ctr" defTabSz="1244600">
-            <a:lnSpc>
-              <a:spcPct val="90000"/>
-            </a:lnSpc>
-            <a:spcBef>
-              <a:spcPct val="0"/>
-            </a:spcBef>
-            <a:spcAft>
-              <a:spcPct val="35000"/>
-            </a:spcAft>
-          </a:pPr>
-          <a:r>
-            <a:rPr lang="en-US" sz="2800" kern="1200" dirty="0" smtClean="0"/>
-            <a:t>Scope</a:t>
-          </a:r>
-        </a:p>
-      </dsp:txBody>
-      <dsp:txXfrm>
-        <a:off x="1500439" y="1881176"/>
-        <a:ext cx="1113920" cy="1113920"/>
-      </dsp:txXfrm>
-    </dsp:sp>
-    <dsp:sp modelId="{898210EA-0F22-496D-8BE1-A4737E6F9293}">
-      <dsp:nvSpPr>
-        <dsp:cNvPr id="0" name=""/>
-        <dsp:cNvSpPr/>
-      </dsp:nvSpPr>
-      <dsp:spPr>
-        <a:xfrm rot="16200000">
-          <a:off x="1751024" y="1514540"/>
-          <a:ext cx="612751" cy="0"/>
-        </a:xfrm>
-        <a:custGeom>
-          <a:avLst/>
-          <a:gdLst/>
-          <a:ahLst/>
-          <a:cxnLst/>
-          <a:rect l="0" t="0" r="0" b="0"/>
-          <a:pathLst>
-            <a:path>
-              <a:moveTo>
-                <a:pt x="0" y="0"/>
-              </a:moveTo>
-              <a:lnTo>
-                <a:pt x="612751" y="0"/>
-              </a:lnTo>
-            </a:path>
-          </a:pathLst>
-        </a:custGeom>
-        <a:noFill/>
-        <a:ln w="12700" cap="flat" cmpd="sng" algn="ctr">
-          <a:solidFill>
-            <a:schemeClr val="accent6">
-              <a:shade val="60000"/>
-              <a:hueOff val="0"/>
-              <a:satOff val="0"/>
-              <a:lumOff val="0"/>
-              <a:alphaOff val="0"/>
-            </a:schemeClr>
-          </a:solidFill>
-          <a:prstDash val="solid"/>
-          <a:miter lim="800000"/>
-        </a:ln>
-        <a:effectLst/>
-      </dsp:spPr>
-      <dsp:style>
-        <a:lnRef idx="2">
-          <a:scrgbClr r="0" g="0" b="0"/>
-        </a:lnRef>
-        <a:fillRef idx="0">
-          <a:scrgbClr r="0" g="0" b="0"/>
-        </a:fillRef>
-        <a:effectRef idx="0">
-          <a:scrgbClr r="0" g="0" b="0"/>
-        </a:effectRef>
-        <a:fontRef idx="minor"/>
-      </dsp:style>
-    </dsp:sp>
-    <dsp:sp modelId="{2301A33D-33BA-40C8-8E39-25D00DB34497}">
-      <dsp:nvSpPr>
-        <dsp:cNvPr id="0" name=""/>
-        <dsp:cNvSpPr/>
-      </dsp:nvSpPr>
-      <dsp:spPr>
-        <a:xfrm>
-          <a:off x="1643862" y="381090"/>
-          <a:ext cx="827074" cy="827074"/>
-        </a:xfrm>
-        <a:prstGeom prst="roundRect">
-          <a:avLst/>
-        </a:prstGeom>
-        <a:solidFill>
-          <a:schemeClr val="accent6">
-            <a:hueOff val="0"/>
-            <a:satOff val="0"/>
-            <a:lumOff val="0"/>
-            <a:alphaOff val="0"/>
-          </a:schemeClr>
-        </a:solidFill>
-        <a:ln w="12700" cap="flat" cmpd="sng" algn="ctr">
-          <a:solidFill>
-            <a:schemeClr val="lt1">
-              <a:hueOff val="0"/>
-              <a:satOff val="0"/>
-              <a:lumOff val="0"/>
-              <a:alphaOff val="0"/>
-            </a:schemeClr>
-          </a:solidFill>
-          <a:prstDash val="solid"/>
-          <a:miter lim="800000"/>
-        </a:ln>
-        <a:effectLst/>
-      </dsp:spPr>
-      <dsp:style>
-        <a:lnRef idx="2">
-          <a:scrgbClr r="0" g="0" b="0"/>
-        </a:lnRef>
-        <a:fillRef idx="1">
-          <a:scrgbClr r="0" g="0" b="0"/>
-        </a:fillRef>
-        <a:effectRef idx="0">
-          <a:scrgbClr r="0" g="0" b="0"/>
-        </a:effectRef>
-        <a:fontRef idx="minor">
-          <a:schemeClr val="lt1"/>
-        </a:fontRef>
-      </dsp:style>
-      <dsp:txBody>
-        <a:bodyPr spcFirstLastPara="0" vert="horz" wrap="square" lIns="53340" tIns="53340" rIns="53340" bIns="53340" numCol="1" spcCol="1270" anchor="ctr" anchorCtr="0">
-          <a:noAutofit/>
-        </a:bodyPr>
-        <a:lstStyle/>
-        <a:p>
-          <a:pPr lvl="0" algn="ctr" defTabSz="933450">
-            <a:lnSpc>
-              <a:spcPct val="90000"/>
-            </a:lnSpc>
-            <a:spcBef>
-              <a:spcPct val="0"/>
-            </a:spcBef>
-            <a:spcAft>
-              <a:spcPct val="35000"/>
-            </a:spcAft>
-          </a:pPr>
-          <a:r>
-            <a:rPr lang="en-US" sz="2100" kern="1200" dirty="0" smtClean="0"/>
-            <a:t>View</a:t>
-          </a:r>
-          <a:endParaRPr lang="en-US" sz="2100" kern="1200" dirty="0"/>
-        </a:p>
-      </dsp:txBody>
-      <dsp:txXfrm>
-        <a:off x="1684236" y="421464"/>
-        <a:ext cx="746326" cy="746326"/>
-      </dsp:txXfrm>
-    </dsp:sp>
-    <dsp:sp modelId="{863225D8-A3D1-4726-98D0-7C450D270A4A}">
-      <dsp:nvSpPr>
-        <dsp:cNvPr id="0" name=""/>
-        <dsp:cNvSpPr/>
-      </dsp:nvSpPr>
-      <dsp:spPr>
-        <a:xfrm rot="5400000">
-          <a:off x="1751024" y="3361732"/>
-          <a:ext cx="612751" cy="0"/>
-        </a:xfrm>
-        <a:custGeom>
-          <a:avLst/>
-          <a:gdLst/>
-          <a:ahLst/>
-          <a:cxnLst/>
-          <a:rect l="0" t="0" r="0" b="0"/>
-          <a:pathLst>
-            <a:path>
-              <a:moveTo>
-                <a:pt x="0" y="0"/>
-              </a:moveTo>
-              <a:lnTo>
-                <a:pt x="612751" y="0"/>
-              </a:lnTo>
-            </a:path>
-          </a:pathLst>
-        </a:custGeom>
-        <a:noFill/>
-        <a:ln w="12700" cap="flat" cmpd="sng" algn="ctr">
-          <a:solidFill>
-            <a:schemeClr val="accent6">
-              <a:shade val="60000"/>
-              <a:hueOff val="0"/>
-              <a:satOff val="0"/>
-              <a:lumOff val="0"/>
-              <a:alphaOff val="0"/>
-            </a:schemeClr>
-          </a:solidFill>
-          <a:prstDash val="solid"/>
-          <a:miter lim="800000"/>
-        </a:ln>
-        <a:effectLst/>
-      </dsp:spPr>
-      <dsp:style>
-        <a:lnRef idx="2">
-          <a:scrgbClr r="0" g="0" b="0"/>
-        </a:lnRef>
-        <a:fillRef idx="0">
-          <a:scrgbClr r="0" g="0" b="0"/>
-        </a:fillRef>
-        <a:effectRef idx="0">
-          <a:scrgbClr r="0" g="0" b="0"/>
-        </a:effectRef>
-        <a:fontRef idx="minor"/>
-      </dsp:style>
-    </dsp:sp>
-    <dsp:sp modelId="{A1E87F02-FF0E-46D1-A190-D92C658321B3}">
-      <dsp:nvSpPr>
-        <dsp:cNvPr id="0" name=""/>
-        <dsp:cNvSpPr/>
-      </dsp:nvSpPr>
-      <dsp:spPr>
-        <a:xfrm>
-          <a:off x="1643862" y="3668108"/>
-          <a:ext cx="827074" cy="827074"/>
-        </a:xfrm>
-        <a:prstGeom prst="roundRect">
-          <a:avLst/>
-        </a:prstGeom>
-        <a:solidFill>
-          <a:schemeClr val="accent6">
-            <a:hueOff val="0"/>
-            <a:satOff val="0"/>
-            <a:lumOff val="0"/>
-            <a:alphaOff val="0"/>
-          </a:schemeClr>
-        </a:solidFill>
-        <a:ln w="12700" cap="flat" cmpd="sng" algn="ctr">
-          <a:solidFill>
-            <a:schemeClr val="lt1">
-              <a:hueOff val="0"/>
-              <a:satOff val="0"/>
-              <a:lumOff val="0"/>
-              <a:alphaOff val="0"/>
-            </a:schemeClr>
-          </a:solidFill>
-          <a:prstDash val="solid"/>
-          <a:miter lim="800000"/>
-        </a:ln>
-        <a:effectLst/>
-      </dsp:spPr>
-      <dsp:style>
-        <a:lnRef idx="2">
-          <a:scrgbClr r="0" g="0" b="0"/>
-        </a:lnRef>
-        <a:fillRef idx="1">
-          <a:scrgbClr r="0" g="0" b="0"/>
-        </a:fillRef>
-        <a:effectRef idx="0">
-          <a:scrgbClr r="0" g="0" b="0"/>
-        </a:effectRef>
-        <a:fontRef idx="minor">
-          <a:schemeClr val="lt1"/>
-        </a:fontRef>
-      </dsp:style>
-      <dsp:txBody>
-        <a:bodyPr spcFirstLastPara="0" vert="horz" wrap="square" lIns="27940" tIns="27940" rIns="27940" bIns="27940" numCol="1" spcCol="1270" anchor="ctr" anchorCtr="0">
-          <a:noAutofit/>
-        </a:bodyPr>
-        <a:lstStyle/>
-        <a:p>
-          <a:pPr lvl="0" algn="ctr" defTabSz="488950">
-            <a:lnSpc>
-              <a:spcPct val="90000"/>
-            </a:lnSpc>
-            <a:spcBef>
-              <a:spcPct val="0"/>
-            </a:spcBef>
-            <a:spcAft>
-              <a:spcPct val="35000"/>
-            </a:spcAft>
-          </a:pPr>
-          <a:r>
-            <a:rPr lang="en-US" sz="1100" kern="1200" dirty="0" smtClean="0"/>
-            <a:t>Controller</a:t>
-          </a:r>
-          <a:endParaRPr lang="en-US" sz="1100" kern="1200" dirty="0"/>
-        </a:p>
-      </dsp:txBody>
-      <dsp:txXfrm>
-        <a:off x="1684236" y="3708482"/>
-        <a:ext cx="746326" cy="746326"/>
-      </dsp:txXfrm>
-    </dsp:sp>
   </dsp:spTree>
 </dsp:drawing>
 </file>
@@ -13771,481 +11389,6 @@
       <dsp:cNvGrpSpPr/>
     </dsp:nvGrpSpPr>
     <dsp:grpSpPr/>
-    <dsp:sp modelId="{4D44E2DE-A47D-4571-A3A9-CA7AEBC50503}">
-      <dsp:nvSpPr>
-        <dsp:cNvPr id="0" name=""/>
-        <dsp:cNvSpPr/>
-      </dsp:nvSpPr>
-      <dsp:spPr>
-        <a:xfrm>
-          <a:off x="3229" y="232066"/>
-          <a:ext cx="1748581" cy="1049148"/>
-        </a:xfrm>
-        <a:prstGeom prst="rect">
-          <a:avLst/>
-        </a:prstGeom>
-        <a:solidFill>
-          <a:schemeClr val="accent2">
-            <a:hueOff val="0"/>
-            <a:satOff val="0"/>
-            <a:lumOff val="0"/>
-            <a:alphaOff val="0"/>
-          </a:schemeClr>
-        </a:solidFill>
-        <a:ln w="12700" cap="flat" cmpd="sng" algn="ctr">
-          <a:solidFill>
-            <a:schemeClr val="lt1">
-              <a:hueOff val="0"/>
-              <a:satOff val="0"/>
-              <a:lumOff val="0"/>
-              <a:alphaOff val="0"/>
-            </a:schemeClr>
-          </a:solidFill>
-          <a:prstDash val="solid"/>
-          <a:miter lim="800000"/>
-        </a:ln>
-        <a:effectLst/>
-      </dsp:spPr>
-      <dsp:style>
-        <a:lnRef idx="2">
-          <a:scrgbClr r="0" g="0" b="0"/>
-        </a:lnRef>
-        <a:fillRef idx="1">
-          <a:scrgbClr r="0" g="0" b="0"/>
-        </a:fillRef>
-        <a:effectRef idx="0">
-          <a:scrgbClr r="0" g="0" b="0"/>
-        </a:effectRef>
-        <a:fontRef idx="minor">
-          <a:schemeClr val="lt1"/>
-        </a:fontRef>
-      </dsp:style>
-      <dsp:txBody>
-        <a:bodyPr spcFirstLastPara="0" vert="horz" wrap="square" lIns="64770" tIns="64770" rIns="64770" bIns="64770" numCol="1" spcCol="1270" anchor="ctr" anchorCtr="0">
-          <a:noAutofit/>
-        </a:bodyPr>
-        <a:lstStyle/>
-        <a:p>
-          <a:pPr lvl="0" algn="ctr" defTabSz="755650">
-            <a:lnSpc>
-              <a:spcPct val="90000"/>
-            </a:lnSpc>
-            <a:spcBef>
-              <a:spcPct val="0"/>
-            </a:spcBef>
-            <a:spcAft>
-              <a:spcPct val="35000"/>
-            </a:spcAft>
-          </a:pPr>
-          <a:r>
-            <a:rPr lang="en-US" sz="1700" kern="1200" dirty="0" smtClean="0"/>
-            <a:t>Constant</a:t>
-          </a:r>
-        </a:p>
-        <a:p>
-          <a:pPr lvl="0" algn="ctr" defTabSz="755650">
-            <a:lnSpc>
-              <a:spcPct val="90000"/>
-            </a:lnSpc>
-            <a:spcBef>
-              <a:spcPct val="0"/>
-            </a:spcBef>
-            <a:spcAft>
-              <a:spcPct val="35000"/>
-            </a:spcAft>
-          </a:pPr>
-          <a:r>
-            <a:rPr lang="en-US" sz="1700" kern="1200" dirty="0" smtClean="0"/>
-            <a:t>Value injected anywhere</a:t>
-          </a:r>
-          <a:endParaRPr lang="en-US" sz="1700" kern="1200" dirty="0"/>
-        </a:p>
-      </dsp:txBody>
-      <dsp:txXfrm>
-        <a:off x="3229" y="232066"/>
-        <a:ext cx="1748581" cy="1049148"/>
-      </dsp:txXfrm>
-    </dsp:sp>
-    <dsp:sp modelId="{4F3F2962-F6D5-4FC5-81BB-FD355CAD4FB9}">
-      <dsp:nvSpPr>
-        <dsp:cNvPr id="0" name=""/>
-        <dsp:cNvSpPr/>
-      </dsp:nvSpPr>
-      <dsp:spPr>
-        <a:xfrm>
-          <a:off x="1926669" y="232066"/>
-          <a:ext cx="1748581" cy="1049148"/>
-        </a:xfrm>
-        <a:prstGeom prst="rect">
-          <a:avLst/>
-        </a:prstGeom>
-        <a:solidFill>
-          <a:schemeClr val="accent3">
-            <a:hueOff val="0"/>
-            <a:satOff val="0"/>
-            <a:lumOff val="0"/>
-            <a:alphaOff val="0"/>
-          </a:schemeClr>
-        </a:solidFill>
-        <a:ln w="12700" cap="flat" cmpd="sng" algn="ctr">
-          <a:solidFill>
-            <a:schemeClr val="lt1">
-              <a:hueOff val="0"/>
-              <a:satOff val="0"/>
-              <a:lumOff val="0"/>
-              <a:alphaOff val="0"/>
-            </a:schemeClr>
-          </a:solidFill>
-          <a:prstDash val="solid"/>
-          <a:miter lim="800000"/>
-        </a:ln>
-        <a:effectLst/>
-      </dsp:spPr>
-      <dsp:style>
-        <a:lnRef idx="2">
-          <a:scrgbClr r="0" g="0" b="0"/>
-        </a:lnRef>
-        <a:fillRef idx="1">
-          <a:scrgbClr r="0" g="0" b="0"/>
-        </a:fillRef>
-        <a:effectRef idx="0">
-          <a:scrgbClr r="0" g="0" b="0"/>
-        </a:effectRef>
-        <a:fontRef idx="minor">
-          <a:schemeClr val="lt1"/>
-        </a:fontRef>
-      </dsp:style>
-      <dsp:txBody>
-        <a:bodyPr spcFirstLastPara="0" vert="horz" wrap="square" lIns="64770" tIns="64770" rIns="64770" bIns="64770" numCol="1" spcCol="1270" anchor="ctr" anchorCtr="0">
-          <a:noAutofit/>
-        </a:bodyPr>
-        <a:lstStyle/>
-        <a:p>
-          <a:pPr lvl="0" algn="ctr" defTabSz="755650">
-            <a:lnSpc>
-              <a:spcPct val="90000"/>
-            </a:lnSpc>
-            <a:spcBef>
-              <a:spcPct val="0"/>
-            </a:spcBef>
-            <a:spcAft>
-              <a:spcPct val="35000"/>
-            </a:spcAft>
-          </a:pPr>
-          <a:r>
-            <a:rPr lang="en-US" sz="1700" kern="1200" dirty="0" smtClean="0"/>
-            <a:t>Value</a:t>
-          </a:r>
-        </a:p>
-        <a:p>
-          <a:pPr lvl="0" algn="ctr" defTabSz="755650">
-            <a:lnSpc>
-              <a:spcPct val="90000"/>
-            </a:lnSpc>
-            <a:spcBef>
-              <a:spcPct val="0"/>
-            </a:spcBef>
-            <a:spcAft>
-              <a:spcPct val="35000"/>
-            </a:spcAft>
-          </a:pPr>
-          <a:r>
-            <a:rPr lang="en-US" sz="1700" kern="1200" dirty="0" smtClean="0"/>
-            <a:t>Simple injectable value</a:t>
-          </a:r>
-          <a:endParaRPr lang="en-US" sz="1700" kern="1200" dirty="0"/>
-        </a:p>
-      </dsp:txBody>
-      <dsp:txXfrm>
-        <a:off x="1926669" y="232066"/>
-        <a:ext cx="1748581" cy="1049148"/>
-      </dsp:txXfrm>
-    </dsp:sp>
-    <dsp:sp modelId="{38BB4842-1519-49DF-873B-E9FD426DDE54}">
-      <dsp:nvSpPr>
-        <dsp:cNvPr id="0" name=""/>
-        <dsp:cNvSpPr/>
-      </dsp:nvSpPr>
-      <dsp:spPr>
-        <a:xfrm>
-          <a:off x="3850109" y="232066"/>
-          <a:ext cx="1748581" cy="1049148"/>
-        </a:xfrm>
-        <a:prstGeom prst="rect">
-          <a:avLst/>
-        </a:prstGeom>
-        <a:solidFill>
-          <a:schemeClr val="accent4">
-            <a:hueOff val="0"/>
-            <a:satOff val="0"/>
-            <a:lumOff val="0"/>
-            <a:alphaOff val="0"/>
-          </a:schemeClr>
-        </a:solidFill>
-        <a:ln w="12700" cap="flat" cmpd="sng" algn="ctr">
-          <a:solidFill>
-            <a:schemeClr val="lt1">
-              <a:hueOff val="0"/>
-              <a:satOff val="0"/>
-              <a:lumOff val="0"/>
-              <a:alphaOff val="0"/>
-            </a:schemeClr>
-          </a:solidFill>
-          <a:prstDash val="solid"/>
-          <a:miter lim="800000"/>
-        </a:ln>
-        <a:effectLst/>
-      </dsp:spPr>
-      <dsp:style>
-        <a:lnRef idx="2">
-          <a:scrgbClr r="0" g="0" b="0"/>
-        </a:lnRef>
-        <a:fillRef idx="1">
-          <a:scrgbClr r="0" g="0" b="0"/>
-        </a:fillRef>
-        <a:effectRef idx="0">
-          <a:scrgbClr r="0" g="0" b="0"/>
-        </a:effectRef>
-        <a:fontRef idx="minor">
-          <a:schemeClr val="lt1"/>
-        </a:fontRef>
-      </dsp:style>
-      <dsp:txBody>
-        <a:bodyPr spcFirstLastPara="0" vert="horz" wrap="square" lIns="64770" tIns="64770" rIns="64770" bIns="64770" numCol="1" spcCol="1270" anchor="ctr" anchorCtr="0">
-          <a:noAutofit/>
-        </a:bodyPr>
-        <a:lstStyle/>
-        <a:p>
-          <a:pPr lvl="0" algn="ctr" defTabSz="755650">
-            <a:lnSpc>
-              <a:spcPct val="90000"/>
-            </a:lnSpc>
-            <a:spcBef>
-              <a:spcPct val="0"/>
-            </a:spcBef>
-            <a:spcAft>
-              <a:spcPct val="35000"/>
-            </a:spcAft>
-          </a:pPr>
-          <a:r>
-            <a:rPr lang="en-US" sz="1700" kern="1200" dirty="0" smtClean="0"/>
-            <a:t>Factory</a:t>
-          </a:r>
-        </a:p>
-        <a:p>
-          <a:pPr lvl="0" algn="ctr" defTabSz="755650">
-            <a:lnSpc>
-              <a:spcPct val="90000"/>
-            </a:lnSpc>
-            <a:spcBef>
-              <a:spcPct val="0"/>
-            </a:spcBef>
-            <a:spcAft>
-              <a:spcPct val="35000"/>
-            </a:spcAft>
-          </a:pPr>
-          <a:r>
-            <a:rPr lang="en-US" sz="1700" kern="1200" dirty="0" smtClean="0"/>
-            <a:t>Injectable function</a:t>
-          </a:r>
-          <a:endParaRPr lang="en-US" sz="1700" kern="1200" dirty="0"/>
-        </a:p>
-      </dsp:txBody>
-      <dsp:txXfrm>
-        <a:off x="3850109" y="232066"/>
-        <a:ext cx="1748581" cy="1049148"/>
-      </dsp:txXfrm>
-    </dsp:sp>
-    <dsp:sp modelId="{16A7048F-BA3E-4ACD-9935-C8D93F3348ED}">
-      <dsp:nvSpPr>
-        <dsp:cNvPr id="0" name=""/>
-        <dsp:cNvSpPr/>
-      </dsp:nvSpPr>
-      <dsp:spPr>
-        <a:xfrm>
-          <a:off x="5773548" y="232066"/>
-          <a:ext cx="1748581" cy="1049148"/>
-        </a:xfrm>
-        <a:prstGeom prst="rect">
-          <a:avLst/>
-        </a:prstGeom>
-        <a:solidFill>
-          <a:schemeClr val="accent5">
-            <a:hueOff val="0"/>
-            <a:satOff val="0"/>
-            <a:lumOff val="0"/>
-            <a:alphaOff val="0"/>
-          </a:schemeClr>
-        </a:solidFill>
-        <a:ln w="12700" cap="flat" cmpd="sng" algn="ctr">
-          <a:solidFill>
-            <a:schemeClr val="lt1">
-              <a:hueOff val="0"/>
-              <a:satOff val="0"/>
-              <a:lumOff val="0"/>
-              <a:alphaOff val="0"/>
-            </a:schemeClr>
-          </a:solidFill>
-          <a:prstDash val="solid"/>
-          <a:miter lim="800000"/>
-        </a:ln>
-        <a:effectLst/>
-      </dsp:spPr>
-      <dsp:style>
-        <a:lnRef idx="2">
-          <a:scrgbClr r="0" g="0" b="0"/>
-        </a:lnRef>
-        <a:fillRef idx="1">
-          <a:scrgbClr r="0" g="0" b="0"/>
-        </a:fillRef>
-        <a:effectRef idx="0">
-          <a:scrgbClr r="0" g="0" b="0"/>
-        </a:effectRef>
-        <a:fontRef idx="minor">
-          <a:schemeClr val="lt1"/>
-        </a:fontRef>
-      </dsp:style>
-      <dsp:txBody>
-        <a:bodyPr spcFirstLastPara="0" vert="horz" wrap="square" lIns="64770" tIns="64770" rIns="64770" bIns="64770" numCol="1" spcCol="1270" anchor="ctr" anchorCtr="0">
-          <a:noAutofit/>
-        </a:bodyPr>
-        <a:lstStyle/>
-        <a:p>
-          <a:pPr lvl="0" algn="ctr" defTabSz="755650">
-            <a:lnSpc>
-              <a:spcPct val="90000"/>
-            </a:lnSpc>
-            <a:spcBef>
-              <a:spcPct val="0"/>
-            </a:spcBef>
-            <a:spcAft>
-              <a:spcPct val="35000"/>
-            </a:spcAft>
-          </a:pPr>
-          <a:r>
-            <a:rPr lang="en-US" sz="1700" kern="1200" dirty="0" smtClean="0"/>
-            <a:t>Service</a:t>
-          </a:r>
-        </a:p>
-        <a:p>
-          <a:pPr lvl="0" algn="ctr" defTabSz="755650">
-            <a:lnSpc>
-              <a:spcPct val="90000"/>
-            </a:lnSpc>
-            <a:spcBef>
-              <a:spcPct val="0"/>
-            </a:spcBef>
-            <a:spcAft>
-              <a:spcPct val="35000"/>
-            </a:spcAft>
-          </a:pPr>
-          <a:r>
-            <a:rPr lang="en-US" sz="1700" kern="1200" dirty="0" smtClean="0"/>
-            <a:t>Injectable constructor</a:t>
-          </a:r>
-          <a:endParaRPr lang="en-US" sz="1700" kern="1200" dirty="0"/>
-        </a:p>
-      </dsp:txBody>
-      <dsp:txXfrm>
-        <a:off x="5773548" y="232066"/>
-        <a:ext cx="1748581" cy="1049148"/>
-      </dsp:txXfrm>
-    </dsp:sp>
-    <dsp:sp modelId="{35170A97-E2BC-4C89-A531-AA8880687368}">
-      <dsp:nvSpPr>
-        <dsp:cNvPr id="0" name=""/>
-        <dsp:cNvSpPr/>
-      </dsp:nvSpPr>
-      <dsp:spPr>
-        <a:xfrm>
-          <a:off x="7696988" y="232066"/>
-          <a:ext cx="1748581" cy="1049148"/>
-        </a:xfrm>
-        <a:prstGeom prst="rect">
-          <a:avLst/>
-        </a:prstGeom>
-        <a:solidFill>
-          <a:schemeClr val="accent6">
-            <a:hueOff val="0"/>
-            <a:satOff val="0"/>
-            <a:lumOff val="0"/>
-            <a:alphaOff val="0"/>
-          </a:schemeClr>
-        </a:solidFill>
-        <a:ln w="12700" cap="flat" cmpd="sng" algn="ctr">
-          <a:solidFill>
-            <a:schemeClr val="lt1">
-              <a:hueOff val="0"/>
-              <a:satOff val="0"/>
-              <a:lumOff val="0"/>
-              <a:alphaOff val="0"/>
-            </a:schemeClr>
-          </a:solidFill>
-          <a:prstDash val="solid"/>
-          <a:miter lim="800000"/>
-        </a:ln>
-        <a:effectLst/>
-      </dsp:spPr>
-      <dsp:style>
-        <a:lnRef idx="2">
-          <a:scrgbClr r="0" g="0" b="0"/>
-        </a:lnRef>
-        <a:fillRef idx="1">
-          <a:scrgbClr r="0" g="0" b="0"/>
-        </a:fillRef>
-        <a:effectRef idx="0">
-          <a:scrgbClr r="0" g="0" b="0"/>
-        </a:effectRef>
-        <a:fontRef idx="minor">
-          <a:schemeClr val="lt1"/>
-        </a:fontRef>
-      </dsp:style>
-      <dsp:txBody>
-        <a:bodyPr spcFirstLastPara="0" vert="horz" wrap="square" lIns="64770" tIns="64770" rIns="64770" bIns="64770" numCol="1" spcCol="1270" anchor="ctr" anchorCtr="0">
-          <a:noAutofit/>
-        </a:bodyPr>
-        <a:lstStyle/>
-        <a:p>
-          <a:pPr lvl="0" algn="ctr" defTabSz="755650">
-            <a:lnSpc>
-              <a:spcPct val="90000"/>
-            </a:lnSpc>
-            <a:spcBef>
-              <a:spcPct val="0"/>
-            </a:spcBef>
-            <a:spcAft>
-              <a:spcPct val="35000"/>
-            </a:spcAft>
-          </a:pPr>
-          <a:r>
-            <a:rPr lang="en-US" sz="1700" kern="1200" dirty="0" smtClean="0"/>
-            <a:t>Provider</a:t>
-          </a:r>
-        </a:p>
-        <a:p>
-          <a:pPr lvl="0" algn="ctr" defTabSz="755650">
-            <a:lnSpc>
-              <a:spcPct val="90000"/>
-            </a:lnSpc>
-            <a:spcBef>
-              <a:spcPct val="0"/>
-            </a:spcBef>
-            <a:spcAft>
-              <a:spcPct val="35000"/>
-            </a:spcAft>
-          </a:pPr>
-          <a:r>
-            <a:rPr lang="en-US" sz="1700" kern="1200" dirty="0" smtClean="0"/>
-            <a:t>Configurable factory</a:t>
-          </a:r>
-          <a:endParaRPr lang="en-US" sz="1700" kern="1200" dirty="0"/>
-        </a:p>
-      </dsp:txBody>
-      <dsp:txXfrm>
-        <a:off x="7696988" y="232066"/>
-        <a:ext cx="1748581" cy="1049148"/>
-      </dsp:txXfrm>
-    </dsp:sp>
   </dsp:spTree>
 </dsp:drawing>
 </file>
@@ -27339,7 +24482,7 @@
           <a:p>
             <a:fld id="{061C5132-FFA3-4B02-9F09-22FCF40EFA74}" type="datetimeFigureOut">
               <a:rPr lang="en-US" smtClean="0"/>
-              <a:t>4/19/2015</a:t>
+              <a:t>4/20/2015</a:t>
             </a:fld>
             <a:endParaRPr lang="en-US"/>
           </a:p>
@@ -27504,7 +24647,7 @@
           <a:p>
             <a:fld id="{0B6E42C9-243F-4DC5-AFF6-9D56B5FA9D63}" type="datetimeFigureOut">
               <a:rPr lang="en-US" smtClean="0"/>
-              <a:t>4/19/2015</a:t>
+              <a:t>4/20/2015</a:t>
             </a:fld>
             <a:endParaRPr lang="en-US"/>
           </a:p>
@@ -29231,7 +26374,7 @@
           <a:p>
             <a:fld id="{B0FE2824-C2A0-4931-BB32-60B24BDBB3CC}" type="datetimeFigureOut">
               <a:rPr lang="en-US" smtClean="0"/>
-              <a:t>4/19/2015</a:t>
+              <a:t>4/20/2015</a:t>
             </a:fld>
             <a:endParaRPr lang="en-US"/>
           </a:p>
@@ -29443,7 +26586,7 @@
           <a:p>
             <a:fld id="{B0FE2824-C2A0-4931-BB32-60B24BDBB3CC}" type="datetimeFigureOut">
               <a:rPr lang="en-US" smtClean="0"/>
-              <a:t>4/19/2015</a:t>
+              <a:t>4/20/2015</a:t>
             </a:fld>
             <a:endParaRPr lang="en-US"/>
           </a:p>
@@ -29855,7 +26998,7 @@
           <a:p>
             <a:fld id="{B0FE2824-C2A0-4931-BB32-60B24BDBB3CC}" type="datetimeFigureOut">
               <a:rPr lang="en-US" smtClean="0"/>
-              <a:t>4/19/2015</a:t>
+              <a:t>4/20/2015</a:t>
             </a:fld>
             <a:endParaRPr lang="en-US"/>
           </a:p>
@@ -30378,7 +27521,7 @@
           <a:p>
             <a:fld id="{B0FE2824-C2A0-4931-BB32-60B24BDBB3CC}" type="datetimeFigureOut">
               <a:rPr lang="en-US" smtClean="0"/>
-              <a:t>4/19/2015</a:t>
+              <a:t>4/20/2015</a:t>
             </a:fld>
             <a:endParaRPr lang="en-US"/>
           </a:p>
@@ -30838,7 +27981,7 @@
           <a:p>
             <a:fld id="{B0FE2824-C2A0-4931-BB32-60B24BDBB3CC}" type="datetimeFigureOut">
               <a:rPr lang="en-US" smtClean="0"/>
-              <a:t>4/19/2015</a:t>
+              <a:t>4/20/2015</a:t>
             </a:fld>
             <a:endParaRPr lang="en-US"/>
           </a:p>
@@ -30984,7 +28127,7 @@
           <a:p>
             <a:fld id="{B0FE2824-C2A0-4931-BB32-60B24BDBB3CC}" type="datetimeFigureOut">
               <a:rPr lang="en-US" smtClean="0"/>
-              <a:t>4/19/2015</a:t>
+              <a:t>4/20/2015</a:t>
             </a:fld>
             <a:endParaRPr lang="en-US"/>
           </a:p>
@@ -31107,7 +28250,7 @@
           <a:p>
             <a:fld id="{B0FE2824-C2A0-4931-BB32-60B24BDBB3CC}" type="datetimeFigureOut">
               <a:rPr lang="en-US" smtClean="0"/>
-              <a:t>4/19/2015</a:t>
+              <a:t>4/20/2015</a:t>
             </a:fld>
             <a:endParaRPr lang="en-US"/>
           </a:p>
@@ -31419,7 +28562,7 @@
           <a:p>
             <a:fld id="{B0FE2824-C2A0-4931-BB32-60B24BDBB3CC}" type="datetimeFigureOut">
               <a:rPr lang="en-US" smtClean="0"/>
-              <a:t>4/19/2015</a:t>
+              <a:t>4/20/2015</a:t>
             </a:fld>
             <a:endParaRPr lang="en-US"/>
           </a:p>
@@ -31709,7 +28852,7 @@
           <a:p>
             <a:fld id="{B0FE2824-C2A0-4931-BB32-60B24BDBB3CC}" type="datetimeFigureOut">
               <a:rPr lang="en-US" smtClean="0"/>
-              <a:t>4/19/2015</a:t>
+              <a:t>4/20/2015</a:t>
             </a:fld>
             <a:endParaRPr lang="en-US"/>
           </a:p>
@@ -32751,16 +29894,7 @@
                 </a:solidFill>
                 <a:hlinkClick r:id="rId5"/>
               </a:rPr>
-              <a:t>http://</a:t>
-            </a:r>
-            <a:r>
-              <a:rPr lang="en-US" dirty="0" smtClean="0">
-                <a:solidFill>
-                  <a:schemeClr val="bg1"/>
-                </a:solidFill>
-                <a:hlinkClick r:id="rId5"/>
-              </a:rPr>
-              <a:t>jsfiddle.net/spietrek/VKbpu/3</a:t>
+              <a:t>http://jsfiddle.net/spietrek/VKbpu/3</a:t>
             </a:r>
             <a:endParaRPr lang="en-US" dirty="0">
               <a:solidFill>
@@ -40432,7 +37566,7 @@
           </a:ln>
           <a:extLst>
             <a:ext uri="{91240B29-F687-4f45-9708-019B960494DF}">
-              <a14:hiddenLine xmlns:a14="http://schemas.microsoft.com/office/drawing/2010/main" xmlns="" w="9525">
+              <a14:hiddenLine xmlns="" xmlns:a14="http://schemas.microsoft.com/office/drawing/2010/main" w="9525">
                 <a:solidFill>
                   <a:srgbClr val="000000"/>
                 </a:solidFill>
@@ -40486,7 +37620,7 @@
           </a:ln>
           <a:extLst>
             <a:ext uri="{91240B29-F687-4f45-9708-019B960494DF}">
-              <a14:hiddenLine xmlns:a14="http://schemas.microsoft.com/office/drawing/2010/main" xmlns="" w="9525">
+              <a14:hiddenLine xmlns="" xmlns:a14="http://schemas.microsoft.com/office/drawing/2010/main" w="9525">
                 <a:solidFill>
                   <a:srgbClr val="000000"/>
                 </a:solidFill>
@@ -41657,7 +38791,25 @@
           <a:p>
             <a:r>
               <a:rPr lang="en-US" dirty="0" smtClean="0"/>
-              <a:t>Deploy to a site without permission access to App Store</a:t>
+              <a:t>Deploy to a site without permission access to App </a:t>
+            </a:r>
+            <a:r>
+              <a:rPr lang="en-US" dirty="0" smtClean="0"/>
+              <a:t>Store</a:t>
+            </a:r>
+          </a:p>
+          <a:p>
+            <a:r>
+              <a:rPr lang="en-US" dirty="0" smtClean="0"/>
+              <a:t>App parts run </a:t>
+            </a:r>
+            <a:r>
+              <a:rPr lang="en-US" smtClean="0"/>
+              <a:t>as iframe </a:t>
+            </a:r>
+            <a:r>
+              <a:rPr lang="en-US" dirty="0" smtClean="0"/>
+              <a:t>which doesn't scroll in iOS</a:t>
             </a:r>
             <a:endParaRPr lang="en-US" dirty="0"/>
           </a:p>

--- a/Building SPAs in SharePoint Using AngularJS.pptx
+++ b/Building SPAs in SharePoint Using AngularJS.pptx
@@ -5,15 +5,15 @@
     <p:sldMasterId id="2147483648" r:id="rId1"/>
   </p:sldMasterIdLst>
   <p:notesMasterIdLst>
-    <p:notesMasterId r:id="rId47"/>
+    <p:notesMasterId r:id="rId48"/>
   </p:notesMasterIdLst>
   <p:handoutMasterIdLst>
-    <p:handoutMasterId r:id="rId48"/>
+    <p:handoutMasterId r:id="rId49"/>
   </p:handoutMasterIdLst>
   <p:sldIdLst>
     <p:sldId id="323" r:id="rId2"/>
     <p:sldId id="324" r:id="rId3"/>
-    <p:sldId id="325" r:id="rId4"/>
+    <p:sldId id="329" r:id="rId4"/>
     <p:sldId id="326" r:id="rId5"/>
     <p:sldId id="267" r:id="rId6"/>
     <p:sldId id="300" r:id="rId7"/>
@@ -28,34 +28,35 @@
     <p:sldId id="314" r:id="rId16"/>
     <p:sldId id="279" r:id="rId17"/>
     <p:sldId id="291" r:id="rId18"/>
-    <p:sldId id="283" r:id="rId19"/>
-    <p:sldId id="290" r:id="rId20"/>
-    <p:sldId id="280" r:id="rId21"/>
-    <p:sldId id="284" r:id="rId22"/>
-    <p:sldId id="292" r:id="rId23"/>
-    <p:sldId id="293" r:id="rId24"/>
-    <p:sldId id="307" r:id="rId25"/>
-    <p:sldId id="261" r:id="rId26"/>
-    <p:sldId id="260" r:id="rId27"/>
-    <p:sldId id="271" r:id="rId28"/>
-    <p:sldId id="272" r:id="rId29"/>
-    <p:sldId id="305" r:id="rId30"/>
-    <p:sldId id="320" r:id="rId31"/>
-    <p:sldId id="274" r:id="rId32"/>
-    <p:sldId id="273" r:id="rId33"/>
-    <p:sldId id="298" r:id="rId34"/>
-    <p:sldId id="301" r:id="rId35"/>
-    <p:sldId id="302" r:id="rId36"/>
-    <p:sldId id="270" r:id="rId37"/>
-    <p:sldId id="311" r:id="rId38"/>
-    <p:sldId id="313" r:id="rId39"/>
-    <p:sldId id="296" r:id="rId40"/>
-    <p:sldId id="317" r:id="rId41"/>
-    <p:sldId id="297" r:id="rId42"/>
-    <p:sldId id="321" r:id="rId43"/>
-    <p:sldId id="322" r:id="rId44"/>
-    <p:sldId id="327" r:id="rId45"/>
-    <p:sldId id="328" r:id="rId46"/>
+    <p:sldId id="331" r:id="rId19"/>
+    <p:sldId id="283" r:id="rId20"/>
+    <p:sldId id="290" r:id="rId21"/>
+    <p:sldId id="280" r:id="rId22"/>
+    <p:sldId id="284" r:id="rId23"/>
+    <p:sldId id="292" r:id="rId24"/>
+    <p:sldId id="293" r:id="rId25"/>
+    <p:sldId id="307" r:id="rId26"/>
+    <p:sldId id="261" r:id="rId27"/>
+    <p:sldId id="260" r:id="rId28"/>
+    <p:sldId id="271" r:id="rId29"/>
+    <p:sldId id="272" r:id="rId30"/>
+    <p:sldId id="305" r:id="rId31"/>
+    <p:sldId id="320" r:id="rId32"/>
+    <p:sldId id="274" r:id="rId33"/>
+    <p:sldId id="273" r:id="rId34"/>
+    <p:sldId id="298" r:id="rId35"/>
+    <p:sldId id="301" r:id="rId36"/>
+    <p:sldId id="302" r:id="rId37"/>
+    <p:sldId id="270" r:id="rId38"/>
+    <p:sldId id="311" r:id="rId39"/>
+    <p:sldId id="313" r:id="rId40"/>
+    <p:sldId id="296" r:id="rId41"/>
+    <p:sldId id="317" r:id="rId42"/>
+    <p:sldId id="297" r:id="rId43"/>
+    <p:sldId id="321" r:id="rId44"/>
+    <p:sldId id="322" r:id="rId45"/>
+    <p:sldId id="327" r:id="rId46"/>
+    <p:sldId id="330" r:id="rId47"/>
   </p:sldIdLst>
   <p:sldSz cx="12192000" cy="6858000"/>
   <p:notesSz cx="6858000" cy="9144000"/>
@@ -10199,24 +10200,24 @@
     </dgm:pt>
   </dgm:ptLst>
   <dgm:cxnLst>
-    <dgm:cxn modelId="{E3127806-8416-954D-A6C0-94B0BC97C2AA}" type="presOf" srcId="{11888A7B-1E89-45E6-84F4-EF92B26189CD}" destId="{FE18ED5F-9A71-45CE-87E6-C0921B5A24D6}" srcOrd="1" destOrd="0" presId="urn:microsoft.com/office/officeart/2005/8/layout/list1"/>
+    <dgm:cxn modelId="{957C551D-31A8-4286-A3AE-C5928DB663CE}" srcId="{356F6FEF-38C8-437A-8562-86A5ED3F5885}" destId="{640CA9BD-09C1-4472-8DAC-0F150EC5E678}" srcOrd="0" destOrd="0" parTransId="{90609DF7-843B-4BEF-A3B5-89270E6B0951}" sibTransId="{67B503AA-82FD-4AA4-8357-3D8B59D6160B}"/>
+    <dgm:cxn modelId="{4F9AE3DC-6826-8A4D-B505-94DC9489C9FE}" type="presOf" srcId="{11888A7B-1E89-45E6-84F4-EF92B26189CD}" destId="{75922BE6-701E-4BA9-A4D0-D411670A834F}" srcOrd="0" destOrd="0" presId="urn:microsoft.com/office/officeart/2005/8/layout/list1"/>
+    <dgm:cxn modelId="{9301CB8B-3F2F-0B41-A368-34AF9EF5EA9A}" type="presOf" srcId="{FD0C6DBE-1630-40B2-B624-EC1F16E42DB3}" destId="{B014BCF9-3CF0-4932-9F01-C8EDA8E469DD}" srcOrd="0" destOrd="0" presId="urn:microsoft.com/office/officeart/2005/8/layout/list1"/>
+    <dgm:cxn modelId="{931A4804-A23A-C740-B368-1414E352C043}" type="presOf" srcId="{712EDDD5-F1C9-457B-A81D-F94868058B44}" destId="{1CF0D767-27A0-4A0D-8AD7-1C805538B782}" srcOrd="1" destOrd="0" presId="urn:microsoft.com/office/officeart/2005/8/layout/list1"/>
+    <dgm:cxn modelId="{392AE56A-6939-469F-BFEC-2DEEC6ABC100}" srcId="{2EFB202A-8611-4DDC-831D-D12EB67B6CF7}" destId="{712EDDD5-F1C9-457B-A81D-F94868058B44}" srcOrd="1" destOrd="0" parTransId="{5E2CC1CB-7E12-4298-9BE5-B8F6683E4161}" sibTransId="{630DB5C2-135D-425B-B7D5-1F5FFE12BF3B}"/>
+    <dgm:cxn modelId="{9141C1C8-F12D-5F40-B46B-E7C97FEC40BB}" type="presOf" srcId="{640CA9BD-09C1-4472-8DAC-0F150EC5E678}" destId="{065ED812-3110-45CB-BF60-C55BC725AA59}" srcOrd="0" destOrd="0" presId="urn:microsoft.com/office/officeart/2005/8/layout/list1"/>
+    <dgm:cxn modelId="{B2BF21B1-CBE7-4C5C-AEA8-BEC7AD474AA5}" srcId="{712EDDD5-F1C9-457B-A81D-F94868058B44}" destId="{FD0C6DBE-1630-40B2-B624-EC1F16E42DB3}" srcOrd="0" destOrd="0" parTransId="{E36B8C3A-F1B5-43BA-A80E-BB09E617B100}" sibTransId="{277B567A-A827-446E-9BF5-7F70AD3D8524}"/>
+    <dgm:cxn modelId="{5DB7BC28-D7CA-1B49-A41F-F46BA13EE219}" type="presOf" srcId="{2EFB202A-8611-4DDC-831D-D12EB67B6CF7}" destId="{C451E4B4-999F-4453-A3DD-8163324A608E}" srcOrd="0" destOrd="0" presId="urn:microsoft.com/office/officeart/2005/8/layout/list1"/>
+    <dgm:cxn modelId="{001054AC-F72E-7F41-9B3D-175F92FD768F}" type="presOf" srcId="{C65DEFF2-AA86-49F1-98AF-ECC7C9A55F8F}" destId="{D0247A5C-194D-40DD-ACBA-7E963F02BAC5}" srcOrd="0" destOrd="0" presId="urn:microsoft.com/office/officeart/2005/8/layout/list1"/>
     <dgm:cxn modelId="{C1F80965-071B-3D4F-AFAF-6DF7C0896EE4}" type="presOf" srcId="{356F6FEF-38C8-437A-8562-86A5ED3F5885}" destId="{1F18BCE3-3253-48F7-AD42-D7032F677CFA}" srcOrd="0" destOrd="0" presId="urn:microsoft.com/office/officeart/2005/8/layout/list1"/>
-    <dgm:cxn modelId="{392AE56A-6939-469F-BFEC-2DEEC6ABC100}" srcId="{2EFB202A-8611-4DDC-831D-D12EB67B6CF7}" destId="{712EDDD5-F1C9-457B-A81D-F94868058B44}" srcOrd="1" destOrd="0" parTransId="{5E2CC1CB-7E12-4298-9BE5-B8F6683E4161}" sibTransId="{630DB5C2-135D-425B-B7D5-1F5FFE12BF3B}"/>
-    <dgm:cxn modelId="{4F9AE3DC-6826-8A4D-B505-94DC9489C9FE}" type="presOf" srcId="{11888A7B-1E89-45E6-84F4-EF92B26189CD}" destId="{75922BE6-701E-4BA9-A4D0-D411670A834F}" srcOrd="0" destOrd="0" presId="urn:microsoft.com/office/officeart/2005/8/layout/list1"/>
-    <dgm:cxn modelId="{B2BF21B1-CBE7-4C5C-AEA8-BEC7AD474AA5}" srcId="{712EDDD5-F1C9-457B-A81D-F94868058B44}" destId="{FD0C6DBE-1630-40B2-B624-EC1F16E42DB3}" srcOrd="0" destOrd="0" parTransId="{E36B8C3A-F1B5-43BA-A80E-BB09E617B100}" sibTransId="{277B567A-A827-446E-9BF5-7F70AD3D8524}"/>
     <dgm:cxn modelId="{CD3DBCEC-EEDA-4109-81A5-6979404266EF}" srcId="{356F6FEF-38C8-437A-8562-86A5ED3F5885}" destId="{77C3ADDA-CBFC-4773-939B-B820C1A52764}" srcOrd="1" destOrd="0" parTransId="{3B3B282E-7AC6-4347-8A0C-2E7D6FE9EC7F}" sibTransId="{A98AC8CF-021B-48F8-A127-D60CBE6EB071}"/>
     <dgm:cxn modelId="{F1ACF037-5EAE-E441-A81B-F68BEAAF78C1}" type="presOf" srcId="{77C3ADDA-CBFC-4773-939B-B820C1A52764}" destId="{065ED812-3110-45CB-BF60-C55BC725AA59}" srcOrd="0" destOrd="1" presId="urn:microsoft.com/office/officeart/2005/8/layout/list1"/>
+    <dgm:cxn modelId="{8247D1A2-555D-4B39-B44D-5F2B5AE64242}" srcId="{2EFB202A-8611-4DDC-831D-D12EB67B6CF7}" destId="{356F6FEF-38C8-437A-8562-86A5ED3F5885}" srcOrd="2" destOrd="0" parTransId="{BD9B34C9-939F-47F5-A040-1B30C9EEA310}" sibTransId="{665399A3-A410-4656-8F7E-3FAB641DE891}"/>
+    <dgm:cxn modelId="{B67482D2-CA92-EE49-809A-1AF1712B376C}" type="presOf" srcId="{356F6FEF-38C8-437A-8562-86A5ED3F5885}" destId="{25AD4B18-A6F3-4E52-A6B5-53F7A9EAF766}" srcOrd="1" destOrd="0" presId="urn:microsoft.com/office/officeart/2005/8/layout/list1"/>
+    <dgm:cxn modelId="{444BF4C1-45F8-4DAC-80A4-B20302E0D326}" srcId="{11888A7B-1E89-45E6-84F4-EF92B26189CD}" destId="{C65DEFF2-AA86-49F1-98AF-ECC7C9A55F8F}" srcOrd="0" destOrd="0" parTransId="{8C366E53-622D-45E5-9076-7C960E3333CC}" sibTransId="{2FD13AAE-85C2-4DED-BE23-DB3E95AF1C43}"/>
     <dgm:cxn modelId="{5376348D-4465-4E2E-9DB8-EA1F5276717B}" srcId="{2EFB202A-8611-4DDC-831D-D12EB67B6CF7}" destId="{11888A7B-1E89-45E6-84F4-EF92B26189CD}" srcOrd="0" destOrd="0" parTransId="{6043087E-917B-44BC-97F8-41385FD50DC3}" sibTransId="{438F37F5-E676-4BB5-A241-95D895E1B43F}"/>
-    <dgm:cxn modelId="{8247D1A2-555D-4B39-B44D-5F2B5AE64242}" srcId="{2EFB202A-8611-4DDC-831D-D12EB67B6CF7}" destId="{356F6FEF-38C8-437A-8562-86A5ED3F5885}" srcOrd="2" destOrd="0" parTransId="{BD9B34C9-939F-47F5-A040-1B30C9EEA310}" sibTransId="{665399A3-A410-4656-8F7E-3FAB641DE891}"/>
-    <dgm:cxn modelId="{444BF4C1-45F8-4DAC-80A4-B20302E0D326}" srcId="{11888A7B-1E89-45E6-84F4-EF92B26189CD}" destId="{C65DEFF2-AA86-49F1-98AF-ECC7C9A55F8F}" srcOrd="0" destOrd="0" parTransId="{8C366E53-622D-45E5-9076-7C960E3333CC}" sibTransId="{2FD13AAE-85C2-4DED-BE23-DB3E95AF1C43}"/>
-    <dgm:cxn modelId="{957C551D-31A8-4286-A3AE-C5928DB663CE}" srcId="{356F6FEF-38C8-437A-8562-86A5ED3F5885}" destId="{640CA9BD-09C1-4472-8DAC-0F150EC5E678}" srcOrd="0" destOrd="0" parTransId="{90609DF7-843B-4BEF-A3B5-89270E6B0951}" sibTransId="{67B503AA-82FD-4AA4-8357-3D8B59D6160B}"/>
-    <dgm:cxn modelId="{9301CB8B-3F2F-0B41-A368-34AF9EF5EA9A}" type="presOf" srcId="{FD0C6DBE-1630-40B2-B624-EC1F16E42DB3}" destId="{B014BCF9-3CF0-4932-9F01-C8EDA8E469DD}" srcOrd="0" destOrd="0" presId="urn:microsoft.com/office/officeart/2005/8/layout/list1"/>
-    <dgm:cxn modelId="{001054AC-F72E-7F41-9B3D-175F92FD768F}" type="presOf" srcId="{C65DEFF2-AA86-49F1-98AF-ECC7C9A55F8F}" destId="{D0247A5C-194D-40DD-ACBA-7E963F02BAC5}" srcOrd="0" destOrd="0" presId="urn:microsoft.com/office/officeart/2005/8/layout/list1"/>
     <dgm:cxn modelId="{4782F6B3-5C00-EA48-B55F-B2AD7A3A4335}" type="presOf" srcId="{712EDDD5-F1C9-457B-A81D-F94868058B44}" destId="{75A39EDD-D781-43E1-9360-E6E730441671}" srcOrd="0" destOrd="0" presId="urn:microsoft.com/office/officeart/2005/8/layout/list1"/>
-    <dgm:cxn modelId="{9141C1C8-F12D-5F40-B46B-E7C97FEC40BB}" type="presOf" srcId="{640CA9BD-09C1-4472-8DAC-0F150EC5E678}" destId="{065ED812-3110-45CB-BF60-C55BC725AA59}" srcOrd="0" destOrd="0" presId="urn:microsoft.com/office/officeart/2005/8/layout/list1"/>
-    <dgm:cxn modelId="{B67482D2-CA92-EE49-809A-1AF1712B376C}" type="presOf" srcId="{356F6FEF-38C8-437A-8562-86A5ED3F5885}" destId="{25AD4B18-A6F3-4E52-A6B5-53F7A9EAF766}" srcOrd="1" destOrd="0" presId="urn:microsoft.com/office/officeart/2005/8/layout/list1"/>
-    <dgm:cxn modelId="{931A4804-A23A-C740-B368-1414E352C043}" type="presOf" srcId="{712EDDD5-F1C9-457B-A81D-F94868058B44}" destId="{1CF0D767-27A0-4A0D-8AD7-1C805538B782}" srcOrd="1" destOrd="0" presId="urn:microsoft.com/office/officeart/2005/8/layout/list1"/>
-    <dgm:cxn modelId="{5DB7BC28-D7CA-1B49-A41F-F46BA13EE219}" type="presOf" srcId="{2EFB202A-8611-4DDC-831D-D12EB67B6CF7}" destId="{C451E4B4-999F-4453-A3DD-8163324A608E}" srcOrd="0" destOrd="0" presId="urn:microsoft.com/office/officeart/2005/8/layout/list1"/>
+    <dgm:cxn modelId="{E3127806-8416-954D-A6C0-94B0BC97C2AA}" type="presOf" srcId="{11888A7B-1E89-45E6-84F4-EF92B26189CD}" destId="{FE18ED5F-9A71-45CE-87E6-C0921B5A24D6}" srcOrd="1" destOrd="0" presId="urn:microsoft.com/office/officeart/2005/8/layout/list1"/>
     <dgm:cxn modelId="{5FD971CB-C9D9-3D49-B228-719C82CDAA0F}" type="presParOf" srcId="{C451E4B4-999F-4453-A3DD-8163324A608E}" destId="{6293A9EF-C215-42FA-A704-64EE0A15C16B}" srcOrd="0" destOrd="0" presId="urn:microsoft.com/office/officeart/2005/8/layout/list1"/>
     <dgm:cxn modelId="{2658A61D-C6EB-C445-BFAD-C541434AA777}" type="presParOf" srcId="{6293A9EF-C215-42FA-A704-64EE0A15C16B}" destId="{75922BE6-701E-4BA9-A4D0-D411670A834F}" srcOrd="0" destOrd="0" presId="urn:microsoft.com/office/officeart/2005/8/layout/list1"/>
     <dgm:cxn modelId="{6651486A-EC47-CF42-8472-AF4CEB00F5E7}" type="presParOf" srcId="{6293A9EF-C215-42FA-A704-64EE0A15C16B}" destId="{FE18ED5F-9A71-45CE-87E6-C0921B5A24D6}" srcOrd="1" destOrd="0" presId="urn:microsoft.com/office/officeart/2005/8/layout/list1"/>
@@ -11313,8 +11314,8 @@
     <dgm:cxn modelId="{7DB6483A-B80D-42D2-BF45-8FC42D52B7C2}" srcId="{06ABEAEB-0AB1-4B03-9DB2-1747D846F76E}" destId="{FE3B62F3-16B2-4505-A781-2C5EA89C0A75}" srcOrd="1" destOrd="0" parTransId="{FCE8BF76-8459-44A6-AF47-516739743B79}" sibTransId="{BBFF9749-C9E0-4A6F-93AB-6AB20DBCFFA6}"/>
     <dgm:cxn modelId="{19922D7B-B1AD-4DE5-BEB1-700D46ACC036}" type="presOf" srcId="{54E4D10D-9956-43BF-A898-E51BAEB96E54}" destId="{F8F803D2-F894-4A68-9008-99F98DB3F7B5}" srcOrd="0" destOrd="1" presId="urn:microsoft.com/office/officeart/2005/8/layout/hProcess9"/>
     <dgm:cxn modelId="{3F8C2EF0-7EEC-4535-8BDD-B9F85B2EB2EB}" type="presOf" srcId="{3D2CA84F-7F83-488E-9CE9-2466A7E58E8C}" destId="{C5C479F1-027C-425C-A0B3-5734FC2D9DF4}" srcOrd="0" destOrd="3" presId="urn:microsoft.com/office/officeart/2005/8/layout/hProcess9"/>
+    <dgm:cxn modelId="{C9FA1EB8-5B24-40AF-8C62-2AE1AFD2A8CC}" srcId="{95A2F766-9D02-45F9-8F0E-E4477259B64E}" destId="{ABE8702E-C85F-4DF3-BEE1-89127B3D166E}" srcOrd="3" destOrd="0" parTransId="{1A83ADD3-FE8B-4D5B-B98E-CDB103B5D1B8}" sibTransId="{8F224685-50DB-4839-85D6-BA3606041EBF}"/>
     <dgm:cxn modelId="{72AD5F0C-B437-4BFC-9665-757831C46FEF}" type="presOf" srcId="{7BAE7899-E3C2-4B98-B54B-7CF98FABE6C9}" destId="{C5C479F1-027C-425C-A0B3-5734FC2D9DF4}" srcOrd="0" destOrd="0" presId="urn:microsoft.com/office/officeart/2005/8/layout/hProcess9"/>
-    <dgm:cxn modelId="{C9FA1EB8-5B24-40AF-8C62-2AE1AFD2A8CC}" srcId="{95A2F766-9D02-45F9-8F0E-E4477259B64E}" destId="{ABE8702E-C85F-4DF3-BEE1-89127B3D166E}" srcOrd="3" destOrd="0" parTransId="{1A83ADD3-FE8B-4D5B-B98E-CDB103B5D1B8}" sibTransId="{8F224685-50DB-4839-85D6-BA3606041EBF}"/>
     <dgm:cxn modelId="{2450A74E-017D-4228-843D-4B58F429494F}" srcId="{BF062759-82A3-4EE6-8B7D-352DA80FED78}" destId="{58D83055-D030-43E5-9416-99E2EA94DAE9}" srcOrd="0" destOrd="0" parTransId="{C830BC5C-B99A-4851-9221-DB92EC30C18C}" sibTransId="{78F890E6-46BC-4337-8533-14B6EEC84A4C}"/>
     <dgm:cxn modelId="{C51F55C3-2602-4C73-8F58-7E89904527D6}" type="presOf" srcId="{ED8C6F13-9AE5-48F3-9E7D-DFFA59D5DA38}" destId="{8B253DC2-B939-4DFC-A16E-B01B88769EE1}" srcOrd="0" destOrd="1" presId="urn:microsoft.com/office/officeart/2005/8/layout/hProcess9"/>
     <dgm:cxn modelId="{1D18664A-1349-4004-8982-DF8E93BE35A8}" srcId="{ABE8702E-C85F-4DF3-BEE1-89127B3D166E}" destId="{19780FB9-F640-477D-8EBB-AA1833FE98F4}" srcOrd="1" destOrd="0" parTransId="{696747B4-73AC-4923-B2AF-0B24180240F3}" sibTransId="{CDF2244A-28E3-49D3-8CA1-1FB79F42DB1F}"/>
@@ -11365,6 +11366,881 @@
       <dsp:cNvGrpSpPr/>
     </dsp:nvGrpSpPr>
     <dsp:grpSpPr/>
+    <dsp:sp modelId="{FCA14618-3495-49FE-B307-8BC056BB221D}">
+      <dsp:nvSpPr>
+        <dsp:cNvPr id="0" name=""/>
+        <dsp:cNvSpPr/>
+      </dsp:nvSpPr>
+      <dsp:spPr>
+        <a:xfrm>
+          <a:off x="4037" y="95"/>
+          <a:ext cx="10050325" cy="338971"/>
+        </a:xfrm>
+        <a:prstGeom prst="roundRect">
+          <a:avLst>
+            <a:gd name="adj" fmla="val 10000"/>
+          </a:avLst>
+        </a:prstGeom>
+        <a:solidFill>
+          <a:schemeClr val="accent2">
+            <a:hueOff val="0"/>
+            <a:satOff val="0"/>
+            <a:lumOff val="0"/>
+            <a:alphaOff val="0"/>
+          </a:schemeClr>
+        </a:solidFill>
+        <a:ln w="12700" cap="flat" cmpd="sng" algn="ctr">
+          <a:solidFill>
+            <a:schemeClr val="lt1">
+              <a:hueOff val="0"/>
+              <a:satOff val="0"/>
+              <a:lumOff val="0"/>
+              <a:alphaOff val="0"/>
+            </a:schemeClr>
+          </a:solidFill>
+          <a:prstDash val="solid"/>
+          <a:miter lim="800000"/>
+        </a:ln>
+        <a:effectLst/>
+      </dsp:spPr>
+      <dsp:style>
+        <a:lnRef idx="2">
+          <a:scrgbClr r="0" g="0" b="0"/>
+        </a:lnRef>
+        <a:fillRef idx="1">
+          <a:scrgbClr r="0" g="0" b="0"/>
+        </a:fillRef>
+        <a:effectRef idx="0">
+          <a:scrgbClr r="0" g="0" b="0"/>
+        </a:effectRef>
+        <a:fontRef idx="minor">
+          <a:schemeClr val="lt1"/>
+        </a:fontRef>
+      </dsp:style>
+      <dsp:txBody>
+        <a:bodyPr spcFirstLastPara="0" vert="horz" wrap="square" lIns="53340" tIns="53340" rIns="53340" bIns="53340" numCol="1" spcCol="1270" anchor="ctr" anchorCtr="0">
+          <a:noAutofit/>
+        </a:bodyPr>
+        <a:lstStyle/>
+        <a:p>
+          <a:pPr lvl="0" algn="ctr" defTabSz="622300">
+            <a:lnSpc>
+              <a:spcPct val="90000"/>
+            </a:lnSpc>
+            <a:spcBef>
+              <a:spcPct val="0"/>
+            </a:spcBef>
+            <a:spcAft>
+              <a:spcPct val="35000"/>
+            </a:spcAft>
+          </a:pPr>
+          <a:r>
+            <a:rPr lang="en-US" sz="1400" kern="1200" dirty="0" smtClean="0"/>
+            <a:t>Module</a:t>
+          </a:r>
+          <a:endParaRPr lang="en-US" sz="1400" kern="1200" dirty="0"/>
+        </a:p>
+      </dsp:txBody>
+      <dsp:txXfrm>
+        <a:off x="13965" y="10023"/>
+        <a:ext cx="10030469" cy="319115"/>
+      </dsp:txXfrm>
+    </dsp:sp>
+    <dsp:sp modelId="{DD84CC17-6CF5-41BC-BC47-9CEE7C6F1811}">
+      <dsp:nvSpPr>
+        <dsp:cNvPr id="0" name=""/>
+        <dsp:cNvSpPr/>
+      </dsp:nvSpPr>
+      <dsp:spPr>
+        <a:xfrm>
+          <a:off x="4037" y="417726"/>
+          <a:ext cx="1883494" cy="338971"/>
+        </a:xfrm>
+        <a:prstGeom prst="roundRect">
+          <a:avLst>
+            <a:gd name="adj" fmla="val 10000"/>
+          </a:avLst>
+        </a:prstGeom>
+        <a:solidFill>
+          <a:schemeClr val="accent2">
+            <a:hueOff val="0"/>
+            <a:satOff val="0"/>
+            <a:lumOff val="0"/>
+            <a:alphaOff val="0"/>
+          </a:schemeClr>
+        </a:solidFill>
+        <a:ln w="12700" cap="flat" cmpd="sng" algn="ctr">
+          <a:solidFill>
+            <a:schemeClr val="lt1">
+              <a:hueOff val="0"/>
+              <a:satOff val="0"/>
+              <a:lumOff val="0"/>
+              <a:alphaOff val="0"/>
+            </a:schemeClr>
+          </a:solidFill>
+          <a:prstDash val="solid"/>
+          <a:miter lim="800000"/>
+        </a:ln>
+        <a:effectLst/>
+      </dsp:spPr>
+      <dsp:style>
+        <a:lnRef idx="2">
+          <a:scrgbClr r="0" g="0" b="0"/>
+        </a:lnRef>
+        <a:fillRef idx="1">
+          <a:scrgbClr r="0" g="0" b="0"/>
+        </a:fillRef>
+        <a:effectRef idx="0">
+          <a:scrgbClr r="0" g="0" b="0"/>
+        </a:effectRef>
+        <a:fontRef idx="minor">
+          <a:schemeClr val="lt1"/>
+        </a:fontRef>
+      </dsp:style>
+      <dsp:txBody>
+        <a:bodyPr spcFirstLastPara="0" vert="horz" wrap="square" lIns="53340" tIns="53340" rIns="53340" bIns="53340" numCol="1" spcCol="1270" anchor="ctr" anchorCtr="0">
+          <a:noAutofit/>
+        </a:bodyPr>
+        <a:lstStyle/>
+        <a:p>
+          <a:pPr lvl="0" algn="ctr" defTabSz="622300">
+            <a:lnSpc>
+              <a:spcPct val="90000"/>
+            </a:lnSpc>
+            <a:spcBef>
+              <a:spcPct val="0"/>
+            </a:spcBef>
+            <a:spcAft>
+              <a:spcPct val="35000"/>
+            </a:spcAft>
+          </a:pPr>
+          <a:r>
+            <a:rPr lang="en-US" sz="1400" kern="1200" dirty="0" smtClean="0"/>
+            <a:t>Config</a:t>
+          </a:r>
+          <a:endParaRPr lang="en-US" sz="1400" kern="1200" dirty="0"/>
+        </a:p>
+      </dsp:txBody>
+      <dsp:txXfrm>
+        <a:off x="13965" y="427654"/>
+        <a:ext cx="1863638" cy="319115"/>
+      </dsp:txXfrm>
+    </dsp:sp>
+    <dsp:sp modelId="{D8310B51-D4CE-4689-8996-51C06FE21818}">
+      <dsp:nvSpPr>
+        <dsp:cNvPr id="0" name=""/>
+        <dsp:cNvSpPr/>
+      </dsp:nvSpPr>
+      <dsp:spPr>
+        <a:xfrm>
+          <a:off x="4037" y="835357"/>
+          <a:ext cx="1883494" cy="338971"/>
+        </a:xfrm>
+        <a:prstGeom prst="roundRect">
+          <a:avLst>
+            <a:gd name="adj" fmla="val 10000"/>
+          </a:avLst>
+        </a:prstGeom>
+        <a:solidFill>
+          <a:schemeClr val="accent2">
+            <a:hueOff val="0"/>
+            <a:satOff val="0"/>
+            <a:lumOff val="0"/>
+            <a:alphaOff val="0"/>
+          </a:schemeClr>
+        </a:solidFill>
+        <a:ln w="12700" cap="flat" cmpd="sng" algn="ctr">
+          <a:solidFill>
+            <a:schemeClr val="lt1">
+              <a:hueOff val="0"/>
+              <a:satOff val="0"/>
+              <a:lumOff val="0"/>
+              <a:alphaOff val="0"/>
+            </a:schemeClr>
+          </a:solidFill>
+          <a:prstDash val="solid"/>
+          <a:miter lim="800000"/>
+        </a:ln>
+        <a:effectLst/>
+      </dsp:spPr>
+      <dsp:style>
+        <a:lnRef idx="2">
+          <a:scrgbClr r="0" g="0" b="0"/>
+        </a:lnRef>
+        <a:fillRef idx="1">
+          <a:scrgbClr r="0" g="0" b="0"/>
+        </a:fillRef>
+        <a:effectRef idx="0">
+          <a:scrgbClr r="0" g="0" b="0"/>
+        </a:effectRef>
+        <a:fontRef idx="minor">
+          <a:schemeClr val="lt1"/>
+        </a:fontRef>
+      </dsp:style>
+      <dsp:txBody>
+        <a:bodyPr spcFirstLastPara="0" vert="horz" wrap="square" lIns="53340" tIns="53340" rIns="53340" bIns="53340" numCol="1" spcCol="1270" anchor="ctr" anchorCtr="0">
+          <a:noAutofit/>
+        </a:bodyPr>
+        <a:lstStyle/>
+        <a:p>
+          <a:pPr lvl="0" algn="ctr" defTabSz="622300">
+            <a:lnSpc>
+              <a:spcPct val="90000"/>
+            </a:lnSpc>
+            <a:spcBef>
+              <a:spcPct val="0"/>
+            </a:spcBef>
+            <a:spcAft>
+              <a:spcPct val="35000"/>
+            </a:spcAft>
+          </a:pPr>
+          <a:r>
+            <a:rPr lang="en-US" sz="1400" kern="1200" dirty="0" smtClean="0"/>
+            <a:t>Routes</a:t>
+          </a:r>
+          <a:endParaRPr lang="en-US" sz="1400" kern="1200" dirty="0"/>
+        </a:p>
+      </dsp:txBody>
+      <dsp:txXfrm>
+        <a:off x="13965" y="845285"/>
+        <a:ext cx="1863638" cy="319115"/>
+      </dsp:txXfrm>
+    </dsp:sp>
+    <dsp:sp modelId="{201F53D6-4B54-4971-9F10-5B8A22AA8AB8}">
+      <dsp:nvSpPr>
+        <dsp:cNvPr id="0" name=""/>
+        <dsp:cNvSpPr/>
+      </dsp:nvSpPr>
+      <dsp:spPr>
+        <a:xfrm>
+          <a:off x="2045744" y="417726"/>
+          <a:ext cx="1883494" cy="338971"/>
+        </a:xfrm>
+        <a:prstGeom prst="roundRect">
+          <a:avLst>
+            <a:gd name="adj" fmla="val 10000"/>
+          </a:avLst>
+        </a:prstGeom>
+        <a:solidFill>
+          <a:schemeClr val="accent2">
+            <a:hueOff val="0"/>
+            <a:satOff val="0"/>
+            <a:lumOff val="0"/>
+            <a:alphaOff val="0"/>
+          </a:schemeClr>
+        </a:solidFill>
+        <a:ln w="12700" cap="flat" cmpd="sng" algn="ctr">
+          <a:solidFill>
+            <a:schemeClr val="lt1">
+              <a:hueOff val="0"/>
+              <a:satOff val="0"/>
+              <a:lumOff val="0"/>
+              <a:alphaOff val="0"/>
+            </a:schemeClr>
+          </a:solidFill>
+          <a:prstDash val="solid"/>
+          <a:miter lim="800000"/>
+        </a:ln>
+        <a:effectLst/>
+      </dsp:spPr>
+      <dsp:style>
+        <a:lnRef idx="2">
+          <a:scrgbClr r="0" g="0" b="0"/>
+        </a:lnRef>
+        <a:fillRef idx="1">
+          <a:scrgbClr r="0" g="0" b="0"/>
+        </a:fillRef>
+        <a:effectRef idx="0">
+          <a:scrgbClr r="0" g="0" b="0"/>
+        </a:effectRef>
+        <a:fontRef idx="minor">
+          <a:schemeClr val="lt1"/>
+        </a:fontRef>
+      </dsp:style>
+      <dsp:txBody>
+        <a:bodyPr spcFirstLastPara="0" vert="horz" wrap="square" lIns="53340" tIns="53340" rIns="53340" bIns="53340" numCol="1" spcCol="1270" anchor="ctr" anchorCtr="0">
+          <a:noAutofit/>
+        </a:bodyPr>
+        <a:lstStyle/>
+        <a:p>
+          <a:pPr lvl="0" algn="ctr" defTabSz="622300">
+            <a:lnSpc>
+              <a:spcPct val="90000"/>
+            </a:lnSpc>
+            <a:spcBef>
+              <a:spcPct val="0"/>
+            </a:spcBef>
+            <a:spcAft>
+              <a:spcPct val="35000"/>
+            </a:spcAft>
+          </a:pPr>
+          <a:r>
+            <a:rPr lang="en-US" sz="1400" kern="1200" dirty="0" smtClean="0"/>
+            <a:t>Controllers</a:t>
+          </a:r>
+          <a:endParaRPr lang="en-US" sz="1400" kern="1200" dirty="0"/>
+        </a:p>
+      </dsp:txBody>
+      <dsp:txXfrm>
+        <a:off x="2055672" y="427654"/>
+        <a:ext cx="1863638" cy="319115"/>
+      </dsp:txXfrm>
+    </dsp:sp>
+    <dsp:sp modelId="{E4C1734F-D1BB-427F-8439-41027576474F}">
+      <dsp:nvSpPr>
+        <dsp:cNvPr id="0" name=""/>
+        <dsp:cNvSpPr/>
+      </dsp:nvSpPr>
+      <dsp:spPr>
+        <a:xfrm>
+          <a:off x="4087452" y="417726"/>
+          <a:ext cx="1883494" cy="338971"/>
+        </a:xfrm>
+        <a:prstGeom prst="roundRect">
+          <a:avLst>
+            <a:gd name="adj" fmla="val 10000"/>
+          </a:avLst>
+        </a:prstGeom>
+        <a:solidFill>
+          <a:schemeClr val="accent2">
+            <a:hueOff val="0"/>
+            <a:satOff val="0"/>
+            <a:lumOff val="0"/>
+            <a:alphaOff val="0"/>
+          </a:schemeClr>
+        </a:solidFill>
+        <a:ln w="12700" cap="flat" cmpd="sng" algn="ctr">
+          <a:solidFill>
+            <a:schemeClr val="lt1">
+              <a:hueOff val="0"/>
+              <a:satOff val="0"/>
+              <a:lumOff val="0"/>
+              <a:alphaOff val="0"/>
+            </a:schemeClr>
+          </a:solidFill>
+          <a:prstDash val="solid"/>
+          <a:miter lim="800000"/>
+        </a:ln>
+        <a:effectLst/>
+      </dsp:spPr>
+      <dsp:style>
+        <a:lnRef idx="2">
+          <a:scrgbClr r="0" g="0" b="0"/>
+        </a:lnRef>
+        <a:fillRef idx="1">
+          <a:scrgbClr r="0" g="0" b="0"/>
+        </a:fillRef>
+        <a:effectRef idx="0">
+          <a:scrgbClr r="0" g="0" b="0"/>
+        </a:effectRef>
+        <a:fontRef idx="minor">
+          <a:schemeClr val="lt1"/>
+        </a:fontRef>
+      </dsp:style>
+      <dsp:txBody>
+        <a:bodyPr spcFirstLastPara="0" vert="horz" wrap="square" lIns="53340" tIns="53340" rIns="53340" bIns="53340" numCol="1" spcCol="1270" anchor="ctr" anchorCtr="0">
+          <a:noAutofit/>
+        </a:bodyPr>
+        <a:lstStyle/>
+        <a:p>
+          <a:pPr lvl="0" algn="ctr" defTabSz="622300">
+            <a:lnSpc>
+              <a:spcPct val="90000"/>
+            </a:lnSpc>
+            <a:spcBef>
+              <a:spcPct val="0"/>
+            </a:spcBef>
+            <a:spcAft>
+              <a:spcPct val="35000"/>
+            </a:spcAft>
+          </a:pPr>
+          <a:r>
+            <a:rPr lang="en-US" sz="1400" kern="1200" dirty="0" smtClean="0"/>
+            <a:t>Filters</a:t>
+          </a:r>
+          <a:endParaRPr lang="en-US" sz="1400" kern="1200" dirty="0"/>
+        </a:p>
+      </dsp:txBody>
+      <dsp:txXfrm>
+        <a:off x="4097380" y="427654"/>
+        <a:ext cx="1863638" cy="319115"/>
+      </dsp:txXfrm>
+    </dsp:sp>
+    <dsp:sp modelId="{CB00067E-BAF3-4A09-93AC-8A9D3174C829}">
+      <dsp:nvSpPr>
+        <dsp:cNvPr id="0" name=""/>
+        <dsp:cNvSpPr/>
+      </dsp:nvSpPr>
+      <dsp:spPr>
+        <a:xfrm>
+          <a:off x="6129160" y="417726"/>
+          <a:ext cx="1883494" cy="338971"/>
+        </a:xfrm>
+        <a:prstGeom prst="roundRect">
+          <a:avLst>
+            <a:gd name="adj" fmla="val 10000"/>
+          </a:avLst>
+        </a:prstGeom>
+        <a:solidFill>
+          <a:schemeClr val="accent2">
+            <a:hueOff val="0"/>
+            <a:satOff val="0"/>
+            <a:lumOff val="0"/>
+            <a:alphaOff val="0"/>
+          </a:schemeClr>
+        </a:solidFill>
+        <a:ln w="12700" cap="flat" cmpd="sng" algn="ctr">
+          <a:solidFill>
+            <a:schemeClr val="lt1">
+              <a:hueOff val="0"/>
+              <a:satOff val="0"/>
+              <a:lumOff val="0"/>
+              <a:alphaOff val="0"/>
+            </a:schemeClr>
+          </a:solidFill>
+          <a:prstDash val="solid"/>
+          <a:miter lim="800000"/>
+        </a:ln>
+        <a:effectLst/>
+      </dsp:spPr>
+      <dsp:style>
+        <a:lnRef idx="2">
+          <a:scrgbClr r="0" g="0" b="0"/>
+        </a:lnRef>
+        <a:fillRef idx="1">
+          <a:scrgbClr r="0" g="0" b="0"/>
+        </a:fillRef>
+        <a:effectRef idx="0">
+          <a:scrgbClr r="0" g="0" b="0"/>
+        </a:effectRef>
+        <a:fontRef idx="minor">
+          <a:schemeClr val="lt1"/>
+        </a:fontRef>
+      </dsp:style>
+      <dsp:txBody>
+        <a:bodyPr spcFirstLastPara="0" vert="horz" wrap="square" lIns="53340" tIns="53340" rIns="53340" bIns="53340" numCol="1" spcCol="1270" anchor="ctr" anchorCtr="0">
+          <a:noAutofit/>
+        </a:bodyPr>
+        <a:lstStyle/>
+        <a:p>
+          <a:pPr lvl="0" algn="ctr" defTabSz="622300">
+            <a:lnSpc>
+              <a:spcPct val="90000"/>
+            </a:lnSpc>
+            <a:spcBef>
+              <a:spcPct val="0"/>
+            </a:spcBef>
+            <a:spcAft>
+              <a:spcPct val="35000"/>
+            </a:spcAft>
+          </a:pPr>
+          <a:r>
+            <a:rPr lang="en-US" sz="1400" kern="1200" dirty="0" smtClean="0"/>
+            <a:t>Directives</a:t>
+          </a:r>
+          <a:endParaRPr lang="en-US" sz="1400" kern="1200" dirty="0"/>
+        </a:p>
+      </dsp:txBody>
+      <dsp:txXfrm>
+        <a:off x="6139088" y="427654"/>
+        <a:ext cx="1863638" cy="319115"/>
+      </dsp:txXfrm>
+    </dsp:sp>
+    <dsp:sp modelId="{C2958758-FD1C-4C93-A4DE-D55E07646D77}">
+      <dsp:nvSpPr>
+        <dsp:cNvPr id="0" name=""/>
+        <dsp:cNvSpPr/>
+      </dsp:nvSpPr>
+      <dsp:spPr>
+        <a:xfrm>
+          <a:off x="8170868" y="417726"/>
+          <a:ext cx="1883494" cy="338971"/>
+        </a:xfrm>
+        <a:prstGeom prst="roundRect">
+          <a:avLst>
+            <a:gd name="adj" fmla="val 10000"/>
+          </a:avLst>
+        </a:prstGeom>
+        <a:solidFill>
+          <a:schemeClr val="accent2">
+            <a:hueOff val="0"/>
+            <a:satOff val="0"/>
+            <a:lumOff val="0"/>
+            <a:alphaOff val="0"/>
+          </a:schemeClr>
+        </a:solidFill>
+        <a:ln w="12700" cap="flat" cmpd="sng" algn="ctr">
+          <a:solidFill>
+            <a:schemeClr val="lt1">
+              <a:hueOff val="0"/>
+              <a:satOff val="0"/>
+              <a:lumOff val="0"/>
+              <a:alphaOff val="0"/>
+            </a:schemeClr>
+          </a:solidFill>
+          <a:prstDash val="solid"/>
+          <a:miter lim="800000"/>
+        </a:ln>
+        <a:effectLst/>
+      </dsp:spPr>
+      <dsp:style>
+        <a:lnRef idx="2">
+          <a:scrgbClr r="0" g="0" b="0"/>
+        </a:lnRef>
+        <a:fillRef idx="1">
+          <a:scrgbClr r="0" g="0" b="0"/>
+        </a:fillRef>
+        <a:effectRef idx="0">
+          <a:scrgbClr r="0" g="0" b="0"/>
+        </a:effectRef>
+        <a:fontRef idx="minor">
+          <a:schemeClr val="lt1"/>
+        </a:fontRef>
+      </dsp:style>
+      <dsp:txBody>
+        <a:bodyPr spcFirstLastPara="0" vert="horz" wrap="square" lIns="53340" tIns="53340" rIns="53340" bIns="53340" numCol="1" spcCol="1270" anchor="ctr" anchorCtr="0">
+          <a:noAutofit/>
+        </a:bodyPr>
+        <a:lstStyle/>
+        <a:p>
+          <a:pPr lvl="0" algn="ctr" defTabSz="622300">
+            <a:lnSpc>
+              <a:spcPct val="90000"/>
+            </a:lnSpc>
+            <a:spcBef>
+              <a:spcPct val="0"/>
+            </a:spcBef>
+            <a:spcAft>
+              <a:spcPct val="35000"/>
+            </a:spcAft>
+          </a:pPr>
+          <a:r>
+            <a:rPr lang="en-US" sz="1400" kern="1200" dirty="0" smtClean="0"/>
+            <a:t>Factories</a:t>
+          </a:r>
+        </a:p>
+      </dsp:txBody>
+      <dsp:txXfrm>
+        <a:off x="8180796" y="427654"/>
+        <a:ext cx="1863638" cy="319115"/>
+      </dsp:txXfrm>
+    </dsp:sp>
+    <dsp:sp modelId="{337CD664-5ABB-4675-9983-37563E8F652D}">
+      <dsp:nvSpPr>
+        <dsp:cNvPr id="0" name=""/>
+        <dsp:cNvSpPr/>
+      </dsp:nvSpPr>
+      <dsp:spPr>
+        <a:xfrm>
+          <a:off x="8170868" y="835357"/>
+          <a:ext cx="1883494" cy="338971"/>
+        </a:xfrm>
+        <a:prstGeom prst="roundRect">
+          <a:avLst>
+            <a:gd name="adj" fmla="val 10000"/>
+          </a:avLst>
+        </a:prstGeom>
+        <a:solidFill>
+          <a:schemeClr val="accent2">
+            <a:hueOff val="0"/>
+            <a:satOff val="0"/>
+            <a:lumOff val="0"/>
+            <a:alphaOff val="0"/>
+          </a:schemeClr>
+        </a:solidFill>
+        <a:ln w="12700" cap="flat" cmpd="sng" algn="ctr">
+          <a:solidFill>
+            <a:schemeClr val="lt1">
+              <a:hueOff val="0"/>
+              <a:satOff val="0"/>
+              <a:lumOff val="0"/>
+              <a:alphaOff val="0"/>
+            </a:schemeClr>
+          </a:solidFill>
+          <a:prstDash val="solid"/>
+          <a:miter lim="800000"/>
+        </a:ln>
+        <a:effectLst/>
+      </dsp:spPr>
+      <dsp:style>
+        <a:lnRef idx="2">
+          <a:scrgbClr r="0" g="0" b="0"/>
+        </a:lnRef>
+        <a:fillRef idx="1">
+          <a:scrgbClr r="0" g="0" b="0"/>
+        </a:fillRef>
+        <a:effectRef idx="0">
+          <a:scrgbClr r="0" g="0" b="0"/>
+        </a:effectRef>
+        <a:fontRef idx="minor">
+          <a:schemeClr val="lt1"/>
+        </a:fontRef>
+      </dsp:style>
+      <dsp:txBody>
+        <a:bodyPr spcFirstLastPara="0" vert="horz" wrap="square" lIns="53340" tIns="53340" rIns="53340" bIns="53340" numCol="1" spcCol="1270" anchor="ctr" anchorCtr="0">
+          <a:noAutofit/>
+        </a:bodyPr>
+        <a:lstStyle/>
+        <a:p>
+          <a:pPr lvl="0" algn="ctr" defTabSz="622300">
+            <a:lnSpc>
+              <a:spcPct val="90000"/>
+            </a:lnSpc>
+            <a:spcBef>
+              <a:spcPct val="0"/>
+            </a:spcBef>
+            <a:spcAft>
+              <a:spcPct val="35000"/>
+            </a:spcAft>
+          </a:pPr>
+          <a:r>
+            <a:rPr lang="en-US" sz="1400" kern="1200" dirty="0" smtClean="0"/>
+            <a:t>Services</a:t>
+          </a:r>
+        </a:p>
+      </dsp:txBody>
+      <dsp:txXfrm>
+        <a:off x="8180796" y="845285"/>
+        <a:ext cx="1863638" cy="319115"/>
+      </dsp:txXfrm>
+    </dsp:sp>
+    <dsp:sp modelId="{DB8E62A3-45E8-4839-9BA8-85CA9DAC279A}">
+      <dsp:nvSpPr>
+        <dsp:cNvPr id="0" name=""/>
+        <dsp:cNvSpPr/>
+      </dsp:nvSpPr>
+      <dsp:spPr>
+        <a:xfrm>
+          <a:off x="8170868" y="1252988"/>
+          <a:ext cx="1883494" cy="338971"/>
+        </a:xfrm>
+        <a:prstGeom prst="roundRect">
+          <a:avLst>
+            <a:gd name="adj" fmla="val 10000"/>
+          </a:avLst>
+        </a:prstGeom>
+        <a:solidFill>
+          <a:schemeClr val="accent2">
+            <a:hueOff val="0"/>
+            <a:satOff val="0"/>
+            <a:lumOff val="0"/>
+            <a:alphaOff val="0"/>
+          </a:schemeClr>
+        </a:solidFill>
+        <a:ln w="12700" cap="flat" cmpd="sng" algn="ctr">
+          <a:solidFill>
+            <a:schemeClr val="lt1">
+              <a:hueOff val="0"/>
+              <a:satOff val="0"/>
+              <a:lumOff val="0"/>
+              <a:alphaOff val="0"/>
+            </a:schemeClr>
+          </a:solidFill>
+          <a:prstDash val="solid"/>
+          <a:miter lim="800000"/>
+        </a:ln>
+        <a:effectLst/>
+      </dsp:spPr>
+      <dsp:style>
+        <a:lnRef idx="2">
+          <a:scrgbClr r="0" g="0" b="0"/>
+        </a:lnRef>
+        <a:fillRef idx="1">
+          <a:scrgbClr r="0" g="0" b="0"/>
+        </a:fillRef>
+        <a:effectRef idx="0">
+          <a:scrgbClr r="0" g="0" b="0"/>
+        </a:effectRef>
+        <a:fontRef idx="minor">
+          <a:schemeClr val="lt1"/>
+        </a:fontRef>
+      </dsp:style>
+      <dsp:txBody>
+        <a:bodyPr spcFirstLastPara="0" vert="horz" wrap="square" lIns="53340" tIns="53340" rIns="53340" bIns="53340" numCol="1" spcCol="1270" anchor="ctr" anchorCtr="0">
+          <a:noAutofit/>
+        </a:bodyPr>
+        <a:lstStyle/>
+        <a:p>
+          <a:pPr lvl="0" algn="ctr" defTabSz="622300">
+            <a:lnSpc>
+              <a:spcPct val="90000"/>
+            </a:lnSpc>
+            <a:spcBef>
+              <a:spcPct val="0"/>
+            </a:spcBef>
+            <a:spcAft>
+              <a:spcPct val="35000"/>
+            </a:spcAft>
+          </a:pPr>
+          <a:r>
+            <a:rPr lang="en-US" sz="1400" kern="1200" dirty="0" smtClean="0"/>
+            <a:t>Providers</a:t>
+          </a:r>
+        </a:p>
+      </dsp:txBody>
+      <dsp:txXfrm>
+        <a:off x="8180796" y="1262916"/>
+        <a:ext cx="1863638" cy="319115"/>
+      </dsp:txXfrm>
+    </dsp:sp>
+    <dsp:sp modelId="{FD9FEBE2-34F2-4045-ACA9-41576229234A}">
+      <dsp:nvSpPr>
+        <dsp:cNvPr id="0" name=""/>
+        <dsp:cNvSpPr/>
+      </dsp:nvSpPr>
+      <dsp:spPr>
+        <a:xfrm>
+          <a:off x="8170868" y="1670619"/>
+          <a:ext cx="1883494" cy="338971"/>
+        </a:xfrm>
+        <a:prstGeom prst="roundRect">
+          <a:avLst>
+            <a:gd name="adj" fmla="val 10000"/>
+          </a:avLst>
+        </a:prstGeom>
+        <a:solidFill>
+          <a:schemeClr val="accent2">
+            <a:hueOff val="0"/>
+            <a:satOff val="0"/>
+            <a:lumOff val="0"/>
+            <a:alphaOff val="0"/>
+          </a:schemeClr>
+        </a:solidFill>
+        <a:ln w="12700" cap="flat" cmpd="sng" algn="ctr">
+          <a:solidFill>
+            <a:schemeClr val="lt1">
+              <a:hueOff val="0"/>
+              <a:satOff val="0"/>
+              <a:lumOff val="0"/>
+              <a:alphaOff val="0"/>
+            </a:schemeClr>
+          </a:solidFill>
+          <a:prstDash val="solid"/>
+          <a:miter lim="800000"/>
+        </a:ln>
+        <a:effectLst/>
+      </dsp:spPr>
+      <dsp:style>
+        <a:lnRef idx="2">
+          <a:scrgbClr r="0" g="0" b="0"/>
+        </a:lnRef>
+        <a:fillRef idx="1">
+          <a:scrgbClr r="0" g="0" b="0"/>
+        </a:fillRef>
+        <a:effectRef idx="0">
+          <a:scrgbClr r="0" g="0" b="0"/>
+        </a:effectRef>
+        <a:fontRef idx="minor">
+          <a:schemeClr val="lt1"/>
+        </a:fontRef>
+      </dsp:style>
+      <dsp:txBody>
+        <a:bodyPr spcFirstLastPara="0" vert="horz" wrap="square" lIns="53340" tIns="53340" rIns="53340" bIns="53340" numCol="1" spcCol="1270" anchor="ctr" anchorCtr="0">
+          <a:noAutofit/>
+        </a:bodyPr>
+        <a:lstStyle/>
+        <a:p>
+          <a:pPr lvl="0" algn="ctr" defTabSz="622300">
+            <a:lnSpc>
+              <a:spcPct val="90000"/>
+            </a:lnSpc>
+            <a:spcBef>
+              <a:spcPct val="0"/>
+            </a:spcBef>
+            <a:spcAft>
+              <a:spcPct val="35000"/>
+            </a:spcAft>
+          </a:pPr>
+          <a:r>
+            <a:rPr lang="en-US" sz="1400" kern="1200" dirty="0" smtClean="0"/>
+            <a:t>Values</a:t>
+          </a:r>
+        </a:p>
+      </dsp:txBody>
+      <dsp:txXfrm>
+        <a:off x="8180796" y="1680547"/>
+        <a:ext cx="1863638" cy="319115"/>
+      </dsp:txXfrm>
+    </dsp:sp>
+    <dsp:sp modelId="{73E32843-E768-4125-9EFA-3FCFA60B2E74}">
+      <dsp:nvSpPr>
+        <dsp:cNvPr id="0" name=""/>
+        <dsp:cNvSpPr/>
+      </dsp:nvSpPr>
+      <dsp:spPr>
+        <a:xfrm>
+          <a:off x="8170868" y="2088250"/>
+          <a:ext cx="1883494" cy="338971"/>
+        </a:xfrm>
+        <a:prstGeom prst="roundRect">
+          <a:avLst>
+            <a:gd name="adj" fmla="val 10000"/>
+          </a:avLst>
+        </a:prstGeom>
+        <a:solidFill>
+          <a:schemeClr val="accent2">
+            <a:hueOff val="0"/>
+            <a:satOff val="0"/>
+            <a:lumOff val="0"/>
+            <a:alphaOff val="0"/>
+          </a:schemeClr>
+        </a:solidFill>
+        <a:ln w="12700" cap="flat" cmpd="sng" algn="ctr">
+          <a:solidFill>
+            <a:schemeClr val="lt1">
+              <a:hueOff val="0"/>
+              <a:satOff val="0"/>
+              <a:lumOff val="0"/>
+              <a:alphaOff val="0"/>
+            </a:schemeClr>
+          </a:solidFill>
+          <a:prstDash val="solid"/>
+          <a:miter lim="800000"/>
+        </a:ln>
+        <a:effectLst/>
+      </dsp:spPr>
+      <dsp:style>
+        <a:lnRef idx="2">
+          <a:scrgbClr r="0" g="0" b="0"/>
+        </a:lnRef>
+        <a:fillRef idx="1">
+          <a:scrgbClr r="0" g="0" b="0"/>
+        </a:fillRef>
+        <a:effectRef idx="0">
+          <a:scrgbClr r="0" g="0" b="0"/>
+        </a:effectRef>
+        <a:fontRef idx="minor">
+          <a:schemeClr val="lt1"/>
+        </a:fontRef>
+      </dsp:style>
+      <dsp:txBody>
+        <a:bodyPr spcFirstLastPara="0" vert="horz" wrap="square" lIns="53340" tIns="53340" rIns="53340" bIns="53340" numCol="1" spcCol="1270" anchor="ctr" anchorCtr="0">
+          <a:noAutofit/>
+        </a:bodyPr>
+        <a:lstStyle/>
+        <a:p>
+          <a:pPr lvl="0" algn="ctr" defTabSz="622300">
+            <a:lnSpc>
+              <a:spcPct val="90000"/>
+            </a:lnSpc>
+            <a:spcBef>
+              <a:spcPct val="0"/>
+            </a:spcBef>
+            <a:spcAft>
+              <a:spcPct val="35000"/>
+            </a:spcAft>
+          </a:pPr>
+          <a:r>
+            <a:rPr lang="en-US" sz="1400" kern="1200" dirty="0" smtClean="0"/>
+            <a:t>Constants</a:t>
+          </a:r>
+        </a:p>
+      </dsp:txBody>
+      <dsp:txXfrm>
+        <a:off x="8180796" y="2098178"/>
+        <a:ext cx="1863638" cy="319115"/>
+      </dsp:txXfrm>
+    </dsp:sp>
   </dsp:spTree>
 </dsp:drawing>
 </file>
@@ -11377,6 +12253,351 @@
       <dsp:cNvGrpSpPr/>
     </dsp:nvGrpSpPr>
     <dsp:grpSpPr/>
+    <dsp:sp modelId="{552CD446-1E6C-47BC-BE1D-3A8CCCB618F5}">
+      <dsp:nvSpPr>
+        <dsp:cNvPr id="0" name=""/>
+        <dsp:cNvSpPr/>
+      </dsp:nvSpPr>
+      <dsp:spPr>
+        <a:xfrm>
+          <a:off x="1440179" y="1820916"/>
+          <a:ext cx="1234440" cy="1234440"/>
+        </a:xfrm>
+        <a:prstGeom prst="roundRect">
+          <a:avLst/>
+        </a:prstGeom>
+        <a:solidFill>
+          <a:schemeClr val="accent6">
+            <a:hueOff val="0"/>
+            <a:satOff val="0"/>
+            <a:lumOff val="0"/>
+            <a:alphaOff val="0"/>
+          </a:schemeClr>
+        </a:solidFill>
+        <a:ln w="12700" cap="flat" cmpd="sng" algn="ctr">
+          <a:solidFill>
+            <a:schemeClr val="lt1">
+              <a:hueOff val="0"/>
+              <a:satOff val="0"/>
+              <a:lumOff val="0"/>
+              <a:alphaOff val="0"/>
+            </a:schemeClr>
+          </a:solidFill>
+          <a:prstDash val="solid"/>
+          <a:miter lim="800000"/>
+        </a:ln>
+        <a:effectLst/>
+      </dsp:spPr>
+      <dsp:style>
+        <a:lnRef idx="2">
+          <a:scrgbClr r="0" g="0" b="0"/>
+        </a:lnRef>
+        <a:fillRef idx="1">
+          <a:scrgbClr r="0" g="0" b="0"/>
+        </a:fillRef>
+        <a:effectRef idx="0">
+          <a:scrgbClr r="0" g="0" b="0"/>
+        </a:effectRef>
+        <a:fontRef idx="minor">
+          <a:schemeClr val="lt1"/>
+        </a:fontRef>
+      </dsp:style>
+      <dsp:txBody>
+        <a:bodyPr spcFirstLastPara="0" vert="horz" wrap="square" lIns="71120" tIns="71120" rIns="71120" bIns="71120" numCol="1" spcCol="1270" anchor="ctr" anchorCtr="0">
+          <a:noAutofit/>
+        </a:bodyPr>
+        <a:lstStyle/>
+        <a:p>
+          <a:pPr lvl="0" algn="ctr" defTabSz="1244600">
+            <a:lnSpc>
+              <a:spcPct val="90000"/>
+            </a:lnSpc>
+            <a:spcBef>
+              <a:spcPct val="0"/>
+            </a:spcBef>
+            <a:spcAft>
+              <a:spcPct val="35000"/>
+            </a:spcAft>
+          </a:pPr>
+          <a:r>
+            <a:rPr lang="en-US" sz="2800" kern="1200" dirty="0" smtClean="0"/>
+            <a:t>Scope</a:t>
+          </a:r>
+        </a:p>
+      </dsp:txBody>
+      <dsp:txXfrm>
+        <a:off x="1500439" y="1881176"/>
+        <a:ext cx="1113920" cy="1113920"/>
+      </dsp:txXfrm>
+    </dsp:sp>
+    <dsp:sp modelId="{898210EA-0F22-496D-8BE1-A4737E6F9293}">
+      <dsp:nvSpPr>
+        <dsp:cNvPr id="0" name=""/>
+        <dsp:cNvSpPr/>
+      </dsp:nvSpPr>
+      <dsp:spPr>
+        <a:xfrm rot="16200000">
+          <a:off x="1751024" y="1514540"/>
+          <a:ext cx="612751" cy="0"/>
+        </a:xfrm>
+        <a:custGeom>
+          <a:avLst/>
+          <a:gdLst/>
+          <a:ahLst/>
+          <a:cxnLst/>
+          <a:rect l="0" t="0" r="0" b="0"/>
+          <a:pathLst>
+            <a:path>
+              <a:moveTo>
+                <a:pt x="0" y="0"/>
+              </a:moveTo>
+              <a:lnTo>
+                <a:pt x="612751" y="0"/>
+              </a:lnTo>
+            </a:path>
+          </a:pathLst>
+        </a:custGeom>
+        <a:noFill/>
+        <a:ln w="12700" cap="flat" cmpd="sng" algn="ctr">
+          <a:solidFill>
+            <a:schemeClr val="accent6">
+              <a:shade val="60000"/>
+              <a:hueOff val="0"/>
+              <a:satOff val="0"/>
+              <a:lumOff val="0"/>
+              <a:alphaOff val="0"/>
+            </a:schemeClr>
+          </a:solidFill>
+          <a:prstDash val="solid"/>
+          <a:miter lim="800000"/>
+        </a:ln>
+        <a:effectLst/>
+      </dsp:spPr>
+      <dsp:style>
+        <a:lnRef idx="2">
+          <a:scrgbClr r="0" g="0" b="0"/>
+        </a:lnRef>
+        <a:fillRef idx="0">
+          <a:scrgbClr r="0" g="0" b="0"/>
+        </a:fillRef>
+        <a:effectRef idx="0">
+          <a:scrgbClr r="0" g="0" b="0"/>
+        </a:effectRef>
+        <a:fontRef idx="minor"/>
+      </dsp:style>
+    </dsp:sp>
+    <dsp:sp modelId="{2301A33D-33BA-40C8-8E39-25D00DB34497}">
+      <dsp:nvSpPr>
+        <dsp:cNvPr id="0" name=""/>
+        <dsp:cNvSpPr/>
+      </dsp:nvSpPr>
+      <dsp:spPr>
+        <a:xfrm>
+          <a:off x="1643862" y="381090"/>
+          <a:ext cx="827074" cy="827074"/>
+        </a:xfrm>
+        <a:prstGeom prst="roundRect">
+          <a:avLst/>
+        </a:prstGeom>
+        <a:solidFill>
+          <a:schemeClr val="accent6">
+            <a:hueOff val="0"/>
+            <a:satOff val="0"/>
+            <a:lumOff val="0"/>
+            <a:alphaOff val="0"/>
+          </a:schemeClr>
+        </a:solidFill>
+        <a:ln w="12700" cap="flat" cmpd="sng" algn="ctr">
+          <a:solidFill>
+            <a:schemeClr val="lt1">
+              <a:hueOff val="0"/>
+              <a:satOff val="0"/>
+              <a:lumOff val="0"/>
+              <a:alphaOff val="0"/>
+            </a:schemeClr>
+          </a:solidFill>
+          <a:prstDash val="solid"/>
+          <a:miter lim="800000"/>
+        </a:ln>
+        <a:effectLst/>
+      </dsp:spPr>
+      <dsp:style>
+        <a:lnRef idx="2">
+          <a:scrgbClr r="0" g="0" b="0"/>
+        </a:lnRef>
+        <a:fillRef idx="1">
+          <a:scrgbClr r="0" g="0" b="0"/>
+        </a:fillRef>
+        <a:effectRef idx="0">
+          <a:scrgbClr r="0" g="0" b="0"/>
+        </a:effectRef>
+        <a:fontRef idx="minor">
+          <a:schemeClr val="lt1"/>
+        </a:fontRef>
+      </dsp:style>
+      <dsp:txBody>
+        <a:bodyPr spcFirstLastPara="0" vert="horz" wrap="square" lIns="53340" tIns="53340" rIns="53340" bIns="53340" numCol="1" spcCol="1270" anchor="ctr" anchorCtr="0">
+          <a:noAutofit/>
+        </a:bodyPr>
+        <a:lstStyle/>
+        <a:p>
+          <a:pPr lvl="0" algn="ctr" defTabSz="933450">
+            <a:lnSpc>
+              <a:spcPct val="90000"/>
+            </a:lnSpc>
+            <a:spcBef>
+              <a:spcPct val="0"/>
+            </a:spcBef>
+            <a:spcAft>
+              <a:spcPct val="35000"/>
+            </a:spcAft>
+          </a:pPr>
+          <a:r>
+            <a:rPr lang="en-US" sz="2100" kern="1200" dirty="0" smtClean="0"/>
+            <a:t>View</a:t>
+          </a:r>
+          <a:endParaRPr lang="en-US" sz="2100" kern="1200" dirty="0"/>
+        </a:p>
+      </dsp:txBody>
+      <dsp:txXfrm>
+        <a:off x="1684236" y="421464"/>
+        <a:ext cx="746326" cy="746326"/>
+      </dsp:txXfrm>
+    </dsp:sp>
+    <dsp:sp modelId="{863225D8-A3D1-4726-98D0-7C450D270A4A}">
+      <dsp:nvSpPr>
+        <dsp:cNvPr id="0" name=""/>
+        <dsp:cNvSpPr/>
+      </dsp:nvSpPr>
+      <dsp:spPr>
+        <a:xfrm rot="5400000">
+          <a:off x="1751024" y="3361732"/>
+          <a:ext cx="612751" cy="0"/>
+        </a:xfrm>
+        <a:custGeom>
+          <a:avLst/>
+          <a:gdLst/>
+          <a:ahLst/>
+          <a:cxnLst/>
+          <a:rect l="0" t="0" r="0" b="0"/>
+          <a:pathLst>
+            <a:path>
+              <a:moveTo>
+                <a:pt x="0" y="0"/>
+              </a:moveTo>
+              <a:lnTo>
+                <a:pt x="612751" y="0"/>
+              </a:lnTo>
+            </a:path>
+          </a:pathLst>
+        </a:custGeom>
+        <a:noFill/>
+        <a:ln w="12700" cap="flat" cmpd="sng" algn="ctr">
+          <a:solidFill>
+            <a:schemeClr val="accent6">
+              <a:shade val="60000"/>
+              <a:hueOff val="0"/>
+              <a:satOff val="0"/>
+              <a:lumOff val="0"/>
+              <a:alphaOff val="0"/>
+            </a:schemeClr>
+          </a:solidFill>
+          <a:prstDash val="solid"/>
+          <a:miter lim="800000"/>
+        </a:ln>
+        <a:effectLst/>
+      </dsp:spPr>
+      <dsp:style>
+        <a:lnRef idx="2">
+          <a:scrgbClr r="0" g="0" b="0"/>
+        </a:lnRef>
+        <a:fillRef idx="0">
+          <a:scrgbClr r="0" g="0" b="0"/>
+        </a:fillRef>
+        <a:effectRef idx="0">
+          <a:scrgbClr r="0" g="0" b="0"/>
+        </a:effectRef>
+        <a:fontRef idx="minor"/>
+      </dsp:style>
+    </dsp:sp>
+    <dsp:sp modelId="{A1E87F02-FF0E-46D1-A190-D92C658321B3}">
+      <dsp:nvSpPr>
+        <dsp:cNvPr id="0" name=""/>
+        <dsp:cNvSpPr/>
+      </dsp:nvSpPr>
+      <dsp:spPr>
+        <a:xfrm>
+          <a:off x="1643862" y="3668108"/>
+          <a:ext cx="827074" cy="827074"/>
+        </a:xfrm>
+        <a:prstGeom prst="roundRect">
+          <a:avLst/>
+        </a:prstGeom>
+        <a:solidFill>
+          <a:schemeClr val="accent6">
+            <a:hueOff val="0"/>
+            <a:satOff val="0"/>
+            <a:lumOff val="0"/>
+            <a:alphaOff val="0"/>
+          </a:schemeClr>
+        </a:solidFill>
+        <a:ln w="12700" cap="flat" cmpd="sng" algn="ctr">
+          <a:solidFill>
+            <a:schemeClr val="lt1">
+              <a:hueOff val="0"/>
+              <a:satOff val="0"/>
+              <a:lumOff val="0"/>
+              <a:alphaOff val="0"/>
+            </a:schemeClr>
+          </a:solidFill>
+          <a:prstDash val="solid"/>
+          <a:miter lim="800000"/>
+        </a:ln>
+        <a:effectLst/>
+      </dsp:spPr>
+      <dsp:style>
+        <a:lnRef idx="2">
+          <a:scrgbClr r="0" g="0" b="0"/>
+        </a:lnRef>
+        <a:fillRef idx="1">
+          <a:scrgbClr r="0" g="0" b="0"/>
+        </a:fillRef>
+        <a:effectRef idx="0">
+          <a:scrgbClr r="0" g="0" b="0"/>
+        </a:effectRef>
+        <a:fontRef idx="minor">
+          <a:schemeClr val="lt1"/>
+        </a:fontRef>
+      </dsp:style>
+      <dsp:txBody>
+        <a:bodyPr spcFirstLastPara="0" vert="horz" wrap="square" lIns="27940" tIns="27940" rIns="27940" bIns="27940" numCol="1" spcCol="1270" anchor="ctr" anchorCtr="0">
+          <a:noAutofit/>
+        </a:bodyPr>
+        <a:lstStyle/>
+        <a:p>
+          <a:pPr lvl="0" algn="ctr" defTabSz="488950">
+            <a:lnSpc>
+              <a:spcPct val="90000"/>
+            </a:lnSpc>
+            <a:spcBef>
+              <a:spcPct val="0"/>
+            </a:spcBef>
+            <a:spcAft>
+              <a:spcPct val="35000"/>
+            </a:spcAft>
+          </a:pPr>
+          <a:r>
+            <a:rPr lang="en-US" sz="1100" kern="1200" dirty="0" smtClean="0"/>
+            <a:t>Controller</a:t>
+          </a:r>
+          <a:endParaRPr lang="en-US" sz="1100" kern="1200" dirty="0"/>
+        </a:p>
+      </dsp:txBody>
+      <dsp:txXfrm>
+        <a:off x="1684236" y="3708482"/>
+        <a:ext cx="746326" cy="746326"/>
+      </dsp:txXfrm>
+    </dsp:sp>
   </dsp:spTree>
 </dsp:drawing>
 </file>
@@ -24482,7 +25703,7 @@
           <a:p>
             <a:fld id="{061C5132-FFA3-4B02-9F09-22FCF40EFA74}" type="datetimeFigureOut">
               <a:rPr lang="en-US" smtClean="0"/>
-              <a:t>4/20/2015</a:t>
+              <a:t>4/21/2015</a:t>
             </a:fld>
             <a:endParaRPr lang="en-US"/>
           </a:p>
@@ -24647,7 +25868,7 @@
           <a:p>
             <a:fld id="{0B6E42C9-243F-4DC5-AFF6-9D56B5FA9D63}" type="datetimeFigureOut">
               <a:rPr lang="en-US" smtClean="0"/>
-              <a:t>4/20/2015</a:t>
+              <a:t>4/21/2015</a:t>
             </a:fld>
             <a:endParaRPr lang="en-US"/>
           </a:p>
@@ -25079,7 +26300,7 @@
           <a:p>
             <a:fld id="{A11972B5-6BC1-3D45-8144-C53926F395E5}" type="slidenum">
               <a:rPr lang="en-US" smtClean="0"/>
-              <a:t>21</a:t>
+              <a:t>22</a:t>
             </a:fld>
             <a:endParaRPr lang="en-US"/>
           </a:p>
@@ -25167,7 +26388,7 @@
           <a:p>
             <a:fld id="{8DAEC444-603B-4F09-9A06-5917518DD901}" type="slidenum">
               <a:rPr lang="en-US" smtClean="0"/>
-              <a:t>22</a:t>
+              <a:t>23</a:t>
             </a:fld>
             <a:endParaRPr lang="en-US"/>
           </a:p>
@@ -25390,7 +26611,7 @@
           <a:p>
             <a:fld id="{A11972B5-6BC1-3D45-8144-C53926F395E5}" type="slidenum">
               <a:rPr lang="en-US" smtClean="0"/>
-              <a:t>28</a:t>
+              <a:t>29</a:t>
             </a:fld>
             <a:endParaRPr lang="en-US" dirty="0"/>
           </a:p>
@@ -25613,7 +26834,7 @@
           <a:p>
             <a:fld id="{A11972B5-6BC1-3D45-8144-C53926F395E5}" type="slidenum">
               <a:rPr lang="en-US" smtClean="0"/>
-              <a:t>29</a:t>
+              <a:t>30</a:t>
             </a:fld>
             <a:endParaRPr lang="en-US" dirty="0"/>
           </a:p>
@@ -26374,7 +27595,7 @@
           <a:p>
             <a:fld id="{B0FE2824-C2A0-4931-BB32-60B24BDBB3CC}" type="datetimeFigureOut">
               <a:rPr lang="en-US" smtClean="0"/>
-              <a:t>4/20/2015</a:t>
+              <a:t>4/21/2015</a:t>
             </a:fld>
             <a:endParaRPr lang="en-US"/>
           </a:p>
@@ -26586,7 +27807,7 @@
           <a:p>
             <a:fld id="{B0FE2824-C2A0-4931-BB32-60B24BDBB3CC}" type="datetimeFigureOut">
               <a:rPr lang="en-US" smtClean="0"/>
-              <a:t>4/20/2015</a:t>
+              <a:t>4/21/2015</a:t>
             </a:fld>
             <a:endParaRPr lang="en-US"/>
           </a:p>
@@ -26998,7 +28219,7 @@
           <a:p>
             <a:fld id="{B0FE2824-C2A0-4931-BB32-60B24BDBB3CC}" type="datetimeFigureOut">
               <a:rPr lang="en-US" smtClean="0"/>
-              <a:t>4/20/2015</a:t>
+              <a:t>4/21/2015</a:t>
             </a:fld>
             <a:endParaRPr lang="en-US"/>
           </a:p>
@@ -27521,7 +28742,7 @@
           <a:p>
             <a:fld id="{B0FE2824-C2A0-4931-BB32-60B24BDBB3CC}" type="datetimeFigureOut">
               <a:rPr lang="en-US" smtClean="0"/>
-              <a:t>4/20/2015</a:t>
+              <a:t>4/21/2015</a:t>
             </a:fld>
             <a:endParaRPr lang="en-US"/>
           </a:p>
@@ -27981,7 +29202,7 @@
           <a:p>
             <a:fld id="{B0FE2824-C2A0-4931-BB32-60B24BDBB3CC}" type="datetimeFigureOut">
               <a:rPr lang="en-US" smtClean="0"/>
-              <a:t>4/20/2015</a:t>
+              <a:t>4/21/2015</a:t>
             </a:fld>
             <a:endParaRPr lang="en-US"/>
           </a:p>
@@ -28127,7 +29348,7 @@
           <a:p>
             <a:fld id="{B0FE2824-C2A0-4931-BB32-60B24BDBB3CC}" type="datetimeFigureOut">
               <a:rPr lang="en-US" smtClean="0"/>
-              <a:t>4/20/2015</a:t>
+              <a:t>4/21/2015</a:t>
             </a:fld>
             <a:endParaRPr lang="en-US"/>
           </a:p>
@@ -28250,7 +29471,7 @@
           <a:p>
             <a:fld id="{B0FE2824-C2A0-4931-BB32-60B24BDBB3CC}" type="datetimeFigureOut">
               <a:rPr lang="en-US" smtClean="0"/>
-              <a:t>4/20/2015</a:t>
+              <a:t>4/21/2015</a:t>
             </a:fld>
             <a:endParaRPr lang="en-US"/>
           </a:p>
@@ -28562,7 +29783,7 @@
           <a:p>
             <a:fld id="{B0FE2824-C2A0-4931-BB32-60B24BDBB3CC}" type="datetimeFigureOut">
               <a:rPr lang="en-US" smtClean="0"/>
-              <a:t>4/20/2015</a:t>
+              <a:t>4/21/2015</a:t>
             </a:fld>
             <a:endParaRPr lang="en-US"/>
           </a:p>
@@ -28852,7 +30073,7 @@
           <a:p>
             <a:fld id="{B0FE2824-C2A0-4931-BB32-60B24BDBB3CC}" type="datetimeFigureOut">
               <a:rPr lang="en-US" smtClean="0"/>
-              <a:t>4/20/2015</a:t>
+              <a:t>4/21/2015</a:t>
             </a:fld>
             <a:endParaRPr lang="en-US"/>
           </a:p>
@@ -29576,7 +30797,7 @@
         <p:spPr>
           <a:xfrm>
             <a:off x="203200" y="2286001"/>
-            <a:ext cx="10871200" cy="2062103"/>
+            <a:ext cx="10871200" cy="2616101"/>
           </a:xfrm>
           <a:prstGeom prst="rect">
             <a:avLst/>
@@ -29590,13 +30811,34 @@
           <a:lstStyle/>
           <a:p>
             <a:r>
-              <a:rPr lang="en-US" sz="3200" dirty="0">
+              <a:rPr lang="en-US" sz="2400" dirty="0">
                 <a:solidFill>
                   <a:schemeClr val="bg1"/>
                 </a:solidFill>
               </a:rPr>
-              <a:t>Welcome To </a:t>
-            </a:r>
+              <a:t>Welcome </a:t>
+            </a:r>
+            <a:r>
+              <a:rPr lang="en-US" sz="2400" dirty="0" smtClean="0">
+                <a:solidFill>
+                  <a:schemeClr val="bg1"/>
+                </a:solidFill>
+              </a:rPr>
+              <a:t>to</a:t>
+            </a:r>
+            <a:r>
+              <a:rPr lang="en-US" sz="3200" dirty="0" smtClean="0">
+                <a:solidFill>
+                  <a:schemeClr val="bg1"/>
+                </a:solidFill>
+              </a:rPr>
+              <a:t> </a:t>
+            </a:r>
+            <a:endParaRPr lang="en-US" sz="3200" dirty="0">
+              <a:solidFill>
+                <a:schemeClr val="bg1"/>
+              </a:solidFill>
+            </a:endParaRPr>
           </a:p>
           <a:p>
             <a:endParaRPr lang="en-US" sz="2400" dirty="0">
@@ -29607,7 +30849,7 @@
           </a:p>
           <a:p>
             <a:r>
-              <a:rPr lang="en-US" sz="2400" dirty="0" smtClean="0">
+              <a:rPr lang="en-US" sz="2800" dirty="0" smtClean="0">
                 <a:solidFill>
                   <a:schemeClr val="bg1"/>
                 </a:solidFill>
@@ -29629,7 +30871,7 @@
           </a:p>
           <a:p>
             <a:r>
-              <a:rPr lang="en-US" sz="2400" dirty="0">
+              <a:rPr lang="en-US" sz="2800" dirty="0">
                 <a:solidFill>
                   <a:schemeClr val="bg1"/>
                 </a:solidFill>
@@ -29637,14 +30879,14 @@
               <a:t>Speaker: </a:t>
             </a:r>
             <a:r>
-              <a:rPr lang="en-US" sz="2400" dirty="0" smtClean="0">
+              <a:rPr lang="en-US" sz="2800" dirty="0" smtClean="0">
                 <a:solidFill>
                   <a:schemeClr val="bg1"/>
                 </a:solidFill>
               </a:rPr>
               <a:t>Steve Pietrek (@spietrek)</a:t>
             </a:r>
-            <a:endParaRPr lang="en-US" sz="2400" dirty="0">
+            <a:endParaRPr lang="en-US" sz="2800" dirty="0">
               <a:solidFill>
                 <a:schemeClr val="bg1"/>
               </a:solidFill>
@@ -29771,21 +31013,8 @@
                   <a:ea typeface="Segoe UI" panose="020B0502040204020203" pitchFamily="34" charset="0"/>
                   <a:cs typeface="Segoe UI" panose="020B0502040204020203" pitchFamily="34" charset="0"/>
                 </a:rPr>
-                <a:t>@</a:t>
+                <a:t>@SharePointCincy</a:t>
               </a:r>
-              <a:r>
-                <a:rPr lang="en-US" sz="4800" dirty="0" err="1">
-                  <a:latin typeface="Segoe UI" panose="020B0502040204020203" pitchFamily="34" charset="0"/>
-                  <a:ea typeface="Segoe UI" panose="020B0502040204020203" pitchFamily="34" charset="0"/>
-                  <a:cs typeface="Segoe UI" panose="020B0502040204020203" pitchFamily="34" charset="0"/>
-                </a:rPr>
-                <a:t>SharePointCincy</a:t>
-              </a:r>
-              <a:endParaRPr lang="en-US" sz="4800" dirty="0">
-                <a:latin typeface="Segoe UI" panose="020B0502040204020203" pitchFamily="34" charset="0"/>
-                <a:ea typeface="Segoe UI" panose="020B0502040204020203" pitchFamily="34" charset="0"/>
-                <a:cs typeface="Segoe UI" panose="020B0502040204020203" pitchFamily="34" charset="0"/>
-              </a:endParaRPr>
             </a:p>
             <a:p>
               <a:r>
@@ -29794,21 +31023,8 @@
                   <a:ea typeface="Segoe UI" panose="020B0502040204020203" pitchFamily="34" charset="0"/>
                   <a:cs typeface="Segoe UI" panose="020B0502040204020203" pitchFamily="34" charset="0"/>
                 </a:rPr>
-                <a:t>#</a:t>
+                <a:t>#SharePointCincy</a:t>
               </a:r>
-              <a:r>
-                <a:rPr lang="en-US" sz="3733" dirty="0" err="1">
-                  <a:latin typeface="Segoe UI" panose="020B0502040204020203" pitchFamily="34" charset="0"/>
-                  <a:ea typeface="Segoe UI" panose="020B0502040204020203" pitchFamily="34" charset="0"/>
-                  <a:cs typeface="Segoe UI" panose="020B0502040204020203" pitchFamily="34" charset="0"/>
-                </a:rPr>
-                <a:t>SharePointCincy</a:t>
-              </a:r>
-              <a:endParaRPr lang="en-US" sz="3733" dirty="0">
-                <a:latin typeface="Segoe UI" panose="020B0502040204020203" pitchFamily="34" charset="0"/>
-                <a:ea typeface="Segoe UI" panose="020B0502040204020203" pitchFamily="34" charset="0"/>
-                <a:cs typeface="Segoe UI" panose="020B0502040204020203" pitchFamily="34" charset="0"/>
-              </a:endParaRPr>
             </a:p>
           </p:txBody>
         </p:sp>
@@ -29821,8 +31037,8 @@
         </p:nvSpPr>
         <p:spPr>
           <a:xfrm>
-            <a:off x="6705600" y="5181600"/>
-            <a:ext cx="5681444" cy="1477328"/>
+            <a:off x="6629400" y="4953000"/>
+            <a:ext cx="5681444" cy="1754326"/>
           </a:xfrm>
           <a:prstGeom prst="rect">
             <a:avLst/>
@@ -29892,9 +31108,28 @@
                 <a:solidFill>
                   <a:schemeClr val="bg1"/>
                 </a:solidFill>
-                <a:hlinkClick r:id="rId5"/>
+                <a:hlinkClick r:id="rId6"/>
               </a:rPr>
-              <a:t>http://jsfiddle.net/spietrek/VKbpu/3</a:t>
+              <a:t>http://jsfiddle.net/spietrek/VKbpu/3/</a:t>
+            </a:r>
+            <a:endParaRPr lang="en-US" dirty="0" smtClean="0">
+              <a:solidFill>
+                <a:schemeClr val="bg1"/>
+              </a:solidFill>
+            </a:endParaRPr>
+          </a:p>
+          <a:p>
+            <a:r>
+              <a:rPr lang="en-US" dirty="0">
+                <a:hlinkClick r:id="rId7"/>
+              </a:rPr>
+              <a:t>https://</a:t>
+            </a:r>
+            <a:r>
+              <a:rPr lang="en-US" dirty="0" smtClean="0">
+                <a:hlinkClick r:id="rId7"/>
+              </a:rPr>
+              <a:t>jsfiddle.net/spietrek/04y3zwo8/2/</a:t>
             </a:r>
             <a:endParaRPr lang="en-US" dirty="0">
               <a:solidFill>
@@ -30132,7 +31367,7 @@
         <p:spPr>
           <a:xfrm>
             <a:off x="152400" y="6528524"/>
-            <a:ext cx="5715000" cy="261610"/>
+            <a:ext cx="5715000" cy="307777"/>
           </a:xfrm>
           <a:prstGeom prst="rect">
             <a:avLst/>
@@ -30146,10 +31381,14 @@
           <a:lstStyle/>
           <a:p>
             <a:r>
-              <a:rPr lang="en-US" sz="1100" b="1" i="1" dirty="0" smtClean="0"/>
+              <a:rPr lang="en-US" sz="1400" i="1" dirty="0" smtClean="0">
+                <a:latin typeface="Calibri" panose="020F0502020204030204" pitchFamily="34" charset="0"/>
+              </a:rPr>
               <a:t>** My opinion</a:t>
             </a:r>
-            <a:endParaRPr lang="en-US" sz="1100" b="1" i="1" dirty="0"/>
+            <a:endParaRPr lang="en-US" sz="1400" i="1" dirty="0">
+              <a:latin typeface="Calibri" panose="020F0502020204030204" pitchFamily="34" charset="0"/>
+            </a:endParaRPr>
           </a:p>
         </p:txBody>
       </p:sp>
@@ -31912,11 +33151,15 @@
             <a:pPr lvl="1"/>
             <a:r>
               <a:rPr lang="en-US" sz="2000" dirty="0"/>
-              <a:t>Set the initial state of $</a:t>
+              <a:t>Set the initial state of </a:t>
             </a:r>
             <a:r>
               <a:rPr lang="en-US" sz="2000" dirty="0" smtClean="0"/>
-              <a:t>scope (i.e. Scope Container)</a:t>
+              <a:t>scope </a:t>
+            </a:r>
+            <a:r>
+              <a:rPr lang="en-US" sz="2000" dirty="0" smtClean="0"/>
+              <a:t>(i.e. Scope Container)</a:t>
             </a:r>
             <a:endParaRPr lang="en-US" sz="2000" dirty="0"/>
           </a:p>
@@ -31924,12 +33167,28 @@
             <a:pPr lvl="1"/>
             <a:r>
               <a:rPr lang="en-US" sz="2000" dirty="0"/>
-              <a:t>Add behavior to the $scope object (i.e. business logic</a:t>
+              <a:t>Add </a:t>
             </a:r>
             <a:r>
               <a:rPr lang="en-US" sz="2000" dirty="0" smtClean="0"/>
-              <a:t>)</a:t>
-            </a:r>
+              <a:t>logic/behaviors </a:t>
+            </a:r>
+            <a:r>
+              <a:rPr lang="en-US" sz="2000" dirty="0"/>
+              <a:t>to the </a:t>
+            </a:r>
+            <a:r>
+              <a:rPr lang="en-US" sz="2000" dirty="0" smtClean="0"/>
+              <a:t>scope object</a:t>
+            </a:r>
+          </a:p>
+          <a:p>
+            <a:pPr lvl="1"/>
+            <a:r>
+              <a:rPr lang="en-US" sz="2000" dirty="0" smtClean="0"/>
+              <a:t>Add logic/behaviors to update the scope based on user interaction</a:t>
+            </a:r>
+            <a:endParaRPr lang="en-US" sz="2000" dirty="0" smtClean="0"/>
           </a:p>
           <a:p>
             <a:pPr lvl="1"/>
@@ -32004,6 +33263,782 @@
 </file>
 
 <file path=ppt/slides/slide18.xml><?xml version="1.0" encoding="utf-8"?>
+<p:sld xmlns:a="http://schemas.openxmlformats.org/drawingml/2006/main" xmlns:r="http://schemas.openxmlformats.org/officeDocument/2006/relationships" xmlns:p="http://schemas.openxmlformats.org/presentationml/2006/main">
+  <p:cSld>
+    <p:spTree>
+      <p:nvGrpSpPr>
+        <p:cNvPr id="1" name=""/>
+        <p:cNvGrpSpPr/>
+        <p:nvPr/>
+      </p:nvGrpSpPr>
+      <p:grpSpPr>
+        <a:xfrm>
+          <a:off x="0" y="0"/>
+          <a:ext cx="0" cy="0"/>
+          <a:chOff x="0" y="0"/>
+          <a:chExt cx="0" cy="0"/>
+        </a:xfrm>
+      </p:grpSpPr>
+      <p:sp>
+        <p:nvSpPr>
+          <p:cNvPr id="2" name="Title 1"/>
+          <p:cNvSpPr>
+            <a:spLocks noGrp="1"/>
+          </p:cNvSpPr>
+          <p:nvPr>
+            <p:ph type="title"/>
+          </p:nvPr>
+        </p:nvSpPr>
+        <p:spPr/>
+        <p:txBody>
+          <a:bodyPr/>
+          <a:lstStyle/>
+          <a:p>
+            <a:r>
+              <a:rPr lang="en-US" dirty="0" smtClean="0"/>
+              <a:t>AngularJS Implementation of MVC</a:t>
+            </a:r>
+            <a:endParaRPr lang="en-US" dirty="0"/>
+          </a:p>
+        </p:txBody>
+      </p:sp>
+      <p:cxnSp>
+        <p:nvCxnSpPr>
+          <p:cNvPr id="10" name="Straight Arrow Connector 9"/>
+          <p:cNvCxnSpPr/>
+          <p:nvPr/>
+        </p:nvCxnSpPr>
+        <p:spPr>
+          <a:xfrm>
+            <a:off x="2011680" y="2819400"/>
+            <a:ext cx="4833620" cy="0"/>
+          </a:xfrm>
+          <a:prstGeom prst="straightConnector1">
+            <a:avLst/>
+          </a:prstGeom>
+          <a:ln w="19050">
+            <a:solidFill>
+              <a:schemeClr val="tx1"/>
+            </a:solidFill>
+            <a:headEnd type="none" w="med" len="med"/>
+            <a:tailEnd type="arrow" w="med" len="med"/>
+          </a:ln>
+        </p:spPr>
+        <p:style>
+          <a:lnRef idx="1">
+            <a:schemeClr val="accent1"/>
+          </a:lnRef>
+          <a:fillRef idx="0">
+            <a:schemeClr val="accent1"/>
+          </a:fillRef>
+          <a:effectRef idx="0">
+            <a:schemeClr val="accent1"/>
+          </a:effectRef>
+          <a:fontRef idx="minor">
+            <a:schemeClr val="tx1"/>
+          </a:fontRef>
+        </p:style>
+      </p:cxnSp>
+      <p:cxnSp>
+        <p:nvCxnSpPr>
+          <p:cNvPr id="11" name="Straight Arrow Connector 10"/>
+          <p:cNvCxnSpPr/>
+          <p:nvPr/>
+        </p:nvCxnSpPr>
+        <p:spPr>
+          <a:xfrm>
+            <a:off x="8597900" y="2819400"/>
+            <a:ext cx="502920" cy="0"/>
+          </a:xfrm>
+          <a:prstGeom prst="straightConnector1">
+            <a:avLst/>
+          </a:prstGeom>
+          <a:ln w="19050">
+            <a:solidFill>
+              <a:schemeClr val="tx1"/>
+            </a:solidFill>
+            <a:headEnd type="none" w="med" len="med"/>
+            <a:tailEnd type="arrow" w="med" len="med"/>
+          </a:ln>
+        </p:spPr>
+        <p:style>
+          <a:lnRef idx="1">
+            <a:schemeClr val="accent1"/>
+          </a:lnRef>
+          <a:fillRef idx="0">
+            <a:schemeClr val="accent1"/>
+          </a:fillRef>
+          <a:effectRef idx="0">
+            <a:schemeClr val="accent1"/>
+          </a:effectRef>
+          <a:fontRef idx="minor">
+            <a:schemeClr val="tx1"/>
+          </a:fontRef>
+        </p:style>
+      </p:cxnSp>
+      <p:cxnSp>
+        <p:nvCxnSpPr>
+          <p:cNvPr id="13" name="Straight Arrow Connector 12"/>
+          <p:cNvCxnSpPr/>
+          <p:nvPr/>
+        </p:nvCxnSpPr>
+        <p:spPr>
+          <a:xfrm>
+            <a:off x="8597900" y="3924300"/>
+            <a:ext cx="502920" cy="0"/>
+          </a:xfrm>
+          <a:prstGeom prst="straightConnector1">
+            <a:avLst/>
+          </a:prstGeom>
+          <a:ln w="19050">
+            <a:solidFill>
+              <a:schemeClr val="tx1"/>
+            </a:solidFill>
+            <a:headEnd type="arrow" w="med" len="med"/>
+            <a:tailEnd type="none" w="med" len="med"/>
+          </a:ln>
+        </p:spPr>
+        <p:style>
+          <a:lnRef idx="1">
+            <a:schemeClr val="accent1"/>
+          </a:lnRef>
+          <a:fillRef idx="0">
+            <a:schemeClr val="accent1"/>
+          </a:fillRef>
+          <a:effectRef idx="0">
+            <a:schemeClr val="accent1"/>
+          </a:effectRef>
+          <a:fontRef idx="minor">
+            <a:schemeClr val="tx1"/>
+          </a:fontRef>
+        </p:style>
+      </p:cxnSp>
+      <p:cxnSp>
+        <p:nvCxnSpPr>
+          <p:cNvPr id="14" name="Straight Arrow Connector 13"/>
+          <p:cNvCxnSpPr/>
+          <p:nvPr/>
+        </p:nvCxnSpPr>
+        <p:spPr>
+          <a:xfrm>
+            <a:off x="6370320" y="3947160"/>
+            <a:ext cx="502920" cy="0"/>
+          </a:xfrm>
+          <a:prstGeom prst="straightConnector1">
+            <a:avLst/>
+          </a:prstGeom>
+          <a:ln w="19050">
+            <a:solidFill>
+              <a:schemeClr val="tx1"/>
+            </a:solidFill>
+            <a:headEnd type="arrow" w="med" len="med"/>
+            <a:tailEnd type="none" w="med" len="med"/>
+          </a:ln>
+        </p:spPr>
+        <p:style>
+          <a:lnRef idx="1">
+            <a:schemeClr val="accent1"/>
+          </a:lnRef>
+          <a:fillRef idx="0">
+            <a:schemeClr val="accent1"/>
+          </a:fillRef>
+          <a:effectRef idx="0">
+            <a:schemeClr val="accent1"/>
+          </a:effectRef>
+          <a:fontRef idx="minor">
+            <a:schemeClr val="tx1"/>
+          </a:fontRef>
+        </p:style>
+      </p:cxnSp>
+      <p:cxnSp>
+        <p:nvCxnSpPr>
+          <p:cNvPr id="15" name="Straight Arrow Connector 14"/>
+          <p:cNvCxnSpPr/>
+          <p:nvPr/>
+        </p:nvCxnSpPr>
+        <p:spPr>
+          <a:xfrm>
+            <a:off x="4185920" y="3947160"/>
+            <a:ext cx="502920" cy="0"/>
+          </a:xfrm>
+          <a:prstGeom prst="straightConnector1">
+            <a:avLst/>
+          </a:prstGeom>
+          <a:ln w="19050">
+            <a:solidFill>
+              <a:schemeClr val="tx1"/>
+            </a:solidFill>
+            <a:headEnd type="arrow" w="med" len="med"/>
+            <a:tailEnd type="none" w="med" len="med"/>
+          </a:ln>
+        </p:spPr>
+        <p:style>
+          <a:lnRef idx="1">
+            <a:schemeClr val="accent1"/>
+          </a:lnRef>
+          <a:fillRef idx="0">
+            <a:schemeClr val="accent1"/>
+          </a:fillRef>
+          <a:effectRef idx="0">
+            <a:schemeClr val="accent1"/>
+          </a:effectRef>
+          <a:fontRef idx="minor">
+            <a:schemeClr val="tx1"/>
+          </a:fontRef>
+        </p:style>
+      </p:cxnSp>
+      <p:cxnSp>
+        <p:nvCxnSpPr>
+          <p:cNvPr id="16" name="Straight Arrow Connector 15"/>
+          <p:cNvCxnSpPr/>
+          <p:nvPr/>
+        </p:nvCxnSpPr>
+        <p:spPr>
+          <a:xfrm>
+            <a:off x="2011680" y="3937000"/>
+            <a:ext cx="502920" cy="0"/>
+          </a:xfrm>
+          <a:prstGeom prst="straightConnector1">
+            <a:avLst/>
+          </a:prstGeom>
+          <a:ln w="19050">
+            <a:solidFill>
+              <a:schemeClr val="tx1"/>
+            </a:solidFill>
+            <a:headEnd type="arrow" w="med" len="med"/>
+            <a:tailEnd type="none" w="med" len="med"/>
+          </a:ln>
+        </p:spPr>
+        <p:style>
+          <a:lnRef idx="1">
+            <a:schemeClr val="accent1"/>
+          </a:lnRef>
+          <a:fillRef idx="0">
+            <a:schemeClr val="accent1"/>
+          </a:fillRef>
+          <a:effectRef idx="0">
+            <a:schemeClr val="accent1"/>
+          </a:effectRef>
+          <a:fontRef idx="minor">
+            <a:schemeClr val="tx1"/>
+          </a:fontRef>
+        </p:style>
+      </p:cxnSp>
+      <p:sp>
+        <p:nvSpPr>
+          <p:cNvPr id="4" name="Rectangle 3"/>
+          <p:cNvSpPr/>
+          <p:nvPr/>
+        </p:nvSpPr>
+        <p:spPr>
+          <a:xfrm>
+            <a:off x="6845300" y="2590800"/>
+            <a:ext cx="1752600" cy="1981200"/>
+          </a:xfrm>
+          <a:prstGeom prst="rect">
+            <a:avLst/>
+          </a:prstGeom>
+          <a:solidFill>
+            <a:schemeClr val="tx1">
+              <a:lumMod val="75000"/>
+            </a:schemeClr>
+          </a:solidFill>
+        </p:spPr>
+        <p:style>
+          <a:lnRef idx="2">
+            <a:schemeClr val="accent1">
+              <a:shade val="50000"/>
+            </a:schemeClr>
+          </a:lnRef>
+          <a:fillRef idx="1">
+            <a:schemeClr val="accent1"/>
+          </a:fillRef>
+          <a:effectRef idx="0">
+            <a:schemeClr val="accent1"/>
+          </a:effectRef>
+          <a:fontRef idx="minor">
+            <a:schemeClr val="lt1"/>
+          </a:fontRef>
+        </p:style>
+        <p:txBody>
+          <a:bodyPr rtlCol="0" anchor="ctr"/>
+          <a:lstStyle/>
+          <a:p>
+            <a:pPr algn="ctr"/>
+            <a:r>
+              <a:rPr lang="en-US" dirty="0" smtClean="0">
+                <a:solidFill>
+                  <a:schemeClr val="bg2"/>
+                </a:solidFill>
+              </a:rPr>
+              <a:t>Controller</a:t>
+            </a:r>
+            <a:endParaRPr lang="en-US" dirty="0">
+              <a:solidFill>
+                <a:schemeClr val="bg2"/>
+              </a:solidFill>
+            </a:endParaRPr>
+          </a:p>
+        </p:txBody>
+      </p:sp>
+      <p:sp>
+        <p:nvSpPr>
+          <p:cNvPr id="5" name="Rectangle 4"/>
+          <p:cNvSpPr/>
+          <p:nvPr/>
+        </p:nvSpPr>
+        <p:spPr>
+          <a:xfrm>
+            <a:off x="4617720" y="3276600"/>
+            <a:ext cx="1752600" cy="1295400"/>
+          </a:xfrm>
+          <a:prstGeom prst="rect">
+            <a:avLst/>
+          </a:prstGeom>
+          <a:solidFill>
+            <a:schemeClr val="tx1">
+              <a:lumMod val="75000"/>
+            </a:schemeClr>
+          </a:solidFill>
+        </p:spPr>
+        <p:style>
+          <a:lnRef idx="2">
+            <a:schemeClr val="accent1">
+              <a:shade val="50000"/>
+            </a:schemeClr>
+          </a:lnRef>
+          <a:fillRef idx="1">
+            <a:schemeClr val="accent1"/>
+          </a:fillRef>
+          <a:effectRef idx="0">
+            <a:schemeClr val="accent1"/>
+          </a:effectRef>
+          <a:fontRef idx="minor">
+            <a:schemeClr val="lt1"/>
+          </a:fontRef>
+        </p:style>
+        <p:txBody>
+          <a:bodyPr rtlCol="0" anchor="ctr"/>
+          <a:lstStyle/>
+          <a:p>
+            <a:pPr algn="ctr"/>
+            <a:r>
+              <a:rPr lang="en-US" dirty="0" smtClean="0">
+                <a:solidFill>
+                  <a:schemeClr val="bg2"/>
+                </a:solidFill>
+              </a:rPr>
+              <a:t>View</a:t>
+            </a:r>
+            <a:endParaRPr lang="en-US" dirty="0">
+              <a:solidFill>
+                <a:schemeClr val="bg2"/>
+              </a:solidFill>
+            </a:endParaRPr>
+          </a:p>
+        </p:txBody>
+      </p:sp>
+      <p:sp>
+        <p:nvSpPr>
+          <p:cNvPr id="6" name="Rectangle 5"/>
+          <p:cNvSpPr/>
+          <p:nvPr/>
+        </p:nvSpPr>
+        <p:spPr>
+          <a:xfrm>
+            <a:off x="2433320" y="3276600"/>
+            <a:ext cx="1752600" cy="1295400"/>
+          </a:xfrm>
+          <a:prstGeom prst="rect">
+            <a:avLst/>
+          </a:prstGeom>
+          <a:solidFill>
+            <a:schemeClr val="tx1">
+              <a:lumMod val="75000"/>
+            </a:schemeClr>
+          </a:solidFill>
+        </p:spPr>
+        <p:style>
+          <a:lnRef idx="2">
+            <a:schemeClr val="accent1">
+              <a:shade val="50000"/>
+            </a:schemeClr>
+          </a:lnRef>
+          <a:fillRef idx="1">
+            <a:schemeClr val="accent1"/>
+          </a:fillRef>
+          <a:effectRef idx="0">
+            <a:schemeClr val="accent1"/>
+          </a:effectRef>
+          <a:fontRef idx="minor">
+            <a:schemeClr val="lt1"/>
+          </a:fontRef>
+        </p:style>
+        <p:txBody>
+          <a:bodyPr rtlCol="0" anchor="ctr"/>
+          <a:lstStyle/>
+          <a:p>
+            <a:pPr algn="ctr"/>
+            <a:r>
+              <a:rPr lang="en-US" dirty="0" smtClean="0">
+                <a:solidFill>
+                  <a:schemeClr val="bg2"/>
+                </a:solidFill>
+              </a:rPr>
+              <a:t>DOM</a:t>
+            </a:r>
+            <a:endParaRPr lang="en-US" dirty="0">
+              <a:solidFill>
+                <a:schemeClr val="bg2"/>
+              </a:solidFill>
+            </a:endParaRPr>
+          </a:p>
+        </p:txBody>
+      </p:sp>
+      <p:sp>
+        <p:nvSpPr>
+          <p:cNvPr id="8" name="Rectangle 7"/>
+          <p:cNvSpPr/>
+          <p:nvPr/>
+        </p:nvSpPr>
+        <p:spPr>
+          <a:xfrm>
+            <a:off x="259080" y="2595880"/>
+            <a:ext cx="1752600" cy="1981200"/>
+          </a:xfrm>
+          <a:prstGeom prst="rect">
+            <a:avLst/>
+          </a:prstGeom>
+          <a:solidFill>
+            <a:schemeClr val="tx1">
+              <a:lumMod val="75000"/>
+            </a:schemeClr>
+          </a:solidFill>
+        </p:spPr>
+        <p:style>
+          <a:lnRef idx="2">
+            <a:schemeClr val="accent1">
+              <a:shade val="50000"/>
+            </a:schemeClr>
+          </a:lnRef>
+          <a:fillRef idx="1">
+            <a:schemeClr val="accent1"/>
+          </a:fillRef>
+          <a:effectRef idx="0">
+            <a:schemeClr val="accent1"/>
+          </a:effectRef>
+          <a:fontRef idx="minor">
+            <a:schemeClr val="lt1"/>
+          </a:fontRef>
+        </p:style>
+        <p:txBody>
+          <a:bodyPr rtlCol="0" anchor="ctr"/>
+          <a:lstStyle/>
+          <a:p>
+            <a:pPr algn="ctr"/>
+            <a:r>
+              <a:rPr lang="en-US" dirty="0" smtClean="0">
+                <a:solidFill>
+                  <a:schemeClr val="bg2"/>
+                </a:solidFill>
+              </a:rPr>
+              <a:t>Controller</a:t>
+            </a:r>
+            <a:endParaRPr lang="en-US" dirty="0">
+              <a:solidFill>
+                <a:schemeClr val="bg2"/>
+              </a:solidFill>
+            </a:endParaRPr>
+          </a:p>
+        </p:txBody>
+      </p:sp>
+      <p:cxnSp>
+        <p:nvCxnSpPr>
+          <p:cNvPr id="18" name="Straight Arrow Connector 17"/>
+          <p:cNvCxnSpPr/>
+          <p:nvPr/>
+        </p:nvCxnSpPr>
+        <p:spPr>
+          <a:xfrm>
+            <a:off x="10708640" y="2895600"/>
+            <a:ext cx="502920" cy="0"/>
+          </a:xfrm>
+          <a:prstGeom prst="straightConnector1">
+            <a:avLst/>
+          </a:prstGeom>
+          <a:ln w="19050">
+            <a:solidFill>
+              <a:schemeClr val="tx1"/>
+            </a:solidFill>
+            <a:prstDash val="sysDot"/>
+            <a:headEnd type="none" w="med" len="med"/>
+            <a:tailEnd type="arrow" w="med" len="med"/>
+          </a:ln>
+        </p:spPr>
+        <p:style>
+          <a:lnRef idx="1">
+            <a:schemeClr val="accent1"/>
+          </a:lnRef>
+          <a:fillRef idx="0">
+            <a:schemeClr val="accent1"/>
+          </a:fillRef>
+          <a:effectRef idx="0">
+            <a:schemeClr val="accent1"/>
+          </a:effectRef>
+          <a:fontRef idx="minor">
+            <a:schemeClr val="tx1"/>
+          </a:fontRef>
+        </p:style>
+      </p:cxnSp>
+      <p:cxnSp>
+        <p:nvCxnSpPr>
+          <p:cNvPr id="19" name="Straight Arrow Connector 18"/>
+          <p:cNvCxnSpPr/>
+          <p:nvPr/>
+        </p:nvCxnSpPr>
+        <p:spPr>
+          <a:xfrm>
+            <a:off x="10825480" y="3919220"/>
+            <a:ext cx="502920" cy="0"/>
+          </a:xfrm>
+          <a:prstGeom prst="straightConnector1">
+            <a:avLst/>
+          </a:prstGeom>
+          <a:ln w="19050">
+            <a:solidFill>
+              <a:schemeClr val="tx1"/>
+            </a:solidFill>
+            <a:prstDash val="sysDot"/>
+            <a:headEnd type="arrow" w="med" len="med"/>
+            <a:tailEnd type="none" w="med" len="med"/>
+          </a:ln>
+        </p:spPr>
+        <p:style>
+          <a:lnRef idx="1">
+            <a:schemeClr val="accent1"/>
+          </a:lnRef>
+          <a:fillRef idx="0">
+            <a:schemeClr val="accent1"/>
+          </a:fillRef>
+          <a:effectRef idx="0">
+            <a:schemeClr val="accent1"/>
+          </a:effectRef>
+          <a:fontRef idx="minor">
+            <a:schemeClr val="tx1"/>
+          </a:fontRef>
+        </p:style>
+      </p:cxnSp>
+      <p:sp>
+        <p:nvSpPr>
+          <p:cNvPr id="17" name="Can 16"/>
+          <p:cNvSpPr/>
+          <p:nvPr/>
+        </p:nvSpPr>
+        <p:spPr>
+          <a:xfrm>
+            <a:off x="11211560" y="2590800"/>
+            <a:ext cx="838200" cy="1981200"/>
+          </a:xfrm>
+          <a:prstGeom prst="can">
+            <a:avLst/>
+          </a:prstGeom>
+          <a:solidFill>
+            <a:schemeClr val="tx1">
+              <a:lumMod val="75000"/>
+            </a:schemeClr>
+          </a:solidFill>
+        </p:spPr>
+        <p:style>
+          <a:lnRef idx="2">
+            <a:schemeClr val="accent1">
+              <a:shade val="50000"/>
+            </a:schemeClr>
+          </a:lnRef>
+          <a:fillRef idx="1">
+            <a:schemeClr val="accent1"/>
+          </a:fillRef>
+          <a:effectRef idx="0">
+            <a:schemeClr val="accent1"/>
+          </a:effectRef>
+          <a:fontRef idx="minor">
+            <a:schemeClr val="lt1"/>
+          </a:fontRef>
+        </p:style>
+        <p:txBody>
+          <a:bodyPr rtlCol="0" anchor="ctr"/>
+          <a:lstStyle/>
+          <a:p>
+            <a:pPr algn="ctr"/>
+            <a:r>
+              <a:rPr lang="en-US" sz="1200" dirty="0" smtClean="0">
+                <a:solidFill>
+                  <a:schemeClr val="bg2"/>
+                </a:solidFill>
+              </a:rPr>
+              <a:t>RESTful Web Service</a:t>
+            </a:r>
+            <a:endParaRPr lang="en-US" dirty="0">
+              <a:solidFill>
+                <a:schemeClr val="bg2"/>
+              </a:solidFill>
+            </a:endParaRPr>
+          </a:p>
+        </p:txBody>
+      </p:sp>
+      <p:sp>
+        <p:nvSpPr>
+          <p:cNvPr id="3" name="Rectangle 2"/>
+          <p:cNvSpPr/>
+          <p:nvPr/>
+        </p:nvSpPr>
+        <p:spPr>
+          <a:xfrm>
+            <a:off x="9072880" y="2590800"/>
+            <a:ext cx="1752600" cy="1981200"/>
+          </a:xfrm>
+          <a:prstGeom prst="rect">
+            <a:avLst/>
+          </a:prstGeom>
+          <a:solidFill>
+            <a:schemeClr val="tx1">
+              <a:lumMod val="75000"/>
+            </a:schemeClr>
+          </a:solidFill>
+        </p:spPr>
+        <p:style>
+          <a:lnRef idx="2">
+            <a:schemeClr val="accent1">
+              <a:shade val="50000"/>
+            </a:schemeClr>
+          </a:lnRef>
+          <a:fillRef idx="1">
+            <a:schemeClr val="accent1"/>
+          </a:fillRef>
+          <a:effectRef idx="0">
+            <a:schemeClr val="accent1"/>
+          </a:effectRef>
+          <a:fontRef idx="minor">
+            <a:schemeClr val="lt1"/>
+          </a:fontRef>
+        </p:style>
+        <p:txBody>
+          <a:bodyPr rtlCol="0" anchor="ctr"/>
+          <a:lstStyle/>
+          <a:p>
+            <a:pPr algn="ctr"/>
+            <a:r>
+              <a:rPr lang="en-US" dirty="0" smtClean="0">
+                <a:solidFill>
+                  <a:schemeClr val="bg2"/>
+                </a:solidFill>
+              </a:rPr>
+              <a:t>Model</a:t>
+            </a:r>
+            <a:endParaRPr lang="en-US" dirty="0">
+              <a:solidFill>
+                <a:schemeClr val="bg2"/>
+              </a:solidFill>
+            </a:endParaRPr>
+          </a:p>
+        </p:txBody>
+      </p:sp>
+      <p:sp>
+        <p:nvSpPr>
+          <p:cNvPr id="20" name="TextBox 19"/>
+          <p:cNvSpPr txBox="1"/>
+          <p:nvPr/>
+        </p:nvSpPr>
+        <p:spPr>
+          <a:xfrm>
+            <a:off x="3357880" y="2517895"/>
+            <a:ext cx="3048000" cy="307777"/>
+          </a:xfrm>
+          <a:prstGeom prst="rect">
+            <a:avLst/>
+          </a:prstGeom>
+          <a:noFill/>
+        </p:spPr>
+        <p:txBody>
+          <a:bodyPr wrap="square" rtlCol="0">
+            <a:spAutoFit/>
+          </a:bodyPr>
+          <a:lstStyle/>
+          <a:p>
+            <a:r>
+              <a:rPr lang="en-US" sz="1400" dirty="0" smtClean="0"/>
+              <a:t>User Interaction</a:t>
+            </a:r>
+            <a:endParaRPr lang="en-US" sz="1400" dirty="0"/>
+          </a:p>
+        </p:txBody>
+      </p:sp>
+      <p:sp>
+        <p:nvSpPr>
+          <p:cNvPr id="21" name="TextBox 20"/>
+          <p:cNvSpPr txBox="1"/>
+          <p:nvPr/>
+        </p:nvSpPr>
+        <p:spPr>
+          <a:xfrm>
+            <a:off x="152400" y="6528524"/>
+            <a:ext cx="5715000" cy="307777"/>
+          </a:xfrm>
+          <a:prstGeom prst="rect">
+            <a:avLst/>
+          </a:prstGeom>
+          <a:noFill/>
+        </p:spPr>
+        <p:txBody>
+          <a:bodyPr wrap="square" rtlCol="0">
+            <a:spAutoFit/>
+          </a:bodyPr>
+          <a:lstStyle/>
+          <a:p>
+            <a:r>
+              <a:rPr lang="en-US" sz="1400" i="1" dirty="0" smtClean="0">
+                <a:latin typeface="Calibri" panose="020F0502020204030204" pitchFamily="34" charset="0"/>
+              </a:rPr>
+              <a:t>** Diagram from Pro AngularJS</a:t>
+            </a:r>
+            <a:endParaRPr lang="en-US" sz="1400" i="1" dirty="0">
+              <a:latin typeface="Calibri" panose="020F0502020204030204" pitchFamily="34" charset="0"/>
+            </a:endParaRPr>
+          </a:p>
+        </p:txBody>
+      </p:sp>
+    </p:spTree>
+    <p:extLst>
+      <p:ext uri="{BB962C8B-B14F-4D97-AF65-F5344CB8AC3E}">
+        <p14:creationId xmlns:p14="http://schemas.microsoft.com/office/powerpoint/2010/main" val="4182954014"/>
+      </p:ext>
+    </p:extLst>
+  </p:cSld>
+  <p:clrMapOvr>
+    <a:masterClrMapping/>
+  </p:clrMapOvr>
+  <mc:AlternateContent xmlns:mc="http://schemas.openxmlformats.org/markup-compatibility/2006" xmlns:p14="http://schemas.microsoft.com/office/powerpoint/2010/main">
+    <mc:Choice Requires="p14">
+      <p:transition spd="med" p14:dur="700">
+        <p:fade/>
+      </p:transition>
+    </mc:Choice>
+    <mc:Fallback xmlns="">
+      <p:transition spd="med">
+        <p:fade/>
+      </p:transition>
+    </mc:Fallback>
+  </mc:AlternateContent>
+  <p:timing>
+    <p:tnLst>
+      <p:par>
+        <p:cTn id="1" dur="indefinite" restart="never" nodeType="tmRoot"/>
+      </p:par>
+    </p:tnLst>
+  </p:timing>
+</p:sld>
+</file>
+
+<file path=ppt/slides/slide19.xml><?xml version="1.0" encoding="utf-8"?>
 <p:sld xmlns:a="http://schemas.openxmlformats.org/drawingml/2006/main" xmlns:r="http://schemas.openxmlformats.org/officeDocument/2006/relationships" xmlns:p="http://schemas.openxmlformats.org/presentationml/2006/main">
   <p:cSld>
     <p:spTree>
@@ -32576,7 +34611,273 @@
 </p:sld>
 </file>
 
-<file path=ppt/slides/slide19.xml><?xml version="1.0" encoding="utf-8"?>
+<file path=ppt/slides/slide2.xml><?xml version="1.0" encoding="utf-8"?>
+<p:sld xmlns:a="http://schemas.openxmlformats.org/drawingml/2006/main" xmlns:r="http://schemas.openxmlformats.org/officeDocument/2006/relationships" xmlns:p="http://schemas.openxmlformats.org/presentationml/2006/main" showMasterSp="0">
+  <p:cSld>
+    <p:bg>
+      <p:bgPr>
+        <a:solidFill>
+          <a:schemeClr val="tx1"/>
+        </a:solidFill>
+        <a:effectLst/>
+      </p:bgPr>
+    </p:bg>
+    <p:spTree>
+      <p:nvGrpSpPr>
+        <p:cNvPr id="1" name=""/>
+        <p:cNvGrpSpPr/>
+        <p:nvPr/>
+      </p:nvGrpSpPr>
+      <p:grpSpPr>
+        <a:xfrm>
+          <a:off x="0" y="0"/>
+          <a:ext cx="0" cy="0"/>
+          <a:chOff x="0" y="0"/>
+          <a:chExt cx="0" cy="0"/>
+        </a:xfrm>
+      </p:grpSpPr>
+      <p:sp>
+        <p:nvSpPr>
+          <p:cNvPr id="22" name="Rectangle 21"/>
+          <p:cNvSpPr/>
+          <p:nvPr/>
+        </p:nvSpPr>
+        <p:spPr>
+          <a:xfrm>
+            <a:off x="406400" y="2590801"/>
+            <a:ext cx="11582400" cy="584775"/>
+          </a:xfrm>
+          <a:prstGeom prst="rect">
+            <a:avLst/>
+          </a:prstGeom>
+        </p:spPr>
+        <p:txBody>
+          <a:bodyPr wrap="square">
+            <a:spAutoFit/>
+          </a:bodyPr>
+          <a:lstStyle/>
+          <a:p>
+            <a:pPr marL="304792" indent="-304792" algn="ctr"/>
+            <a:r>
+              <a:rPr lang="en-US" sz="3200" dirty="0">
+                <a:solidFill>
+                  <a:schemeClr val="bg1"/>
+                </a:solidFill>
+              </a:rPr>
+              <a:t>Conference Hosts</a:t>
+            </a:r>
+          </a:p>
+        </p:txBody>
+      </p:sp>
+      <p:pic>
+        <p:nvPicPr>
+          <p:cNvPr id="27" name="Picture 26" descr="max-logo-transparent.png"/>
+          <p:cNvPicPr>
+            <a:picLocks noChangeAspect="1"/>
+          </p:cNvPicPr>
+          <p:nvPr/>
+        </p:nvPicPr>
+        <p:blipFill>
+          <a:blip r:embed="rId2" cstate="print"/>
+          <a:stretch>
+            <a:fillRect/>
+          </a:stretch>
+        </p:blipFill>
+        <p:spPr>
+          <a:xfrm>
+            <a:off x="6096001" y="4113957"/>
+            <a:ext cx="5621196" cy="1550243"/>
+          </a:xfrm>
+          <a:prstGeom prst="rect">
+            <a:avLst/>
+          </a:prstGeom>
+        </p:spPr>
+      </p:pic>
+      <p:pic>
+        <p:nvPicPr>
+          <p:cNvPr id="19" name="Picture 18" descr="CAI_1_approved.png"/>
+          <p:cNvPicPr>
+            <a:picLocks noChangeAspect="1"/>
+          </p:cNvPicPr>
+          <p:nvPr/>
+        </p:nvPicPr>
+        <p:blipFill>
+          <a:blip r:embed="rId3" cstate="print">
+            <a:extLst>
+              <a:ext uri="{28A0092B-C50C-407E-A947-70E740481C1C}">
+                <a14:useLocalDpi xmlns:a14="http://schemas.microsoft.com/office/drawing/2010/main" val="0"/>
+              </a:ext>
+            </a:extLst>
+          </a:blip>
+          <a:stretch>
+            <a:fillRect/>
+          </a:stretch>
+        </p:blipFill>
+        <p:spPr>
+          <a:xfrm>
+            <a:off x="406400" y="3733801"/>
+            <a:ext cx="5110653" cy="1890215"/>
+          </a:xfrm>
+          <a:prstGeom prst="rect">
+            <a:avLst/>
+          </a:prstGeom>
+        </p:spPr>
+      </p:pic>
+      <p:pic>
+        <p:nvPicPr>
+          <p:cNvPr id="15" name="Picture 14"/>
+          <p:cNvPicPr>
+            <a:picLocks noChangeAspect="1"/>
+          </p:cNvPicPr>
+          <p:nvPr/>
+        </p:nvPicPr>
+        <p:blipFill rotWithShape="1">
+          <a:blip r:embed="rId4">
+            <a:extLst>
+              <a:ext uri="{28A0092B-C50C-407E-A947-70E740481C1C}">
+                <a14:useLocalDpi xmlns:a14="http://schemas.microsoft.com/office/drawing/2010/main" val="0"/>
+              </a:ext>
+            </a:extLst>
+          </a:blip>
+          <a:srcRect r="75027" b="20485"/>
+          <a:stretch/>
+        </p:blipFill>
+        <p:spPr>
+          <a:xfrm>
+            <a:off x="-23334" y="-25400"/>
+            <a:ext cx="2055335" cy="1639491"/>
+          </a:xfrm>
+          <a:prstGeom prst="rect">
+            <a:avLst/>
+          </a:prstGeom>
+        </p:spPr>
+      </p:pic>
+      <p:sp>
+        <p:nvSpPr>
+          <p:cNvPr id="16" name="Rectangle 15"/>
+          <p:cNvSpPr/>
+          <p:nvPr/>
+        </p:nvSpPr>
+        <p:spPr>
+          <a:xfrm>
+            <a:off x="1828800" y="-25400"/>
+            <a:ext cx="10363200" cy="1639491"/>
+          </a:xfrm>
+          <a:prstGeom prst="rect">
+            <a:avLst/>
+          </a:prstGeom>
+          <a:solidFill>
+            <a:schemeClr val="bg2"/>
+          </a:solidFill>
+          <a:ln>
+            <a:noFill/>
+          </a:ln>
+        </p:spPr>
+        <p:style>
+          <a:lnRef idx="2">
+            <a:schemeClr val="accent1">
+              <a:shade val="50000"/>
+            </a:schemeClr>
+          </a:lnRef>
+          <a:fillRef idx="1">
+            <a:schemeClr val="accent1"/>
+          </a:fillRef>
+          <a:effectRef idx="0">
+            <a:schemeClr val="accent1"/>
+          </a:effectRef>
+          <a:fontRef idx="minor">
+            <a:schemeClr val="lt1"/>
+          </a:fontRef>
+        </p:style>
+        <p:txBody>
+          <a:bodyPr rtlCol="0" anchor="ctr"/>
+          <a:lstStyle/>
+          <a:p>
+            <a:pPr algn="ctr"/>
+            <a:endParaRPr lang="en-US" sz="2400">
+              <a:solidFill>
+                <a:schemeClr val="tx1"/>
+              </a:solidFill>
+            </a:endParaRPr>
+          </a:p>
+        </p:txBody>
+      </p:sp>
+      <p:sp>
+        <p:nvSpPr>
+          <p:cNvPr id="17" name="TextBox 16"/>
+          <p:cNvSpPr txBox="1"/>
+          <p:nvPr/>
+        </p:nvSpPr>
+        <p:spPr>
+          <a:xfrm>
+            <a:off x="2336800" y="76201"/>
+            <a:ext cx="9245600" cy="1405449"/>
+          </a:xfrm>
+          <a:prstGeom prst="rect">
+            <a:avLst/>
+          </a:prstGeom>
+          <a:noFill/>
+        </p:spPr>
+        <p:txBody>
+          <a:bodyPr wrap="square" rtlCol="0">
+            <a:spAutoFit/>
+          </a:bodyPr>
+          <a:lstStyle/>
+          <a:p>
+            <a:r>
+              <a:rPr lang="en-US" sz="4800" dirty="0">
+                <a:latin typeface="Segoe UI" panose="020B0502040204020203" pitchFamily="34" charset="0"/>
+                <a:ea typeface="Segoe UI" panose="020B0502040204020203" pitchFamily="34" charset="0"/>
+                <a:cs typeface="Segoe UI" panose="020B0502040204020203" pitchFamily="34" charset="0"/>
+              </a:rPr>
+              <a:t>@SharePointCincy</a:t>
+            </a:r>
+          </a:p>
+          <a:p>
+            <a:r>
+              <a:rPr lang="en-US" sz="3733" dirty="0">
+                <a:latin typeface="Segoe UI" panose="020B0502040204020203" pitchFamily="34" charset="0"/>
+                <a:ea typeface="Segoe UI" panose="020B0502040204020203" pitchFamily="34" charset="0"/>
+                <a:cs typeface="Segoe UI" panose="020B0502040204020203" pitchFamily="34" charset="0"/>
+              </a:rPr>
+              <a:t>#SharePointCincy</a:t>
+            </a:r>
+          </a:p>
+        </p:txBody>
+      </p:sp>
+    </p:spTree>
+    <p:extLst>
+      <p:ext uri="{BB962C8B-B14F-4D97-AF65-F5344CB8AC3E}">
+        <p14:creationId xmlns:p14="http://schemas.microsoft.com/office/powerpoint/2010/main" val="360373219"/>
+      </p:ext>
+    </p:extLst>
+  </p:cSld>
+  <p:clrMapOvr>
+    <a:masterClrMapping/>
+  </p:clrMapOvr>
+  <mc:AlternateContent xmlns:mc="http://schemas.openxmlformats.org/markup-compatibility/2006" xmlns:p14="http://schemas.microsoft.com/office/powerpoint/2010/main">
+    <mc:Choice Requires="p14">
+      <p:transition spd="med" p14:dur="700">
+        <p:fade/>
+      </p:transition>
+    </mc:Choice>
+    <mc:Fallback xmlns="">
+      <p:transition spd="med">
+        <p:fade/>
+      </p:transition>
+    </mc:Fallback>
+  </mc:AlternateContent>
+  <p:timing>
+    <p:tnLst>
+      <p:par>
+        <p:cTn id="1" dur="indefinite" restart="never" nodeType="tmRoot"/>
+      </p:par>
+    </p:tnLst>
+  </p:timing>
+</p:sld>
+</file>
+
+<file path=ppt/slides/slide20.xml><?xml version="1.0" encoding="utf-8"?>
 <p:sld xmlns:a="http://schemas.openxmlformats.org/drawingml/2006/main" xmlns:r="http://schemas.openxmlformats.org/officeDocument/2006/relationships" xmlns:p="http://schemas.openxmlformats.org/presentationml/2006/main">
   <p:cSld>
     <p:spTree>
@@ -33524,299 +35825,7 @@
 </p:sld>
 </file>
 
-<file path=ppt/slides/slide2.xml><?xml version="1.0" encoding="utf-8"?>
-<p:sld xmlns:a="http://schemas.openxmlformats.org/drawingml/2006/main" xmlns:r="http://schemas.openxmlformats.org/officeDocument/2006/relationships" xmlns:p="http://schemas.openxmlformats.org/presentationml/2006/main" showMasterSp="0">
-  <p:cSld>
-    <p:bg>
-      <p:bgPr>
-        <a:solidFill>
-          <a:schemeClr val="tx1"/>
-        </a:solidFill>
-        <a:effectLst/>
-      </p:bgPr>
-    </p:bg>
-    <p:spTree>
-      <p:nvGrpSpPr>
-        <p:cNvPr id="1" name=""/>
-        <p:cNvGrpSpPr/>
-        <p:nvPr/>
-      </p:nvGrpSpPr>
-      <p:grpSpPr>
-        <a:xfrm>
-          <a:off x="0" y="0"/>
-          <a:ext cx="0" cy="0"/>
-          <a:chOff x="0" y="0"/>
-          <a:chExt cx="0" cy="0"/>
-        </a:xfrm>
-      </p:grpSpPr>
-      <p:sp>
-        <p:nvSpPr>
-          <p:cNvPr id="22" name="Rectangle 21"/>
-          <p:cNvSpPr/>
-          <p:nvPr/>
-        </p:nvSpPr>
-        <p:spPr>
-          <a:xfrm>
-            <a:off x="406400" y="2590801"/>
-            <a:ext cx="11582400" cy="584775"/>
-          </a:xfrm>
-          <a:prstGeom prst="rect">
-            <a:avLst/>
-          </a:prstGeom>
-        </p:spPr>
-        <p:txBody>
-          <a:bodyPr wrap="square">
-            <a:spAutoFit/>
-          </a:bodyPr>
-          <a:lstStyle/>
-          <a:p>
-            <a:pPr marL="304792" indent="-304792" algn="ctr"/>
-            <a:r>
-              <a:rPr lang="en-US" sz="3200" dirty="0">
-                <a:solidFill>
-                  <a:schemeClr val="bg1"/>
-                </a:solidFill>
-              </a:rPr>
-              <a:t>Conference Hosts</a:t>
-            </a:r>
-          </a:p>
-        </p:txBody>
-      </p:sp>
-      <p:pic>
-        <p:nvPicPr>
-          <p:cNvPr id="27" name="Picture 26" descr="max-logo-transparent.png"/>
-          <p:cNvPicPr>
-            <a:picLocks noChangeAspect="1"/>
-          </p:cNvPicPr>
-          <p:nvPr/>
-        </p:nvPicPr>
-        <p:blipFill>
-          <a:blip r:embed="rId2" cstate="print"/>
-          <a:stretch>
-            <a:fillRect/>
-          </a:stretch>
-        </p:blipFill>
-        <p:spPr>
-          <a:xfrm>
-            <a:off x="6096001" y="4113957"/>
-            <a:ext cx="5621196" cy="1550243"/>
-          </a:xfrm>
-          <a:prstGeom prst="rect">
-            <a:avLst/>
-          </a:prstGeom>
-        </p:spPr>
-      </p:pic>
-      <p:pic>
-        <p:nvPicPr>
-          <p:cNvPr id="19" name="Picture 18" descr="CAI_1_approved.png"/>
-          <p:cNvPicPr>
-            <a:picLocks noChangeAspect="1"/>
-          </p:cNvPicPr>
-          <p:nvPr/>
-        </p:nvPicPr>
-        <p:blipFill>
-          <a:blip r:embed="rId3" cstate="print">
-            <a:extLst>
-              <a:ext uri="{28A0092B-C50C-407E-A947-70E740481C1C}">
-                <a14:useLocalDpi xmlns:a14="http://schemas.microsoft.com/office/drawing/2010/main" val="0"/>
-              </a:ext>
-            </a:extLst>
-          </a:blip>
-          <a:stretch>
-            <a:fillRect/>
-          </a:stretch>
-        </p:blipFill>
-        <p:spPr>
-          <a:xfrm>
-            <a:off x="406400" y="3733801"/>
-            <a:ext cx="5110653" cy="1890215"/>
-          </a:xfrm>
-          <a:prstGeom prst="rect">
-            <a:avLst/>
-          </a:prstGeom>
-        </p:spPr>
-      </p:pic>
-      <p:pic>
-        <p:nvPicPr>
-          <p:cNvPr id="15" name="Picture 14"/>
-          <p:cNvPicPr>
-            <a:picLocks noChangeAspect="1"/>
-          </p:cNvPicPr>
-          <p:nvPr/>
-        </p:nvPicPr>
-        <p:blipFill rotWithShape="1">
-          <a:blip r:embed="rId4">
-            <a:extLst>
-              <a:ext uri="{28A0092B-C50C-407E-A947-70E740481C1C}">
-                <a14:useLocalDpi xmlns:a14="http://schemas.microsoft.com/office/drawing/2010/main" val="0"/>
-              </a:ext>
-            </a:extLst>
-          </a:blip>
-          <a:srcRect r="75027" b="20485"/>
-          <a:stretch/>
-        </p:blipFill>
-        <p:spPr>
-          <a:xfrm>
-            <a:off x="-23334" y="-25400"/>
-            <a:ext cx="2055335" cy="1639491"/>
-          </a:xfrm>
-          <a:prstGeom prst="rect">
-            <a:avLst/>
-          </a:prstGeom>
-        </p:spPr>
-      </p:pic>
-      <p:sp>
-        <p:nvSpPr>
-          <p:cNvPr id="16" name="Rectangle 15"/>
-          <p:cNvSpPr/>
-          <p:nvPr/>
-        </p:nvSpPr>
-        <p:spPr>
-          <a:xfrm>
-            <a:off x="1828800" y="-25400"/>
-            <a:ext cx="10363200" cy="1639491"/>
-          </a:xfrm>
-          <a:prstGeom prst="rect">
-            <a:avLst/>
-          </a:prstGeom>
-          <a:solidFill>
-            <a:schemeClr val="bg2"/>
-          </a:solidFill>
-          <a:ln>
-            <a:noFill/>
-          </a:ln>
-        </p:spPr>
-        <p:style>
-          <a:lnRef idx="2">
-            <a:schemeClr val="accent1">
-              <a:shade val="50000"/>
-            </a:schemeClr>
-          </a:lnRef>
-          <a:fillRef idx="1">
-            <a:schemeClr val="accent1"/>
-          </a:fillRef>
-          <a:effectRef idx="0">
-            <a:schemeClr val="accent1"/>
-          </a:effectRef>
-          <a:fontRef idx="minor">
-            <a:schemeClr val="lt1"/>
-          </a:fontRef>
-        </p:style>
-        <p:txBody>
-          <a:bodyPr rtlCol="0" anchor="ctr"/>
-          <a:lstStyle/>
-          <a:p>
-            <a:pPr algn="ctr"/>
-            <a:endParaRPr lang="en-US" sz="2400">
-              <a:solidFill>
-                <a:schemeClr val="tx1"/>
-              </a:solidFill>
-            </a:endParaRPr>
-          </a:p>
-        </p:txBody>
-      </p:sp>
-      <p:sp>
-        <p:nvSpPr>
-          <p:cNvPr id="17" name="TextBox 16"/>
-          <p:cNvSpPr txBox="1"/>
-          <p:nvPr/>
-        </p:nvSpPr>
-        <p:spPr>
-          <a:xfrm>
-            <a:off x="2336800" y="76201"/>
-            <a:ext cx="9245600" cy="1405449"/>
-          </a:xfrm>
-          <a:prstGeom prst="rect">
-            <a:avLst/>
-          </a:prstGeom>
-          <a:noFill/>
-        </p:spPr>
-        <p:txBody>
-          <a:bodyPr wrap="square" rtlCol="0">
-            <a:spAutoFit/>
-          </a:bodyPr>
-          <a:lstStyle/>
-          <a:p>
-            <a:r>
-              <a:rPr lang="en-US" sz="4800" dirty="0">
-                <a:latin typeface="Segoe UI" panose="020B0502040204020203" pitchFamily="34" charset="0"/>
-                <a:ea typeface="Segoe UI" panose="020B0502040204020203" pitchFamily="34" charset="0"/>
-                <a:cs typeface="Segoe UI" panose="020B0502040204020203" pitchFamily="34" charset="0"/>
-              </a:rPr>
-              <a:t>@</a:t>
-            </a:r>
-            <a:r>
-              <a:rPr lang="en-US" sz="4800" dirty="0" err="1">
-                <a:latin typeface="Segoe UI" panose="020B0502040204020203" pitchFamily="34" charset="0"/>
-                <a:ea typeface="Segoe UI" panose="020B0502040204020203" pitchFamily="34" charset="0"/>
-                <a:cs typeface="Segoe UI" panose="020B0502040204020203" pitchFamily="34" charset="0"/>
-              </a:rPr>
-              <a:t>SharePointCincy</a:t>
-            </a:r>
-            <a:endParaRPr lang="en-US" sz="4800" dirty="0">
-              <a:latin typeface="Segoe UI" panose="020B0502040204020203" pitchFamily="34" charset="0"/>
-              <a:ea typeface="Segoe UI" panose="020B0502040204020203" pitchFamily="34" charset="0"/>
-              <a:cs typeface="Segoe UI" panose="020B0502040204020203" pitchFamily="34" charset="0"/>
-            </a:endParaRPr>
-          </a:p>
-          <a:p>
-            <a:r>
-              <a:rPr lang="en-US" sz="3733" dirty="0">
-                <a:latin typeface="Segoe UI" panose="020B0502040204020203" pitchFamily="34" charset="0"/>
-                <a:ea typeface="Segoe UI" panose="020B0502040204020203" pitchFamily="34" charset="0"/>
-                <a:cs typeface="Segoe UI" panose="020B0502040204020203" pitchFamily="34" charset="0"/>
-              </a:rPr>
-              <a:t>#</a:t>
-            </a:r>
-            <a:r>
-              <a:rPr lang="en-US" sz="3733" dirty="0" err="1">
-                <a:latin typeface="Segoe UI" panose="020B0502040204020203" pitchFamily="34" charset="0"/>
-                <a:ea typeface="Segoe UI" panose="020B0502040204020203" pitchFamily="34" charset="0"/>
-                <a:cs typeface="Segoe UI" panose="020B0502040204020203" pitchFamily="34" charset="0"/>
-              </a:rPr>
-              <a:t>SharePointCincy</a:t>
-            </a:r>
-            <a:endParaRPr lang="en-US" sz="3733" dirty="0">
-              <a:latin typeface="Segoe UI" panose="020B0502040204020203" pitchFamily="34" charset="0"/>
-              <a:ea typeface="Segoe UI" panose="020B0502040204020203" pitchFamily="34" charset="0"/>
-              <a:cs typeface="Segoe UI" panose="020B0502040204020203" pitchFamily="34" charset="0"/>
-            </a:endParaRPr>
-          </a:p>
-        </p:txBody>
-      </p:sp>
-    </p:spTree>
-    <p:extLst>
-      <p:ext uri="{BB962C8B-B14F-4D97-AF65-F5344CB8AC3E}">
-        <p14:creationId xmlns:p14="http://schemas.microsoft.com/office/powerpoint/2010/main" val="360373219"/>
-      </p:ext>
-    </p:extLst>
-  </p:cSld>
-  <p:clrMapOvr>
-    <a:masterClrMapping/>
-  </p:clrMapOvr>
-  <mc:AlternateContent xmlns:mc="http://schemas.openxmlformats.org/markup-compatibility/2006" xmlns:p14="http://schemas.microsoft.com/office/powerpoint/2010/main">
-    <mc:Choice Requires="p14">
-      <p:transition spd="med" p14:dur="700">
-        <p:fade/>
-      </p:transition>
-    </mc:Choice>
-    <mc:Fallback xmlns="">
-      <p:transition spd="med">
-        <p:fade/>
-      </p:transition>
-    </mc:Fallback>
-  </mc:AlternateContent>
-  <p:timing>
-    <p:tnLst>
-      <p:par>
-        <p:cTn id="1" dur="indefinite" restart="never" nodeType="tmRoot"/>
-      </p:par>
-    </p:tnLst>
-  </p:timing>
-</p:sld>
-</file>
-
-<file path=ppt/slides/slide20.xml><?xml version="1.0" encoding="utf-8"?>
+<file path=ppt/slides/slide21.xml><?xml version="1.0" encoding="utf-8"?>
 <p:sld xmlns:a="http://schemas.openxmlformats.org/drawingml/2006/main" xmlns:r="http://schemas.openxmlformats.org/officeDocument/2006/relationships" xmlns:p="http://schemas.openxmlformats.org/presentationml/2006/main">
   <p:cSld>
     <p:spTree>
@@ -35789,7 +37798,7 @@
 </p:sld>
 </file>
 
-<file path=ppt/slides/slide21.xml><?xml version="1.0" encoding="utf-8"?>
+<file path=ppt/slides/slide22.xml><?xml version="1.0" encoding="utf-8"?>
 <p:sld xmlns:a="http://schemas.openxmlformats.org/drawingml/2006/main" xmlns:r="http://schemas.openxmlformats.org/officeDocument/2006/relationships" xmlns:p="http://schemas.openxmlformats.org/presentationml/2006/main">
   <p:cSld>
     <p:spTree>
@@ -35819,11 +37828,13 @@
         <p:spPr>
           <a:xfrm>
             <a:off x="1725930" y="2084174"/>
-            <a:ext cx="8740142" cy="2152266"/>
+            <a:ext cx="8740142" cy="2564026"/>
           </a:xfrm>
         </p:spPr>
         <p:txBody>
-          <a:bodyPr/>
+          <a:bodyPr>
+            <a:normAutofit fontScale="90000"/>
+          </a:bodyPr>
           <a:lstStyle/>
           <a:p>
             <a:r>
@@ -35857,20 +37868,36 @@
               </a:rPr>
             </a:br>
             <a:r>
-              <a:rPr lang="en-US" sz="2800" dirty="0">
-                <a:hlinkClick r:id="rId3"/>
-              </a:rPr>
-              <a:t>http://</a:t>
-            </a:r>
-            <a:r>
               <a:rPr lang="en-US" sz="2800" dirty="0" smtClean="0">
                 <a:hlinkClick r:id="rId3"/>
               </a:rPr>
-              <a:t>jsfiddle.net/spietrek/VKbpu/3/</a:t>
+              <a:t>https://jsfiddle.net/spietrek/VKbpu/3/</a:t>
             </a:r>
             <a:r>
               <a:rPr lang="en-US" sz="2800" dirty="0" smtClean="0"/>
-              <a:t> </a:t>
+              <a:t/>
+            </a:r>
+            <a:br>
+              <a:rPr lang="en-US" sz="2800" dirty="0" smtClean="0"/>
+            </a:br>
+            <a:r>
+              <a:rPr lang="en-US" sz="2800" dirty="0"/>
+              <a:t/>
+            </a:r>
+            <a:br>
+              <a:rPr lang="en-US" sz="2800" dirty="0"/>
+            </a:br>
+            <a:r>
+              <a:rPr lang="en-US" sz="2800" dirty="0">
+                <a:hlinkClick r:id="rId4"/>
+              </a:rPr>
+              <a:t>https://</a:t>
+            </a:r>
+            <a:r>
+              <a:rPr lang="en-US" sz="2800" dirty="0" smtClean="0">
+                <a:hlinkClick r:id="rId4"/>
+              </a:rPr>
+              <a:t>jsfiddle.net/spietrek/04y3zwo8/2/</a:t>
             </a:r>
             <a:endParaRPr lang="en-US" dirty="0"/>
           </a:p>
@@ -35880,173 +37907,6 @@
     <p:extLst>
       <p:ext uri="{BB962C8B-B14F-4D97-AF65-F5344CB8AC3E}">
         <p14:creationId xmlns:p14="http://schemas.microsoft.com/office/powerpoint/2010/main" val="1327771312"/>
-      </p:ext>
-    </p:extLst>
-  </p:cSld>
-  <p:clrMapOvr>
-    <a:masterClrMapping/>
-  </p:clrMapOvr>
-  <mc:AlternateContent xmlns:mc="http://schemas.openxmlformats.org/markup-compatibility/2006" xmlns:p14="http://schemas.microsoft.com/office/powerpoint/2010/main">
-    <mc:Choice Requires="p14">
-      <p:transition spd="med" p14:dur="700">
-        <p:fade/>
-      </p:transition>
-    </mc:Choice>
-    <mc:Fallback xmlns="">
-      <p:transition spd="med">
-        <p:fade/>
-      </p:transition>
-    </mc:Fallback>
-  </mc:AlternateContent>
-  <p:timing>
-    <p:tnLst>
-      <p:par>
-        <p:cTn id="1" dur="indefinite" restart="never" nodeType="tmRoot"/>
-      </p:par>
-    </p:tnLst>
-  </p:timing>
-</p:sld>
-</file>
-
-<file path=ppt/slides/slide22.xml><?xml version="1.0" encoding="utf-8"?>
-<p:sld xmlns:a="http://schemas.openxmlformats.org/drawingml/2006/main" xmlns:r="http://schemas.openxmlformats.org/officeDocument/2006/relationships" xmlns:p="http://schemas.openxmlformats.org/presentationml/2006/main">
-  <p:cSld>
-    <p:spTree>
-      <p:nvGrpSpPr>
-        <p:cNvPr id="1" name=""/>
-        <p:cNvGrpSpPr/>
-        <p:nvPr/>
-      </p:nvGrpSpPr>
-      <p:grpSpPr>
-        <a:xfrm>
-          <a:off x="0" y="0"/>
-          <a:ext cx="0" cy="0"/>
-          <a:chOff x="0" y="0"/>
-          <a:chExt cx="0" cy="0"/>
-        </a:xfrm>
-      </p:grpSpPr>
-      <p:sp>
-        <p:nvSpPr>
-          <p:cNvPr id="2" name="Title 1"/>
-          <p:cNvSpPr>
-            <a:spLocks noGrp="1"/>
-          </p:cNvSpPr>
-          <p:nvPr>
-            <p:ph type="title"/>
-          </p:nvPr>
-        </p:nvSpPr>
-        <p:spPr/>
-        <p:txBody>
-          <a:bodyPr/>
-          <a:lstStyle/>
-          <a:p>
-            <a:r>
-              <a:rPr lang="en-US" dirty="0" smtClean="0"/>
-              <a:t>Providers</a:t>
-            </a:r>
-            <a:endParaRPr lang="en-US" dirty="0"/>
-          </a:p>
-        </p:txBody>
-      </p:sp>
-      <p:sp>
-        <p:nvSpPr>
-          <p:cNvPr id="3" name="Content Placeholder 2"/>
-          <p:cNvSpPr>
-            <a:spLocks noGrp="1"/>
-          </p:cNvSpPr>
-          <p:nvPr>
-            <p:ph idx="1"/>
-          </p:nvPr>
-        </p:nvSpPr>
-        <p:spPr/>
-        <p:txBody>
-          <a:bodyPr/>
-          <a:lstStyle/>
-          <a:p>
-            <a:r>
-              <a:rPr lang="en-US" dirty="0"/>
-              <a:t>Singleton objects</a:t>
-            </a:r>
-          </a:p>
-          <a:p>
-            <a:r>
-              <a:rPr lang="en-US" dirty="0" smtClean="0"/>
-              <a:t>Keep </a:t>
-            </a:r>
-            <a:r>
-              <a:rPr lang="en-US" dirty="0"/>
-              <a:t>data around for lifetime of </a:t>
-            </a:r>
-            <a:r>
-              <a:rPr lang="en-US" dirty="0" smtClean="0"/>
-              <a:t>application</a:t>
-            </a:r>
-          </a:p>
-          <a:p>
-            <a:r>
-              <a:rPr lang="en-US" dirty="0" smtClean="0"/>
-              <a:t>Separation </a:t>
-            </a:r>
-            <a:r>
-              <a:rPr lang="en-US" dirty="0"/>
-              <a:t>of concerns</a:t>
-            </a:r>
-          </a:p>
-          <a:p>
-            <a:r>
-              <a:rPr lang="en-US" dirty="0" smtClean="0"/>
-              <a:t>Logical </a:t>
-            </a:r>
-            <a:r>
-              <a:rPr lang="en-US" dirty="0"/>
-              <a:t>place to access external data ($http or $resource</a:t>
-            </a:r>
-            <a:r>
-              <a:rPr lang="en-US" dirty="0" smtClean="0"/>
-              <a:t>)</a:t>
-            </a:r>
-          </a:p>
-          <a:p>
-            <a:r>
-              <a:rPr lang="en-US" dirty="0" smtClean="0"/>
-              <a:t>Preferred method to communicate between controllers</a:t>
-            </a:r>
-            <a:endParaRPr lang="en-US" dirty="0"/>
-          </a:p>
-          <a:p>
-            <a:pPr marL="0" indent="0">
-              <a:buNone/>
-            </a:pPr>
-            <a:endParaRPr lang="en-US" dirty="0"/>
-          </a:p>
-        </p:txBody>
-      </p:sp>
-      <p:graphicFrame>
-        <p:nvGraphicFramePr>
-          <p:cNvPr id="7" name="Diagram 6"/>
-          <p:cNvGraphicFramePr/>
-          <p:nvPr>
-            <p:extLst>
-              <p:ext uri="{D42A27DB-BD31-4B8C-83A1-F6EECF244321}">
-                <p14:modId xmlns:p14="http://schemas.microsoft.com/office/powerpoint/2010/main" val="2125716676"/>
-              </p:ext>
-            </p:extLst>
-          </p:nvPr>
-        </p:nvGraphicFramePr>
-        <p:xfrm>
-          <a:off x="1600200" y="4495800"/>
-          <a:ext cx="9448800" cy="1513281"/>
-        </p:xfrm>
-        <a:graphic>
-          <a:graphicData uri="http://schemas.openxmlformats.org/drawingml/2006/diagram">
-            <dgm:relIds xmlns:dgm="http://schemas.openxmlformats.org/drawingml/2006/diagram" xmlns:r="http://schemas.openxmlformats.org/officeDocument/2006/relationships" r:dm="rId3" r:lo="rId4" r:qs="rId5" r:cs="rId6"/>
-          </a:graphicData>
-        </a:graphic>
-      </p:graphicFrame>
-    </p:spTree>
-    <p:extLst>
-      <p:ext uri="{BB962C8B-B14F-4D97-AF65-F5344CB8AC3E}">
-        <p14:creationId xmlns:p14="http://schemas.microsoft.com/office/powerpoint/2010/main" val="4184553801"/>
       </p:ext>
     </p:extLst>
   </p:cSld>
@@ -36109,6 +37969,173 @@
           <a:p>
             <a:r>
               <a:rPr lang="en-US" dirty="0" smtClean="0"/>
+              <a:t>Providers</a:t>
+            </a:r>
+            <a:endParaRPr lang="en-US" dirty="0"/>
+          </a:p>
+        </p:txBody>
+      </p:sp>
+      <p:sp>
+        <p:nvSpPr>
+          <p:cNvPr id="3" name="Content Placeholder 2"/>
+          <p:cNvSpPr>
+            <a:spLocks noGrp="1"/>
+          </p:cNvSpPr>
+          <p:nvPr>
+            <p:ph idx="1"/>
+          </p:nvPr>
+        </p:nvSpPr>
+        <p:spPr/>
+        <p:txBody>
+          <a:bodyPr/>
+          <a:lstStyle/>
+          <a:p>
+            <a:r>
+              <a:rPr lang="en-US" dirty="0"/>
+              <a:t>Singleton objects</a:t>
+            </a:r>
+          </a:p>
+          <a:p>
+            <a:r>
+              <a:rPr lang="en-US" dirty="0" smtClean="0"/>
+              <a:t>Keep </a:t>
+            </a:r>
+            <a:r>
+              <a:rPr lang="en-US" dirty="0"/>
+              <a:t>data around for lifetime of </a:t>
+            </a:r>
+            <a:r>
+              <a:rPr lang="en-US" dirty="0" smtClean="0"/>
+              <a:t>application</a:t>
+            </a:r>
+          </a:p>
+          <a:p>
+            <a:r>
+              <a:rPr lang="en-US" dirty="0" smtClean="0"/>
+              <a:t>Separation </a:t>
+            </a:r>
+            <a:r>
+              <a:rPr lang="en-US" dirty="0"/>
+              <a:t>of concerns</a:t>
+            </a:r>
+          </a:p>
+          <a:p>
+            <a:r>
+              <a:rPr lang="en-US" dirty="0" smtClean="0"/>
+              <a:t>Logical </a:t>
+            </a:r>
+            <a:r>
+              <a:rPr lang="en-US" dirty="0"/>
+              <a:t>place to access external data ($http or $resource</a:t>
+            </a:r>
+            <a:r>
+              <a:rPr lang="en-US" dirty="0" smtClean="0"/>
+              <a:t>)</a:t>
+            </a:r>
+          </a:p>
+          <a:p>
+            <a:r>
+              <a:rPr lang="en-US" dirty="0" smtClean="0"/>
+              <a:t>Preferred method to communicate between controllers</a:t>
+            </a:r>
+            <a:endParaRPr lang="en-US" dirty="0"/>
+          </a:p>
+          <a:p>
+            <a:pPr marL="0" indent="0">
+              <a:buNone/>
+            </a:pPr>
+            <a:endParaRPr lang="en-US" dirty="0"/>
+          </a:p>
+        </p:txBody>
+      </p:sp>
+      <p:graphicFrame>
+        <p:nvGraphicFramePr>
+          <p:cNvPr id="7" name="Diagram 6"/>
+          <p:cNvGraphicFramePr/>
+          <p:nvPr>
+            <p:extLst>
+              <p:ext uri="{D42A27DB-BD31-4B8C-83A1-F6EECF244321}">
+                <p14:modId xmlns:p14="http://schemas.microsoft.com/office/powerpoint/2010/main" val="2125716676"/>
+              </p:ext>
+            </p:extLst>
+          </p:nvPr>
+        </p:nvGraphicFramePr>
+        <p:xfrm>
+          <a:off x="1600200" y="4495800"/>
+          <a:ext cx="9448800" cy="1513281"/>
+        </p:xfrm>
+        <a:graphic>
+          <a:graphicData uri="http://schemas.openxmlformats.org/drawingml/2006/diagram">
+            <dgm:relIds xmlns:dgm="http://schemas.openxmlformats.org/drawingml/2006/diagram" xmlns:r="http://schemas.openxmlformats.org/officeDocument/2006/relationships" r:dm="rId3" r:lo="rId4" r:qs="rId5" r:cs="rId6"/>
+          </a:graphicData>
+        </a:graphic>
+      </p:graphicFrame>
+    </p:spTree>
+    <p:extLst>
+      <p:ext uri="{BB962C8B-B14F-4D97-AF65-F5344CB8AC3E}">
+        <p14:creationId xmlns:p14="http://schemas.microsoft.com/office/powerpoint/2010/main" val="4184553801"/>
+      </p:ext>
+    </p:extLst>
+  </p:cSld>
+  <p:clrMapOvr>
+    <a:masterClrMapping/>
+  </p:clrMapOvr>
+  <mc:AlternateContent xmlns:mc="http://schemas.openxmlformats.org/markup-compatibility/2006" xmlns:p14="http://schemas.microsoft.com/office/powerpoint/2010/main">
+    <mc:Choice Requires="p14">
+      <p:transition spd="med" p14:dur="700">
+        <p:fade/>
+      </p:transition>
+    </mc:Choice>
+    <mc:Fallback xmlns="">
+      <p:transition spd="med">
+        <p:fade/>
+      </p:transition>
+    </mc:Fallback>
+  </mc:AlternateContent>
+  <p:timing>
+    <p:tnLst>
+      <p:par>
+        <p:cTn id="1" dur="indefinite" restart="never" nodeType="tmRoot"/>
+      </p:par>
+    </p:tnLst>
+  </p:timing>
+</p:sld>
+</file>
+
+<file path=ppt/slides/slide24.xml><?xml version="1.0" encoding="utf-8"?>
+<p:sld xmlns:a="http://schemas.openxmlformats.org/drawingml/2006/main" xmlns:r="http://schemas.openxmlformats.org/officeDocument/2006/relationships" xmlns:p="http://schemas.openxmlformats.org/presentationml/2006/main">
+  <p:cSld>
+    <p:spTree>
+      <p:nvGrpSpPr>
+        <p:cNvPr id="1" name=""/>
+        <p:cNvGrpSpPr/>
+        <p:nvPr/>
+      </p:nvGrpSpPr>
+      <p:grpSpPr>
+        <a:xfrm>
+          <a:off x="0" y="0"/>
+          <a:ext cx="0" cy="0"/>
+          <a:chOff x="0" y="0"/>
+          <a:chExt cx="0" cy="0"/>
+        </a:xfrm>
+      </p:grpSpPr>
+      <p:sp>
+        <p:nvSpPr>
+          <p:cNvPr id="2" name="Title 1"/>
+          <p:cNvSpPr>
+            <a:spLocks noGrp="1"/>
+          </p:cNvSpPr>
+          <p:nvPr>
+            <p:ph type="title"/>
+          </p:nvPr>
+        </p:nvSpPr>
+        <p:spPr/>
+        <p:txBody>
+          <a:bodyPr/>
+          <a:lstStyle/>
+          <a:p>
+            <a:r>
+              <a:rPr lang="en-US" dirty="0" smtClean="0"/>
               <a:t>Directives</a:t>
             </a:r>
             <a:endParaRPr lang="en-US" dirty="0"/>
@@ -36241,7 +38268,7 @@
 </p:sld>
 </file>
 
-<file path=ppt/slides/slide24.xml><?xml version="1.0" encoding="utf-8"?>
+<file path=ppt/slides/slide25.xml><?xml version="1.0" encoding="utf-8"?>
 <p:sld xmlns:a="http://schemas.openxmlformats.org/drawingml/2006/main" xmlns:r="http://schemas.openxmlformats.org/officeDocument/2006/relationships" xmlns:p="http://schemas.openxmlformats.org/presentationml/2006/main" showMasterSp="0">
   <p:cSld>
     <p:spTree>
@@ -36520,97 +38547,6 @@
 </p:sld>
 </file>
 
-<file path=ppt/slides/slide25.xml><?xml version="1.0" encoding="utf-8"?>
-<p:sld xmlns:a="http://schemas.openxmlformats.org/drawingml/2006/main" xmlns:r="http://schemas.openxmlformats.org/officeDocument/2006/relationships" xmlns:p="http://schemas.openxmlformats.org/presentationml/2006/main">
-  <p:cSld>
-    <p:spTree>
-      <p:nvGrpSpPr>
-        <p:cNvPr id="1" name=""/>
-        <p:cNvGrpSpPr/>
-        <p:nvPr/>
-      </p:nvGrpSpPr>
-      <p:grpSpPr>
-        <a:xfrm>
-          <a:off x="0" y="0"/>
-          <a:ext cx="0" cy="0"/>
-          <a:chOff x="0" y="0"/>
-          <a:chExt cx="0" cy="0"/>
-        </a:xfrm>
-      </p:grpSpPr>
-      <p:sp>
-        <p:nvSpPr>
-          <p:cNvPr id="2" name="Title 1"/>
-          <p:cNvSpPr>
-            <a:spLocks noGrp="1"/>
-          </p:cNvSpPr>
-          <p:nvPr>
-            <p:ph type="title"/>
-          </p:nvPr>
-        </p:nvSpPr>
-        <p:spPr/>
-        <p:txBody>
-          <a:bodyPr/>
-          <a:lstStyle/>
-          <a:p>
-            <a:r>
-              <a:rPr lang="en-US" dirty="0" smtClean="0"/>
-              <a:t>SharePoint Development Challenges</a:t>
-            </a:r>
-            <a:endParaRPr lang="en-US" dirty="0"/>
-          </a:p>
-        </p:txBody>
-      </p:sp>
-      <p:sp>
-        <p:nvSpPr>
-          <p:cNvPr id="3" name="Text Placeholder 2"/>
-          <p:cNvSpPr>
-            <a:spLocks noGrp="1"/>
-          </p:cNvSpPr>
-          <p:nvPr>
-            <p:ph type="body" idx="1"/>
-          </p:nvPr>
-        </p:nvSpPr>
-        <p:spPr/>
-        <p:txBody>
-          <a:bodyPr/>
-          <a:lstStyle/>
-          <a:p>
-            <a:endParaRPr lang="en-US"/>
-          </a:p>
-        </p:txBody>
-      </p:sp>
-    </p:spTree>
-    <p:extLst>
-      <p:ext uri="{BB962C8B-B14F-4D97-AF65-F5344CB8AC3E}">
-        <p14:creationId xmlns:p14="http://schemas.microsoft.com/office/powerpoint/2010/main" val="1783796071"/>
-      </p:ext>
-    </p:extLst>
-  </p:cSld>
-  <p:clrMapOvr>
-    <a:masterClrMapping/>
-  </p:clrMapOvr>
-  <mc:AlternateContent xmlns:mc="http://schemas.openxmlformats.org/markup-compatibility/2006" xmlns:p14="http://schemas.microsoft.com/office/powerpoint/2010/main">
-    <mc:Choice Requires="p14">
-      <p:transition spd="med" p14:dur="700">
-        <p:fade/>
-      </p:transition>
-    </mc:Choice>
-    <mc:Fallback xmlns="">
-      <p:transition spd="med">
-        <p:fade/>
-      </p:transition>
-    </mc:Fallback>
-  </mc:AlternateContent>
-  <p:timing>
-    <p:tnLst>
-      <p:par>
-        <p:cTn id="1" dur="indefinite" restart="never" nodeType="tmRoot"/>
-      </p:par>
-    </p:tnLst>
-  </p:timing>
-</p:sld>
-</file>
-
 <file path=ppt/slides/slide26.xml><?xml version="1.0" encoding="utf-8"?>
 <p:sld xmlns:a="http://schemas.openxmlformats.org/drawingml/2006/main" xmlns:r="http://schemas.openxmlformats.org/officeDocument/2006/relationships" xmlns:p="http://schemas.openxmlformats.org/presentationml/2006/main">
   <p:cSld>
@@ -36645,45 +38581,20 @@
           <a:p>
             <a:r>
               <a:rPr lang="en-US" dirty="0" smtClean="0"/>
-              <a:t>SharePoint 2007 Challenge</a:t>
+              <a:t>SharePoint Development Challenges</a:t>
             </a:r>
             <a:endParaRPr lang="en-US" dirty="0"/>
           </a:p>
         </p:txBody>
       </p:sp>
-      <p:graphicFrame>
-        <p:nvGraphicFramePr>
-          <p:cNvPr id="6" name="Content Placeholder 5" descr="Segmented Process" title="SmartArt"/>
-          <p:cNvGraphicFramePr>
-            <a:graphicFrameLocks noGrp="1"/>
-          </p:cNvGraphicFramePr>
-          <p:nvPr>
-            <p:ph sz="half" idx="2"/>
-            <p:extLst>
-              <p:ext uri="{D42A27DB-BD31-4B8C-83A1-F6EECF244321}">
-                <p14:modId xmlns:p14="http://schemas.microsoft.com/office/powerpoint/2010/main" val="4060784703"/>
-              </p:ext>
-            </p:extLst>
-          </p:nvPr>
-        </p:nvGraphicFramePr>
-        <p:xfrm>
-          <a:off x="6324600" y="1752600"/>
-          <a:ext cx="5029200" cy="4424363"/>
-        </p:xfrm>
-        <a:graphic>
-          <a:graphicData uri="http://schemas.openxmlformats.org/drawingml/2006/diagram">
-            <dgm:relIds xmlns:dgm="http://schemas.openxmlformats.org/drawingml/2006/diagram" xmlns:r="http://schemas.openxmlformats.org/officeDocument/2006/relationships" r:dm="rId2" r:lo="rId3" r:qs="rId4" r:cs="rId5"/>
-          </a:graphicData>
-        </a:graphic>
-      </p:graphicFrame>
       <p:sp>
         <p:nvSpPr>
-          <p:cNvPr id="5" name="Content Placeholder 4"/>
+          <p:cNvPr id="3" name="Text Placeholder 2"/>
           <p:cNvSpPr>
             <a:spLocks noGrp="1"/>
           </p:cNvSpPr>
           <p:nvPr>
-            <p:ph sz="half" idx="1"/>
+            <p:ph type="body" idx="1"/>
           </p:nvPr>
         </p:nvSpPr>
         <p:spPr/>
@@ -36691,49 +38602,14 @@
           <a:bodyPr/>
           <a:lstStyle/>
           <a:p>
-            <a:r>
-              <a:rPr lang="en-US" dirty="0" smtClean="0"/>
-              <a:t>Full Trust applications</a:t>
-            </a:r>
-          </a:p>
-          <a:p>
-            <a:r>
-              <a:rPr lang="en-US" dirty="0" smtClean="0"/>
-              <a:t>Code affects the whole farm</a:t>
-            </a:r>
-          </a:p>
-          <a:p>
-            <a:r>
-              <a:rPr lang="en-US" dirty="0" smtClean="0"/>
-              <a:t>Developers build custom solutions</a:t>
-            </a:r>
-          </a:p>
-          <a:p>
-            <a:r>
-              <a:rPr lang="en-US" dirty="0" smtClean="0"/>
-              <a:t>Administrators can only secure solutions with Code Access Security (CAS)</a:t>
-            </a:r>
-          </a:p>
-          <a:p>
-            <a:pPr lvl="1"/>
-            <a:r>
-              <a:rPr lang="en-US" dirty="0" smtClean="0"/>
-              <a:t>Hard to control what is in custom code (e.g. Elevated Privileges)</a:t>
-            </a:r>
-          </a:p>
-          <a:p>
-            <a:r>
-              <a:rPr lang="en-US" dirty="0" smtClean="0"/>
-              <a:t>Biggest cause of SharePoint support cases: Custom code</a:t>
-            </a:r>
-            <a:endParaRPr lang="en-US" dirty="0"/>
+            <a:endParaRPr lang="en-US"/>
           </a:p>
         </p:txBody>
       </p:sp>
     </p:spTree>
     <p:extLst>
       <p:ext uri="{BB962C8B-B14F-4D97-AF65-F5344CB8AC3E}">
-        <p14:creationId xmlns:p14="http://schemas.microsoft.com/office/powerpoint/2010/main" val="2426022026"/>
+        <p14:creationId xmlns:p14="http://schemas.microsoft.com/office/powerpoint/2010/main" val="1783796071"/>
       </p:ext>
     </p:extLst>
   </p:cSld>
@@ -36796,6 +38672,157 @@
           <a:p>
             <a:r>
               <a:rPr lang="en-US" dirty="0" smtClean="0"/>
+              <a:t>SharePoint 2007 Challenge</a:t>
+            </a:r>
+            <a:endParaRPr lang="en-US" dirty="0"/>
+          </a:p>
+        </p:txBody>
+      </p:sp>
+      <p:graphicFrame>
+        <p:nvGraphicFramePr>
+          <p:cNvPr id="6" name="Content Placeholder 5" descr="Segmented Process" title="SmartArt"/>
+          <p:cNvGraphicFramePr>
+            <a:graphicFrameLocks noGrp="1"/>
+          </p:cNvGraphicFramePr>
+          <p:nvPr>
+            <p:ph sz="half" idx="2"/>
+            <p:extLst>
+              <p:ext uri="{D42A27DB-BD31-4B8C-83A1-F6EECF244321}">
+                <p14:modId xmlns:p14="http://schemas.microsoft.com/office/powerpoint/2010/main" val="4060784703"/>
+              </p:ext>
+            </p:extLst>
+          </p:nvPr>
+        </p:nvGraphicFramePr>
+        <p:xfrm>
+          <a:off x="6324600" y="1752600"/>
+          <a:ext cx="5029200" cy="4424363"/>
+        </p:xfrm>
+        <a:graphic>
+          <a:graphicData uri="http://schemas.openxmlformats.org/drawingml/2006/diagram">
+            <dgm:relIds xmlns:dgm="http://schemas.openxmlformats.org/drawingml/2006/diagram" xmlns:r="http://schemas.openxmlformats.org/officeDocument/2006/relationships" r:dm="rId2" r:lo="rId3" r:qs="rId4" r:cs="rId5"/>
+          </a:graphicData>
+        </a:graphic>
+      </p:graphicFrame>
+      <p:sp>
+        <p:nvSpPr>
+          <p:cNvPr id="5" name="Content Placeholder 4"/>
+          <p:cNvSpPr>
+            <a:spLocks noGrp="1"/>
+          </p:cNvSpPr>
+          <p:nvPr>
+            <p:ph sz="half" idx="1"/>
+          </p:nvPr>
+        </p:nvSpPr>
+        <p:spPr/>
+        <p:txBody>
+          <a:bodyPr/>
+          <a:lstStyle/>
+          <a:p>
+            <a:r>
+              <a:rPr lang="en-US" dirty="0" smtClean="0"/>
+              <a:t>Full Trust applications</a:t>
+            </a:r>
+          </a:p>
+          <a:p>
+            <a:r>
+              <a:rPr lang="en-US" dirty="0" smtClean="0"/>
+              <a:t>Code affects the whole farm</a:t>
+            </a:r>
+          </a:p>
+          <a:p>
+            <a:r>
+              <a:rPr lang="en-US" dirty="0" smtClean="0"/>
+              <a:t>Developers build custom solutions</a:t>
+            </a:r>
+          </a:p>
+          <a:p>
+            <a:r>
+              <a:rPr lang="en-US" dirty="0" smtClean="0"/>
+              <a:t>Administrators can only secure solutions with Code Access Security (CAS)</a:t>
+            </a:r>
+          </a:p>
+          <a:p>
+            <a:pPr lvl="1"/>
+            <a:r>
+              <a:rPr lang="en-US" dirty="0" smtClean="0"/>
+              <a:t>Hard to control what is in custom code (e.g. Elevated Privileges)</a:t>
+            </a:r>
+          </a:p>
+          <a:p>
+            <a:r>
+              <a:rPr lang="en-US" dirty="0" smtClean="0"/>
+              <a:t>Biggest cause of SharePoint support cases: Custom code</a:t>
+            </a:r>
+            <a:endParaRPr lang="en-US" dirty="0"/>
+          </a:p>
+        </p:txBody>
+      </p:sp>
+    </p:spTree>
+    <p:extLst>
+      <p:ext uri="{BB962C8B-B14F-4D97-AF65-F5344CB8AC3E}">
+        <p14:creationId xmlns:p14="http://schemas.microsoft.com/office/powerpoint/2010/main" val="2426022026"/>
+      </p:ext>
+    </p:extLst>
+  </p:cSld>
+  <p:clrMapOvr>
+    <a:masterClrMapping/>
+  </p:clrMapOvr>
+  <mc:AlternateContent xmlns:mc="http://schemas.openxmlformats.org/markup-compatibility/2006" xmlns:p14="http://schemas.microsoft.com/office/powerpoint/2010/main">
+    <mc:Choice Requires="p14">
+      <p:transition spd="med" p14:dur="700">
+        <p:fade/>
+      </p:transition>
+    </mc:Choice>
+    <mc:Fallback xmlns="">
+      <p:transition spd="med">
+        <p:fade/>
+      </p:transition>
+    </mc:Fallback>
+  </mc:AlternateContent>
+  <p:timing>
+    <p:tnLst>
+      <p:par>
+        <p:cTn id="1" dur="indefinite" restart="never" nodeType="tmRoot"/>
+      </p:par>
+    </p:tnLst>
+  </p:timing>
+</p:sld>
+</file>
+
+<file path=ppt/slides/slide28.xml><?xml version="1.0" encoding="utf-8"?>
+<p:sld xmlns:a="http://schemas.openxmlformats.org/drawingml/2006/main" xmlns:r="http://schemas.openxmlformats.org/officeDocument/2006/relationships" xmlns:p="http://schemas.openxmlformats.org/presentationml/2006/main">
+  <p:cSld>
+    <p:spTree>
+      <p:nvGrpSpPr>
+        <p:cNvPr id="1" name=""/>
+        <p:cNvGrpSpPr/>
+        <p:nvPr/>
+      </p:nvGrpSpPr>
+      <p:grpSpPr>
+        <a:xfrm>
+          <a:off x="0" y="0"/>
+          <a:ext cx="0" cy="0"/>
+          <a:chOff x="0" y="0"/>
+          <a:chExt cx="0" cy="0"/>
+        </a:xfrm>
+      </p:grpSpPr>
+      <p:sp>
+        <p:nvSpPr>
+          <p:cNvPr id="2" name="Title 1"/>
+          <p:cNvSpPr>
+            <a:spLocks noGrp="1"/>
+          </p:cNvSpPr>
+          <p:nvPr>
+            <p:ph type="title"/>
+          </p:nvPr>
+        </p:nvSpPr>
+        <p:spPr/>
+        <p:txBody>
+          <a:bodyPr/>
+          <a:lstStyle/>
+          <a:p>
+            <a:r>
+              <a:rPr lang="en-US" dirty="0" smtClean="0"/>
               <a:t>SharePoint 2010 Challenge</a:t>
             </a:r>
             <a:endParaRPr lang="en-US" dirty="0"/>
@@ -36912,7 +38939,7 @@
 </p:sld>
 </file>
 
-<file path=ppt/slides/slide28.xml><?xml version="1.0" encoding="utf-8"?>
+<file path=ppt/slides/slide29.xml><?xml version="1.0" encoding="utf-8"?>
 <p:sld xmlns:a="http://schemas.openxmlformats.org/drawingml/2006/main" xmlns:r="http://schemas.openxmlformats.org/officeDocument/2006/relationships" xmlns:p="http://schemas.openxmlformats.org/presentationml/2006/main">
   <p:cSld>
     <p:spTree>
@@ -37566,7 +39593,7 @@
           </a:ln>
           <a:extLst>
             <a:ext uri="{91240B29-F687-4f45-9708-019B960494DF}">
-              <a14:hiddenLine xmlns="" xmlns:a14="http://schemas.microsoft.com/office/drawing/2010/main" w="9525">
+              <a14:hiddenLine xmlns:a14="http://schemas.microsoft.com/office/drawing/2010/main" xmlns="" w="9525">
                 <a:solidFill>
                   <a:srgbClr val="000000"/>
                 </a:solidFill>
@@ -37620,7 +39647,7 @@
           </a:ln>
           <a:extLst>
             <a:ext uri="{91240B29-F687-4f45-9708-019B960494DF}">
-              <a14:hiddenLine xmlns="" xmlns:a14="http://schemas.microsoft.com/office/drawing/2010/main" w="9525">
+              <a14:hiddenLine xmlns:a14="http://schemas.microsoft.com/office/drawing/2010/main" xmlns="" w="9525">
                 <a:solidFill>
                   <a:srgbClr val="000000"/>
                 </a:solidFill>
@@ -37803,7 +39830,744 @@
 </p:sld>
 </file>
 
-<file path=ppt/slides/slide29.xml><?xml version="1.0" encoding="utf-8"?>
+<file path=ppt/slides/slide3.xml><?xml version="1.0" encoding="utf-8"?>
+<p:sld xmlns:a="http://schemas.openxmlformats.org/drawingml/2006/main" xmlns:r="http://schemas.openxmlformats.org/officeDocument/2006/relationships" xmlns:p="http://schemas.openxmlformats.org/presentationml/2006/main" showMasterSp="0">
+  <p:cSld>
+    <p:bg>
+      <p:bgPr>
+        <a:solidFill>
+          <a:schemeClr val="tx1"/>
+        </a:solidFill>
+        <a:effectLst/>
+      </p:bgPr>
+    </p:bg>
+    <p:spTree>
+      <p:nvGrpSpPr>
+        <p:cNvPr id="1" name=""/>
+        <p:cNvGrpSpPr/>
+        <p:nvPr/>
+      </p:nvGrpSpPr>
+      <p:grpSpPr>
+        <a:xfrm>
+          <a:off x="0" y="0"/>
+          <a:ext cx="0" cy="0"/>
+          <a:chOff x="0" y="0"/>
+          <a:chExt cx="0" cy="0"/>
+        </a:xfrm>
+      </p:grpSpPr>
+      <p:sp>
+        <p:nvSpPr>
+          <p:cNvPr id="4" name="TextBox 3"/>
+          <p:cNvSpPr txBox="1"/>
+          <p:nvPr/>
+        </p:nvSpPr>
+        <p:spPr>
+          <a:xfrm>
+            <a:off x="193274" y="1701801"/>
+            <a:ext cx="11772949" cy="369332"/>
+          </a:xfrm>
+          <a:prstGeom prst="rect">
+            <a:avLst/>
+          </a:prstGeom>
+          <a:noFill/>
+        </p:spPr>
+        <p:txBody>
+          <a:bodyPr wrap="square" rtlCol="0">
+            <a:spAutoFit/>
+          </a:bodyPr>
+          <a:lstStyle/>
+          <a:p>
+            <a:r>
+              <a:rPr lang="en-US" dirty="0">
+                <a:solidFill>
+                  <a:schemeClr val="bg2"/>
+                </a:solidFill>
+                <a:latin typeface="+mj-lt"/>
+              </a:rPr>
+              <a:t>Please visit the sponsors and thank them. Without them, we wouldn’t have a conference!</a:t>
+            </a:r>
+          </a:p>
+        </p:txBody>
+      </p:sp>
+      <p:pic>
+        <p:nvPicPr>
+          <p:cNvPr id="11" name="Picture 10"/>
+          <p:cNvPicPr>
+            <a:picLocks noChangeAspect="1"/>
+          </p:cNvPicPr>
+          <p:nvPr/>
+        </p:nvPicPr>
+        <p:blipFill rotWithShape="1">
+          <a:blip r:embed="rId2">
+            <a:extLst>
+              <a:ext uri="{28A0092B-C50C-407E-A947-70E740481C1C}">
+                <a14:useLocalDpi xmlns:a14="http://schemas.microsoft.com/office/drawing/2010/main" val="0"/>
+              </a:ext>
+            </a:extLst>
+          </a:blip>
+          <a:srcRect r="75027" b="20485"/>
+          <a:stretch/>
+        </p:blipFill>
+        <p:spPr>
+          <a:xfrm>
+            <a:off x="-23334" y="-25400"/>
+            <a:ext cx="2055335" cy="1639491"/>
+          </a:xfrm>
+          <a:prstGeom prst="rect">
+            <a:avLst/>
+          </a:prstGeom>
+        </p:spPr>
+      </p:pic>
+      <p:sp>
+        <p:nvSpPr>
+          <p:cNvPr id="12" name="Rectangle 11"/>
+          <p:cNvSpPr/>
+          <p:nvPr/>
+        </p:nvSpPr>
+        <p:spPr>
+          <a:xfrm>
+            <a:off x="1828800" y="-25400"/>
+            <a:ext cx="10363200" cy="1639491"/>
+          </a:xfrm>
+          <a:prstGeom prst="rect">
+            <a:avLst/>
+          </a:prstGeom>
+          <a:solidFill>
+            <a:schemeClr val="bg2"/>
+          </a:solidFill>
+          <a:ln>
+            <a:noFill/>
+          </a:ln>
+        </p:spPr>
+        <p:style>
+          <a:lnRef idx="2">
+            <a:schemeClr val="accent1">
+              <a:shade val="50000"/>
+            </a:schemeClr>
+          </a:lnRef>
+          <a:fillRef idx="1">
+            <a:schemeClr val="accent1"/>
+          </a:fillRef>
+          <a:effectRef idx="0">
+            <a:schemeClr val="accent1"/>
+          </a:effectRef>
+          <a:fontRef idx="minor">
+            <a:schemeClr val="lt1"/>
+          </a:fontRef>
+        </p:style>
+        <p:txBody>
+          <a:bodyPr rtlCol="0" anchor="ctr"/>
+          <a:lstStyle/>
+          <a:p>
+            <a:pPr algn="ctr"/>
+            <a:endParaRPr lang="en-US" sz="2400"/>
+          </a:p>
+        </p:txBody>
+      </p:sp>
+      <p:sp>
+        <p:nvSpPr>
+          <p:cNvPr id="13" name="TextBox 12"/>
+          <p:cNvSpPr txBox="1"/>
+          <p:nvPr/>
+        </p:nvSpPr>
+        <p:spPr>
+          <a:xfrm>
+            <a:off x="2336800" y="76201"/>
+            <a:ext cx="9245600" cy="1405449"/>
+          </a:xfrm>
+          <a:prstGeom prst="rect">
+            <a:avLst/>
+          </a:prstGeom>
+          <a:noFill/>
+        </p:spPr>
+        <p:txBody>
+          <a:bodyPr wrap="square" rtlCol="0">
+            <a:spAutoFit/>
+          </a:bodyPr>
+          <a:lstStyle/>
+          <a:p>
+            <a:r>
+              <a:rPr lang="en-US" sz="4800" dirty="0">
+                <a:solidFill>
+                  <a:schemeClr val="bg1"/>
+                </a:solidFill>
+                <a:latin typeface="Segoe UI" panose="020B0502040204020203" pitchFamily="34" charset="0"/>
+                <a:ea typeface="Segoe UI" panose="020B0502040204020203" pitchFamily="34" charset="0"/>
+                <a:cs typeface="Segoe UI" panose="020B0502040204020203" pitchFamily="34" charset="0"/>
+              </a:rPr>
+              <a:t>@</a:t>
+            </a:r>
+            <a:r>
+              <a:rPr lang="en-US" sz="4800" dirty="0">
+                <a:latin typeface="Segoe UI" panose="020B0502040204020203" pitchFamily="34" charset="0"/>
+                <a:ea typeface="Segoe UI" panose="020B0502040204020203" pitchFamily="34" charset="0"/>
+                <a:cs typeface="Segoe UI" panose="020B0502040204020203" pitchFamily="34" charset="0"/>
+              </a:rPr>
+              <a:t>SharePointCincy</a:t>
+            </a:r>
+          </a:p>
+          <a:p>
+            <a:r>
+              <a:rPr lang="en-US" sz="3733" dirty="0">
+                <a:latin typeface="Segoe UI" panose="020B0502040204020203" pitchFamily="34" charset="0"/>
+                <a:ea typeface="Segoe UI" panose="020B0502040204020203" pitchFamily="34" charset="0"/>
+                <a:cs typeface="Segoe UI" panose="020B0502040204020203" pitchFamily="34" charset="0"/>
+              </a:rPr>
+              <a:t>#SharePointCincy</a:t>
+            </a:r>
+          </a:p>
+        </p:txBody>
+      </p:sp>
+      <p:sp>
+        <p:nvSpPr>
+          <p:cNvPr id="32" name="TextBox 31"/>
+          <p:cNvSpPr txBox="1"/>
+          <p:nvPr/>
+        </p:nvSpPr>
+        <p:spPr>
+          <a:xfrm>
+            <a:off x="304800" y="3733800"/>
+            <a:ext cx="5486400" cy="400110"/>
+          </a:xfrm>
+          <a:prstGeom prst="rect">
+            <a:avLst/>
+          </a:prstGeom>
+          <a:noFill/>
+        </p:spPr>
+        <p:txBody>
+          <a:bodyPr wrap="square" rtlCol="0">
+            <a:spAutoFit/>
+          </a:bodyPr>
+          <a:lstStyle/>
+          <a:p>
+            <a:r>
+              <a:rPr lang="en-US" sz="2000" b="1" u="sng" spc="400" dirty="0">
+                <a:solidFill>
+                  <a:srgbClr val="FFC000"/>
+                </a:solidFill>
+                <a:latin typeface="Calibri" panose="020F0502020204030204" pitchFamily="34" charset="0"/>
+              </a:rPr>
+              <a:t>GOLD SPONSORS</a:t>
+            </a:r>
+          </a:p>
+        </p:txBody>
+      </p:sp>
+      <p:pic>
+        <p:nvPicPr>
+          <p:cNvPr id="33" name="Picture 2" descr="M:\Marketing\SharePoint Cincy 2015\2015 Sponsors\Sponsor Logos\AvePoint_logo_without_tagline.png"/>
+          <p:cNvPicPr>
+            <a:picLocks noChangeAspect="1" noChangeArrowheads="1"/>
+          </p:cNvPicPr>
+          <p:nvPr/>
+        </p:nvPicPr>
+        <p:blipFill>
+          <a:blip r:embed="rId3" cstate="print">
+            <a:extLst>
+              <a:ext uri="{28A0092B-C50C-407E-A947-70E740481C1C}">
+                <a14:useLocalDpi xmlns:a14="http://schemas.microsoft.com/office/drawing/2010/main" val="0"/>
+              </a:ext>
+            </a:extLst>
+          </a:blip>
+          <a:srcRect/>
+          <a:stretch>
+            <a:fillRect/>
+          </a:stretch>
+        </p:blipFill>
+        <p:spPr bwMode="auto">
+          <a:xfrm>
+            <a:off x="372533" y="4481736"/>
+            <a:ext cx="2194560" cy="551144"/>
+          </a:xfrm>
+          <a:prstGeom prst="rect">
+            <a:avLst/>
+          </a:prstGeom>
+          <a:noFill/>
+          <a:extLst>
+            <a:ext uri="{909E8E84-426E-40DD-AFC4-6F175D3DCCD1}">
+              <a14:hiddenFill xmlns:a14="http://schemas.microsoft.com/office/drawing/2010/main">
+                <a:solidFill>
+                  <a:srgbClr val="FFFFFF"/>
+                </a:solidFill>
+              </a14:hiddenFill>
+            </a:ext>
+          </a:extLst>
+        </p:spPr>
+      </p:pic>
+      <p:pic>
+        <p:nvPicPr>
+          <p:cNvPr id="34" name="Picture 3" descr="M:\Marketing\SharePoint Cincy 2015\2015 Sponsors\Sponsor Logos\bluespring logo current.png"/>
+          <p:cNvPicPr>
+            <a:picLocks noChangeAspect="1" noChangeArrowheads="1"/>
+          </p:cNvPicPr>
+          <p:nvPr/>
+        </p:nvPicPr>
+        <p:blipFill>
+          <a:blip r:embed="rId4">
+            <a:extLst>
+              <a:ext uri="{28A0092B-C50C-407E-A947-70E740481C1C}">
+                <a14:useLocalDpi xmlns:a14="http://schemas.microsoft.com/office/drawing/2010/main" val="0"/>
+              </a:ext>
+            </a:extLst>
+          </a:blip>
+          <a:srcRect/>
+          <a:stretch>
+            <a:fillRect/>
+          </a:stretch>
+        </p:blipFill>
+        <p:spPr bwMode="auto">
+          <a:xfrm>
+            <a:off x="395111" y="5504864"/>
+            <a:ext cx="2194560" cy="1003227"/>
+          </a:xfrm>
+          <a:prstGeom prst="rect">
+            <a:avLst/>
+          </a:prstGeom>
+          <a:noFill/>
+          <a:extLst>
+            <a:ext uri="{909E8E84-426E-40DD-AFC4-6F175D3DCCD1}">
+              <a14:hiddenFill xmlns:a14="http://schemas.microsoft.com/office/drawing/2010/main">
+                <a:solidFill>
+                  <a:srgbClr val="FFFFFF"/>
+                </a:solidFill>
+              </a14:hiddenFill>
+            </a:ext>
+          </a:extLst>
+        </p:spPr>
+      </p:pic>
+      <p:pic>
+        <p:nvPicPr>
+          <p:cNvPr id="35" name="Picture 4" descr="M:\Marketing\SharePoint Cincy 2015\2015 Sponsors\Sponsor Logos\Cardinal Logo.png"/>
+          <p:cNvPicPr>
+            <a:picLocks noChangeAspect="1" noChangeArrowheads="1"/>
+          </p:cNvPicPr>
+          <p:nvPr/>
+        </p:nvPicPr>
+        <p:blipFill>
+          <a:blip r:embed="rId5">
+            <a:extLst>
+              <a:ext uri="{28A0092B-C50C-407E-A947-70E740481C1C}">
+                <a14:useLocalDpi xmlns:a14="http://schemas.microsoft.com/office/drawing/2010/main" val="0"/>
+              </a:ext>
+            </a:extLst>
+          </a:blip>
+          <a:srcRect/>
+          <a:stretch>
+            <a:fillRect/>
+          </a:stretch>
+        </p:blipFill>
+        <p:spPr bwMode="auto">
+          <a:xfrm>
+            <a:off x="2987040" y="4241800"/>
+            <a:ext cx="2194560" cy="1060875"/>
+          </a:xfrm>
+          <a:prstGeom prst="rect">
+            <a:avLst/>
+          </a:prstGeom>
+          <a:noFill/>
+          <a:extLst>
+            <a:ext uri="{909E8E84-426E-40DD-AFC4-6F175D3DCCD1}">
+              <a14:hiddenFill xmlns:a14="http://schemas.microsoft.com/office/drawing/2010/main">
+                <a:solidFill>
+                  <a:srgbClr val="FFFFFF"/>
+                </a:solidFill>
+              </a14:hiddenFill>
+            </a:ext>
+          </a:extLst>
+        </p:spPr>
+      </p:pic>
+      <p:pic>
+        <p:nvPicPr>
+          <p:cNvPr id="36" name="Picture 5" descr="M:\Marketing\SharePoint Cincy 2015\2015 Sponsors\Sponsor Logos\CBTS-New.jpg"/>
+          <p:cNvPicPr>
+            <a:picLocks noChangeAspect="1" noChangeArrowheads="1"/>
+          </p:cNvPicPr>
+          <p:nvPr/>
+        </p:nvPicPr>
+        <p:blipFill>
+          <a:blip r:embed="rId6" cstate="print">
+            <a:extLst>
+              <a:ext uri="{28A0092B-C50C-407E-A947-70E740481C1C}">
+                <a14:useLocalDpi xmlns:a14="http://schemas.microsoft.com/office/drawing/2010/main" val="0"/>
+              </a:ext>
+            </a:extLst>
+          </a:blip>
+          <a:srcRect/>
+          <a:stretch>
+            <a:fillRect/>
+          </a:stretch>
+        </p:blipFill>
+        <p:spPr bwMode="auto">
+          <a:xfrm>
+            <a:off x="417688" y="2804538"/>
+            <a:ext cx="2194560" cy="827663"/>
+          </a:xfrm>
+          <a:prstGeom prst="rect">
+            <a:avLst/>
+          </a:prstGeom>
+          <a:noFill/>
+          <a:extLst>
+            <a:ext uri="{909E8E84-426E-40DD-AFC4-6F175D3DCCD1}">
+              <a14:hiddenFill xmlns:a14="http://schemas.microsoft.com/office/drawing/2010/main">
+                <a:solidFill>
+                  <a:srgbClr val="FFFFFF"/>
+                </a:solidFill>
+              </a14:hiddenFill>
+            </a:ext>
+          </a:extLst>
+        </p:spPr>
+      </p:pic>
+      <p:pic>
+        <p:nvPicPr>
+          <p:cNvPr id="37" name="Picture 6" descr="M:\Marketing\SharePoint Cincy 2015\2015 Sponsors\Sponsor Logos\FocalPoint.png"/>
+          <p:cNvPicPr>
+            <a:picLocks noChangeAspect="1" noChangeArrowheads="1"/>
+          </p:cNvPicPr>
+          <p:nvPr/>
+        </p:nvPicPr>
+        <p:blipFill>
+          <a:blip r:embed="rId7">
+            <a:extLst>
+              <a:ext uri="{28A0092B-C50C-407E-A947-70E740481C1C}">
+                <a14:useLocalDpi xmlns:a14="http://schemas.microsoft.com/office/drawing/2010/main" val="0"/>
+              </a:ext>
+            </a:extLst>
+          </a:blip>
+          <a:srcRect/>
+          <a:stretch>
+            <a:fillRect/>
+          </a:stretch>
+        </p:blipFill>
+        <p:spPr bwMode="auto">
+          <a:xfrm>
+            <a:off x="2946400" y="5359400"/>
+            <a:ext cx="1950720" cy="1193381"/>
+          </a:xfrm>
+          <a:prstGeom prst="rect">
+            <a:avLst/>
+          </a:prstGeom>
+          <a:noFill/>
+          <a:extLst>
+            <a:ext uri="{909E8E84-426E-40DD-AFC4-6F175D3DCCD1}">
+              <a14:hiddenFill xmlns:a14="http://schemas.microsoft.com/office/drawing/2010/main">
+                <a:solidFill>
+                  <a:srgbClr val="FFFFFF"/>
+                </a:solidFill>
+              </a14:hiddenFill>
+            </a:ext>
+          </a:extLst>
+        </p:spPr>
+      </p:pic>
+      <p:sp>
+        <p:nvSpPr>
+          <p:cNvPr id="38" name="TextBox 37"/>
+          <p:cNvSpPr txBox="1"/>
+          <p:nvPr/>
+        </p:nvSpPr>
+        <p:spPr>
+          <a:xfrm>
+            <a:off x="6807199" y="3161773"/>
+            <a:ext cx="2470503" cy="400110"/>
+          </a:xfrm>
+          <a:prstGeom prst="rect">
+            <a:avLst/>
+          </a:prstGeom>
+          <a:noFill/>
+        </p:spPr>
+        <p:txBody>
+          <a:bodyPr wrap="square" rtlCol="0">
+            <a:spAutoFit/>
+          </a:bodyPr>
+          <a:lstStyle/>
+          <a:p>
+            <a:r>
+              <a:rPr lang="en-US" sz="2000" b="1" u="sng" spc="400" dirty="0">
+                <a:solidFill>
+                  <a:schemeClr val="accent4">
+                    <a:lumMod val="75000"/>
+                  </a:schemeClr>
+                </a:solidFill>
+                <a:latin typeface="Calibri" panose="020F0502020204030204" pitchFamily="34" charset="0"/>
+              </a:rPr>
+              <a:t>EXHIBITORS</a:t>
+            </a:r>
+          </a:p>
+        </p:txBody>
+      </p:sp>
+      <p:pic>
+        <p:nvPicPr>
+          <p:cNvPr id="39" name="Picture 7" descr="M:\Marketing\SharePoint Cincy 2015\2015 Sponsors\Sponsor Logos\AIS-logo_jpg.jpg"/>
+          <p:cNvPicPr>
+            <a:picLocks noChangeAspect="1" noChangeArrowheads="1"/>
+          </p:cNvPicPr>
+          <p:nvPr/>
+        </p:nvPicPr>
+        <p:blipFill>
+          <a:blip r:embed="rId8" cstate="print">
+            <a:extLst>
+              <a:ext uri="{28A0092B-C50C-407E-A947-70E740481C1C}">
+                <a14:useLocalDpi xmlns:a14="http://schemas.microsoft.com/office/drawing/2010/main" val="0"/>
+              </a:ext>
+            </a:extLst>
+          </a:blip>
+          <a:srcRect/>
+          <a:stretch>
+            <a:fillRect/>
+          </a:stretch>
+        </p:blipFill>
+        <p:spPr bwMode="auto">
+          <a:xfrm>
+            <a:off x="7042501" y="3889408"/>
+            <a:ext cx="1625600" cy="953685"/>
+          </a:xfrm>
+          <a:prstGeom prst="rect">
+            <a:avLst/>
+          </a:prstGeom>
+          <a:noFill/>
+          <a:extLst>
+            <a:ext uri="{909E8E84-426E-40DD-AFC4-6F175D3DCCD1}">
+              <a14:hiddenFill xmlns:a14="http://schemas.microsoft.com/office/drawing/2010/main">
+                <a:solidFill>
+                  <a:srgbClr val="FFFFFF"/>
+                </a:solidFill>
+              </a14:hiddenFill>
+            </a:ext>
+          </a:extLst>
+        </p:spPr>
+      </p:pic>
+      <p:pic>
+        <p:nvPicPr>
+          <p:cNvPr id="40" name="Picture 8" descr="M:\Marketing\SharePoint Cincy 2015\2015 Sponsors\Sponsor Logos\dell-logo.jpg"/>
+          <p:cNvPicPr>
+            <a:picLocks noChangeAspect="1" noChangeArrowheads="1"/>
+          </p:cNvPicPr>
+          <p:nvPr/>
+        </p:nvPicPr>
+        <p:blipFill>
+          <a:blip r:embed="rId9" cstate="print">
+            <a:extLst>
+              <a:ext uri="{28A0092B-C50C-407E-A947-70E740481C1C}">
+                <a14:useLocalDpi xmlns:a14="http://schemas.microsoft.com/office/drawing/2010/main" val="0"/>
+              </a:ext>
+            </a:extLst>
+          </a:blip>
+          <a:srcRect/>
+          <a:stretch>
+            <a:fillRect/>
+          </a:stretch>
+        </p:blipFill>
+        <p:spPr bwMode="auto">
+          <a:xfrm>
+            <a:off x="7010401" y="5032881"/>
+            <a:ext cx="1780116" cy="694372"/>
+          </a:xfrm>
+          <a:prstGeom prst="rect">
+            <a:avLst/>
+          </a:prstGeom>
+          <a:noFill/>
+          <a:extLst>
+            <a:ext uri="{909E8E84-426E-40DD-AFC4-6F175D3DCCD1}">
+              <a14:hiddenFill xmlns:a14="http://schemas.microsoft.com/office/drawing/2010/main">
+                <a:solidFill>
+                  <a:srgbClr val="FFFFFF"/>
+                </a:solidFill>
+              </a14:hiddenFill>
+            </a:ext>
+          </a:extLst>
+        </p:spPr>
+      </p:pic>
+      <p:pic>
+        <p:nvPicPr>
+          <p:cNvPr id="41" name="Picture 9" descr="M:\Marketing\SharePoint Cincy 2015\2015 Sponsors\Sponsor Logos\pcms_itag_high.jpg"/>
+          <p:cNvPicPr>
+            <a:picLocks noChangeAspect="1" noChangeArrowheads="1"/>
+          </p:cNvPicPr>
+          <p:nvPr/>
+        </p:nvPicPr>
+        <p:blipFill>
+          <a:blip r:embed="rId10" cstate="print">
+            <a:extLst>
+              <a:ext uri="{28A0092B-C50C-407E-A947-70E740481C1C}">
+                <a14:useLocalDpi xmlns:a14="http://schemas.microsoft.com/office/drawing/2010/main" val="0"/>
+              </a:ext>
+            </a:extLst>
+          </a:blip>
+          <a:srcRect/>
+          <a:stretch>
+            <a:fillRect/>
+          </a:stretch>
+        </p:blipFill>
+        <p:spPr bwMode="auto">
+          <a:xfrm>
+            <a:off x="9176104" y="3861764"/>
+            <a:ext cx="1837249" cy="1052688"/>
+          </a:xfrm>
+          <a:prstGeom prst="rect">
+            <a:avLst/>
+          </a:prstGeom>
+          <a:noFill/>
+          <a:extLst>
+            <a:ext uri="{909E8E84-426E-40DD-AFC4-6F175D3DCCD1}">
+              <a14:hiddenFill xmlns:a14="http://schemas.microsoft.com/office/drawing/2010/main">
+                <a:solidFill>
+                  <a:srgbClr val="FFFFFF"/>
+                </a:solidFill>
+              </a14:hiddenFill>
+            </a:ext>
+          </a:extLst>
+        </p:spPr>
+      </p:pic>
+      <p:pic>
+        <p:nvPicPr>
+          <p:cNvPr id="42" name="Picture 10" descr="M:\Marketing\SharePoint Cincy 2015\2015 Sponsors\Sponsor Logos\sogeti_varmred_cmyk (1).jpg"/>
+          <p:cNvPicPr>
+            <a:picLocks noChangeAspect="1" noChangeArrowheads="1"/>
+          </p:cNvPicPr>
+          <p:nvPr/>
+        </p:nvPicPr>
+        <p:blipFill>
+          <a:blip r:embed="rId11" cstate="print">
+            <a:extLst>
+              <a:ext uri="{28A0092B-C50C-407E-A947-70E740481C1C}">
+                <a14:useLocalDpi xmlns:a14="http://schemas.microsoft.com/office/drawing/2010/main" val="0"/>
+              </a:ext>
+            </a:extLst>
+          </a:blip>
+          <a:srcRect/>
+          <a:stretch>
+            <a:fillRect/>
+          </a:stretch>
+        </p:blipFill>
+        <p:spPr bwMode="auto">
+          <a:xfrm>
+            <a:off x="9277702" y="5116875"/>
+            <a:ext cx="1735649" cy="528831"/>
+          </a:xfrm>
+          <a:prstGeom prst="rect">
+            <a:avLst/>
+          </a:prstGeom>
+          <a:noFill/>
+          <a:extLst>
+            <a:ext uri="{909E8E84-426E-40DD-AFC4-6F175D3DCCD1}">
+              <a14:hiddenFill xmlns:a14="http://schemas.microsoft.com/office/drawing/2010/main">
+                <a:solidFill>
+                  <a:srgbClr val="FFFFFF"/>
+                </a:solidFill>
+              </a14:hiddenFill>
+            </a:ext>
+          </a:extLst>
+        </p:spPr>
+      </p:pic>
+      <p:pic>
+        <p:nvPicPr>
+          <p:cNvPr id="43" name="Picture 11" descr="M:\Marketing\SharePoint Cincy 2015\2015 Sponsors\Sponsor Logos\MSFT_logo_Web.jpg"/>
+          <p:cNvPicPr>
+            <a:picLocks noChangeAspect="1" noChangeArrowheads="1"/>
+          </p:cNvPicPr>
+          <p:nvPr/>
+        </p:nvPicPr>
+        <p:blipFill>
+          <a:blip r:embed="rId12" cstate="print">
+            <a:extLst>
+              <a:ext uri="{28A0092B-C50C-407E-A947-70E740481C1C}">
+                <a14:useLocalDpi xmlns:a14="http://schemas.microsoft.com/office/drawing/2010/main" val="0"/>
+              </a:ext>
+            </a:extLst>
+          </a:blip>
+          <a:srcRect/>
+          <a:stretch>
+            <a:fillRect/>
+          </a:stretch>
+        </p:blipFill>
+        <p:spPr bwMode="auto">
+          <a:xfrm>
+            <a:off x="7010401" y="5915672"/>
+            <a:ext cx="2077156" cy="592681"/>
+          </a:xfrm>
+          <a:prstGeom prst="rect">
+            <a:avLst/>
+          </a:prstGeom>
+          <a:noFill/>
+          <a:extLst>
+            <a:ext uri="{909E8E84-426E-40DD-AFC4-6F175D3DCCD1}">
+              <a14:hiddenFill xmlns:a14="http://schemas.microsoft.com/office/drawing/2010/main">
+                <a:solidFill>
+                  <a:srgbClr val="FFFFFF"/>
+                </a:solidFill>
+              </a14:hiddenFill>
+            </a:ext>
+          </a:extLst>
+        </p:spPr>
+      </p:pic>
+      <p:sp>
+        <p:nvSpPr>
+          <p:cNvPr id="44" name="TextBox 43"/>
+          <p:cNvSpPr txBox="1"/>
+          <p:nvPr/>
+        </p:nvSpPr>
+        <p:spPr>
+          <a:xfrm>
+            <a:off x="304800" y="2209801"/>
+            <a:ext cx="3352800" cy="400110"/>
+          </a:xfrm>
+          <a:prstGeom prst="rect">
+            <a:avLst/>
+          </a:prstGeom>
+          <a:noFill/>
+        </p:spPr>
+        <p:txBody>
+          <a:bodyPr wrap="square" rtlCol="0">
+            <a:spAutoFit/>
+          </a:bodyPr>
+          <a:lstStyle/>
+          <a:p>
+            <a:r>
+              <a:rPr lang="en-US" sz="2000" b="1" u="sng" dirty="0">
+                <a:solidFill>
+                  <a:schemeClr val="accent6">
+                    <a:lumMod val="60000"/>
+                    <a:lumOff val="40000"/>
+                  </a:schemeClr>
+                </a:solidFill>
+                <a:latin typeface="Calibri" panose="020F0502020204030204" pitchFamily="34" charset="0"/>
+              </a:rPr>
+              <a:t>PLATINUM SPONSOR</a:t>
+            </a:r>
+          </a:p>
+        </p:txBody>
+      </p:sp>
+    </p:spTree>
+    <p:extLst>
+      <p:ext uri="{BB962C8B-B14F-4D97-AF65-F5344CB8AC3E}">
+        <p14:creationId xmlns:p14="http://schemas.microsoft.com/office/powerpoint/2010/main" val="3229724435"/>
+      </p:ext>
+    </p:extLst>
+  </p:cSld>
+  <p:clrMapOvr>
+    <a:masterClrMapping/>
+  </p:clrMapOvr>
+  <mc:AlternateContent xmlns:mc="http://schemas.openxmlformats.org/markup-compatibility/2006" xmlns:p14="http://schemas.microsoft.com/office/powerpoint/2010/main">
+    <mc:Choice Requires="p14">
+      <p:transition spd="med" p14:dur="700">
+        <p:fade/>
+      </p:transition>
+    </mc:Choice>
+    <mc:Fallback xmlns="">
+      <p:transition spd="med">
+        <p:fade/>
+      </p:transition>
+    </mc:Fallback>
+  </mc:AlternateContent>
+  <p:timing>
+    <p:tnLst>
+      <p:par>
+        <p:cTn id="1" dur="indefinite" restart="never" nodeType="tmRoot"/>
+      </p:par>
+    </p:tnLst>
+  </p:timing>
+</p:sld>
+</file>
+
+<file path=ppt/slides/slide30.xml><?xml version="1.0" encoding="utf-8"?>
 <p:sld xmlns:a="http://schemas.openxmlformats.org/drawingml/2006/main" xmlns:r="http://schemas.openxmlformats.org/officeDocument/2006/relationships" xmlns:p="http://schemas.openxmlformats.org/presentationml/2006/main">
   <p:cSld>
     <p:spTree>
@@ -38453,270 +41217,7 @@
 </p:sld>
 </file>
 
-<file path=ppt/slides/slide3.xml><?xml version="1.0" encoding="utf-8"?>
-<p:sld xmlns:a="http://schemas.openxmlformats.org/drawingml/2006/main" xmlns:r="http://schemas.openxmlformats.org/officeDocument/2006/relationships" xmlns:p="http://schemas.openxmlformats.org/presentationml/2006/main" showMasterSp="0">
-  <p:cSld>
-    <p:bg>
-      <p:bgPr>
-        <a:solidFill>
-          <a:schemeClr val="tx1"/>
-        </a:solidFill>
-        <a:effectLst/>
-      </p:bgPr>
-    </p:bg>
-    <p:spTree>
-      <p:nvGrpSpPr>
-        <p:cNvPr id="1" name=""/>
-        <p:cNvGrpSpPr/>
-        <p:nvPr/>
-      </p:nvGrpSpPr>
-      <p:grpSpPr>
-        <a:xfrm>
-          <a:off x="0" y="0"/>
-          <a:ext cx="0" cy="0"/>
-          <a:chOff x="0" y="0"/>
-          <a:chExt cx="0" cy="0"/>
-        </a:xfrm>
-      </p:grpSpPr>
-      <p:sp>
-        <p:nvSpPr>
-          <p:cNvPr id="4" name="TextBox 3"/>
-          <p:cNvSpPr txBox="1"/>
-          <p:nvPr/>
-        </p:nvSpPr>
-        <p:spPr>
-          <a:xfrm>
-            <a:off x="193274" y="1625361"/>
-            <a:ext cx="11772949" cy="1077218"/>
-          </a:xfrm>
-          <a:prstGeom prst="rect">
-            <a:avLst/>
-          </a:prstGeom>
-          <a:noFill/>
-        </p:spPr>
-        <p:txBody>
-          <a:bodyPr wrap="square" rtlCol="0">
-            <a:spAutoFit/>
-          </a:bodyPr>
-          <a:lstStyle/>
-          <a:p>
-            <a:r>
-              <a:rPr lang="en-US" sz="3200" dirty="0">
-                <a:solidFill>
-                  <a:schemeClr val="bg1"/>
-                </a:solidFill>
-              </a:rPr>
-              <a:t>Attendees, please visit the sponsors and thank them. Without them, we wouldn’t have a conference!</a:t>
-            </a:r>
-          </a:p>
-        </p:txBody>
-      </p:sp>
-      <p:pic>
-        <p:nvPicPr>
-          <p:cNvPr id="5" name="Picture 4"/>
-          <p:cNvPicPr>
-            <a:picLocks noChangeAspect="1"/>
-          </p:cNvPicPr>
-          <p:nvPr/>
-        </p:nvPicPr>
-        <p:blipFill rotWithShape="1">
-          <a:blip r:embed="rId2">
-            <a:extLst>
-              <a:ext uri="{28A0092B-C50C-407E-A947-70E740481C1C}">
-                <a14:useLocalDpi xmlns:a14="http://schemas.microsoft.com/office/drawing/2010/main" val="0"/>
-              </a:ext>
-            </a:extLst>
-          </a:blip>
-          <a:srcRect l="30082"/>
-          <a:stretch/>
-        </p:blipFill>
-        <p:spPr>
-          <a:xfrm>
-            <a:off x="1625601" y="2717800"/>
-            <a:ext cx="9595556" cy="4165600"/>
-          </a:xfrm>
-          <a:prstGeom prst="rect">
-            <a:avLst/>
-          </a:prstGeom>
-        </p:spPr>
-      </p:pic>
-      <p:pic>
-        <p:nvPicPr>
-          <p:cNvPr id="11" name="Picture 10"/>
-          <p:cNvPicPr>
-            <a:picLocks noChangeAspect="1"/>
-          </p:cNvPicPr>
-          <p:nvPr/>
-        </p:nvPicPr>
-        <p:blipFill rotWithShape="1">
-          <a:blip r:embed="rId3">
-            <a:extLst>
-              <a:ext uri="{28A0092B-C50C-407E-A947-70E740481C1C}">
-                <a14:useLocalDpi xmlns:a14="http://schemas.microsoft.com/office/drawing/2010/main" val="0"/>
-              </a:ext>
-            </a:extLst>
-          </a:blip>
-          <a:srcRect r="75027" b="20485"/>
-          <a:stretch/>
-        </p:blipFill>
-        <p:spPr>
-          <a:xfrm>
-            <a:off x="-23334" y="-25400"/>
-            <a:ext cx="2055335" cy="1639491"/>
-          </a:xfrm>
-          <a:prstGeom prst="rect">
-            <a:avLst/>
-          </a:prstGeom>
-        </p:spPr>
-      </p:pic>
-      <p:sp>
-        <p:nvSpPr>
-          <p:cNvPr id="12" name="Rectangle 11"/>
-          <p:cNvSpPr/>
-          <p:nvPr/>
-        </p:nvSpPr>
-        <p:spPr>
-          <a:xfrm>
-            <a:off x="1828800" y="-25400"/>
-            <a:ext cx="10363200" cy="1639491"/>
-          </a:xfrm>
-          <a:prstGeom prst="rect">
-            <a:avLst/>
-          </a:prstGeom>
-          <a:solidFill>
-            <a:schemeClr val="bg2"/>
-          </a:solidFill>
-          <a:ln>
-            <a:noFill/>
-          </a:ln>
-        </p:spPr>
-        <p:style>
-          <a:lnRef idx="2">
-            <a:schemeClr val="accent1">
-              <a:shade val="50000"/>
-            </a:schemeClr>
-          </a:lnRef>
-          <a:fillRef idx="1">
-            <a:schemeClr val="accent1"/>
-          </a:fillRef>
-          <a:effectRef idx="0">
-            <a:schemeClr val="accent1"/>
-          </a:effectRef>
-          <a:fontRef idx="minor">
-            <a:schemeClr val="lt1"/>
-          </a:fontRef>
-        </p:style>
-        <p:txBody>
-          <a:bodyPr rtlCol="0" anchor="ctr"/>
-          <a:lstStyle/>
-          <a:p>
-            <a:pPr algn="ctr"/>
-            <a:endParaRPr lang="en-US" sz="2400"/>
-          </a:p>
-        </p:txBody>
-      </p:sp>
-      <p:sp>
-        <p:nvSpPr>
-          <p:cNvPr id="13" name="TextBox 12"/>
-          <p:cNvSpPr txBox="1"/>
-          <p:nvPr/>
-        </p:nvSpPr>
-        <p:spPr>
-          <a:xfrm>
-            <a:off x="2336800" y="76201"/>
-            <a:ext cx="9245600" cy="1405449"/>
-          </a:xfrm>
-          <a:prstGeom prst="rect">
-            <a:avLst/>
-          </a:prstGeom>
-          <a:noFill/>
-        </p:spPr>
-        <p:txBody>
-          <a:bodyPr wrap="square" rtlCol="0">
-            <a:spAutoFit/>
-          </a:bodyPr>
-          <a:lstStyle/>
-          <a:p>
-            <a:r>
-              <a:rPr lang="en-US" sz="4800" dirty="0">
-                <a:latin typeface="Segoe UI" panose="020B0502040204020203" pitchFamily="34" charset="0"/>
-                <a:ea typeface="Segoe UI" panose="020B0502040204020203" pitchFamily="34" charset="0"/>
-                <a:cs typeface="Segoe UI" panose="020B0502040204020203" pitchFamily="34" charset="0"/>
-              </a:rPr>
-              <a:t>@</a:t>
-            </a:r>
-            <a:r>
-              <a:rPr lang="en-US" sz="4800" dirty="0" err="1">
-                <a:latin typeface="Segoe UI" panose="020B0502040204020203" pitchFamily="34" charset="0"/>
-                <a:ea typeface="Segoe UI" panose="020B0502040204020203" pitchFamily="34" charset="0"/>
-                <a:cs typeface="Segoe UI" panose="020B0502040204020203" pitchFamily="34" charset="0"/>
-              </a:rPr>
-              <a:t>SharePointCincy</a:t>
-            </a:r>
-            <a:endParaRPr lang="en-US" sz="4800" dirty="0">
-              <a:latin typeface="Segoe UI" panose="020B0502040204020203" pitchFamily="34" charset="0"/>
-              <a:ea typeface="Segoe UI" panose="020B0502040204020203" pitchFamily="34" charset="0"/>
-              <a:cs typeface="Segoe UI" panose="020B0502040204020203" pitchFamily="34" charset="0"/>
-            </a:endParaRPr>
-          </a:p>
-          <a:p>
-            <a:r>
-              <a:rPr lang="en-US" sz="3733" dirty="0">
-                <a:latin typeface="Segoe UI" panose="020B0502040204020203" pitchFamily="34" charset="0"/>
-                <a:ea typeface="Segoe UI" panose="020B0502040204020203" pitchFamily="34" charset="0"/>
-                <a:cs typeface="Segoe UI" panose="020B0502040204020203" pitchFamily="34" charset="0"/>
-              </a:rPr>
-              <a:t>#</a:t>
-            </a:r>
-            <a:r>
-              <a:rPr lang="en-US" sz="3733" dirty="0" err="1">
-                <a:latin typeface="Segoe UI" panose="020B0502040204020203" pitchFamily="34" charset="0"/>
-                <a:ea typeface="Segoe UI" panose="020B0502040204020203" pitchFamily="34" charset="0"/>
-                <a:cs typeface="Segoe UI" panose="020B0502040204020203" pitchFamily="34" charset="0"/>
-              </a:rPr>
-              <a:t>SharePointCincy</a:t>
-            </a:r>
-            <a:endParaRPr lang="en-US" sz="3733" dirty="0">
-              <a:latin typeface="Segoe UI" panose="020B0502040204020203" pitchFamily="34" charset="0"/>
-              <a:ea typeface="Segoe UI" panose="020B0502040204020203" pitchFamily="34" charset="0"/>
-              <a:cs typeface="Segoe UI" panose="020B0502040204020203" pitchFamily="34" charset="0"/>
-            </a:endParaRPr>
-          </a:p>
-        </p:txBody>
-      </p:sp>
-    </p:spTree>
-    <p:extLst>
-      <p:ext uri="{BB962C8B-B14F-4D97-AF65-F5344CB8AC3E}">
-        <p14:creationId xmlns:p14="http://schemas.microsoft.com/office/powerpoint/2010/main" val="1391669331"/>
-      </p:ext>
-    </p:extLst>
-  </p:cSld>
-  <p:clrMapOvr>
-    <a:masterClrMapping/>
-  </p:clrMapOvr>
-  <mc:AlternateContent xmlns:mc="http://schemas.openxmlformats.org/markup-compatibility/2006" xmlns:p14="http://schemas.microsoft.com/office/powerpoint/2010/main">
-    <mc:Choice Requires="p14">
-      <p:transition spd="med" p14:dur="700">
-        <p:fade/>
-      </p:transition>
-    </mc:Choice>
-    <mc:Fallback xmlns="">
-      <p:transition spd="med">
-        <p:fade/>
-      </p:transition>
-    </mc:Fallback>
-  </mc:AlternateContent>
-  <p:timing>
-    <p:tnLst>
-      <p:par>
-        <p:cTn id="1" dur="indefinite" restart="never" nodeType="tmRoot"/>
-      </p:par>
-    </p:tnLst>
-  </p:timing>
-</p:sld>
-</file>
-
-<file path=ppt/slides/slide30.xml><?xml version="1.0" encoding="utf-8"?>
+<file path=ppt/slides/slide31.xml><?xml version="1.0" encoding="utf-8"?>
 <p:sld xmlns:a="http://schemas.openxmlformats.org/drawingml/2006/main" xmlns:r="http://schemas.openxmlformats.org/officeDocument/2006/relationships" xmlns:p="http://schemas.openxmlformats.org/presentationml/2006/main">
   <p:cSld>
     <p:spTree>
@@ -38791,11 +41292,7 @@
           <a:p>
             <a:r>
               <a:rPr lang="en-US" dirty="0" smtClean="0"/>
-              <a:t>Deploy to a site without permission access to App </a:t>
-            </a:r>
-            <a:r>
-              <a:rPr lang="en-US" dirty="0" smtClean="0"/>
-              <a:t>Store</a:t>
+              <a:t>Deploy to a site without permission access to App Store</a:t>
             </a:r>
           </a:p>
           <a:p>
@@ -38847,7 +41344,7 @@
 </p:sld>
 </file>
 
-<file path=ppt/slides/slide31.xml><?xml version="1.0" encoding="utf-8"?>
+<file path=ppt/slides/slide32.xml><?xml version="1.0" encoding="utf-8"?>
 <p:sld xmlns:a="http://schemas.openxmlformats.org/drawingml/2006/main" xmlns:r="http://schemas.openxmlformats.org/officeDocument/2006/relationships" xmlns:p="http://schemas.openxmlformats.org/presentationml/2006/main">
   <p:cSld>
     <p:spTree>
@@ -38949,7 +41446,7 @@
 </p:sld>
 </file>
 
-<file path=ppt/slides/slide32.xml><?xml version="1.0" encoding="utf-8"?>
+<file path=ppt/slides/slide33.xml><?xml version="1.0" encoding="utf-8"?>
 <p:sld xmlns:a="http://schemas.openxmlformats.org/drawingml/2006/main" xmlns:r="http://schemas.openxmlformats.org/officeDocument/2006/relationships" xmlns:p="http://schemas.openxmlformats.org/presentationml/2006/main">
   <p:cSld>
     <p:spTree>
@@ -40127,187 +42624,6 @@
 </p:sld>
 </file>
 
-<file path=ppt/slides/slide33.xml><?xml version="1.0" encoding="utf-8"?>
-<p:sld xmlns:a="http://schemas.openxmlformats.org/drawingml/2006/main" xmlns:r="http://schemas.openxmlformats.org/officeDocument/2006/relationships" xmlns:p="http://schemas.openxmlformats.org/presentationml/2006/main">
-  <p:cSld>
-    <p:spTree>
-      <p:nvGrpSpPr>
-        <p:cNvPr id="1" name=""/>
-        <p:cNvGrpSpPr/>
-        <p:nvPr/>
-      </p:nvGrpSpPr>
-      <p:grpSpPr>
-        <a:xfrm>
-          <a:off x="0" y="0"/>
-          <a:ext cx="0" cy="0"/>
-          <a:chOff x="0" y="0"/>
-          <a:chExt cx="0" cy="0"/>
-        </a:xfrm>
-      </p:grpSpPr>
-      <p:sp>
-        <p:nvSpPr>
-          <p:cNvPr id="2" name="Title 1"/>
-          <p:cNvSpPr>
-            <a:spLocks noGrp="1"/>
-          </p:cNvSpPr>
-          <p:nvPr>
-            <p:ph type="title"/>
-          </p:nvPr>
-        </p:nvSpPr>
-        <p:spPr/>
-        <p:txBody>
-          <a:bodyPr/>
-          <a:lstStyle/>
-          <a:p>
-            <a:r>
-              <a:rPr lang="en-US" dirty="0" smtClean="0"/>
-              <a:t>SharePoint 2013 REST</a:t>
-            </a:r>
-            <a:endParaRPr lang="en-US" dirty="0"/>
-          </a:p>
-        </p:txBody>
-      </p:sp>
-      <p:sp>
-        <p:nvSpPr>
-          <p:cNvPr id="3" name="Content Placeholder 2"/>
-          <p:cNvSpPr>
-            <a:spLocks noGrp="1"/>
-          </p:cNvSpPr>
-          <p:nvPr>
-            <p:ph idx="1"/>
-          </p:nvPr>
-        </p:nvSpPr>
-        <p:spPr>
-          <a:xfrm>
-            <a:off x="838200" y="1825624"/>
-            <a:ext cx="10515600" cy="5032375"/>
-          </a:xfrm>
-        </p:spPr>
-        <p:txBody>
-          <a:bodyPr>
-            <a:noAutofit/>
-          </a:bodyPr>
-          <a:lstStyle/>
-          <a:p>
-            <a:r>
-              <a:rPr lang="en-US" sz="1600" dirty="0" smtClean="0"/>
-              <a:t>Use jQuery AJAX or AngularJS $http</a:t>
-            </a:r>
-          </a:p>
-          <a:p>
-            <a:endParaRPr lang="en-US" sz="1600" dirty="0" smtClean="0"/>
-          </a:p>
-          <a:p>
-            <a:endParaRPr lang="en-US" sz="1600" dirty="0" smtClean="0"/>
-          </a:p>
-          <a:p>
-            <a:endParaRPr lang="en-US" sz="1600" dirty="0"/>
-          </a:p>
-          <a:p>
-            <a:endParaRPr lang="en-US" sz="1600" dirty="0" smtClean="0"/>
-          </a:p>
-          <a:p>
-            <a:endParaRPr lang="en-US" sz="1600" dirty="0"/>
-          </a:p>
-          <a:p>
-            <a:pPr marL="0" indent="0">
-              <a:buNone/>
-            </a:pPr>
-            <a:endParaRPr lang="en-US" sz="1600" dirty="0" smtClean="0"/>
-          </a:p>
-          <a:p>
-            <a:r>
-              <a:rPr lang="en-US" sz="1600" dirty="0" smtClean="0"/>
-              <a:t>Best practices</a:t>
-            </a:r>
-          </a:p>
-          <a:p>
-            <a:pPr lvl="1"/>
-            <a:r>
-              <a:rPr lang="en-US" sz="1400" dirty="0" smtClean="0"/>
-              <a:t>Use Postman or Fiddler to execute, test, and review queries</a:t>
-            </a:r>
-          </a:p>
-          <a:p>
-            <a:pPr lvl="1"/>
-            <a:r>
-              <a:rPr lang="en-US" sz="1400" dirty="0" smtClean="0"/>
-              <a:t>Set the Accept header</a:t>
-            </a:r>
-          </a:p>
-          <a:p>
-            <a:pPr lvl="1"/>
-            <a:r>
-              <a:rPr lang="en-US" sz="1400" dirty="0" smtClean="0"/>
-              <a:t>Only retrieve what you need. Use $select and $filter.</a:t>
-            </a:r>
-          </a:p>
-          <a:p>
-            <a:pPr lvl="1"/>
-            <a:r>
-              <a:rPr lang="en-US" sz="1400" dirty="0" smtClean="0"/>
-              <a:t>“Chunky, not chatty”</a:t>
-            </a:r>
-            <a:endParaRPr lang="en-US" sz="1400" dirty="0"/>
-          </a:p>
-        </p:txBody>
-      </p:sp>
-      <p:pic>
-        <p:nvPicPr>
-          <p:cNvPr id="6" name="Picture 5"/>
-          <p:cNvPicPr>
-            <a:picLocks noChangeAspect="1"/>
-          </p:cNvPicPr>
-          <p:nvPr/>
-        </p:nvPicPr>
-        <p:blipFill>
-          <a:blip r:embed="rId2"/>
-          <a:stretch>
-            <a:fillRect/>
-          </a:stretch>
-        </p:blipFill>
-        <p:spPr>
-          <a:xfrm>
-            <a:off x="1143000" y="2209800"/>
-            <a:ext cx="7648575" cy="2690030"/>
-          </a:xfrm>
-          <a:prstGeom prst="rect">
-            <a:avLst/>
-          </a:prstGeom>
-        </p:spPr>
-      </p:pic>
-    </p:spTree>
-    <p:extLst>
-      <p:ext uri="{BB962C8B-B14F-4D97-AF65-F5344CB8AC3E}">
-        <p14:creationId xmlns:p14="http://schemas.microsoft.com/office/powerpoint/2010/main" val="971806321"/>
-      </p:ext>
-    </p:extLst>
-  </p:cSld>
-  <p:clrMapOvr>
-    <a:masterClrMapping/>
-  </p:clrMapOvr>
-  <mc:AlternateContent xmlns:mc="http://schemas.openxmlformats.org/markup-compatibility/2006" xmlns:p14="http://schemas.microsoft.com/office/powerpoint/2010/main">
-    <mc:Choice Requires="p14">
-      <p:transition spd="med" p14:dur="700">
-        <p:fade/>
-      </p:transition>
-    </mc:Choice>
-    <mc:Fallback xmlns="">
-      <p:transition spd="med">
-        <p:fade/>
-      </p:transition>
-    </mc:Fallback>
-  </mc:AlternateContent>
-  <p:timing>
-    <p:tnLst>
-      <p:par>
-        <p:cTn id="1" dur="indefinite" restart="never" nodeType="tmRoot"/>
-      </p:par>
-    </p:tnLst>
-  </p:timing>
-</p:sld>
-</file>
-
 <file path=ppt/slides/slide34.xml><?xml version="1.0" encoding="utf-8"?>
 <p:sld xmlns:a="http://schemas.openxmlformats.org/drawingml/2006/main" xmlns:r="http://schemas.openxmlformats.org/officeDocument/2006/relationships" xmlns:p="http://schemas.openxmlformats.org/presentationml/2006/main">
   <p:cSld>
@@ -40342,7 +42658,7 @@
           <a:p>
             <a:r>
               <a:rPr lang="en-US" dirty="0" smtClean="0"/>
-              <a:t>Tools</a:t>
+              <a:t>SharePoint 2013 REST</a:t>
             </a:r>
             <a:endParaRPr lang="en-US" dirty="0"/>
           </a:p>
@@ -40350,27 +42666,117 @@
       </p:sp>
       <p:sp>
         <p:nvSpPr>
-          <p:cNvPr id="3" name="Text Placeholder 2"/>
+          <p:cNvPr id="3" name="Content Placeholder 2"/>
           <p:cNvSpPr>
             <a:spLocks noGrp="1"/>
           </p:cNvSpPr>
           <p:nvPr>
-            <p:ph type="body" idx="1"/>
+            <p:ph idx="1"/>
           </p:nvPr>
         </p:nvSpPr>
-        <p:spPr/>
+        <p:spPr>
+          <a:xfrm>
+            <a:off x="838200" y="1825624"/>
+            <a:ext cx="10515600" cy="5032375"/>
+          </a:xfrm>
+        </p:spPr>
         <p:txBody>
-          <a:bodyPr/>
+          <a:bodyPr>
+            <a:noAutofit/>
+          </a:bodyPr>
           <a:lstStyle/>
           <a:p>
-            <a:endParaRPr lang="en-US"/>
+            <a:r>
+              <a:rPr lang="en-US" sz="1600" dirty="0" smtClean="0"/>
+              <a:t>Use jQuery AJAX or AngularJS $http</a:t>
+            </a:r>
+          </a:p>
+          <a:p>
+            <a:endParaRPr lang="en-US" sz="1600" dirty="0" smtClean="0"/>
+          </a:p>
+          <a:p>
+            <a:endParaRPr lang="en-US" sz="1600" dirty="0" smtClean="0"/>
+          </a:p>
+          <a:p>
+            <a:endParaRPr lang="en-US" sz="1600" dirty="0"/>
+          </a:p>
+          <a:p>
+            <a:endParaRPr lang="en-US" sz="1600" dirty="0" smtClean="0"/>
+          </a:p>
+          <a:p>
+            <a:endParaRPr lang="en-US" sz="1600" dirty="0"/>
+          </a:p>
+          <a:p>
+            <a:pPr marL="0" indent="0">
+              <a:buNone/>
+            </a:pPr>
+            <a:endParaRPr lang="en-US" sz="1600" dirty="0" smtClean="0"/>
+          </a:p>
+          <a:p>
+            <a:r>
+              <a:rPr lang="en-US" sz="1600" dirty="0" smtClean="0"/>
+              <a:t>Best practices</a:t>
+            </a:r>
+          </a:p>
+          <a:p>
+            <a:pPr lvl="1"/>
+            <a:r>
+              <a:rPr lang="en-US" sz="1400" dirty="0" smtClean="0"/>
+              <a:t>Use Postman or Fiddler to execute, test, and review queries</a:t>
+            </a:r>
+          </a:p>
+          <a:p>
+            <a:pPr lvl="1"/>
+            <a:r>
+              <a:rPr lang="en-US" sz="1400" dirty="0" smtClean="0"/>
+              <a:t>Set the Accept header</a:t>
+            </a:r>
+          </a:p>
+          <a:p>
+            <a:pPr lvl="1"/>
+            <a:r>
+              <a:rPr lang="en-US" sz="1400" dirty="0" smtClean="0"/>
+              <a:t>Only retrieve what you need. Use $select and $filter.</a:t>
+            </a:r>
+          </a:p>
+          <a:p>
+            <a:pPr lvl="1"/>
+            <a:r>
+              <a:rPr lang="en-US" sz="1400" dirty="0" smtClean="0"/>
+              <a:t>“Chunky, not chatty”</a:t>
+            </a:r>
+            <a:endParaRPr lang="en-US" sz="1400" dirty="0"/>
           </a:p>
         </p:txBody>
       </p:sp>
+      <p:pic>
+        <p:nvPicPr>
+          <p:cNvPr id="6" name="Picture 5"/>
+          <p:cNvPicPr>
+            <a:picLocks noChangeAspect="1"/>
+          </p:cNvPicPr>
+          <p:nvPr/>
+        </p:nvPicPr>
+        <p:blipFill>
+          <a:blip r:embed="rId2"/>
+          <a:stretch>
+            <a:fillRect/>
+          </a:stretch>
+        </p:blipFill>
+        <p:spPr>
+          <a:xfrm>
+            <a:off x="1143000" y="2209800"/>
+            <a:ext cx="7648575" cy="2690030"/>
+          </a:xfrm>
+          <a:prstGeom prst="rect">
+            <a:avLst/>
+          </a:prstGeom>
+        </p:spPr>
+      </p:pic>
     </p:spTree>
     <p:extLst>
       <p:ext uri="{BB962C8B-B14F-4D97-AF65-F5344CB8AC3E}">
-        <p14:creationId xmlns:p14="http://schemas.microsoft.com/office/powerpoint/2010/main" val="1893041578"/>
+        <p14:creationId xmlns:p14="http://schemas.microsoft.com/office/powerpoint/2010/main" val="971806321"/>
       </p:ext>
     </p:extLst>
   </p:cSld>
@@ -40441,12 +42847,12 @@
       </p:sp>
       <p:sp>
         <p:nvSpPr>
-          <p:cNvPr id="3" name="Content Placeholder 2"/>
+          <p:cNvPr id="3" name="Text Placeholder 2"/>
           <p:cNvSpPr>
             <a:spLocks noGrp="1"/>
           </p:cNvSpPr>
           <p:nvPr>
-            <p:ph idx="1"/>
+            <p:ph type="body" idx="1"/>
           </p:nvPr>
         </p:nvSpPr>
         <p:spPr/>
@@ -40454,58 +42860,14 @@
           <a:bodyPr/>
           <a:lstStyle/>
           <a:p>
-            <a:r>
-              <a:rPr lang="en-US" dirty="0" smtClean="0"/>
-              <a:t>IDE: Visual Studio, WebStorm, Brackets, Atom, Sublime Text</a:t>
-            </a:r>
-          </a:p>
-          <a:p>
-            <a:r>
-              <a:rPr lang="en-US" dirty="0"/>
-              <a:t>Third-party JavaScript frameworks: jQuery, Bootstrap, Moment, DataTables, ng-tasty, Font Awesome, SPServices, lodash</a:t>
-            </a:r>
-          </a:p>
-          <a:p>
-            <a:r>
-              <a:rPr lang="en-US" dirty="0" smtClean="0"/>
-              <a:t>Browser Plug-ins: Firebug, Batarang, Postman</a:t>
-            </a:r>
-          </a:p>
-          <a:p>
-            <a:r>
-              <a:rPr lang="en-US" dirty="0" smtClean="0"/>
-              <a:t>Task Runners: Gulp, Grunt</a:t>
-            </a:r>
-          </a:p>
-          <a:p>
-            <a:r>
-              <a:rPr lang="en-US" dirty="0" smtClean="0"/>
-              <a:t>Package Managers: npm, Bower</a:t>
-            </a:r>
-          </a:p>
-          <a:p>
-            <a:r>
-              <a:rPr lang="en-US" dirty="0" smtClean="0"/>
-              <a:t>Source control: Git, Visual Studio Online</a:t>
-            </a:r>
-          </a:p>
-          <a:p>
-            <a:r>
-              <a:rPr lang="en-US" dirty="0" smtClean="0"/>
-              <a:t>Other tools: Node.js, Fiddler, Karma, Jasmine, </a:t>
-            </a:r>
-            <a:r>
-              <a:rPr lang="en-US" dirty="0" err="1" smtClean="0"/>
-              <a:t>PhantomJS</a:t>
-            </a:r>
-            <a:endParaRPr lang="en-US" dirty="0"/>
+            <a:endParaRPr lang="en-US"/>
           </a:p>
         </p:txBody>
       </p:sp>
     </p:spTree>
     <p:extLst>
       <p:ext uri="{BB962C8B-B14F-4D97-AF65-F5344CB8AC3E}">
-        <p14:creationId xmlns:p14="http://schemas.microsoft.com/office/powerpoint/2010/main" val="3635730836"/>
+        <p14:creationId xmlns:p14="http://schemas.microsoft.com/office/powerpoint/2010/main" val="1893041578"/>
       </p:ext>
     </p:extLst>
   </p:cSld>
@@ -40568,7 +42930,7 @@
           <a:p>
             <a:r>
               <a:rPr lang="en-US" dirty="0" smtClean="0"/>
-              <a:t>Projects Demo</a:t>
+              <a:t>Tools</a:t>
             </a:r>
             <a:endParaRPr lang="en-US" dirty="0"/>
           </a:p>
@@ -40576,12 +42938,12 @@
       </p:sp>
       <p:sp>
         <p:nvSpPr>
-          <p:cNvPr id="3" name="Text Placeholder 2"/>
+          <p:cNvPr id="3" name="Content Placeholder 2"/>
           <p:cNvSpPr>
             <a:spLocks noGrp="1"/>
           </p:cNvSpPr>
           <p:nvPr>
-            <p:ph type="body" idx="1"/>
+            <p:ph idx="1"/>
           </p:nvPr>
         </p:nvSpPr>
         <p:spPr/>
@@ -40589,14 +42951,58 @@
           <a:bodyPr/>
           <a:lstStyle/>
           <a:p>
-            <a:endParaRPr lang="en-US"/>
+            <a:r>
+              <a:rPr lang="en-US" dirty="0" smtClean="0"/>
+              <a:t>IDE: Visual Studio, WebStorm, Brackets, Atom, Sublime Text</a:t>
+            </a:r>
+          </a:p>
+          <a:p>
+            <a:r>
+              <a:rPr lang="en-US" dirty="0"/>
+              <a:t>Third-party JavaScript frameworks: jQuery, Bootstrap, Moment, DataTables, ng-tasty, Font Awesome, SPServices, lodash</a:t>
+            </a:r>
+          </a:p>
+          <a:p>
+            <a:r>
+              <a:rPr lang="en-US" dirty="0" smtClean="0"/>
+              <a:t>Browser Plug-ins: Firebug, Batarang, Postman</a:t>
+            </a:r>
+          </a:p>
+          <a:p>
+            <a:r>
+              <a:rPr lang="en-US" dirty="0" smtClean="0"/>
+              <a:t>Task Runners: Gulp, Grunt</a:t>
+            </a:r>
+          </a:p>
+          <a:p>
+            <a:r>
+              <a:rPr lang="en-US" dirty="0" smtClean="0"/>
+              <a:t>Package Managers: npm, Bower</a:t>
+            </a:r>
+          </a:p>
+          <a:p>
+            <a:r>
+              <a:rPr lang="en-US" dirty="0" smtClean="0"/>
+              <a:t>Source control: Git, Visual Studio Online</a:t>
+            </a:r>
+          </a:p>
+          <a:p>
+            <a:r>
+              <a:rPr lang="en-US" dirty="0" smtClean="0"/>
+              <a:t>Other tools: Node.js, Fiddler, Karma, Jasmine, </a:t>
+            </a:r>
+            <a:r>
+              <a:rPr lang="en-US" dirty="0" err="1" smtClean="0"/>
+              <a:t>PhantomJS</a:t>
+            </a:r>
+            <a:endParaRPr lang="en-US" dirty="0"/>
           </a:p>
         </p:txBody>
       </p:sp>
     </p:spTree>
     <p:extLst>
       <p:ext uri="{BB962C8B-B14F-4D97-AF65-F5344CB8AC3E}">
-        <p14:creationId xmlns:p14="http://schemas.microsoft.com/office/powerpoint/2010/main" val="3811698405"/>
+        <p14:creationId xmlns:p14="http://schemas.microsoft.com/office/powerpoint/2010/main" val="3635730836"/>
       </p:ext>
     </p:extLst>
   </p:cSld>
@@ -40659,7 +43065,7 @@
           <a:p>
             <a:r>
               <a:rPr lang="en-US" dirty="0" smtClean="0"/>
-              <a:t>Deployment</a:t>
+              <a:t>Projects Demo</a:t>
             </a:r>
             <a:endParaRPr lang="en-US" dirty="0"/>
           </a:p>
@@ -40687,7 +43093,7 @@
     </p:spTree>
     <p:extLst>
       <p:ext uri="{BB962C8B-B14F-4D97-AF65-F5344CB8AC3E}">
-        <p14:creationId xmlns:p14="http://schemas.microsoft.com/office/powerpoint/2010/main" val="3664389473"/>
+        <p14:creationId xmlns:p14="http://schemas.microsoft.com/office/powerpoint/2010/main" val="3811698405"/>
       </p:ext>
     </p:extLst>
   </p:cSld>
@@ -40750,41 +43156,35 @@
           <a:p>
             <a:r>
               <a:rPr lang="en-US" dirty="0" smtClean="0"/>
-              <a:t>Deployment Workflow</a:t>
+              <a:t>Deployment</a:t>
             </a:r>
             <a:endParaRPr lang="en-US" dirty="0"/>
           </a:p>
         </p:txBody>
       </p:sp>
-      <p:graphicFrame>
-        <p:nvGraphicFramePr>
-          <p:cNvPr id="4" name="Content Placeholder 3"/>
-          <p:cNvGraphicFramePr>
-            <a:graphicFrameLocks noGrp="1"/>
-          </p:cNvGraphicFramePr>
+      <p:sp>
+        <p:nvSpPr>
+          <p:cNvPr id="3" name="Text Placeholder 2"/>
+          <p:cNvSpPr>
+            <a:spLocks noGrp="1"/>
+          </p:cNvSpPr>
           <p:nvPr>
-            <p:ph idx="1"/>
-            <p:extLst>
-              <p:ext uri="{D42A27DB-BD31-4B8C-83A1-F6EECF244321}">
-                <p14:modId xmlns:p14="http://schemas.microsoft.com/office/powerpoint/2010/main" val="3823091511"/>
-              </p:ext>
-            </p:extLst>
+            <p:ph type="body" idx="1"/>
           </p:nvPr>
-        </p:nvGraphicFramePr>
-        <p:xfrm>
-          <a:off x="457200" y="1828800"/>
-          <a:ext cx="11353800" cy="4351338"/>
-        </p:xfrm>
-        <a:graphic>
-          <a:graphicData uri="http://schemas.openxmlformats.org/drawingml/2006/diagram">
-            <dgm:relIds xmlns:dgm="http://schemas.openxmlformats.org/drawingml/2006/diagram" xmlns:r="http://schemas.openxmlformats.org/officeDocument/2006/relationships" r:dm="rId2" r:lo="rId3" r:qs="rId4" r:cs="rId5"/>
-          </a:graphicData>
-        </a:graphic>
-      </p:graphicFrame>
+        </p:nvSpPr>
+        <p:spPr/>
+        <p:txBody>
+          <a:bodyPr/>
+          <a:lstStyle/>
+          <a:p>
+            <a:endParaRPr lang="en-US"/>
+          </a:p>
+        </p:txBody>
+      </p:sp>
     </p:spTree>
     <p:extLst>
       <p:ext uri="{BB962C8B-B14F-4D97-AF65-F5344CB8AC3E}">
-        <p14:creationId xmlns:p14="http://schemas.microsoft.com/office/powerpoint/2010/main" val="3713504668"/>
+        <p14:creationId xmlns:p14="http://schemas.microsoft.com/office/powerpoint/2010/main" val="3664389473"/>
       </p:ext>
     </p:extLst>
   </p:cSld>
@@ -40847,35 +43247,41 @@
           <a:p>
             <a:r>
               <a:rPr lang="en-US" dirty="0" smtClean="0"/>
-              <a:t>Best Practices &amp; Gotchas</a:t>
+              <a:t>Deployment Workflow</a:t>
             </a:r>
             <a:endParaRPr lang="en-US" dirty="0"/>
           </a:p>
         </p:txBody>
       </p:sp>
-      <p:sp>
-        <p:nvSpPr>
-          <p:cNvPr id="3" name="Text Placeholder 2"/>
-          <p:cNvSpPr>
-            <a:spLocks noGrp="1"/>
-          </p:cNvSpPr>
+      <p:graphicFrame>
+        <p:nvGraphicFramePr>
+          <p:cNvPr id="4" name="Content Placeholder 3"/>
+          <p:cNvGraphicFramePr>
+            <a:graphicFrameLocks noGrp="1"/>
+          </p:cNvGraphicFramePr>
           <p:nvPr>
-            <p:ph type="body" idx="1"/>
+            <p:ph idx="1"/>
+            <p:extLst>
+              <p:ext uri="{D42A27DB-BD31-4B8C-83A1-F6EECF244321}">
+                <p14:modId xmlns:p14="http://schemas.microsoft.com/office/powerpoint/2010/main" val="3823091511"/>
+              </p:ext>
+            </p:extLst>
           </p:nvPr>
-        </p:nvSpPr>
-        <p:spPr/>
-        <p:txBody>
-          <a:bodyPr/>
-          <a:lstStyle/>
-          <a:p>
-            <a:endParaRPr lang="en-US"/>
-          </a:p>
-        </p:txBody>
-      </p:sp>
+        </p:nvGraphicFramePr>
+        <p:xfrm>
+          <a:off x="457200" y="1828800"/>
+          <a:ext cx="11353800" cy="4351338"/>
+        </p:xfrm>
+        <a:graphic>
+          <a:graphicData uri="http://schemas.openxmlformats.org/drawingml/2006/diagram">
+            <dgm:relIds xmlns:dgm="http://schemas.openxmlformats.org/drawingml/2006/diagram" xmlns:r="http://schemas.openxmlformats.org/officeDocument/2006/relationships" r:dm="rId2" r:lo="rId3" r:qs="rId4" r:cs="rId5"/>
+          </a:graphicData>
+        </a:graphic>
+      </p:graphicFrame>
     </p:spTree>
     <p:extLst>
       <p:ext uri="{BB962C8B-B14F-4D97-AF65-F5344CB8AC3E}">
-        <p14:creationId xmlns:p14="http://schemas.microsoft.com/office/powerpoint/2010/main" val="550004080"/>
+        <p14:creationId xmlns:p14="http://schemas.microsoft.com/office/powerpoint/2010/main" val="3713504668"/>
       </p:ext>
     </p:extLst>
   </p:cSld>
@@ -40938,7 +43344,7 @@
           <p:nvPr>
             <p:extLst>
               <p:ext uri="{D42A27DB-BD31-4B8C-83A1-F6EECF244321}">
-                <p14:modId xmlns:p14="http://schemas.microsoft.com/office/powerpoint/2010/main" val="3485833820"/>
+                <p14:modId xmlns:p14="http://schemas.microsoft.com/office/powerpoint/2010/main" val="276177369"/>
               </p:ext>
             </p:extLst>
           </p:nvPr>
@@ -41126,6 +43532,26 @@
                         <a:tabLst/>
                         <a:defRPr/>
                       </a:pPr>
+                      <a:endParaRPr lang="en-US" sz="2400" dirty="0" smtClean="0"/>
+                    </a:p>
+                    <a:p>
+                      <a:pPr marL="0" marR="0" indent="0" algn="l" defTabSz="914400" rtl="0" eaLnBrk="1" fontAlgn="auto" latinLnBrk="0" hangingPunct="1">
+                        <a:lnSpc>
+                          <a:spcPct val="100000"/>
+                        </a:lnSpc>
+                        <a:spcBef>
+                          <a:spcPts val="0"/>
+                        </a:spcBef>
+                        <a:spcAft>
+                          <a:spcPts val="0"/>
+                        </a:spcAft>
+                        <a:buClrTx/>
+                        <a:buSzTx/>
+                        <a:buFontTx/>
+                        <a:buNone/>
+                        <a:tabLst/>
+                        <a:defRPr/>
+                      </a:pPr>
                       <a:r>
                         <a:rPr lang="en-US" sz="2400" dirty="0" smtClean="0"/>
                         <a:t>See something remarkable? </a:t>
@@ -41135,15 +43561,7 @@
                       </a:br>
                       <a:r>
                         <a:rPr lang="en-US" sz="2400" dirty="0" smtClean="0"/>
-                        <a:t>Tweet (#</a:t>
-                      </a:r>
-                      <a:r>
-                        <a:rPr lang="en-US" sz="2400" dirty="0" err="1" smtClean="0"/>
-                        <a:t>SharePointCincy</a:t>
-                      </a:r>
-                      <a:r>
-                        <a:rPr lang="en-US" sz="2400" dirty="0" smtClean="0"/>
-                        <a:t>) and share it during the session! </a:t>
+                        <a:t>Tweet (#SharePointCincy) and share it during the session! </a:t>
                       </a:r>
                     </a:p>
                     <a:p>
@@ -41515,21 +43933,8 @@
                 <a:ea typeface="Segoe UI" panose="020B0502040204020203" pitchFamily="34" charset="0"/>
                 <a:cs typeface="Segoe UI" panose="020B0502040204020203" pitchFamily="34" charset="0"/>
               </a:rPr>
-              <a:t>@</a:t>
-            </a:r>
-            <a:r>
-              <a:rPr lang="en-US" sz="4800" dirty="0" err="1">
-                <a:latin typeface="Segoe UI" panose="020B0502040204020203" pitchFamily="34" charset="0"/>
-                <a:ea typeface="Segoe UI" panose="020B0502040204020203" pitchFamily="34" charset="0"/>
-                <a:cs typeface="Segoe UI" panose="020B0502040204020203" pitchFamily="34" charset="0"/>
-              </a:rPr>
-              <a:t>SharePointCincy</a:t>
-            </a:r>
-            <a:endParaRPr lang="en-US" sz="4800" dirty="0">
-              <a:latin typeface="Segoe UI" panose="020B0502040204020203" pitchFamily="34" charset="0"/>
-              <a:ea typeface="Segoe UI" panose="020B0502040204020203" pitchFamily="34" charset="0"/>
-              <a:cs typeface="Segoe UI" panose="020B0502040204020203" pitchFamily="34" charset="0"/>
-            </a:endParaRPr>
+              <a:t>@SharePointCincy</a:t>
+            </a:r>
           </a:p>
           <a:p>
             <a:r>
@@ -41538,21 +43943,8 @@
                 <a:ea typeface="Segoe UI" panose="020B0502040204020203" pitchFamily="34" charset="0"/>
                 <a:cs typeface="Segoe UI" panose="020B0502040204020203" pitchFamily="34" charset="0"/>
               </a:rPr>
-              <a:t>#</a:t>
-            </a:r>
-            <a:r>
-              <a:rPr lang="en-US" sz="3733" dirty="0" err="1">
-                <a:latin typeface="Segoe UI" panose="020B0502040204020203" pitchFamily="34" charset="0"/>
-                <a:ea typeface="Segoe UI" panose="020B0502040204020203" pitchFamily="34" charset="0"/>
-                <a:cs typeface="Segoe UI" panose="020B0502040204020203" pitchFamily="34" charset="0"/>
-              </a:rPr>
-              <a:t>SharePointCincy</a:t>
-            </a:r>
-            <a:endParaRPr lang="en-US" sz="3733" dirty="0">
-              <a:latin typeface="Segoe UI" panose="020B0502040204020203" pitchFamily="34" charset="0"/>
-              <a:ea typeface="Segoe UI" panose="020B0502040204020203" pitchFamily="34" charset="0"/>
-              <a:cs typeface="Segoe UI" panose="020B0502040204020203" pitchFamily="34" charset="0"/>
-            </a:endParaRPr>
+              <a:t>#SharePointCincy</a:t>
+            </a:r>
           </a:p>
         </p:txBody>
       </p:sp>
@@ -41622,6 +44014,97 @@
           <a:p>
             <a:r>
               <a:rPr lang="en-US" dirty="0" smtClean="0"/>
+              <a:t>Best Practices &amp; Gotchas</a:t>
+            </a:r>
+            <a:endParaRPr lang="en-US" dirty="0"/>
+          </a:p>
+        </p:txBody>
+      </p:sp>
+      <p:sp>
+        <p:nvSpPr>
+          <p:cNvPr id="3" name="Text Placeholder 2"/>
+          <p:cNvSpPr>
+            <a:spLocks noGrp="1"/>
+          </p:cNvSpPr>
+          <p:nvPr>
+            <p:ph type="body" idx="1"/>
+          </p:nvPr>
+        </p:nvSpPr>
+        <p:spPr/>
+        <p:txBody>
+          <a:bodyPr/>
+          <a:lstStyle/>
+          <a:p>
+            <a:endParaRPr lang="en-US"/>
+          </a:p>
+        </p:txBody>
+      </p:sp>
+    </p:spTree>
+    <p:extLst>
+      <p:ext uri="{BB962C8B-B14F-4D97-AF65-F5344CB8AC3E}">
+        <p14:creationId xmlns:p14="http://schemas.microsoft.com/office/powerpoint/2010/main" val="550004080"/>
+      </p:ext>
+    </p:extLst>
+  </p:cSld>
+  <p:clrMapOvr>
+    <a:masterClrMapping/>
+  </p:clrMapOvr>
+  <mc:AlternateContent xmlns:mc="http://schemas.openxmlformats.org/markup-compatibility/2006" xmlns:p14="http://schemas.microsoft.com/office/powerpoint/2010/main">
+    <mc:Choice Requires="p14">
+      <p:transition spd="med" p14:dur="700">
+        <p:fade/>
+      </p:transition>
+    </mc:Choice>
+    <mc:Fallback xmlns="">
+      <p:transition spd="med">
+        <p:fade/>
+      </p:transition>
+    </mc:Fallback>
+  </mc:AlternateContent>
+  <p:timing>
+    <p:tnLst>
+      <p:par>
+        <p:cTn id="1" dur="indefinite" restart="never" nodeType="tmRoot"/>
+      </p:par>
+    </p:tnLst>
+  </p:timing>
+</p:sld>
+</file>
+
+<file path=ppt/slides/slide41.xml><?xml version="1.0" encoding="utf-8"?>
+<p:sld xmlns:a="http://schemas.openxmlformats.org/drawingml/2006/main" xmlns:r="http://schemas.openxmlformats.org/officeDocument/2006/relationships" xmlns:p="http://schemas.openxmlformats.org/presentationml/2006/main">
+  <p:cSld>
+    <p:spTree>
+      <p:nvGrpSpPr>
+        <p:cNvPr id="1" name=""/>
+        <p:cNvGrpSpPr/>
+        <p:nvPr/>
+      </p:nvGrpSpPr>
+      <p:grpSpPr>
+        <a:xfrm>
+          <a:off x="0" y="0"/>
+          <a:ext cx="0" cy="0"/>
+          <a:chOff x="0" y="0"/>
+          <a:chExt cx="0" cy="0"/>
+        </a:xfrm>
+      </p:grpSpPr>
+      <p:sp>
+        <p:nvSpPr>
+          <p:cNvPr id="2" name="Title 1"/>
+          <p:cNvSpPr>
+            <a:spLocks noGrp="1"/>
+          </p:cNvSpPr>
+          <p:nvPr>
+            <p:ph type="title"/>
+          </p:nvPr>
+        </p:nvSpPr>
+        <p:spPr/>
+        <p:txBody>
+          <a:bodyPr/>
+          <a:lstStyle/>
+          <a:p>
+            <a:r>
+              <a:rPr lang="en-US" dirty="0" smtClean="0"/>
               <a:t>Best Practices</a:t>
             </a:r>
             <a:endParaRPr lang="en-US" dirty="0"/>
@@ -41764,7 +44247,7 @@
 </p:sld>
 </file>
 
-<file path=ppt/slides/slide41.xml><?xml version="1.0" encoding="utf-8"?>
+<file path=ppt/slides/slide42.xml><?xml version="1.0" encoding="utf-8"?>
 <p:sld xmlns:a="http://schemas.openxmlformats.org/drawingml/2006/main" xmlns:r="http://schemas.openxmlformats.org/officeDocument/2006/relationships" xmlns:p="http://schemas.openxmlformats.org/presentationml/2006/main">
   <p:cSld>
     <p:spTree>
@@ -42363,7 +44846,7 @@
 </p:sld>
 </file>
 
-<file path=ppt/slides/slide42.xml><?xml version="1.0" encoding="utf-8"?>
+<file path=ppt/slides/slide43.xml><?xml version="1.0" encoding="utf-8"?>
 <p:sld xmlns:a="http://schemas.openxmlformats.org/drawingml/2006/main" xmlns:r="http://schemas.openxmlformats.org/officeDocument/2006/relationships" xmlns:p="http://schemas.openxmlformats.org/presentationml/2006/main">
   <p:cSld>
     <p:bg>
@@ -42440,7 +44923,7 @@
         <p:spPr>
           <a:xfrm>
             <a:off x="152400" y="6528524"/>
-            <a:ext cx="5715000" cy="261610"/>
+            <a:ext cx="5715000" cy="307777"/>
           </a:xfrm>
           <a:prstGeom prst="rect">
             <a:avLst/>
@@ -42454,22 +44937,32 @@
           <a:lstStyle/>
           <a:p>
             <a:r>
-              <a:rPr lang="en-US" sz="1100" b="1" i="1" dirty="0" smtClean="0"/>
+              <a:rPr lang="en-US" sz="1400" i="1" dirty="0" smtClean="0">
+                <a:latin typeface="Calibri" panose="020F0502020204030204" pitchFamily="34" charset="0"/>
+              </a:rPr>
               <a:t>** </a:t>
             </a:r>
             <a:r>
-              <a:rPr lang="en-US" sz="1100" b="1" i="1" dirty="0"/>
+              <a:rPr lang="en-US" sz="1400" i="1" dirty="0">
+                <a:latin typeface="Calibri" panose="020F0502020204030204" pitchFamily="34" charset="0"/>
+              </a:rPr>
               <a:t>Slide from </a:t>
             </a:r>
             <a:r>
-              <a:rPr lang="en-US" sz="1100" b="1" i="1" dirty="0" smtClean="0"/>
+              <a:rPr lang="en-US" sz="1400" i="1" dirty="0" smtClean="0">
+                <a:latin typeface="Calibri" panose="020F0502020204030204" pitchFamily="34" charset="0"/>
+              </a:rPr>
               <a:t>Marcos </a:t>
             </a:r>
             <a:r>
-              <a:rPr lang="en-US" sz="1100" b="1" i="1" dirty="0" err="1"/>
+              <a:rPr lang="en-US" sz="1400" i="1" dirty="0" err="1">
+                <a:latin typeface="Calibri" panose="020F0502020204030204" pitchFamily="34" charset="0"/>
+              </a:rPr>
               <a:t>Vinícius</a:t>
             </a:r>
-            <a:endParaRPr lang="en-US" sz="1100" b="1" i="1" dirty="0"/>
+            <a:endParaRPr lang="en-US" sz="1400" i="1" dirty="0">
+              <a:latin typeface="Calibri" panose="020F0502020204030204" pitchFamily="34" charset="0"/>
+            </a:endParaRPr>
           </a:p>
         </p:txBody>
       </p:sp>
@@ -42495,10 +44988,17 @@
       </p:transition>
     </mc:Fallback>
   </mc:AlternateContent>
+  <p:timing>
+    <p:tnLst>
+      <p:par>
+        <p:cTn id="1" dur="indefinite" restart="never" nodeType="tmRoot"/>
+      </p:par>
+    </p:tnLst>
+  </p:timing>
 </p:sld>
 </file>
 
-<file path=ppt/slides/slide43.xml><?xml version="1.0" encoding="utf-8"?>
+<file path=ppt/slides/slide44.xml><?xml version="1.0" encoding="utf-8"?>
 <p:sld xmlns:a="http://schemas.openxmlformats.org/drawingml/2006/main" xmlns:r="http://schemas.openxmlformats.org/officeDocument/2006/relationships" xmlns:p="http://schemas.openxmlformats.org/presentationml/2006/main">
   <p:cSld>
     <p:bg>
@@ -42575,7 +45075,7 @@
         <p:spPr>
           <a:xfrm>
             <a:off x="152400" y="6528524"/>
-            <a:ext cx="5715000" cy="261610"/>
+            <a:ext cx="5715000" cy="307777"/>
           </a:xfrm>
           <a:prstGeom prst="rect">
             <a:avLst/>
@@ -42589,22 +45089,32 @@
           <a:lstStyle/>
           <a:p>
             <a:r>
-              <a:rPr lang="en-US" sz="1100" b="1" i="1" dirty="0" smtClean="0"/>
+              <a:rPr lang="en-US" sz="1400" i="1" dirty="0" smtClean="0">
+                <a:latin typeface="Calibri" panose="020F0502020204030204" pitchFamily="34" charset="0"/>
+              </a:rPr>
               <a:t>** </a:t>
             </a:r>
             <a:r>
-              <a:rPr lang="en-US" sz="1100" b="1" i="1" dirty="0"/>
+              <a:rPr lang="en-US" sz="1400" i="1" dirty="0">
+                <a:latin typeface="Calibri" panose="020F0502020204030204" pitchFamily="34" charset="0"/>
+              </a:rPr>
               <a:t>Slide from </a:t>
             </a:r>
             <a:r>
-              <a:rPr lang="en-US" sz="1100" b="1" i="1" dirty="0" smtClean="0"/>
+              <a:rPr lang="en-US" sz="1400" i="1" dirty="0" smtClean="0">
+                <a:latin typeface="Calibri" panose="020F0502020204030204" pitchFamily="34" charset="0"/>
+              </a:rPr>
               <a:t>Marcos </a:t>
             </a:r>
             <a:r>
-              <a:rPr lang="en-US" sz="1100" b="1" i="1" dirty="0" err="1"/>
+              <a:rPr lang="en-US" sz="1400" i="1" dirty="0" err="1">
+                <a:latin typeface="Calibri" panose="020F0502020204030204" pitchFamily="34" charset="0"/>
+              </a:rPr>
               <a:t>Vinícius</a:t>
             </a:r>
-            <a:endParaRPr lang="en-US" sz="1100" b="1" i="1" dirty="0"/>
+            <a:endParaRPr lang="en-US" sz="1400" i="1" dirty="0">
+              <a:latin typeface="Calibri" panose="020F0502020204030204" pitchFamily="34" charset="0"/>
+            </a:endParaRPr>
           </a:p>
         </p:txBody>
       </p:sp>
@@ -42630,10 +45140,17 @@
       </p:transition>
     </mc:Fallback>
   </mc:AlternateContent>
+  <p:timing>
+    <p:tnLst>
+      <p:par>
+        <p:cTn id="1" dur="indefinite" restart="never" nodeType="tmRoot"/>
+      </p:par>
+    </p:tnLst>
+  </p:timing>
 </p:sld>
 </file>
 
-<file path=ppt/slides/slide44.xml><?xml version="1.0" encoding="utf-8"?>
+<file path=ppt/slides/slide45.xml><?xml version="1.0" encoding="utf-8"?>
 <p:sld xmlns:a="http://schemas.openxmlformats.org/drawingml/2006/main" xmlns:r="http://schemas.openxmlformats.org/officeDocument/2006/relationships" xmlns:p="http://schemas.openxmlformats.org/presentationml/2006/main" showMasterSp="0">
   <p:cSld>
     <p:bg>
@@ -43120,21 +45637,8 @@
                 <a:ea typeface="Segoe UI" panose="020B0502040204020203" pitchFamily="34" charset="0"/>
                 <a:cs typeface="Segoe UI" panose="020B0502040204020203" pitchFamily="34" charset="0"/>
               </a:rPr>
-              <a:t>@</a:t>
-            </a:r>
-            <a:r>
-              <a:rPr lang="en-US" sz="4800" dirty="0" err="1">
-                <a:latin typeface="Segoe UI" panose="020B0502040204020203" pitchFamily="34" charset="0"/>
-                <a:ea typeface="Segoe UI" panose="020B0502040204020203" pitchFamily="34" charset="0"/>
-                <a:cs typeface="Segoe UI" panose="020B0502040204020203" pitchFamily="34" charset="0"/>
-              </a:rPr>
-              <a:t>SharePointCincy</a:t>
-            </a:r>
-            <a:endParaRPr lang="en-US" sz="4800" dirty="0">
-              <a:latin typeface="Segoe UI" panose="020B0502040204020203" pitchFamily="34" charset="0"/>
-              <a:ea typeface="Segoe UI" panose="020B0502040204020203" pitchFamily="34" charset="0"/>
-              <a:cs typeface="Segoe UI" panose="020B0502040204020203" pitchFamily="34" charset="0"/>
-            </a:endParaRPr>
+              <a:t>@SharePointCincy</a:t>
+            </a:r>
           </a:p>
           <a:p>
             <a:r>
@@ -43143,21 +45647,8 @@
                 <a:ea typeface="Segoe UI" panose="020B0502040204020203" pitchFamily="34" charset="0"/>
                 <a:cs typeface="Segoe UI" panose="020B0502040204020203" pitchFamily="34" charset="0"/>
               </a:rPr>
-              <a:t>#</a:t>
-            </a:r>
-            <a:r>
-              <a:rPr lang="en-US" sz="3733" dirty="0" err="1">
-                <a:latin typeface="Segoe UI" panose="020B0502040204020203" pitchFamily="34" charset="0"/>
-                <a:ea typeface="Segoe UI" panose="020B0502040204020203" pitchFamily="34" charset="0"/>
-                <a:cs typeface="Segoe UI" panose="020B0502040204020203" pitchFamily="34" charset="0"/>
-              </a:rPr>
-              <a:t>SharePointCincy</a:t>
-            </a:r>
-            <a:endParaRPr lang="en-US" sz="3733" dirty="0">
-              <a:latin typeface="Segoe UI" panose="020B0502040204020203" pitchFamily="34" charset="0"/>
-              <a:ea typeface="Segoe UI" panose="020B0502040204020203" pitchFamily="34" charset="0"/>
-              <a:cs typeface="Segoe UI" panose="020B0502040204020203" pitchFamily="34" charset="0"/>
-            </a:endParaRPr>
+              <a:t>#SharePointCincy</a:t>
+            </a:r>
           </a:p>
         </p:txBody>
       </p:sp>
@@ -43193,7 +45684,7 @@
 </p:sld>
 </file>
 
-<file path=ppt/slides/slide45.xml><?xml version="1.0" encoding="utf-8"?>
+<file path=ppt/slides/slide46.xml><?xml version="1.0" encoding="utf-8"?>
 <p:sld xmlns:a="http://schemas.openxmlformats.org/drawingml/2006/main" xmlns:r="http://schemas.openxmlformats.org/officeDocument/2006/relationships" xmlns:p="http://schemas.openxmlformats.org/presentationml/2006/main" showMasterSp="0">
   <p:cSld>
     <p:bg>
@@ -43226,8 +45717,8 @@
         </p:nvSpPr>
         <p:spPr>
           <a:xfrm>
-            <a:off x="12131" y="1701800"/>
-            <a:ext cx="12179868" cy="1077218"/>
+            <a:off x="193274" y="1701801"/>
+            <a:ext cx="11772949" cy="369332"/>
           </a:xfrm>
           <a:prstGeom prst="rect">
             <a:avLst/>
@@ -43241,45 +45732,17 @@
           <a:lstStyle/>
           <a:p>
             <a:r>
-              <a:rPr lang="en-US" sz="3200" dirty="0">
+              <a:rPr lang="en-US" dirty="0">
                 <a:solidFill>
-                  <a:schemeClr val="bg1"/>
+                  <a:schemeClr val="bg2"/>
                 </a:solidFill>
+                <a:latin typeface="+mj-lt"/>
               </a:rPr>
-              <a:t>Please visit the sponsors and express your thanks for their supporting this conference!</a:t>
+              <a:t>Please visit the sponsors and thank them. Without them, we wouldn’t have a conference!</a:t>
             </a:r>
           </a:p>
         </p:txBody>
       </p:sp>
-      <p:pic>
-        <p:nvPicPr>
-          <p:cNvPr id="2" name="Picture 1"/>
-          <p:cNvPicPr>
-            <a:picLocks noChangeAspect="1"/>
-          </p:cNvPicPr>
-          <p:nvPr/>
-        </p:nvPicPr>
-        <p:blipFill rotWithShape="1">
-          <a:blip r:embed="rId2">
-            <a:extLst>
-              <a:ext uri="{28A0092B-C50C-407E-A947-70E740481C1C}">
-                <a14:useLocalDpi xmlns:a14="http://schemas.microsoft.com/office/drawing/2010/main" val="0"/>
-              </a:ext>
-            </a:extLst>
-          </a:blip>
-          <a:srcRect l="30082"/>
-          <a:stretch/>
-        </p:blipFill>
-        <p:spPr>
-          <a:xfrm>
-            <a:off x="1478845" y="2819400"/>
-            <a:ext cx="9595556" cy="4318000"/>
-          </a:xfrm>
-          <a:prstGeom prst="rect">
-            <a:avLst/>
-          </a:prstGeom>
-        </p:spPr>
-      </p:pic>
       <p:pic>
         <p:nvPicPr>
           <p:cNvPr id="11" name="Picture 10"/>
@@ -43289,7 +45752,7 @@
           <p:nvPr/>
         </p:nvPicPr>
         <p:blipFill rotWithShape="1">
-          <a:blip r:embed="rId3">
+          <a:blip r:embed="rId2">
             <a:extLst>
               <a:ext uri="{28A0092B-C50C-407E-A947-70E740481C1C}">
                 <a14:useLocalDpi xmlns:a14="http://schemas.microsoft.com/office/drawing/2010/main" val="0"/>
@@ -43379,6 +45842,9 @@
           <a:p>
             <a:r>
               <a:rPr lang="en-US" sz="4800" dirty="0">
+                <a:solidFill>
+                  <a:schemeClr val="bg1"/>
+                </a:solidFill>
                 <a:latin typeface="Segoe UI" panose="020B0502040204020203" pitchFamily="34" charset="0"/>
                 <a:ea typeface="Segoe UI" panose="020B0502040204020203" pitchFamily="34" charset="0"/>
                 <a:cs typeface="Segoe UI" panose="020B0502040204020203" pitchFamily="34" charset="0"/>
@@ -43386,18 +45852,13 @@
               <a:t>@</a:t>
             </a:r>
             <a:r>
-              <a:rPr lang="en-US" sz="4800" dirty="0" err="1">
+              <a:rPr lang="en-US" sz="4800" dirty="0">
                 <a:latin typeface="Segoe UI" panose="020B0502040204020203" pitchFamily="34" charset="0"/>
                 <a:ea typeface="Segoe UI" panose="020B0502040204020203" pitchFamily="34" charset="0"/>
                 <a:cs typeface="Segoe UI" panose="020B0502040204020203" pitchFamily="34" charset="0"/>
               </a:rPr>
               <a:t>SharePointCincy</a:t>
             </a:r>
-            <a:endParaRPr lang="en-US" sz="4800" dirty="0">
-              <a:latin typeface="Segoe UI" panose="020B0502040204020203" pitchFamily="34" charset="0"/>
-              <a:ea typeface="Segoe UI" panose="020B0502040204020203" pitchFamily="34" charset="0"/>
-              <a:cs typeface="Segoe UI" panose="020B0502040204020203" pitchFamily="34" charset="0"/>
-            </a:endParaRPr>
           </a:p>
           <a:p>
             <a:r>
@@ -43406,28 +45867,532 @@
                 <a:ea typeface="Segoe UI" panose="020B0502040204020203" pitchFamily="34" charset="0"/>
                 <a:cs typeface="Segoe UI" panose="020B0502040204020203" pitchFamily="34" charset="0"/>
               </a:rPr>
-              <a:t>#</a:t>
-            </a:r>
-            <a:r>
-              <a:rPr lang="en-US" sz="3733" dirty="0" err="1">
-                <a:latin typeface="Segoe UI" panose="020B0502040204020203" pitchFamily="34" charset="0"/>
-                <a:ea typeface="Segoe UI" panose="020B0502040204020203" pitchFamily="34" charset="0"/>
-                <a:cs typeface="Segoe UI" panose="020B0502040204020203" pitchFamily="34" charset="0"/>
+              <a:t>#SharePointCincy</a:t>
+            </a:r>
+          </a:p>
+        </p:txBody>
+      </p:sp>
+      <p:sp>
+        <p:nvSpPr>
+          <p:cNvPr id="32" name="TextBox 31"/>
+          <p:cNvSpPr txBox="1"/>
+          <p:nvPr/>
+        </p:nvSpPr>
+        <p:spPr>
+          <a:xfrm>
+            <a:off x="304800" y="3733800"/>
+            <a:ext cx="5486400" cy="400110"/>
+          </a:xfrm>
+          <a:prstGeom prst="rect">
+            <a:avLst/>
+          </a:prstGeom>
+          <a:noFill/>
+        </p:spPr>
+        <p:txBody>
+          <a:bodyPr wrap="square" rtlCol="0">
+            <a:spAutoFit/>
+          </a:bodyPr>
+          <a:lstStyle/>
+          <a:p>
+            <a:r>
+              <a:rPr lang="en-US" sz="2000" b="1" u="sng" spc="400" dirty="0">
+                <a:solidFill>
+                  <a:srgbClr val="FFC000"/>
+                </a:solidFill>
+                <a:latin typeface="Calibri" panose="020F0502020204030204" pitchFamily="34" charset="0"/>
               </a:rPr>
-              <a:t>SharePointCincy</a:t>
-            </a:r>
-            <a:endParaRPr lang="en-US" sz="3733" dirty="0">
-              <a:latin typeface="Segoe UI" panose="020B0502040204020203" pitchFamily="34" charset="0"/>
-              <a:ea typeface="Segoe UI" panose="020B0502040204020203" pitchFamily="34" charset="0"/>
-              <a:cs typeface="Segoe UI" panose="020B0502040204020203" pitchFamily="34" charset="0"/>
-            </a:endParaRPr>
+              <a:t>GOLD SPONSORS</a:t>
+            </a:r>
+          </a:p>
+        </p:txBody>
+      </p:sp>
+      <p:pic>
+        <p:nvPicPr>
+          <p:cNvPr id="33" name="Picture 2" descr="M:\Marketing\SharePoint Cincy 2015\2015 Sponsors\Sponsor Logos\AvePoint_logo_without_tagline.png"/>
+          <p:cNvPicPr>
+            <a:picLocks noChangeAspect="1" noChangeArrowheads="1"/>
+          </p:cNvPicPr>
+          <p:nvPr/>
+        </p:nvPicPr>
+        <p:blipFill>
+          <a:blip r:embed="rId3" cstate="print">
+            <a:extLst>
+              <a:ext uri="{28A0092B-C50C-407E-A947-70E740481C1C}">
+                <a14:useLocalDpi xmlns:a14="http://schemas.microsoft.com/office/drawing/2010/main" val="0"/>
+              </a:ext>
+            </a:extLst>
+          </a:blip>
+          <a:srcRect/>
+          <a:stretch>
+            <a:fillRect/>
+          </a:stretch>
+        </p:blipFill>
+        <p:spPr bwMode="auto">
+          <a:xfrm>
+            <a:off x="372533" y="4481736"/>
+            <a:ext cx="2194560" cy="551144"/>
+          </a:xfrm>
+          <a:prstGeom prst="rect">
+            <a:avLst/>
+          </a:prstGeom>
+          <a:noFill/>
+          <a:extLst>
+            <a:ext uri="{909E8E84-426E-40DD-AFC4-6F175D3DCCD1}">
+              <a14:hiddenFill xmlns:a14="http://schemas.microsoft.com/office/drawing/2010/main">
+                <a:solidFill>
+                  <a:srgbClr val="FFFFFF"/>
+                </a:solidFill>
+              </a14:hiddenFill>
+            </a:ext>
+          </a:extLst>
+        </p:spPr>
+      </p:pic>
+      <p:pic>
+        <p:nvPicPr>
+          <p:cNvPr id="34" name="Picture 3" descr="M:\Marketing\SharePoint Cincy 2015\2015 Sponsors\Sponsor Logos\bluespring logo current.png"/>
+          <p:cNvPicPr>
+            <a:picLocks noChangeAspect="1" noChangeArrowheads="1"/>
+          </p:cNvPicPr>
+          <p:nvPr/>
+        </p:nvPicPr>
+        <p:blipFill>
+          <a:blip r:embed="rId4">
+            <a:extLst>
+              <a:ext uri="{28A0092B-C50C-407E-A947-70E740481C1C}">
+                <a14:useLocalDpi xmlns:a14="http://schemas.microsoft.com/office/drawing/2010/main" val="0"/>
+              </a:ext>
+            </a:extLst>
+          </a:blip>
+          <a:srcRect/>
+          <a:stretch>
+            <a:fillRect/>
+          </a:stretch>
+        </p:blipFill>
+        <p:spPr bwMode="auto">
+          <a:xfrm>
+            <a:off x="395111" y="5504864"/>
+            <a:ext cx="2194560" cy="1003227"/>
+          </a:xfrm>
+          <a:prstGeom prst="rect">
+            <a:avLst/>
+          </a:prstGeom>
+          <a:noFill/>
+          <a:extLst>
+            <a:ext uri="{909E8E84-426E-40DD-AFC4-6F175D3DCCD1}">
+              <a14:hiddenFill xmlns:a14="http://schemas.microsoft.com/office/drawing/2010/main">
+                <a:solidFill>
+                  <a:srgbClr val="FFFFFF"/>
+                </a:solidFill>
+              </a14:hiddenFill>
+            </a:ext>
+          </a:extLst>
+        </p:spPr>
+      </p:pic>
+      <p:pic>
+        <p:nvPicPr>
+          <p:cNvPr id="35" name="Picture 4" descr="M:\Marketing\SharePoint Cincy 2015\2015 Sponsors\Sponsor Logos\Cardinal Logo.png"/>
+          <p:cNvPicPr>
+            <a:picLocks noChangeAspect="1" noChangeArrowheads="1"/>
+          </p:cNvPicPr>
+          <p:nvPr/>
+        </p:nvPicPr>
+        <p:blipFill>
+          <a:blip r:embed="rId5">
+            <a:extLst>
+              <a:ext uri="{28A0092B-C50C-407E-A947-70E740481C1C}">
+                <a14:useLocalDpi xmlns:a14="http://schemas.microsoft.com/office/drawing/2010/main" val="0"/>
+              </a:ext>
+            </a:extLst>
+          </a:blip>
+          <a:srcRect/>
+          <a:stretch>
+            <a:fillRect/>
+          </a:stretch>
+        </p:blipFill>
+        <p:spPr bwMode="auto">
+          <a:xfrm>
+            <a:off x="2987040" y="4241800"/>
+            <a:ext cx="2194560" cy="1060875"/>
+          </a:xfrm>
+          <a:prstGeom prst="rect">
+            <a:avLst/>
+          </a:prstGeom>
+          <a:noFill/>
+          <a:extLst>
+            <a:ext uri="{909E8E84-426E-40DD-AFC4-6F175D3DCCD1}">
+              <a14:hiddenFill xmlns:a14="http://schemas.microsoft.com/office/drawing/2010/main">
+                <a:solidFill>
+                  <a:srgbClr val="FFFFFF"/>
+                </a:solidFill>
+              </a14:hiddenFill>
+            </a:ext>
+          </a:extLst>
+        </p:spPr>
+      </p:pic>
+      <p:pic>
+        <p:nvPicPr>
+          <p:cNvPr id="36" name="Picture 5" descr="M:\Marketing\SharePoint Cincy 2015\2015 Sponsors\Sponsor Logos\CBTS-New.jpg"/>
+          <p:cNvPicPr>
+            <a:picLocks noChangeAspect="1" noChangeArrowheads="1"/>
+          </p:cNvPicPr>
+          <p:nvPr/>
+        </p:nvPicPr>
+        <p:blipFill>
+          <a:blip r:embed="rId6" cstate="print">
+            <a:extLst>
+              <a:ext uri="{28A0092B-C50C-407E-A947-70E740481C1C}">
+                <a14:useLocalDpi xmlns:a14="http://schemas.microsoft.com/office/drawing/2010/main" val="0"/>
+              </a:ext>
+            </a:extLst>
+          </a:blip>
+          <a:srcRect/>
+          <a:stretch>
+            <a:fillRect/>
+          </a:stretch>
+        </p:blipFill>
+        <p:spPr bwMode="auto">
+          <a:xfrm>
+            <a:off x="417688" y="2804538"/>
+            <a:ext cx="2194560" cy="827663"/>
+          </a:xfrm>
+          <a:prstGeom prst="rect">
+            <a:avLst/>
+          </a:prstGeom>
+          <a:noFill/>
+          <a:extLst>
+            <a:ext uri="{909E8E84-426E-40DD-AFC4-6F175D3DCCD1}">
+              <a14:hiddenFill xmlns:a14="http://schemas.microsoft.com/office/drawing/2010/main">
+                <a:solidFill>
+                  <a:srgbClr val="FFFFFF"/>
+                </a:solidFill>
+              </a14:hiddenFill>
+            </a:ext>
+          </a:extLst>
+        </p:spPr>
+      </p:pic>
+      <p:pic>
+        <p:nvPicPr>
+          <p:cNvPr id="37" name="Picture 6" descr="M:\Marketing\SharePoint Cincy 2015\2015 Sponsors\Sponsor Logos\FocalPoint.png"/>
+          <p:cNvPicPr>
+            <a:picLocks noChangeAspect="1" noChangeArrowheads="1"/>
+          </p:cNvPicPr>
+          <p:nvPr/>
+        </p:nvPicPr>
+        <p:blipFill>
+          <a:blip r:embed="rId7">
+            <a:extLst>
+              <a:ext uri="{28A0092B-C50C-407E-A947-70E740481C1C}">
+                <a14:useLocalDpi xmlns:a14="http://schemas.microsoft.com/office/drawing/2010/main" val="0"/>
+              </a:ext>
+            </a:extLst>
+          </a:blip>
+          <a:srcRect/>
+          <a:stretch>
+            <a:fillRect/>
+          </a:stretch>
+        </p:blipFill>
+        <p:spPr bwMode="auto">
+          <a:xfrm>
+            <a:off x="2946400" y="5359400"/>
+            <a:ext cx="1950720" cy="1193381"/>
+          </a:xfrm>
+          <a:prstGeom prst="rect">
+            <a:avLst/>
+          </a:prstGeom>
+          <a:noFill/>
+          <a:extLst>
+            <a:ext uri="{909E8E84-426E-40DD-AFC4-6F175D3DCCD1}">
+              <a14:hiddenFill xmlns:a14="http://schemas.microsoft.com/office/drawing/2010/main">
+                <a:solidFill>
+                  <a:srgbClr val="FFFFFF"/>
+                </a:solidFill>
+              </a14:hiddenFill>
+            </a:ext>
+          </a:extLst>
+        </p:spPr>
+      </p:pic>
+      <p:sp>
+        <p:nvSpPr>
+          <p:cNvPr id="38" name="TextBox 37"/>
+          <p:cNvSpPr txBox="1"/>
+          <p:nvPr/>
+        </p:nvSpPr>
+        <p:spPr>
+          <a:xfrm>
+            <a:off x="6807199" y="3161773"/>
+            <a:ext cx="2470503" cy="400110"/>
+          </a:xfrm>
+          <a:prstGeom prst="rect">
+            <a:avLst/>
+          </a:prstGeom>
+          <a:noFill/>
+        </p:spPr>
+        <p:txBody>
+          <a:bodyPr wrap="square" rtlCol="0">
+            <a:spAutoFit/>
+          </a:bodyPr>
+          <a:lstStyle/>
+          <a:p>
+            <a:r>
+              <a:rPr lang="en-US" sz="2000" b="1" u="sng" spc="400" dirty="0">
+                <a:solidFill>
+                  <a:schemeClr val="accent4">
+                    <a:lumMod val="75000"/>
+                  </a:schemeClr>
+                </a:solidFill>
+                <a:latin typeface="Calibri" panose="020F0502020204030204" pitchFamily="34" charset="0"/>
+              </a:rPr>
+              <a:t>EXHIBITORS</a:t>
+            </a:r>
+          </a:p>
+        </p:txBody>
+      </p:sp>
+      <p:pic>
+        <p:nvPicPr>
+          <p:cNvPr id="39" name="Picture 7" descr="M:\Marketing\SharePoint Cincy 2015\2015 Sponsors\Sponsor Logos\AIS-logo_jpg.jpg"/>
+          <p:cNvPicPr>
+            <a:picLocks noChangeAspect="1" noChangeArrowheads="1"/>
+          </p:cNvPicPr>
+          <p:nvPr/>
+        </p:nvPicPr>
+        <p:blipFill>
+          <a:blip r:embed="rId8" cstate="print">
+            <a:extLst>
+              <a:ext uri="{28A0092B-C50C-407E-A947-70E740481C1C}">
+                <a14:useLocalDpi xmlns:a14="http://schemas.microsoft.com/office/drawing/2010/main" val="0"/>
+              </a:ext>
+            </a:extLst>
+          </a:blip>
+          <a:srcRect/>
+          <a:stretch>
+            <a:fillRect/>
+          </a:stretch>
+        </p:blipFill>
+        <p:spPr bwMode="auto">
+          <a:xfrm>
+            <a:off x="7042501" y="3889408"/>
+            <a:ext cx="1625600" cy="953685"/>
+          </a:xfrm>
+          <a:prstGeom prst="rect">
+            <a:avLst/>
+          </a:prstGeom>
+          <a:noFill/>
+          <a:extLst>
+            <a:ext uri="{909E8E84-426E-40DD-AFC4-6F175D3DCCD1}">
+              <a14:hiddenFill xmlns:a14="http://schemas.microsoft.com/office/drawing/2010/main">
+                <a:solidFill>
+                  <a:srgbClr val="FFFFFF"/>
+                </a:solidFill>
+              </a14:hiddenFill>
+            </a:ext>
+          </a:extLst>
+        </p:spPr>
+      </p:pic>
+      <p:pic>
+        <p:nvPicPr>
+          <p:cNvPr id="40" name="Picture 8" descr="M:\Marketing\SharePoint Cincy 2015\2015 Sponsors\Sponsor Logos\dell-logo.jpg"/>
+          <p:cNvPicPr>
+            <a:picLocks noChangeAspect="1" noChangeArrowheads="1"/>
+          </p:cNvPicPr>
+          <p:nvPr/>
+        </p:nvPicPr>
+        <p:blipFill>
+          <a:blip r:embed="rId9" cstate="print">
+            <a:extLst>
+              <a:ext uri="{28A0092B-C50C-407E-A947-70E740481C1C}">
+                <a14:useLocalDpi xmlns:a14="http://schemas.microsoft.com/office/drawing/2010/main" val="0"/>
+              </a:ext>
+            </a:extLst>
+          </a:blip>
+          <a:srcRect/>
+          <a:stretch>
+            <a:fillRect/>
+          </a:stretch>
+        </p:blipFill>
+        <p:spPr bwMode="auto">
+          <a:xfrm>
+            <a:off x="7010401" y="5032881"/>
+            <a:ext cx="1780116" cy="694372"/>
+          </a:xfrm>
+          <a:prstGeom prst="rect">
+            <a:avLst/>
+          </a:prstGeom>
+          <a:noFill/>
+          <a:extLst>
+            <a:ext uri="{909E8E84-426E-40DD-AFC4-6F175D3DCCD1}">
+              <a14:hiddenFill xmlns:a14="http://schemas.microsoft.com/office/drawing/2010/main">
+                <a:solidFill>
+                  <a:srgbClr val="FFFFFF"/>
+                </a:solidFill>
+              </a14:hiddenFill>
+            </a:ext>
+          </a:extLst>
+        </p:spPr>
+      </p:pic>
+      <p:pic>
+        <p:nvPicPr>
+          <p:cNvPr id="41" name="Picture 9" descr="M:\Marketing\SharePoint Cincy 2015\2015 Sponsors\Sponsor Logos\pcms_itag_high.jpg"/>
+          <p:cNvPicPr>
+            <a:picLocks noChangeAspect="1" noChangeArrowheads="1"/>
+          </p:cNvPicPr>
+          <p:nvPr/>
+        </p:nvPicPr>
+        <p:blipFill>
+          <a:blip r:embed="rId10" cstate="print">
+            <a:extLst>
+              <a:ext uri="{28A0092B-C50C-407E-A947-70E740481C1C}">
+                <a14:useLocalDpi xmlns:a14="http://schemas.microsoft.com/office/drawing/2010/main" val="0"/>
+              </a:ext>
+            </a:extLst>
+          </a:blip>
+          <a:srcRect/>
+          <a:stretch>
+            <a:fillRect/>
+          </a:stretch>
+        </p:blipFill>
+        <p:spPr bwMode="auto">
+          <a:xfrm>
+            <a:off x="9176104" y="3861764"/>
+            <a:ext cx="1837249" cy="1052688"/>
+          </a:xfrm>
+          <a:prstGeom prst="rect">
+            <a:avLst/>
+          </a:prstGeom>
+          <a:noFill/>
+          <a:extLst>
+            <a:ext uri="{909E8E84-426E-40DD-AFC4-6F175D3DCCD1}">
+              <a14:hiddenFill xmlns:a14="http://schemas.microsoft.com/office/drawing/2010/main">
+                <a:solidFill>
+                  <a:srgbClr val="FFFFFF"/>
+                </a:solidFill>
+              </a14:hiddenFill>
+            </a:ext>
+          </a:extLst>
+        </p:spPr>
+      </p:pic>
+      <p:pic>
+        <p:nvPicPr>
+          <p:cNvPr id="42" name="Picture 10" descr="M:\Marketing\SharePoint Cincy 2015\2015 Sponsors\Sponsor Logos\sogeti_varmred_cmyk (1).jpg"/>
+          <p:cNvPicPr>
+            <a:picLocks noChangeAspect="1" noChangeArrowheads="1"/>
+          </p:cNvPicPr>
+          <p:nvPr/>
+        </p:nvPicPr>
+        <p:blipFill>
+          <a:blip r:embed="rId11" cstate="print">
+            <a:extLst>
+              <a:ext uri="{28A0092B-C50C-407E-A947-70E740481C1C}">
+                <a14:useLocalDpi xmlns:a14="http://schemas.microsoft.com/office/drawing/2010/main" val="0"/>
+              </a:ext>
+            </a:extLst>
+          </a:blip>
+          <a:srcRect/>
+          <a:stretch>
+            <a:fillRect/>
+          </a:stretch>
+        </p:blipFill>
+        <p:spPr bwMode="auto">
+          <a:xfrm>
+            <a:off x="9277702" y="5116875"/>
+            <a:ext cx="1735649" cy="528831"/>
+          </a:xfrm>
+          <a:prstGeom prst="rect">
+            <a:avLst/>
+          </a:prstGeom>
+          <a:noFill/>
+          <a:extLst>
+            <a:ext uri="{909E8E84-426E-40DD-AFC4-6F175D3DCCD1}">
+              <a14:hiddenFill xmlns:a14="http://schemas.microsoft.com/office/drawing/2010/main">
+                <a:solidFill>
+                  <a:srgbClr val="FFFFFF"/>
+                </a:solidFill>
+              </a14:hiddenFill>
+            </a:ext>
+          </a:extLst>
+        </p:spPr>
+      </p:pic>
+      <p:pic>
+        <p:nvPicPr>
+          <p:cNvPr id="43" name="Picture 11" descr="M:\Marketing\SharePoint Cincy 2015\2015 Sponsors\Sponsor Logos\MSFT_logo_Web.jpg"/>
+          <p:cNvPicPr>
+            <a:picLocks noChangeAspect="1" noChangeArrowheads="1"/>
+          </p:cNvPicPr>
+          <p:nvPr/>
+        </p:nvPicPr>
+        <p:blipFill>
+          <a:blip r:embed="rId12" cstate="print">
+            <a:extLst>
+              <a:ext uri="{28A0092B-C50C-407E-A947-70E740481C1C}">
+                <a14:useLocalDpi xmlns:a14="http://schemas.microsoft.com/office/drawing/2010/main" val="0"/>
+              </a:ext>
+            </a:extLst>
+          </a:blip>
+          <a:srcRect/>
+          <a:stretch>
+            <a:fillRect/>
+          </a:stretch>
+        </p:blipFill>
+        <p:spPr bwMode="auto">
+          <a:xfrm>
+            <a:off x="7010401" y="5915672"/>
+            <a:ext cx="2077156" cy="592681"/>
+          </a:xfrm>
+          <a:prstGeom prst="rect">
+            <a:avLst/>
+          </a:prstGeom>
+          <a:noFill/>
+          <a:extLst>
+            <a:ext uri="{909E8E84-426E-40DD-AFC4-6F175D3DCCD1}">
+              <a14:hiddenFill xmlns:a14="http://schemas.microsoft.com/office/drawing/2010/main">
+                <a:solidFill>
+                  <a:srgbClr val="FFFFFF"/>
+                </a:solidFill>
+              </a14:hiddenFill>
+            </a:ext>
+          </a:extLst>
+        </p:spPr>
+      </p:pic>
+      <p:sp>
+        <p:nvSpPr>
+          <p:cNvPr id="44" name="TextBox 43"/>
+          <p:cNvSpPr txBox="1"/>
+          <p:nvPr/>
+        </p:nvSpPr>
+        <p:spPr>
+          <a:xfrm>
+            <a:off x="304800" y="2209801"/>
+            <a:ext cx="3352800" cy="400110"/>
+          </a:xfrm>
+          <a:prstGeom prst="rect">
+            <a:avLst/>
+          </a:prstGeom>
+          <a:noFill/>
+        </p:spPr>
+        <p:txBody>
+          <a:bodyPr wrap="square" rtlCol="0">
+            <a:spAutoFit/>
+          </a:bodyPr>
+          <a:lstStyle/>
+          <a:p>
+            <a:r>
+              <a:rPr lang="en-US" sz="2000" b="1" u="sng" dirty="0">
+                <a:solidFill>
+                  <a:schemeClr val="accent6">
+                    <a:lumMod val="60000"/>
+                    <a:lumOff val="40000"/>
+                  </a:schemeClr>
+                </a:solidFill>
+                <a:latin typeface="Calibri" panose="020F0502020204030204" pitchFamily="34" charset="0"/>
+              </a:rPr>
+              <a:t>PLATINUM SPONSOR</a:t>
+            </a:r>
           </a:p>
         </p:txBody>
       </p:sp>
     </p:spTree>
     <p:extLst>
       <p:ext uri="{BB962C8B-B14F-4D97-AF65-F5344CB8AC3E}">
-        <p14:creationId xmlns:p14="http://schemas.microsoft.com/office/powerpoint/2010/main" val="2746802867"/>
+        <p14:creationId xmlns:p14="http://schemas.microsoft.com/office/powerpoint/2010/main" val="138644612"/>
       </p:ext>
     </p:extLst>
   </p:cSld>

--- a/Building SPAs in SharePoint Using AngularJS.pptx
+++ b/Building SPAs in SharePoint Using AngularJS.pptx
@@ -13,7 +13,7 @@
   <p:sldIdLst>
     <p:sldId id="323" r:id="rId2"/>
     <p:sldId id="324" r:id="rId3"/>
-    <p:sldId id="329" r:id="rId4"/>
+    <p:sldId id="332" r:id="rId4"/>
     <p:sldId id="326" r:id="rId5"/>
     <p:sldId id="267" r:id="rId6"/>
     <p:sldId id="300" r:id="rId7"/>
@@ -56,7 +56,7 @@
     <p:sldId id="321" r:id="rId44"/>
     <p:sldId id="322" r:id="rId45"/>
     <p:sldId id="327" r:id="rId46"/>
-    <p:sldId id="330" r:id="rId47"/>
+    <p:sldId id="333" r:id="rId47"/>
   </p:sldIdLst>
   <p:sldSz cx="12192000" cy="6858000"/>
   <p:notesSz cx="6858000" cy="9144000"/>
@@ -10200,24 +10200,24 @@
     </dgm:pt>
   </dgm:ptLst>
   <dgm:cxnLst>
-    <dgm:cxn modelId="{957C551D-31A8-4286-A3AE-C5928DB663CE}" srcId="{356F6FEF-38C8-437A-8562-86A5ED3F5885}" destId="{640CA9BD-09C1-4472-8DAC-0F150EC5E678}" srcOrd="0" destOrd="0" parTransId="{90609DF7-843B-4BEF-A3B5-89270E6B0951}" sibTransId="{67B503AA-82FD-4AA4-8357-3D8B59D6160B}"/>
+    <dgm:cxn modelId="{E3127806-8416-954D-A6C0-94B0BC97C2AA}" type="presOf" srcId="{11888A7B-1E89-45E6-84F4-EF92B26189CD}" destId="{FE18ED5F-9A71-45CE-87E6-C0921B5A24D6}" srcOrd="1" destOrd="0" presId="urn:microsoft.com/office/officeart/2005/8/layout/list1"/>
+    <dgm:cxn modelId="{C1F80965-071B-3D4F-AFAF-6DF7C0896EE4}" type="presOf" srcId="{356F6FEF-38C8-437A-8562-86A5ED3F5885}" destId="{1F18BCE3-3253-48F7-AD42-D7032F677CFA}" srcOrd="0" destOrd="0" presId="urn:microsoft.com/office/officeart/2005/8/layout/list1"/>
+    <dgm:cxn modelId="{392AE56A-6939-469F-BFEC-2DEEC6ABC100}" srcId="{2EFB202A-8611-4DDC-831D-D12EB67B6CF7}" destId="{712EDDD5-F1C9-457B-A81D-F94868058B44}" srcOrd="1" destOrd="0" parTransId="{5E2CC1CB-7E12-4298-9BE5-B8F6683E4161}" sibTransId="{630DB5C2-135D-425B-B7D5-1F5FFE12BF3B}"/>
     <dgm:cxn modelId="{4F9AE3DC-6826-8A4D-B505-94DC9489C9FE}" type="presOf" srcId="{11888A7B-1E89-45E6-84F4-EF92B26189CD}" destId="{75922BE6-701E-4BA9-A4D0-D411670A834F}" srcOrd="0" destOrd="0" presId="urn:microsoft.com/office/officeart/2005/8/layout/list1"/>
-    <dgm:cxn modelId="{9301CB8B-3F2F-0B41-A368-34AF9EF5EA9A}" type="presOf" srcId="{FD0C6DBE-1630-40B2-B624-EC1F16E42DB3}" destId="{B014BCF9-3CF0-4932-9F01-C8EDA8E469DD}" srcOrd="0" destOrd="0" presId="urn:microsoft.com/office/officeart/2005/8/layout/list1"/>
-    <dgm:cxn modelId="{931A4804-A23A-C740-B368-1414E352C043}" type="presOf" srcId="{712EDDD5-F1C9-457B-A81D-F94868058B44}" destId="{1CF0D767-27A0-4A0D-8AD7-1C805538B782}" srcOrd="1" destOrd="0" presId="urn:microsoft.com/office/officeart/2005/8/layout/list1"/>
-    <dgm:cxn modelId="{392AE56A-6939-469F-BFEC-2DEEC6ABC100}" srcId="{2EFB202A-8611-4DDC-831D-D12EB67B6CF7}" destId="{712EDDD5-F1C9-457B-A81D-F94868058B44}" srcOrd="1" destOrd="0" parTransId="{5E2CC1CB-7E12-4298-9BE5-B8F6683E4161}" sibTransId="{630DB5C2-135D-425B-B7D5-1F5FFE12BF3B}"/>
-    <dgm:cxn modelId="{9141C1C8-F12D-5F40-B46B-E7C97FEC40BB}" type="presOf" srcId="{640CA9BD-09C1-4472-8DAC-0F150EC5E678}" destId="{065ED812-3110-45CB-BF60-C55BC725AA59}" srcOrd="0" destOrd="0" presId="urn:microsoft.com/office/officeart/2005/8/layout/list1"/>
     <dgm:cxn modelId="{B2BF21B1-CBE7-4C5C-AEA8-BEC7AD474AA5}" srcId="{712EDDD5-F1C9-457B-A81D-F94868058B44}" destId="{FD0C6DBE-1630-40B2-B624-EC1F16E42DB3}" srcOrd="0" destOrd="0" parTransId="{E36B8C3A-F1B5-43BA-A80E-BB09E617B100}" sibTransId="{277B567A-A827-446E-9BF5-7F70AD3D8524}"/>
-    <dgm:cxn modelId="{5DB7BC28-D7CA-1B49-A41F-F46BA13EE219}" type="presOf" srcId="{2EFB202A-8611-4DDC-831D-D12EB67B6CF7}" destId="{C451E4B4-999F-4453-A3DD-8163324A608E}" srcOrd="0" destOrd="0" presId="urn:microsoft.com/office/officeart/2005/8/layout/list1"/>
-    <dgm:cxn modelId="{001054AC-F72E-7F41-9B3D-175F92FD768F}" type="presOf" srcId="{C65DEFF2-AA86-49F1-98AF-ECC7C9A55F8F}" destId="{D0247A5C-194D-40DD-ACBA-7E963F02BAC5}" srcOrd="0" destOrd="0" presId="urn:microsoft.com/office/officeart/2005/8/layout/list1"/>
-    <dgm:cxn modelId="{C1F80965-071B-3D4F-AFAF-6DF7C0896EE4}" type="presOf" srcId="{356F6FEF-38C8-437A-8562-86A5ED3F5885}" destId="{1F18BCE3-3253-48F7-AD42-D7032F677CFA}" srcOrd="0" destOrd="0" presId="urn:microsoft.com/office/officeart/2005/8/layout/list1"/>
     <dgm:cxn modelId="{CD3DBCEC-EEDA-4109-81A5-6979404266EF}" srcId="{356F6FEF-38C8-437A-8562-86A5ED3F5885}" destId="{77C3ADDA-CBFC-4773-939B-B820C1A52764}" srcOrd="1" destOrd="0" parTransId="{3B3B282E-7AC6-4347-8A0C-2E7D6FE9EC7F}" sibTransId="{A98AC8CF-021B-48F8-A127-D60CBE6EB071}"/>
     <dgm:cxn modelId="{F1ACF037-5EAE-E441-A81B-F68BEAAF78C1}" type="presOf" srcId="{77C3ADDA-CBFC-4773-939B-B820C1A52764}" destId="{065ED812-3110-45CB-BF60-C55BC725AA59}" srcOrd="0" destOrd="1" presId="urn:microsoft.com/office/officeart/2005/8/layout/list1"/>
+    <dgm:cxn modelId="{5376348D-4465-4E2E-9DB8-EA1F5276717B}" srcId="{2EFB202A-8611-4DDC-831D-D12EB67B6CF7}" destId="{11888A7B-1E89-45E6-84F4-EF92B26189CD}" srcOrd="0" destOrd="0" parTransId="{6043087E-917B-44BC-97F8-41385FD50DC3}" sibTransId="{438F37F5-E676-4BB5-A241-95D895E1B43F}"/>
     <dgm:cxn modelId="{8247D1A2-555D-4B39-B44D-5F2B5AE64242}" srcId="{2EFB202A-8611-4DDC-831D-D12EB67B6CF7}" destId="{356F6FEF-38C8-437A-8562-86A5ED3F5885}" srcOrd="2" destOrd="0" parTransId="{BD9B34C9-939F-47F5-A040-1B30C9EEA310}" sibTransId="{665399A3-A410-4656-8F7E-3FAB641DE891}"/>
+    <dgm:cxn modelId="{444BF4C1-45F8-4DAC-80A4-B20302E0D326}" srcId="{11888A7B-1E89-45E6-84F4-EF92B26189CD}" destId="{C65DEFF2-AA86-49F1-98AF-ECC7C9A55F8F}" srcOrd="0" destOrd="0" parTransId="{8C366E53-622D-45E5-9076-7C960E3333CC}" sibTransId="{2FD13AAE-85C2-4DED-BE23-DB3E95AF1C43}"/>
+    <dgm:cxn modelId="{957C551D-31A8-4286-A3AE-C5928DB663CE}" srcId="{356F6FEF-38C8-437A-8562-86A5ED3F5885}" destId="{640CA9BD-09C1-4472-8DAC-0F150EC5E678}" srcOrd="0" destOrd="0" parTransId="{90609DF7-843B-4BEF-A3B5-89270E6B0951}" sibTransId="{67B503AA-82FD-4AA4-8357-3D8B59D6160B}"/>
+    <dgm:cxn modelId="{9301CB8B-3F2F-0B41-A368-34AF9EF5EA9A}" type="presOf" srcId="{FD0C6DBE-1630-40B2-B624-EC1F16E42DB3}" destId="{B014BCF9-3CF0-4932-9F01-C8EDA8E469DD}" srcOrd="0" destOrd="0" presId="urn:microsoft.com/office/officeart/2005/8/layout/list1"/>
+    <dgm:cxn modelId="{001054AC-F72E-7F41-9B3D-175F92FD768F}" type="presOf" srcId="{C65DEFF2-AA86-49F1-98AF-ECC7C9A55F8F}" destId="{D0247A5C-194D-40DD-ACBA-7E963F02BAC5}" srcOrd="0" destOrd="0" presId="urn:microsoft.com/office/officeart/2005/8/layout/list1"/>
+    <dgm:cxn modelId="{4782F6B3-5C00-EA48-B55F-B2AD7A3A4335}" type="presOf" srcId="{712EDDD5-F1C9-457B-A81D-F94868058B44}" destId="{75A39EDD-D781-43E1-9360-E6E730441671}" srcOrd="0" destOrd="0" presId="urn:microsoft.com/office/officeart/2005/8/layout/list1"/>
+    <dgm:cxn modelId="{9141C1C8-F12D-5F40-B46B-E7C97FEC40BB}" type="presOf" srcId="{640CA9BD-09C1-4472-8DAC-0F150EC5E678}" destId="{065ED812-3110-45CB-BF60-C55BC725AA59}" srcOrd="0" destOrd="0" presId="urn:microsoft.com/office/officeart/2005/8/layout/list1"/>
     <dgm:cxn modelId="{B67482D2-CA92-EE49-809A-1AF1712B376C}" type="presOf" srcId="{356F6FEF-38C8-437A-8562-86A5ED3F5885}" destId="{25AD4B18-A6F3-4E52-A6B5-53F7A9EAF766}" srcOrd="1" destOrd="0" presId="urn:microsoft.com/office/officeart/2005/8/layout/list1"/>
-    <dgm:cxn modelId="{444BF4C1-45F8-4DAC-80A4-B20302E0D326}" srcId="{11888A7B-1E89-45E6-84F4-EF92B26189CD}" destId="{C65DEFF2-AA86-49F1-98AF-ECC7C9A55F8F}" srcOrd="0" destOrd="0" parTransId="{8C366E53-622D-45E5-9076-7C960E3333CC}" sibTransId="{2FD13AAE-85C2-4DED-BE23-DB3E95AF1C43}"/>
-    <dgm:cxn modelId="{5376348D-4465-4E2E-9DB8-EA1F5276717B}" srcId="{2EFB202A-8611-4DDC-831D-D12EB67B6CF7}" destId="{11888A7B-1E89-45E6-84F4-EF92B26189CD}" srcOrd="0" destOrd="0" parTransId="{6043087E-917B-44BC-97F8-41385FD50DC3}" sibTransId="{438F37F5-E676-4BB5-A241-95D895E1B43F}"/>
-    <dgm:cxn modelId="{4782F6B3-5C00-EA48-B55F-B2AD7A3A4335}" type="presOf" srcId="{712EDDD5-F1C9-457B-A81D-F94868058B44}" destId="{75A39EDD-D781-43E1-9360-E6E730441671}" srcOrd="0" destOrd="0" presId="urn:microsoft.com/office/officeart/2005/8/layout/list1"/>
-    <dgm:cxn modelId="{E3127806-8416-954D-A6C0-94B0BC97C2AA}" type="presOf" srcId="{11888A7B-1E89-45E6-84F4-EF92B26189CD}" destId="{FE18ED5F-9A71-45CE-87E6-C0921B5A24D6}" srcOrd="1" destOrd="0" presId="urn:microsoft.com/office/officeart/2005/8/layout/list1"/>
+    <dgm:cxn modelId="{931A4804-A23A-C740-B368-1414E352C043}" type="presOf" srcId="{712EDDD5-F1C9-457B-A81D-F94868058B44}" destId="{1CF0D767-27A0-4A0D-8AD7-1C805538B782}" srcOrd="1" destOrd="0" presId="urn:microsoft.com/office/officeart/2005/8/layout/list1"/>
+    <dgm:cxn modelId="{5DB7BC28-D7CA-1B49-A41F-F46BA13EE219}" type="presOf" srcId="{2EFB202A-8611-4DDC-831D-D12EB67B6CF7}" destId="{C451E4B4-999F-4453-A3DD-8163324A608E}" srcOrd="0" destOrd="0" presId="urn:microsoft.com/office/officeart/2005/8/layout/list1"/>
     <dgm:cxn modelId="{5FD971CB-C9D9-3D49-B228-719C82CDAA0F}" type="presParOf" srcId="{C451E4B4-999F-4453-A3DD-8163324A608E}" destId="{6293A9EF-C215-42FA-A704-64EE0A15C16B}" srcOrd="0" destOrd="0" presId="urn:microsoft.com/office/officeart/2005/8/layout/list1"/>
     <dgm:cxn modelId="{2658A61D-C6EB-C445-BFAD-C541434AA777}" type="presParOf" srcId="{6293A9EF-C215-42FA-A704-64EE0A15C16B}" destId="{75922BE6-701E-4BA9-A4D0-D411670A834F}" srcOrd="0" destOrd="0" presId="urn:microsoft.com/office/officeart/2005/8/layout/list1"/>
     <dgm:cxn modelId="{6651486A-EC47-CF42-8472-AF4CEB00F5E7}" type="presParOf" srcId="{6293A9EF-C215-42FA-A704-64EE0A15C16B}" destId="{FE18ED5F-9A71-45CE-87E6-C0921B5A24D6}" srcOrd="1" destOrd="0" presId="urn:microsoft.com/office/officeart/2005/8/layout/list1"/>
@@ -11314,8 +11314,8 @@
     <dgm:cxn modelId="{7DB6483A-B80D-42D2-BF45-8FC42D52B7C2}" srcId="{06ABEAEB-0AB1-4B03-9DB2-1747D846F76E}" destId="{FE3B62F3-16B2-4505-A781-2C5EA89C0A75}" srcOrd="1" destOrd="0" parTransId="{FCE8BF76-8459-44A6-AF47-516739743B79}" sibTransId="{BBFF9749-C9E0-4A6F-93AB-6AB20DBCFFA6}"/>
     <dgm:cxn modelId="{19922D7B-B1AD-4DE5-BEB1-700D46ACC036}" type="presOf" srcId="{54E4D10D-9956-43BF-A898-E51BAEB96E54}" destId="{F8F803D2-F894-4A68-9008-99F98DB3F7B5}" srcOrd="0" destOrd="1" presId="urn:microsoft.com/office/officeart/2005/8/layout/hProcess9"/>
     <dgm:cxn modelId="{3F8C2EF0-7EEC-4535-8BDD-B9F85B2EB2EB}" type="presOf" srcId="{3D2CA84F-7F83-488E-9CE9-2466A7E58E8C}" destId="{C5C479F1-027C-425C-A0B3-5734FC2D9DF4}" srcOrd="0" destOrd="3" presId="urn:microsoft.com/office/officeart/2005/8/layout/hProcess9"/>
+    <dgm:cxn modelId="{72AD5F0C-B437-4BFC-9665-757831C46FEF}" type="presOf" srcId="{7BAE7899-E3C2-4B98-B54B-7CF98FABE6C9}" destId="{C5C479F1-027C-425C-A0B3-5734FC2D9DF4}" srcOrd="0" destOrd="0" presId="urn:microsoft.com/office/officeart/2005/8/layout/hProcess9"/>
     <dgm:cxn modelId="{C9FA1EB8-5B24-40AF-8C62-2AE1AFD2A8CC}" srcId="{95A2F766-9D02-45F9-8F0E-E4477259B64E}" destId="{ABE8702E-C85F-4DF3-BEE1-89127B3D166E}" srcOrd="3" destOrd="0" parTransId="{1A83ADD3-FE8B-4D5B-B98E-CDB103B5D1B8}" sibTransId="{8F224685-50DB-4839-85D6-BA3606041EBF}"/>
-    <dgm:cxn modelId="{72AD5F0C-B437-4BFC-9665-757831C46FEF}" type="presOf" srcId="{7BAE7899-E3C2-4B98-B54B-7CF98FABE6C9}" destId="{C5C479F1-027C-425C-A0B3-5734FC2D9DF4}" srcOrd="0" destOrd="0" presId="urn:microsoft.com/office/officeart/2005/8/layout/hProcess9"/>
     <dgm:cxn modelId="{2450A74E-017D-4228-843D-4B58F429494F}" srcId="{BF062759-82A3-4EE6-8B7D-352DA80FED78}" destId="{58D83055-D030-43E5-9416-99E2EA94DAE9}" srcOrd="0" destOrd="0" parTransId="{C830BC5C-B99A-4851-9221-DB92EC30C18C}" sibTransId="{78F890E6-46BC-4337-8533-14B6EEC84A4C}"/>
     <dgm:cxn modelId="{C51F55C3-2602-4C73-8F58-7E89904527D6}" type="presOf" srcId="{ED8C6F13-9AE5-48F3-9E7D-DFFA59D5DA38}" destId="{8B253DC2-B939-4DFC-A16E-B01B88769EE1}" srcOrd="0" destOrd="1" presId="urn:microsoft.com/office/officeart/2005/8/layout/hProcess9"/>
     <dgm:cxn modelId="{1D18664A-1349-4004-8982-DF8E93BE35A8}" srcId="{ABE8702E-C85F-4DF3-BEE1-89127B3D166E}" destId="{19780FB9-F640-477D-8EBB-AA1833FE98F4}" srcOrd="1" destOrd="0" parTransId="{696747B4-73AC-4923-B2AF-0B24180240F3}" sibTransId="{CDF2244A-28E3-49D3-8CA1-1FB79F42DB1F}"/>
@@ -11366,20 +11366,42 @@
       <dsp:cNvGrpSpPr/>
     </dsp:nvGrpSpPr>
     <dsp:grpSpPr/>
-    <dsp:sp modelId="{FCA14618-3495-49FE-B307-8BC056BB221D}">
+  </dsp:spTree>
+</dsp:drawing>
+</file>
+
+<file path=ppt/diagrams/drawing3.xml><?xml version="1.0" encoding="utf-8"?>
+<dsp:drawing xmlns:dgm="http://schemas.openxmlformats.org/drawingml/2006/diagram" xmlns:dsp="http://schemas.microsoft.com/office/drawing/2008/diagram" xmlns:a="http://schemas.openxmlformats.org/drawingml/2006/main">
+  <dsp:spTree>
+    <dsp:nvGrpSpPr>
+      <dsp:cNvPr id="0" name=""/>
+      <dsp:cNvGrpSpPr/>
+    </dsp:nvGrpSpPr>
+    <dsp:grpSpPr/>
+  </dsp:spTree>
+</dsp:drawing>
+</file>
+
+<file path=ppt/diagrams/drawing4.xml><?xml version="1.0" encoding="utf-8"?>
+<dsp:drawing xmlns:dgm="http://schemas.openxmlformats.org/drawingml/2006/diagram" xmlns:dsp="http://schemas.microsoft.com/office/drawing/2008/diagram" xmlns:a="http://schemas.openxmlformats.org/drawingml/2006/main">
+  <dsp:spTree>
+    <dsp:nvGrpSpPr>
+      <dsp:cNvPr id="0" name=""/>
+      <dsp:cNvGrpSpPr/>
+    </dsp:nvGrpSpPr>
+    <dsp:grpSpPr/>
+    <dsp:sp modelId="{4D44E2DE-A47D-4571-A3A9-CA7AEBC50503}">
       <dsp:nvSpPr>
         <dsp:cNvPr id="0" name=""/>
         <dsp:cNvSpPr/>
       </dsp:nvSpPr>
       <dsp:spPr>
         <a:xfrm>
-          <a:off x="4037" y="95"/>
-          <a:ext cx="10050325" cy="338971"/>
+          <a:off x="3229" y="232066"/>
+          <a:ext cx="1748581" cy="1049148"/>
         </a:xfrm>
-        <a:prstGeom prst="roundRect">
-          <a:avLst>
-            <a:gd name="adj" fmla="val 10000"/>
-          </a:avLst>
+        <a:prstGeom prst="rect">
+          <a:avLst/>
         </a:prstGeom>
         <a:solidFill>
           <a:schemeClr val="accent2">
@@ -11418,12 +11440,12 @@
         </a:fontRef>
       </dsp:style>
       <dsp:txBody>
-        <a:bodyPr spcFirstLastPara="0" vert="horz" wrap="square" lIns="53340" tIns="53340" rIns="53340" bIns="53340" numCol="1" spcCol="1270" anchor="ctr" anchorCtr="0">
+        <a:bodyPr spcFirstLastPara="0" vert="horz" wrap="square" lIns="64770" tIns="64770" rIns="64770" bIns="64770" numCol="1" spcCol="1270" anchor="ctr" anchorCtr="0">
           <a:noAutofit/>
         </a:bodyPr>
         <a:lstStyle/>
         <a:p>
-          <a:pPr lvl="0" algn="ctr" defTabSz="622300">
+          <a:pPr lvl="0" algn="ctr" defTabSz="755650">
             <a:lnSpc>
               <a:spcPct val="90000"/>
             </a:lnSpc>
@@ -11435,34 +11457,49 @@
             </a:spcAft>
           </a:pPr>
           <a:r>
-            <a:rPr lang="en-US" sz="1400" kern="1200" dirty="0" smtClean="0"/>
-            <a:t>Module</a:t>
+            <a:rPr lang="en-US" sz="1700" kern="1200" dirty="0" smtClean="0"/>
+            <a:t>Constant</a:t>
           </a:r>
-          <a:endParaRPr lang="en-US" sz="1400" kern="1200" dirty="0"/>
+        </a:p>
+        <a:p>
+          <a:pPr lvl="0" algn="ctr" defTabSz="755650">
+            <a:lnSpc>
+              <a:spcPct val="90000"/>
+            </a:lnSpc>
+            <a:spcBef>
+              <a:spcPct val="0"/>
+            </a:spcBef>
+            <a:spcAft>
+              <a:spcPct val="35000"/>
+            </a:spcAft>
+          </a:pPr>
+          <a:r>
+            <a:rPr lang="en-US" sz="1700" kern="1200" dirty="0" smtClean="0"/>
+            <a:t>Value injected anywhere</a:t>
+          </a:r>
+          <a:endParaRPr lang="en-US" sz="1700" kern="1200" dirty="0"/>
         </a:p>
       </dsp:txBody>
       <dsp:txXfrm>
-        <a:off x="13965" y="10023"/>
-        <a:ext cx="10030469" cy="319115"/>
+        <a:off x="3229" y="232066"/>
+        <a:ext cx="1748581" cy="1049148"/>
       </dsp:txXfrm>
     </dsp:sp>
-    <dsp:sp modelId="{DD84CC17-6CF5-41BC-BC47-9CEE7C6F1811}">
+    <dsp:sp modelId="{4F3F2962-F6D5-4FC5-81BB-FD355CAD4FB9}">
       <dsp:nvSpPr>
         <dsp:cNvPr id="0" name=""/>
         <dsp:cNvSpPr/>
       </dsp:nvSpPr>
       <dsp:spPr>
         <a:xfrm>
-          <a:off x="4037" y="417726"/>
-          <a:ext cx="1883494" cy="338971"/>
+          <a:off x="1926669" y="232066"/>
+          <a:ext cx="1748581" cy="1049148"/>
         </a:xfrm>
-        <a:prstGeom prst="roundRect">
-          <a:avLst>
-            <a:gd name="adj" fmla="val 10000"/>
-          </a:avLst>
+        <a:prstGeom prst="rect">
+          <a:avLst/>
         </a:prstGeom>
         <a:solidFill>
-          <a:schemeClr val="accent2">
+          <a:schemeClr val="accent3">
             <a:hueOff val="0"/>
             <a:satOff val="0"/>
             <a:lumOff val="0"/>
@@ -11498,12 +11535,12 @@
         </a:fontRef>
       </dsp:style>
       <dsp:txBody>
-        <a:bodyPr spcFirstLastPara="0" vert="horz" wrap="square" lIns="53340" tIns="53340" rIns="53340" bIns="53340" numCol="1" spcCol="1270" anchor="ctr" anchorCtr="0">
+        <a:bodyPr spcFirstLastPara="0" vert="horz" wrap="square" lIns="64770" tIns="64770" rIns="64770" bIns="64770" numCol="1" spcCol="1270" anchor="ctr" anchorCtr="0">
           <a:noAutofit/>
         </a:bodyPr>
         <a:lstStyle/>
         <a:p>
-          <a:pPr lvl="0" algn="ctr" defTabSz="622300">
+          <a:pPr lvl="0" algn="ctr" defTabSz="755650">
             <a:lnSpc>
               <a:spcPct val="90000"/>
             </a:lnSpc>
@@ -11515,34 +11552,49 @@
             </a:spcAft>
           </a:pPr>
           <a:r>
-            <a:rPr lang="en-US" sz="1400" kern="1200" dirty="0" smtClean="0"/>
-            <a:t>Config</a:t>
+            <a:rPr lang="en-US" sz="1700" kern="1200" dirty="0" smtClean="0"/>
+            <a:t>Value</a:t>
           </a:r>
-          <a:endParaRPr lang="en-US" sz="1400" kern="1200" dirty="0"/>
+        </a:p>
+        <a:p>
+          <a:pPr lvl="0" algn="ctr" defTabSz="755650">
+            <a:lnSpc>
+              <a:spcPct val="90000"/>
+            </a:lnSpc>
+            <a:spcBef>
+              <a:spcPct val="0"/>
+            </a:spcBef>
+            <a:spcAft>
+              <a:spcPct val="35000"/>
+            </a:spcAft>
+          </a:pPr>
+          <a:r>
+            <a:rPr lang="en-US" sz="1700" kern="1200" dirty="0" smtClean="0"/>
+            <a:t>Simple injectable value</a:t>
+          </a:r>
+          <a:endParaRPr lang="en-US" sz="1700" kern="1200" dirty="0"/>
         </a:p>
       </dsp:txBody>
       <dsp:txXfrm>
-        <a:off x="13965" y="427654"/>
-        <a:ext cx="1863638" cy="319115"/>
+        <a:off x="1926669" y="232066"/>
+        <a:ext cx="1748581" cy="1049148"/>
       </dsp:txXfrm>
     </dsp:sp>
-    <dsp:sp modelId="{D8310B51-D4CE-4689-8996-51C06FE21818}">
+    <dsp:sp modelId="{38BB4842-1519-49DF-873B-E9FD426DDE54}">
       <dsp:nvSpPr>
         <dsp:cNvPr id="0" name=""/>
         <dsp:cNvSpPr/>
       </dsp:nvSpPr>
       <dsp:spPr>
         <a:xfrm>
-          <a:off x="4037" y="835357"/>
-          <a:ext cx="1883494" cy="338971"/>
+          <a:off x="3850109" y="232066"/>
+          <a:ext cx="1748581" cy="1049148"/>
         </a:xfrm>
-        <a:prstGeom prst="roundRect">
-          <a:avLst>
-            <a:gd name="adj" fmla="val 10000"/>
-          </a:avLst>
+        <a:prstGeom prst="rect">
+          <a:avLst/>
         </a:prstGeom>
         <a:solidFill>
-          <a:schemeClr val="accent2">
+          <a:schemeClr val="accent4">
             <a:hueOff val="0"/>
             <a:satOff val="0"/>
             <a:lumOff val="0"/>
@@ -11578,12 +11630,12 @@
         </a:fontRef>
       </dsp:style>
       <dsp:txBody>
-        <a:bodyPr spcFirstLastPara="0" vert="horz" wrap="square" lIns="53340" tIns="53340" rIns="53340" bIns="53340" numCol="1" spcCol="1270" anchor="ctr" anchorCtr="0">
+        <a:bodyPr spcFirstLastPara="0" vert="horz" wrap="square" lIns="64770" tIns="64770" rIns="64770" bIns="64770" numCol="1" spcCol="1270" anchor="ctr" anchorCtr="0">
           <a:noAutofit/>
         </a:bodyPr>
         <a:lstStyle/>
         <a:p>
-          <a:pPr lvl="0" algn="ctr" defTabSz="622300">
+          <a:pPr lvl="0" algn="ctr" defTabSz="755650">
             <a:lnSpc>
               <a:spcPct val="90000"/>
             </a:lnSpc>
@@ -11595,34 +11647,49 @@
             </a:spcAft>
           </a:pPr>
           <a:r>
-            <a:rPr lang="en-US" sz="1400" kern="1200" dirty="0" smtClean="0"/>
-            <a:t>Routes</a:t>
+            <a:rPr lang="en-US" sz="1700" kern="1200" dirty="0" smtClean="0"/>
+            <a:t>Factory</a:t>
           </a:r>
-          <a:endParaRPr lang="en-US" sz="1400" kern="1200" dirty="0"/>
+        </a:p>
+        <a:p>
+          <a:pPr lvl="0" algn="ctr" defTabSz="755650">
+            <a:lnSpc>
+              <a:spcPct val="90000"/>
+            </a:lnSpc>
+            <a:spcBef>
+              <a:spcPct val="0"/>
+            </a:spcBef>
+            <a:spcAft>
+              <a:spcPct val="35000"/>
+            </a:spcAft>
+          </a:pPr>
+          <a:r>
+            <a:rPr lang="en-US" sz="1700" kern="1200" dirty="0" smtClean="0"/>
+            <a:t>Injectable function</a:t>
+          </a:r>
+          <a:endParaRPr lang="en-US" sz="1700" kern="1200" dirty="0"/>
         </a:p>
       </dsp:txBody>
       <dsp:txXfrm>
-        <a:off x="13965" y="845285"/>
-        <a:ext cx="1863638" cy="319115"/>
+        <a:off x="3850109" y="232066"/>
+        <a:ext cx="1748581" cy="1049148"/>
       </dsp:txXfrm>
     </dsp:sp>
-    <dsp:sp modelId="{201F53D6-4B54-4971-9F10-5B8A22AA8AB8}">
+    <dsp:sp modelId="{16A7048F-BA3E-4ACD-9935-C8D93F3348ED}">
       <dsp:nvSpPr>
         <dsp:cNvPr id="0" name=""/>
         <dsp:cNvSpPr/>
       </dsp:nvSpPr>
       <dsp:spPr>
         <a:xfrm>
-          <a:off x="2045744" y="417726"/>
-          <a:ext cx="1883494" cy="338971"/>
+          <a:off x="5773548" y="232066"/>
+          <a:ext cx="1748581" cy="1049148"/>
         </a:xfrm>
-        <a:prstGeom prst="roundRect">
-          <a:avLst>
-            <a:gd name="adj" fmla="val 10000"/>
-          </a:avLst>
+        <a:prstGeom prst="rect">
+          <a:avLst/>
         </a:prstGeom>
         <a:solidFill>
-          <a:schemeClr val="accent2">
+          <a:schemeClr val="accent5">
             <a:hueOff val="0"/>
             <a:satOff val="0"/>
             <a:lumOff val="0"/>
@@ -11658,12 +11725,12 @@
         </a:fontRef>
       </dsp:style>
       <dsp:txBody>
-        <a:bodyPr spcFirstLastPara="0" vert="horz" wrap="square" lIns="53340" tIns="53340" rIns="53340" bIns="53340" numCol="1" spcCol="1270" anchor="ctr" anchorCtr="0">
+        <a:bodyPr spcFirstLastPara="0" vert="horz" wrap="square" lIns="64770" tIns="64770" rIns="64770" bIns="64770" numCol="1" spcCol="1270" anchor="ctr" anchorCtr="0">
           <a:noAutofit/>
         </a:bodyPr>
         <a:lstStyle/>
         <a:p>
-          <a:pPr lvl="0" algn="ctr" defTabSz="622300">
+          <a:pPr lvl="0" algn="ctr" defTabSz="755650">
             <a:lnSpc>
               <a:spcPct val="90000"/>
             </a:lnSpc>
@@ -11675,75 +11742,12 @@
             </a:spcAft>
           </a:pPr>
           <a:r>
-            <a:rPr lang="en-US" sz="1400" kern="1200" dirty="0" smtClean="0"/>
-            <a:t>Controllers</a:t>
+            <a:rPr lang="en-US" sz="1700" kern="1200" dirty="0" smtClean="0"/>
+            <a:t>Service</a:t>
           </a:r>
-          <a:endParaRPr lang="en-US" sz="1400" kern="1200" dirty="0"/>
         </a:p>
-      </dsp:txBody>
-      <dsp:txXfrm>
-        <a:off x="2055672" y="427654"/>
-        <a:ext cx="1863638" cy="319115"/>
-      </dsp:txXfrm>
-    </dsp:sp>
-    <dsp:sp modelId="{E4C1734F-D1BB-427F-8439-41027576474F}">
-      <dsp:nvSpPr>
-        <dsp:cNvPr id="0" name=""/>
-        <dsp:cNvSpPr/>
-      </dsp:nvSpPr>
-      <dsp:spPr>
-        <a:xfrm>
-          <a:off x="4087452" y="417726"/>
-          <a:ext cx="1883494" cy="338971"/>
-        </a:xfrm>
-        <a:prstGeom prst="roundRect">
-          <a:avLst>
-            <a:gd name="adj" fmla="val 10000"/>
-          </a:avLst>
-        </a:prstGeom>
-        <a:solidFill>
-          <a:schemeClr val="accent2">
-            <a:hueOff val="0"/>
-            <a:satOff val="0"/>
-            <a:lumOff val="0"/>
-            <a:alphaOff val="0"/>
-          </a:schemeClr>
-        </a:solidFill>
-        <a:ln w="12700" cap="flat" cmpd="sng" algn="ctr">
-          <a:solidFill>
-            <a:schemeClr val="lt1">
-              <a:hueOff val="0"/>
-              <a:satOff val="0"/>
-              <a:lumOff val="0"/>
-              <a:alphaOff val="0"/>
-            </a:schemeClr>
-          </a:solidFill>
-          <a:prstDash val="solid"/>
-          <a:miter lim="800000"/>
-        </a:ln>
-        <a:effectLst/>
-      </dsp:spPr>
-      <dsp:style>
-        <a:lnRef idx="2">
-          <a:scrgbClr r="0" g="0" b="0"/>
-        </a:lnRef>
-        <a:fillRef idx="1">
-          <a:scrgbClr r="0" g="0" b="0"/>
-        </a:fillRef>
-        <a:effectRef idx="0">
-          <a:scrgbClr r="0" g="0" b="0"/>
-        </a:effectRef>
-        <a:fontRef idx="minor">
-          <a:schemeClr val="lt1"/>
-        </a:fontRef>
-      </dsp:style>
-      <dsp:txBody>
-        <a:bodyPr spcFirstLastPara="0" vert="horz" wrap="square" lIns="53340" tIns="53340" rIns="53340" bIns="53340" numCol="1" spcCol="1270" anchor="ctr" anchorCtr="0">
-          <a:noAutofit/>
-        </a:bodyPr>
-        <a:lstStyle/>
         <a:p>
-          <a:pPr lvl="0" algn="ctr" defTabSz="622300">
+          <a:pPr lvl="0" algn="ctr" defTabSz="755650">
             <a:lnSpc>
               <a:spcPct val="90000"/>
             </a:lnSpc>
@@ -11755,515 +11759,28 @@
             </a:spcAft>
           </a:pPr>
           <a:r>
-            <a:rPr lang="en-US" sz="1400" kern="1200" dirty="0" smtClean="0"/>
-            <a:t>Filters</a:t>
+            <a:rPr lang="en-US" sz="1700" kern="1200" dirty="0" smtClean="0"/>
+            <a:t>Injectable constructor</a:t>
           </a:r>
-          <a:endParaRPr lang="en-US" sz="1400" kern="1200" dirty="0"/>
+          <a:endParaRPr lang="en-US" sz="1700" kern="1200" dirty="0"/>
         </a:p>
       </dsp:txBody>
       <dsp:txXfrm>
-        <a:off x="4097380" y="427654"/>
-        <a:ext cx="1863638" cy="319115"/>
+        <a:off x="5773548" y="232066"/>
+        <a:ext cx="1748581" cy="1049148"/>
       </dsp:txXfrm>
     </dsp:sp>
-    <dsp:sp modelId="{CB00067E-BAF3-4A09-93AC-8A9D3174C829}">
+    <dsp:sp modelId="{35170A97-E2BC-4C89-A531-AA8880687368}">
       <dsp:nvSpPr>
         <dsp:cNvPr id="0" name=""/>
         <dsp:cNvSpPr/>
       </dsp:nvSpPr>
       <dsp:spPr>
         <a:xfrm>
-          <a:off x="6129160" y="417726"/>
-          <a:ext cx="1883494" cy="338971"/>
+          <a:off x="7696988" y="232066"/>
+          <a:ext cx="1748581" cy="1049148"/>
         </a:xfrm>
-        <a:prstGeom prst="roundRect">
-          <a:avLst>
-            <a:gd name="adj" fmla="val 10000"/>
-          </a:avLst>
-        </a:prstGeom>
-        <a:solidFill>
-          <a:schemeClr val="accent2">
-            <a:hueOff val="0"/>
-            <a:satOff val="0"/>
-            <a:lumOff val="0"/>
-            <a:alphaOff val="0"/>
-          </a:schemeClr>
-        </a:solidFill>
-        <a:ln w="12700" cap="flat" cmpd="sng" algn="ctr">
-          <a:solidFill>
-            <a:schemeClr val="lt1">
-              <a:hueOff val="0"/>
-              <a:satOff val="0"/>
-              <a:lumOff val="0"/>
-              <a:alphaOff val="0"/>
-            </a:schemeClr>
-          </a:solidFill>
-          <a:prstDash val="solid"/>
-          <a:miter lim="800000"/>
-        </a:ln>
-        <a:effectLst/>
-      </dsp:spPr>
-      <dsp:style>
-        <a:lnRef idx="2">
-          <a:scrgbClr r="0" g="0" b="0"/>
-        </a:lnRef>
-        <a:fillRef idx="1">
-          <a:scrgbClr r="0" g="0" b="0"/>
-        </a:fillRef>
-        <a:effectRef idx="0">
-          <a:scrgbClr r="0" g="0" b="0"/>
-        </a:effectRef>
-        <a:fontRef idx="minor">
-          <a:schemeClr val="lt1"/>
-        </a:fontRef>
-      </dsp:style>
-      <dsp:txBody>
-        <a:bodyPr spcFirstLastPara="0" vert="horz" wrap="square" lIns="53340" tIns="53340" rIns="53340" bIns="53340" numCol="1" spcCol="1270" anchor="ctr" anchorCtr="0">
-          <a:noAutofit/>
-        </a:bodyPr>
-        <a:lstStyle/>
-        <a:p>
-          <a:pPr lvl="0" algn="ctr" defTabSz="622300">
-            <a:lnSpc>
-              <a:spcPct val="90000"/>
-            </a:lnSpc>
-            <a:spcBef>
-              <a:spcPct val="0"/>
-            </a:spcBef>
-            <a:spcAft>
-              <a:spcPct val="35000"/>
-            </a:spcAft>
-          </a:pPr>
-          <a:r>
-            <a:rPr lang="en-US" sz="1400" kern="1200" dirty="0" smtClean="0"/>
-            <a:t>Directives</a:t>
-          </a:r>
-          <a:endParaRPr lang="en-US" sz="1400" kern="1200" dirty="0"/>
-        </a:p>
-      </dsp:txBody>
-      <dsp:txXfrm>
-        <a:off x="6139088" y="427654"/>
-        <a:ext cx="1863638" cy="319115"/>
-      </dsp:txXfrm>
-    </dsp:sp>
-    <dsp:sp modelId="{C2958758-FD1C-4C93-A4DE-D55E07646D77}">
-      <dsp:nvSpPr>
-        <dsp:cNvPr id="0" name=""/>
-        <dsp:cNvSpPr/>
-      </dsp:nvSpPr>
-      <dsp:spPr>
-        <a:xfrm>
-          <a:off x="8170868" y="417726"/>
-          <a:ext cx="1883494" cy="338971"/>
-        </a:xfrm>
-        <a:prstGeom prst="roundRect">
-          <a:avLst>
-            <a:gd name="adj" fmla="val 10000"/>
-          </a:avLst>
-        </a:prstGeom>
-        <a:solidFill>
-          <a:schemeClr val="accent2">
-            <a:hueOff val="0"/>
-            <a:satOff val="0"/>
-            <a:lumOff val="0"/>
-            <a:alphaOff val="0"/>
-          </a:schemeClr>
-        </a:solidFill>
-        <a:ln w="12700" cap="flat" cmpd="sng" algn="ctr">
-          <a:solidFill>
-            <a:schemeClr val="lt1">
-              <a:hueOff val="0"/>
-              <a:satOff val="0"/>
-              <a:lumOff val="0"/>
-              <a:alphaOff val="0"/>
-            </a:schemeClr>
-          </a:solidFill>
-          <a:prstDash val="solid"/>
-          <a:miter lim="800000"/>
-        </a:ln>
-        <a:effectLst/>
-      </dsp:spPr>
-      <dsp:style>
-        <a:lnRef idx="2">
-          <a:scrgbClr r="0" g="0" b="0"/>
-        </a:lnRef>
-        <a:fillRef idx="1">
-          <a:scrgbClr r="0" g="0" b="0"/>
-        </a:fillRef>
-        <a:effectRef idx="0">
-          <a:scrgbClr r="0" g="0" b="0"/>
-        </a:effectRef>
-        <a:fontRef idx="minor">
-          <a:schemeClr val="lt1"/>
-        </a:fontRef>
-      </dsp:style>
-      <dsp:txBody>
-        <a:bodyPr spcFirstLastPara="0" vert="horz" wrap="square" lIns="53340" tIns="53340" rIns="53340" bIns="53340" numCol="1" spcCol="1270" anchor="ctr" anchorCtr="0">
-          <a:noAutofit/>
-        </a:bodyPr>
-        <a:lstStyle/>
-        <a:p>
-          <a:pPr lvl="0" algn="ctr" defTabSz="622300">
-            <a:lnSpc>
-              <a:spcPct val="90000"/>
-            </a:lnSpc>
-            <a:spcBef>
-              <a:spcPct val="0"/>
-            </a:spcBef>
-            <a:spcAft>
-              <a:spcPct val="35000"/>
-            </a:spcAft>
-          </a:pPr>
-          <a:r>
-            <a:rPr lang="en-US" sz="1400" kern="1200" dirty="0" smtClean="0"/>
-            <a:t>Factories</a:t>
-          </a:r>
-        </a:p>
-      </dsp:txBody>
-      <dsp:txXfrm>
-        <a:off x="8180796" y="427654"/>
-        <a:ext cx="1863638" cy="319115"/>
-      </dsp:txXfrm>
-    </dsp:sp>
-    <dsp:sp modelId="{337CD664-5ABB-4675-9983-37563E8F652D}">
-      <dsp:nvSpPr>
-        <dsp:cNvPr id="0" name=""/>
-        <dsp:cNvSpPr/>
-      </dsp:nvSpPr>
-      <dsp:spPr>
-        <a:xfrm>
-          <a:off x="8170868" y="835357"/>
-          <a:ext cx="1883494" cy="338971"/>
-        </a:xfrm>
-        <a:prstGeom prst="roundRect">
-          <a:avLst>
-            <a:gd name="adj" fmla="val 10000"/>
-          </a:avLst>
-        </a:prstGeom>
-        <a:solidFill>
-          <a:schemeClr val="accent2">
-            <a:hueOff val="0"/>
-            <a:satOff val="0"/>
-            <a:lumOff val="0"/>
-            <a:alphaOff val="0"/>
-          </a:schemeClr>
-        </a:solidFill>
-        <a:ln w="12700" cap="flat" cmpd="sng" algn="ctr">
-          <a:solidFill>
-            <a:schemeClr val="lt1">
-              <a:hueOff val="0"/>
-              <a:satOff val="0"/>
-              <a:lumOff val="0"/>
-              <a:alphaOff val="0"/>
-            </a:schemeClr>
-          </a:solidFill>
-          <a:prstDash val="solid"/>
-          <a:miter lim="800000"/>
-        </a:ln>
-        <a:effectLst/>
-      </dsp:spPr>
-      <dsp:style>
-        <a:lnRef idx="2">
-          <a:scrgbClr r="0" g="0" b="0"/>
-        </a:lnRef>
-        <a:fillRef idx="1">
-          <a:scrgbClr r="0" g="0" b="0"/>
-        </a:fillRef>
-        <a:effectRef idx="0">
-          <a:scrgbClr r="0" g="0" b="0"/>
-        </a:effectRef>
-        <a:fontRef idx="minor">
-          <a:schemeClr val="lt1"/>
-        </a:fontRef>
-      </dsp:style>
-      <dsp:txBody>
-        <a:bodyPr spcFirstLastPara="0" vert="horz" wrap="square" lIns="53340" tIns="53340" rIns="53340" bIns="53340" numCol="1" spcCol="1270" anchor="ctr" anchorCtr="0">
-          <a:noAutofit/>
-        </a:bodyPr>
-        <a:lstStyle/>
-        <a:p>
-          <a:pPr lvl="0" algn="ctr" defTabSz="622300">
-            <a:lnSpc>
-              <a:spcPct val="90000"/>
-            </a:lnSpc>
-            <a:spcBef>
-              <a:spcPct val="0"/>
-            </a:spcBef>
-            <a:spcAft>
-              <a:spcPct val="35000"/>
-            </a:spcAft>
-          </a:pPr>
-          <a:r>
-            <a:rPr lang="en-US" sz="1400" kern="1200" dirty="0" smtClean="0"/>
-            <a:t>Services</a:t>
-          </a:r>
-        </a:p>
-      </dsp:txBody>
-      <dsp:txXfrm>
-        <a:off x="8180796" y="845285"/>
-        <a:ext cx="1863638" cy="319115"/>
-      </dsp:txXfrm>
-    </dsp:sp>
-    <dsp:sp modelId="{DB8E62A3-45E8-4839-9BA8-85CA9DAC279A}">
-      <dsp:nvSpPr>
-        <dsp:cNvPr id="0" name=""/>
-        <dsp:cNvSpPr/>
-      </dsp:nvSpPr>
-      <dsp:spPr>
-        <a:xfrm>
-          <a:off x="8170868" y="1252988"/>
-          <a:ext cx="1883494" cy="338971"/>
-        </a:xfrm>
-        <a:prstGeom prst="roundRect">
-          <a:avLst>
-            <a:gd name="adj" fmla="val 10000"/>
-          </a:avLst>
-        </a:prstGeom>
-        <a:solidFill>
-          <a:schemeClr val="accent2">
-            <a:hueOff val="0"/>
-            <a:satOff val="0"/>
-            <a:lumOff val="0"/>
-            <a:alphaOff val="0"/>
-          </a:schemeClr>
-        </a:solidFill>
-        <a:ln w="12700" cap="flat" cmpd="sng" algn="ctr">
-          <a:solidFill>
-            <a:schemeClr val="lt1">
-              <a:hueOff val="0"/>
-              <a:satOff val="0"/>
-              <a:lumOff val="0"/>
-              <a:alphaOff val="0"/>
-            </a:schemeClr>
-          </a:solidFill>
-          <a:prstDash val="solid"/>
-          <a:miter lim="800000"/>
-        </a:ln>
-        <a:effectLst/>
-      </dsp:spPr>
-      <dsp:style>
-        <a:lnRef idx="2">
-          <a:scrgbClr r="0" g="0" b="0"/>
-        </a:lnRef>
-        <a:fillRef idx="1">
-          <a:scrgbClr r="0" g="0" b="0"/>
-        </a:fillRef>
-        <a:effectRef idx="0">
-          <a:scrgbClr r="0" g="0" b="0"/>
-        </a:effectRef>
-        <a:fontRef idx="minor">
-          <a:schemeClr val="lt1"/>
-        </a:fontRef>
-      </dsp:style>
-      <dsp:txBody>
-        <a:bodyPr spcFirstLastPara="0" vert="horz" wrap="square" lIns="53340" tIns="53340" rIns="53340" bIns="53340" numCol="1" spcCol="1270" anchor="ctr" anchorCtr="0">
-          <a:noAutofit/>
-        </a:bodyPr>
-        <a:lstStyle/>
-        <a:p>
-          <a:pPr lvl="0" algn="ctr" defTabSz="622300">
-            <a:lnSpc>
-              <a:spcPct val="90000"/>
-            </a:lnSpc>
-            <a:spcBef>
-              <a:spcPct val="0"/>
-            </a:spcBef>
-            <a:spcAft>
-              <a:spcPct val="35000"/>
-            </a:spcAft>
-          </a:pPr>
-          <a:r>
-            <a:rPr lang="en-US" sz="1400" kern="1200" dirty="0" smtClean="0"/>
-            <a:t>Providers</a:t>
-          </a:r>
-        </a:p>
-      </dsp:txBody>
-      <dsp:txXfrm>
-        <a:off x="8180796" y="1262916"/>
-        <a:ext cx="1863638" cy="319115"/>
-      </dsp:txXfrm>
-    </dsp:sp>
-    <dsp:sp modelId="{FD9FEBE2-34F2-4045-ACA9-41576229234A}">
-      <dsp:nvSpPr>
-        <dsp:cNvPr id="0" name=""/>
-        <dsp:cNvSpPr/>
-      </dsp:nvSpPr>
-      <dsp:spPr>
-        <a:xfrm>
-          <a:off x="8170868" y="1670619"/>
-          <a:ext cx="1883494" cy="338971"/>
-        </a:xfrm>
-        <a:prstGeom prst="roundRect">
-          <a:avLst>
-            <a:gd name="adj" fmla="val 10000"/>
-          </a:avLst>
-        </a:prstGeom>
-        <a:solidFill>
-          <a:schemeClr val="accent2">
-            <a:hueOff val="0"/>
-            <a:satOff val="0"/>
-            <a:lumOff val="0"/>
-            <a:alphaOff val="0"/>
-          </a:schemeClr>
-        </a:solidFill>
-        <a:ln w="12700" cap="flat" cmpd="sng" algn="ctr">
-          <a:solidFill>
-            <a:schemeClr val="lt1">
-              <a:hueOff val="0"/>
-              <a:satOff val="0"/>
-              <a:lumOff val="0"/>
-              <a:alphaOff val="0"/>
-            </a:schemeClr>
-          </a:solidFill>
-          <a:prstDash val="solid"/>
-          <a:miter lim="800000"/>
-        </a:ln>
-        <a:effectLst/>
-      </dsp:spPr>
-      <dsp:style>
-        <a:lnRef idx="2">
-          <a:scrgbClr r="0" g="0" b="0"/>
-        </a:lnRef>
-        <a:fillRef idx="1">
-          <a:scrgbClr r="0" g="0" b="0"/>
-        </a:fillRef>
-        <a:effectRef idx="0">
-          <a:scrgbClr r="0" g="0" b="0"/>
-        </a:effectRef>
-        <a:fontRef idx="minor">
-          <a:schemeClr val="lt1"/>
-        </a:fontRef>
-      </dsp:style>
-      <dsp:txBody>
-        <a:bodyPr spcFirstLastPara="0" vert="horz" wrap="square" lIns="53340" tIns="53340" rIns="53340" bIns="53340" numCol="1" spcCol="1270" anchor="ctr" anchorCtr="0">
-          <a:noAutofit/>
-        </a:bodyPr>
-        <a:lstStyle/>
-        <a:p>
-          <a:pPr lvl="0" algn="ctr" defTabSz="622300">
-            <a:lnSpc>
-              <a:spcPct val="90000"/>
-            </a:lnSpc>
-            <a:spcBef>
-              <a:spcPct val="0"/>
-            </a:spcBef>
-            <a:spcAft>
-              <a:spcPct val="35000"/>
-            </a:spcAft>
-          </a:pPr>
-          <a:r>
-            <a:rPr lang="en-US" sz="1400" kern="1200" dirty="0" smtClean="0"/>
-            <a:t>Values</a:t>
-          </a:r>
-        </a:p>
-      </dsp:txBody>
-      <dsp:txXfrm>
-        <a:off x="8180796" y="1680547"/>
-        <a:ext cx="1863638" cy="319115"/>
-      </dsp:txXfrm>
-    </dsp:sp>
-    <dsp:sp modelId="{73E32843-E768-4125-9EFA-3FCFA60B2E74}">
-      <dsp:nvSpPr>
-        <dsp:cNvPr id="0" name=""/>
-        <dsp:cNvSpPr/>
-      </dsp:nvSpPr>
-      <dsp:spPr>
-        <a:xfrm>
-          <a:off x="8170868" y="2088250"/>
-          <a:ext cx="1883494" cy="338971"/>
-        </a:xfrm>
-        <a:prstGeom prst="roundRect">
-          <a:avLst>
-            <a:gd name="adj" fmla="val 10000"/>
-          </a:avLst>
-        </a:prstGeom>
-        <a:solidFill>
-          <a:schemeClr val="accent2">
-            <a:hueOff val="0"/>
-            <a:satOff val="0"/>
-            <a:lumOff val="0"/>
-            <a:alphaOff val="0"/>
-          </a:schemeClr>
-        </a:solidFill>
-        <a:ln w="12700" cap="flat" cmpd="sng" algn="ctr">
-          <a:solidFill>
-            <a:schemeClr val="lt1">
-              <a:hueOff val="0"/>
-              <a:satOff val="0"/>
-              <a:lumOff val="0"/>
-              <a:alphaOff val="0"/>
-            </a:schemeClr>
-          </a:solidFill>
-          <a:prstDash val="solid"/>
-          <a:miter lim="800000"/>
-        </a:ln>
-        <a:effectLst/>
-      </dsp:spPr>
-      <dsp:style>
-        <a:lnRef idx="2">
-          <a:scrgbClr r="0" g="0" b="0"/>
-        </a:lnRef>
-        <a:fillRef idx="1">
-          <a:scrgbClr r="0" g="0" b="0"/>
-        </a:fillRef>
-        <a:effectRef idx="0">
-          <a:scrgbClr r="0" g="0" b="0"/>
-        </a:effectRef>
-        <a:fontRef idx="minor">
-          <a:schemeClr val="lt1"/>
-        </a:fontRef>
-      </dsp:style>
-      <dsp:txBody>
-        <a:bodyPr spcFirstLastPara="0" vert="horz" wrap="square" lIns="53340" tIns="53340" rIns="53340" bIns="53340" numCol="1" spcCol="1270" anchor="ctr" anchorCtr="0">
-          <a:noAutofit/>
-        </a:bodyPr>
-        <a:lstStyle/>
-        <a:p>
-          <a:pPr lvl="0" algn="ctr" defTabSz="622300">
-            <a:lnSpc>
-              <a:spcPct val="90000"/>
-            </a:lnSpc>
-            <a:spcBef>
-              <a:spcPct val="0"/>
-            </a:spcBef>
-            <a:spcAft>
-              <a:spcPct val="35000"/>
-            </a:spcAft>
-          </a:pPr>
-          <a:r>
-            <a:rPr lang="en-US" sz="1400" kern="1200" dirty="0" smtClean="0"/>
-            <a:t>Constants</a:t>
-          </a:r>
-        </a:p>
-      </dsp:txBody>
-      <dsp:txXfrm>
-        <a:off x="8180796" y="2098178"/>
-        <a:ext cx="1863638" cy="319115"/>
-      </dsp:txXfrm>
-    </dsp:sp>
-  </dsp:spTree>
-</dsp:drawing>
-</file>
-
-<file path=ppt/diagrams/drawing3.xml><?xml version="1.0" encoding="utf-8"?>
-<dsp:drawing xmlns:dgm="http://schemas.openxmlformats.org/drawingml/2006/diagram" xmlns:dsp="http://schemas.microsoft.com/office/drawing/2008/diagram" xmlns:a="http://schemas.openxmlformats.org/drawingml/2006/main">
-  <dsp:spTree>
-    <dsp:nvGrpSpPr>
-      <dsp:cNvPr id="0" name=""/>
-      <dsp:cNvGrpSpPr/>
-    </dsp:nvGrpSpPr>
-    <dsp:grpSpPr/>
-    <dsp:sp modelId="{552CD446-1E6C-47BC-BE1D-3A8CCCB618F5}">
-      <dsp:nvSpPr>
-        <dsp:cNvPr id="0" name=""/>
-        <dsp:cNvSpPr/>
-      </dsp:nvSpPr>
-      <dsp:spPr>
-        <a:xfrm>
-          <a:off x="1440179" y="1820916"/>
-          <a:ext cx="1234440" cy="1234440"/>
-        </a:xfrm>
-        <a:prstGeom prst="roundRect">
+        <a:prstGeom prst="rect">
           <a:avLst/>
         </a:prstGeom>
         <a:solidFill>
@@ -12303,12 +11820,12 @@
         </a:fontRef>
       </dsp:style>
       <dsp:txBody>
-        <a:bodyPr spcFirstLastPara="0" vert="horz" wrap="square" lIns="71120" tIns="71120" rIns="71120" bIns="71120" numCol="1" spcCol="1270" anchor="ctr" anchorCtr="0">
+        <a:bodyPr spcFirstLastPara="0" vert="horz" wrap="square" lIns="64770" tIns="64770" rIns="64770" bIns="64770" numCol="1" spcCol="1270" anchor="ctr" anchorCtr="0">
           <a:noAutofit/>
         </a:bodyPr>
         <a:lstStyle/>
         <a:p>
-          <a:pPr lvl="0" algn="ctr" defTabSz="1244600">
+          <a:pPr lvl="0" algn="ctr" defTabSz="755650">
             <a:lnSpc>
               <a:spcPct val="90000"/>
             </a:lnSpc>
@@ -12320,128 +11837,12 @@
             </a:spcAft>
           </a:pPr>
           <a:r>
-            <a:rPr lang="en-US" sz="2800" kern="1200" dirty="0" smtClean="0"/>
-            <a:t>Scope</a:t>
+            <a:rPr lang="en-US" sz="1700" kern="1200" dirty="0" smtClean="0"/>
+            <a:t>Provider</a:t>
           </a:r>
         </a:p>
-      </dsp:txBody>
-      <dsp:txXfrm>
-        <a:off x="1500439" y="1881176"/>
-        <a:ext cx="1113920" cy="1113920"/>
-      </dsp:txXfrm>
-    </dsp:sp>
-    <dsp:sp modelId="{898210EA-0F22-496D-8BE1-A4737E6F9293}">
-      <dsp:nvSpPr>
-        <dsp:cNvPr id="0" name=""/>
-        <dsp:cNvSpPr/>
-      </dsp:nvSpPr>
-      <dsp:spPr>
-        <a:xfrm rot="16200000">
-          <a:off x="1751024" y="1514540"/>
-          <a:ext cx="612751" cy="0"/>
-        </a:xfrm>
-        <a:custGeom>
-          <a:avLst/>
-          <a:gdLst/>
-          <a:ahLst/>
-          <a:cxnLst/>
-          <a:rect l="0" t="0" r="0" b="0"/>
-          <a:pathLst>
-            <a:path>
-              <a:moveTo>
-                <a:pt x="0" y="0"/>
-              </a:moveTo>
-              <a:lnTo>
-                <a:pt x="612751" y="0"/>
-              </a:lnTo>
-            </a:path>
-          </a:pathLst>
-        </a:custGeom>
-        <a:noFill/>
-        <a:ln w="12700" cap="flat" cmpd="sng" algn="ctr">
-          <a:solidFill>
-            <a:schemeClr val="accent6">
-              <a:shade val="60000"/>
-              <a:hueOff val="0"/>
-              <a:satOff val="0"/>
-              <a:lumOff val="0"/>
-              <a:alphaOff val="0"/>
-            </a:schemeClr>
-          </a:solidFill>
-          <a:prstDash val="solid"/>
-          <a:miter lim="800000"/>
-        </a:ln>
-        <a:effectLst/>
-      </dsp:spPr>
-      <dsp:style>
-        <a:lnRef idx="2">
-          <a:scrgbClr r="0" g="0" b="0"/>
-        </a:lnRef>
-        <a:fillRef idx="0">
-          <a:scrgbClr r="0" g="0" b="0"/>
-        </a:fillRef>
-        <a:effectRef idx="0">
-          <a:scrgbClr r="0" g="0" b="0"/>
-        </a:effectRef>
-        <a:fontRef idx="minor"/>
-      </dsp:style>
-    </dsp:sp>
-    <dsp:sp modelId="{2301A33D-33BA-40C8-8E39-25D00DB34497}">
-      <dsp:nvSpPr>
-        <dsp:cNvPr id="0" name=""/>
-        <dsp:cNvSpPr/>
-      </dsp:nvSpPr>
-      <dsp:spPr>
-        <a:xfrm>
-          <a:off x="1643862" y="381090"/>
-          <a:ext cx="827074" cy="827074"/>
-        </a:xfrm>
-        <a:prstGeom prst="roundRect">
-          <a:avLst/>
-        </a:prstGeom>
-        <a:solidFill>
-          <a:schemeClr val="accent6">
-            <a:hueOff val="0"/>
-            <a:satOff val="0"/>
-            <a:lumOff val="0"/>
-            <a:alphaOff val="0"/>
-          </a:schemeClr>
-        </a:solidFill>
-        <a:ln w="12700" cap="flat" cmpd="sng" algn="ctr">
-          <a:solidFill>
-            <a:schemeClr val="lt1">
-              <a:hueOff val="0"/>
-              <a:satOff val="0"/>
-              <a:lumOff val="0"/>
-              <a:alphaOff val="0"/>
-            </a:schemeClr>
-          </a:solidFill>
-          <a:prstDash val="solid"/>
-          <a:miter lim="800000"/>
-        </a:ln>
-        <a:effectLst/>
-      </dsp:spPr>
-      <dsp:style>
-        <a:lnRef idx="2">
-          <a:scrgbClr r="0" g="0" b="0"/>
-        </a:lnRef>
-        <a:fillRef idx="1">
-          <a:scrgbClr r="0" g="0" b="0"/>
-        </a:fillRef>
-        <a:effectRef idx="0">
-          <a:scrgbClr r="0" g="0" b="0"/>
-        </a:effectRef>
-        <a:fontRef idx="minor">
-          <a:schemeClr val="lt1"/>
-        </a:fontRef>
-      </dsp:style>
-      <dsp:txBody>
-        <a:bodyPr spcFirstLastPara="0" vert="horz" wrap="square" lIns="53340" tIns="53340" rIns="53340" bIns="53340" numCol="1" spcCol="1270" anchor="ctr" anchorCtr="0">
-          <a:noAutofit/>
-        </a:bodyPr>
-        <a:lstStyle/>
         <a:p>
-          <a:pPr lvl="0" algn="ctr" defTabSz="933450">
+          <a:pPr lvl="0" algn="ctr" defTabSz="755650">
             <a:lnSpc>
               <a:spcPct val="90000"/>
             </a:lnSpc>
@@ -12453,163 +11854,17 @@
             </a:spcAft>
           </a:pPr>
           <a:r>
-            <a:rPr lang="en-US" sz="2100" kern="1200" dirty="0" smtClean="0"/>
-            <a:t>View</a:t>
+            <a:rPr lang="en-US" sz="1700" kern="1200" dirty="0" smtClean="0"/>
+            <a:t>Configurable factory</a:t>
           </a:r>
-          <a:endParaRPr lang="en-US" sz="2100" kern="1200" dirty="0"/>
+          <a:endParaRPr lang="en-US" sz="1700" kern="1200" dirty="0"/>
         </a:p>
       </dsp:txBody>
       <dsp:txXfrm>
-        <a:off x="1684236" y="421464"/>
-        <a:ext cx="746326" cy="746326"/>
+        <a:off x="7696988" y="232066"/>
+        <a:ext cx="1748581" cy="1049148"/>
       </dsp:txXfrm>
     </dsp:sp>
-    <dsp:sp modelId="{863225D8-A3D1-4726-98D0-7C450D270A4A}">
-      <dsp:nvSpPr>
-        <dsp:cNvPr id="0" name=""/>
-        <dsp:cNvSpPr/>
-      </dsp:nvSpPr>
-      <dsp:spPr>
-        <a:xfrm rot="5400000">
-          <a:off x="1751024" y="3361732"/>
-          <a:ext cx="612751" cy="0"/>
-        </a:xfrm>
-        <a:custGeom>
-          <a:avLst/>
-          <a:gdLst/>
-          <a:ahLst/>
-          <a:cxnLst/>
-          <a:rect l="0" t="0" r="0" b="0"/>
-          <a:pathLst>
-            <a:path>
-              <a:moveTo>
-                <a:pt x="0" y="0"/>
-              </a:moveTo>
-              <a:lnTo>
-                <a:pt x="612751" y="0"/>
-              </a:lnTo>
-            </a:path>
-          </a:pathLst>
-        </a:custGeom>
-        <a:noFill/>
-        <a:ln w="12700" cap="flat" cmpd="sng" algn="ctr">
-          <a:solidFill>
-            <a:schemeClr val="accent6">
-              <a:shade val="60000"/>
-              <a:hueOff val="0"/>
-              <a:satOff val="0"/>
-              <a:lumOff val="0"/>
-              <a:alphaOff val="0"/>
-            </a:schemeClr>
-          </a:solidFill>
-          <a:prstDash val="solid"/>
-          <a:miter lim="800000"/>
-        </a:ln>
-        <a:effectLst/>
-      </dsp:spPr>
-      <dsp:style>
-        <a:lnRef idx="2">
-          <a:scrgbClr r="0" g="0" b="0"/>
-        </a:lnRef>
-        <a:fillRef idx="0">
-          <a:scrgbClr r="0" g="0" b="0"/>
-        </a:fillRef>
-        <a:effectRef idx="0">
-          <a:scrgbClr r="0" g="0" b="0"/>
-        </a:effectRef>
-        <a:fontRef idx="minor"/>
-      </dsp:style>
-    </dsp:sp>
-    <dsp:sp modelId="{A1E87F02-FF0E-46D1-A190-D92C658321B3}">
-      <dsp:nvSpPr>
-        <dsp:cNvPr id="0" name=""/>
-        <dsp:cNvSpPr/>
-      </dsp:nvSpPr>
-      <dsp:spPr>
-        <a:xfrm>
-          <a:off x="1643862" y="3668108"/>
-          <a:ext cx="827074" cy="827074"/>
-        </a:xfrm>
-        <a:prstGeom prst="roundRect">
-          <a:avLst/>
-        </a:prstGeom>
-        <a:solidFill>
-          <a:schemeClr val="accent6">
-            <a:hueOff val="0"/>
-            <a:satOff val="0"/>
-            <a:lumOff val="0"/>
-            <a:alphaOff val="0"/>
-          </a:schemeClr>
-        </a:solidFill>
-        <a:ln w="12700" cap="flat" cmpd="sng" algn="ctr">
-          <a:solidFill>
-            <a:schemeClr val="lt1">
-              <a:hueOff val="0"/>
-              <a:satOff val="0"/>
-              <a:lumOff val="0"/>
-              <a:alphaOff val="0"/>
-            </a:schemeClr>
-          </a:solidFill>
-          <a:prstDash val="solid"/>
-          <a:miter lim="800000"/>
-        </a:ln>
-        <a:effectLst/>
-      </dsp:spPr>
-      <dsp:style>
-        <a:lnRef idx="2">
-          <a:scrgbClr r="0" g="0" b="0"/>
-        </a:lnRef>
-        <a:fillRef idx="1">
-          <a:scrgbClr r="0" g="0" b="0"/>
-        </a:fillRef>
-        <a:effectRef idx="0">
-          <a:scrgbClr r="0" g="0" b="0"/>
-        </a:effectRef>
-        <a:fontRef idx="minor">
-          <a:schemeClr val="lt1"/>
-        </a:fontRef>
-      </dsp:style>
-      <dsp:txBody>
-        <a:bodyPr spcFirstLastPara="0" vert="horz" wrap="square" lIns="27940" tIns="27940" rIns="27940" bIns="27940" numCol="1" spcCol="1270" anchor="ctr" anchorCtr="0">
-          <a:noAutofit/>
-        </a:bodyPr>
-        <a:lstStyle/>
-        <a:p>
-          <a:pPr lvl="0" algn="ctr" defTabSz="488950">
-            <a:lnSpc>
-              <a:spcPct val="90000"/>
-            </a:lnSpc>
-            <a:spcBef>
-              <a:spcPct val="0"/>
-            </a:spcBef>
-            <a:spcAft>
-              <a:spcPct val="35000"/>
-            </a:spcAft>
-          </a:pPr>
-          <a:r>
-            <a:rPr lang="en-US" sz="1100" kern="1200" dirty="0" smtClean="0"/>
-            <a:t>Controller</a:t>
-          </a:r>
-          <a:endParaRPr lang="en-US" sz="1100" kern="1200" dirty="0"/>
-        </a:p>
-      </dsp:txBody>
-      <dsp:txXfrm>
-        <a:off x="1684236" y="3708482"/>
-        <a:ext cx="746326" cy="746326"/>
-      </dsp:txXfrm>
-    </dsp:sp>
-  </dsp:spTree>
-</dsp:drawing>
-</file>
-
-<file path=ppt/diagrams/drawing4.xml><?xml version="1.0" encoding="utf-8"?>
-<dsp:drawing xmlns:dgm="http://schemas.openxmlformats.org/drawingml/2006/diagram" xmlns:dsp="http://schemas.microsoft.com/office/drawing/2008/diagram" xmlns:a="http://schemas.openxmlformats.org/drawingml/2006/main">
-  <dsp:spTree>
-    <dsp:nvGrpSpPr>
-      <dsp:cNvPr id="0" name=""/>
-      <dsp:cNvGrpSpPr/>
-    </dsp:nvGrpSpPr>
-    <dsp:grpSpPr/>
   </dsp:spTree>
 </dsp:drawing>
 </file>
@@ -31038,7 +30293,7 @@
         <p:spPr>
           <a:xfrm>
             <a:off x="6629400" y="4953000"/>
-            <a:ext cx="5681444" cy="1754326"/>
+            <a:ext cx="5486400" cy="1754326"/>
           </a:xfrm>
           <a:prstGeom prst="rect">
             <a:avLst/>
@@ -31110,7 +30365,16 @@
                 </a:solidFill>
                 <a:hlinkClick r:id="rId6"/>
               </a:rPr>
-              <a:t>http://jsfiddle.net/spietrek/VKbpu/3/</a:t>
+              <a:t>http://</a:t>
+            </a:r>
+            <a:r>
+              <a:rPr lang="en-US" dirty="0" smtClean="0">
+                <a:solidFill>
+                  <a:schemeClr val="bg1"/>
+                </a:solidFill>
+                <a:hlinkClick r:id="rId6"/>
+              </a:rPr>
+              <a:t>jsfiddle.net/spietrek/VKbpu/3</a:t>
             </a:r>
             <a:endParaRPr lang="en-US" dirty="0" smtClean="0">
               <a:solidFill>
@@ -31129,7 +30393,7 @@
               <a:rPr lang="en-US" dirty="0" smtClean="0">
                 <a:hlinkClick r:id="rId7"/>
               </a:rPr>
-              <a:t>jsfiddle.net/spietrek/04y3zwo8/2/</a:t>
+              <a:t>jsfiddle.net/spietrek/04y3zwo8/2</a:t>
             </a:r>
             <a:endParaRPr lang="en-US" dirty="0">
               <a:solidFill>
@@ -33155,11 +32419,7 @@
             </a:r>
             <a:r>
               <a:rPr lang="en-US" sz="2000" dirty="0" smtClean="0"/>
-              <a:t>scope </a:t>
-            </a:r>
-            <a:r>
-              <a:rPr lang="en-US" sz="2000" dirty="0" smtClean="0"/>
-              <a:t>(i.e. Scope Container)</a:t>
+              <a:t>scope (i.e. Scope Container)</a:t>
             </a:r>
             <a:endParaRPr lang="en-US" sz="2000" dirty="0"/>
           </a:p>
@@ -33188,7 +32448,6 @@
               <a:rPr lang="en-US" sz="2000" dirty="0" smtClean="0"/>
               <a:t>Add logic/behaviors to update the scope based on user interaction</a:t>
             </a:r>
-            <a:endParaRPr lang="en-US" sz="2000" dirty="0" smtClean="0"/>
           </a:p>
           <a:p>
             <a:pPr lvl="1"/>
@@ -34644,8 +33903,8 @@
         </p:nvSpPr>
         <p:spPr>
           <a:xfrm>
-            <a:off x="406400" y="2590801"/>
-            <a:ext cx="11582400" cy="584775"/>
+            <a:off x="228600" y="2590801"/>
+            <a:ext cx="11760200" cy="584775"/>
           </a:xfrm>
           <a:prstGeom prst="rect">
             <a:avLst/>
@@ -37871,7 +37130,19 @@
               <a:rPr lang="en-US" sz="2800" dirty="0" smtClean="0">
                 <a:hlinkClick r:id="rId3"/>
               </a:rPr>
-              <a:t>https://jsfiddle.net/spietrek/VKbpu/3/</a:t>
+              <a:t>https</a:t>
+            </a:r>
+            <a:r>
+              <a:rPr lang="en-US" sz="2800" smtClean="0">
+                <a:hlinkClick r:id="rId3"/>
+              </a:rPr>
+              <a:t>://</a:t>
+            </a:r>
+            <a:r>
+              <a:rPr lang="en-US" sz="2800" smtClean="0">
+                <a:hlinkClick r:id="rId3"/>
+              </a:rPr>
+              <a:t>jsfiddle.net/spietrek/VKbpu/3</a:t>
             </a:r>
             <a:r>
               <a:rPr lang="en-US" sz="2800" dirty="0" smtClean="0"/>
@@ -37891,13 +37162,19 @@
               <a:rPr lang="en-US" sz="2800" dirty="0">
                 <a:hlinkClick r:id="rId4"/>
               </a:rPr>
-              <a:t>https://</a:t>
-            </a:r>
-            <a:r>
-              <a:rPr lang="en-US" sz="2800" dirty="0" smtClean="0">
+              <a:t>https</a:t>
+            </a:r>
+            <a:r>
+              <a:rPr lang="en-US" sz="2800">
                 <a:hlinkClick r:id="rId4"/>
               </a:rPr>
-              <a:t>jsfiddle.net/spietrek/04y3zwo8/2/</a:t>
+              <a:t>://</a:t>
+            </a:r>
+            <a:r>
+              <a:rPr lang="en-US" sz="2800" smtClean="0">
+                <a:hlinkClick r:id="rId4"/>
+              </a:rPr>
+              <a:t>jsfiddle.net/spietrek/04y3zwo8/2</a:t>
             </a:r>
             <a:endParaRPr lang="en-US" dirty="0"/>
           </a:p>
@@ -39593,7 +38870,7 @@
           </a:ln>
           <a:extLst>
             <a:ext uri="{91240B29-F687-4f45-9708-019B960494DF}">
-              <a14:hiddenLine xmlns:a14="http://schemas.microsoft.com/office/drawing/2010/main" xmlns="" w="9525">
+              <a14:hiddenLine xmlns="" xmlns:a14="http://schemas.microsoft.com/office/drawing/2010/main" w="9525">
                 <a:solidFill>
                   <a:srgbClr val="000000"/>
                 </a:solidFill>
@@ -39647,7 +38924,7 @@
           </a:ln>
           <a:extLst>
             <a:ext uri="{91240B29-F687-4f45-9708-019B960494DF}">
-              <a14:hiddenLine xmlns:a14="http://schemas.microsoft.com/office/drawing/2010/main" xmlns="" w="9525">
+              <a14:hiddenLine xmlns="" xmlns:a14="http://schemas.microsoft.com/office/drawing/2010/main" w="9525">
                 <a:solidFill>
                   <a:srgbClr val="000000"/>
                 </a:solidFill>
@@ -39855,40 +39132,6 @@
           <a:chExt cx="0" cy="0"/>
         </a:xfrm>
       </p:grpSpPr>
-      <p:sp>
-        <p:nvSpPr>
-          <p:cNvPr id="4" name="TextBox 3"/>
-          <p:cNvSpPr txBox="1"/>
-          <p:nvPr/>
-        </p:nvSpPr>
-        <p:spPr>
-          <a:xfrm>
-            <a:off x="193274" y="1701801"/>
-            <a:ext cx="11772949" cy="369332"/>
-          </a:xfrm>
-          <a:prstGeom prst="rect">
-            <a:avLst/>
-          </a:prstGeom>
-          <a:noFill/>
-        </p:spPr>
-        <p:txBody>
-          <a:bodyPr wrap="square" rtlCol="0">
-            <a:spAutoFit/>
-          </a:bodyPr>
-          <a:lstStyle/>
-          <a:p>
-            <a:r>
-              <a:rPr lang="en-US" dirty="0">
-                <a:solidFill>
-                  <a:schemeClr val="bg2"/>
-                </a:solidFill>
-                <a:latin typeface="+mj-lt"/>
-              </a:rPr>
-              <a:t>Please visit the sponsors and thank them. Without them, we wouldn’t have a conference!</a:t>
-            </a:r>
-          </a:p>
-        </p:txBody>
-      </p:sp>
       <p:pic>
         <p:nvPicPr>
           <p:cNvPr id="11" name="Picture 10"/>
@@ -39988,22 +39231,11 @@
           <a:p>
             <a:r>
               <a:rPr lang="en-US" sz="4800" dirty="0">
-                <a:solidFill>
-                  <a:schemeClr val="bg1"/>
-                </a:solidFill>
                 <a:latin typeface="Segoe UI" panose="020B0502040204020203" pitchFamily="34" charset="0"/>
                 <a:ea typeface="Segoe UI" panose="020B0502040204020203" pitchFamily="34" charset="0"/>
                 <a:cs typeface="Segoe UI" panose="020B0502040204020203" pitchFamily="34" charset="0"/>
               </a:rPr>
-              <a:t>@</a:t>
-            </a:r>
-            <a:r>
-              <a:rPr lang="en-US" sz="4800" dirty="0">
-                <a:latin typeface="Segoe UI" panose="020B0502040204020203" pitchFamily="34" charset="0"/>
-                <a:ea typeface="Segoe UI" panose="020B0502040204020203" pitchFamily="34" charset="0"/>
-                <a:cs typeface="Segoe UI" panose="020B0502040204020203" pitchFamily="34" charset="0"/>
-              </a:rPr>
-              <a:t>SharePointCincy</a:t>
+              <a:t>@SharePointCincy</a:t>
             </a:r>
           </a:p>
           <a:p>
@@ -40015,6 +39247,11 @@
               </a:rPr>
               <a:t>#SharePointCincy</a:t>
             </a:r>
+            <a:endParaRPr lang="en-US" sz="3733" dirty="0">
+              <a:latin typeface="Segoe UI" panose="020B0502040204020203" pitchFamily="34" charset="0"/>
+              <a:ea typeface="Segoe UI" panose="020B0502040204020203" pitchFamily="34" charset="0"/>
+              <a:cs typeface="Segoe UI" panose="020B0502040204020203" pitchFamily="34" charset="0"/>
+            </a:endParaRPr>
           </a:p>
         </p:txBody>
       </p:sp>
@@ -40026,8 +39263,8 @@
         </p:nvSpPr>
         <p:spPr>
           <a:xfrm>
-            <a:off x="304800" y="3733800"/>
-            <a:ext cx="5486400" cy="400110"/>
+            <a:off x="4368800" y="2209800"/>
+            <a:ext cx="5486400" cy="461665"/>
           </a:xfrm>
           <a:prstGeom prst="rect">
             <a:avLst/>
@@ -40041,7 +39278,7 @@
           <a:lstStyle/>
           <a:p>
             <a:r>
-              <a:rPr lang="en-US" sz="2000" b="1" u="sng" spc="400" dirty="0">
+              <a:rPr lang="en-US" sz="2400" b="1" u="sng" spc="400" dirty="0">
                 <a:solidFill>
                   <a:srgbClr val="FFC000"/>
                 </a:solidFill>
@@ -40049,6 +39286,12 @@
               </a:rPr>
               <a:t>GOLD SPONSORS</a:t>
             </a:r>
+            <a:endParaRPr lang="en-US" sz="2400" b="1" u="sng" spc="400" dirty="0">
+              <a:solidFill>
+                <a:srgbClr val="FFC000"/>
+              </a:solidFill>
+              <a:latin typeface="Calibri" panose="020F0502020204030204" pitchFamily="34" charset="0"/>
+            </a:endParaRPr>
           </a:p>
         </p:txBody>
       </p:sp>
@@ -40075,7 +39318,7 @@
         </p:blipFill>
         <p:spPr bwMode="auto">
           <a:xfrm>
-            <a:off x="372533" y="4481736"/>
+            <a:off x="4368800" y="2920329"/>
             <a:ext cx="2194560" cy="551144"/>
           </a:xfrm>
           <a:prstGeom prst="rect">
@@ -40116,7 +39359,7 @@
         </p:blipFill>
         <p:spPr bwMode="auto">
           <a:xfrm>
-            <a:off x="395111" y="5504864"/>
+            <a:off x="7051664" y="2675083"/>
             <a:ext cx="2194560" cy="1003227"/>
           </a:xfrm>
           <a:prstGeom prst="rect">
@@ -40157,7 +39400,7 @@
         </p:blipFill>
         <p:spPr bwMode="auto">
           <a:xfrm>
-            <a:off x="2987040" y="4241800"/>
+            <a:off x="4368800" y="3840976"/>
             <a:ext cx="2194560" cy="1060875"/>
           </a:xfrm>
           <a:prstGeom prst="rect">
@@ -40239,7 +39482,7 @@
         </p:blipFill>
         <p:spPr bwMode="auto">
           <a:xfrm>
-            <a:off x="2946400" y="5359400"/>
+            <a:off x="7048633" y="3939464"/>
             <a:ext cx="1950720" cy="1193381"/>
           </a:xfrm>
           <a:prstGeom prst="rect">
@@ -40265,8 +39508,8 @@
         </p:nvSpPr>
         <p:spPr>
           <a:xfrm>
-            <a:off x="6807199" y="3161773"/>
-            <a:ext cx="2470503" cy="400110"/>
+            <a:off x="428098" y="4979105"/>
+            <a:ext cx="2336801" cy="461665"/>
           </a:xfrm>
           <a:prstGeom prst="rect">
             <a:avLst/>
@@ -40280,9 +39523,9 @@
           <a:lstStyle/>
           <a:p>
             <a:r>
-              <a:rPr lang="en-US" sz="2000" b="1" u="sng" spc="400" dirty="0">
+              <a:rPr lang="en-US" sz="2400" b="1" spc="400" dirty="0">
                 <a:solidFill>
-                  <a:schemeClr val="accent4">
+                  <a:schemeClr val="accent6">
                     <a:lumMod val="75000"/>
                   </a:schemeClr>
                 </a:solidFill>
@@ -40290,6 +39533,14 @@
               </a:rPr>
               <a:t>EXHIBITORS</a:t>
             </a:r>
+            <a:endParaRPr lang="en-US" sz="2400" b="1" spc="400" dirty="0">
+              <a:solidFill>
+                <a:schemeClr val="accent6">
+                  <a:lumMod val="75000"/>
+                </a:schemeClr>
+              </a:solidFill>
+              <a:latin typeface="Calibri" panose="020F0502020204030204" pitchFamily="34" charset="0"/>
+            </a:endParaRPr>
           </a:p>
         </p:txBody>
       </p:sp>
@@ -40316,7 +39567,7 @@
         </p:blipFill>
         <p:spPr bwMode="auto">
           <a:xfrm>
-            <a:off x="7042501" y="3889408"/>
+            <a:off x="508000" y="5525750"/>
             <a:ext cx="1625600" cy="953685"/>
           </a:xfrm>
           <a:prstGeom prst="rect">
@@ -40357,7 +39608,7 @@
         </p:blipFill>
         <p:spPr bwMode="auto">
           <a:xfrm>
-            <a:off x="7010401" y="5032881"/>
+            <a:off x="4572001" y="5646758"/>
             <a:ext cx="1780116" cy="694372"/>
           </a:xfrm>
           <a:prstGeom prst="rect">
@@ -40398,7 +39649,7 @@
         </p:blipFill>
         <p:spPr bwMode="auto">
           <a:xfrm>
-            <a:off x="9176104" y="3861764"/>
+            <a:off x="2336801" y="5540103"/>
             <a:ext cx="1837249" cy="1052688"/>
           </a:xfrm>
           <a:prstGeom prst="rect">
@@ -40439,7 +39690,7 @@
         </p:blipFill>
         <p:spPr bwMode="auto">
           <a:xfrm>
-            <a:off x="9277702" y="5116875"/>
+            <a:off x="6900352" y="5738177"/>
             <a:ext cx="1735649" cy="528831"/>
           </a:xfrm>
           <a:prstGeom prst="rect">
@@ -40480,7 +39731,7 @@
         </p:blipFill>
         <p:spPr bwMode="auto">
           <a:xfrm>
-            <a:off x="7010401" y="5915672"/>
+            <a:off x="9200445" y="5681120"/>
             <a:ext cx="2077156" cy="592681"/>
           </a:xfrm>
           <a:prstGeom prst="rect">
@@ -40507,7 +39758,7 @@
         <p:spPr>
           <a:xfrm>
             <a:off x="304800" y="2209801"/>
-            <a:ext cx="3352800" cy="400110"/>
+            <a:ext cx="3352800" cy="461665"/>
           </a:xfrm>
           <a:prstGeom prst="rect">
             <a:avLst/>
@@ -40521,7 +39772,7 @@
           <a:lstStyle/>
           <a:p>
             <a:r>
-              <a:rPr lang="en-US" sz="2000" b="1" u="sng" dirty="0">
+              <a:rPr lang="en-US" sz="2400" b="1" u="sng" dirty="0">
                 <a:solidFill>
                   <a:schemeClr val="accent6">
                     <a:lumMod val="60000"/>
@@ -40532,13 +39783,82 @@
               </a:rPr>
               <a:t>PLATINUM SPONSOR</a:t>
             </a:r>
+            <a:endParaRPr lang="en-US" sz="2400" b="1" u="sng" dirty="0">
+              <a:solidFill>
+                <a:schemeClr val="accent6">
+                  <a:lumMod val="60000"/>
+                  <a:lumOff val="40000"/>
+                </a:schemeClr>
+              </a:solidFill>
+              <a:latin typeface="Calibri" panose="020F0502020204030204" pitchFamily="34" charset="0"/>
+            </a:endParaRPr>
           </a:p>
         </p:txBody>
       </p:sp>
+      <p:pic>
+        <p:nvPicPr>
+          <p:cNvPr id="2" name="Picture 1"/>
+          <p:cNvPicPr>
+            <a:picLocks noChangeAspect="1"/>
+          </p:cNvPicPr>
+          <p:nvPr/>
+        </p:nvPicPr>
+        <p:blipFill rotWithShape="1">
+          <a:blip r:embed="rId13">
+            <a:extLst>
+              <a:ext uri="{28A0092B-C50C-407E-A947-70E740481C1C}">
+                <a14:useLocalDpi xmlns:a14="http://schemas.microsoft.com/office/drawing/2010/main" val="0"/>
+              </a:ext>
+            </a:extLst>
+          </a:blip>
+          <a:srcRect l="3334" t="23334" r="6665" b="23333"/>
+          <a:stretch/>
+        </p:blipFill>
+        <p:spPr>
+          <a:xfrm>
+            <a:off x="9529157" y="3939464"/>
+            <a:ext cx="2053243" cy="1216736"/>
+          </a:xfrm>
+          <a:prstGeom prst="rect">
+            <a:avLst/>
+          </a:prstGeom>
+        </p:spPr>
+      </p:pic>
+      <p:cxnSp>
+        <p:nvCxnSpPr>
+          <p:cNvPr id="5" name="Straight Connector 4"/>
+          <p:cNvCxnSpPr/>
+          <p:nvPr/>
+        </p:nvCxnSpPr>
+        <p:spPr>
+          <a:xfrm>
+            <a:off x="508000" y="5413348"/>
+            <a:ext cx="11379200" cy="0"/>
+          </a:xfrm>
+          <a:prstGeom prst="line">
+            <a:avLst/>
+          </a:prstGeom>
+          <a:ln w="19050"/>
+        </p:spPr>
+        <p:style>
+          <a:lnRef idx="1">
+            <a:schemeClr val="dk1"/>
+          </a:lnRef>
+          <a:fillRef idx="0">
+            <a:schemeClr val="dk1"/>
+          </a:fillRef>
+          <a:effectRef idx="0">
+            <a:schemeClr val="dk1"/>
+          </a:effectRef>
+          <a:fontRef idx="minor">
+            <a:schemeClr val="tx1"/>
+          </a:fontRef>
+        </p:style>
+      </p:cxnSp>
     </p:spTree>
     <p:extLst>
       <p:ext uri="{BB962C8B-B14F-4D97-AF65-F5344CB8AC3E}">
-        <p14:creationId xmlns:p14="http://schemas.microsoft.com/office/powerpoint/2010/main" val="3229724435"/>
+        <p14:creationId xmlns:p14="http://schemas.microsoft.com/office/powerpoint/2010/main" val="3480360011"/>
       </p:ext>
     </p:extLst>
   </p:cSld>
@@ -43657,15 +42977,7 @@
                       </a:r>
                       <a:r>
                         <a:rPr lang="en-US" sz="2400" baseline="0" dirty="0" smtClean="0"/>
-                        <a:t> User?  Post your comments to our new Facebook Group Page. Just look for SharePoint </a:t>
-                      </a:r>
-                      <a:r>
-                        <a:rPr lang="en-US" sz="2400" baseline="0" dirty="0" err="1" smtClean="0"/>
-                        <a:t>Cincy</a:t>
-                      </a:r>
-                      <a:r>
-                        <a:rPr lang="en-US" sz="2400" baseline="0" dirty="0" smtClean="0"/>
-                        <a:t>.</a:t>
+                        <a:t> User?  Post your comments to our new Facebook Group Page. Just look for SharePoint Cincy.</a:t>
                       </a:r>
                       <a:endParaRPr lang="en-US" sz="2400" dirty="0"/>
                     </a:p>
@@ -45709,40 +45021,6 @@
           <a:chExt cx="0" cy="0"/>
         </a:xfrm>
       </p:grpSpPr>
-      <p:sp>
-        <p:nvSpPr>
-          <p:cNvPr id="4" name="TextBox 3"/>
-          <p:cNvSpPr txBox="1"/>
-          <p:nvPr/>
-        </p:nvSpPr>
-        <p:spPr>
-          <a:xfrm>
-            <a:off x="193274" y="1701801"/>
-            <a:ext cx="11772949" cy="369332"/>
-          </a:xfrm>
-          <a:prstGeom prst="rect">
-            <a:avLst/>
-          </a:prstGeom>
-          <a:noFill/>
-        </p:spPr>
-        <p:txBody>
-          <a:bodyPr wrap="square" rtlCol="0">
-            <a:spAutoFit/>
-          </a:bodyPr>
-          <a:lstStyle/>
-          <a:p>
-            <a:r>
-              <a:rPr lang="en-US" dirty="0">
-                <a:solidFill>
-                  <a:schemeClr val="bg2"/>
-                </a:solidFill>
-                <a:latin typeface="+mj-lt"/>
-              </a:rPr>
-              <a:t>Please visit the sponsors and thank them. Without them, we wouldn’t have a conference!</a:t>
-            </a:r>
-          </a:p>
-        </p:txBody>
-      </p:sp>
       <p:pic>
         <p:nvPicPr>
           <p:cNvPr id="11" name="Picture 10"/>
@@ -45842,22 +45120,11 @@
           <a:p>
             <a:r>
               <a:rPr lang="en-US" sz="4800" dirty="0">
-                <a:solidFill>
-                  <a:schemeClr val="bg1"/>
-                </a:solidFill>
                 <a:latin typeface="Segoe UI" panose="020B0502040204020203" pitchFamily="34" charset="0"/>
                 <a:ea typeface="Segoe UI" panose="020B0502040204020203" pitchFamily="34" charset="0"/>
                 <a:cs typeface="Segoe UI" panose="020B0502040204020203" pitchFamily="34" charset="0"/>
               </a:rPr>
-              <a:t>@</a:t>
-            </a:r>
-            <a:r>
-              <a:rPr lang="en-US" sz="4800" dirty="0">
-                <a:latin typeface="Segoe UI" panose="020B0502040204020203" pitchFamily="34" charset="0"/>
-                <a:ea typeface="Segoe UI" panose="020B0502040204020203" pitchFamily="34" charset="0"/>
-                <a:cs typeface="Segoe UI" panose="020B0502040204020203" pitchFamily="34" charset="0"/>
-              </a:rPr>
-              <a:t>SharePointCincy</a:t>
+              <a:t>@SharePointCincy</a:t>
             </a:r>
           </a:p>
           <a:p>
@@ -45869,6 +45136,11 @@
               </a:rPr>
               <a:t>#SharePointCincy</a:t>
             </a:r>
+            <a:endParaRPr lang="en-US" sz="3733" dirty="0">
+              <a:latin typeface="Segoe UI" panose="020B0502040204020203" pitchFamily="34" charset="0"/>
+              <a:ea typeface="Segoe UI" panose="020B0502040204020203" pitchFamily="34" charset="0"/>
+              <a:cs typeface="Segoe UI" panose="020B0502040204020203" pitchFamily="34" charset="0"/>
+            </a:endParaRPr>
           </a:p>
         </p:txBody>
       </p:sp>
@@ -45880,8 +45152,8 @@
         </p:nvSpPr>
         <p:spPr>
           <a:xfrm>
-            <a:off x="304800" y="3733800"/>
-            <a:ext cx="5486400" cy="400110"/>
+            <a:off x="4368800" y="2209800"/>
+            <a:ext cx="5486400" cy="461665"/>
           </a:xfrm>
           <a:prstGeom prst="rect">
             <a:avLst/>
@@ -45895,7 +45167,7 @@
           <a:lstStyle/>
           <a:p>
             <a:r>
-              <a:rPr lang="en-US" sz="2000" b="1" u="sng" spc="400" dirty="0">
+              <a:rPr lang="en-US" sz="2400" b="1" u="sng" spc="400" dirty="0">
                 <a:solidFill>
                   <a:srgbClr val="FFC000"/>
                 </a:solidFill>
@@ -45903,6 +45175,12 @@
               </a:rPr>
               <a:t>GOLD SPONSORS</a:t>
             </a:r>
+            <a:endParaRPr lang="en-US" sz="2400" b="1" u="sng" spc="400" dirty="0">
+              <a:solidFill>
+                <a:srgbClr val="FFC000"/>
+              </a:solidFill>
+              <a:latin typeface="Calibri" panose="020F0502020204030204" pitchFamily="34" charset="0"/>
+            </a:endParaRPr>
           </a:p>
         </p:txBody>
       </p:sp>
@@ -45929,7 +45207,7 @@
         </p:blipFill>
         <p:spPr bwMode="auto">
           <a:xfrm>
-            <a:off x="372533" y="4481736"/>
+            <a:off x="4368800" y="2920329"/>
             <a:ext cx="2194560" cy="551144"/>
           </a:xfrm>
           <a:prstGeom prst="rect">
@@ -45970,7 +45248,7 @@
         </p:blipFill>
         <p:spPr bwMode="auto">
           <a:xfrm>
-            <a:off x="395111" y="5504864"/>
+            <a:off x="7051664" y="2675083"/>
             <a:ext cx="2194560" cy="1003227"/>
           </a:xfrm>
           <a:prstGeom prst="rect">
@@ -46011,7 +45289,7 @@
         </p:blipFill>
         <p:spPr bwMode="auto">
           <a:xfrm>
-            <a:off x="2987040" y="4241800"/>
+            <a:off x="4368800" y="3840976"/>
             <a:ext cx="2194560" cy="1060875"/>
           </a:xfrm>
           <a:prstGeom prst="rect">
@@ -46093,7 +45371,7 @@
         </p:blipFill>
         <p:spPr bwMode="auto">
           <a:xfrm>
-            <a:off x="2946400" y="5359400"/>
+            <a:off x="7048633" y="3939464"/>
             <a:ext cx="1950720" cy="1193381"/>
           </a:xfrm>
           <a:prstGeom prst="rect">
@@ -46119,8 +45397,8 @@
         </p:nvSpPr>
         <p:spPr>
           <a:xfrm>
-            <a:off x="6807199" y="3161773"/>
-            <a:ext cx="2470503" cy="400110"/>
+            <a:off x="428098" y="4979105"/>
+            <a:ext cx="2336801" cy="461665"/>
           </a:xfrm>
           <a:prstGeom prst="rect">
             <a:avLst/>
@@ -46134,9 +45412,9 @@
           <a:lstStyle/>
           <a:p>
             <a:r>
-              <a:rPr lang="en-US" sz="2000" b="1" u="sng" spc="400" dirty="0">
+              <a:rPr lang="en-US" sz="2400" b="1" spc="400" dirty="0">
                 <a:solidFill>
-                  <a:schemeClr val="accent4">
+                  <a:schemeClr val="accent6">
                     <a:lumMod val="75000"/>
                   </a:schemeClr>
                 </a:solidFill>
@@ -46144,6 +45422,14 @@
               </a:rPr>
               <a:t>EXHIBITORS</a:t>
             </a:r>
+            <a:endParaRPr lang="en-US" sz="2400" b="1" spc="400" dirty="0">
+              <a:solidFill>
+                <a:schemeClr val="accent6">
+                  <a:lumMod val="75000"/>
+                </a:schemeClr>
+              </a:solidFill>
+              <a:latin typeface="Calibri" panose="020F0502020204030204" pitchFamily="34" charset="0"/>
+            </a:endParaRPr>
           </a:p>
         </p:txBody>
       </p:sp>
@@ -46170,7 +45456,7 @@
         </p:blipFill>
         <p:spPr bwMode="auto">
           <a:xfrm>
-            <a:off x="7042501" y="3889408"/>
+            <a:off x="508000" y="5525750"/>
             <a:ext cx="1625600" cy="953685"/>
           </a:xfrm>
           <a:prstGeom prst="rect">
@@ -46211,7 +45497,7 @@
         </p:blipFill>
         <p:spPr bwMode="auto">
           <a:xfrm>
-            <a:off x="7010401" y="5032881"/>
+            <a:off x="4572001" y="5646758"/>
             <a:ext cx="1780116" cy="694372"/>
           </a:xfrm>
           <a:prstGeom prst="rect">
@@ -46252,7 +45538,7 @@
         </p:blipFill>
         <p:spPr bwMode="auto">
           <a:xfrm>
-            <a:off x="9176104" y="3861764"/>
+            <a:off x="2336801" y="5540103"/>
             <a:ext cx="1837249" cy="1052688"/>
           </a:xfrm>
           <a:prstGeom prst="rect">
@@ -46293,7 +45579,7 @@
         </p:blipFill>
         <p:spPr bwMode="auto">
           <a:xfrm>
-            <a:off x="9277702" y="5116875"/>
+            <a:off x="6900352" y="5738177"/>
             <a:ext cx="1735649" cy="528831"/>
           </a:xfrm>
           <a:prstGeom prst="rect">
@@ -46334,7 +45620,7 @@
         </p:blipFill>
         <p:spPr bwMode="auto">
           <a:xfrm>
-            <a:off x="7010401" y="5915672"/>
+            <a:off x="9200445" y="5681120"/>
             <a:ext cx="2077156" cy="592681"/>
           </a:xfrm>
           <a:prstGeom prst="rect">
@@ -46361,7 +45647,7 @@
         <p:spPr>
           <a:xfrm>
             <a:off x="304800" y="2209801"/>
-            <a:ext cx="3352800" cy="400110"/>
+            <a:ext cx="3352800" cy="461665"/>
           </a:xfrm>
           <a:prstGeom prst="rect">
             <a:avLst/>
@@ -46375,7 +45661,7 @@
           <a:lstStyle/>
           <a:p>
             <a:r>
-              <a:rPr lang="en-US" sz="2000" b="1" u="sng" dirty="0">
+              <a:rPr lang="en-US" sz="2400" b="1" u="sng" dirty="0">
                 <a:solidFill>
                   <a:schemeClr val="accent6">
                     <a:lumMod val="60000"/>
@@ -46386,13 +45672,82 @@
               </a:rPr>
               <a:t>PLATINUM SPONSOR</a:t>
             </a:r>
+            <a:endParaRPr lang="en-US" sz="2400" b="1" u="sng" dirty="0">
+              <a:solidFill>
+                <a:schemeClr val="accent6">
+                  <a:lumMod val="60000"/>
+                  <a:lumOff val="40000"/>
+                </a:schemeClr>
+              </a:solidFill>
+              <a:latin typeface="Calibri" panose="020F0502020204030204" pitchFamily="34" charset="0"/>
+            </a:endParaRPr>
           </a:p>
         </p:txBody>
       </p:sp>
+      <p:pic>
+        <p:nvPicPr>
+          <p:cNvPr id="2" name="Picture 1"/>
+          <p:cNvPicPr>
+            <a:picLocks noChangeAspect="1"/>
+          </p:cNvPicPr>
+          <p:nvPr/>
+        </p:nvPicPr>
+        <p:blipFill rotWithShape="1">
+          <a:blip r:embed="rId13">
+            <a:extLst>
+              <a:ext uri="{28A0092B-C50C-407E-A947-70E740481C1C}">
+                <a14:useLocalDpi xmlns:a14="http://schemas.microsoft.com/office/drawing/2010/main" val="0"/>
+              </a:ext>
+            </a:extLst>
+          </a:blip>
+          <a:srcRect l="3334" t="23334" r="6665" b="23333"/>
+          <a:stretch/>
+        </p:blipFill>
+        <p:spPr>
+          <a:xfrm>
+            <a:off x="9529157" y="3939464"/>
+            <a:ext cx="2053243" cy="1216736"/>
+          </a:xfrm>
+          <a:prstGeom prst="rect">
+            <a:avLst/>
+          </a:prstGeom>
+        </p:spPr>
+      </p:pic>
+      <p:cxnSp>
+        <p:nvCxnSpPr>
+          <p:cNvPr id="5" name="Straight Connector 4"/>
+          <p:cNvCxnSpPr/>
+          <p:nvPr/>
+        </p:nvCxnSpPr>
+        <p:spPr>
+          <a:xfrm>
+            <a:off x="508000" y="5420434"/>
+            <a:ext cx="11379200" cy="0"/>
+          </a:xfrm>
+          <a:prstGeom prst="line">
+            <a:avLst/>
+          </a:prstGeom>
+          <a:ln w="19050"/>
+        </p:spPr>
+        <p:style>
+          <a:lnRef idx="1">
+            <a:schemeClr val="dk1"/>
+          </a:lnRef>
+          <a:fillRef idx="0">
+            <a:schemeClr val="dk1"/>
+          </a:fillRef>
+          <a:effectRef idx="0">
+            <a:schemeClr val="dk1"/>
+          </a:effectRef>
+          <a:fontRef idx="minor">
+            <a:schemeClr val="tx1"/>
+          </a:fontRef>
+        </p:style>
+      </p:cxnSp>
     </p:spTree>
     <p:extLst>
       <p:ext uri="{BB962C8B-B14F-4D97-AF65-F5344CB8AC3E}">
-        <p14:creationId xmlns:p14="http://schemas.microsoft.com/office/powerpoint/2010/main" val="138644612"/>
+        <p14:creationId xmlns:p14="http://schemas.microsoft.com/office/powerpoint/2010/main" val="4078977972"/>
       </p:ext>
     </p:extLst>
   </p:cSld>

--- a/Building SPAs in SharePoint Using AngularJS.pptx
+++ b/Building SPAs in SharePoint Using AngularJS.pptx
@@ -37,11 +37,11 @@
     <p:sldId id="274" r:id="rId25"/>
     <p:sldId id="273" r:id="rId26"/>
     <p:sldId id="298" r:id="rId27"/>
-    <p:sldId id="301" r:id="rId28"/>
-    <p:sldId id="302" r:id="rId29"/>
-    <p:sldId id="270" r:id="rId30"/>
-    <p:sldId id="311" r:id="rId31"/>
-    <p:sldId id="313" r:id="rId32"/>
+    <p:sldId id="270" r:id="rId28"/>
+    <p:sldId id="311" r:id="rId29"/>
+    <p:sldId id="313" r:id="rId30"/>
+    <p:sldId id="301" r:id="rId31"/>
+    <p:sldId id="302" r:id="rId32"/>
     <p:sldId id="296" r:id="rId33"/>
     <p:sldId id="317" r:id="rId34"/>
     <p:sldId id="297" r:id="rId35"/>
@@ -5894,66 +5894,66 @@
     </dgm:pt>
   </dgm:ptLst>
   <dgm:cxnLst>
-    <dgm:cxn modelId="{899DC66D-5159-5148-918B-57B4A53EDA15}" type="presOf" srcId="{2AFC2AC9-681A-43C2-A090-A226C85310DB}" destId="{437E6AB7-F632-45EF-9260-F25F0F7069F6}" srcOrd="0" destOrd="0" presId="urn:microsoft.com/office/officeart/2005/8/layout/default"/>
-    <dgm:cxn modelId="{A1B30CBC-4367-B549-BBC0-10758F1BA484}" type="presOf" srcId="{F41B07E8-CE51-4EB5-AC86-1069DF8D3EB9}" destId="{C3DB7B56-D373-4A48-9A71-A46DD7871267}" srcOrd="0" destOrd="0" presId="urn:microsoft.com/office/officeart/2005/8/layout/default"/>
+    <dgm:cxn modelId="{A986F089-68B1-4A4A-81C4-A15BFDFBB0A9}" type="presOf" srcId="{F33875E6-1369-465C-B9A1-72069991454D}" destId="{CCBB4DFD-6C6B-4CC4-8737-4A003FB9F0DE}" srcOrd="0" destOrd="0" presId="urn:microsoft.com/office/officeart/2005/8/layout/default"/>
+    <dgm:cxn modelId="{11CFCD56-D338-F24C-A182-B5EFEC1B6D4D}" type="presOf" srcId="{850DAB8A-16A1-494A-B2B8-60A0046933E1}" destId="{323D8D7F-73C3-4AE0-ADFF-DEA47ACAEAEC}" srcOrd="0" destOrd="0" presId="urn:microsoft.com/office/officeart/2005/8/layout/default"/>
     <dgm:cxn modelId="{A43FB41B-8B1F-4DD8-A968-AC1B38B7F0CF}" srcId="{2AFC2AC9-681A-43C2-A090-A226C85310DB}" destId="{C5AD34E3-69A0-4E85-8B74-23013B4A8897}" srcOrd="4" destOrd="0" parTransId="{2DEA4963-BB9A-4457-A21B-92BEB6E323C1}" sibTransId="{E0ADA356-DEB5-43E5-BC31-1412161FCEC4}"/>
-    <dgm:cxn modelId="{471A1204-0343-F640-BDFD-913EA79D470A}" type="presOf" srcId="{28AFA611-41E9-4E66-87AD-35D10BC19D0B}" destId="{79C4F599-DAA5-4B64-B839-E136F05674D1}" srcOrd="0" destOrd="0" presId="urn:microsoft.com/office/officeart/2005/8/layout/default"/>
     <dgm:cxn modelId="{94ABBE88-B691-4A59-85CA-CA0FF682F15B}" srcId="{2AFC2AC9-681A-43C2-A090-A226C85310DB}" destId="{E5F5AC6F-D135-4AFA-89CE-3AF4AC7111D7}" srcOrd="0" destOrd="0" parTransId="{4FC1029D-BDBB-4857-8367-C67DA0D1E2F4}" sibTransId="{E2F26C29-B56D-4F9B-B89A-2D76142730E3}"/>
+    <dgm:cxn modelId="{37DA0280-F8ED-3D42-8FD5-E72A17C5D60D}" type="presOf" srcId="{45BA28B1-98AE-4B64-B5D4-6498818003DD}" destId="{60FA720F-99B1-498C-8299-B803124EC0FD}" srcOrd="0" destOrd="0" presId="urn:microsoft.com/office/officeart/2005/8/layout/default"/>
     <dgm:cxn modelId="{4B12D50A-D5A9-4D78-A48E-34CE038385F9}" srcId="{2AFC2AC9-681A-43C2-A090-A226C85310DB}" destId="{19BB7DFE-6F51-4047-86E4-40AC3D4A80E3}" srcOrd="12" destOrd="0" parTransId="{CB917F8B-B05F-45D9-A7D5-99FE5F667DDE}" sibTransId="{B532DE6D-C6E8-4230-9F86-B0EF381C9790}"/>
-    <dgm:cxn modelId="{F65A1197-5E2C-9548-A5BE-40BEA18140B9}" type="presOf" srcId="{C5AD34E3-69A0-4E85-8B74-23013B4A8897}" destId="{CEE8964B-4B00-4631-A3E8-5C19D9F55D5D}" srcOrd="0" destOrd="0" presId="urn:microsoft.com/office/officeart/2005/8/layout/default"/>
-    <dgm:cxn modelId="{D9CE6240-C955-CD4C-9E89-8DD0C9E2EAAA}" type="presOf" srcId="{3BBF73CD-F668-49E0-ADB7-2567D7DBB54A}" destId="{82CDDC58-85B7-463A-BAD0-FBFCA0712F1C}" srcOrd="0" destOrd="0" presId="urn:microsoft.com/office/officeart/2005/8/layout/default"/>
-    <dgm:cxn modelId="{725D392F-5803-1943-8D3E-D54B7AC0F939}" type="presOf" srcId="{5E51C237-245B-4509-BE76-57CB7A2B3BEE}" destId="{F42622AE-00E9-46E6-B25C-7610AB5BE17A}" srcOrd="0" destOrd="0" presId="urn:microsoft.com/office/officeart/2005/8/layout/default"/>
+    <dgm:cxn modelId="{E96A77A6-4019-5041-8F14-C74F0853A75D}" type="presOf" srcId="{2AFC2AC9-681A-43C2-A090-A226C85310DB}" destId="{437E6AB7-F632-45EF-9260-F25F0F7069F6}" srcOrd="0" destOrd="0" presId="urn:microsoft.com/office/officeart/2005/8/layout/default"/>
+    <dgm:cxn modelId="{2EDB7B02-5703-D64B-B8EF-75FB3B9CEC30}" type="presOf" srcId="{E5F5AC6F-D135-4AFA-89CE-3AF4AC7111D7}" destId="{CFDA206A-66D4-4CB9-AD9B-54A2785435CF}" srcOrd="0" destOrd="0" presId="urn:microsoft.com/office/officeart/2005/8/layout/default"/>
     <dgm:cxn modelId="{3A1F60B3-FF8B-4A37-8D04-96417ADF1192}" srcId="{2AFC2AC9-681A-43C2-A090-A226C85310DB}" destId="{45BA28B1-98AE-4B64-B5D4-6498818003DD}" srcOrd="13" destOrd="0" parTransId="{913C0523-FD3D-44BE-BDF1-81C7D39722DA}" sibTransId="{6EE391C9-5720-43DD-B73F-EE3BD9C77AAA}"/>
-    <dgm:cxn modelId="{72CC021F-06D1-DC4B-B853-442147671678}" type="presOf" srcId="{F33875E6-1369-465C-B9A1-72069991454D}" destId="{CCBB4DFD-6C6B-4CC4-8737-4A003FB9F0DE}" srcOrd="0" destOrd="0" presId="urn:microsoft.com/office/officeart/2005/8/layout/default"/>
     <dgm:cxn modelId="{B18BF838-13CA-40A3-B3CF-219D4B17B0B6}" srcId="{2AFC2AC9-681A-43C2-A090-A226C85310DB}" destId="{F33875E6-1369-465C-B9A1-72069991454D}" srcOrd="7" destOrd="0" parTransId="{487AD158-EA8A-46C4-AD04-A838B6FD0090}" sibTransId="{04456E98-841D-40A0-97EF-BC3566465A01}"/>
     <dgm:cxn modelId="{77743982-50F4-48D0-84A9-B4039572DB5E}" srcId="{2AFC2AC9-681A-43C2-A090-A226C85310DB}" destId="{EDDE4F84-BDE9-41F3-B305-78E2F72EAFF3}" srcOrd="14" destOrd="0" parTransId="{E271BFCB-BAFA-4675-B257-9B0456A05F61}" sibTransId="{1640D815-FAF3-4854-A34C-E0A6E0DE70CB}"/>
+    <dgm:cxn modelId="{B27316CD-F9AC-FD45-96F8-266C22AC3180}" type="presOf" srcId="{3025ADC3-A130-4D6C-BB11-83CD9DFD0CE9}" destId="{9211F004-41C9-436B-9C68-0C8CD2CE5223}" srcOrd="0" destOrd="0" presId="urn:microsoft.com/office/officeart/2005/8/layout/default"/>
+    <dgm:cxn modelId="{7E2834EF-1FB6-1848-B43A-8F1873D177CF}" type="presOf" srcId="{3BBF73CD-F668-49E0-ADB7-2567D7DBB54A}" destId="{82CDDC58-85B7-463A-BAD0-FBFCA0712F1C}" srcOrd="0" destOrd="0" presId="urn:microsoft.com/office/officeart/2005/8/layout/default"/>
     <dgm:cxn modelId="{4D0608FA-6F9A-43AA-86C4-56D28CBB9468}" srcId="{2AFC2AC9-681A-43C2-A090-A226C85310DB}" destId="{3BBF73CD-F668-49E0-ADB7-2567D7DBB54A}" srcOrd="11" destOrd="0" parTransId="{0D36FCC9-7992-4A05-A4C6-4A4B61F11DA7}" sibTransId="{D072A2D0-2F85-46A6-9FA4-18408550C7B5}"/>
     <dgm:cxn modelId="{EDB03684-6CB6-4B17-88B5-7BC6EE79D85F}" srcId="{2AFC2AC9-681A-43C2-A090-A226C85310DB}" destId="{28AFA611-41E9-4E66-87AD-35D10BC19D0B}" srcOrd="1" destOrd="0" parTransId="{89EA7704-96A3-4185-80F8-5D15F6476DBD}" sibTransId="{08E77CD5-0715-4416-B8D7-23FCAD189E32}"/>
-    <dgm:cxn modelId="{4D53031C-3AE0-EA47-8E84-ABF6A9575518}" type="presOf" srcId="{E7A4F49D-4B0B-48D8-B592-16CCDE2525A0}" destId="{17459AAF-06DC-4C23-A450-BCC558EF88A4}" srcOrd="0" destOrd="0" presId="urn:microsoft.com/office/officeart/2005/8/layout/default"/>
-    <dgm:cxn modelId="{1FBF9500-46CC-0748-B641-7CAC543CB7F0}" type="presOf" srcId="{3025ADC3-A130-4D6C-BB11-83CD9DFD0CE9}" destId="{9211F004-41C9-436B-9C68-0C8CD2CE5223}" srcOrd="0" destOrd="0" presId="urn:microsoft.com/office/officeart/2005/8/layout/default"/>
-    <dgm:cxn modelId="{F37A76FD-C7BA-6A47-B7EC-003C980451CE}" type="presOf" srcId="{4B5B370E-7134-4A51-A986-15E473C0D1E2}" destId="{99A5D91A-2D6B-4309-9471-E46BFB3D929C}" srcOrd="0" destOrd="0" presId="urn:microsoft.com/office/officeart/2005/8/layout/default"/>
-    <dgm:cxn modelId="{6BE3B287-F3F1-C641-A40E-6EFC1943F0C0}" type="presOf" srcId="{E5F5AC6F-D135-4AFA-89CE-3AF4AC7111D7}" destId="{CFDA206A-66D4-4CB9-AD9B-54A2785435CF}" srcOrd="0" destOrd="0" presId="urn:microsoft.com/office/officeart/2005/8/layout/default"/>
+    <dgm:cxn modelId="{0A93B384-6E23-504D-BF16-171B63F00594}" type="presOf" srcId="{28AFA611-41E9-4E66-87AD-35D10BC19D0B}" destId="{79C4F599-DAA5-4B64-B839-E136F05674D1}" srcOrd="0" destOrd="0" presId="urn:microsoft.com/office/officeart/2005/8/layout/default"/>
     <dgm:cxn modelId="{8945C8C3-3BC1-43FB-B09F-D1568ECA67F9}" srcId="{2AFC2AC9-681A-43C2-A090-A226C85310DB}" destId="{4B5B370E-7134-4A51-A986-15E473C0D1E2}" srcOrd="9" destOrd="0" parTransId="{1A0C7741-3100-4834-8405-BD9EFC828CAE}" sibTransId="{59C328DC-B35C-4D17-8471-9BB674301B2D}"/>
+    <dgm:cxn modelId="{C4F92D3A-79C5-F047-A586-4424ED457B3E}" type="presOf" srcId="{19BB7DFE-6F51-4047-86E4-40AC3D4A80E3}" destId="{EB310276-7406-4F8F-B311-738501754F41}" srcOrd="0" destOrd="0" presId="urn:microsoft.com/office/officeart/2005/8/layout/default"/>
+    <dgm:cxn modelId="{2B668EA1-DC42-FC4F-9F1A-2440C21FED07}" type="presOf" srcId="{C5AD34E3-69A0-4E85-8B74-23013B4A8897}" destId="{CEE8964B-4B00-4631-A3E8-5C19D9F55D5D}" srcOrd="0" destOrd="0" presId="urn:microsoft.com/office/officeart/2005/8/layout/default"/>
     <dgm:cxn modelId="{33C491D3-2BBE-451C-874A-AEC6812EAAE9}" srcId="{2AFC2AC9-681A-43C2-A090-A226C85310DB}" destId="{E7A4F49D-4B0B-48D8-B592-16CCDE2525A0}" srcOrd="6" destOrd="0" parTransId="{588E73C6-FE17-4709-8F55-7FF74B8A87FA}" sibTransId="{C7EE804F-F903-4C5C-B76D-CB09B7CD8243}"/>
-    <dgm:cxn modelId="{9FBF72CA-0E9E-294C-9A72-0A8DE6263DE5}" type="presOf" srcId="{61383F6C-EAAF-46DC-8500-93CCBCC381B9}" destId="{132B08A8-E421-4EA4-B062-31BC0FD62343}" srcOrd="0" destOrd="0" presId="urn:microsoft.com/office/officeart/2005/8/layout/default"/>
+    <dgm:cxn modelId="{46B89E97-35A6-B742-93AC-8600A36AC2C3}" type="presOf" srcId="{5E51C237-245B-4509-BE76-57CB7A2B3BEE}" destId="{F42622AE-00E9-46E6-B25C-7610AB5BE17A}" srcOrd="0" destOrd="0" presId="urn:microsoft.com/office/officeart/2005/8/layout/default"/>
+    <dgm:cxn modelId="{A37D5393-86E6-1840-9EFC-52595F3E4394}" type="presOf" srcId="{EDDE4F84-BDE9-41F3-B305-78E2F72EAFF3}" destId="{38748953-EDFB-447D-B8F3-BDDEF5DFCCC7}" srcOrd="0" destOrd="0" presId="urn:microsoft.com/office/officeart/2005/8/layout/default"/>
+    <dgm:cxn modelId="{401B7715-0052-324F-8B5F-9E6BD3B2E6AF}" type="presOf" srcId="{F41B07E8-CE51-4EB5-AC86-1069DF8D3EB9}" destId="{C3DB7B56-D373-4A48-9A71-A46DD7871267}" srcOrd="0" destOrd="0" presId="urn:microsoft.com/office/officeart/2005/8/layout/default"/>
     <dgm:cxn modelId="{11DEE587-9368-4C00-B454-8F5D1BD85046}" srcId="{2AFC2AC9-681A-43C2-A090-A226C85310DB}" destId="{3025ADC3-A130-4D6C-BB11-83CD9DFD0CE9}" srcOrd="8" destOrd="0" parTransId="{AAF74095-6DC4-4928-B206-C4D77485B075}" sibTransId="{63CF556C-9A84-4715-A099-876AADA18EB3}"/>
-    <dgm:cxn modelId="{CAFB4E8F-27AB-854C-B687-895B4DEB736E}" type="presOf" srcId="{850DAB8A-16A1-494A-B2B8-60A0046933E1}" destId="{323D8D7F-73C3-4AE0-ADFF-DEA47ACAEAEC}" srcOrd="0" destOrd="0" presId="urn:microsoft.com/office/officeart/2005/8/layout/default"/>
+    <dgm:cxn modelId="{A670F09C-1B5F-0E47-9035-0667B649A1CE}" type="presOf" srcId="{E7A4F49D-4B0B-48D8-B592-16CCDE2525A0}" destId="{17459AAF-06DC-4C23-A450-BCC558EF88A4}" srcOrd="0" destOrd="0" presId="urn:microsoft.com/office/officeart/2005/8/layout/default"/>
+    <dgm:cxn modelId="{0C69C55F-18BF-164E-9837-B88EB517DBA7}" type="presOf" srcId="{4B5B370E-7134-4A51-A986-15E473C0D1E2}" destId="{99A5D91A-2D6B-4309-9471-E46BFB3D929C}" srcOrd="0" destOrd="0" presId="urn:microsoft.com/office/officeart/2005/8/layout/default"/>
     <dgm:cxn modelId="{579B70AD-2C03-4D25-9F04-CFAF408B14B5}" srcId="{2AFC2AC9-681A-43C2-A090-A226C85310DB}" destId="{850DAB8A-16A1-494A-B2B8-60A0046933E1}" srcOrd="2" destOrd="0" parTransId="{6DC0221B-80AE-4159-994B-BEEA07C76DF1}" sibTransId="{E62192A4-A6A7-4838-A77E-1278112858C0}"/>
-    <dgm:cxn modelId="{EB9FF60F-DA53-D441-9056-FFFCCA3B15F8}" type="presOf" srcId="{45BA28B1-98AE-4B64-B5D4-6498818003DD}" destId="{60FA720F-99B1-498C-8299-B803124EC0FD}" srcOrd="0" destOrd="0" presId="urn:microsoft.com/office/officeart/2005/8/layout/default"/>
-    <dgm:cxn modelId="{6D22EEE9-2972-C143-98FE-234B6DB18F59}" type="presOf" srcId="{EDDE4F84-BDE9-41F3-B305-78E2F72EAFF3}" destId="{38748953-EDFB-447D-B8F3-BDDEF5DFCCC7}" srcOrd="0" destOrd="0" presId="urn:microsoft.com/office/officeart/2005/8/layout/default"/>
-    <dgm:cxn modelId="{BB580D6F-836C-BC4D-A8FB-5EBF782C2733}" type="presOf" srcId="{19BB7DFE-6F51-4047-86E4-40AC3D4A80E3}" destId="{EB310276-7406-4F8F-B311-738501754F41}" srcOrd="0" destOrd="0" presId="urn:microsoft.com/office/officeart/2005/8/layout/default"/>
     <dgm:cxn modelId="{DDB71851-AC3F-444A-AF8E-84077F070351}" srcId="{2AFC2AC9-681A-43C2-A090-A226C85310DB}" destId="{61383F6C-EAAF-46DC-8500-93CCBCC381B9}" srcOrd="5" destOrd="0" parTransId="{B8F867A0-AC13-41AF-A4ED-D0383C187C3E}" sibTransId="{D65351EB-19BE-46FB-BDEE-C7EF51B340A8}"/>
+    <dgm:cxn modelId="{488A6A95-8EF5-9344-95C9-D0A96858A824}" type="presOf" srcId="{61383F6C-EAAF-46DC-8500-93CCBCC381B9}" destId="{132B08A8-E421-4EA4-B062-31BC0FD62343}" srcOrd="0" destOrd="0" presId="urn:microsoft.com/office/officeart/2005/8/layout/default"/>
     <dgm:cxn modelId="{6AA29FE5-6783-45E7-B4BA-17F9CF90517E}" srcId="{2AFC2AC9-681A-43C2-A090-A226C85310DB}" destId="{F41B07E8-CE51-4EB5-AC86-1069DF8D3EB9}" srcOrd="10" destOrd="0" parTransId="{BA7CDF15-71CA-4873-9CF7-53333CC9BBF5}" sibTransId="{0DDF59B4-0209-494D-9D7B-7B8C9E0BD700}"/>
     <dgm:cxn modelId="{B38AFBCE-B3AF-4A52-9397-B9F38A6DC85E}" srcId="{2AFC2AC9-681A-43C2-A090-A226C85310DB}" destId="{5E51C237-245B-4509-BE76-57CB7A2B3BEE}" srcOrd="3" destOrd="0" parTransId="{F27B6A63-920A-4B44-AB60-78A9BCFB6D0A}" sibTransId="{64B75F6E-4AF9-42E1-8C4D-B915FFCA0070}"/>
-    <dgm:cxn modelId="{613E0866-2B06-FF41-B79B-9BC11CB8EEBD}" type="presParOf" srcId="{437E6AB7-F632-45EF-9260-F25F0F7069F6}" destId="{CFDA206A-66D4-4CB9-AD9B-54A2785435CF}" srcOrd="0" destOrd="0" presId="urn:microsoft.com/office/officeart/2005/8/layout/default"/>
-    <dgm:cxn modelId="{50154FE4-1782-1D4A-B408-3E2879323BF0}" type="presParOf" srcId="{437E6AB7-F632-45EF-9260-F25F0F7069F6}" destId="{E70F2F27-FCAD-405D-8869-7FDDBCB983C6}" srcOrd="1" destOrd="0" presId="urn:microsoft.com/office/officeart/2005/8/layout/default"/>
-    <dgm:cxn modelId="{342B16B7-B4C9-CD4E-B51C-B3C3C5B28BA2}" type="presParOf" srcId="{437E6AB7-F632-45EF-9260-F25F0F7069F6}" destId="{79C4F599-DAA5-4B64-B839-E136F05674D1}" srcOrd="2" destOrd="0" presId="urn:microsoft.com/office/officeart/2005/8/layout/default"/>
-    <dgm:cxn modelId="{D7C45CC5-3E8F-994D-B10D-48C2F9B0B4A8}" type="presParOf" srcId="{437E6AB7-F632-45EF-9260-F25F0F7069F6}" destId="{24ADA717-2AA4-43DE-95AB-BEC16CA06948}" srcOrd="3" destOrd="0" presId="urn:microsoft.com/office/officeart/2005/8/layout/default"/>
-    <dgm:cxn modelId="{704E6D63-4C5A-8444-B012-489BFAFBBD82}" type="presParOf" srcId="{437E6AB7-F632-45EF-9260-F25F0F7069F6}" destId="{323D8D7F-73C3-4AE0-ADFF-DEA47ACAEAEC}" srcOrd="4" destOrd="0" presId="urn:microsoft.com/office/officeart/2005/8/layout/default"/>
-    <dgm:cxn modelId="{6BD9AA5A-1961-FC49-83A8-CB2523A7F142}" type="presParOf" srcId="{437E6AB7-F632-45EF-9260-F25F0F7069F6}" destId="{8AE4196A-D03A-4194-938C-A2E9797F4A3F}" srcOrd="5" destOrd="0" presId="urn:microsoft.com/office/officeart/2005/8/layout/default"/>
-    <dgm:cxn modelId="{11C39453-D2D4-B44F-8721-52C221B9B732}" type="presParOf" srcId="{437E6AB7-F632-45EF-9260-F25F0F7069F6}" destId="{F42622AE-00E9-46E6-B25C-7610AB5BE17A}" srcOrd="6" destOrd="0" presId="urn:microsoft.com/office/officeart/2005/8/layout/default"/>
-    <dgm:cxn modelId="{ABE04C37-C46C-994D-8AAA-54BBF0F52CD1}" type="presParOf" srcId="{437E6AB7-F632-45EF-9260-F25F0F7069F6}" destId="{F6DDF6CB-13C2-4B0D-BC84-856EF461D413}" srcOrd="7" destOrd="0" presId="urn:microsoft.com/office/officeart/2005/8/layout/default"/>
-    <dgm:cxn modelId="{10558547-ECF0-0E4E-BA72-2DCB955CF1DA}" type="presParOf" srcId="{437E6AB7-F632-45EF-9260-F25F0F7069F6}" destId="{CEE8964B-4B00-4631-A3E8-5C19D9F55D5D}" srcOrd="8" destOrd="0" presId="urn:microsoft.com/office/officeart/2005/8/layout/default"/>
-    <dgm:cxn modelId="{E873FA45-A6B6-1F41-8BED-C4307045B6FD}" type="presParOf" srcId="{437E6AB7-F632-45EF-9260-F25F0F7069F6}" destId="{3D73D1F6-9035-4760-9ECF-C72A2B37792A}" srcOrd="9" destOrd="0" presId="urn:microsoft.com/office/officeart/2005/8/layout/default"/>
-    <dgm:cxn modelId="{AA2B5D15-2300-B14E-BB7D-136155E48136}" type="presParOf" srcId="{437E6AB7-F632-45EF-9260-F25F0F7069F6}" destId="{132B08A8-E421-4EA4-B062-31BC0FD62343}" srcOrd="10" destOrd="0" presId="urn:microsoft.com/office/officeart/2005/8/layout/default"/>
-    <dgm:cxn modelId="{F975105D-ED39-1F49-A28A-3EF202138A13}" type="presParOf" srcId="{437E6AB7-F632-45EF-9260-F25F0F7069F6}" destId="{9203B5C1-A877-44B8-8576-5CC733B773EF}" srcOrd="11" destOrd="0" presId="urn:microsoft.com/office/officeart/2005/8/layout/default"/>
-    <dgm:cxn modelId="{A7F7F85B-C4EA-0F4F-984A-BF6F7CCBEA20}" type="presParOf" srcId="{437E6AB7-F632-45EF-9260-F25F0F7069F6}" destId="{17459AAF-06DC-4C23-A450-BCC558EF88A4}" srcOrd="12" destOrd="0" presId="urn:microsoft.com/office/officeart/2005/8/layout/default"/>
-    <dgm:cxn modelId="{ECE82717-A4C9-7E4B-8A1A-B1E8239FA636}" type="presParOf" srcId="{437E6AB7-F632-45EF-9260-F25F0F7069F6}" destId="{0E559450-5558-4837-9C87-557DCBE03D07}" srcOrd="13" destOrd="0" presId="urn:microsoft.com/office/officeart/2005/8/layout/default"/>
-    <dgm:cxn modelId="{3D3BC25B-ADC3-9549-B299-81E7469B029F}" type="presParOf" srcId="{437E6AB7-F632-45EF-9260-F25F0F7069F6}" destId="{CCBB4DFD-6C6B-4CC4-8737-4A003FB9F0DE}" srcOrd="14" destOrd="0" presId="urn:microsoft.com/office/officeart/2005/8/layout/default"/>
-    <dgm:cxn modelId="{E8523A91-15FE-E04E-AED3-D5BAA33C1A55}" type="presParOf" srcId="{437E6AB7-F632-45EF-9260-F25F0F7069F6}" destId="{B58E0D53-E11D-4D79-AA03-87C2502B1888}" srcOrd="15" destOrd="0" presId="urn:microsoft.com/office/officeart/2005/8/layout/default"/>
-    <dgm:cxn modelId="{77CB28CA-0DAE-FA4C-842B-3A2A5760EF56}" type="presParOf" srcId="{437E6AB7-F632-45EF-9260-F25F0F7069F6}" destId="{9211F004-41C9-436B-9C68-0C8CD2CE5223}" srcOrd="16" destOrd="0" presId="urn:microsoft.com/office/officeart/2005/8/layout/default"/>
-    <dgm:cxn modelId="{DA210CFE-FF5D-C348-9F45-4A0816B0C7D9}" type="presParOf" srcId="{437E6AB7-F632-45EF-9260-F25F0F7069F6}" destId="{BDBF169A-81F1-43D7-9F77-8937748EF6E5}" srcOrd="17" destOrd="0" presId="urn:microsoft.com/office/officeart/2005/8/layout/default"/>
-    <dgm:cxn modelId="{0F68C052-8503-A643-9D93-A60FFF1E8FD4}" type="presParOf" srcId="{437E6AB7-F632-45EF-9260-F25F0F7069F6}" destId="{99A5D91A-2D6B-4309-9471-E46BFB3D929C}" srcOrd="18" destOrd="0" presId="urn:microsoft.com/office/officeart/2005/8/layout/default"/>
-    <dgm:cxn modelId="{03AFBD48-AA50-7848-A628-874932FDA4F9}" type="presParOf" srcId="{437E6AB7-F632-45EF-9260-F25F0F7069F6}" destId="{848134C2-3EAF-4E23-9C6D-2617EF1D9A6A}" srcOrd="19" destOrd="0" presId="urn:microsoft.com/office/officeart/2005/8/layout/default"/>
-    <dgm:cxn modelId="{26C121C7-1898-3F4E-B9A2-0CB5F8BBF484}" type="presParOf" srcId="{437E6AB7-F632-45EF-9260-F25F0F7069F6}" destId="{C3DB7B56-D373-4A48-9A71-A46DD7871267}" srcOrd="20" destOrd="0" presId="urn:microsoft.com/office/officeart/2005/8/layout/default"/>
-    <dgm:cxn modelId="{BC2E7E9E-9A3F-274D-823B-9643F5690A86}" type="presParOf" srcId="{437E6AB7-F632-45EF-9260-F25F0F7069F6}" destId="{A9623B62-0A8D-4D5B-987F-1C191AA4FD03}" srcOrd="21" destOrd="0" presId="urn:microsoft.com/office/officeart/2005/8/layout/default"/>
-    <dgm:cxn modelId="{90E41ADD-1B01-CE4F-BEC7-B37D475C4D36}" type="presParOf" srcId="{437E6AB7-F632-45EF-9260-F25F0F7069F6}" destId="{82CDDC58-85B7-463A-BAD0-FBFCA0712F1C}" srcOrd="22" destOrd="0" presId="urn:microsoft.com/office/officeart/2005/8/layout/default"/>
-    <dgm:cxn modelId="{FC024978-3707-7040-AD28-868A92738F47}" type="presParOf" srcId="{437E6AB7-F632-45EF-9260-F25F0F7069F6}" destId="{E40BAE51-89EE-4C11-A75C-D53681C24FDA}" srcOrd="23" destOrd="0" presId="urn:microsoft.com/office/officeart/2005/8/layout/default"/>
-    <dgm:cxn modelId="{20954C59-9160-9F4B-8915-C247F3A91531}" type="presParOf" srcId="{437E6AB7-F632-45EF-9260-F25F0F7069F6}" destId="{EB310276-7406-4F8F-B311-738501754F41}" srcOrd="24" destOrd="0" presId="urn:microsoft.com/office/officeart/2005/8/layout/default"/>
-    <dgm:cxn modelId="{E5610995-9B22-6948-99EA-DE43C65ADE0C}" type="presParOf" srcId="{437E6AB7-F632-45EF-9260-F25F0F7069F6}" destId="{DD2547A4-1C63-40A4-B34F-95700C1C73B4}" srcOrd="25" destOrd="0" presId="urn:microsoft.com/office/officeart/2005/8/layout/default"/>
-    <dgm:cxn modelId="{C3C96FE4-7388-3643-926C-CB3576623946}" type="presParOf" srcId="{437E6AB7-F632-45EF-9260-F25F0F7069F6}" destId="{60FA720F-99B1-498C-8299-B803124EC0FD}" srcOrd="26" destOrd="0" presId="urn:microsoft.com/office/officeart/2005/8/layout/default"/>
-    <dgm:cxn modelId="{5A815582-9FED-7B42-B8F6-97F51286FFA3}" type="presParOf" srcId="{437E6AB7-F632-45EF-9260-F25F0F7069F6}" destId="{2B18BA4B-5129-45F5-9150-3E43762959EA}" srcOrd="27" destOrd="0" presId="urn:microsoft.com/office/officeart/2005/8/layout/default"/>
-    <dgm:cxn modelId="{20B0D60E-F8AA-364C-A574-3A500A81153A}" type="presParOf" srcId="{437E6AB7-F632-45EF-9260-F25F0F7069F6}" destId="{38748953-EDFB-447D-B8F3-BDDEF5DFCCC7}" srcOrd="28" destOrd="0" presId="urn:microsoft.com/office/officeart/2005/8/layout/default"/>
+    <dgm:cxn modelId="{0E591160-EEB2-1E40-A196-C6C12A8CB6A6}" type="presParOf" srcId="{437E6AB7-F632-45EF-9260-F25F0F7069F6}" destId="{CFDA206A-66D4-4CB9-AD9B-54A2785435CF}" srcOrd="0" destOrd="0" presId="urn:microsoft.com/office/officeart/2005/8/layout/default"/>
+    <dgm:cxn modelId="{38924DF6-6244-6940-9A15-4E7EBE025D09}" type="presParOf" srcId="{437E6AB7-F632-45EF-9260-F25F0F7069F6}" destId="{E70F2F27-FCAD-405D-8869-7FDDBCB983C6}" srcOrd="1" destOrd="0" presId="urn:microsoft.com/office/officeart/2005/8/layout/default"/>
+    <dgm:cxn modelId="{F4341DEE-C9CF-9A47-80D8-3E147E536A28}" type="presParOf" srcId="{437E6AB7-F632-45EF-9260-F25F0F7069F6}" destId="{79C4F599-DAA5-4B64-B839-E136F05674D1}" srcOrd="2" destOrd="0" presId="urn:microsoft.com/office/officeart/2005/8/layout/default"/>
+    <dgm:cxn modelId="{837C0690-229B-7646-B6CE-1350C4EF57FC}" type="presParOf" srcId="{437E6AB7-F632-45EF-9260-F25F0F7069F6}" destId="{24ADA717-2AA4-43DE-95AB-BEC16CA06948}" srcOrd="3" destOrd="0" presId="urn:microsoft.com/office/officeart/2005/8/layout/default"/>
+    <dgm:cxn modelId="{741D07D9-F978-A34E-A021-C43324C1A6B6}" type="presParOf" srcId="{437E6AB7-F632-45EF-9260-F25F0F7069F6}" destId="{323D8D7F-73C3-4AE0-ADFF-DEA47ACAEAEC}" srcOrd="4" destOrd="0" presId="urn:microsoft.com/office/officeart/2005/8/layout/default"/>
+    <dgm:cxn modelId="{F8E707BD-002D-0545-82E1-B81A3887FC18}" type="presParOf" srcId="{437E6AB7-F632-45EF-9260-F25F0F7069F6}" destId="{8AE4196A-D03A-4194-938C-A2E9797F4A3F}" srcOrd="5" destOrd="0" presId="urn:microsoft.com/office/officeart/2005/8/layout/default"/>
+    <dgm:cxn modelId="{C8A673BA-A262-3146-B04B-2EA67804DB91}" type="presParOf" srcId="{437E6AB7-F632-45EF-9260-F25F0F7069F6}" destId="{F42622AE-00E9-46E6-B25C-7610AB5BE17A}" srcOrd="6" destOrd="0" presId="urn:microsoft.com/office/officeart/2005/8/layout/default"/>
+    <dgm:cxn modelId="{F016E62E-66BE-454F-8094-A7E13B10AAF8}" type="presParOf" srcId="{437E6AB7-F632-45EF-9260-F25F0F7069F6}" destId="{F6DDF6CB-13C2-4B0D-BC84-856EF461D413}" srcOrd="7" destOrd="0" presId="urn:microsoft.com/office/officeart/2005/8/layout/default"/>
+    <dgm:cxn modelId="{3E32EFF3-72F9-9945-A804-D66103FD118B}" type="presParOf" srcId="{437E6AB7-F632-45EF-9260-F25F0F7069F6}" destId="{CEE8964B-4B00-4631-A3E8-5C19D9F55D5D}" srcOrd="8" destOrd="0" presId="urn:microsoft.com/office/officeart/2005/8/layout/default"/>
+    <dgm:cxn modelId="{68A2D0AE-D849-0C45-A2BC-43ADBAB203B6}" type="presParOf" srcId="{437E6AB7-F632-45EF-9260-F25F0F7069F6}" destId="{3D73D1F6-9035-4760-9ECF-C72A2B37792A}" srcOrd="9" destOrd="0" presId="urn:microsoft.com/office/officeart/2005/8/layout/default"/>
+    <dgm:cxn modelId="{C69E4F7C-65A7-3B4D-974E-3CA36278A0D1}" type="presParOf" srcId="{437E6AB7-F632-45EF-9260-F25F0F7069F6}" destId="{132B08A8-E421-4EA4-B062-31BC0FD62343}" srcOrd="10" destOrd="0" presId="urn:microsoft.com/office/officeart/2005/8/layout/default"/>
+    <dgm:cxn modelId="{3EB409CF-4598-2B4B-B73F-A5DBF2982D9C}" type="presParOf" srcId="{437E6AB7-F632-45EF-9260-F25F0F7069F6}" destId="{9203B5C1-A877-44B8-8576-5CC733B773EF}" srcOrd="11" destOrd="0" presId="urn:microsoft.com/office/officeart/2005/8/layout/default"/>
+    <dgm:cxn modelId="{4AD6A749-ECD2-CB4F-9B58-18518FDDB13F}" type="presParOf" srcId="{437E6AB7-F632-45EF-9260-F25F0F7069F6}" destId="{17459AAF-06DC-4C23-A450-BCC558EF88A4}" srcOrd="12" destOrd="0" presId="urn:microsoft.com/office/officeart/2005/8/layout/default"/>
+    <dgm:cxn modelId="{E3701916-ECC8-3142-B4EA-54713B884999}" type="presParOf" srcId="{437E6AB7-F632-45EF-9260-F25F0F7069F6}" destId="{0E559450-5558-4837-9C87-557DCBE03D07}" srcOrd="13" destOrd="0" presId="urn:microsoft.com/office/officeart/2005/8/layout/default"/>
+    <dgm:cxn modelId="{5F6F005A-10F5-E844-8107-E854B225B133}" type="presParOf" srcId="{437E6AB7-F632-45EF-9260-F25F0F7069F6}" destId="{CCBB4DFD-6C6B-4CC4-8737-4A003FB9F0DE}" srcOrd="14" destOrd="0" presId="urn:microsoft.com/office/officeart/2005/8/layout/default"/>
+    <dgm:cxn modelId="{9C744B7F-6F21-EC40-830D-5C3A70938710}" type="presParOf" srcId="{437E6AB7-F632-45EF-9260-F25F0F7069F6}" destId="{B58E0D53-E11D-4D79-AA03-87C2502B1888}" srcOrd="15" destOrd="0" presId="urn:microsoft.com/office/officeart/2005/8/layout/default"/>
+    <dgm:cxn modelId="{8DB3A0A0-411E-6044-8ED8-BB8B85F20977}" type="presParOf" srcId="{437E6AB7-F632-45EF-9260-F25F0F7069F6}" destId="{9211F004-41C9-436B-9C68-0C8CD2CE5223}" srcOrd="16" destOrd="0" presId="urn:microsoft.com/office/officeart/2005/8/layout/default"/>
+    <dgm:cxn modelId="{7A628C73-904F-BB43-803C-FF44E3D9BB24}" type="presParOf" srcId="{437E6AB7-F632-45EF-9260-F25F0F7069F6}" destId="{BDBF169A-81F1-43D7-9F77-8937748EF6E5}" srcOrd="17" destOrd="0" presId="urn:microsoft.com/office/officeart/2005/8/layout/default"/>
+    <dgm:cxn modelId="{F83EC9E7-391A-214B-8FA7-927D2ABADDD0}" type="presParOf" srcId="{437E6AB7-F632-45EF-9260-F25F0F7069F6}" destId="{99A5D91A-2D6B-4309-9471-E46BFB3D929C}" srcOrd="18" destOrd="0" presId="urn:microsoft.com/office/officeart/2005/8/layout/default"/>
+    <dgm:cxn modelId="{68A53CFC-915D-DA41-A7C3-A11942E21B8E}" type="presParOf" srcId="{437E6AB7-F632-45EF-9260-F25F0F7069F6}" destId="{848134C2-3EAF-4E23-9C6D-2617EF1D9A6A}" srcOrd="19" destOrd="0" presId="urn:microsoft.com/office/officeart/2005/8/layout/default"/>
+    <dgm:cxn modelId="{10A6DBA8-3DEB-2145-9CE5-B1B64C31715A}" type="presParOf" srcId="{437E6AB7-F632-45EF-9260-F25F0F7069F6}" destId="{C3DB7B56-D373-4A48-9A71-A46DD7871267}" srcOrd="20" destOrd="0" presId="urn:microsoft.com/office/officeart/2005/8/layout/default"/>
+    <dgm:cxn modelId="{F0D1CCD4-CD77-4B4D-9735-16822B95DA60}" type="presParOf" srcId="{437E6AB7-F632-45EF-9260-F25F0F7069F6}" destId="{A9623B62-0A8D-4D5B-987F-1C191AA4FD03}" srcOrd="21" destOrd="0" presId="urn:microsoft.com/office/officeart/2005/8/layout/default"/>
+    <dgm:cxn modelId="{93B34ED5-3101-034B-8C7A-8FE12DBED0C8}" type="presParOf" srcId="{437E6AB7-F632-45EF-9260-F25F0F7069F6}" destId="{82CDDC58-85B7-463A-BAD0-FBFCA0712F1C}" srcOrd="22" destOrd="0" presId="urn:microsoft.com/office/officeart/2005/8/layout/default"/>
+    <dgm:cxn modelId="{65F792AB-3E7F-6542-AC4F-2F3AAFA7E78E}" type="presParOf" srcId="{437E6AB7-F632-45EF-9260-F25F0F7069F6}" destId="{E40BAE51-89EE-4C11-A75C-D53681C24FDA}" srcOrd="23" destOrd="0" presId="urn:microsoft.com/office/officeart/2005/8/layout/default"/>
+    <dgm:cxn modelId="{72AEE355-BC3E-314D-B3F8-5873A5E05BA1}" type="presParOf" srcId="{437E6AB7-F632-45EF-9260-F25F0F7069F6}" destId="{EB310276-7406-4F8F-B311-738501754F41}" srcOrd="24" destOrd="0" presId="urn:microsoft.com/office/officeart/2005/8/layout/default"/>
+    <dgm:cxn modelId="{514A45EA-19FC-9644-BE57-26FB07475F8A}" type="presParOf" srcId="{437E6AB7-F632-45EF-9260-F25F0F7069F6}" destId="{DD2547A4-1C63-40A4-B34F-95700C1C73B4}" srcOrd="25" destOrd="0" presId="urn:microsoft.com/office/officeart/2005/8/layout/default"/>
+    <dgm:cxn modelId="{62C70538-C909-BB46-A38A-A21856E8CCA0}" type="presParOf" srcId="{437E6AB7-F632-45EF-9260-F25F0F7069F6}" destId="{60FA720F-99B1-498C-8299-B803124EC0FD}" srcOrd="26" destOrd="0" presId="urn:microsoft.com/office/officeart/2005/8/layout/default"/>
+    <dgm:cxn modelId="{C63A2022-1E31-704F-9AFF-B6462E967F79}" type="presParOf" srcId="{437E6AB7-F632-45EF-9260-F25F0F7069F6}" destId="{2B18BA4B-5129-45F5-9150-3E43762959EA}" srcOrd="27" destOrd="0" presId="urn:microsoft.com/office/officeart/2005/8/layout/default"/>
+    <dgm:cxn modelId="{451C96BC-A6CC-F14A-8A2F-FF495F44A3AD}" type="presParOf" srcId="{437E6AB7-F632-45EF-9260-F25F0F7069F6}" destId="{38748953-EDFB-447D-B8F3-BDDEF5DFCCC7}" srcOrd="28" destOrd="0" presId="urn:microsoft.com/office/officeart/2005/8/layout/default"/>
   </dgm:cxnLst>
   <dgm:bg/>
   <dgm:whole/>
@@ -6331,26 +6331,26 @@
     </dgm:pt>
   </dgm:ptLst>
   <dgm:cxnLst>
+    <dgm:cxn modelId="{4ED29701-30D9-DF46-AAC5-7F41D1073032}" type="presOf" srcId="{3A331718-9759-4065-9FAF-0A6B523E94DC}" destId="{4F3F2962-F6D5-4FC5-81BB-FD355CAD4FB9}" srcOrd="0" destOrd="0" presId="urn:microsoft.com/office/officeart/2005/8/layout/default"/>
     <dgm:cxn modelId="{617B3FF4-999D-4366-A816-D767B2E60BD5}" srcId="{55DD539A-F877-455E-BA38-5257B23937A4}" destId="{EC692392-5448-4268-AACF-F8CB9F314D56}" srcOrd="0" destOrd="0" parTransId="{3DE495E9-BB8D-45FF-8205-F36C43CDD58F}" sibTransId="{0469ADFB-9853-4B4B-A052-3CCE678EFC7F}"/>
-    <dgm:cxn modelId="{23A2C77A-E03B-4244-99B2-873CCBF5A525}" type="presOf" srcId="{55DD539A-F877-455E-BA38-5257B23937A4}" destId="{DB50E10C-AC49-4F71-B69B-539EA97F6889}" srcOrd="0" destOrd="0" presId="urn:microsoft.com/office/officeart/2005/8/layout/default"/>
     <dgm:cxn modelId="{08ECF8E1-367A-4877-8F6D-00661D679C89}" srcId="{55DD539A-F877-455E-BA38-5257B23937A4}" destId="{3A331718-9759-4065-9FAF-0A6B523E94DC}" srcOrd="1" destOrd="0" parTransId="{4607271A-95E8-46C6-879C-446A9A4025F8}" sibTransId="{C7AF6095-50AD-46F4-A0AA-854F4085C34F}"/>
+    <dgm:cxn modelId="{D43A9FCA-EAFE-384B-BFAC-D08995E289FF}" type="presOf" srcId="{AA547623-7AF8-4CF1-90FD-1EC76525C2F1}" destId="{35170A97-E2BC-4C89-A531-AA8880687368}" srcOrd="0" destOrd="0" presId="urn:microsoft.com/office/officeart/2005/8/layout/default"/>
     <dgm:cxn modelId="{DFF97C11-4032-40B0-B699-29E5C0842C0A}" srcId="{55DD539A-F877-455E-BA38-5257B23937A4}" destId="{AA547623-7AF8-4CF1-90FD-1EC76525C2F1}" srcOrd="4" destOrd="0" parTransId="{38EBAF72-1ED1-4379-BB73-BCC07C9EDFE9}" sibTransId="{85B5DE84-FB58-4A52-BE36-F41C652C9C98}"/>
-    <dgm:cxn modelId="{D8B30585-FB61-0E40-ADBA-DD748330522D}" type="presOf" srcId="{3A331718-9759-4065-9FAF-0A6B523E94DC}" destId="{4F3F2962-F6D5-4FC5-81BB-FD355CAD4FB9}" srcOrd="0" destOrd="0" presId="urn:microsoft.com/office/officeart/2005/8/layout/default"/>
     <dgm:cxn modelId="{E5755225-A1F7-4AAC-9B1A-A7142F494F7C}" srcId="{55DD539A-F877-455E-BA38-5257B23937A4}" destId="{20CD6F3C-32D9-47A9-99BD-6D78B37814D7}" srcOrd="3" destOrd="0" parTransId="{B9FA245C-6D11-45AE-AE3C-36E36C0E3C9E}" sibTransId="{640962E3-36C2-4D1A-842D-68AE0FE38D9F}"/>
-    <dgm:cxn modelId="{C1952687-65AF-2844-A13C-AC10E079D6EC}" type="presOf" srcId="{EC692392-5448-4268-AACF-F8CB9F314D56}" destId="{4D44E2DE-A47D-4571-A3A9-CA7AEBC50503}" srcOrd="0" destOrd="0" presId="urn:microsoft.com/office/officeart/2005/8/layout/default"/>
-    <dgm:cxn modelId="{C9A4BC3A-1449-FE4B-BF7A-A7903CC66706}" type="presOf" srcId="{4E5EEB93-D25A-4C26-B97B-F1DA6030731E}" destId="{38BB4842-1519-49DF-873B-E9FD426DDE54}" srcOrd="0" destOrd="0" presId="urn:microsoft.com/office/officeart/2005/8/layout/default"/>
-    <dgm:cxn modelId="{C52104E5-6928-5440-A009-94AF8EF2059B}" type="presOf" srcId="{20CD6F3C-32D9-47A9-99BD-6D78B37814D7}" destId="{16A7048F-BA3E-4ACD-9935-C8D93F3348ED}" srcOrd="0" destOrd="0" presId="urn:microsoft.com/office/officeart/2005/8/layout/default"/>
-    <dgm:cxn modelId="{730A8FCE-717B-8145-9FB6-22B60D16A35D}" type="presOf" srcId="{AA547623-7AF8-4CF1-90FD-1EC76525C2F1}" destId="{35170A97-E2BC-4C89-A531-AA8880687368}" srcOrd="0" destOrd="0" presId="urn:microsoft.com/office/officeart/2005/8/layout/default"/>
+    <dgm:cxn modelId="{05348ADE-A96C-3947-ABE1-DCAE199094FE}" type="presOf" srcId="{55DD539A-F877-455E-BA38-5257B23937A4}" destId="{DB50E10C-AC49-4F71-B69B-539EA97F6889}" srcOrd="0" destOrd="0" presId="urn:microsoft.com/office/officeart/2005/8/layout/default"/>
+    <dgm:cxn modelId="{FB436F8D-3462-3C4F-9236-0D39EA432AB8}" type="presOf" srcId="{20CD6F3C-32D9-47A9-99BD-6D78B37814D7}" destId="{16A7048F-BA3E-4ACD-9935-C8D93F3348ED}" srcOrd="0" destOrd="0" presId="urn:microsoft.com/office/officeart/2005/8/layout/default"/>
+    <dgm:cxn modelId="{528DC227-77F4-C242-A707-CB2BCE96F56F}" type="presOf" srcId="{4E5EEB93-D25A-4C26-B97B-F1DA6030731E}" destId="{38BB4842-1519-49DF-873B-E9FD426DDE54}" srcOrd="0" destOrd="0" presId="urn:microsoft.com/office/officeart/2005/8/layout/default"/>
+    <dgm:cxn modelId="{B7ACC5D8-5FEF-9D42-95A5-928216983114}" type="presOf" srcId="{EC692392-5448-4268-AACF-F8CB9F314D56}" destId="{4D44E2DE-A47D-4571-A3A9-CA7AEBC50503}" srcOrd="0" destOrd="0" presId="urn:microsoft.com/office/officeart/2005/8/layout/default"/>
     <dgm:cxn modelId="{C237022D-22E4-41C3-AF14-F97599A112C1}" srcId="{55DD539A-F877-455E-BA38-5257B23937A4}" destId="{4E5EEB93-D25A-4C26-B97B-F1DA6030731E}" srcOrd="2" destOrd="0" parTransId="{AEFCB906-8EC8-4A8D-BC51-630776CCC15B}" sibTransId="{59BC93D3-8E90-4E5F-B134-1E535B3A9429}"/>
-    <dgm:cxn modelId="{AB703EEB-BBD3-8349-AA7B-1C76D8D989CC}" type="presParOf" srcId="{DB50E10C-AC49-4F71-B69B-539EA97F6889}" destId="{4D44E2DE-A47D-4571-A3A9-CA7AEBC50503}" srcOrd="0" destOrd="0" presId="urn:microsoft.com/office/officeart/2005/8/layout/default"/>
-    <dgm:cxn modelId="{81793E75-9CD0-0F4E-90F1-ECE840F1EEBA}" type="presParOf" srcId="{DB50E10C-AC49-4F71-B69B-539EA97F6889}" destId="{E1D43137-985E-48FB-9C1A-498CB24EBDB1}" srcOrd="1" destOrd="0" presId="urn:microsoft.com/office/officeart/2005/8/layout/default"/>
-    <dgm:cxn modelId="{F7C7B5D2-157C-8242-97F8-6DD35BDB1E26}" type="presParOf" srcId="{DB50E10C-AC49-4F71-B69B-539EA97F6889}" destId="{4F3F2962-F6D5-4FC5-81BB-FD355CAD4FB9}" srcOrd="2" destOrd="0" presId="urn:microsoft.com/office/officeart/2005/8/layout/default"/>
-    <dgm:cxn modelId="{C77E318C-F743-E748-99C6-692280CBD5B0}" type="presParOf" srcId="{DB50E10C-AC49-4F71-B69B-539EA97F6889}" destId="{D6A46596-409C-417F-8DAE-CB3DCFD25213}" srcOrd="3" destOrd="0" presId="urn:microsoft.com/office/officeart/2005/8/layout/default"/>
-    <dgm:cxn modelId="{00A1F57D-B554-6242-918E-2036D7710E1F}" type="presParOf" srcId="{DB50E10C-AC49-4F71-B69B-539EA97F6889}" destId="{38BB4842-1519-49DF-873B-E9FD426DDE54}" srcOrd="4" destOrd="0" presId="urn:microsoft.com/office/officeart/2005/8/layout/default"/>
-    <dgm:cxn modelId="{42E32FC8-87D2-2041-BFD1-EEA04CB309FE}" type="presParOf" srcId="{DB50E10C-AC49-4F71-B69B-539EA97F6889}" destId="{978E883D-6629-43E0-A5DD-D287B417BB84}" srcOrd="5" destOrd="0" presId="urn:microsoft.com/office/officeart/2005/8/layout/default"/>
-    <dgm:cxn modelId="{8716AC10-FD4F-7943-B129-4955E46B2EC6}" type="presParOf" srcId="{DB50E10C-AC49-4F71-B69B-539EA97F6889}" destId="{16A7048F-BA3E-4ACD-9935-C8D93F3348ED}" srcOrd="6" destOrd="0" presId="urn:microsoft.com/office/officeart/2005/8/layout/default"/>
-    <dgm:cxn modelId="{21CD21D7-02EF-1043-A88C-773CAF7AF945}" type="presParOf" srcId="{DB50E10C-AC49-4F71-B69B-539EA97F6889}" destId="{679E7A89-D3DE-4763-941D-6862906715EF}" srcOrd="7" destOrd="0" presId="urn:microsoft.com/office/officeart/2005/8/layout/default"/>
-    <dgm:cxn modelId="{42685C08-CD31-F649-B229-993B2036D015}" type="presParOf" srcId="{DB50E10C-AC49-4F71-B69B-539EA97F6889}" destId="{35170A97-E2BC-4C89-A531-AA8880687368}" srcOrd="8" destOrd="0" presId="urn:microsoft.com/office/officeart/2005/8/layout/default"/>
+    <dgm:cxn modelId="{48BFF0B3-97AC-CC46-B67D-73307108BDD4}" type="presParOf" srcId="{DB50E10C-AC49-4F71-B69B-539EA97F6889}" destId="{4D44E2DE-A47D-4571-A3A9-CA7AEBC50503}" srcOrd="0" destOrd="0" presId="urn:microsoft.com/office/officeart/2005/8/layout/default"/>
+    <dgm:cxn modelId="{1A0BC0EB-DE76-5341-88EB-E6169E54E013}" type="presParOf" srcId="{DB50E10C-AC49-4F71-B69B-539EA97F6889}" destId="{E1D43137-985E-48FB-9C1A-498CB24EBDB1}" srcOrd="1" destOrd="0" presId="urn:microsoft.com/office/officeart/2005/8/layout/default"/>
+    <dgm:cxn modelId="{759E2B84-46DE-4942-98D7-A4E3F828DA2B}" type="presParOf" srcId="{DB50E10C-AC49-4F71-B69B-539EA97F6889}" destId="{4F3F2962-F6D5-4FC5-81BB-FD355CAD4FB9}" srcOrd="2" destOrd="0" presId="urn:microsoft.com/office/officeart/2005/8/layout/default"/>
+    <dgm:cxn modelId="{D6D70A4D-6415-4D47-945F-6A6D6501B6F7}" type="presParOf" srcId="{DB50E10C-AC49-4F71-B69B-539EA97F6889}" destId="{D6A46596-409C-417F-8DAE-CB3DCFD25213}" srcOrd="3" destOrd="0" presId="urn:microsoft.com/office/officeart/2005/8/layout/default"/>
+    <dgm:cxn modelId="{76C03B63-63D3-8D47-BBE1-44B3FC7BF69C}" type="presParOf" srcId="{DB50E10C-AC49-4F71-B69B-539EA97F6889}" destId="{38BB4842-1519-49DF-873B-E9FD426DDE54}" srcOrd="4" destOrd="0" presId="urn:microsoft.com/office/officeart/2005/8/layout/default"/>
+    <dgm:cxn modelId="{0C6EB21E-2D69-324E-8692-B7CFD7A9FE33}" type="presParOf" srcId="{DB50E10C-AC49-4F71-B69B-539EA97F6889}" destId="{978E883D-6629-43E0-A5DD-D287B417BB84}" srcOrd="5" destOrd="0" presId="urn:microsoft.com/office/officeart/2005/8/layout/default"/>
+    <dgm:cxn modelId="{493516F6-CFB1-8F4D-95BC-49E9C91BD90B}" type="presParOf" srcId="{DB50E10C-AC49-4F71-B69B-539EA97F6889}" destId="{16A7048F-BA3E-4ACD-9935-C8D93F3348ED}" srcOrd="6" destOrd="0" presId="urn:microsoft.com/office/officeart/2005/8/layout/default"/>
+    <dgm:cxn modelId="{2B9059BE-E7D9-134B-AF00-54B4771A0AD6}" type="presParOf" srcId="{DB50E10C-AC49-4F71-B69B-539EA97F6889}" destId="{679E7A89-D3DE-4763-941D-6862906715EF}" srcOrd="7" destOrd="0" presId="urn:microsoft.com/office/officeart/2005/8/layout/default"/>
+    <dgm:cxn modelId="{68DCA024-D079-0341-B36D-7202B12F2704}" type="presParOf" srcId="{DB50E10C-AC49-4F71-B69B-539EA97F6889}" destId="{35170A97-E2BC-4C89-A531-AA8880687368}" srcOrd="8" destOrd="0" presId="urn:microsoft.com/office/officeart/2005/8/layout/default"/>
   </dgm:cxnLst>
   <dgm:bg/>
   <dgm:whole/>
@@ -6831,39 +6831,39 @@
     </dgm:pt>
   </dgm:ptLst>
   <dgm:cxnLst>
-    <dgm:cxn modelId="{B2712C1F-C81D-EA4A-A23C-BBAC89239B23}" type="presOf" srcId="{11888A7B-1E89-45E6-84F4-EF92B26189CD}" destId="{FE18ED5F-9A71-45CE-87E6-C0921B5A24D6}" srcOrd="1" destOrd="0" presId="urn:microsoft.com/office/officeart/2005/8/layout/list1"/>
-    <dgm:cxn modelId="{5A3655CD-3776-C94C-B85B-E8AE2A3F6346}" type="presOf" srcId="{11888A7B-1E89-45E6-84F4-EF92B26189CD}" destId="{75922BE6-701E-4BA9-A4D0-D411670A834F}" srcOrd="0" destOrd="0" presId="urn:microsoft.com/office/officeart/2005/8/layout/list1"/>
+    <dgm:cxn modelId="{1F645FFD-E1EE-8340-BF5E-1799C3E49089}" type="presOf" srcId="{356F6FEF-38C8-437A-8562-86A5ED3F5885}" destId="{1F18BCE3-3253-48F7-AD42-D7032F677CFA}" srcOrd="0" destOrd="0" presId="urn:microsoft.com/office/officeart/2005/8/layout/list1"/>
+    <dgm:cxn modelId="{186FB36C-58E7-5C47-BDBE-5BFA9A029079}" type="presOf" srcId="{FD0C6DBE-1630-40B2-B624-EC1F16E42DB3}" destId="{B014BCF9-3CF0-4932-9F01-C8EDA8E469DD}" srcOrd="0" destOrd="0" presId="urn:microsoft.com/office/officeart/2005/8/layout/list1"/>
+    <dgm:cxn modelId="{58F11EE8-A7E0-F049-AC08-C31620CAEAD1}" type="presOf" srcId="{356F6FEF-38C8-437A-8562-86A5ED3F5885}" destId="{25AD4B18-A6F3-4E52-A6B5-53F7A9EAF766}" srcOrd="1" destOrd="0" presId="urn:microsoft.com/office/officeart/2005/8/layout/list1"/>
     <dgm:cxn modelId="{392AE56A-6939-469F-BFEC-2DEEC6ABC100}" srcId="{2EFB202A-8611-4DDC-831D-D12EB67B6CF7}" destId="{712EDDD5-F1C9-457B-A81D-F94868058B44}" srcOrd="1" destOrd="0" parTransId="{5E2CC1CB-7E12-4298-9BE5-B8F6683E4161}" sibTransId="{630DB5C2-135D-425B-B7D5-1F5FFE12BF3B}"/>
-    <dgm:cxn modelId="{C723F5B9-BE5F-4242-8AB0-D83B833B8ABB}" type="presOf" srcId="{2EFB202A-8611-4DDC-831D-D12EB67B6CF7}" destId="{C451E4B4-999F-4453-A3DD-8163324A608E}" srcOrd="0" destOrd="0" presId="urn:microsoft.com/office/officeart/2005/8/layout/list1"/>
     <dgm:cxn modelId="{B2BF21B1-CBE7-4C5C-AEA8-BEC7AD474AA5}" srcId="{712EDDD5-F1C9-457B-A81D-F94868058B44}" destId="{FD0C6DBE-1630-40B2-B624-EC1F16E42DB3}" srcOrd="0" destOrd="0" parTransId="{E36B8C3A-F1B5-43BA-A80E-BB09E617B100}" sibTransId="{277B567A-A827-446E-9BF5-7F70AD3D8524}"/>
-    <dgm:cxn modelId="{B1CE2C88-682F-C64E-81DF-B674ED7A704F}" type="presOf" srcId="{712EDDD5-F1C9-457B-A81D-F94868058B44}" destId="{1CF0D767-27A0-4A0D-8AD7-1C805538B782}" srcOrd="1" destOrd="0" presId="urn:microsoft.com/office/officeart/2005/8/layout/list1"/>
+    <dgm:cxn modelId="{10F41B51-DAE8-784F-84DA-ED88E270048E}" type="presOf" srcId="{2EFB202A-8611-4DDC-831D-D12EB67B6CF7}" destId="{C451E4B4-999F-4453-A3DD-8163324A608E}" srcOrd="0" destOrd="0" presId="urn:microsoft.com/office/officeart/2005/8/layout/list1"/>
     <dgm:cxn modelId="{5376348D-4465-4E2E-9DB8-EA1F5276717B}" srcId="{2EFB202A-8611-4DDC-831D-D12EB67B6CF7}" destId="{11888A7B-1E89-45E6-84F4-EF92B26189CD}" srcOrd="0" destOrd="0" parTransId="{6043087E-917B-44BC-97F8-41385FD50DC3}" sibTransId="{438F37F5-E676-4BB5-A241-95D895E1B43F}"/>
     <dgm:cxn modelId="{444BF4C1-45F8-4DAC-80A4-B20302E0D326}" srcId="{11888A7B-1E89-45E6-84F4-EF92B26189CD}" destId="{C65DEFF2-AA86-49F1-98AF-ECC7C9A55F8F}" srcOrd="0" destOrd="0" parTransId="{8C366E53-622D-45E5-9076-7C960E3333CC}" sibTransId="{2FD13AAE-85C2-4DED-BE23-DB3E95AF1C43}"/>
     <dgm:cxn modelId="{8247D1A2-555D-4B39-B44D-5F2B5AE64242}" srcId="{2EFB202A-8611-4DDC-831D-D12EB67B6CF7}" destId="{356F6FEF-38C8-437A-8562-86A5ED3F5885}" srcOrd="2" destOrd="0" parTransId="{BD9B34C9-939F-47F5-A040-1B30C9EEA310}" sibTransId="{665399A3-A410-4656-8F7E-3FAB641DE891}"/>
-    <dgm:cxn modelId="{46367905-EB4B-8D4F-BEA0-6354AAA65FBE}" type="presOf" srcId="{640CA9BD-09C1-4472-8DAC-0F150EC5E678}" destId="{065ED812-3110-45CB-BF60-C55BC725AA59}" srcOrd="0" destOrd="0" presId="urn:microsoft.com/office/officeart/2005/8/layout/list1"/>
-    <dgm:cxn modelId="{5A4C2424-7CA8-1D4C-8A2F-6AB04681902D}" type="presOf" srcId="{356F6FEF-38C8-437A-8562-86A5ED3F5885}" destId="{25AD4B18-A6F3-4E52-A6B5-53F7A9EAF766}" srcOrd="1" destOrd="0" presId="urn:microsoft.com/office/officeart/2005/8/layout/list1"/>
     <dgm:cxn modelId="{957C551D-31A8-4286-A3AE-C5928DB663CE}" srcId="{356F6FEF-38C8-437A-8562-86A5ED3F5885}" destId="{640CA9BD-09C1-4472-8DAC-0F150EC5E678}" srcOrd="0" destOrd="0" parTransId="{90609DF7-843B-4BEF-A3B5-89270E6B0951}" sibTransId="{67B503AA-82FD-4AA4-8357-3D8B59D6160B}"/>
-    <dgm:cxn modelId="{FFF69E13-6506-FF44-AB29-8D3569C9ED93}" type="presOf" srcId="{C65DEFF2-AA86-49F1-98AF-ECC7C9A55F8F}" destId="{D0247A5C-194D-40DD-ACBA-7E963F02BAC5}" srcOrd="0" destOrd="0" presId="urn:microsoft.com/office/officeart/2005/8/layout/list1"/>
-    <dgm:cxn modelId="{6F5D477E-D681-6548-94AB-A75DA5682C48}" type="presOf" srcId="{712EDDD5-F1C9-457B-A81D-F94868058B44}" destId="{75A39EDD-D781-43E1-9360-E6E730441671}" srcOrd="0" destOrd="0" presId="urn:microsoft.com/office/officeart/2005/8/layout/list1"/>
-    <dgm:cxn modelId="{8498313B-69E7-C147-8B86-31060682DCFB}" type="presOf" srcId="{356F6FEF-38C8-437A-8562-86A5ED3F5885}" destId="{1F18BCE3-3253-48F7-AD42-D7032F677CFA}" srcOrd="0" destOrd="0" presId="urn:microsoft.com/office/officeart/2005/8/layout/list1"/>
-    <dgm:cxn modelId="{0FEB75B7-9E8B-3843-9EB3-7148C7922AA3}" type="presOf" srcId="{FD0C6DBE-1630-40B2-B624-EC1F16E42DB3}" destId="{B014BCF9-3CF0-4932-9F01-C8EDA8E469DD}" srcOrd="0" destOrd="0" presId="urn:microsoft.com/office/officeart/2005/8/layout/list1"/>
-    <dgm:cxn modelId="{7422B000-086D-EB48-849E-C2676D6E033A}" type="presParOf" srcId="{C451E4B4-999F-4453-A3DD-8163324A608E}" destId="{6293A9EF-C215-42FA-A704-64EE0A15C16B}" srcOrd="0" destOrd="0" presId="urn:microsoft.com/office/officeart/2005/8/layout/list1"/>
-    <dgm:cxn modelId="{B71EB1FF-32DC-844E-B8C1-8CE23BC11B90}" type="presParOf" srcId="{6293A9EF-C215-42FA-A704-64EE0A15C16B}" destId="{75922BE6-701E-4BA9-A4D0-D411670A834F}" srcOrd="0" destOrd="0" presId="urn:microsoft.com/office/officeart/2005/8/layout/list1"/>
-    <dgm:cxn modelId="{02F766B5-8CD8-6446-B7EE-AB5E6515CEEC}" type="presParOf" srcId="{6293A9EF-C215-42FA-A704-64EE0A15C16B}" destId="{FE18ED5F-9A71-45CE-87E6-C0921B5A24D6}" srcOrd="1" destOrd="0" presId="urn:microsoft.com/office/officeart/2005/8/layout/list1"/>
-    <dgm:cxn modelId="{1CD6960E-757F-2E4A-8D26-153C9853A3EE}" type="presParOf" srcId="{C451E4B4-999F-4453-A3DD-8163324A608E}" destId="{2D001EC1-3293-42A3-82D4-F06BDAA6E565}" srcOrd="1" destOrd="0" presId="urn:microsoft.com/office/officeart/2005/8/layout/list1"/>
-    <dgm:cxn modelId="{796C5204-7865-3142-B483-D31875413336}" type="presParOf" srcId="{C451E4B4-999F-4453-A3DD-8163324A608E}" destId="{D0247A5C-194D-40DD-ACBA-7E963F02BAC5}" srcOrd="2" destOrd="0" presId="urn:microsoft.com/office/officeart/2005/8/layout/list1"/>
-    <dgm:cxn modelId="{BAA38C5B-E3FC-8C40-A654-C2B8077138AF}" type="presParOf" srcId="{C451E4B4-999F-4453-A3DD-8163324A608E}" destId="{4DB2732A-31D0-4A58-9326-C6D056DCB22A}" srcOrd="3" destOrd="0" presId="urn:microsoft.com/office/officeart/2005/8/layout/list1"/>
-    <dgm:cxn modelId="{3F64C676-51E2-D144-ACAC-D2A16360B658}" type="presParOf" srcId="{C451E4B4-999F-4453-A3DD-8163324A608E}" destId="{D79E9BFA-BD1B-4DC2-B0A4-427A3C69DC19}" srcOrd="4" destOrd="0" presId="urn:microsoft.com/office/officeart/2005/8/layout/list1"/>
-    <dgm:cxn modelId="{076A9CCB-6933-4D47-9BD6-7CC7C1DD2BB3}" type="presParOf" srcId="{D79E9BFA-BD1B-4DC2-B0A4-427A3C69DC19}" destId="{75A39EDD-D781-43E1-9360-E6E730441671}" srcOrd="0" destOrd="0" presId="urn:microsoft.com/office/officeart/2005/8/layout/list1"/>
-    <dgm:cxn modelId="{32287A02-E56A-F342-8168-774E9FC4A77B}" type="presParOf" srcId="{D79E9BFA-BD1B-4DC2-B0A4-427A3C69DC19}" destId="{1CF0D767-27A0-4A0D-8AD7-1C805538B782}" srcOrd="1" destOrd="0" presId="urn:microsoft.com/office/officeart/2005/8/layout/list1"/>
-    <dgm:cxn modelId="{3C564A74-F20E-5541-B8A2-17A091902A9D}" type="presParOf" srcId="{C451E4B4-999F-4453-A3DD-8163324A608E}" destId="{71CD8D4C-A426-4F19-B258-C6156D6EC340}" srcOrd="5" destOrd="0" presId="urn:microsoft.com/office/officeart/2005/8/layout/list1"/>
-    <dgm:cxn modelId="{7E3D05CE-F9B7-4C4C-ABC5-5CEC32E5EF82}" type="presParOf" srcId="{C451E4B4-999F-4453-A3DD-8163324A608E}" destId="{B014BCF9-3CF0-4932-9F01-C8EDA8E469DD}" srcOrd="6" destOrd="0" presId="urn:microsoft.com/office/officeart/2005/8/layout/list1"/>
-    <dgm:cxn modelId="{4C2055F8-A985-2F43-801F-CF56C34039E5}" type="presParOf" srcId="{C451E4B4-999F-4453-A3DD-8163324A608E}" destId="{98188212-4E55-485A-B563-1289987D8DA5}" srcOrd="7" destOrd="0" presId="urn:microsoft.com/office/officeart/2005/8/layout/list1"/>
-    <dgm:cxn modelId="{A7A66DAE-90CD-4A48-9FF0-7D2271677AF4}" type="presParOf" srcId="{C451E4B4-999F-4453-A3DD-8163324A608E}" destId="{68435F73-00A8-4DBF-9E3C-46B933A8DB10}" srcOrd="8" destOrd="0" presId="urn:microsoft.com/office/officeart/2005/8/layout/list1"/>
-    <dgm:cxn modelId="{53FD05A3-517C-374C-8A85-0020681D99D3}" type="presParOf" srcId="{68435F73-00A8-4DBF-9E3C-46B933A8DB10}" destId="{1F18BCE3-3253-48F7-AD42-D7032F677CFA}" srcOrd="0" destOrd="0" presId="urn:microsoft.com/office/officeart/2005/8/layout/list1"/>
-    <dgm:cxn modelId="{55DB3936-BDEF-DC4A-B302-499D4EDF9221}" type="presParOf" srcId="{68435F73-00A8-4DBF-9E3C-46B933A8DB10}" destId="{25AD4B18-A6F3-4E52-A6B5-53F7A9EAF766}" srcOrd="1" destOrd="0" presId="urn:microsoft.com/office/officeart/2005/8/layout/list1"/>
-    <dgm:cxn modelId="{7D125214-E8BC-7D47-9CD2-6416937292B8}" type="presParOf" srcId="{C451E4B4-999F-4453-A3DD-8163324A608E}" destId="{BB089C04-94A6-4D8E-9814-3A19506A4967}" srcOrd="9" destOrd="0" presId="urn:microsoft.com/office/officeart/2005/8/layout/list1"/>
-    <dgm:cxn modelId="{AD5D7A90-3C79-1249-947A-3F071919D682}" type="presParOf" srcId="{C451E4B4-999F-4453-A3DD-8163324A608E}" destId="{065ED812-3110-45CB-BF60-C55BC725AA59}" srcOrd="10" destOrd="0" presId="urn:microsoft.com/office/officeart/2005/8/layout/list1"/>
+    <dgm:cxn modelId="{55FF5192-0C98-8B41-9F54-4DA897EF9F28}" type="presOf" srcId="{11888A7B-1E89-45E6-84F4-EF92B26189CD}" destId="{75922BE6-701E-4BA9-A4D0-D411670A834F}" srcOrd="0" destOrd="0" presId="urn:microsoft.com/office/officeart/2005/8/layout/list1"/>
+    <dgm:cxn modelId="{ECCA33AE-4A81-684A-96A4-A97FED9DAB2F}" type="presOf" srcId="{712EDDD5-F1C9-457B-A81D-F94868058B44}" destId="{1CF0D767-27A0-4A0D-8AD7-1C805538B782}" srcOrd="1" destOrd="0" presId="urn:microsoft.com/office/officeart/2005/8/layout/list1"/>
+    <dgm:cxn modelId="{511C5F14-5FB7-BD4F-9600-7834CF8241C9}" type="presOf" srcId="{712EDDD5-F1C9-457B-A81D-F94868058B44}" destId="{75A39EDD-D781-43E1-9360-E6E730441671}" srcOrd="0" destOrd="0" presId="urn:microsoft.com/office/officeart/2005/8/layout/list1"/>
+    <dgm:cxn modelId="{EB6DFD28-3CBA-3A4D-83D9-C436E2E214E9}" type="presOf" srcId="{C65DEFF2-AA86-49F1-98AF-ECC7C9A55F8F}" destId="{D0247A5C-194D-40DD-ACBA-7E963F02BAC5}" srcOrd="0" destOrd="0" presId="urn:microsoft.com/office/officeart/2005/8/layout/list1"/>
+    <dgm:cxn modelId="{39AFAAD3-373F-4B4C-B46A-95E6C38C5C57}" type="presOf" srcId="{11888A7B-1E89-45E6-84F4-EF92B26189CD}" destId="{FE18ED5F-9A71-45CE-87E6-C0921B5A24D6}" srcOrd="1" destOrd="0" presId="urn:microsoft.com/office/officeart/2005/8/layout/list1"/>
+    <dgm:cxn modelId="{D0C350DC-05D8-BD47-945F-08E27E80D121}" type="presOf" srcId="{640CA9BD-09C1-4472-8DAC-0F150EC5E678}" destId="{065ED812-3110-45CB-BF60-C55BC725AA59}" srcOrd="0" destOrd="0" presId="urn:microsoft.com/office/officeart/2005/8/layout/list1"/>
+    <dgm:cxn modelId="{921AADE5-D826-2640-A865-E01CC85195D7}" type="presParOf" srcId="{C451E4B4-999F-4453-A3DD-8163324A608E}" destId="{6293A9EF-C215-42FA-A704-64EE0A15C16B}" srcOrd="0" destOrd="0" presId="urn:microsoft.com/office/officeart/2005/8/layout/list1"/>
+    <dgm:cxn modelId="{8B7D64E3-C318-F046-934C-AE66DA70F87E}" type="presParOf" srcId="{6293A9EF-C215-42FA-A704-64EE0A15C16B}" destId="{75922BE6-701E-4BA9-A4D0-D411670A834F}" srcOrd="0" destOrd="0" presId="urn:microsoft.com/office/officeart/2005/8/layout/list1"/>
+    <dgm:cxn modelId="{C8C20EB9-5ABD-EE4B-8622-425F541972B6}" type="presParOf" srcId="{6293A9EF-C215-42FA-A704-64EE0A15C16B}" destId="{FE18ED5F-9A71-45CE-87E6-C0921B5A24D6}" srcOrd="1" destOrd="0" presId="urn:microsoft.com/office/officeart/2005/8/layout/list1"/>
+    <dgm:cxn modelId="{66B28B84-22D9-B14B-B4EA-D88B46FD2463}" type="presParOf" srcId="{C451E4B4-999F-4453-A3DD-8163324A608E}" destId="{2D001EC1-3293-42A3-82D4-F06BDAA6E565}" srcOrd="1" destOrd="0" presId="urn:microsoft.com/office/officeart/2005/8/layout/list1"/>
+    <dgm:cxn modelId="{2C5133A9-78E7-554F-BB61-3D7612C30302}" type="presParOf" srcId="{C451E4B4-999F-4453-A3DD-8163324A608E}" destId="{D0247A5C-194D-40DD-ACBA-7E963F02BAC5}" srcOrd="2" destOrd="0" presId="urn:microsoft.com/office/officeart/2005/8/layout/list1"/>
+    <dgm:cxn modelId="{3BD92110-5A04-814B-81E9-8FAECD60F6F3}" type="presParOf" srcId="{C451E4B4-999F-4453-A3DD-8163324A608E}" destId="{4DB2732A-31D0-4A58-9326-C6D056DCB22A}" srcOrd="3" destOrd="0" presId="urn:microsoft.com/office/officeart/2005/8/layout/list1"/>
+    <dgm:cxn modelId="{2563DCDF-37CA-6647-8EDA-36F7445B3A60}" type="presParOf" srcId="{C451E4B4-999F-4453-A3DD-8163324A608E}" destId="{D79E9BFA-BD1B-4DC2-B0A4-427A3C69DC19}" srcOrd="4" destOrd="0" presId="urn:microsoft.com/office/officeart/2005/8/layout/list1"/>
+    <dgm:cxn modelId="{9E027564-ED5B-9445-9C4D-4C910A63172E}" type="presParOf" srcId="{D79E9BFA-BD1B-4DC2-B0A4-427A3C69DC19}" destId="{75A39EDD-D781-43E1-9360-E6E730441671}" srcOrd="0" destOrd="0" presId="urn:microsoft.com/office/officeart/2005/8/layout/list1"/>
+    <dgm:cxn modelId="{61146951-3B34-594E-A554-7409D0DEDC52}" type="presParOf" srcId="{D79E9BFA-BD1B-4DC2-B0A4-427A3C69DC19}" destId="{1CF0D767-27A0-4A0D-8AD7-1C805538B782}" srcOrd="1" destOrd="0" presId="urn:microsoft.com/office/officeart/2005/8/layout/list1"/>
+    <dgm:cxn modelId="{F35F62D9-CFA5-E945-88D5-6B9E830050D9}" type="presParOf" srcId="{C451E4B4-999F-4453-A3DD-8163324A608E}" destId="{71CD8D4C-A426-4F19-B258-C6156D6EC340}" srcOrd="5" destOrd="0" presId="urn:microsoft.com/office/officeart/2005/8/layout/list1"/>
+    <dgm:cxn modelId="{0E29AAE8-AC32-7D4A-8FDB-F66BF00F7F75}" type="presParOf" srcId="{C451E4B4-999F-4453-A3DD-8163324A608E}" destId="{B014BCF9-3CF0-4932-9F01-C8EDA8E469DD}" srcOrd="6" destOrd="0" presId="urn:microsoft.com/office/officeart/2005/8/layout/list1"/>
+    <dgm:cxn modelId="{CCE961C0-272B-D14D-ADB8-969F1F01402B}" type="presParOf" srcId="{C451E4B4-999F-4453-A3DD-8163324A608E}" destId="{98188212-4E55-485A-B563-1289987D8DA5}" srcOrd="7" destOrd="0" presId="urn:microsoft.com/office/officeart/2005/8/layout/list1"/>
+    <dgm:cxn modelId="{0574714F-421B-3F43-9E6E-F3479D1195A4}" type="presParOf" srcId="{C451E4B4-999F-4453-A3DD-8163324A608E}" destId="{68435F73-00A8-4DBF-9E3C-46B933A8DB10}" srcOrd="8" destOrd="0" presId="urn:microsoft.com/office/officeart/2005/8/layout/list1"/>
+    <dgm:cxn modelId="{5B385812-384B-AA42-93E8-E93923F737F1}" type="presParOf" srcId="{68435F73-00A8-4DBF-9E3C-46B933A8DB10}" destId="{1F18BCE3-3253-48F7-AD42-D7032F677CFA}" srcOrd="0" destOrd="0" presId="urn:microsoft.com/office/officeart/2005/8/layout/list1"/>
+    <dgm:cxn modelId="{77336955-1842-EE4D-9AD7-5A204D8943F8}" type="presParOf" srcId="{68435F73-00A8-4DBF-9E3C-46B933A8DB10}" destId="{25AD4B18-A6F3-4E52-A6B5-53F7A9EAF766}" srcOrd="1" destOrd="0" presId="urn:microsoft.com/office/officeart/2005/8/layout/list1"/>
+    <dgm:cxn modelId="{F65B3EBA-FEA0-934D-953B-34A1192EFDAA}" type="presParOf" srcId="{C451E4B4-999F-4453-A3DD-8163324A608E}" destId="{BB089C04-94A6-4D8E-9814-3A19506A4967}" srcOrd="9" destOrd="0" presId="urn:microsoft.com/office/officeart/2005/8/layout/list1"/>
+    <dgm:cxn modelId="{7979F5D9-A6BB-3149-87B4-78E6D77C0DE3}" type="presParOf" srcId="{C451E4B4-999F-4453-A3DD-8163324A608E}" destId="{065ED812-3110-45CB-BF60-C55BC725AA59}" srcOrd="10" destOrd="0" presId="urn:microsoft.com/office/officeart/2005/8/layout/list1"/>
   </dgm:cxnLst>
   <dgm:bg/>
   <dgm:whole/>
@@ -7381,41 +7381,41 @@
     </dgm:pt>
   </dgm:ptLst>
   <dgm:cxnLst>
+    <dgm:cxn modelId="{7968C809-6038-814A-8F27-0EF193B44068}" type="presOf" srcId="{356F6FEF-38C8-437A-8562-86A5ED3F5885}" destId="{25AD4B18-A6F3-4E52-A6B5-53F7A9EAF766}" srcOrd="1" destOrd="0" presId="urn:microsoft.com/office/officeart/2005/8/layout/list1"/>
+    <dgm:cxn modelId="{40DDB729-5BFE-0946-B758-D7DE95E87BD5}" type="presOf" srcId="{2EFB202A-8611-4DDC-831D-D12EB67B6CF7}" destId="{C451E4B4-999F-4453-A3DD-8163324A608E}" srcOrd="0" destOrd="0" presId="urn:microsoft.com/office/officeart/2005/8/layout/list1"/>
+    <dgm:cxn modelId="{727AD903-4D54-8C48-B8D8-58A5B20F3D56}" type="presOf" srcId="{C65DEFF2-AA86-49F1-98AF-ECC7C9A55F8F}" destId="{D0247A5C-194D-40DD-ACBA-7E963F02BAC5}" srcOrd="0" destOrd="0" presId="urn:microsoft.com/office/officeart/2005/8/layout/list1"/>
+    <dgm:cxn modelId="{392AE56A-6939-469F-BFEC-2DEEC6ABC100}" srcId="{2EFB202A-8611-4DDC-831D-D12EB67B6CF7}" destId="{712EDDD5-F1C9-457B-A81D-F94868058B44}" srcOrd="1" destOrd="0" parTransId="{5E2CC1CB-7E12-4298-9BE5-B8F6683E4161}" sibTransId="{630DB5C2-135D-425B-B7D5-1F5FFE12BF3B}"/>
+    <dgm:cxn modelId="{2E956294-21B1-A948-9EA7-DC1DC949E398}" type="presOf" srcId="{712EDDD5-F1C9-457B-A81D-F94868058B44}" destId="{1CF0D767-27A0-4A0D-8AD7-1C805538B782}" srcOrd="1" destOrd="0" presId="urn:microsoft.com/office/officeart/2005/8/layout/list1"/>
+    <dgm:cxn modelId="{B2BF21B1-CBE7-4C5C-AEA8-BEC7AD474AA5}" srcId="{712EDDD5-F1C9-457B-A81D-F94868058B44}" destId="{FD0C6DBE-1630-40B2-B624-EC1F16E42DB3}" srcOrd="0" destOrd="0" parTransId="{E36B8C3A-F1B5-43BA-A80E-BB09E617B100}" sibTransId="{277B567A-A827-446E-9BF5-7F70AD3D8524}"/>
+    <dgm:cxn modelId="{03BE3AA6-00F4-8C42-89AA-11EE81ED336E}" type="presOf" srcId="{11888A7B-1E89-45E6-84F4-EF92B26189CD}" destId="{75922BE6-701E-4BA9-A4D0-D411670A834F}" srcOrd="0" destOrd="0" presId="urn:microsoft.com/office/officeart/2005/8/layout/list1"/>
+    <dgm:cxn modelId="{CD3DBCEC-EEDA-4109-81A5-6979404266EF}" srcId="{356F6FEF-38C8-437A-8562-86A5ED3F5885}" destId="{77C3ADDA-CBFC-4773-939B-B820C1A52764}" srcOrd="1" destOrd="0" parTransId="{3B3B282E-7AC6-4347-8A0C-2E7D6FE9EC7F}" sibTransId="{A98AC8CF-021B-48F8-A127-D60CBE6EB071}"/>
+    <dgm:cxn modelId="{5376348D-4465-4E2E-9DB8-EA1F5276717B}" srcId="{2EFB202A-8611-4DDC-831D-D12EB67B6CF7}" destId="{11888A7B-1E89-45E6-84F4-EF92B26189CD}" srcOrd="0" destOrd="0" parTransId="{6043087E-917B-44BC-97F8-41385FD50DC3}" sibTransId="{438F37F5-E676-4BB5-A241-95D895E1B43F}"/>
+    <dgm:cxn modelId="{444BF4C1-45F8-4DAC-80A4-B20302E0D326}" srcId="{11888A7B-1E89-45E6-84F4-EF92B26189CD}" destId="{C65DEFF2-AA86-49F1-98AF-ECC7C9A55F8F}" srcOrd="0" destOrd="0" parTransId="{8C366E53-622D-45E5-9076-7C960E3333CC}" sibTransId="{2FD13AAE-85C2-4DED-BE23-DB3E95AF1C43}"/>
+    <dgm:cxn modelId="{8247D1A2-555D-4B39-B44D-5F2B5AE64242}" srcId="{2EFB202A-8611-4DDC-831D-D12EB67B6CF7}" destId="{356F6FEF-38C8-437A-8562-86A5ED3F5885}" srcOrd="2" destOrd="0" parTransId="{BD9B34C9-939F-47F5-A040-1B30C9EEA310}" sibTransId="{665399A3-A410-4656-8F7E-3FAB641DE891}"/>
+    <dgm:cxn modelId="{33A5C39F-0B9B-984B-B92C-65E4E489C4D5}" type="presOf" srcId="{712EDDD5-F1C9-457B-A81D-F94868058B44}" destId="{75A39EDD-D781-43E1-9360-E6E730441671}" srcOrd="0" destOrd="0" presId="urn:microsoft.com/office/officeart/2005/8/layout/list1"/>
     <dgm:cxn modelId="{957C551D-31A8-4286-A3AE-C5928DB663CE}" srcId="{356F6FEF-38C8-437A-8562-86A5ED3F5885}" destId="{640CA9BD-09C1-4472-8DAC-0F150EC5E678}" srcOrd="0" destOrd="0" parTransId="{90609DF7-843B-4BEF-A3B5-89270E6B0951}" sibTransId="{67B503AA-82FD-4AA4-8357-3D8B59D6160B}"/>
-    <dgm:cxn modelId="{4F9AE3DC-6826-8A4D-B505-94DC9489C9FE}" type="presOf" srcId="{11888A7B-1E89-45E6-84F4-EF92B26189CD}" destId="{75922BE6-701E-4BA9-A4D0-D411670A834F}" srcOrd="0" destOrd="0" presId="urn:microsoft.com/office/officeart/2005/8/layout/list1"/>
-    <dgm:cxn modelId="{9301CB8B-3F2F-0B41-A368-34AF9EF5EA9A}" type="presOf" srcId="{FD0C6DBE-1630-40B2-B624-EC1F16E42DB3}" destId="{B014BCF9-3CF0-4932-9F01-C8EDA8E469DD}" srcOrd="0" destOrd="0" presId="urn:microsoft.com/office/officeart/2005/8/layout/list1"/>
-    <dgm:cxn modelId="{931A4804-A23A-C740-B368-1414E352C043}" type="presOf" srcId="{712EDDD5-F1C9-457B-A81D-F94868058B44}" destId="{1CF0D767-27A0-4A0D-8AD7-1C805538B782}" srcOrd="1" destOrd="0" presId="urn:microsoft.com/office/officeart/2005/8/layout/list1"/>
-    <dgm:cxn modelId="{392AE56A-6939-469F-BFEC-2DEEC6ABC100}" srcId="{2EFB202A-8611-4DDC-831D-D12EB67B6CF7}" destId="{712EDDD5-F1C9-457B-A81D-F94868058B44}" srcOrd="1" destOrd="0" parTransId="{5E2CC1CB-7E12-4298-9BE5-B8F6683E4161}" sibTransId="{630DB5C2-135D-425B-B7D5-1F5FFE12BF3B}"/>
-    <dgm:cxn modelId="{9141C1C8-F12D-5F40-B46B-E7C97FEC40BB}" type="presOf" srcId="{640CA9BD-09C1-4472-8DAC-0F150EC5E678}" destId="{065ED812-3110-45CB-BF60-C55BC725AA59}" srcOrd="0" destOrd="0" presId="urn:microsoft.com/office/officeart/2005/8/layout/list1"/>
-    <dgm:cxn modelId="{B2BF21B1-CBE7-4C5C-AEA8-BEC7AD474AA5}" srcId="{712EDDD5-F1C9-457B-A81D-F94868058B44}" destId="{FD0C6DBE-1630-40B2-B624-EC1F16E42DB3}" srcOrd="0" destOrd="0" parTransId="{E36B8C3A-F1B5-43BA-A80E-BB09E617B100}" sibTransId="{277B567A-A827-446E-9BF5-7F70AD3D8524}"/>
-    <dgm:cxn modelId="{5DB7BC28-D7CA-1B49-A41F-F46BA13EE219}" type="presOf" srcId="{2EFB202A-8611-4DDC-831D-D12EB67B6CF7}" destId="{C451E4B4-999F-4453-A3DD-8163324A608E}" srcOrd="0" destOrd="0" presId="urn:microsoft.com/office/officeart/2005/8/layout/list1"/>
-    <dgm:cxn modelId="{001054AC-F72E-7F41-9B3D-175F92FD768F}" type="presOf" srcId="{C65DEFF2-AA86-49F1-98AF-ECC7C9A55F8F}" destId="{D0247A5C-194D-40DD-ACBA-7E963F02BAC5}" srcOrd="0" destOrd="0" presId="urn:microsoft.com/office/officeart/2005/8/layout/list1"/>
-    <dgm:cxn modelId="{C1F80965-071B-3D4F-AFAF-6DF7C0896EE4}" type="presOf" srcId="{356F6FEF-38C8-437A-8562-86A5ED3F5885}" destId="{1F18BCE3-3253-48F7-AD42-D7032F677CFA}" srcOrd="0" destOrd="0" presId="urn:microsoft.com/office/officeart/2005/8/layout/list1"/>
-    <dgm:cxn modelId="{CD3DBCEC-EEDA-4109-81A5-6979404266EF}" srcId="{356F6FEF-38C8-437A-8562-86A5ED3F5885}" destId="{77C3ADDA-CBFC-4773-939B-B820C1A52764}" srcOrd="1" destOrd="0" parTransId="{3B3B282E-7AC6-4347-8A0C-2E7D6FE9EC7F}" sibTransId="{A98AC8CF-021B-48F8-A127-D60CBE6EB071}"/>
-    <dgm:cxn modelId="{F1ACF037-5EAE-E441-A81B-F68BEAAF78C1}" type="presOf" srcId="{77C3ADDA-CBFC-4773-939B-B820C1A52764}" destId="{065ED812-3110-45CB-BF60-C55BC725AA59}" srcOrd="0" destOrd="1" presId="urn:microsoft.com/office/officeart/2005/8/layout/list1"/>
-    <dgm:cxn modelId="{8247D1A2-555D-4B39-B44D-5F2B5AE64242}" srcId="{2EFB202A-8611-4DDC-831D-D12EB67B6CF7}" destId="{356F6FEF-38C8-437A-8562-86A5ED3F5885}" srcOrd="2" destOrd="0" parTransId="{BD9B34C9-939F-47F5-A040-1B30C9EEA310}" sibTransId="{665399A3-A410-4656-8F7E-3FAB641DE891}"/>
-    <dgm:cxn modelId="{B67482D2-CA92-EE49-809A-1AF1712B376C}" type="presOf" srcId="{356F6FEF-38C8-437A-8562-86A5ED3F5885}" destId="{25AD4B18-A6F3-4E52-A6B5-53F7A9EAF766}" srcOrd="1" destOrd="0" presId="urn:microsoft.com/office/officeart/2005/8/layout/list1"/>
-    <dgm:cxn modelId="{444BF4C1-45F8-4DAC-80A4-B20302E0D326}" srcId="{11888A7B-1E89-45E6-84F4-EF92B26189CD}" destId="{C65DEFF2-AA86-49F1-98AF-ECC7C9A55F8F}" srcOrd="0" destOrd="0" parTransId="{8C366E53-622D-45E5-9076-7C960E3333CC}" sibTransId="{2FD13AAE-85C2-4DED-BE23-DB3E95AF1C43}"/>
-    <dgm:cxn modelId="{5376348D-4465-4E2E-9DB8-EA1F5276717B}" srcId="{2EFB202A-8611-4DDC-831D-D12EB67B6CF7}" destId="{11888A7B-1E89-45E6-84F4-EF92B26189CD}" srcOrd="0" destOrd="0" parTransId="{6043087E-917B-44BC-97F8-41385FD50DC3}" sibTransId="{438F37F5-E676-4BB5-A241-95D895E1B43F}"/>
-    <dgm:cxn modelId="{4782F6B3-5C00-EA48-B55F-B2AD7A3A4335}" type="presOf" srcId="{712EDDD5-F1C9-457B-A81D-F94868058B44}" destId="{75A39EDD-D781-43E1-9360-E6E730441671}" srcOrd="0" destOrd="0" presId="urn:microsoft.com/office/officeart/2005/8/layout/list1"/>
-    <dgm:cxn modelId="{E3127806-8416-954D-A6C0-94B0BC97C2AA}" type="presOf" srcId="{11888A7B-1E89-45E6-84F4-EF92B26189CD}" destId="{FE18ED5F-9A71-45CE-87E6-C0921B5A24D6}" srcOrd="1" destOrd="0" presId="urn:microsoft.com/office/officeart/2005/8/layout/list1"/>
-    <dgm:cxn modelId="{5FD971CB-C9D9-3D49-B228-719C82CDAA0F}" type="presParOf" srcId="{C451E4B4-999F-4453-A3DD-8163324A608E}" destId="{6293A9EF-C215-42FA-A704-64EE0A15C16B}" srcOrd="0" destOrd="0" presId="urn:microsoft.com/office/officeart/2005/8/layout/list1"/>
-    <dgm:cxn modelId="{2658A61D-C6EB-C445-BFAD-C541434AA777}" type="presParOf" srcId="{6293A9EF-C215-42FA-A704-64EE0A15C16B}" destId="{75922BE6-701E-4BA9-A4D0-D411670A834F}" srcOrd="0" destOrd="0" presId="urn:microsoft.com/office/officeart/2005/8/layout/list1"/>
-    <dgm:cxn modelId="{6651486A-EC47-CF42-8472-AF4CEB00F5E7}" type="presParOf" srcId="{6293A9EF-C215-42FA-A704-64EE0A15C16B}" destId="{FE18ED5F-9A71-45CE-87E6-C0921B5A24D6}" srcOrd="1" destOrd="0" presId="urn:microsoft.com/office/officeart/2005/8/layout/list1"/>
-    <dgm:cxn modelId="{D531BC3E-2A02-494B-911D-078C8502ED79}" type="presParOf" srcId="{C451E4B4-999F-4453-A3DD-8163324A608E}" destId="{2D001EC1-3293-42A3-82D4-F06BDAA6E565}" srcOrd="1" destOrd="0" presId="urn:microsoft.com/office/officeart/2005/8/layout/list1"/>
-    <dgm:cxn modelId="{70616E07-B471-F44A-B14D-E42C9B44C68F}" type="presParOf" srcId="{C451E4B4-999F-4453-A3DD-8163324A608E}" destId="{D0247A5C-194D-40DD-ACBA-7E963F02BAC5}" srcOrd="2" destOrd="0" presId="urn:microsoft.com/office/officeart/2005/8/layout/list1"/>
-    <dgm:cxn modelId="{F272BEB9-0833-6D4E-9655-8C3E045AE38E}" type="presParOf" srcId="{C451E4B4-999F-4453-A3DD-8163324A608E}" destId="{4DB2732A-31D0-4A58-9326-C6D056DCB22A}" srcOrd="3" destOrd="0" presId="urn:microsoft.com/office/officeart/2005/8/layout/list1"/>
-    <dgm:cxn modelId="{4A54A2F0-4027-B74A-8DAA-D63C28052E52}" type="presParOf" srcId="{C451E4B4-999F-4453-A3DD-8163324A608E}" destId="{D79E9BFA-BD1B-4DC2-B0A4-427A3C69DC19}" srcOrd="4" destOrd="0" presId="urn:microsoft.com/office/officeart/2005/8/layout/list1"/>
-    <dgm:cxn modelId="{3015E882-4BCE-F244-B7E2-16E5EBA19181}" type="presParOf" srcId="{D79E9BFA-BD1B-4DC2-B0A4-427A3C69DC19}" destId="{75A39EDD-D781-43E1-9360-E6E730441671}" srcOrd="0" destOrd="0" presId="urn:microsoft.com/office/officeart/2005/8/layout/list1"/>
-    <dgm:cxn modelId="{22DD63AE-5ACD-B74E-AA4F-28701E3CD927}" type="presParOf" srcId="{D79E9BFA-BD1B-4DC2-B0A4-427A3C69DC19}" destId="{1CF0D767-27A0-4A0D-8AD7-1C805538B782}" srcOrd="1" destOrd="0" presId="urn:microsoft.com/office/officeart/2005/8/layout/list1"/>
-    <dgm:cxn modelId="{F61852BC-0187-3749-BC70-501B01B62F64}" type="presParOf" srcId="{C451E4B4-999F-4453-A3DD-8163324A608E}" destId="{71CD8D4C-A426-4F19-B258-C6156D6EC340}" srcOrd="5" destOrd="0" presId="urn:microsoft.com/office/officeart/2005/8/layout/list1"/>
-    <dgm:cxn modelId="{41AAAB03-D198-194E-929F-AA35EFBC3CA8}" type="presParOf" srcId="{C451E4B4-999F-4453-A3DD-8163324A608E}" destId="{B014BCF9-3CF0-4932-9F01-C8EDA8E469DD}" srcOrd="6" destOrd="0" presId="urn:microsoft.com/office/officeart/2005/8/layout/list1"/>
-    <dgm:cxn modelId="{D21A3822-6CBF-734B-9A32-B1EA947F3077}" type="presParOf" srcId="{C451E4B4-999F-4453-A3DD-8163324A608E}" destId="{98188212-4E55-485A-B563-1289987D8DA5}" srcOrd="7" destOrd="0" presId="urn:microsoft.com/office/officeart/2005/8/layout/list1"/>
-    <dgm:cxn modelId="{E23E6865-BB38-1B4D-93DE-95724D4E1C9D}" type="presParOf" srcId="{C451E4B4-999F-4453-A3DD-8163324A608E}" destId="{68435F73-00A8-4DBF-9E3C-46B933A8DB10}" srcOrd="8" destOrd="0" presId="urn:microsoft.com/office/officeart/2005/8/layout/list1"/>
-    <dgm:cxn modelId="{43A6CF11-6C06-3B46-8DD2-F3861AE5F6D6}" type="presParOf" srcId="{68435F73-00A8-4DBF-9E3C-46B933A8DB10}" destId="{1F18BCE3-3253-48F7-AD42-D7032F677CFA}" srcOrd="0" destOrd="0" presId="urn:microsoft.com/office/officeart/2005/8/layout/list1"/>
-    <dgm:cxn modelId="{E521673E-F616-1843-AC1F-BDD119ABF78C}" type="presParOf" srcId="{68435F73-00A8-4DBF-9E3C-46B933A8DB10}" destId="{25AD4B18-A6F3-4E52-A6B5-53F7A9EAF766}" srcOrd="1" destOrd="0" presId="urn:microsoft.com/office/officeart/2005/8/layout/list1"/>
-    <dgm:cxn modelId="{5C5634B1-E506-3E49-B4BE-901755891AA5}" type="presParOf" srcId="{C451E4B4-999F-4453-A3DD-8163324A608E}" destId="{BB089C04-94A6-4D8E-9814-3A19506A4967}" srcOrd="9" destOrd="0" presId="urn:microsoft.com/office/officeart/2005/8/layout/list1"/>
-    <dgm:cxn modelId="{03DAC5EB-F71F-5446-8D9A-BD5467C7EE2F}" type="presParOf" srcId="{C451E4B4-999F-4453-A3DD-8163324A608E}" destId="{065ED812-3110-45CB-BF60-C55BC725AA59}" srcOrd="10" destOrd="0" presId="urn:microsoft.com/office/officeart/2005/8/layout/list1"/>
+    <dgm:cxn modelId="{DAD803E1-141B-CC45-A4A3-A7C99A576A67}" type="presOf" srcId="{77C3ADDA-CBFC-4773-939B-B820C1A52764}" destId="{065ED812-3110-45CB-BF60-C55BC725AA59}" srcOrd="0" destOrd="1" presId="urn:microsoft.com/office/officeart/2005/8/layout/list1"/>
+    <dgm:cxn modelId="{BEDE787E-A3E6-EF4A-8425-F37785E4A6C1}" type="presOf" srcId="{FD0C6DBE-1630-40B2-B624-EC1F16E42DB3}" destId="{B014BCF9-3CF0-4932-9F01-C8EDA8E469DD}" srcOrd="0" destOrd="0" presId="urn:microsoft.com/office/officeart/2005/8/layout/list1"/>
+    <dgm:cxn modelId="{C043D7B2-5452-B049-9C5E-81189B30385A}" type="presOf" srcId="{11888A7B-1E89-45E6-84F4-EF92B26189CD}" destId="{FE18ED5F-9A71-45CE-87E6-C0921B5A24D6}" srcOrd="1" destOrd="0" presId="urn:microsoft.com/office/officeart/2005/8/layout/list1"/>
+    <dgm:cxn modelId="{6E94C877-EF0D-D041-9D23-595A338BE844}" type="presOf" srcId="{640CA9BD-09C1-4472-8DAC-0F150EC5E678}" destId="{065ED812-3110-45CB-BF60-C55BC725AA59}" srcOrd="0" destOrd="0" presId="urn:microsoft.com/office/officeart/2005/8/layout/list1"/>
+    <dgm:cxn modelId="{D0E7616F-F890-074B-B13A-04031D20F71F}" type="presOf" srcId="{356F6FEF-38C8-437A-8562-86A5ED3F5885}" destId="{1F18BCE3-3253-48F7-AD42-D7032F677CFA}" srcOrd="0" destOrd="0" presId="urn:microsoft.com/office/officeart/2005/8/layout/list1"/>
+    <dgm:cxn modelId="{32DDD191-0D01-A54C-BC1E-D5B564536A31}" type="presParOf" srcId="{C451E4B4-999F-4453-A3DD-8163324A608E}" destId="{6293A9EF-C215-42FA-A704-64EE0A15C16B}" srcOrd="0" destOrd="0" presId="urn:microsoft.com/office/officeart/2005/8/layout/list1"/>
+    <dgm:cxn modelId="{64601637-F774-EF44-AD9E-2CD00A8DCFB1}" type="presParOf" srcId="{6293A9EF-C215-42FA-A704-64EE0A15C16B}" destId="{75922BE6-701E-4BA9-A4D0-D411670A834F}" srcOrd="0" destOrd="0" presId="urn:microsoft.com/office/officeart/2005/8/layout/list1"/>
+    <dgm:cxn modelId="{483563C6-C39D-724F-A18C-68A2E7FA99A8}" type="presParOf" srcId="{6293A9EF-C215-42FA-A704-64EE0A15C16B}" destId="{FE18ED5F-9A71-45CE-87E6-C0921B5A24D6}" srcOrd="1" destOrd="0" presId="urn:microsoft.com/office/officeart/2005/8/layout/list1"/>
+    <dgm:cxn modelId="{5A35A860-E75A-5049-B625-55D40156ECE4}" type="presParOf" srcId="{C451E4B4-999F-4453-A3DD-8163324A608E}" destId="{2D001EC1-3293-42A3-82D4-F06BDAA6E565}" srcOrd="1" destOrd="0" presId="urn:microsoft.com/office/officeart/2005/8/layout/list1"/>
+    <dgm:cxn modelId="{5AC062EF-1734-3D42-899F-27EB3CFEA9AA}" type="presParOf" srcId="{C451E4B4-999F-4453-A3DD-8163324A608E}" destId="{D0247A5C-194D-40DD-ACBA-7E963F02BAC5}" srcOrd="2" destOrd="0" presId="urn:microsoft.com/office/officeart/2005/8/layout/list1"/>
+    <dgm:cxn modelId="{CBAD6F91-DDAD-FA40-9553-256D30BBB366}" type="presParOf" srcId="{C451E4B4-999F-4453-A3DD-8163324A608E}" destId="{4DB2732A-31D0-4A58-9326-C6D056DCB22A}" srcOrd="3" destOrd="0" presId="urn:microsoft.com/office/officeart/2005/8/layout/list1"/>
+    <dgm:cxn modelId="{7C8F92F1-B201-574D-B930-BB9EBCC7EC0E}" type="presParOf" srcId="{C451E4B4-999F-4453-A3DD-8163324A608E}" destId="{D79E9BFA-BD1B-4DC2-B0A4-427A3C69DC19}" srcOrd="4" destOrd="0" presId="urn:microsoft.com/office/officeart/2005/8/layout/list1"/>
+    <dgm:cxn modelId="{D81788DB-B73A-C54C-8F04-CE951CF8385A}" type="presParOf" srcId="{D79E9BFA-BD1B-4DC2-B0A4-427A3C69DC19}" destId="{75A39EDD-D781-43E1-9360-E6E730441671}" srcOrd="0" destOrd="0" presId="urn:microsoft.com/office/officeart/2005/8/layout/list1"/>
+    <dgm:cxn modelId="{0B14F41E-BE3B-5846-85C6-5649AF7C050D}" type="presParOf" srcId="{D79E9BFA-BD1B-4DC2-B0A4-427A3C69DC19}" destId="{1CF0D767-27A0-4A0D-8AD7-1C805538B782}" srcOrd="1" destOrd="0" presId="urn:microsoft.com/office/officeart/2005/8/layout/list1"/>
+    <dgm:cxn modelId="{AE1DC6EF-59BF-C648-B951-D7B36CEB52ED}" type="presParOf" srcId="{C451E4B4-999F-4453-A3DD-8163324A608E}" destId="{71CD8D4C-A426-4F19-B258-C6156D6EC340}" srcOrd="5" destOrd="0" presId="urn:microsoft.com/office/officeart/2005/8/layout/list1"/>
+    <dgm:cxn modelId="{CF5B6948-C416-5F41-8368-106658D83DEE}" type="presParOf" srcId="{C451E4B4-999F-4453-A3DD-8163324A608E}" destId="{B014BCF9-3CF0-4932-9F01-C8EDA8E469DD}" srcOrd="6" destOrd="0" presId="urn:microsoft.com/office/officeart/2005/8/layout/list1"/>
+    <dgm:cxn modelId="{A36ECFEB-54FF-C245-A10B-735BFF576201}" type="presParOf" srcId="{C451E4B4-999F-4453-A3DD-8163324A608E}" destId="{98188212-4E55-485A-B563-1289987D8DA5}" srcOrd="7" destOrd="0" presId="urn:microsoft.com/office/officeart/2005/8/layout/list1"/>
+    <dgm:cxn modelId="{07DC0D02-83E9-074D-A452-0EEBCDBCDDCB}" type="presParOf" srcId="{C451E4B4-999F-4453-A3DD-8163324A608E}" destId="{68435F73-00A8-4DBF-9E3C-46B933A8DB10}" srcOrd="8" destOrd="0" presId="urn:microsoft.com/office/officeart/2005/8/layout/list1"/>
+    <dgm:cxn modelId="{875300CE-0DA4-FC40-9AF7-8D12782F096B}" type="presParOf" srcId="{68435F73-00A8-4DBF-9E3C-46B933A8DB10}" destId="{1F18BCE3-3253-48F7-AD42-D7032F677CFA}" srcOrd="0" destOrd="0" presId="urn:microsoft.com/office/officeart/2005/8/layout/list1"/>
+    <dgm:cxn modelId="{9CAFDF2C-58AE-5C47-9783-B2612400B2A7}" type="presParOf" srcId="{68435F73-00A8-4DBF-9E3C-46B933A8DB10}" destId="{25AD4B18-A6F3-4E52-A6B5-53F7A9EAF766}" srcOrd="1" destOrd="0" presId="urn:microsoft.com/office/officeart/2005/8/layout/list1"/>
+    <dgm:cxn modelId="{A65DAD79-D1FC-604F-8BFB-765702DD7F20}" type="presParOf" srcId="{C451E4B4-999F-4453-A3DD-8163324A608E}" destId="{BB089C04-94A6-4D8E-9814-3A19506A4967}" srcOrd="9" destOrd="0" presId="urn:microsoft.com/office/officeart/2005/8/layout/list1"/>
+    <dgm:cxn modelId="{0C2F72A3-702F-5145-A2EB-9D3E064B275C}" type="presParOf" srcId="{C451E4B4-999F-4453-A3DD-8163324A608E}" destId="{065ED812-3110-45CB-BF60-C55BC725AA59}" srcOrd="10" destOrd="0" presId="urn:microsoft.com/office/officeart/2005/8/layout/list1"/>
   </dgm:cxnLst>
   <dgm:bg/>
   <dgm:whole/>
@@ -7708,31 +7708,31 @@
     </dgm:pt>
   </dgm:ptLst>
   <dgm:cxnLst>
-    <dgm:cxn modelId="{FFBC40D9-AA10-6E4E-9B2A-FA5D7E3007AF}" type="presOf" srcId="{55F5860B-939A-4CBC-8295-B955936C5E35}" destId="{A5F7BD0E-6659-47E3-A5FA-DFC3DD5F56B0}" srcOrd="0" destOrd="0" presId="urn:microsoft.com/office/officeart/2005/8/layout/pList2"/>
-    <dgm:cxn modelId="{FFEECDD7-2984-D34A-8BDB-4D7749A554FC}" type="presOf" srcId="{0AC1F386-F0D2-4C39-B972-A91062DE947B}" destId="{55FCEC3D-61D9-4D5A-9134-49B382579D09}" srcOrd="0" destOrd="0" presId="urn:microsoft.com/office/officeart/2005/8/layout/pList2"/>
-    <dgm:cxn modelId="{70BBE3DF-E302-224C-9F03-58BED547308D}" type="presOf" srcId="{B3CE47E1-204F-4D5C-AEA4-1ACA601682DB}" destId="{D23CBDC4-3C15-4FF6-BE69-7C113226B390}" srcOrd="0" destOrd="0" presId="urn:microsoft.com/office/officeart/2005/8/layout/pList2"/>
+    <dgm:cxn modelId="{970E93CC-91BA-8B42-A35C-FD3BD29A708D}" type="presOf" srcId="{55F5860B-939A-4CBC-8295-B955936C5E35}" destId="{A5F7BD0E-6659-47E3-A5FA-DFC3DD5F56B0}" srcOrd="0" destOrd="0" presId="urn:microsoft.com/office/officeart/2005/8/layout/pList2"/>
     <dgm:cxn modelId="{93C5C8C7-98D0-4208-AC07-8A7BAB18518B}" srcId="{994517DC-23D3-4C6E-992F-A04A315A2919}" destId="{361CF532-1150-46C6-A85B-883231321164}" srcOrd="2" destOrd="0" parTransId="{0E0CF608-14BD-4372-B982-9523BCE7A619}" sibTransId="{6A57F9A9-BAF3-408D-8AFE-2DAA84BEE13D}"/>
-    <dgm:cxn modelId="{6E0804E1-B0D7-EC4B-B174-AC390CB340DF}" type="presOf" srcId="{ED9F0BCA-59E9-4527-AB0A-25C9342E61F9}" destId="{C19A8820-4420-4E6B-AA09-1B98BB030FE5}" srcOrd="0" destOrd="0" presId="urn:microsoft.com/office/officeart/2005/8/layout/pList2"/>
-    <dgm:cxn modelId="{6413A3AB-071B-7B4B-B8A3-B80371B0382C}" type="presOf" srcId="{361CF532-1150-46C6-A85B-883231321164}" destId="{523E0811-2C40-44EF-86EE-740F30A20B69}" srcOrd="0" destOrd="0" presId="urn:microsoft.com/office/officeart/2005/8/layout/pList2"/>
+    <dgm:cxn modelId="{C750FA22-6118-A04E-9A6C-4FD582F36BAF}" type="presOf" srcId="{0AC1F386-F0D2-4C39-B972-A91062DE947B}" destId="{55FCEC3D-61D9-4D5A-9134-49B382579D09}" srcOrd="0" destOrd="0" presId="urn:microsoft.com/office/officeart/2005/8/layout/pList2"/>
     <dgm:cxn modelId="{6398157A-6DB1-4F37-A7C3-930B3FA30BB8}" srcId="{994517DC-23D3-4C6E-992F-A04A315A2919}" destId="{55F5860B-939A-4CBC-8295-B955936C5E35}" srcOrd="1" destOrd="0" parTransId="{DEBBB8C5-5185-47EF-B4C3-505E4FF2736A}" sibTransId="{ED9F0BCA-59E9-4527-AB0A-25C9342E61F9}"/>
     <dgm:cxn modelId="{7676BB39-6875-4C2B-B693-2C0D980A8EA9}" srcId="{994517DC-23D3-4C6E-992F-A04A315A2919}" destId="{0AC1F386-F0D2-4C39-B972-A91062DE947B}" srcOrd="0" destOrd="0" parTransId="{43AE1BAB-3E74-4C4B-B3BF-773881CB444B}" sibTransId="{B3CE47E1-204F-4D5C-AEA4-1ACA601682DB}"/>
-    <dgm:cxn modelId="{368F5D29-6B13-224B-BE81-A5801DEC77F2}" type="presOf" srcId="{994517DC-23D3-4C6E-992F-A04A315A2919}" destId="{C922FA5C-03CD-4A44-84F5-01953AA4F57D}" srcOrd="0" destOrd="0" presId="urn:microsoft.com/office/officeart/2005/8/layout/pList2"/>
-    <dgm:cxn modelId="{090FFFC4-E222-2D4B-A98F-CEC79F34E78B}" type="presParOf" srcId="{C922FA5C-03CD-4A44-84F5-01953AA4F57D}" destId="{A59FDD59-C845-48EE-8066-00A34A52D86B}" srcOrd="0" destOrd="0" presId="urn:microsoft.com/office/officeart/2005/8/layout/pList2"/>
-    <dgm:cxn modelId="{86409827-198F-DC46-A5B2-9F3D2698F4D0}" type="presParOf" srcId="{C922FA5C-03CD-4A44-84F5-01953AA4F57D}" destId="{8D866271-871E-4425-A476-C1870805FDA1}" srcOrd="1" destOrd="0" presId="urn:microsoft.com/office/officeart/2005/8/layout/pList2"/>
-    <dgm:cxn modelId="{70959502-AFA7-8A44-AC45-006B14A156D1}" type="presParOf" srcId="{8D866271-871E-4425-A476-C1870805FDA1}" destId="{40B23C17-D79C-4CE1-8D99-2F8B1DDDAA1A}" srcOrd="0" destOrd="0" presId="urn:microsoft.com/office/officeart/2005/8/layout/pList2"/>
-    <dgm:cxn modelId="{02D00365-7DE7-AB49-9D2D-242CECB01331}" type="presParOf" srcId="{40B23C17-D79C-4CE1-8D99-2F8B1DDDAA1A}" destId="{55FCEC3D-61D9-4D5A-9134-49B382579D09}" srcOrd="0" destOrd="0" presId="urn:microsoft.com/office/officeart/2005/8/layout/pList2"/>
-    <dgm:cxn modelId="{2245D9EB-95E6-1449-B574-20B78DE411EE}" type="presParOf" srcId="{40B23C17-D79C-4CE1-8D99-2F8B1DDDAA1A}" destId="{3801DF6B-1CB9-47BE-88C7-B7BB85405E19}" srcOrd="1" destOrd="0" presId="urn:microsoft.com/office/officeart/2005/8/layout/pList2"/>
-    <dgm:cxn modelId="{12BB58D5-A4A6-5B45-A7B2-D28243262F3D}" type="presParOf" srcId="{40B23C17-D79C-4CE1-8D99-2F8B1DDDAA1A}" destId="{BD27DE20-0AD9-469D-8823-E453E4477F2C}" srcOrd="2" destOrd="0" presId="urn:microsoft.com/office/officeart/2005/8/layout/pList2"/>
-    <dgm:cxn modelId="{320AEC9A-B4FC-6C42-A946-8CFB53DCD4FA}" type="presParOf" srcId="{8D866271-871E-4425-A476-C1870805FDA1}" destId="{D23CBDC4-3C15-4FF6-BE69-7C113226B390}" srcOrd="1" destOrd="0" presId="urn:microsoft.com/office/officeart/2005/8/layout/pList2"/>
-    <dgm:cxn modelId="{C5DAA22C-39CC-8D48-A4F2-D4CC06AFAD7A}" type="presParOf" srcId="{8D866271-871E-4425-A476-C1870805FDA1}" destId="{978117B4-9EA1-4A17-B186-3C21B02C603D}" srcOrd="2" destOrd="0" presId="urn:microsoft.com/office/officeart/2005/8/layout/pList2"/>
-    <dgm:cxn modelId="{49A23929-1F90-834C-BD51-B02F016C9E56}" type="presParOf" srcId="{978117B4-9EA1-4A17-B186-3C21B02C603D}" destId="{A5F7BD0E-6659-47E3-A5FA-DFC3DD5F56B0}" srcOrd="0" destOrd="0" presId="urn:microsoft.com/office/officeart/2005/8/layout/pList2"/>
-    <dgm:cxn modelId="{94B9B0FE-9CE0-EE49-83BF-D8A30CE0670C}" type="presParOf" srcId="{978117B4-9EA1-4A17-B186-3C21B02C603D}" destId="{10FF2710-55F3-4F1D-A5C8-47B323879F9C}" srcOrd="1" destOrd="0" presId="urn:microsoft.com/office/officeart/2005/8/layout/pList2"/>
-    <dgm:cxn modelId="{B126CC23-4A42-6349-AD49-928A6B312EF3}" type="presParOf" srcId="{978117B4-9EA1-4A17-B186-3C21B02C603D}" destId="{B0E764A7-B5C8-41CB-A789-340FD2E71147}" srcOrd="2" destOrd="0" presId="urn:microsoft.com/office/officeart/2005/8/layout/pList2"/>
-    <dgm:cxn modelId="{8E3E2424-8EBF-7C41-8725-CB0787120AE7}" type="presParOf" srcId="{8D866271-871E-4425-A476-C1870805FDA1}" destId="{C19A8820-4420-4E6B-AA09-1B98BB030FE5}" srcOrd="3" destOrd="0" presId="urn:microsoft.com/office/officeart/2005/8/layout/pList2"/>
-    <dgm:cxn modelId="{4A38DE60-4A7B-6A4D-AAF6-96DBE4B34318}" type="presParOf" srcId="{8D866271-871E-4425-A476-C1870805FDA1}" destId="{094C7780-E123-4520-8D54-A10175384490}" srcOrd="4" destOrd="0" presId="urn:microsoft.com/office/officeart/2005/8/layout/pList2"/>
-    <dgm:cxn modelId="{951E211F-4814-5644-AA18-43C6E0093F8F}" type="presParOf" srcId="{094C7780-E123-4520-8D54-A10175384490}" destId="{523E0811-2C40-44EF-86EE-740F30A20B69}" srcOrd="0" destOrd="0" presId="urn:microsoft.com/office/officeart/2005/8/layout/pList2"/>
-    <dgm:cxn modelId="{AD553959-11A2-7B40-99E0-94FFA300AE0F}" type="presParOf" srcId="{094C7780-E123-4520-8D54-A10175384490}" destId="{307C64B6-9E44-4A7B-9DF5-B71D306D69A8}" srcOrd="1" destOrd="0" presId="urn:microsoft.com/office/officeart/2005/8/layout/pList2"/>
-    <dgm:cxn modelId="{6BF27B27-3BCD-FD4A-82DD-DF019AE3102F}" type="presParOf" srcId="{094C7780-E123-4520-8D54-A10175384490}" destId="{DED4691C-BB07-417F-A195-95EB39A4D2D8}" srcOrd="2" destOrd="0" presId="urn:microsoft.com/office/officeart/2005/8/layout/pList2"/>
+    <dgm:cxn modelId="{E8B05946-FB5B-1B49-A7E7-39E6BC913322}" type="presOf" srcId="{ED9F0BCA-59E9-4527-AB0A-25C9342E61F9}" destId="{C19A8820-4420-4E6B-AA09-1B98BB030FE5}" srcOrd="0" destOrd="0" presId="urn:microsoft.com/office/officeart/2005/8/layout/pList2"/>
+    <dgm:cxn modelId="{A355E9AE-BC4D-DE41-889F-6C9C6FCBE8D3}" type="presOf" srcId="{994517DC-23D3-4C6E-992F-A04A315A2919}" destId="{C922FA5C-03CD-4A44-84F5-01953AA4F57D}" srcOrd="0" destOrd="0" presId="urn:microsoft.com/office/officeart/2005/8/layout/pList2"/>
+    <dgm:cxn modelId="{7D6ABEAE-B66A-3C44-8B09-0D09B0B0D90F}" type="presOf" srcId="{B3CE47E1-204F-4D5C-AEA4-1ACA601682DB}" destId="{D23CBDC4-3C15-4FF6-BE69-7C113226B390}" srcOrd="0" destOrd="0" presId="urn:microsoft.com/office/officeart/2005/8/layout/pList2"/>
+    <dgm:cxn modelId="{D0B37947-71AB-4741-8619-9F23E221A2E2}" type="presOf" srcId="{361CF532-1150-46C6-A85B-883231321164}" destId="{523E0811-2C40-44EF-86EE-740F30A20B69}" srcOrd="0" destOrd="0" presId="urn:microsoft.com/office/officeart/2005/8/layout/pList2"/>
+    <dgm:cxn modelId="{2F286FBB-3A31-CA4A-A8CE-6628EC25B3CD}" type="presParOf" srcId="{C922FA5C-03CD-4A44-84F5-01953AA4F57D}" destId="{A59FDD59-C845-48EE-8066-00A34A52D86B}" srcOrd="0" destOrd="0" presId="urn:microsoft.com/office/officeart/2005/8/layout/pList2"/>
+    <dgm:cxn modelId="{71F4E3F8-5A86-5B49-8E48-0755D7C8EDEB}" type="presParOf" srcId="{C922FA5C-03CD-4A44-84F5-01953AA4F57D}" destId="{8D866271-871E-4425-A476-C1870805FDA1}" srcOrd="1" destOrd="0" presId="urn:microsoft.com/office/officeart/2005/8/layout/pList2"/>
+    <dgm:cxn modelId="{85FE5CFE-8F81-5D4E-A4E5-C64ED14E10BC}" type="presParOf" srcId="{8D866271-871E-4425-A476-C1870805FDA1}" destId="{40B23C17-D79C-4CE1-8D99-2F8B1DDDAA1A}" srcOrd="0" destOrd="0" presId="urn:microsoft.com/office/officeart/2005/8/layout/pList2"/>
+    <dgm:cxn modelId="{929269CD-6E84-C049-B6E5-F772CCBF5513}" type="presParOf" srcId="{40B23C17-D79C-4CE1-8D99-2F8B1DDDAA1A}" destId="{55FCEC3D-61D9-4D5A-9134-49B382579D09}" srcOrd="0" destOrd="0" presId="urn:microsoft.com/office/officeart/2005/8/layout/pList2"/>
+    <dgm:cxn modelId="{E7A1393E-8D34-C547-8BB0-B5277709847A}" type="presParOf" srcId="{40B23C17-D79C-4CE1-8D99-2F8B1DDDAA1A}" destId="{3801DF6B-1CB9-47BE-88C7-B7BB85405E19}" srcOrd="1" destOrd="0" presId="urn:microsoft.com/office/officeart/2005/8/layout/pList2"/>
+    <dgm:cxn modelId="{EF1D0BB6-AC1B-CF44-923D-A3625175DDFE}" type="presParOf" srcId="{40B23C17-D79C-4CE1-8D99-2F8B1DDDAA1A}" destId="{BD27DE20-0AD9-469D-8823-E453E4477F2C}" srcOrd="2" destOrd="0" presId="urn:microsoft.com/office/officeart/2005/8/layout/pList2"/>
+    <dgm:cxn modelId="{E820F93F-25CC-5147-A152-C91D874B43DE}" type="presParOf" srcId="{8D866271-871E-4425-A476-C1870805FDA1}" destId="{D23CBDC4-3C15-4FF6-BE69-7C113226B390}" srcOrd="1" destOrd="0" presId="urn:microsoft.com/office/officeart/2005/8/layout/pList2"/>
+    <dgm:cxn modelId="{2D71E231-6509-7849-ADC8-B88BA3AD3487}" type="presParOf" srcId="{8D866271-871E-4425-A476-C1870805FDA1}" destId="{978117B4-9EA1-4A17-B186-3C21B02C603D}" srcOrd="2" destOrd="0" presId="urn:microsoft.com/office/officeart/2005/8/layout/pList2"/>
+    <dgm:cxn modelId="{1E813B76-8E65-1047-AB83-B6B33B66FBBC}" type="presParOf" srcId="{978117B4-9EA1-4A17-B186-3C21B02C603D}" destId="{A5F7BD0E-6659-47E3-A5FA-DFC3DD5F56B0}" srcOrd="0" destOrd="0" presId="urn:microsoft.com/office/officeart/2005/8/layout/pList2"/>
+    <dgm:cxn modelId="{E767F909-34E1-584C-9B70-3DF505CB3558}" type="presParOf" srcId="{978117B4-9EA1-4A17-B186-3C21B02C603D}" destId="{10FF2710-55F3-4F1D-A5C8-47B323879F9C}" srcOrd="1" destOrd="0" presId="urn:microsoft.com/office/officeart/2005/8/layout/pList2"/>
+    <dgm:cxn modelId="{DA9F74E1-EB8F-4247-AEB4-0C90A670408F}" type="presParOf" srcId="{978117B4-9EA1-4A17-B186-3C21B02C603D}" destId="{B0E764A7-B5C8-41CB-A789-340FD2E71147}" srcOrd="2" destOrd="0" presId="urn:microsoft.com/office/officeart/2005/8/layout/pList2"/>
+    <dgm:cxn modelId="{C8103FDD-C931-8B4C-AB45-537EA24BEE0D}" type="presParOf" srcId="{8D866271-871E-4425-A476-C1870805FDA1}" destId="{C19A8820-4420-4E6B-AA09-1B98BB030FE5}" srcOrd="3" destOrd="0" presId="urn:microsoft.com/office/officeart/2005/8/layout/pList2"/>
+    <dgm:cxn modelId="{C5E2FC3E-2CF2-D142-A488-AE77D60006BB}" type="presParOf" srcId="{8D866271-871E-4425-A476-C1870805FDA1}" destId="{094C7780-E123-4520-8D54-A10175384490}" srcOrd="4" destOrd="0" presId="urn:microsoft.com/office/officeart/2005/8/layout/pList2"/>
+    <dgm:cxn modelId="{5AC679B6-351D-7F45-BD7F-D0A015CFA684}" type="presParOf" srcId="{094C7780-E123-4520-8D54-A10175384490}" destId="{523E0811-2C40-44EF-86EE-740F30A20B69}" srcOrd="0" destOrd="0" presId="urn:microsoft.com/office/officeart/2005/8/layout/pList2"/>
+    <dgm:cxn modelId="{9220C16B-2EC3-FD40-BD78-A39236EADF5D}" type="presParOf" srcId="{094C7780-E123-4520-8D54-A10175384490}" destId="{307C64B6-9E44-4A7B-9DF5-B71D306D69A8}" srcOrd="1" destOrd="0" presId="urn:microsoft.com/office/officeart/2005/8/layout/pList2"/>
+    <dgm:cxn modelId="{0BD81E46-67E8-F646-AFE7-EC3650401865}" type="presParOf" srcId="{094C7780-E123-4520-8D54-A10175384490}" destId="{DED4691C-BB07-417F-A195-95EB39A4D2D8}" srcOrd="2" destOrd="0" presId="urn:microsoft.com/office/officeart/2005/8/layout/pList2"/>
   </dgm:cxnLst>
   <dgm:bg/>
   <dgm:whole/>
@@ -8470,52 +8470,52 @@
     </dgm:pt>
   </dgm:ptLst>
   <dgm:cxnLst>
-    <dgm:cxn modelId="{2082F70F-C073-435E-8234-E38096465E41}" type="presOf" srcId="{FE3B62F3-16B2-4505-A781-2C5EA89C0A75}" destId="{8B253DC2-B939-4DFC-A16E-B01B88769EE1}" srcOrd="0" destOrd="2" presId="urn:microsoft.com/office/officeart/2005/8/layout/hProcess9"/>
-    <dgm:cxn modelId="{842C4115-31FA-4BD4-A65C-9414161D2EB2}" type="presOf" srcId="{BBB5467D-2CE7-4259-9D21-F873ADD52653}" destId="{D0577E72-B23A-4C93-BA9C-507338C3954E}" srcOrd="0" destOrd="3" presId="urn:microsoft.com/office/officeart/2005/8/layout/hProcess9"/>
+    <dgm:cxn modelId="{2450A74E-017D-4228-843D-4B58F429494F}" srcId="{BF062759-82A3-4EE6-8B7D-352DA80FED78}" destId="{58D83055-D030-43E5-9416-99E2EA94DAE9}" srcOrd="0" destOrd="0" parTransId="{C830BC5C-B99A-4851-9221-DB92EC30C18C}" sibTransId="{78F890E6-46BC-4337-8533-14B6EEC84A4C}"/>
+    <dgm:cxn modelId="{25179955-2854-724D-800F-FC6B233375D9}" type="presOf" srcId="{D7B1ABCD-8C30-499D-8D95-BEA6D47792FA}" destId="{D0577E72-B23A-4C93-BA9C-507338C3954E}" srcOrd="0" destOrd="2" presId="urn:microsoft.com/office/officeart/2005/8/layout/hProcess9"/>
+    <dgm:cxn modelId="{8E76E4D6-2E5C-3F4A-B001-C57DF5FC248D}" type="presOf" srcId="{4AC61540-7617-4732-ADAC-918FB94D7DDC}" destId="{C5C479F1-027C-425C-A0B3-5734FC2D9DF4}" srcOrd="0" destOrd="2" presId="urn:microsoft.com/office/officeart/2005/8/layout/hProcess9"/>
+    <dgm:cxn modelId="{484E6D90-1A48-0F4D-A15F-25DB0CEBD943}" type="presOf" srcId="{36030709-E562-4714-B0C0-DCA3882F4A95}" destId="{F8F803D2-F894-4A68-9008-99F98DB3F7B5}" srcOrd="0" destOrd="3" presId="urn:microsoft.com/office/officeart/2005/8/layout/hProcess9"/>
+    <dgm:cxn modelId="{59B0AD58-9564-A946-8BAB-CD11509E5C28}" type="presOf" srcId="{FE3B62F3-16B2-4505-A781-2C5EA89C0A75}" destId="{8B253DC2-B939-4DFC-A16E-B01B88769EE1}" srcOrd="0" destOrd="2" presId="urn:microsoft.com/office/officeart/2005/8/layout/hProcess9"/>
+    <dgm:cxn modelId="{E944A282-6C73-AE46-83EE-990A35DF98B5}" type="presOf" srcId="{ABE8702E-C85F-4DF3-BEE1-89127B3D166E}" destId="{F8F803D2-F894-4A68-9008-99F98DB3F7B5}" srcOrd="0" destOrd="0" presId="urn:microsoft.com/office/officeart/2005/8/layout/hProcess9"/>
+    <dgm:cxn modelId="{7DB6483A-B80D-42D2-BF45-8FC42D52B7C2}" srcId="{06ABEAEB-0AB1-4B03-9DB2-1747D846F76E}" destId="{FE3B62F3-16B2-4505-A781-2C5EA89C0A75}" srcOrd="1" destOrd="0" parTransId="{FCE8BF76-8459-44A6-AF47-516739743B79}" sibTransId="{BBFF9749-C9E0-4A6F-93AB-6AB20DBCFFA6}"/>
+    <dgm:cxn modelId="{040B02EA-E474-4CAF-AD6B-79C4C83470BA}" srcId="{BF062759-82A3-4EE6-8B7D-352DA80FED78}" destId="{D7B1ABCD-8C30-499D-8D95-BEA6D47792FA}" srcOrd="1" destOrd="0" parTransId="{45C13BCD-3CFC-4E2D-A9CF-258903BEB1AD}" sibTransId="{A68727A1-8171-454F-96B9-D72E9ADD0696}"/>
+    <dgm:cxn modelId="{D63F7F86-6986-9043-8516-C39D383A055A}" type="presOf" srcId="{BF062759-82A3-4EE6-8B7D-352DA80FED78}" destId="{D0577E72-B23A-4C93-BA9C-507338C3954E}" srcOrd="0" destOrd="0" presId="urn:microsoft.com/office/officeart/2005/8/layout/hProcess9"/>
+    <dgm:cxn modelId="{3EC882FA-6183-448F-BC80-19515F55D921}" srcId="{7BAE7899-E3C2-4B98-B54B-7CF98FABE6C9}" destId="{4AC61540-7617-4732-ADAC-918FB94D7DDC}" srcOrd="1" destOrd="0" parTransId="{1E487906-A4AF-47F5-812F-9A3398C165E2}" sibTransId="{8E22819A-3FF2-405D-B575-CA25288F4BD6}"/>
+    <dgm:cxn modelId="{F0BD69C2-9231-4D6F-8114-C8DA2E529A54}" srcId="{ABE8702E-C85F-4DF3-BEE1-89127B3D166E}" destId="{36030709-E562-4714-B0C0-DCA3882F4A95}" srcOrd="2" destOrd="0" parTransId="{B98F7A53-9514-4901-81B1-230DE5562BA5}" sibTransId="{3D39F57E-541B-4389-BC0C-C2BA0CCED165}"/>
+    <dgm:cxn modelId="{366208EB-6298-CA47-B3AA-BF112F98E530}" type="presOf" srcId="{7BAE7899-E3C2-4B98-B54B-7CF98FABE6C9}" destId="{C5C479F1-027C-425C-A0B3-5734FC2D9DF4}" srcOrd="0" destOrd="0" presId="urn:microsoft.com/office/officeart/2005/8/layout/hProcess9"/>
+    <dgm:cxn modelId="{24AB987A-E071-4342-B448-BE8F73810B03}" type="presOf" srcId="{ED8C6F13-9AE5-48F3-9E7D-DFFA59D5DA38}" destId="{8B253DC2-B939-4DFC-A16E-B01B88769EE1}" srcOrd="0" destOrd="1" presId="urn:microsoft.com/office/officeart/2005/8/layout/hProcess9"/>
+    <dgm:cxn modelId="{0E8AE683-6858-4ECC-8F94-9CB028DF1605}" srcId="{7BAE7899-E3C2-4B98-B54B-7CF98FABE6C9}" destId="{9D1C7FDD-1C7E-4F92-A303-4A4F612A191B}" srcOrd="0" destOrd="0" parTransId="{CE3951D3-C82F-4197-BB44-E4023C884400}" sibTransId="{78BC0FB8-1233-449C-947F-C73B9E9738DF}"/>
+    <dgm:cxn modelId="{CD9A4531-C4FA-294C-9FAC-E46A5D2956E7}" type="presOf" srcId="{95A2F766-9D02-45F9-8F0E-E4477259B64E}" destId="{00FBBFAD-D4C0-4377-829A-C2558C4FF800}" srcOrd="0" destOrd="0" presId="urn:microsoft.com/office/officeart/2005/8/layout/hProcess9"/>
+    <dgm:cxn modelId="{B994F418-8A3E-9B42-9A78-D5458E1D5A7A}" type="presOf" srcId="{7FD1CCA4-8CE5-4749-8436-3CCFF026D0FE}" destId="{D0577E72-B23A-4C93-BA9C-507338C3954E}" srcOrd="0" destOrd="4" presId="urn:microsoft.com/office/officeart/2005/8/layout/hProcess9"/>
+    <dgm:cxn modelId="{827A0127-AFCA-7D4B-9972-8BBD1E938A61}" type="presOf" srcId="{7F458D31-EC2B-4CAB-B19E-F7C40C9ABA16}" destId="{8B253DC2-B939-4DFC-A16E-B01B88769EE1}" srcOrd="0" destOrd="4" presId="urn:microsoft.com/office/officeart/2005/8/layout/hProcess9"/>
+    <dgm:cxn modelId="{C9FA1EB8-5B24-40AF-8C62-2AE1AFD2A8CC}" srcId="{95A2F766-9D02-45F9-8F0E-E4477259B64E}" destId="{ABE8702E-C85F-4DF3-BEE1-89127B3D166E}" srcOrd="3" destOrd="0" parTransId="{1A83ADD3-FE8B-4D5B-B98E-CDB103B5D1B8}" sibTransId="{8F224685-50DB-4839-85D6-BA3606041EBF}"/>
+    <dgm:cxn modelId="{1D18664A-1349-4004-8982-DF8E93BE35A8}" srcId="{ABE8702E-C85F-4DF3-BEE1-89127B3D166E}" destId="{19780FB9-F640-477D-8EBB-AA1833FE98F4}" srcOrd="1" destOrd="0" parTransId="{696747B4-73AC-4923-B2AF-0B24180240F3}" sibTransId="{CDF2244A-28E3-49D3-8CA1-1FB79F42DB1F}"/>
+    <dgm:cxn modelId="{4B256FB0-F8A6-4FC7-9768-1B5644FB9597}" srcId="{95A2F766-9D02-45F9-8F0E-E4477259B64E}" destId="{06ABEAEB-0AB1-4B03-9DB2-1747D846F76E}" srcOrd="2" destOrd="0" parTransId="{39D41540-6B5A-4F2C-B728-B10955AEA6F0}" sibTransId="{31BEE491-4EB9-4240-BAFF-E839945F6CC2}"/>
+    <dgm:cxn modelId="{CE9A3FB9-5929-9C42-9D54-C7FCDEF434B2}" type="presOf" srcId="{54E4D10D-9956-43BF-A898-E51BAEB96E54}" destId="{F8F803D2-F894-4A68-9008-99F98DB3F7B5}" srcOrd="0" destOrd="1" presId="urn:microsoft.com/office/officeart/2005/8/layout/hProcess9"/>
+    <dgm:cxn modelId="{473F1D17-F827-4796-925C-E14CCBB35FFC}" srcId="{7BAE7899-E3C2-4B98-B54B-7CF98FABE6C9}" destId="{3D2CA84F-7F83-488E-9CE9-2466A7E58E8C}" srcOrd="2" destOrd="0" parTransId="{3C3B9F91-AF82-4FDC-A060-EB2DDB1CD268}" sibTransId="{1588283E-DB7A-402F-9F19-32C128DE5E57}"/>
+    <dgm:cxn modelId="{02C707EA-0438-B646-A0A5-80B002599522}" type="presOf" srcId="{06ABEAEB-0AB1-4B03-9DB2-1747D846F76E}" destId="{8B253DC2-B939-4DFC-A16E-B01B88769EE1}" srcOrd="0" destOrd="0" presId="urn:microsoft.com/office/officeart/2005/8/layout/hProcess9"/>
     <dgm:cxn modelId="{4FABC529-A5C2-4BD8-95E9-D873CF0D16C1}" srcId="{06ABEAEB-0AB1-4B03-9DB2-1747D846F76E}" destId="{7F458D31-EC2B-4CAB-B19E-F7C40C9ABA16}" srcOrd="3" destOrd="0" parTransId="{ECE3180D-2FC0-4CFB-AE90-A09F89AFE409}" sibTransId="{3C2C19E8-FA57-41DC-A53F-5A326E3903BC}"/>
-    <dgm:cxn modelId="{A14DA948-470B-4588-9F6D-DB656D7BF267}" type="presOf" srcId="{7F458D31-EC2B-4CAB-B19E-F7C40C9ABA16}" destId="{8B253DC2-B939-4DFC-A16E-B01B88769EE1}" srcOrd="0" destOrd="4" presId="urn:microsoft.com/office/officeart/2005/8/layout/hProcess9"/>
+    <dgm:cxn modelId="{04F02849-7425-4E1F-898E-FA7DF4ED9666}" srcId="{95A2F766-9D02-45F9-8F0E-E4477259B64E}" destId="{7BAE7899-E3C2-4B98-B54B-7CF98FABE6C9}" srcOrd="0" destOrd="0" parTransId="{6A4813D0-9A5E-4C8A-8814-6B3627CFB165}" sibTransId="{F555F416-CF8C-46B6-A6CB-31C043865330}"/>
+    <dgm:cxn modelId="{962049B7-5730-4DFB-9E37-E0FAFE2094E5}" srcId="{95A2F766-9D02-45F9-8F0E-E4477259B64E}" destId="{BF062759-82A3-4EE6-8B7D-352DA80FED78}" srcOrd="1" destOrd="0" parTransId="{967E591C-3001-4FDF-9A4F-79B1C87ECC17}" sibTransId="{EC6FF272-E018-4238-963A-5A4C7C8C5210}"/>
     <dgm:cxn modelId="{1D35C6CD-0B03-4A37-A4FF-23571B440958}" srcId="{BF062759-82A3-4EE6-8B7D-352DA80FED78}" destId="{BBB5467D-2CE7-4259-9D21-F873ADD52653}" srcOrd="2" destOrd="0" parTransId="{55B3F986-24D3-4C04-AED5-8CE564E37CB2}" sibTransId="{FFD4E923-5A3F-4E67-9CC4-5FBD035A3DE4}"/>
+    <dgm:cxn modelId="{56837E31-0868-CD4B-A396-274E402FEB16}" type="presOf" srcId="{74FB470A-E441-467D-956F-2FC796E4BDC8}" destId="{8B253DC2-B939-4DFC-A16E-B01B88769EE1}" srcOrd="0" destOrd="3" presId="urn:microsoft.com/office/officeart/2005/8/layout/hProcess9"/>
+    <dgm:cxn modelId="{EEBD650F-A538-45EE-8FE9-74AAACFC99F0}" srcId="{06ABEAEB-0AB1-4B03-9DB2-1747D846F76E}" destId="{74FB470A-E441-467D-956F-2FC796E4BDC8}" srcOrd="2" destOrd="0" parTransId="{0355E365-3799-4385-B097-C5DA766BFC7C}" sibTransId="{333944FA-4967-42F0-AD64-79DB6EA3E66F}"/>
+    <dgm:cxn modelId="{DE8DD188-0417-6E44-8E8C-DBDB37F39AD8}" type="presOf" srcId="{9D1C7FDD-1C7E-4F92-A303-4A4F612A191B}" destId="{C5C479F1-027C-425C-A0B3-5734FC2D9DF4}" srcOrd="0" destOrd="1" presId="urn:microsoft.com/office/officeart/2005/8/layout/hProcess9"/>
+    <dgm:cxn modelId="{597B6F7A-1AB8-7A40-A88C-F20BDA8446CA}" type="presOf" srcId="{3D2CA84F-7F83-488E-9CE9-2466A7E58E8C}" destId="{C5C479F1-027C-425C-A0B3-5734FC2D9DF4}" srcOrd="0" destOrd="3" presId="urn:microsoft.com/office/officeart/2005/8/layout/hProcess9"/>
+    <dgm:cxn modelId="{87F7E4DC-98AD-6D45-8DC2-9E5EBA5E6FE9}" type="presOf" srcId="{BBB5467D-2CE7-4259-9D21-F873ADD52653}" destId="{D0577E72-B23A-4C93-BA9C-507338C3954E}" srcOrd="0" destOrd="3" presId="urn:microsoft.com/office/officeart/2005/8/layout/hProcess9"/>
+    <dgm:cxn modelId="{0F63B6E7-FE4E-41E7-AF6A-DC5BF6790EF8}" srcId="{06ABEAEB-0AB1-4B03-9DB2-1747D846F76E}" destId="{ED8C6F13-9AE5-48F3-9E7D-DFFA59D5DA38}" srcOrd="0" destOrd="0" parTransId="{BD649F77-EC7D-4E4C-8F6D-DE5197B642CF}" sibTransId="{F7DE48FB-30BE-402B-82EB-2615866D79FA}"/>
+    <dgm:cxn modelId="{E57F0E8E-1CFB-DA46-A5E1-F79A985B615C}" type="presOf" srcId="{58D83055-D030-43E5-9416-99E2EA94DAE9}" destId="{D0577E72-B23A-4C93-BA9C-507338C3954E}" srcOrd="0" destOrd="1" presId="urn:microsoft.com/office/officeart/2005/8/layout/hProcess9"/>
+    <dgm:cxn modelId="{D69EB580-A972-3B4B-BDE6-50BA59DB20A6}" type="presOf" srcId="{19780FB9-F640-477D-8EBB-AA1833FE98F4}" destId="{F8F803D2-F894-4A68-9008-99F98DB3F7B5}" srcOrd="0" destOrd="2" presId="urn:microsoft.com/office/officeart/2005/8/layout/hProcess9"/>
+    <dgm:cxn modelId="{AFB530E7-5158-4BA8-B5DF-34C4C16E46CD}" srcId="{BF062759-82A3-4EE6-8B7D-352DA80FED78}" destId="{7FD1CCA4-8CE5-4749-8436-3CCFF026D0FE}" srcOrd="3" destOrd="0" parTransId="{1FC35F6A-EFFD-4618-9009-EE6A969E3FC8}" sibTransId="{A0DA64D4-0E0B-4529-B1CC-FFC823A11E9C}"/>
     <dgm:cxn modelId="{15A76101-54F1-4204-B220-F7E0A51EBDDF}" srcId="{ABE8702E-C85F-4DF3-BEE1-89127B3D166E}" destId="{54E4D10D-9956-43BF-A898-E51BAEB96E54}" srcOrd="0" destOrd="0" parTransId="{B450279D-6E08-4D91-94E8-ADB70DE61604}" sibTransId="{05DDF8D0-F5A0-41BD-B88A-6AF088F6FE35}"/>
-    <dgm:cxn modelId="{6D99993A-24D2-458D-91D5-B7195A70EF89}" type="presOf" srcId="{9D1C7FDD-1C7E-4F92-A303-4A4F612A191B}" destId="{C5C479F1-027C-425C-A0B3-5734FC2D9DF4}" srcOrd="0" destOrd="1" presId="urn:microsoft.com/office/officeart/2005/8/layout/hProcess9"/>
-    <dgm:cxn modelId="{73511456-28E5-4762-A237-47E9DD6C6F7C}" type="presOf" srcId="{D7B1ABCD-8C30-499D-8D95-BEA6D47792FA}" destId="{D0577E72-B23A-4C93-BA9C-507338C3954E}" srcOrd="0" destOrd="2" presId="urn:microsoft.com/office/officeart/2005/8/layout/hProcess9"/>
-    <dgm:cxn modelId="{1B2A08F8-E572-4166-B4F3-CEE0BF8806A6}" type="presOf" srcId="{BF062759-82A3-4EE6-8B7D-352DA80FED78}" destId="{D0577E72-B23A-4C93-BA9C-507338C3954E}" srcOrd="0" destOrd="0" presId="urn:microsoft.com/office/officeart/2005/8/layout/hProcess9"/>
-    <dgm:cxn modelId="{013C7462-040E-4351-81D8-FF23A1748A7A}" type="presOf" srcId="{95A2F766-9D02-45F9-8F0E-E4477259B64E}" destId="{00FBBFAD-D4C0-4377-829A-C2558C4FF800}" srcOrd="0" destOrd="0" presId="urn:microsoft.com/office/officeart/2005/8/layout/hProcess9"/>
-    <dgm:cxn modelId="{1F8793BB-8880-44CB-A250-9EA51B71A4B1}" type="presOf" srcId="{06ABEAEB-0AB1-4B03-9DB2-1747D846F76E}" destId="{8B253DC2-B939-4DFC-A16E-B01B88769EE1}" srcOrd="0" destOrd="0" presId="urn:microsoft.com/office/officeart/2005/8/layout/hProcess9"/>
-    <dgm:cxn modelId="{0F63B6E7-FE4E-41E7-AF6A-DC5BF6790EF8}" srcId="{06ABEAEB-0AB1-4B03-9DB2-1747D846F76E}" destId="{ED8C6F13-9AE5-48F3-9E7D-DFFA59D5DA38}" srcOrd="0" destOrd="0" parTransId="{BD649F77-EC7D-4E4C-8F6D-DE5197B642CF}" sibTransId="{F7DE48FB-30BE-402B-82EB-2615866D79FA}"/>
-    <dgm:cxn modelId="{034EC525-01E1-4F89-B208-BDC8C64ACCC7}" type="presOf" srcId="{58D83055-D030-43E5-9416-99E2EA94DAE9}" destId="{D0577E72-B23A-4C93-BA9C-507338C3954E}" srcOrd="0" destOrd="1" presId="urn:microsoft.com/office/officeart/2005/8/layout/hProcess9"/>
-    <dgm:cxn modelId="{04F02849-7425-4E1F-898E-FA7DF4ED9666}" srcId="{95A2F766-9D02-45F9-8F0E-E4477259B64E}" destId="{7BAE7899-E3C2-4B98-B54B-7CF98FABE6C9}" srcOrd="0" destOrd="0" parTransId="{6A4813D0-9A5E-4C8A-8814-6B3627CFB165}" sibTransId="{F555F416-CF8C-46B6-A6CB-31C043865330}"/>
-    <dgm:cxn modelId="{4B256FB0-F8A6-4FC7-9768-1B5644FB9597}" srcId="{95A2F766-9D02-45F9-8F0E-E4477259B64E}" destId="{06ABEAEB-0AB1-4B03-9DB2-1747D846F76E}" srcOrd="2" destOrd="0" parTransId="{39D41540-6B5A-4F2C-B728-B10955AEA6F0}" sibTransId="{31BEE491-4EB9-4240-BAFF-E839945F6CC2}"/>
-    <dgm:cxn modelId="{AFB530E7-5158-4BA8-B5DF-34C4C16E46CD}" srcId="{BF062759-82A3-4EE6-8B7D-352DA80FED78}" destId="{7FD1CCA4-8CE5-4749-8436-3CCFF026D0FE}" srcOrd="3" destOrd="0" parTransId="{1FC35F6A-EFFD-4618-9009-EE6A969E3FC8}" sibTransId="{A0DA64D4-0E0B-4529-B1CC-FFC823A11E9C}"/>
-    <dgm:cxn modelId="{027D02BA-9091-4B6D-B9BE-6EF8DCCA08C5}" type="presOf" srcId="{ABE8702E-C85F-4DF3-BEE1-89127B3D166E}" destId="{F8F803D2-F894-4A68-9008-99F98DB3F7B5}" srcOrd="0" destOrd="0" presId="urn:microsoft.com/office/officeart/2005/8/layout/hProcess9"/>
-    <dgm:cxn modelId="{D27F36B8-11FC-45C4-8CC4-8ED6E0785E3A}" type="presOf" srcId="{36030709-E562-4714-B0C0-DCA3882F4A95}" destId="{F8F803D2-F894-4A68-9008-99F98DB3F7B5}" srcOrd="0" destOrd="3" presId="urn:microsoft.com/office/officeart/2005/8/layout/hProcess9"/>
-    <dgm:cxn modelId="{CC9777D6-C85C-41F7-8D82-329607A8C491}" type="presOf" srcId="{4AC61540-7617-4732-ADAC-918FB94D7DDC}" destId="{C5C479F1-027C-425C-A0B3-5734FC2D9DF4}" srcOrd="0" destOrd="2" presId="urn:microsoft.com/office/officeart/2005/8/layout/hProcess9"/>
-    <dgm:cxn modelId="{F0BD69C2-9231-4D6F-8114-C8DA2E529A54}" srcId="{ABE8702E-C85F-4DF3-BEE1-89127B3D166E}" destId="{36030709-E562-4714-B0C0-DCA3882F4A95}" srcOrd="2" destOrd="0" parTransId="{B98F7A53-9514-4901-81B1-230DE5562BA5}" sibTransId="{3D39F57E-541B-4389-BC0C-C2BA0CCED165}"/>
-    <dgm:cxn modelId="{0E8AE683-6858-4ECC-8F94-9CB028DF1605}" srcId="{7BAE7899-E3C2-4B98-B54B-7CF98FABE6C9}" destId="{9D1C7FDD-1C7E-4F92-A303-4A4F612A191B}" srcOrd="0" destOrd="0" parTransId="{CE3951D3-C82F-4197-BB44-E4023C884400}" sibTransId="{78BC0FB8-1233-449C-947F-C73B9E9738DF}"/>
-    <dgm:cxn modelId="{040B02EA-E474-4CAF-AD6B-79C4C83470BA}" srcId="{BF062759-82A3-4EE6-8B7D-352DA80FED78}" destId="{D7B1ABCD-8C30-499D-8D95-BEA6D47792FA}" srcOrd="1" destOrd="0" parTransId="{45C13BCD-3CFC-4E2D-A9CF-258903BEB1AD}" sibTransId="{A68727A1-8171-454F-96B9-D72E9ADD0696}"/>
-    <dgm:cxn modelId="{7DB6483A-B80D-42D2-BF45-8FC42D52B7C2}" srcId="{06ABEAEB-0AB1-4B03-9DB2-1747D846F76E}" destId="{FE3B62F3-16B2-4505-A781-2C5EA89C0A75}" srcOrd="1" destOrd="0" parTransId="{FCE8BF76-8459-44A6-AF47-516739743B79}" sibTransId="{BBFF9749-C9E0-4A6F-93AB-6AB20DBCFFA6}"/>
-    <dgm:cxn modelId="{19922D7B-B1AD-4DE5-BEB1-700D46ACC036}" type="presOf" srcId="{54E4D10D-9956-43BF-A898-E51BAEB96E54}" destId="{F8F803D2-F894-4A68-9008-99F98DB3F7B5}" srcOrd="0" destOrd="1" presId="urn:microsoft.com/office/officeart/2005/8/layout/hProcess9"/>
-    <dgm:cxn modelId="{3F8C2EF0-7EEC-4535-8BDD-B9F85B2EB2EB}" type="presOf" srcId="{3D2CA84F-7F83-488E-9CE9-2466A7E58E8C}" destId="{C5C479F1-027C-425C-A0B3-5734FC2D9DF4}" srcOrd="0" destOrd="3" presId="urn:microsoft.com/office/officeart/2005/8/layout/hProcess9"/>
-    <dgm:cxn modelId="{C9FA1EB8-5B24-40AF-8C62-2AE1AFD2A8CC}" srcId="{95A2F766-9D02-45F9-8F0E-E4477259B64E}" destId="{ABE8702E-C85F-4DF3-BEE1-89127B3D166E}" srcOrd="3" destOrd="0" parTransId="{1A83ADD3-FE8B-4D5B-B98E-CDB103B5D1B8}" sibTransId="{8F224685-50DB-4839-85D6-BA3606041EBF}"/>
-    <dgm:cxn modelId="{72AD5F0C-B437-4BFC-9665-757831C46FEF}" type="presOf" srcId="{7BAE7899-E3C2-4B98-B54B-7CF98FABE6C9}" destId="{C5C479F1-027C-425C-A0B3-5734FC2D9DF4}" srcOrd="0" destOrd="0" presId="urn:microsoft.com/office/officeart/2005/8/layout/hProcess9"/>
-    <dgm:cxn modelId="{2450A74E-017D-4228-843D-4B58F429494F}" srcId="{BF062759-82A3-4EE6-8B7D-352DA80FED78}" destId="{58D83055-D030-43E5-9416-99E2EA94DAE9}" srcOrd="0" destOrd="0" parTransId="{C830BC5C-B99A-4851-9221-DB92EC30C18C}" sibTransId="{78F890E6-46BC-4337-8533-14B6EEC84A4C}"/>
-    <dgm:cxn modelId="{C51F55C3-2602-4C73-8F58-7E89904527D6}" type="presOf" srcId="{ED8C6F13-9AE5-48F3-9E7D-DFFA59D5DA38}" destId="{8B253DC2-B939-4DFC-A16E-B01B88769EE1}" srcOrd="0" destOrd="1" presId="urn:microsoft.com/office/officeart/2005/8/layout/hProcess9"/>
-    <dgm:cxn modelId="{1D18664A-1349-4004-8982-DF8E93BE35A8}" srcId="{ABE8702E-C85F-4DF3-BEE1-89127B3D166E}" destId="{19780FB9-F640-477D-8EBB-AA1833FE98F4}" srcOrd="1" destOrd="0" parTransId="{696747B4-73AC-4923-B2AF-0B24180240F3}" sibTransId="{CDF2244A-28E3-49D3-8CA1-1FB79F42DB1F}"/>
-    <dgm:cxn modelId="{473F1D17-F827-4796-925C-E14CCBB35FFC}" srcId="{7BAE7899-E3C2-4B98-B54B-7CF98FABE6C9}" destId="{3D2CA84F-7F83-488E-9CE9-2466A7E58E8C}" srcOrd="2" destOrd="0" parTransId="{3C3B9F91-AF82-4FDC-A060-EB2DDB1CD268}" sibTransId="{1588283E-DB7A-402F-9F19-32C128DE5E57}"/>
-    <dgm:cxn modelId="{3EC882FA-6183-448F-BC80-19515F55D921}" srcId="{7BAE7899-E3C2-4B98-B54B-7CF98FABE6C9}" destId="{4AC61540-7617-4732-ADAC-918FB94D7DDC}" srcOrd="1" destOrd="0" parTransId="{1E487906-A4AF-47F5-812F-9A3398C165E2}" sibTransId="{8E22819A-3FF2-405D-B575-CA25288F4BD6}"/>
-    <dgm:cxn modelId="{BCAF46CF-23EE-4FDB-8B34-4CA04A50E4B0}" type="presOf" srcId="{7FD1CCA4-8CE5-4749-8436-3CCFF026D0FE}" destId="{D0577E72-B23A-4C93-BA9C-507338C3954E}" srcOrd="0" destOrd="4" presId="urn:microsoft.com/office/officeart/2005/8/layout/hProcess9"/>
-    <dgm:cxn modelId="{48E7E161-F4B4-4307-89BC-C6D8469937D8}" type="presOf" srcId="{19780FB9-F640-477D-8EBB-AA1833FE98F4}" destId="{F8F803D2-F894-4A68-9008-99F98DB3F7B5}" srcOrd="0" destOrd="2" presId="urn:microsoft.com/office/officeart/2005/8/layout/hProcess9"/>
-    <dgm:cxn modelId="{962049B7-5730-4DFB-9E37-E0FAFE2094E5}" srcId="{95A2F766-9D02-45F9-8F0E-E4477259B64E}" destId="{BF062759-82A3-4EE6-8B7D-352DA80FED78}" srcOrd="1" destOrd="0" parTransId="{967E591C-3001-4FDF-9A4F-79B1C87ECC17}" sibTransId="{EC6FF272-E018-4238-963A-5A4C7C8C5210}"/>
-    <dgm:cxn modelId="{EEBD650F-A538-45EE-8FE9-74AAACFC99F0}" srcId="{06ABEAEB-0AB1-4B03-9DB2-1747D846F76E}" destId="{74FB470A-E441-467D-956F-2FC796E4BDC8}" srcOrd="2" destOrd="0" parTransId="{0355E365-3799-4385-B097-C5DA766BFC7C}" sibTransId="{333944FA-4967-42F0-AD64-79DB6EA3E66F}"/>
-    <dgm:cxn modelId="{BD14E905-ED44-4C53-83CB-22F53D93A6D8}" type="presOf" srcId="{74FB470A-E441-467D-956F-2FC796E4BDC8}" destId="{8B253DC2-B939-4DFC-A16E-B01B88769EE1}" srcOrd="0" destOrd="3" presId="urn:microsoft.com/office/officeart/2005/8/layout/hProcess9"/>
-    <dgm:cxn modelId="{B3133395-AEE2-42C2-ADE8-E62DEDA0EC87}" type="presParOf" srcId="{00FBBFAD-D4C0-4377-829A-C2558C4FF800}" destId="{E35DFE24-70FD-43AD-A695-3D2B18C1E436}" srcOrd="0" destOrd="0" presId="urn:microsoft.com/office/officeart/2005/8/layout/hProcess9"/>
-    <dgm:cxn modelId="{A046E173-5638-496B-990F-84BC1EC9BB11}" type="presParOf" srcId="{00FBBFAD-D4C0-4377-829A-C2558C4FF800}" destId="{C247645C-4C2A-4EE1-9C60-AE50FD08E8F3}" srcOrd="1" destOrd="0" presId="urn:microsoft.com/office/officeart/2005/8/layout/hProcess9"/>
-    <dgm:cxn modelId="{5E056B32-E426-430F-B7FA-F37C3FB76099}" type="presParOf" srcId="{C247645C-4C2A-4EE1-9C60-AE50FD08E8F3}" destId="{C5C479F1-027C-425C-A0B3-5734FC2D9DF4}" srcOrd="0" destOrd="0" presId="urn:microsoft.com/office/officeart/2005/8/layout/hProcess9"/>
-    <dgm:cxn modelId="{842A83D6-0023-4E8D-9525-A4BD7FDE2B01}" type="presParOf" srcId="{C247645C-4C2A-4EE1-9C60-AE50FD08E8F3}" destId="{006EE0D8-F5B3-4585-8648-4921FF54835D}" srcOrd="1" destOrd="0" presId="urn:microsoft.com/office/officeart/2005/8/layout/hProcess9"/>
-    <dgm:cxn modelId="{067A54BB-BE30-4D6C-BE1C-1F3C8D740131}" type="presParOf" srcId="{C247645C-4C2A-4EE1-9C60-AE50FD08E8F3}" destId="{D0577E72-B23A-4C93-BA9C-507338C3954E}" srcOrd="2" destOrd="0" presId="urn:microsoft.com/office/officeart/2005/8/layout/hProcess9"/>
-    <dgm:cxn modelId="{B0A03630-A18B-4BCF-B8AC-D15F195BCF28}" type="presParOf" srcId="{C247645C-4C2A-4EE1-9C60-AE50FD08E8F3}" destId="{B8558C8D-23BE-42F8-A56F-3E21A9482389}" srcOrd="3" destOrd="0" presId="urn:microsoft.com/office/officeart/2005/8/layout/hProcess9"/>
-    <dgm:cxn modelId="{971F1316-37B1-4A81-892F-F000D7E0A39D}" type="presParOf" srcId="{C247645C-4C2A-4EE1-9C60-AE50FD08E8F3}" destId="{8B253DC2-B939-4DFC-A16E-B01B88769EE1}" srcOrd="4" destOrd="0" presId="urn:microsoft.com/office/officeart/2005/8/layout/hProcess9"/>
-    <dgm:cxn modelId="{3FBB450E-C5C7-4F61-BF6F-544617100DC4}" type="presParOf" srcId="{C247645C-4C2A-4EE1-9C60-AE50FD08E8F3}" destId="{FAEBD167-A555-48F7-96E4-AA86E57E59A5}" srcOrd="5" destOrd="0" presId="urn:microsoft.com/office/officeart/2005/8/layout/hProcess9"/>
-    <dgm:cxn modelId="{9F95420B-8B34-457D-9158-6F8DD5F55FD8}" type="presParOf" srcId="{C247645C-4C2A-4EE1-9C60-AE50FD08E8F3}" destId="{F8F803D2-F894-4A68-9008-99F98DB3F7B5}" srcOrd="6" destOrd="0" presId="urn:microsoft.com/office/officeart/2005/8/layout/hProcess9"/>
+    <dgm:cxn modelId="{EACCE5C3-631A-A147-A419-8D33E27A026C}" type="presParOf" srcId="{00FBBFAD-D4C0-4377-829A-C2558C4FF800}" destId="{E35DFE24-70FD-43AD-A695-3D2B18C1E436}" srcOrd="0" destOrd="0" presId="urn:microsoft.com/office/officeart/2005/8/layout/hProcess9"/>
+    <dgm:cxn modelId="{6FBC1EB4-EF76-4A4E-AE70-F4A45A6F031E}" type="presParOf" srcId="{00FBBFAD-D4C0-4377-829A-C2558C4FF800}" destId="{C247645C-4C2A-4EE1-9C60-AE50FD08E8F3}" srcOrd="1" destOrd="0" presId="urn:microsoft.com/office/officeart/2005/8/layout/hProcess9"/>
+    <dgm:cxn modelId="{6BB31340-28F5-B444-AAA8-46BAD79C4F0A}" type="presParOf" srcId="{C247645C-4C2A-4EE1-9C60-AE50FD08E8F3}" destId="{C5C479F1-027C-425C-A0B3-5734FC2D9DF4}" srcOrd="0" destOrd="0" presId="urn:microsoft.com/office/officeart/2005/8/layout/hProcess9"/>
+    <dgm:cxn modelId="{F6BB738A-3E48-2F41-A231-3F3C067DD444}" type="presParOf" srcId="{C247645C-4C2A-4EE1-9C60-AE50FD08E8F3}" destId="{006EE0D8-F5B3-4585-8648-4921FF54835D}" srcOrd="1" destOrd="0" presId="urn:microsoft.com/office/officeart/2005/8/layout/hProcess9"/>
+    <dgm:cxn modelId="{57B221A5-5C91-CE49-83EA-6145EECC2563}" type="presParOf" srcId="{C247645C-4C2A-4EE1-9C60-AE50FD08E8F3}" destId="{D0577E72-B23A-4C93-BA9C-507338C3954E}" srcOrd="2" destOrd="0" presId="urn:microsoft.com/office/officeart/2005/8/layout/hProcess9"/>
+    <dgm:cxn modelId="{7870A89E-03A6-C549-B5BC-2917110D8AB5}" type="presParOf" srcId="{C247645C-4C2A-4EE1-9C60-AE50FD08E8F3}" destId="{B8558C8D-23BE-42F8-A56F-3E21A9482389}" srcOrd="3" destOrd="0" presId="urn:microsoft.com/office/officeart/2005/8/layout/hProcess9"/>
+    <dgm:cxn modelId="{2FC6D53B-4104-144D-9C41-C5B755567E60}" type="presParOf" srcId="{C247645C-4C2A-4EE1-9C60-AE50FD08E8F3}" destId="{8B253DC2-B939-4DFC-A16E-B01B88769EE1}" srcOrd="4" destOrd="0" presId="urn:microsoft.com/office/officeart/2005/8/layout/hProcess9"/>
+    <dgm:cxn modelId="{E3F7B294-B4F9-2E48-A9A6-2F3897EFFF96}" type="presParOf" srcId="{C247645C-4C2A-4EE1-9C60-AE50FD08E8F3}" destId="{FAEBD167-A555-48F7-96E4-AA86E57E59A5}" srcOrd="5" destOrd="0" presId="urn:microsoft.com/office/officeart/2005/8/layout/hProcess9"/>
+    <dgm:cxn modelId="{E4334671-16EE-9049-AEA5-3BF037167B23}" type="presParOf" srcId="{C247645C-4C2A-4EE1-9C60-AE50FD08E8F3}" destId="{F8F803D2-F894-4A68-9008-99F98DB3F7B5}" srcOrd="6" destOrd="0" presId="urn:microsoft.com/office/officeart/2005/8/layout/hProcess9"/>
   </dgm:cxnLst>
   <dgm:bg/>
   <dgm:whole/>
@@ -8535,1168 +8535,6 @@
       <dsp:cNvGrpSpPr/>
     </dsp:nvGrpSpPr>
     <dsp:grpSpPr/>
-    <dsp:sp modelId="{CFDA206A-66D4-4CB9-AD9B-54A2785435CF}">
-      <dsp:nvSpPr>
-        <dsp:cNvPr id="0" name=""/>
-        <dsp:cNvSpPr/>
-      </dsp:nvSpPr>
-      <dsp:spPr>
-        <a:xfrm>
-          <a:off x="3568" y="392199"/>
-          <a:ext cx="1931900" cy="1159140"/>
-        </a:xfrm>
-        <a:prstGeom prst="rect">
-          <a:avLst/>
-        </a:prstGeom>
-        <a:solidFill>
-          <a:schemeClr val="dk2">
-            <a:hueOff val="0"/>
-            <a:satOff val="0"/>
-            <a:lumOff val="0"/>
-            <a:alphaOff val="0"/>
-          </a:schemeClr>
-        </a:solidFill>
-        <a:ln w="12700" cap="flat" cmpd="sng" algn="ctr">
-          <a:solidFill>
-            <a:schemeClr val="lt2">
-              <a:hueOff val="0"/>
-              <a:satOff val="0"/>
-              <a:lumOff val="0"/>
-              <a:alphaOff val="0"/>
-            </a:schemeClr>
-          </a:solidFill>
-          <a:prstDash val="solid"/>
-          <a:miter lim="800000"/>
-        </a:ln>
-        <a:effectLst/>
-      </dsp:spPr>
-      <dsp:style>
-        <a:lnRef idx="2">
-          <a:scrgbClr r="0" g="0" b="0"/>
-        </a:lnRef>
-        <a:fillRef idx="1">
-          <a:scrgbClr r="0" g="0" b="0"/>
-        </a:fillRef>
-        <a:effectRef idx="0">
-          <a:scrgbClr r="0" g="0" b="0"/>
-        </a:effectRef>
-        <a:fontRef idx="minor">
-          <a:schemeClr val="lt1"/>
-        </a:fontRef>
-      </dsp:style>
-      <dsp:txBody>
-        <a:bodyPr spcFirstLastPara="0" vert="horz" wrap="square" lIns="87630" tIns="87630" rIns="87630" bIns="87630" numCol="1" spcCol="1270" anchor="ctr" anchorCtr="0">
-          <a:noAutofit/>
-        </a:bodyPr>
-        <a:lstStyle/>
-        <a:p>
-          <a:pPr lvl="0" algn="ctr" defTabSz="1022350">
-            <a:lnSpc>
-              <a:spcPct val="90000"/>
-            </a:lnSpc>
-            <a:spcBef>
-              <a:spcPct val="0"/>
-            </a:spcBef>
-            <a:spcAft>
-              <a:spcPct val="35000"/>
-            </a:spcAft>
-          </a:pPr>
-          <a:r>
-            <a:rPr lang="en-US" sz="2300" kern="1200" dirty="0" smtClean="0"/>
-            <a:t>Backed by Google &amp; Community</a:t>
-          </a:r>
-          <a:endParaRPr lang="en-US" sz="2300" kern="1200" dirty="0"/>
-        </a:p>
-      </dsp:txBody>
-      <dsp:txXfrm>
-        <a:off x="3568" y="392199"/>
-        <a:ext cx="1931900" cy="1159140"/>
-      </dsp:txXfrm>
-    </dsp:sp>
-    <dsp:sp modelId="{79C4F599-DAA5-4B64-B839-E136F05674D1}">
-      <dsp:nvSpPr>
-        <dsp:cNvPr id="0" name=""/>
-        <dsp:cNvSpPr/>
-      </dsp:nvSpPr>
-      <dsp:spPr>
-        <a:xfrm>
-          <a:off x="2128658" y="392199"/>
-          <a:ext cx="1931900" cy="1159140"/>
-        </a:xfrm>
-        <a:prstGeom prst="rect">
-          <a:avLst/>
-        </a:prstGeom>
-        <a:solidFill>
-          <a:schemeClr val="dk2">
-            <a:hueOff val="0"/>
-            <a:satOff val="0"/>
-            <a:lumOff val="0"/>
-            <a:alphaOff val="0"/>
-          </a:schemeClr>
-        </a:solidFill>
-        <a:ln w="12700" cap="flat" cmpd="sng" algn="ctr">
-          <a:solidFill>
-            <a:schemeClr val="lt2">
-              <a:hueOff val="0"/>
-              <a:satOff val="0"/>
-              <a:lumOff val="0"/>
-              <a:alphaOff val="0"/>
-            </a:schemeClr>
-          </a:solidFill>
-          <a:prstDash val="solid"/>
-          <a:miter lim="800000"/>
-        </a:ln>
-        <a:effectLst/>
-      </dsp:spPr>
-      <dsp:style>
-        <a:lnRef idx="2">
-          <a:scrgbClr r="0" g="0" b="0"/>
-        </a:lnRef>
-        <a:fillRef idx="1">
-          <a:scrgbClr r="0" g="0" b="0"/>
-        </a:fillRef>
-        <a:effectRef idx="0">
-          <a:scrgbClr r="0" g="0" b="0"/>
-        </a:effectRef>
-        <a:fontRef idx="minor">
-          <a:schemeClr val="lt1"/>
-        </a:fontRef>
-      </dsp:style>
-      <dsp:txBody>
-        <a:bodyPr spcFirstLastPara="0" vert="horz" wrap="square" lIns="87630" tIns="87630" rIns="87630" bIns="87630" numCol="1" spcCol="1270" anchor="ctr" anchorCtr="0">
-          <a:noAutofit/>
-        </a:bodyPr>
-        <a:lstStyle/>
-        <a:p>
-          <a:pPr lvl="0" algn="ctr" defTabSz="1022350">
-            <a:lnSpc>
-              <a:spcPct val="90000"/>
-            </a:lnSpc>
-            <a:spcBef>
-              <a:spcPct val="0"/>
-            </a:spcBef>
-            <a:spcAft>
-              <a:spcPct val="35000"/>
-            </a:spcAft>
-          </a:pPr>
-          <a:r>
-            <a:rPr lang="en-US" sz="2300" kern="1200" dirty="0" smtClean="0"/>
-            <a:t>Great for SPA’s</a:t>
-          </a:r>
-          <a:endParaRPr lang="en-US" sz="2300" kern="1200" dirty="0"/>
-        </a:p>
-      </dsp:txBody>
-      <dsp:txXfrm>
-        <a:off x="2128658" y="392199"/>
-        <a:ext cx="1931900" cy="1159140"/>
-      </dsp:txXfrm>
-    </dsp:sp>
-    <dsp:sp modelId="{323D8D7F-73C3-4AE0-ADFF-DEA47ACAEAEC}">
-      <dsp:nvSpPr>
-        <dsp:cNvPr id="0" name=""/>
-        <dsp:cNvSpPr/>
-      </dsp:nvSpPr>
-      <dsp:spPr>
-        <a:xfrm>
-          <a:off x="4253749" y="392199"/>
-          <a:ext cx="1931900" cy="1159140"/>
-        </a:xfrm>
-        <a:prstGeom prst="rect">
-          <a:avLst/>
-        </a:prstGeom>
-        <a:solidFill>
-          <a:schemeClr val="dk2">
-            <a:hueOff val="0"/>
-            <a:satOff val="0"/>
-            <a:lumOff val="0"/>
-            <a:alphaOff val="0"/>
-          </a:schemeClr>
-        </a:solidFill>
-        <a:ln w="12700" cap="flat" cmpd="sng" algn="ctr">
-          <a:solidFill>
-            <a:schemeClr val="lt2">
-              <a:hueOff val="0"/>
-              <a:satOff val="0"/>
-              <a:lumOff val="0"/>
-              <a:alphaOff val="0"/>
-            </a:schemeClr>
-          </a:solidFill>
-          <a:prstDash val="solid"/>
-          <a:miter lim="800000"/>
-        </a:ln>
-        <a:effectLst/>
-      </dsp:spPr>
-      <dsp:style>
-        <a:lnRef idx="2">
-          <a:scrgbClr r="0" g="0" b="0"/>
-        </a:lnRef>
-        <a:fillRef idx="1">
-          <a:scrgbClr r="0" g="0" b="0"/>
-        </a:fillRef>
-        <a:effectRef idx="0">
-          <a:scrgbClr r="0" g="0" b="0"/>
-        </a:effectRef>
-        <a:fontRef idx="minor">
-          <a:schemeClr val="lt1"/>
-        </a:fontRef>
-      </dsp:style>
-      <dsp:txBody>
-        <a:bodyPr spcFirstLastPara="0" vert="horz" wrap="square" lIns="87630" tIns="87630" rIns="87630" bIns="87630" numCol="1" spcCol="1270" anchor="ctr" anchorCtr="0">
-          <a:noAutofit/>
-        </a:bodyPr>
-        <a:lstStyle/>
-        <a:p>
-          <a:pPr lvl="0" algn="ctr" defTabSz="1022350">
-            <a:lnSpc>
-              <a:spcPct val="90000"/>
-            </a:lnSpc>
-            <a:spcBef>
-              <a:spcPct val="0"/>
-            </a:spcBef>
-            <a:spcAft>
-              <a:spcPct val="35000"/>
-            </a:spcAft>
-          </a:pPr>
-          <a:r>
-            <a:rPr lang="en-US" sz="2300" kern="1200" dirty="0" smtClean="0"/>
-            <a:t>Two-way Data Binding</a:t>
-          </a:r>
-          <a:endParaRPr lang="en-US" sz="2300" kern="1200" dirty="0"/>
-        </a:p>
-      </dsp:txBody>
-      <dsp:txXfrm>
-        <a:off x="4253749" y="392199"/>
-        <a:ext cx="1931900" cy="1159140"/>
-      </dsp:txXfrm>
-    </dsp:sp>
-    <dsp:sp modelId="{F42622AE-00E9-46E6-B25C-7610AB5BE17A}">
-      <dsp:nvSpPr>
-        <dsp:cNvPr id="0" name=""/>
-        <dsp:cNvSpPr/>
-      </dsp:nvSpPr>
-      <dsp:spPr>
-        <a:xfrm>
-          <a:off x="6378840" y="392199"/>
-          <a:ext cx="1931900" cy="1159140"/>
-        </a:xfrm>
-        <a:prstGeom prst="rect">
-          <a:avLst/>
-        </a:prstGeom>
-        <a:solidFill>
-          <a:schemeClr val="dk2">
-            <a:hueOff val="0"/>
-            <a:satOff val="0"/>
-            <a:lumOff val="0"/>
-            <a:alphaOff val="0"/>
-          </a:schemeClr>
-        </a:solidFill>
-        <a:ln w="12700" cap="flat" cmpd="sng" algn="ctr">
-          <a:solidFill>
-            <a:schemeClr val="lt2">
-              <a:hueOff val="0"/>
-              <a:satOff val="0"/>
-              <a:lumOff val="0"/>
-              <a:alphaOff val="0"/>
-            </a:schemeClr>
-          </a:solidFill>
-          <a:prstDash val="solid"/>
-          <a:miter lim="800000"/>
-        </a:ln>
-        <a:effectLst/>
-      </dsp:spPr>
-      <dsp:style>
-        <a:lnRef idx="2">
-          <a:scrgbClr r="0" g="0" b="0"/>
-        </a:lnRef>
-        <a:fillRef idx="1">
-          <a:scrgbClr r="0" g="0" b="0"/>
-        </a:fillRef>
-        <a:effectRef idx="0">
-          <a:scrgbClr r="0" g="0" b="0"/>
-        </a:effectRef>
-        <a:fontRef idx="minor">
-          <a:schemeClr val="lt1"/>
-        </a:fontRef>
-      </dsp:style>
-      <dsp:txBody>
-        <a:bodyPr spcFirstLastPara="0" vert="horz" wrap="square" lIns="87630" tIns="87630" rIns="87630" bIns="87630" numCol="1" spcCol="1270" anchor="ctr" anchorCtr="0">
-          <a:noAutofit/>
-        </a:bodyPr>
-        <a:lstStyle/>
-        <a:p>
-          <a:pPr lvl="0" algn="ctr" defTabSz="1022350">
-            <a:lnSpc>
-              <a:spcPct val="90000"/>
-            </a:lnSpc>
-            <a:spcBef>
-              <a:spcPct val="0"/>
-            </a:spcBef>
-            <a:spcAft>
-              <a:spcPct val="35000"/>
-            </a:spcAft>
-          </a:pPr>
-          <a:r>
-            <a:rPr lang="en-US" sz="2300" kern="1200" dirty="0" smtClean="0"/>
-            <a:t>MV*</a:t>
-          </a:r>
-          <a:endParaRPr lang="en-US" sz="2300" kern="1200" dirty="0"/>
-        </a:p>
-      </dsp:txBody>
-      <dsp:txXfrm>
-        <a:off x="6378840" y="392199"/>
-        <a:ext cx="1931900" cy="1159140"/>
-      </dsp:txXfrm>
-    </dsp:sp>
-    <dsp:sp modelId="{CEE8964B-4B00-4631-A3E8-5C19D9F55D5D}">
-      <dsp:nvSpPr>
-        <dsp:cNvPr id="0" name=""/>
-        <dsp:cNvSpPr/>
-      </dsp:nvSpPr>
-      <dsp:spPr>
-        <a:xfrm>
-          <a:off x="8503931" y="392199"/>
-          <a:ext cx="1931900" cy="1159140"/>
-        </a:xfrm>
-        <a:prstGeom prst="rect">
-          <a:avLst/>
-        </a:prstGeom>
-        <a:solidFill>
-          <a:schemeClr val="dk2">
-            <a:hueOff val="0"/>
-            <a:satOff val="0"/>
-            <a:lumOff val="0"/>
-            <a:alphaOff val="0"/>
-          </a:schemeClr>
-        </a:solidFill>
-        <a:ln w="12700" cap="flat" cmpd="sng" algn="ctr">
-          <a:solidFill>
-            <a:schemeClr val="lt2">
-              <a:hueOff val="0"/>
-              <a:satOff val="0"/>
-              <a:lumOff val="0"/>
-              <a:alphaOff val="0"/>
-            </a:schemeClr>
-          </a:solidFill>
-          <a:prstDash val="solid"/>
-          <a:miter lim="800000"/>
-        </a:ln>
-        <a:effectLst/>
-      </dsp:spPr>
-      <dsp:style>
-        <a:lnRef idx="2">
-          <a:scrgbClr r="0" g="0" b="0"/>
-        </a:lnRef>
-        <a:fillRef idx="1">
-          <a:scrgbClr r="0" g="0" b="0"/>
-        </a:fillRef>
-        <a:effectRef idx="0">
-          <a:scrgbClr r="0" g="0" b="0"/>
-        </a:effectRef>
-        <a:fontRef idx="minor">
-          <a:schemeClr val="lt1"/>
-        </a:fontRef>
-      </dsp:style>
-      <dsp:txBody>
-        <a:bodyPr spcFirstLastPara="0" vert="horz" wrap="square" lIns="87630" tIns="87630" rIns="87630" bIns="87630" numCol="1" spcCol="1270" anchor="ctr" anchorCtr="0">
-          <a:noAutofit/>
-        </a:bodyPr>
-        <a:lstStyle/>
-        <a:p>
-          <a:pPr lvl="0" algn="ctr" defTabSz="1022350">
-            <a:lnSpc>
-              <a:spcPct val="90000"/>
-            </a:lnSpc>
-            <a:spcBef>
-              <a:spcPct val="0"/>
-            </a:spcBef>
-            <a:spcAft>
-              <a:spcPct val="35000"/>
-            </a:spcAft>
-          </a:pPr>
-          <a:r>
-            <a:rPr lang="en-US" sz="2300" kern="1200" dirty="0" smtClean="0"/>
-            <a:t>Dependency Injection</a:t>
-          </a:r>
-          <a:endParaRPr lang="en-US" sz="2300" kern="1200" dirty="0"/>
-        </a:p>
-      </dsp:txBody>
-      <dsp:txXfrm>
-        <a:off x="8503931" y="392199"/>
-        <a:ext cx="1931900" cy="1159140"/>
-      </dsp:txXfrm>
-    </dsp:sp>
-    <dsp:sp modelId="{132B08A8-E421-4EA4-B062-31BC0FD62343}">
-      <dsp:nvSpPr>
-        <dsp:cNvPr id="0" name=""/>
-        <dsp:cNvSpPr/>
-      </dsp:nvSpPr>
-      <dsp:spPr>
-        <a:xfrm>
-          <a:off x="3568" y="1744529"/>
-          <a:ext cx="1931900" cy="1159140"/>
-        </a:xfrm>
-        <a:prstGeom prst="rect">
-          <a:avLst/>
-        </a:prstGeom>
-        <a:solidFill>
-          <a:schemeClr val="dk2">
-            <a:hueOff val="0"/>
-            <a:satOff val="0"/>
-            <a:lumOff val="0"/>
-            <a:alphaOff val="0"/>
-          </a:schemeClr>
-        </a:solidFill>
-        <a:ln w="12700" cap="flat" cmpd="sng" algn="ctr">
-          <a:solidFill>
-            <a:schemeClr val="lt2">
-              <a:hueOff val="0"/>
-              <a:satOff val="0"/>
-              <a:lumOff val="0"/>
-              <a:alphaOff val="0"/>
-            </a:schemeClr>
-          </a:solidFill>
-          <a:prstDash val="solid"/>
-          <a:miter lim="800000"/>
-        </a:ln>
-        <a:effectLst/>
-      </dsp:spPr>
-      <dsp:style>
-        <a:lnRef idx="2">
-          <a:scrgbClr r="0" g="0" b="0"/>
-        </a:lnRef>
-        <a:fillRef idx="1">
-          <a:scrgbClr r="0" g="0" b="0"/>
-        </a:fillRef>
-        <a:effectRef idx="0">
-          <a:scrgbClr r="0" g="0" b="0"/>
-        </a:effectRef>
-        <a:fontRef idx="minor">
-          <a:schemeClr val="lt1"/>
-        </a:fontRef>
-      </dsp:style>
-      <dsp:txBody>
-        <a:bodyPr spcFirstLastPara="0" vert="horz" wrap="square" lIns="87630" tIns="87630" rIns="87630" bIns="87630" numCol="1" spcCol="1270" anchor="ctr" anchorCtr="0">
-          <a:noAutofit/>
-        </a:bodyPr>
-        <a:lstStyle/>
-        <a:p>
-          <a:pPr lvl="0" algn="ctr" defTabSz="1022350">
-            <a:lnSpc>
-              <a:spcPct val="90000"/>
-            </a:lnSpc>
-            <a:spcBef>
-              <a:spcPct val="0"/>
-            </a:spcBef>
-            <a:spcAft>
-              <a:spcPct val="35000"/>
-            </a:spcAft>
-          </a:pPr>
-          <a:r>
-            <a:rPr lang="en-US" sz="2300" kern="1200" dirty="0" smtClean="0"/>
-            <a:t>Testing</a:t>
-          </a:r>
-          <a:endParaRPr lang="en-US" sz="2300" kern="1200" dirty="0"/>
-        </a:p>
-      </dsp:txBody>
-      <dsp:txXfrm>
-        <a:off x="3568" y="1744529"/>
-        <a:ext cx="1931900" cy="1159140"/>
-      </dsp:txXfrm>
-    </dsp:sp>
-    <dsp:sp modelId="{17459AAF-06DC-4C23-A450-BCC558EF88A4}">
-      <dsp:nvSpPr>
-        <dsp:cNvPr id="0" name=""/>
-        <dsp:cNvSpPr/>
-      </dsp:nvSpPr>
-      <dsp:spPr>
-        <a:xfrm>
-          <a:off x="2128658" y="1744529"/>
-          <a:ext cx="1931900" cy="1159140"/>
-        </a:xfrm>
-        <a:prstGeom prst="rect">
-          <a:avLst/>
-        </a:prstGeom>
-        <a:solidFill>
-          <a:schemeClr val="dk2">
-            <a:hueOff val="0"/>
-            <a:satOff val="0"/>
-            <a:lumOff val="0"/>
-            <a:alphaOff val="0"/>
-          </a:schemeClr>
-        </a:solidFill>
-        <a:ln w="12700" cap="flat" cmpd="sng" algn="ctr">
-          <a:solidFill>
-            <a:schemeClr val="lt2">
-              <a:hueOff val="0"/>
-              <a:satOff val="0"/>
-              <a:lumOff val="0"/>
-              <a:alphaOff val="0"/>
-            </a:schemeClr>
-          </a:solidFill>
-          <a:prstDash val="solid"/>
-          <a:miter lim="800000"/>
-        </a:ln>
-        <a:effectLst/>
-      </dsp:spPr>
-      <dsp:style>
-        <a:lnRef idx="2">
-          <a:scrgbClr r="0" g="0" b="0"/>
-        </a:lnRef>
-        <a:fillRef idx="1">
-          <a:scrgbClr r="0" g="0" b="0"/>
-        </a:fillRef>
-        <a:effectRef idx="0">
-          <a:scrgbClr r="0" g="0" b="0"/>
-        </a:effectRef>
-        <a:fontRef idx="minor">
-          <a:schemeClr val="lt1"/>
-        </a:fontRef>
-      </dsp:style>
-      <dsp:txBody>
-        <a:bodyPr spcFirstLastPara="0" vert="horz" wrap="square" lIns="87630" tIns="87630" rIns="87630" bIns="87630" numCol="1" spcCol="1270" anchor="ctr" anchorCtr="0">
-          <a:noAutofit/>
-        </a:bodyPr>
-        <a:lstStyle/>
-        <a:p>
-          <a:pPr lvl="0" algn="ctr" defTabSz="1022350">
-            <a:lnSpc>
-              <a:spcPct val="90000"/>
-            </a:lnSpc>
-            <a:spcBef>
-              <a:spcPct val="0"/>
-            </a:spcBef>
-            <a:spcAft>
-              <a:spcPct val="35000"/>
-            </a:spcAft>
-          </a:pPr>
-          <a:r>
-            <a:rPr lang="en-US" sz="2300" kern="1200" dirty="0" smtClean="0"/>
-            <a:t>jqLite</a:t>
-          </a:r>
-        </a:p>
-      </dsp:txBody>
-      <dsp:txXfrm>
-        <a:off x="2128658" y="1744529"/>
-        <a:ext cx="1931900" cy="1159140"/>
-      </dsp:txXfrm>
-    </dsp:sp>
-    <dsp:sp modelId="{CCBB4DFD-6C6B-4CC4-8737-4A003FB9F0DE}">
-      <dsp:nvSpPr>
-        <dsp:cNvPr id="0" name=""/>
-        <dsp:cNvSpPr/>
-      </dsp:nvSpPr>
-      <dsp:spPr>
-        <a:xfrm>
-          <a:off x="4253749" y="1744529"/>
-          <a:ext cx="1931900" cy="1159140"/>
-        </a:xfrm>
-        <a:prstGeom prst="rect">
-          <a:avLst/>
-        </a:prstGeom>
-        <a:solidFill>
-          <a:schemeClr val="dk2">
-            <a:hueOff val="0"/>
-            <a:satOff val="0"/>
-            <a:lumOff val="0"/>
-            <a:alphaOff val="0"/>
-          </a:schemeClr>
-        </a:solidFill>
-        <a:ln w="12700" cap="flat" cmpd="sng" algn="ctr">
-          <a:solidFill>
-            <a:schemeClr val="lt2">
-              <a:hueOff val="0"/>
-              <a:satOff val="0"/>
-              <a:lumOff val="0"/>
-              <a:alphaOff val="0"/>
-            </a:schemeClr>
-          </a:solidFill>
-          <a:prstDash val="solid"/>
-          <a:miter lim="800000"/>
-        </a:ln>
-        <a:effectLst/>
-      </dsp:spPr>
-      <dsp:style>
-        <a:lnRef idx="2">
-          <a:scrgbClr r="0" g="0" b="0"/>
-        </a:lnRef>
-        <a:fillRef idx="1">
-          <a:scrgbClr r="0" g="0" b="0"/>
-        </a:fillRef>
-        <a:effectRef idx="0">
-          <a:scrgbClr r="0" g="0" b="0"/>
-        </a:effectRef>
-        <a:fontRef idx="minor">
-          <a:schemeClr val="lt1"/>
-        </a:fontRef>
-      </dsp:style>
-      <dsp:txBody>
-        <a:bodyPr spcFirstLastPara="0" vert="horz" wrap="square" lIns="87630" tIns="87630" rIns="87630" bIns="87630" numCol="1" spcCol="1270" anchor="ctr" anchorCtr="0">
-          <a:noAutofit/>
-        </a:bodyPr>
-        <a:lstStyle/>
-        <a:p>
-          <a:pPr lvl="0" algn="ctr" defTabSz="1022350">
-            <a:lnSpc>
-              <a:spcPct val="90000"/>
-            </a:lnSpc>
-            <a:spcBef>
-              <a:spcPct val="0"/>
-            </a:spcBef>
-            <a:spcAft>
-              <a:spcPct val="35000"/>
-            </a:spcAft>
-          </a:pPr>
-          <a:r>
-            <a:rPr lang="en-US" sz="2300" kern="1200" dirty="0" smtClean="0"/>
-            <a:t>Templates</a:t>
-          </a:r>
-        </a:p>
-      </dsp:txBody>
-      <dsp:txXfrm>
-        <a:off x="4253749" y="1744529"/>
-        <a:ext cx="1931900" cy="1159140"/>
-      </dsp:txXfrm>
-    </dsp:sp>
-    <dsp:sp modelId="{9211F004-41C9-436B-9C68-0C8CD2CE5223}">
-      <dsp:nvSpPr>
-        <dsp:cNvPr id="0" name=""/>
-        <dsp:cNvSpPr/>
-      </dsp:nvSpPr>
-      <dsp:spPr>
-        <a:xfrm>
-          <a:off x="6378840" y="1744529"/>
-          <a:ext cx="1931900" cy="1159140"/>
-        </a:xfrm>
-        <a:prstGeom prst="rect">
-          <a:avLst/>
-        </a:prstGeom>
-        <a:solidFill>
-          <a:schemeClr val="dk2">
-            <a:hueOff val="0"/>
-            <a:satOff val="0"/>
-            <a:lumOff val="0"/>
-            <a:alphaOff val="0"/>
-          </a:schemeClr>
-        </a:solidFill>
-        <a:ln w="12700" cap="flat" cmpd="sng" algn="ctr">
-          <a:solidFill>
-            <a:schemeClr val="lt2">
-              <a:hueOff val="0"/>
-              <a:satOff val="0"/>
-              <a:lumOff val="0"/>
-              <a:alphaOff val="0"/>
-            </a:schemeClr>
-          </a:solidFill>
-          <a:prstDash val="solid"/>
-          <a:miter lim="800000"/>
-        </a:ln>
-        <a:effectLst/>
-      </dsp:spPr>
-      <dsp:style>
-        <a:lnRef idx="2">
-          <a:scrgbClr r="0" g="0" b="0"/>
-        </a:lnRef>
-        <a:fillRef idx="1">
-          <a:scrgbClr r="0" g="0" b="0"/>
-        </a:fillRef>
-        <a:effectRef idx="0">
-          <a:scrgbClr r="0" g="0" b="0"/>
-        </a:effectRef>
-        <a:fontRef idx="minor">
-          <a:schemeClr val="lt1"/>
-        </a:fontRef>
-      </dsp:style>
-      <dsp:txBody>
-        <a:bodyPr spcFirstLastPara="0" vert="horz" wrap="square" lIns="87630" tIns="87630" rIns="87630" bIns="87630" numCol="1" spcCol="1270" anchor="ctr" anchorCtr="0">
-          <a:noAutofit/>
-        </a:bodyPr>
-        <a:lstStyle/>
-        <a:p>
-          <a:pPr lvl="0" algn="ctr" defTabSz="1022350">
-            <a:lnSpc>
-              <a:spcPct val="90000"/>
-            </a:lnSpc>
-            <a:spcBef>
-              <a:spcPct val="0"/>
-            </a:spcBef>
-            <a:spcAft>
-              <a:spcPct val="35000"/>
-            </a:spcAft>
-          </a:pPr>
-          <a:r>
-            <a:rPr lang="en-US" sz="2300" kern="1200" dirty="0" smtClean="0"/>
-            <a:t>Modules</a:t>
-          </a:r>
-        </a:p>
-      </dsp:txBody>
-      <dsp:txXfrm>
-        <a:off x="6378840" y="1744529"/>
-        <a:ext cx="1931900" cy="1159140"/>
-      </dsp:txXfrm>
-    </dsp:sp>
-    <dsp:sp modelId="{99A5D91A-2D6B-4309-9471-E46BFB3D929C}">
-      <dsp:nvSpPr>
-        <dsp:cNvPr id="0" name=""/>
-        <dsp:cNvSpPr/>
-      </dsp:nvSpPr>
-      <dsp:spPr>
-        <a:xfrm>
-          <a:off x="8503931" y="1744529"/>
-          <a:ext cx="1931900" cy="1159140"/>
-        </a:xfrm>
-        <a:prstGeom prst="rect">
-          <a:avLst/>
-        </a:prstGeom>
-        <a:solidFill>
-          <a:schemeClr val="dk2">
-            <a:hueOff val="0"/>
-            <a:satOff val="0"/>
-            <a:lumOff val="0"/>
-            <a:alphaOff val="0"/>
-          </a:schemeClr>
-        </a:solidFill>
-        <a:ln w="12700" cap="flat" cmpd="sng" algn="ctr">
-          <a:solidFill>
-            <a:schemeClr val="lt2">
-              <a:hueOff val="0"/>
-              <a:satOff val="0"/>
-              <a:lumOff val="0"/>
-              <a:alphaOff val="0"/>
-            </a:schemeClr>
-          </a:solidFill>
-          <a:prstDash val="solid"/>
-          <a:miter lim="800000"/>
-        </a:ln>
-        <a:effectLst/>
-      </dsp:spPr>
-      <dsp:style>
-        <a:lnRef idx="2">
-          <a:scrgbClr r="0" g="0" b="0"/>
-        </a:lnRef>
-        <a:fillRef idx="1">
-          <a:scrgbClr r="0" g="0" b="0"/>
-        </a:fillRef>
-        <a:effectRef idx="0">
-          <a:scrgbClr r="0" g="0" b="0"/>
-        </a:effectRef>
-        <a:fontRef idx="minor">
-          <a:schemeClr val="lt1"/>
-        </a:fontRef>
-      </dsp:style>
-      <dsp:txBody>
-        <a:bodyPr spcFirstLastPara="0" vert="horz" wrap="square" lIns="87630" tIns="87630" rIns="87630" bIns="87630" numCol="1" spcCol="1270" anchor="ctr" anchorCtr="0">
-          <a:noAutofit/>
-        </a:bodyPr>
-        <a:lstStyle/>
-        <a:p>
-          <a:pPr lvl="0" algn="ctr" defTabSz="1022350">
-            <a:lnSpc>
-              <a:spcPct val="90000"/>
-            </a:lnSpc>
-            <a:spcBef>
-              <a:spcPct val="0"/>
-            </a:spcBef>
-            <a:spcAft>
-              <a:spcPct val="35000"/>
-            </a:spcAft>
-          </a:pPr>
-          <a:r>
-            <a:rPr lang="en-US" sz="2300" kern="1200" dirty="0" smtClean="0"/>
-            <a:t>Controllers</a:t>
-          </a:r>
-        </a:p>
-      </dsp:txBody>
-      <dsp:txXfrm>
-        <a:off x="8503931" y="1744529"/>
-        <a:ext cx="1931900" cy="1159140"/>
-      </dsp:txXfrm>
-    </dsp:sp>
-    <dsp:sp modelId="{C3DB7B56-D373-4A48-9A71-A46DD7871267}">
-      <dsp:nvSpPr>
-        <dsp:cNvPr id="0" name=""/>
-        <dsp:cNvSpPr/>
-      </dsp:nvSpPr>
-      <dsp:spPr>
-        <a:xfrm>
-          <a:off x="3568" y="3096860"/>
-          <a:ext cx="1931900" cy="1159140"/>
-        </a:xfrm>
-        <a:prstGeom prst="rect">
-          <a:avLst/>
-        </a:prstGeom>
-        <a:solidFill>
-          <a:schemeClr val="dk2">
-            <a:hueOff val="0"/>
-            <a:satOff val="0"/>
-            <a:lumOff val="0"/>
-            <a:alphaOff val="0"/>
-          </a:schemeClr>
-        </a:solidFill>
-        <a:ln w="12700" cap="flat" cmpd="sng" algn="ctr">
-          <a:solidFill>
-            <a:schemeClr val="lt2">
-              <a:hueOff val="0"/>
-              <a:satOff val="0"/>
-              <a:lumOff val="0"/>
-              <a:alphaOff val="0"/>
-            </a:schemeClr>
-          </a:solidFill>
-          <a:prstDash val="solid"/>
-          <a:miter lim="800000"/>
-        </a:ln>
-        <a:effectLst/>
-      </dsp:spPr>
-      <dsp:style>
-        <a:lnRef idx="2">
-          <a:scrgbClr r="0" g="0" b="0"/>
-        </a:lnRef>
-        <a:fillRef idx="1">
-          <a:scrgbClr r="0" g="0" b="0"/>
-        </a:fillRef>
-        <a:effectRef idx="0">
-          <a:scrgbClr r="0" g="0" b="0"/>
-        </a:effectRef>
-        <a:fontRef idx="minor">
-          <a:schemeClr val="lt1"/>
-        </a:fontRef>
-      </dsp:style>
-      <dsp:txBody>
-        <a:bodyPr spcFirstLastPara="0" vert="horz" wrap="square" lIns="87630" tIns="87630" rIns="87630" bIns="87630" numCol="1" spcCol="1270" anchor="ctr" anchorCtr="0">
-          <a:noAutofit/>
-        </a:bodyPr>
-        <a:lstStyle/>
-        <a:p>
-          <a:pPr lvl="0" algn="ctr" defTabSz="1022350">
-            <a:lnSpc>
-              <a:spcPct val="90000"/>
-            </a:lnSpc>
-            <a:spcBef>
-              <a:spcPct val="0"/>
-            </a:spcBef>
-            <a:spcAft>
-              <a:spcPct val="35000"/>
-            </a:spcAft>
-          </a:pPr>
-          <a:r>
-            <a:rPr lang="en-US" sz="2300" kern="1200" dirty="0" smtClean="0"/>
-            <a:t>Filters</a:t>
-          </a:r>
-        </a:p>
-      </dsp:txBody>
-      <dsp:txXfrm>
-        <a:off x="3568" y="3096860"/>
-        <a:ext cx="1931900" cy="1159140"/>
-      </dsp:txXfrm>
-    </dsp:sp>
-    <dsp:sp modelId="{82CDDC58-85B7-463A-BAD0-FBFCA0712F1C}">
-      <dsp:nvSpPr>
-        <dsp:cNvPr id="0" name=""/>
-        <dsp:cNvSpPr/>
-      </dsp:nvSpPr>
-      <dsp:spPr>
-        <a:xfrm>
-          <a:off x="2128658" y="3096860"/>
-          <a:ext cx="1931900" cy="1159140"/>
-        </a:xfrm>
-        <a:prstGeom prst="rect">
-          <a:avLst/>
-        </a:prstGeom>
-        <a:solidFill>
-          <a:schemeClr val="dk2">
-            <a:hueOff val="0"/>
-            <a:satOff val="0"/>
-            <a:lumOff val="0"/>
-            <a:alphaOff val="0"/>
-          </a:schemeClr>
-        </a:solidFill>
-        <a:ln w="12700" cap="flat" cmpd="sng" algn="ctr">
-          <a:solidFill>
-            <a:schemeClr val="lt2">
-              <a:hueOff val="0"/>
-              <a:satOff val="0"/>
-              <a:lumOff val="0"/>
-              <a:alphaOff val="0"/>
-            </a:schemeClr>
-          </a:solidFill>
-          <a:prstDash val="solid"/>
-          <a:miter lim="800000"/>
-        </a:ln>
-        <a:effectLst/>
-      </dsp:spPr>
-      <dsp:style>
-        <a:lnRef idx="2">
-          <a:scrgbClr r="0" g="0" b="0"/>
-        </a:lnRef>
-        <a:fillRef idx="1">
-          <a:scrgbClr r="0" g="0" b="0"/>
-        </a:fillRef>
-        <a:effectRef idx="0">
-          <a:scrgbClr r="0" g="0" b="0"/>
-        </a:effectRef>
-        <a:fontRef idx="minor">
-          <a:schemeClr val="lt1"/>
-        </a:fontRef>
-      </dsp:style>
-      <dsp:txBody>
-        <a:bodyPr spcFirstLastPara="0" vert="horz" wrap="square" lIns="87630" tIns="87630" rIns="87630" bIns="87630" numCol="1" spcCol="1270" anchor="ctr" anchorCtr="0">
-          <a:noAutofit/>
-        </a:bodyPr>
-        <a:lstStyle/>
-        <a:p>
-          <a:pPr lvl="0" algn="ctr" defTabSz="1022350">
-            <a:lnSpc>
-              <a:spcPct val="90000"/>
-            </a:lnSpc>
-            <a:spcBef>
-              <a:spcPct val="0"/>
-            </a:spcBef>
-            <a:spcAft>
-              <a:spcPct val="35000"/>
-            </a:spcAft>
-          </a:pPr>
-          <a:r>
-            <a:rPr lang="en-US" sz="2300" kern="1200" dirty="0" smtClean="0"/>
-            <a:t>Providers</a:t>
-          </a:r>
-        </a:p>
-      </dsp:txBody>
-      <dsp:txXfrm>
-        <a:off x="2128658" y="3096860"/>
-        <a:ext cx="1931900" cy="1159140"/>
-      </dsp:txXfrm>
-    </dsp:sp>
-    <dsp:sp modelId="{EB310276-7406-4F8F-B311-738501754F41}">
-      <dsp:nvSpPr>
-        <dsp:cNvPr id="0" name=""/>
-        <dsp:cNvSpPr/>
-      </dsp:nvSpPr>
-      <dsp:spPr>
-        <a:xfrm>
-          <a:off x="4253749" y="3096860"/>
-          <a:ext cx="1931900" cy="1159140"/>
-        </a:xfrm>
-        <a:prstGeom prst="rect">
-          <a:avLst/>
-        </a:prstGeom>
-        <a:solidFill>
-          <a:schemeClr val="dk2">
-            <a:hueOff val="0"/>
-            <a:satOff val="0"/>
-            <a:lumOff val="0"/>
-            <a:alphaOff val="0"/>
-          </a:schemeClr>
-        </a:solidFill>
-        <a:ln w="12700" cap="flat" cmpd="sng" algn="ctr">
-          <a:solidFill>
-            <a:schemeClr val="lt2">
-              <a:hueOff val="0"/>
-              <a:satOff val="0"/>
-              <a:lumOff val="0"/>
-              <a:alphaOff val="0"/>
-            </a:schemeClr>
-          </a:solidFill>
-          <a:prstDash val="solid"/>
-          <a:miter lim="800000"/>
-        </a:ln>
-        <a:effectLst/>
-      </dsp:spPr>
-      <dsp:style>
-        <a:lnRef idx="2">
-          <a:scrgbClr r="0" g="0" b="0"/>
-        </a:lnRef>
-        <a:fillRef idx="1">
-          <a:scrgbClr r="0" g="0" b="0"/>
-        </a:fillRef>
-        <a:effectRef idx="0">
-          <a:scrgbClr r="0" g="0" b="0"/>
-        </a:effectRef>
-        <a:fontRef idx="minor">
-          <a:schemeClr val="lt1"/>
-        </a:fontRef>
-      </dsp:style>
-      <dsp:txBody>
-        <a:bodyPr spcFirstLastPara="0" vert="horz" wrap="square" lIns="87630" tIns="87630" rIns="87630" bIns="87630" numCol="1" spcCol="1270" anchor="ctr" anchorCtr="0">
-          <a:noAutofit/>
-        </a:bodyPr>
-        <a:lstStyle/>
-        <a:p>
-          <a:pPr lvl="0" algn="ctr" defTabSz="1022350">
-            <a:lnSpc>
-              <a:spcPct val="90000"/>
-            </a:lnSpc>
-            <a:spcBef>
-              <a:spcPct val="0"/>
-            </a:spcBef>
-            <a:spcAft>
-              <a:spcPct val="35000"/>
-            </a:spcAft>
-          </a:pPr>
-          <a:r>
-            <a:rPr lang="en-US" sz="2300" kern="1200" dirty="0" smtClean="0"/>
-            <a:t>Directives</a:t>
-          </a:r>
-        </a:p>
-      </dsp:txBody>
-      <dsp:txXfrm>
-        <a:off x="4253749" y="3096860"/>
-        <a:ext cx="1931900" cy="1159140"/>
-      </dsp:txXfrm>
-    </dsp:sp>
-    <dsp:sp modelId="{60FA720F-99B1-498C-8299-B803124EC0FD}">
-      <dsp:nvSpPr>
-        <dsp:cNvPr id="0" name=""/>
-        <dsp:cNvSpPr/>
-      </dsp:nvSpPr>
-      <dsp:spPr>
-        <a:xfrm>
-          <a:off x="6378840" y="3096860"/>
-          <a:ext cx="1931900" cy="1159140"/>
-        </a:xfrm>
-        <a:prstGeom prst="rect">
-          <a:avLst/>
-        </a:prstGeom>
-        <a:solidFill>
-          <a:schemeClr val="dk2">
-            <a:hueOff val="0"/>
-            <a:satOff val="0"/>
-            <a:lumOff val="0"/>
-            <a:alphaOff val="0"/>
-          </a:schemeClr>
-        </a:solidFill>
-        <a:ln w="12700" cap="flat" cmpd="sng" algn="ctr">
-          <a:solidFill>
-            <a:schemeClr val="lt2">
-              <a:hueOff val="0"/>
-              <a:satOff val="0"/>
-              <a:lumOff val="0"/>
-              <a:alphaOff val="0"/>
-            </a:schemeClr>
-          </a:solidFill>
-          <a:prstDash val="solid"/>
-          <a:miter lim="800000"/>
-        </a:ln>
-        <a:effectLst/>
-      </dsp:spPr>
-      <dsp:style>
-        <a:lnRef idx="2">
-          <a:scrgbClr r="0" g="0" b="0"/>
-        </a:lnRef>
-        <a:fillRef idx="1">
-          <a:scrgbClr r="0" g="0" b="0"/>
-        </a:fillRef>
-        <a:effectRef idx="0">
-          <a:scrgbClr r="0" g="0" b="0"/>
-        </a:effectRef>
-        <a:fontRef idx="minor">
-          <a:schemeClr val="lt1"/>
-        </a:fontRef>
-      </dsp:style>
-      <dsp:txBody>
-        <a:bodyPr spcFirstLastPara="0" vert="horz" wrap="square" lIns="87630" tIns="87630" rIns="87630" bIns="87630" numCol="1" spcCol="1270" anchor="ctr" anchorCtr="0">
-          <a:noAutofit/>
-        </a:bodyPr>
-        <a:lstStyle/>
-        <a:p>
-          <a:pPr lvl="0" algn="ctr" defTabSz="1022350">
-            <a:lnSpc>
-              <a:spcPct val="90000"/>
-            </a:lnSpc>
-            <a:spcBef>
-              <a:spcPct val="0"/>
-            </a:spcBef>
-            <a:spcAft>
-              <a:spcPct val="35000"/>
-            </a:spcAft>
-          </a:pPr>
-          <a:r>
-            <a:rPr lang="en-US" sz="2300" kern="1200" dirty="0" smtClean="0"/>
-            <a:t>Routing</a:t>
-          </a:r>
-        </a:p>
-      </dsp:txBody>
-      <dsp:txXfrm>
-        <a:off x="6378840" y="3096860"/>
-        <a:ext cx="1931900" cy="1159140"/>
-      </dsp:txXfrm>
-    </dsp:sp>
-    <dsp:sp modelId="{38748953-EDFB-447D-B8F3-BDDEF5DFCCC7}">
-      <dsp:nvSpPr>
-        <dsp:cNvPr id="0" name=""/>
-        <dsp:cNvSpPr/>
-      </dsp:nvSpPr>
-      <dsp:spPr>
-        <a:xfrm>
-          <a:off x="8503931" y="3096860"/>
-          <a:ext cx="1931900" cy="1159140"/>
-        </a:xfrm>
-        <a:prstGeom prst="rect">
-          <a:avLst/>
-        </a:prstGeom>
-        <a:solidFill>
-          <a:schemeClr val="dk2">
-            <a:hueOff val="0"/>
-            <a:satOff val="0"/>
-            <a:lumOff val="0"/>
-            <a:alphaOff val="0"/>
-          </a:schemeClr>
-        </a:solidFill>
-        <a:ln w="12700" cap="flat" cmpd="sng" algn="ctr">
-          <a:solidFill>
-            <a:schemeClr val="lt2">
-              <a:hueOff val="0"/>
-              <a:satOff val="0"/>
-              <a:lumOff val="0"/>
-              <a:alphaOff val="0"/>
-            </a:schemeClr>
-          </a:solidFill>
-          <a:prstDash val="solid"/>
-          <a:miter lim="800000"/>
-        </a:ln>
-        <a:effectLst/>
-      </dsp:spPr>
-      <dsp:style>
-        <a:lnRef idx="2">
-          <a:scrgbClr r="0" g="0" b="0"/>
-        </a:lnRef>
-        <a:fillRef idx="1">
-          <a:scrgbClr r="0" g="0" b="0"/>
-        </a:fillRef>
-        <a:effectRef idx="0">
-          <a:scrgbClr r="0" g="0" b="0"/>
-        </a:effectRef>
-        <a:fontRef idx="minor">
-          <a:schemeClr val="lt1"/>
-        </a:fontRef>
-      </dsp:style>
-      <dsp:txBody>
-        <a:bodyPr spcFirstLastPara="0" vert="horz" wrap="square" lIns="87630" tIns="87630" rIns="87630" bIns="87630" numCol="1" spcCol="1270" anchor="ctr" anchorCtr="0">
-          <a:noAutofit/>
-        </a:bodyPr>
-        <a:lstStyle/>
-        <a:p>
-          <a:pPr lvl="0" algn="ctr" defTabSz="1022350">
-            <a:lnSpc>
-              <a:spcPct val="90000"/>
-            </a:lnSpc>
-            <a:spcBef>
-              <a:spcPct val="0"/>
-            </a:spcBef>
-            <a:spcAft>
-              <a:spcPct val="35000"/>
-            </a:spcAft>
-          </a:pPr>
-          <a:r>
-            <a:rPr lang="en-US" sz="2300" kern="1200" dirty="0" smtClean="0"/>
-            <a:t>Form Validation</a:t>
-          </a:r>
-          <a:endParaRPr lang="en-US" sz="2300" kern="1200" dirty="0"/>
-        </a:p>
-      </dsp:txBody>
-      <dsp:txXfrm>
-        <a:off x="8503931" y="3096860"/>
-        <a:ext cx="1931900" cy="1159140"/>
-      </dsp:txXfrm>
-    </dsp:sp>
   </dsp:spTree>
 </dsp:drawing>
 </file>
@@ -9709,481 +8547,6 @@
       <dsp:cNvGrpSpPr/>
     </dsp:nvGrpSpPr>
     <dsp:grpSpPr/>
-    <dsp:sp modelId="{4D44E2DE-A47D-4571-A3A9-CA7AEBC50503}">
-      <dsp:nvSpPr>
-        <dsp:cNvPr id="0" name=""/>
-        <dsp:cNvSpPr/>
-      </dsp:nvSpPr>
-      <dsp:spPr>
-        <a:xfrm>
-          <a:off x="3229" y="232066"/>
-          <a:ext cx="1748581" cy="1049148"/>
-        </a:xfrm>
-        <a:prstGeom prst="rect">
-          <a:avLst/>
-        </a:prstGeom>
-        <a:solidFill>
-          <a:schemeClr val="accent2">
-            <a:hueOff val="0"/>
-            <a:satOff val="0"/>
-            <a:lumOff val="0"/>
-            <a:alphaOff val="0"/>
-          </a:schemeClr>
-        </a:solidFill>
-        <a:ln w="12700" cap="flat" cmpd="sng" algn="ctr">
-          <a:solidFill>
-            <a:schemeClr val="lt1">
-              <a:hueOff val="0"/>
-              <a:satOff val="0"/>
-              <a:lumOff val="0"/>
-              <a:alphaOff val="0"/>
-            </a:schemeClr>
-          </a:solidFill>
-          <a:prstDash val="solid"/>
-          <a:miter lim="800000"/>
-        </a:ln>
-        <a:effectLst/>
-      </dsp:spPr>
-      <dsp:style>
-        <a:lnRef idx="2">
-          <a:scrgbClr r="0" g="0" b="0"/>
-        </a:lnRef>
-        <a:fillRef idx="1">
-          <a:scrgbClr r="0" g="0" b="0"/>
-        </a:fillRef>
-        <a:effectRef idx="0">
-          <a:scrgbClr r="0" g="0" b="0"/>
-        </a:effectRef>
-        <a:fontRef idx="minor">
-          <a:schemeClr val="lt1"/>
-        </a:fontRef>
-      </dsp:style>
-      <dsp:txBody>
-        <a:bodyPr spcFirstLastPara="0" vert="horz" wrap="square" lIns="64770" tIns="64770" rIns="64770" bIns="64770" numCol="1" spcCol="1270" anchor="ctr" anchorCtr="0">
-          <a:noAutofit/>
-        </a:bodyPr>
-        <a:lstStyle/>
-        <a:p>
-          <a:pPr lvl="0" algn="ctr" defTabSz="755650">
-            <a:lnSpc>
-              <a:spcPct val="90000"/>
-            </a:lnSpc>
-            <a:spcBef>
-              <a:spcPct val="0"/>
-            </a:spcBef>
-            <a:spcAft>
-              <a:spcPct val="35000"/>
-            </a:spcAft>
-          </a:pPr>
-          <a:r>
-            <a:rPr lang="en-US" sz="1700" kern="1200" dirty="0" smtClean="0"/>
-            <a:t>Constant</a:t>
-          </a:r>
-        </a:p>
-        <a:p>
-          <a:pPr lvl="0" algn="ctr" defTabSz="755650">
-            <a:lnSpc>
-              <a:spcPct val="90000"/>
-            </a:lnSpc>
-            <a:spcBef>
-              <a:spcPct val="0"/>
-            </a:spcBef>
-            <a:spcAft>
-              <a:spcPct val="35000"/>
-            </a:spcAft>
-          </a:pPr>
-          <a:r>
-            <a:rPr lang="en-US" sz="1700" kern="1200" dirty="0" smtClean="0"/>
-            <a:t>Value injected anywhere</a:t>
-          </a:r>
-          <a:endParaRPr lang="en-US" sz="1700" kern="1200" dirty="0"/>
-        </a:p>
-      </dsp:txBody>
-      <dsp:txXfrm>
-        <a:off x="3229" y="232066"/>
-        <a:ext cx="1748581" cy="1049148"/>
-      </dsp:txXfrm>
-    </dsp:sp>
-    <dsp:sp modelId="{4F3F2962-F6D5-4FC5-81BB-FD355CAD4FB9}">
-      <dsp:nvSpPr>
-        <dsp:cNvPr id="0" name=""/>
-        <dsp:cNvSpPr/>
-      </dsp:nvSpPr>
-      <dsp:spPr>
-        <a:xfrm>
-          <a:off x="1926669" y="232066"/>
-          <a:ext cx="1748581" cy="1049148"/>
-        </a:xfrm>
-        <a:prstGeom prst="rect">
-          <a:avLst/>
-        </a:prstGeom>
-        <a:solidFill>
-          <a:schemeClr val="accent3">
-            <a:hueOff val="0"/>
-            <a:satOff val="0"/>
-            <a:lumOff val="0"/>
-            <a:alphaOff val="0"/>
-          </a:schemeClr>
-        </a:solidFill>
-        <a:ln w="12700" cap="flat" cmpd="sng" algn="ctr">
-          <a:solidFill>
-            <a:schemeClr val="lt1">
-              <a:hueOff val="0"/>
-              <a:satOff val="0"/>
-              <a:lumOff val="0"/>
-              <a:alphaOff val="0"/>
-            </a:schemeClr>
-          </a:solidFill>
-          <a:prstDash val="solid"/>
-          <a:miter lim="800000"/>
-        </a:ln>
-        <a:effectLst/>
-      </dsp:spPr>
-      <dsp:style>
-        <a:lnRef idx="2">
-          <a:scrgbClr r="0" g="0" b="0"/>
-        </a:lnRef>
-        <a:fillRef idx="1">
-          <a:scrgbClr r="0" g="0" b="0"/>
-        </a:fillRef>
-        <a:effectRef idx="0">
-          <a:scrgbClr r="0" g="0" b="0"/>
-        </a:effectRef>
-        <a:fontRef idx="minor">
-          <a:schemeClr val="lt1"/>
-        </a:fontRef>
-      </dsp:style>
-      <dsp:txBody>
-        <a:bodyPr spcFirstLastPara="0" vert="horz" wrap="square" lIns="64770" tIns="64770" rIns="64770" bIns="64770" numCol="1" spcCol="1270" anchor="ctr" anchorCtr="0">
-          <a:noAutofit/>
-        </a:bodyPr>
-        <a:lstStyle/>
-        <a:p>
-          <a:pPr lvl="0" algn="ctr" defTabSz="755650">
-            <a:lnSpc>
-              <a:spcPct val="90000"/>
-            </a:lnSpc>
-            <a:spcBef>
-              <a:spcPct val="0"/>
-            </a:spcBef>
-            <a:spcAft>
-              <a:spcPct val="35000"/>
-            </a:spcAft>
-          </a:pPr>
-          <a:r>
-            <a:rPr lang="en-US" sz="1700" kern="1200" dirty="0" smtClean="0"/>
-            <a:t>Value</a:t>
-          </a:r>
-        </a:p>
-        <a:p>
-          <a:pPr lvl="0" algn="ctr" defTabSz="755650">
-            <a:lnSpc>
-              <a:spcPct val="90000"/>
-            </a:lnSpc>
-            <a:spcBef>
-              <a:spcPct val="0"/>
-            </a:spcBef>
-            <a:spcAft>
-              <a:spcPct val="35000"/>
-            </a:spcAft>
-          </a:pPr>
-          <a:r>
-            <a:rPr lang="en-US" sz="1700" kern="1200" dirty="0" smtClean="0"/>
-            <a:t>Simple injectable value</a:t>
-          </a:r>
-          <a:endParaRPr lang="en-US" sz="1700" kern="1200" dirty="0"/>
-        </a:p>
-      </dsp:txBody>
-      <dsp:txXfrm>
-        <a:off x="1926669" y="232066"/>
-        <a:ext cx="1748581" cy="1049148"/>
-      </dsp:txXfrm>
-    </dsp:sp>
-    <dsp:sp modelId="{38BB4842-1519-49DF-873B-E9FD426DDE54}">
-      <dsp:nvSpPr>
-        <dsp:cNvPr id="0" name=""/>
-        <dsp:cNvSpPr/>
-      </dsp:nvSpPr>
-      <dsp:spPr>
-        <a:xfrm>
-          <a:off x="3850109" y="232066"/>
-          <a:ext cx="1748581" cy="1049148"/>
-        </a:xfrm>
-        <a:prstGeom prst="rect">
-          <a:avLst/>
-        </a:prstGeom>
-        <a:solidFill>
-          <a:schemeClr val="accent4">
-            <a:hueOff val="0"/>
-            <a:satOff val="0"/>
-            <a:lumOff val="0"/>
-            <a:alphaOff val="0"/>
-          </a:schemeClr>
-        </a:solidFill>
-        <a:ln w="12700" cap="flat" cmpd="sng" algn="ctr">
-          <a:solidFill>
-            <a:schemeClr val="lt1">
-              <a:hueOff val="0"/>
-              <a:satOff val="0"/>
-              <a:lumOff val="0"/>
-              <a:alphaOff val="0"/>
-            </a:schemeClr>
-          </a:solidFill>
-          <a:prstDash val="solid"/>
-          <a:miter lim="800000"/>
-        </a:ln>
-        <a:effectLst/>
-      </dsp:spPr>
-      <dsp:style>
-        <a:lnRef idx="2">
-          <a:scrgbClr r="0" g="0" b="0"/>
-        </a:lnRef>
-        <a:fillRef idx="1">
-          <a:scrgbClr r="0" g="0" b="0"/>
-        </a:fillRef>
-        <a:effectRef idx="0">
-          <a:scrgbClr r="0" g="0" b="0"/>
-        </a:effectRef>
-        <a:fontRef idx="minor">
-          <a:schemeClr val="lt1"/>
-        </a:fontRef>
-      </dsp:style>
-      <dsp:txBody>
-        <a:bodyPr spcFirstLastPara="0" vert="horz" wrap="square" lIns="64770" tIns="64770" rIns="64770" bIns="64770" numCol="1" spcCol="1270" anchor="ctr" anchorCtr="0">
-          <a:noAutofit/>
-        </a:bodyPr>
-        <a:lstStyle/>
-        <a:p>
-          <a:pPr lvl="0" algn="ctr" defTabSz="755650">
-            <a:lnSpc>
-              <a:spcPct val="90000"/>
-            </a:lnSpc>
-            <a:spcBef>
-              <a:spcPct val="0"/>
-            </a:spcBef>
-            <a:spcAft>
-              <a:spcPct val="35000"/>
-            </a:spcAft>
-          </a:pPr>
-          <a:r>
-            <a:rPr lang="en-US" sz="1700" kern="1200" dirty="0" smtClean="0"/>
-            <a:t>Factory</a:t>
-          </a:r>
-        </a:p>
-        <a:p>
-          <a:pPr lvl="0" algn="ctr" defTabSz="755650">
-            <a:lnSpc>
-              <a:spcPct val="90000"/>
-            </a:lnSpc>
-            <a:spcBef>
-              <a:spcPct val="0"/>
-            </a:spcBef>
-            <a:spcAft>
-              <a:spcPct val="35000"/>
-            </a:spcAft>
-          </a:pPr>
-          <a:r>
-            <a:rPr lang="en-US" sz="1700" kern="1200" dirty="0" smtClean="0"/>
-            <a:t>Injectable function</a:t>
-          </a:r>
-          <a:endParaRPr lang="en-US" sz="1700" kern="1200" dirty="0"/>
-        </a:p>
-      </dsp:txBody>
-      <dsp:txXfrm>
-        <a:off x="3850109" y="232066"/>
-        <a:ext cx="1748581" cy="1049148"/>
-      </dsp:txXfrm>
-    </dsp:sp>
-    <dsp:sp modelId="{16A7048F-BA3E-4ACD-9935-C8D93F3348ED}">
-      <dsp:nvSpPr>
-        <dsp:cNvPr id="0" name=""/>
-        <dsp:cNvSpPr/>
-      </dsp:nvSpPr>
-      <dsp:spPr>
-        <a:xfrm>
-          <a:off x="5773548" y="232066"/>
-          <a:ext cx="1748581" cy="1049148"/>
-        </a:xfrm>
-        <a:prstGeom prst="rect">
-          <a:avLst/>
-        </a:prstGeom>
-        <a:solidFill>
-          <a:schemeClr val="accent5">
-            <a:hueOff val="0"/>
-            <a:satOff val="0"/>
-            <a:lumOff val="0"/>
-            <a:alphaOff val="0"/>
-          </a:schemeClr>
-        </a:solidFill>
-        <a:ln w="12700" cap="flat" cmpd="sng" algn="ctr">
-          <a:solidFill>
-            <a:schemeClr val="lt1">
-              <a:hueOff val="0"/>
-              <a:satOff val="0"/>
-              <a:lumOff val="0"/>
-              <a:alphaOff val="0"/>
-            </a:schemeClr>
-          </a:solidFill>
-          <a:prstDash val="solid"/>
-          <a:miter lim="800000"/>
-        </a:ln>
-        <a:effectLst/>
-      </dsp:spPr>
-      <dsp:style>
-        <a:lnRef idx="2">
-          <a:scrgbClr r="0" g="0" b="0"/>
-        </a:lnRef>
-        <a:fillRef idx="1">
-          <a:scrgbClr r="0" g="0" b="0"/>
-        </a:fillRef>
-        <a:effectRef idx="0">
-          <a:scrgbClr r="0" g="0" b="0"/>
-        </a:effectRef>
-        <a:fontRef idx="minor">
-          <a:schemeClr val="lt1"/>
-        </a:fontRef>
-      </dsp:style>
-      <dsp:txBody>
-        <a:bodyPr spcFirstLastPara="0" vert="horz" wrap="square" lIns="64770" tIns="64770" rIns="64770" bIns="64770" numCol="1" spcCol="1270" anchor="ctr" anchorCtr="0">
-          <a:noAutofit/>
-        </a:bodyPr>
-        <a:lstStyle/>
-        <a:p>
-          <a:pPr lvl="0" algn="ctr" defTabSz="755650">
-            <a:lnSpc>
-              <a:spcPct val="90000"/>
-            </a:lnSpc>
-            <a:spcBef>
-              <a:spcPct val="0"/>
-            </a:spcBef>
-            <a:spcAft>
-              <a:spcPct val="35000"/>
-            </a:spcAft>
-          </a:pPr>
-          <a:r>
-            <a:rPr lang="en-US" sz="1700" kern="1200" dirty="0" smtClean="0"/>
-            <a:t>Service</a:t>
-          </a:r>
-        </a:p>
-        <a:p>
-          <a:pPr lvl="0" algn="ctr" defTabSz="755650">
-            <a:lnSpc>
-              <a:spcPct val="90000"/>
-            </a:lnSpc>
-            <a:spcBef>
-              <a:spcPct val="0"/>
-            </a:spcBef>
-            <a:spcAft>
-              <a:spcPct val="35000"/>
-            </a:spcAft>
-          </a:pPr>
-          <a:r>
-            <a:rPr lang="en-US" sz="1700" kern="1200" dirty="0" smtClean="0"/>
-            <a:t>Injectable constructor</a:t>
-          </a:r>
-          <a:endParaRPr lang="en-US" sz="1700" kern="1200" dirty="0"/>
-        </a:p>
-      </dsp:txBody>
-      <dsp:txXfrm>
-        <a:off x="5773548" y="232066"/>
-        <a:ext cx="1748581" cy="1049148"/>
-      </dsp:txXfrm>
-    </dsp:sp>
-    <dsp:sp modelId="{35170A97-E2BC-4C89-A531-AA8880687368}">
-      <dsp:nvSpPr>
-        <dsp:cNvPr id="0" name=""/>
-        <dsp:cNvSpPr/>
-      </dsp:nvSpPr>
-      <dsp:spPr>
-        <a:xfrm>
-          <a:off x="7696988" y="232066"/>
-          <a:ext cx="1748581" cy="1049148"/>
-        </a:xfrm>
-        <a:prstGeom prst="rect">
-          <a:avLst/>
-        </a:prstGeom>
-        <a:solidFill>
-          <a:schemeClr val="accent6">
-            <a:hueOff val="0"/>
-            <a:satOff val="0"/>
-            <a:lumOff val="0"/>
-            <a:alphaOff val="0"/>
-          </a:schemeClr>
-        </a:solidFill>
-        <a:ln w="12700" cap="flat" cmpd="sng" algn="ctr">
-          <a:solidFill>
-            <a:schemeClr val="lt1">
-              <a:hueOff val="0"/>
-              <a:satOff val="0"/>
-              <a:lumOff val="0"/>
-              <a:alphaOff val="0"/>
-            </a:schemeClr>
-          </a:solidFill>
-          <a:prstDash val="solid"/>
-          <a:miter lim="800000"/>
-        </a:ln>
-        <a:effectLst/>
-      </dsp:spPr>
-      <dsp:style>
-        <a:lnRef idx="2">
-          <a:scrgbClr r="0" g="0" b="0"/>
-        </a:lnRef>
-        <a:fillRef idx="1">
-          <a:scrgbClr r="0" g="0" b="0"/>
-        </a:fillRef>
-        <a:effectRef idx="0">
-          <a:scrgbClr r="0" g="0" b="0"/>
-        </a:effectRef>
-        <a:fontRef idx="minor">
-          <a:schemeClr val="lt1"/>
-        </a:fontRef>
-      </dsp:style>
-      <dsp:txBody>
-        <a:bodyPr spcFirstLastPara="0" vert="horz" wrap="square" lIns="64770" tIns="64770" rIns="64770" bIns="64770" numCol="1" spcCol="1270" anchor="ctr" anchorCtr="0">
-          <a:noAutofit/>
-        </a:bodyPr>
-        <a:lstStyle/>
-        <a:p>
-          <a:pPr lvl="0" algn="ctr" defTabSz="755650">
-            <a:lnSpc>
-              <a:spcPct val="90000"/>
-            </a:lnSpc>
-            <a:spcBef>
-              <a:spcPct val="0"/>
-            </a:spcBef>
-            <a:spcAft>
-              <a:spcPct val="35000"/>
-            </a:spcAft>
-          </a:pPr>
-          <a:r>
-            <a:rPr lang="en-US" sz="1700" kern="1200" dirty="0" smtClean="0"/>
-            <a:t>Provider</a:t>
-          </a:r>
-        </a:p>
-        <a:p>
-          <a:pPr lvl="0" algn="ctr" defTabSz="755650">
-            <a:lnSpc>
-              <a:spcPct val="90000"/>
-            </a:lnSpc>
-            <a:spcBef>
-              <a:spcPct val="0"/>
-            </a:spcBef>
-            <a:spcAft>
-              <a:spcPct val="35000"/>
-            </a:spcAft>
-          </a:pPr>
-          <a:r>
-            <a:rPr lang="en-US" sz="1700" kern="1200" dirty="0" smtClean="0"/>
-            <a:t>Configurable factory</a:t>
-          </a:r>
-          <a:endParaRPr lang="en-US" sz="1700" kern="1200" dirty="0"/>
-        </a:p>
-      </dsp:txBody>
-      <dsp:txXfrm>
-        <a:off x="7696988" y="232066"/>
-        <a:ext cx="1748581" cy="1049148"/>
-      </dsp:txXfrm>
-    </dsp:sp>
   </dsp:spTree>
 </dsp:drawing>
 </file>
@@ -19765,7 +18128,7 @@
           <a:p>
             <a:fld id="{061C5132-FFA3-4B02-9F09-22FCF40EFA74}" type="datetimeFigureOut">
               <a:rPr lang="en-US" smtClean="0"/>
-              <a:t>4/22/2015</a:t>
+              <a:t>4/23/2015</a:t>
             </a:fld>
             <a:endParaRPr lang="en-US"/>
           </a:p>
@@ -19930,7 +18293,7 @@
           <a:p>
             <a:fld id="{0B6E42C9-243F-4DC5-AFF6-9D56B5FA9D63}" type="datetimeFigureOut">
               <a:rPr lang="en-US" smtClean="0"/>
-              <a:t>4/22/2015</a:t>
+              <a:t>4/23/2015</a:t>
             </a:fld>
             <a:endParaRPr lang="en-US"/>
           </a:p>
@@ -21657,7 +20020,7 @@
           <a:p>
             <a:fld id="{B0FE2824-C2A0-4931-BB32-60B24BDBB3CC}" type="datetimeFigureOut">
               <a:rPr lang="en-US" smtClean="0"/>
-              <a:t>4/22/2015</a:t>
+              <a:t>4/23/2015</a:t>
             </a:fld>
             <a:endParaRPr lang="en-US"/>
           </a:p>
@@ -21869,7 +20232,7 @@
           <a:p>
             <a:fld id="{B0FE2824-C2A0-4931-BB32-60B24BDBB3CC}" type="datetimeFigureOut">
               <a:rPr lang="en-US" smtClean="0"/>
-              <a:t>4/22/2015</a:t>
+              <a:t>4/23/2015</a:t>
             </a:fld>
             <a:endParaRPr lang="en-US"/>
           </a:p>
@@ -22281,7 +20644,7 @@
           <a:p>
             <a:fld id="{B0FE2824-C2A0-4931-BB32-60B24BDBB3CC}" type="datetimeFigureOut">
               <a:rPr lang="en-US" smtClean="0"/>
-              <a:t>4/22/2015</a:t>
+              <a:t>4/23/2015</a:t>
             </a:fld>
             <a:endParaRPr lang="en-US"/>
           </a:p>
@@ -22804,7 +21167,7 @@
           <a:p>
             <a:fld id="{B0FE2824-C2A0-4931-BB32-60B24BDBB3CC}" type="datetimeFigureOut">
               <a:rPr lang="en-US" smtClean="0"/>
-              <a:t>4/22/2015</a:t>
+              <a:t>4/23/2015</a:t>
             </a:fld>
             <a:endParaRPr lang="en-US"/>
           </a:p>
@@ -23264,7 +21627,7 @@
           <a:p>
             <a:fld id="{B0FE2824-C2A0-4931-BB32-60B24BDBB3CC}" type="datetimeFigureOut">
               <a:rPr lang="en-US" smtClean="0"/>
-              <a:t>4/22/2015</a:t>
+              <a:t>4/23/2015</a:t>
             </a:fld>
             <a:endParaRPr lang="en-US"/>
           </a:p>
@@ -23410,7 +21773,7 @@
           <a:p>
             <a:fld id="{B0FE2824-C2A0-4931-BB32-60B24BDBB3CC}" type="datetimeFigureOut">
               <a:rPr lang="en-US" smtClean="0"/>
-              <a:t>4/22/2015</a:t>
+              <a:t>4/23/2015</a:t>
             </a:fld>
             <a:endParaRPr lang="en-US"/>
           </a:p>
@@ -23533,7 +21896,7 @@
           <a:p>
             <a:fld id="{B0FE2824-C2A0-4931-BB32-60B24BDBB3CC}" type="datetimeFigureOut">
               <a:rPr lang="en-US" smtClean="0"/>
-              <a:t>4/22/2015</a:t>
+              <a:t>4/23/2015</a:t>
             </a:fld>
             <a:endParaRPr lang="en-US"/>
           </a:p>
@@ -23845,7 +22208,7 @@
           <a:p>
             <a:fld id="{B0FE2824-C2A0-4931-BB32-60B24BDBB3CC}" type="datetimeFigureOut">
               <a:rPr lang="en-US" smtClean="0"/>
-              <a:t>4/22/2015</a:t>
+              <a:t>4/23/2015</a:t>
             </a:fld>
             <a:endParaRPr lang="en-US"/>
           </a:p>
@@ -24135,7 +22498,7 @@
           <a:p>
             <a:fld id="{B0FE2824-C2A0-4931-BB32-60B24BDBB3CC}" type="datetimeFigureOut">
               <a:rPr lang="en-US" smtClean="0"/>
-              <a:t>4/22/2015</a:t>
+              <a:t>4/23/2015</a:t>
             </a:fld>
             <a:endParaRPr lang="en-US"/>
           </a:p>
@@ -25354,11 +23717,7 @@
           <a:p>
             <a:r>
               <a:rPr lang="en-US" dirty="0" smtClean="0"/>
-              <a:t>AngularJS Implementation of </a:t>
-            </a:r>
-            <a:r>
-              <a:rPr lang="en-US" dirty="0" smtClean="0"/>
-              <a:t>MV*</a:t>
+              <a:t>AngularJS Implementation of MV*</a:t>
             </a:r>
             <a:endParaRPr lang="en-US" dirty="0"/>
           </a:p>
@@ -26061,19 +24420,7 @@
           <a:p>
             <a:r>
               <a:rPr lang="en-US" sz="1400" dirty="0" smtClean="0"/>
-              <a:t>User </a:t>
-            </a:r>
-            <a:r>
-              <a:rPr lang="en-US" sz="1400" dirty="0" smtClean="0"/>
-              <a:t>Interaction (</a:t>
-            </a:r>
-            <a:r>
-              <a:rPr lang="en-US" sz="1400" dirty="0" smtClean="0"/>
-              <a:t>R</a:t>
-            </a:r>
-            <a:r>
-              <a:rPr lang="en-US" sz="1400" dirty="0" smtClean="0"/>
-              <a:t>outes &amp; Behaviors)</a:t>
+              <a:t>User Interaction (Routes &amp; Behaviors)</a:t>
             </a:r>
             <a:endParaRPr lang="en-US" sz="1400" dirty="0"/>
           </a:p>
@@ -26336,7 +24683,6 @@
               <a:rPr lang="en-US" dirty="0" smtClean="0"/>
               <a:t>ilter</a:t>
             </a:r>
-            <a:endParaRPr lang="en-US" dirty="0" smtClean="0"/>
           </a:p>
           <a:p>
             <a:pPr marL="0" indent="0">
@@ -28278,13 +26624,13 @@
   <p:clrMapOvr>
     <a:masterClrMapping/>
   </p:clrMapOvr>
-  <mc:AlternateContent xmlns:mc="http://schemas.openxmlformats.org/markup-compatibility/2006">
-    <mc:Choice xmlns:p14="http://schemas.microsoft.com/office/powerpoint/2010/main" Requires="p14">
+  <mc:AlternateContent xmlns:mc="http://schemas.openxmlformats.org/markup-compatibility/2006" xmlns:p14="http://schemas.microsoft.com/office/powerpoint/2010/main">
+    <mc:Choice Requires="p14">
       <p:transition spd="med" p14:dur="700">
         <p:fade/>
       </p:transition>
     </mc:Choice>
-    <mc:Fallback>
+    <mc:Fallback xmlns="">
       <p:transition spd="med">
         <p:fade/>
       </p:transition>
@@ -29423,11 +27769,7 @@
           <a:p>
             <a:r>
               <a:rPr lang="en-US" dirty="0" smtClean="0"/>
-              <a:t>Preferred method to communicate between </a:t>
-            </a:r>
-            <a:r>
-              <a:rPr lang="en-US" dirty="0" smtClean="0"/>
-              <a:t>controllers</a:t>
+              <a:t>Preferred method to communicate between controllers</a:t>
             </a:r>
           </a:p>
           <a:p>
@@ -30179,9 +28521,287 @@
   <p:timing>
     <p:tnLst>
       <p:par>
-        <p:cTn id="1" dur="indefinite" restart="never" nodeType="tmRoot"/>
+        <p:cTn id="1" dur="indefinite" restart="never" nodeType="tmRoot">
+          <p:childTnLst>
+            <p:seq concurrent="1" nextAc="seek">
+              <p:cTn id="2" dur="indefinite" nodeType="mainSeq">
+                <p:childTnLst>
+                  <p:par>
+                    <p:cTn id="3" fill="hold">
+                      <p:stCondLst>
+                        <p:cond delay="indefinite"/>
+                      </p:stCondLst>
+                      <p:childTnLst>
+                        <p:par>
+                          <p:cTn id="4" fill="hold">
+                            <p:stCondLst>
+                              <p:cond delay="0"/>
+                            </p:stCondLst>
+                            <p:childTnLst>
+                              <p:par>
+                                <p:cTn id="5" presetID="1" presetClass="entr" presetSubtype="0" fill="hold" grpId="0" nodeType="clickEffect">
+                                  <p:stCondLst>
+                                    <p:cond delay="0"/>
+                                  </p:stCondLst>
+                                  <p:childTnLst>
+                                    <p:set>
+                                      <p:cBhvr>
+                                        <p:cTn id="6" dur="1" fill="hold">
+                                          <p:stCondLst>
+                                            <p:cond delay="0"/>
+                                          </p:stCondLst>
+                                        </p:cTn>
+                                        <p:tgtEl>
+                                          <p:spTgt spid="6"/>
+                                        </p:tgtEl>
+                                        <p:attrNameLst>
+                                          <p:attrName>style.visibility</p:attrName>
+                                        </p:attrNameLst>
+                                      </p:cBhvr>
+                                      <p:to>
+                                        <p:strVal val="visible"/>
+                                      </p:to>
+                                    </p:set>
+                                  </p:childTnLst>
+                                </p:cTn>
+                              </p:par>
+                            </p:childTnLst>
+                          </p:cTn>
+                        </p:par>
+                      </p:childTnLst>
+                    </p:cTn>
+                  </p:par>
+                  <p:par>
+                    <p:cTn id="7" fill="hold">
+                      <p:stCondLst>
+                        <p:cond delay="indefinite"/>
+                      </p:stCondLst>
+                      <p:childTnLst>
+                        <p:par>
+                          <p:cTn id="8" fill="hold">
+                            <p:stCondLst>
+                              <p:cond delay="0"/>
+                            </p:stCondLst>
+                            <p:childTnLst>
+                              <p:par>
+                                <p:cTn id="9" presetID="1" presetClass="entr" presetSubtype="0" fill="hold" grpId="0" nodeType="clickEffect">
+                                  <p:stCondLst>
+                                    <p:cond delay="0"/>
+                                  </p:stCondLst>
+                                  <p:childTnLst>
+                                    <p:set>
+                                      <p:cBhvr>
+                                        <p:cTn id="10" dur="1" fill="hold">
+                                          <p:stCondLst>
+                                            <p:cond delay="0"/>
+                                          </p:stCondLst>
+                                        </p:cTn>
+                                        <p:tgtEl>
+                                          <p:spTgt spid="5">
+                                            <p:txEl>
+                                              <p:pRg st="0" end="0"/>
+                                            </p:txEl>
+                                          </p:spTgt>
+                                        </p:tgtEl>
+                                        <p:attrNameLst>
+                                          <p:attrName>style.visibility</p:attrName>
+                                        </p:attrNameLst>
+                                      </p:cBhvr>
+                                      <p:to>
+                                        <p:strVal val="visible"/>
+                                      </p:to>
+                                    </p:set>
+                                  </p:childTnLst>
+                                </p:cTn>
+                              </p:par>
+                              <p:par>
+                                <p:cTn id="11" presetID="1" presetClass="entr" presetSubtype="0" fill="hold" grpId="0" nodeType="withEffect">
+                                  <p:stCondLst>
+                                    <p:cond delay="0"/>
+                                  </p:stCondLst>
+                                  <p:childTnLst>
+                                    <p:set>
+                                      <p:cBhvr>
+                                        <p:cTn id="12" dur="1" fill="hold">
+                                          <p:stCondLst>
+                                            <p:cond delay="0"/>
+                                          </p:stCondLst>
+                                        </p:cTn>
+                                        <p:tgtEl>
+                                          <p:spTgt spid="5">
+                                            <p:txEl>
+                                              <p:pRg st="1" end="1"/>
+                                            </p:txEl>
+                                          </p:spTgt>
+                                        </p:tgtEl>
+                                        <p:attrNameLst>
+                                          <p:attrName>style.visibility</p:attrName>
+                                        </p:attrNameLst>
+                                      </p:cBhvr>
+                                      <p:to>
+                                        <p:strVal val="visible"/>
+                                      </p:to>
+                                    </p:set>
+                                  </p:childTnLst>
+                                </p:cTn>
+                              </p:par>
+                              <p:par>
+                                <p:cTn id="13" presetID="1" presetClass="entr" presetSubtype="0" fill="hold" grpId="0" nodeType="withEffect">
+                                  <p:stCondLst>
+                                    <p:cond delay="0"/>
+                                  </p:stCondLst>
+                                  <p:childTnLst>
+                                    <p:set>
+                                      <p:cBhvr>
+                                        <p:cTn id="14" dur="1" fill="hold">
+                                          <p:stCondLst>
+                                            <p:cond delay="0"/>
+                                          </p:stCondLst>
+                                        </p:cTn>
+                                        <p:tgtEl>
+                                          <p:spTgt spid="5">
+                                            <p:txEl>
+                                              <p:pRg st="2" end="2"/>
+                                            </p:txEl>
+                                          </p:spTgt>
+                                        </p:tgtEl>
+                                        <p:attrNameLst>
+                                          <p:attrName>style.visibility</p:attrName>
+                                        </p:attrNameLst>
+                                      </p:cBhvr>
+                                      <p:to>
+                                        <p:strVal val="visible"/>
+                                      </p:to>
+                                    </p:set>
+                                  </p:childTnLst>
+                                </p:cTn>
+                              </p:par>
+                              <p:par>
+                                <p:cTn id="15" presetID="1" presetClass="entr" presetSubtype="0" fill="hold" grpId="0" nodeType="withEffect">
+                                  <p:stCondLst>
+                                    <p:cond delay="0"/>
+                                  </p:stCondLst>
+                                  <p:childTnLst>
+                                    <p:set>
+                                      <p:cBhvr>
+                                        <p:cTn id="16" dur="1" fill="hold">
+                                          <p:stCondLst>
+                                            <p:cond delay="0"/>
+                                          </p:stCondLst>
+                                        </p:cTn>
+                                        <p:tgtEl>
+                                          <p:spTgt spid="5">
+                                            <p:txEl>
+                                              <p:pRg st="3" end="3"/>
+                                            </p:txEl>
+                                          </p:spTgt>
+                                        </p:tgtEl>
+                                        <p:attrNameLst>
+                                          <p:attrName>style.visibility</p:attrName>
+                                        </p:attrNameLst>
+                                      </p:cBhvr>
+                                      <p:to>
+                                        <p:strVal val="visible"/>
+                                      </p:to>
+                                    </p:set>
+                                  </p:childTnLst>
+                                </p:cTn>
+                              </p:par>
+                              <p:par>
+                                <p:cTn id="17" presetID="1" presetClass="entr" presetSubtype="0" fill="hold" grpId="0" nodeType="withEffect">
+                                  <p:stCondLst>
+                                    <p:cond delay="0"/>
+                                  </p:stCondLst>
+                                  <p:childTnLst>
+                                    <p:set>
+                                      <p:cBhvr>
+                                        <p:cTn id="18" dur="1" fill="hold">
+                                          <p:stCondLst>
+                                            <p:cond delay="0"/>
+                                          </p:stCondLst>
+                                        </p:cTn>
+                                        <p:tgtEl>
+                                          <p:spTgt spid="5">
+                                            <p:txEl>
+                                              <p:pRg st="4" end="4"/>
+                                            </p:txEl>
+                                          </p:spTgt>
+                                        </p:tgtEl>
+                                        <p:attrNameLst>
+                                          <p:attrName>style.visibility</p:attrName>
+                                        </p:attrNameLst>
+                                      </p:cBhvr>
+                                      <p:to>
+                                        <p:strVal val="visible"/>
+                                      </p:to>
+                                    </p:set>
+                                  </p:childTnLst>
+                                </p:cTn>
+                              </p:par>
+                              <p:par>
+                                <p:cTn id="19" presetID="1" presetClass="entr" presetSubtype="0" fill="hold" grpId="0" nodeType="withEffect">
+                                  <p:stCondLst>
+                                    <p:cond delay="0"/>
+                                  </p:stCondLst>
+                                  <p:childTnLst>
+                                    <p:set>
+                                      <p:cBhvr>
+                                        <p:cTn id="20" dur="1" fill="hold">
+                                          <p:stCondLst>
+                                            <p:cond delay="0"/>
+                                          </p:stCondLst>
+                                        </p:cTn>
+                                        <p:tgtEl>
+                                          <p:spTgt spid="5">
+                                            <p:txEl>
+                                              <p:pRg st="5" end="5"/>
+                                            </p:txEl>
+                                          </p:spTgt>
+                                        </p:tgtEl>
+                                        <p:attrNameLst>
+                                          <p:attrName>style.visibility</p:attrName>
+                                        </p:attrNameLst>
+                                      </p:cBhvr>
+                                      <p:to>
+                                        <p:strVal val="visible"/>
+                                      </p:to>
+                                    </p:set>
+                                  </p:childTnLst>
+                                </p:cTn>
+                              </p:par>
+                            </p:childTnLst>
+                          </p:cTn>
+                        </p:par>
+                      </p:childTnLst>
+                    </p:cTn>
+                  </p:par>
+                </p:childTnLst>
+              </p:cTn>
+              <p:prevCondLst>
+                <p:cond evt="onPrev" delay="0">
+                  <p:tgtEl>
+                    <p:sldTgt/>
+                  </p:tgtEl>
+                </p:cond>
+              </p:prevCondLst>
+              <p:nextCondLst>
+                <p:cond evt="onNext" delay="0">
+                  <p:tgtEl>
+                    <p:sldTgt/>
+                  </p:tgtEl>
+                </p:cond>
+              </p:nextCondLst>
+            </p:seq>
+          </p:childTnLst>
+        </p:cTn>
       </p:par>
     </p:tnLst>
+    <p:bldLst>
+      <p:bldGraphic spid="6" grpId="0">
+        <p:bldAsOne/>
+      </p:bldGraphic>
+      <p:bldP spid="5" grpId="0" uiExpand="1" build="p"/>
+    </p:bldLst>
   </p:timing>
 </p:sld>
 </file>
@@ -30595,9 +29215,287 @@
   <p:timing>
     <p:tnLst>
       <p:par>
-        <p:cTn id="1" dur="indefinite" restart="never" nodeType="tmRoot"/>
+        <p:cTn id="1" dur="indefinite" restart="never" nodeType="tmRoot">
+          <p:childTnLst>
+            <p:seq concurrent="1" nextAc="seek">
+              <p:cTn id="2" dur="indefinite" nodeType="mainSeq">
+                <p:childTnLst>
+                  <p:par>
+                    <p:cTn id="3" fill="hold">
+                      <p:stCondLst>
+                        <p:cond delay="indefinite"/>
+                      </p:stCondLst>
+                      <p:childTnLst>
+                        <p:par>
+                          <p:cTn id="4" fill="hold">
+                            <p:stCondLst>
+                              <p:cond delay="0"/>
+                            </p:stCondLst>
+                            <p:childTnLst>
+                              <p:par>
+                                <p:cTn id="5" presetID="1" presetClass="entr" presetSubtype="0" fill="hold" grpId="0" nodeType="clickEffect">
+                                  <p:stCondLst>
+                                    <p:cond delay="0"/>
+                                  </p:stCondLst>
+                                  <p:childTnLst>
+                                    <p:set>
+                                      <p:cBhvr>
+                                        <p:cTn id="6" dur="1" fill="hold">
+                                          <p:stCondLst>
+                                            <p:cond delay="0"/>
+                                          </p:stCondLst>
+                                        </p:cTn>
+                                        <p:tgtEl>
+                                          <p:spTgt spid="6"/>
+                                        </p:tgtEl>
+                                        <p:attrNameLst>
+                                          <p:attrName>style.visibility</p:attrName>
+                                        </p:attrNameLst>
+                                      </p:cBhvr>
+                                      <p:to>
+                                        <p:strVal val="visible"/>
+                                      </p:to>
+                                    </p:set>
+                                  </p:childTnLst>
+                                </p:cTn>
+                              </p:par>
+                            </p:childTnLst>
+                          </p:cTn>
+                        </p:par>
+                      </p:childTnLst>
+                    </p:cTn>
+                  </p:par>
+                  <p:par>
+                    <p:cTn id="7" fill="hold">
+                      <p:stCondLst>
+                        <p:cond delay="indefinite"/>
+                      </p:stCondLst>
+                      <p:childTnLst>
+                        <p:par>
+                          <p:cTn id="8" fill="hold">
+                            <p:stCondLst>
+                              <p:cond delay="0"/>
+                            </p:stCondLst>
+                            <p:childTnLst>
+                              <p:par>
+                                <p:cTn id="9" presetID="1" presetClass="entr" presetSubtype="0" fill="hold" grpId="0" nodeType="clickEffect">
+                                  <p:stCondLst>
+                                    <p:cond delay="0"/>
+                                  </p:stCondLst>
+                                  <p:childTnLst>
+                                    <p:set>
+                                      <p:cBhvr>
+                                        <p:cTn id="10" dur="1" fill="hold">
+                                          <p:stCondLst>
+                                            <p:cond delay="0"/>
+                                          </p:stCondLst>
+                                        </p:cTn>
+                                        <p:tgtEl>
+                                          <p:spTgt spid="5">
+                                            <p:txEl>
+                                              <p:pRg st="0" end="0"/>
+                                            </p:txEl>
+                                          </p:spTgt>
+                                        </p:tgtEl>
+                                        <p:attrNameLst>
+                                          <p:attrName>style.visibility</p:attrName>
+                                        </p:attrNameLst>
+                                      </p:cBhvr>
+                                      <p:to>
+                                        <p:strVal val="visible"/>
+                                      </p:to>
+                                    </p:set>
+                                  </p:childTnLst>
+                                </p:cTn>
+                              </p:par>
+                              <p:par>
+                                <p:cTn id="11" presetID="1" presetClass="entr" presetSubtype="0" fill="hold" grpId="0" nodeType="withEffect">
+                                  <p:stCondLst>
+                                    <p:cond delay="0"/>
+                                  </p:stCondLst>
+                                  <p:childTnLst>
+                                    <p:set>
+                                      <p:cBhvr>
+                                        <p:cTn id="12" dur="1" fill="hold">
+                                          <p:stCondLst>
+                                            <p:cond delay="0"/>
+                                          </p:stCondLst>
+                                        </p:cTn>
+                                        <p:tgtEl>
+                                          <p:spTgt spid="5">
+                                            <p:txEl>
+                                              <p:pRg st="1" end="1"/>
+                                            </p:txEl>
+                                          </p:spTgt>
+                                        </p:tgtEl>
+                                        <p:attrNameLst>
+                                          <p:attrName>style.visibility</p:attrName>
+                                        </p:attrNameLst>
+                                      </p:cBhvr>
+                                      <p:to>
+                                        <p:strVal val="visible"/>
+                                      </p:to>
+                                    </p:set>
+                                  </p:childTnLst>
+                                </p:cTn>
+                              </p:par>
+                              <p:par>
+                                <p:cTn id="13" presetID="1" presetClass="entr" presetSubtype="0" fill="hold" grpId="0" nodeType="withEffect">
+                                  <p:stCondLst>
+                                    <p:cond delay="0"/>
+                                  </p:stCondLst>
+                                  <p:childTnLst>
+                                    <p:set>
+                                      <p:cBhvr>
+                                        <p:cTn id="14" dur="1" fill="hold">
+                                          <p:stCondLst>
+                                            <p:cond delay="0"/>
+                                          </p:stCondLst>
+                                        </p:cTn>
+                                        <p:tgtEl>
+                                          <p:spTgt spid="5">
+                                            <p:txEl>
+                                              <p:pRg st="2" end="2"/>
+                                            </p:txEl>
+                                          </p:spTgt>
+                                        </p:tgtEl>
+                                        <p:attrNameLst>
+                                          <p:attrName>style.visibility</p:attrName>
+                                        </p:attrNameLst>
+                                      </p:cBhvr>
+                                      <p:to>
+                                        <p:strVal val="visible"/>
+                                      </p:to>
+                                    </p:set>
+                                  </p:childTnLst>
+                                </p:cTn>
+                              </p:par>
+                              <p:par>
+                                <p:cTn id="15" presetID="1" presetClass="entr" presetSubtype="0" fill="hold" grpId="0" nodeType="withEffect">
+                                  <p:stCondLst>
+                                    <p:cond delay="0"/>
+                                  </p:stCondLst>
+                                  <p:childTnLst>
+                                    <p:set>
+                                      <p:cBhvr>
+                                        <p:cTn id="16" dur="1" fill="hold">
+                                          <p:stCondLst>
+                                            <p:cond delay="0"/>
+                                          </p:stCondLst>
+                                        </p:cTn>
+                                        <p:tgtEl>
+                                          <p:spTgt spid="5">
+                                            <p:txEl>
+                                              <p:pRg st="3" end="3"/>
+                                            </p:txEl>
+                                          </p:spTgt>
+                                        </p:tgtEl>
+                                        <p:attrNameLst>
+                                          <p:attrName>style.visibility</p:attrName>
+                                        </p:attrNameLst>
+                                      </p:cBhvr>
+                                      <p:to>
+                                        <p:strVal val="visible"/>
+                                      </p:to>
+                                    </p:set>
+                                  </p:childTnLst>
+                                </p:cTn>
+                              </p:par>
+                              <p:par>
+                                <p:cTn id="17" presetID="1" presetClass="entr" presetSubtype="0" fill="hold" grpId="0" nodeType="withEffect">
+                                  <p:stCondLst>
+                                    <p:cond delay="0"/>
+                                  </p:stCondLst>
+                                  <p:childTnLst>
+                                    <p:set>
+                                      <p:cBhvr>
+                                        <p:cTn id="18" dur="1" fill="hold">
+                                          <p:stCondLst>
+                                            <p:cond delay="0"/>
+                                          </p:stCondLst>
+                                        </p:cTn>
+                                        <p:tgtEl>
+                                          <p:spTgt spid="5">
+                                            <p:txEl>
+                                              <p:pRg st="4" end="4"/>
+                                            </p:txEl>
+                                          </p:spTgt>
+                                        </p:tgtEl>
+                                        <p:attrNameLst>
+                                          <p:attrName>style.visibility</p:attrName>
+                                        </p:attrNameLst>
+                                      </p:cBhvr>
+                                      <p:to>
+                                        <p:strVal val="visible"/>
+                                      </p:to>
+                                    </p:set>
+                                  </p:childTnLst>
+                                </p:cTn>
+                              </p:par>
+                              <p:par>
+                                <p:cTn id="19" presetID="1" presetClass="entr" presetSubtype="0" fill="hold" grpId="0" nodeType="withEffect">
+                                  <p:stCondLst>
+                                    <p:cond delay="0"/>
+                                  </p:stCondLst>
+                                  <p:childTnLst>
+                                    <p:set>
+                                      <p:cBhvr>
+                                        <p:cTn id="20" dur="1" fill="hold">
+                                          <p:stCondLst>
+                                            <p:cond delay="0"/>
+                                          </p:stCondLst>
+                                        </p:cTn>
+                                        <p:tgtEl>
+                                          <p:spTgt spid="5">
+                                            <p:txEl>
+                                              <p:pRg st="5" end="5"/>
+                                            </p:txEl>
+                                          </p:spTgt>
+                                        </p:tgtEl>
+                                        <p:attrNameLst>
+                                          <p:attrName>style.visibility</p:attrName>
+                                        </p:attrNameLst>
+                                      </p:cBhvr>
+                                      <p:to>
+                                        <p:strVal val="visible"/>
+                                      </p:to>
+                                    </p:set>
+                                  </p:childTnLst>
+                                </p:cTn>
+                              </p:par>
+                            </p:childTnLst>
+                          </p:cTn>
+                        </p:par>
+                      </p:childTnLst>
+                    </p:cTn>
+                  </p:par>
+                </p:childTnLst>
+              </p:cTn>
+              <p:prevCondLst>
+                <p:cond evt="onPrev" delay="0">
+                  <p:tgtEl>
+                    <p:sldTgt/>
+                  </p:tgtEl>
+                </p:cond>
+              </p:prevCondLst>
+              <p:nextCondLst>
+                <p:cond evt="onNext" delay="0">
+                  <p:tgtEl>
+                    <p:sldTgt/>
+                  </p:tgtEl>
+                </p:cond>
+              </p:nextCondLst>
+            </p:seq>
+          </p:childTnLst>
+        </p:cTn>
       </p:par>
     </p:tnLst>
+    <p:bldLst>
+      <p:bldGraphic spid="6" grpId="0">
+        <p:bldAsOne/>
+      </p:bldGraphic>
+      <p:bldP spid="5" grpId="0" uiExpand="1" build="p"/>
+    </p:bldLst>
   </p:timing>
 </p:sld>
 </file>
@@ -31256,7 +30154,7 @@
           </a:ln>
           <a:extLst>
             <a:ext uri="{91240B29-F687-4f45-9708-019B960494DF}">
-              <a14:hiddenLine xmlns:a14="http://schemas.microsoft.com/office/drawing/2010/main" xmlns="" w="9525">
+              <a14:hiddenLine xmlns="" xmlns:a14="http://schemas.microsoft.com/office/drawing/2010/main" w="9525">
                 <a:solidFill>
                   <a:srgbClr val="000000"/>
                 </a:solidFill>
@@ -31310,7 +30208,7 @@
           </a:ln>
           <a:extLst>
             <a:ext uri="{91240B29-F687-4f45-9708-019B960494DF}">
-              <a14:hiddenLine xmlns:a14="http://schemas.microsoft.com/office/drawing/2010/main" xmlns="" w="9525">
+              <a14:hiddenLine xmlns="" xmlns:a14="http://schemas.microsoft.com/office/drawing/2010/main" w="9525">
                 <a:solidFill>
                   <a:srgbClr val="000000"/>
                 </a:solidFill>
@@ -31455,8 +30353,12 @@
           <a:lstStyle/>
           <a:p>
             <a:r>
+              <a:rPr lang="en-US" dirty="0" smtClean="0"/>
+              <a:t>"Traditional" SharePoint </a:t>
+            </a:r>
+            <a:r>
               <a:rPr lang="en-US" dirty="0"/>
-              <a:t>SharePoint Development Challenges</a:t>
+              <a:t>Development Challenges</a:t>
             </a:r>
           </a:p>
         </p:txBody>
@@ -32133,7 +31035,7 @@
       </p:par>
     </p:tnLst>
     <p:bldLst>
-      <p:bldGraphic spid="4" grpId="0" uiExpand="1">
+      <p:bldGraphic spid="4" grpId="0">
         <p:bldSub>
           <a:bldDgm bld="one"/>
         </p:bldSub>
@@ -32200,17 +31102,23 @@
           <a:p>
             <a:r>
               <a:rPr lang="en-US" dirty="0" smtClean="0"/>
-              <a:t>"Native" JavaScript </a:t>
-            </a:r>
+              <a:t>Can port a "Native" JavaScript application to SP2013 App Model (and vice versa)</a:t>
+            </a:r>
+          </a:p>
+          <a:p>
             <a:r>
               <a:rPr lang="en-US" dirty="0" smtClean="0"/>
-              <a:t>provides a "quicker" development experience</a:t>
-            </a:r>
-          </a:p>
-          <a:p>
+              <a:t>"</a:t>
+            </a:r>
             <a:r>
               <a:rPr lang="en-US" dirty="0" smtClean="0"/>
-              <a:t>Leverage other IDE's such as WebStorm</a:t>
+              <a:t>Native" JavaScript provides a "quicker" development experience</a:t>
+            </a:r>
+          </a:p>
+          <a:p>
+            <a:r>
+              <a:rPr lang="en-US" dirty="0" smtClean="0"/>
+              <a:t>Leverage other IDE's such as WebStorm and Brackets</a:t>
             </a:r>
           </a:p>
           <a:p>
@@ -32222,29 +31130,13 @@
           <a:p>
             <a:r>
               <a:rPr lang="en-US" dirty="0" smtClean="0"/>
-              <a:t>Deploy to a site without </a:t>
-            </a:r>
+              <a:t>Deploy to a site without permissions to App Store</a:t>
+            </a:r>
+          </a:p>
+          <a:p>
             <a:r>
               <a:rPr lang="en-US" dirty="0" smtClean="0"/>
-              <a:t>permissions to </a:t>
-            </a:r>
-            <a:r>
-              <a:rPr lang="en-US" dirty="0" smtClean="0"/>
-              <a:t>App Store</a:t>
-            </a:r>
-          </a:p>
-          <a:p>
-            <a:r>
-              <a:rPr lang="en-US" dirty="0" smtClean="0"/>
-              <a:t>App parts run as iframe which </a:t>
-            </a:r>
-            <a:r>
-              <a:rPr lang="en-US" dirty="0" smtClean="0"/>
-              <a:t>don't scroll </a:t>
-            </a:r>
-            <a:r>
-              <a:rPr lang="en-US" dirty="0" smtClean="0"/>
-              <a:t>in iOS</a:t>
+              <a:t>App parts run as iframe which don't scroll in iOS</a:t>
             </a:r>
             <a:endParaRPr lang="en-US" dirty="0"/>
           </a:p>
@@ -33520,11 +32412,13 @@
         </p:nvSpPr>
         <p:spPr/>
         <p:txBody>
-          <a:bodyPr/>
+          <a:bodyPr>
+            <a:normAutofit/>
+          </a:bodyPr>
           <a:lstStyle/>
           <a:p>
             <a:r>
-              <a:rPr lang="en-US" dirty="0"/>
+              <a:rPr lang="en-US" sz="3400" dirty="0"/>
               <a:t>SharePoint 2013 Remote API</a:t>
             </a:r>
           </a:p>
@@ -33777,7 +32671,7 @@
           <a:p>
             <a:r>
               <a:rPr lang="en-US" dirty="0" smtClean="0"/>
-              <a:t>Tools</a:t>
+              <a:t>Projects Demo</a:t>
             </a:r>
             <a:endParaRPr lang="en-US" dirty="0"/>
           </a:p>
@@ -33805,7 +32699,7 @@
     </p:spTree>
     <p:extLst>
       <p:ext uri="{BB962C8B-B14F-4D97-AF65-F5344CB8AC3E}">
-        <p14:creationId xmlns:p14="http://schemas.microsoft.com/office/powerpoint/2010/main" val="1893041578"/>
+        <p14:creationId xmlns:p14="http://schemas.microsoft.com/office/powerpoint/2010/main" val="3811698405"/>
       </p:ext>
     </p:extLst>
   </p:cSld>
@@ -33868,7 +32762,7 @@
           <a:p>
             <a:r>
               <a:rPr lang="en-US" dirty="0" smtClean="0"/>
-              <a:t>Tools</a:t>
+              <a:t>Deployment</a:t>
             </a:r>
             <a:endParaRPr lang="en-US" dirty="0"/>
           </a:p>
@@ -33876,12 +32770,12 @@
       </p:sp>
       <p:sp>
         <p:nvSpPr>
-          <p:cNvPr id="3" name="Content Placeholder 2"/>
+          <p:cNvPr id="3" name="Text Placeholder 2"/>
           <p:cNvSpPr>
             <a:spLocks noGrp="1"/>
           </p:cNvSpPr>
           <p:nvPr>
-            <p:ph idx="1"/>
+            <p:ph type="body" idx="1"/>
           </p:nvPr>
         </p:nvSpPr>
         <p:spPr/>
@@ -33889,58 +32783,14 @@
           <a:bodyPr/>
           <a:lstStyle/>
           <a:p>
-            <a:r>
-              <a:rPr lang="en-US" dirty="0" smtClean="0"/>
-              <a:t>IDE: Visual Studio, WebStorm, Brackets, Atom, Sublime Text</a:t>
-            </a:r>
-          </a:p>
-          <a:p>
-            <a:r>
-              <a:rPr lang="en-US" dirty="0"/>
-              <a:t>Third-party JavaScript frameworks: jQuery, Bootstrap, Moment, DataTables, ng-tasty, Font Awesome, SPServices, lodash</a:t>
-            </a:r>
-          </a:p>
-          <a:p>
-            <a:r>
-              <a:rPr lang="en-US" dirty="0" smtClean="0"/>
-              <a:t>Browser Plug-ins: Firebug, Batarang, Postman</a:t>
-            </a:r>
-          </a:p>
-          <a:p>
-            <a:r>
-              <a:rPr lang="en-US" dirty="0" smtClean="0"/>
-              <a:t>Task Runners: Gulp, Grunt</a:t>
-            </a:r>
-          </a:p>
-          <a:p>
-            <a:r>
-              <a:rPr lang="en-US" dirty="0" smtClean="0"/>
-              <a:t>Package Managers: npm, Bower</a:t>
-            </a:r>
-          </a:p>
-          <a:p>
-            <a:r>
-              <a:rPr lang="en-US" dirty="0" smtClean="0"/>
-              <a:t>Source control: Git, Visual Studio Online</a:t>
-            </a:r>
-          </a:p>
-          <a:p>
-            <a:r>
-              <a:rPr lang="en-US" dirty="0" smtClean="0"/>
-              <a:t>Other tools: Node.js, Fiddler, Karma, Jasmine, </a:t>
-            </a:r>
-            <a:r>
-              <a:rPr lang="en-US" dirty="0" err="1" smtClean="0"/>
-              <a:t>PhantomJS</a:t>
-            </a:r>
-            <a:endParaRPr lang="en-US" dirty="0"/>
+            <a:endParaRPr lang="en-US"/>
           </a:p>
         </p:txBody>
       </p:sp>
     </p:spTree>
     <p:extLst>
       <p:ext uri="{BB962C8B-B14F-4D97-AF65-F5344CB8AC3E}">
-        <p14:creationId xmlns:p14="http://schemas.microsoft.com/office/powerpoint/2010/main" val="3635730836"/>
+        <p14:creationId xmlns:p14="http://schemas.microsoft.com/office/powerpoint/2010/main" val="3664389473"/>
       </p:ext>
     </p:extLst>
   </p:cSld>
@@ -34003,35 +32853,41 @@
           <a:p>
             <a:r>
               <a:rPr lang="en-US" dirty="0" smtClean="0"/>
-              <a:t>Projects Demo</a:t>
+              <a:t>Deployment Workflow</a:t>
             </a:r>
             <a:endParaRPr lang="en-US" dirty="0"/>
           </a:p>
         </p:txBody>
       </p:sp>
-      <p:sp>
-        <p:nvSpPr>
-          <p:cNvPr id="3" name="Text Placeholder 2"/>
-          <p:cNvSpPr>
-            <a:spLocks noGrp="1"/>
-          </p:cNvSpPr>
+      <p:graphicFrame>
+        <p:nvGraphicFramePr>
+          <p:cNvPr id="4" name="Content Placeholder 3"/>
+          <p:cNvGraphicFramePr>
+            <a:graphicFrameLocks noGrp="1"/>
+          </p:cNvGraphicFramePr>
           <p:nvPr>
-            <p:ph type="body" idx="1"/>
+            <p:ph idx="1"/>
+            <p:extLst>
+              <p:ext uri="{D42A27DB-BD31-4B8C-83A1-F6EECF244321}">
+                <p14:modId xmlns:p14="http://schemas.microsoft.com/office/powerpoint/2010/main" val="3823091511"/>
+              </p:ext>
+            </p:extLst>
           </p:nvPr>
-        </p:nvSpPr>
-        <p:spPr/>
-        <p:txBody>
-          <a:bodyPr/>
-          <a:lstStyle/>
-          <a:p>
-            <a:endParaRPr lang="en-US"/>
-          </a:p>
-        </p:txBody>
-      </p:sp>
+        </p:nvGraphicFramePr>
+        <p:xfrm>
+          <a:off x="457200" y="1828800"/>
+          <a:ext cx="11353800" cy="4351338"/>
+        </p:xfrm>
+        <a:graphic>
+          <a:graphicData uri="http://schemas.openxmlformats.org/drawingml/2006/diagram">
+            <dgm:relIds xmlns:dgm="http://schemas.openxmlformats.org/drawingml/2006/diagram" xmlns:r="http://schemas.openxmlformats.org/officeDocument/2006/relationships" r:dm="rId2" r:lo="rId3" r:qs="rId4" r:cs="rId5"/>
+          </a:graphicData>
+        </a:graphic>
+      </p:graphicFrame>
     </p:spTree>
     <p:extLst>
       <p:ext uri="{BB962C8B-B14F-4D97-AF65-F5344CB8AC3E}">
-        <p14:creationId xmlns:p14="http://schemas.microsoft.com/office/powerpoint/2010/main" val="3811698405"/>
+        <p14:creationId xmlns:p14="http://schemas.microsoft.com/office/powerpoint/2010/main" val="3713504668"/>
       </p:ext>
     </p:extLst>
   </p:cSld>
@@ -34846,7 +33702,7 @@
           <a:p>
             <a:r>
               <a:rPr lang="en-US" dirty="0" smtClean="0"/>
-              <a:t>Deployment</a:t>
+              <a:t>Tools</a:t>
             </a:r>
             <a:endParaRPr lang="en-US" dirty="0"/>
           </a:p>
@@ -34874,7 +33730,7 @@
     </p:spTree>
     <p:extLst>
       <p:ext uri="{BB962C8B-B14F-4D97-AF65-F5344CB8AC3E}">
-        <p14:creationId xmlns:p14="http://schemas.microsoft.com/office/powerpoint/2010/main" val="3664389473"/>
+        <p14:creationId xmlns:p14="http://schemas.microsoft.com/office/powerpoint/2010/main" val="1893041578"/>
       </p:ext>
     </p:extLst>
   </p:cSld>
@@ -34937,41 +33793,79 @@
           <a:p>
             <a:r>
               <a:rPr lang="en-US" dirty="0" smtClean="0"/>
-              <a:t>Deployment Workflow</a:t>
+              <a:t>Tools</a:t>
             </a:r>
             <a:endParaRPr lang="en-US" dirty="0"/>
           </a:p>
         </p:txBody>
       </p:sp>
-      <p:graphicFrame>
-        <p:nvGraphicFramePr>
-          <p:cNvPr id="4" name="Content Placeholder 3"/>
-          <p:cNvGraphicFramePr>
-            <a:graphicFrameLocks noGrp="1"/>
-          </p:cNvGraphicFramePr>
+      <p:sp>
+        <p:nvSpPr>
+          <p:cNvPr id="3" name="Content Placeholder 2"/>
+          <p:cNvSpPr>
+            <a:spLocks noGrp="1"/>
+          </p:cNvSpPr>
           <p:nvPr>
             <p:ph idx="1"/>
-            <p:extLst>
-              <p:ext uri="{D42A27DB-BD31-4B8C-83A1-F6EECF244321}">
-                <p14:modId xmlns:p14="http://schemas.microsoft.com/office/powerpoint/2010/main" val="3823091511"/>
-              </p:ext>
-            </p:extLst>
           </p:nvPr>
-        </p:nvGraphicFramePr>
-        <p:xfrm>
-          <a:off x="457200" y="1828800"/>
-          <a:ext cx="11353800" cy="4351338"/>
-        </p:xfrm>
-        <a:graphic>
-          <a:graphicData uri="http://schemas.openxmlformats.org/drawingml/2006/diagram">
-            <dgm:relIds xmlns:dgm="http://schemas.openxmlformats.org/drawingml/2006/diagram" xmlns:r="http://schemas.openxmlformats.org/officeDocument/2006/relationships" r:dm="rId2" r:lo="rId3" r:qs="rId4" r:cs="rId5"/>
-          </a:graphicData>
-        </a:graphic>
-      </p:graphicFrame>
+        </p:nvSpPr>
+        <p:spPr/>
+        <p:txBody>
+          <a:bodyPr/>
+          <a:lstStyle/>
+          <a:p>
+            <a:r>
+              <a:rPr lang="en-US" dirty="0" smtClean="0"/>
+              <a:t>IDE: Visual Studio, WebStorm, Brackets, Atom, Sublime Text</a:t>
+            </a:r>
+          </a:p>
+          <a:p>
+            <a:r>
+              <a:rPr lang="en-US" dirty="0"/>
+              <a:t>Third-party JavaScript frameworks: jQuery, Bootstrap, Moment, DataTables, ng-tasty, Font Awesome, SPServices, lodash</a:t>
+            </a:r>
+          </a:p>
+          <a:p>
+            <a:r>
+              <a:rPr lang="en-US" dirty="0" smtClean="0"/>
+              <a:t>Browser Plug-ins: Firebug, Batarang, Postman</a:t>
+            </a:r>
+          </a:p>
+          <a:p>
+            <a:r>
+              <a:rPr lang="en-US" dirty="0" smtClean="0"/>
+              <a:t>Task Runners: Gulp, Grunt</a:t>
+            </a:r>
+          </a:p>
+          <a:p>
+            <a:r>
+              <a:rPr lang="en-US" dirty="0" smtClean="0"/>
+              <a:t>Package Managers: npm, Bower</a:t>
+            </a:r>
+          </a:p>
+          <a:p>
+            <a:r>
+              <a:rPr lang="en-US" dirty="0" smtClean="0"/>
+              <a:t>Source control: Git, Visual Studio Online</a:t>
+            </a:r>
+          </a:p>
+          <a:p>
+            <a:r>
+              <a:rPr lang="en-US" dirty="0" smtClean="0"/>
+              <a:t>Other tools: Node.js, Fiddler, Karma, Jasmine, </a:t>
+            </a:r>
+            <a:r>
+              <a:rPr lang="en-US" dirty="0" err="1" smtClean="0"/>
+              <a:t>PhantomJS</a:t>
+            </a:r>
+            <a:endParaRPr lang="en-US" dirty="0"/>
+          </a:p>
+        </p:txBody>
+      </p:sp>
     </p:spTree>
     <p:extLst>
       <p:ext uri="{BB962C8B-B14F-4D97-AF65-F5344CB8AC3E}">
-        <p14:creationId xmlns:p14="http://schemas.microsoft.com/office/powerpoint/2010/main" val="3713504668"/>
+        <p14:creationId xmlns:p14="http://schemas.microsoft.com/office/powerpoint/2010/main" val="3635730836"/>
       </p:ext>
     </p:extLst>
   </p:cSld>
@@ -38199,13 +37093,11 @@
           <a:p>
             <a:r>
               <a:rPr lang="en-US" dirty="0" smtClean="0"/>
-              <a:t>Tools</a:t>
-            </a:r>
-          </a:p>
-          <a:p>
+              <a:t>Projects </a:t>
+            </a:r>
             <a:r>
               <a:rPr lang="en-US" dirty="0" smtClean="0"/>
-              <a:t>Projects Demo</a:t>
+              <a:t>Demo</a:t>
             </a:r>
             <a:endParaRPr lang="en-US" dirty="0"/>
           </a:p>
@@ -38217,8 +37109,18 @@
           </a:p>
           <a:p>
             <a:r>
+              <a:rPr lang="en-US" dirty="0"/>
+              <a:t>Tools</a:t>
+            </a:r>
+          </a:p>
+          <a:p>
+            <a:r>
               <a:rPr lang="en-US" dirty="0" smtClean="0"/>
-              <a:t>Best Practices &amp; Gotchas</a:t>
+              <a:t>Best </a:t>
+            </a:r>
+            <a:r>
+              <a:rPr lang="en-US" dirty="0" smtClean="0"/>
+              <a:t>Practices &amp; Gotchas</a:t>
             </a:r>
           </a:p>
         </p:txBody>
@@ -38542,9 +37444,492 @@
   <p:timing>
     <p:tnLst>
       <p:par>
-        <p:cTn id="1" dur="indefinite" restart="never" nodeType="tmRoot"/>
+        <p:cTn id="1" dur="indefinite" restart="never" nodeType="tmRoot">
+          <p:childTnLst>
+            <p:seq concurrent="1" nextAc="seek">
+              <p:cTn id="2" dur="indefinite" nodeType="mainSeq">
+                <p:childTnLst>
+                  <p:par>
+                    <p:cTn id="3" fill="hold">
+                      <p:stCondLst>
+                        <p:cond delay="indefinite"/>
+                      </p:stCondLst>
+                      <p:childTnLst>
+                        <p:par>
+                          <p:cTn id="4" fill="hold">
+                            <p:stCondLst>
+                              <p:cond delay="0"/>
+                            </p:stCondLst>
+                            <p:childTnLst>
+                              <p:par>
+                                <p:cTn id="5" presetID="1" presetClass="entr" presetSubtype="0" fill="hold" grpId="0" nodeType="clickEffect">
+                                  <p:stCondLst>
+                                    <p:cond delay="0"/>
+                                  </p:stCondLst>
+                                  <p:childTnLst>
+                                    <p:set>
+                                      <p:cBhvr>
+                                        <p:cTn id="6" dur="1" fill="hold">
+                                          <p:stCondLst>
+                                            <p:cond delay="0"/>
+                                          </p:stCondLst>
+                                        </p:cTn>
+                                        <p:tgtEl>
+                                          <p:spTgt spid="3">
+                                            <p:txEl>
+                                              <p:pRg st="0" end="0"/>
+                                            </p:txEl>
+                                          </p:spTgt>
+                                        </p:tgtEl>
+                                        <p:attrNameLst>
+                                          <p:attrName>style.visibility</p:attrName>
+                                        </p:attrNameLst>
+                                      </p:cBhvr>
+                                      <p:to>
+                                        <p:strVal val="visible"/>
+                                      </p:to>
+                                    </p:set>
+                                  </p:childTnLst>
+                                </p:cTn>
+                              </p:par>
+                              <p:par>
+                                <p:cTn id="7" presetID="1" presetClass="entr" presetSubtype="0" fill="hold" grpId="0" nodeType="withEffect">
+                                  <p:stCondLst>
+                                    <p:cond delay="0"/>
+                                  </p:stCondLst>
+                                  <p:childTnLst>
+                                    <p:set>
+                                      <p:cBhvr>
+                                        <p:cTn id="8" dur="1" fill="hold">
+                                          <p:stCondLst>
+                                            <p:cond delay="0"/>
+                                          </p:stCondLst>
+                                        </p:cTn>
+                                        <p:tgtEl>
+                                          <p:spTgt spid="3">
+                                            <p:txEl>
+                                              <p:pRg st="1" end="1"/>
+                                            </p:txEl>
+                                          </p:spTgt>
+                                        </p:tgtEl>
+                                        <p:attrNameLst>
+                                          <p:attrName>style.visibility</p:attrName>
+                                        </p:attrNameLst>
+                                      </p:cBhvr>
+                                      <p:to>
+                                        <p:strVal val="visible"/>
+                                      </p:to>
+                                    </p:set>
+                                  </p:childTnLst>
+                                </p:cTn>
+                              </p:par>
+                            </p:childTnLst>
+                          </p:cTn>
+                        </p:par>
+                      </p:childTnLst>
+                    </p:cTn>
+                  </p:par>
+                  <p:par>
+                    <p:cTn id="9" fill="hold">
+                      <p:stCondLst>
+                        <p:cond delay="indefinite"/>
+                      </p:stCondLst>
+                      <p:childTnLst>
+                        <p:par>
+                          <p:cTn id="10" fill="hold">
+                            <p:stCondLst>
+                              <p:cond delay="0"/>
+                            </p:stCondLst>
+                            <p:childTnLst>
+                              <p:par>
+                                <p:cTn id="11" presetID="1" presetClass="entr" presetSubtype="0" fill="hold" grpId="0" nodeType="clickEffect">
+                                  <p:stCondLst>
+                                    <p:cond delay="0"/>
+                                  </p:stCondLst>
+                                  <p:childTnLst>
+                                    <p:set>
+                                      <p:cBhvr>
+                                        <p:cTn id="12" dur="1" fill="hold">
+                                          <p:stCondLst>
+                                            <p:cond delay="0"/>
+                                          </p:stCondLst>
+                                        </p:cTn>
+                                        <p:tgtEl>
+                                          <p:spTgt spid="3">
+                                            <p:txEl>
+                                              <p:pRg st="2" end="2"/>
+                                            </p:txEl>
+                                          </p:spTgt>
+                                        </p:tgtEl>
+                                        <p:attrNameLst>
+                                          <p:attrName>style.visibility</p:attrName>
+                                        </p:attrNameLst>
+                                      </p:cBhvr>
+                                      <p:to>
+                                        <p:strVal val="visible"/>
+                                      </p:to>
+                                    </p:set>
+                                  </p:childTnLst>
+                                </p:cTn>
+                              </p:par>
+                              <p:par>
+                                <p:cTn id="13" presetID="1" presetClass="entr" presetSubtype="0" fill="hold" grpId="0" nodeType="withEffect">
+                                  <p:stCondLst>
+                                    <p:cond delay="0"/>
+                                  </p:stCondLst>
+                                  <p:childTnLst>
+                                    <p:set>
+                                      <p:cBhvr>
+                                        <p:cTn id="14" dur="1" fill="hold">
+                                          <p:stCondLst>
+                                            <p:cond delay="0"/>
+                                          </p:stCondLst>
+                                        </p:cTn>
+                                        <p:tgtEl>
+                                          <p:spTgt spid="3">
+                                            <p:txEl>
+                                              <p:pRg st="3" end="3"/>
+                                            </p:txEl>
+                                          </p:spTgt>
+                                        </p:tgtEl>
+                                        <p:attrNameLst>
+                                          <p:attrName>style.visibility</p:attrName>
+                                        </p:attrNameLst>
+                                      </p:cBhvr>
+                                      <p:to>
+                                        <p:strVal val="visible"/>
+                                      </p:to>
+                                    </p:set>
+                                  </p:childTnLst>
+                                </p:cTn>
+                              </p:par>
+                              <p:par>
+                                <p:cTn id="15" presetID="1" presetClass="entr" presetSubtype="0" fill="hold" grpId="0" nodeType="withEffect">
+                                  <p:stCondLst>
+                                    <p:cond delay="0"/>
+                                  </p:stCondLst>
+                                  <p:childTnLst>
+                                    <p:set>
+                                      <p:cBhvr>
+                                        <p:cTn id="16" dur="1" fill="hold">
+                                          <p:stCondLst>
+                                            <p:cond delay="0"/>
+                                          </p:stCondLst>
+                                        </p:cTn>
+                                        <p:tgtEl>
+                                          <p:spTgt spid="3">
+                                            <p:txEl>
+                                              <p:pRg st="4" end="4"/>
+                                            </p:txEl>
+                                          </p:spTgt>
+                                        </p:tgtEl>
+                                        <p:attrNameLst>
+                                          <p:attrName>style.visibility</p:attrName>
+                                        </p:attrNameLst>
+                                      </p:cBhvr>
+                                      <p:to>
+                                        <p:strVal val="visible"/>
+                                      </p:to>
+                                    </p:set>
+                                  </p:childTnLst>
+                                </p:cTn>
+                              </p:par>
+                              <p:par>
+                                <p:cTn id="17" presetID="1" presetClass="entr" presetSubtype="0" fill="hold" grpId="0" nodeType="withEffect">
+                                  <p:stCondLst>
+                                    <p:cond delay="0"/>
+                                  </p:stCondLst>
+                                  <p:childTnLst>
+                                    <p:set>
+                                      <p:cBhvr>
+                                        <p:cTn id="18" dur="1" fill="hold">
+                                          <p:stCondLst>
+                                            <p:cond delay="0"/>
+                                          </p:stCondLst>
+                                        </p:cTn>
+                                        <p:tgtEl>
+                                          <p:spTgt spid="3">
+                                            <p:txEl>
+                                              <p:pRg st="5" end="5"/>
+                                            </p:txEl>
+                                          </p:spTgt>
+                                        </p:tgtEl>
+                                        <p:attrNameLst>
+                                          <p:attrName>style.visibility</p:attrName>
+                                        </p:attrNameLst>
+                                      </p:cBhvr>
+                                      <p:to>
+                                        <p:strVal val="visible"/>
+                                      </p:to>
+                                    </p:set>
+                                  </p:childTnLst>
+                                </p:cTn>
+                              </p:par>
+                              <p:par>
+                                <p:cTn id="19" presetID="1" presetClass="entr" presetSubtype="0" fill="hold" grpId="0" nodeType="withEffect">
+                                  <p:stCondLst>
+                                    <p:cond delay="0"/>
+                                  </p:stCondLst>
+                                  <p:childTnLst>
+                                    <p:set>
+                                      <p:cBhvr>
+                                        <p:cTn id="20" dur="1" fill="hold">
+                                          <p:stCondLst>
+                                            <p:cond delay="0"/>
+                                          </p:stCondLst>
+                                        </p:cTn>
+                                        <p:tgtEl>
+                                          <p:spTgt spid="3">
+                                            <p:txEl>
+                                              <p:pRg st="6" end="6"/>
+                                            </p:txEl>
+                                          </p:spTgt>
+                                        </p:tgtEl>
+                                        <p:attrNameLst>
+                                          <p:attrName>style.visibility</p:attrName>
+                                        </p:attrNameLst>
+                                      </p:cBhvr>
+                                      <p:to>
+                                        <p:strVal val="visible"/>
+                                      </p:to>
+                                    </p:set>
+                                  </p:childTnLst>
+                                </p:cTn>
+                              </p:par>
+                              <p:par>
+                                <p:cTn id="21" presetID="1" presetClass="entr" presetSubtype="0" fill="hold" grpId="0" nodeType="withEffect">
+                                  <p:stCondLst>
+                                    <p:cond delay="0"/>
+                                  </p:stCondLst>
+                                  <p:childTnLst>
+                                    <p:set>
+                                      <p:cBhvr>
+                                        <p:cTn id="22" dur="1" fill="hold">
+                                          <p:stCondLst>
+                                            <p:cond delay="0"/>
+                                          </p:stCondLst>
+                                        </p:cTn>
+                                        <p:tgtEl>
+                                          <p:spTgt spid="3">
+                                            <p:txEl>
+                                              <p:pRg st="7" end="7"/>
+                                            </p:txEl>
+                                          </p:spTgt>
+                                        </p:tgtEl>
+                                        <p:attrNameLst>
+                                          <p:attrName>style.visibility</p:attrName>
+                                        </p:attrNameLst>
+                                      </p:cBhvr>
+                                      <p:to>
+                                        <p:strVal val="visible"/>
+                                      </p:to>
+                                    </p:set>
+                                  </p:childTnLst>
+                                </p:cTn>
+                              </p:par>
+                            </p:childTnLst>
+                          </p:cTn>
+                        </p:par>
+                      </p:childTnLst>
+                    </p:cTn>
+                  </p:par>
+                  <p:par>
+                    <p:cTn id="23" fill="hold">
+                      <p:stCondLst>
+                        <p:cond delay="indefinite"/>
+                      </p:stCondLst>
+                      <p:childTnLst>
+                        <p:par>
+                          <p:cTn id="24" fill="hold">
+                            <p:stCondLst>
+                              <p:cond delay="0"/>
+                            </p:stCondLst>
+                            <p:childTnLst>
+                              <p:par>
+                                <p:cTn id="25" presetID="1" presetClass="entr" presetSubtype="0" fill="hold" grpId="0" nodeType="clickEffect">
+                                  <p:stCondLst>
+                                    <p:cond delay="0"/>
+                                  </p:stCondLst>
+                                  <p:childTnLst>
+                                    <p:set>
+                                      <p:cBhvr>
+                                        <p:cTn id="26" dur="1" fill="hold">
+                                          <p:stCondLst>
+                                            <p:cond delay="0"/>
+                                          </p:stCondLst>
+                                        </p:cTn>
+                                        <p:tgtEl>
+                                          <p:spTgt spid="3">
+                                            <p:txEl>
+                                              <p:pRg st="8" end="8"/>
+                                            </p:txEl>
+                                          </p:spTgt>
+                                        </p:tgtEl>
+                                        <p:attrNameLst>
+                                          <p:attrName>style.visibility</p:attrName>
+                                        </p:attrNameLst>
+                                      </p:cBhvr>
+                                      <p:to>
+                                        <p:strVal val="visible"/>
+                                      </p:to>
+                                    </p:set>
+                                  </p:childTnLst>
+                                </p:cTn>
+                              </p:par>
+                              <p:par>
+                                <p:cTn id="27" presetID="1" presetClass="entr" presetSubtype="0" fill="hold" grpId="0" nodeType="withEffect">
+                                  <p:stCondLst>
+                                    <p:cond delay="0"/>
+                                  </p:stCondLst>
+                                  <p:childTnLst>
+                                    <p:set>
+                                      <p:cBhvr>
+                                        <p:cTn id="28" dur="1" fill="hold">
+                                          <p:stCondLst>
+                                            <p:cond delay="0"/>
+                                          </p:stCondLst>
+                                        </p:cTn>
+                                        <p:tgtEl>
+                                          <p:spTgt spid="3">
+                                            <p:txEl>
+                                              <p:pRg st="9" end="9"/>
+                                            </p:txEl>
+                                          </p:spTgt>
+                                        </p:tgtEl>
+                                        <p:attrNameLst>
+                                          <p:attrName>style.visibility</p:attrName>
+                                        </p:attrNameLst>
+                                      </p:cBhvr>
+                                      <p:to>
+                                        <p:strVal val="visible"/>
+                                      </p:to>
+                                    </p:set>
+                                  </p:childTnLst>
+                                </p:cTn>
+                              </p:par>
+                              <p:par>
+                                <p:cTn id="29" presetID="1" presetClass="entr" presetSubtype="0" fill="hold" grpId="0" nodeType="withEffect">
+                                  <p:stCondLst>
+                                    <p:cond delay="0"/>
+                                  </p:stCondLst>
+                                  <p:childTnLst>
+                                    <p:set>
+                                      <p:cBhvr>
+                                        <p:cTn id="30" dur="1" fill="hold">
+                                          <p:stCondLst>
+                                            <p:cond delay="0"/>
+                                          </p:stCondLst>
+                                        </p:cTn>
+                                        <p:tgtEl>
+                                          <p:spTgt spid="3">
+                                            <p:txEl>
+                                              <p:pRg st="10" end="10"/>
+                                            </p:txEl>
+                                          </p:spTgt>
+                                        </p:tgtEl>
+                                        <p:attrNameLst>
+                                          <p:attrName>style.visibility</p:attrName>
+                                        </p:attrNameLst>
+                                      </p:cBhvr>
+                                      <p:to>
+                                        <p:strVal val="visible"/>
+                                      </p:to>
+                                    </p:set>
+                                  </p:childTnLst>
+                                </p:cTn>
+                              </p:par>
+                              <p:par>
+                                <p:cTn id="31" presetID="1" presetClass="entr" presetSubtype="0" fill="hold" grpId="0" nodeType="withEffect">
+                                  <p:stCondLst>
+                                    <p:cond delay="0"/>
+                                  </p:stCondLst>
+                                  <p:childTnLst>
+                                    <p:set>
+                                      <p:cBhvr>
+                                        <p:cTn id="32" dur="1" fill="hold">
+                                          <p:stCondLst>
+                                            <p:cond delay="0"/>
+                                          </p:stCondLst>
+                                        </p:cTn>
+                                        <p:tgtEl>
+                                          <p:spTgt spid="3">
+                                            <p:txEl>
+                                              <p:pRg st="11" end="11"/>
+                                            </p:txEl>
+                                          </p:spTgt>
+                                        </p:tgtEl>
+                                        <p:attrNameLst>
+                                          <p:attrName>style.visibility</p:attrName>
+                                        </p:attrNameLst>
+                                      </p:cBhvr>
+                                      <p:to>
+                                        <p:strVal val="visible"/>
+                                      </p:to>
+                                    </p:set>
+                                  </p:childTnLst>
+                                </p:cTn>
+                              </p:par>
+                              <p:par>
+                                <p:cTn id="33" presetID="1" presetClass="entr" presetSubtype="0" fill="hold" grpId="0" nodeType="withEffect">
+                                  <p:stCondLst>
+                                    <p:cond delay="0"/>
+                                  </p:stCondLst>
+                                  <p:childTnLst>
+                                    <p:set>
+                                      <p:cBhvr>
+                                        <p:cTn id="34" dur="1" fill="hold">
+                                          <p:stCondLst>
+                                            <p:cond delay="0"/>
+                                          </p:stCondLst>
+                                        </p:cTn>
+                                        <p:tgtEl>
+                                          <p:spTgt spid="3">
+                                            <p:txEl>
+                                              <p:pRg st="12" end="12"/>
+                                            </p:txEl>
+                                          </p:spTgt>
+                                        </p:tgtEl>
+                                        <p:attrNameLst>
+                                          <p:attrName>style.visibility</p:attrName>
+                                        </p:attrNameLst>
+                                      </p:cBhvr>
+                                      <p:to>
+                                        <p:strVal val="visible"/>
+                                      </p:to>
+                                    </p:set>
+                                  </p:childTnLst>
+                                </p:cTn>
+                              </p:par>
+                            </p:childTnLst>
+                          </p:cTn>
+                        </p:par>
+                      </p:childTnLst>
+                    </p:cTn>
+                  </p:par>
+                </p:childTnLst>
+              </p:cTn>
+              <p:prevCondLst>
+                <p:cond evt="onPrev" delay="0">
+                  <p:tgtEl>
+                    <p:sldTgt/>
+                  </p:tgtEl>
+                </p:cond>
+              </p:prevCondLst>
+              <p:nextCondLst>
+                <p:cond evt="onNext" delay="0">
+                  <p:tgtEl>
+                    <p:sldTgt/>
+                  </p:tgtEl>
+                </p:cond>
+              </p:nextCondLst>
+            </p:seq>
+          </p:childTnLst>
+        </p:cTn>
       </p:par>
     </p:tnLst>
+    <p:bldLst>
+      <p:bldP spid="3" grpId="0" build="p"/>
+    </p:bldLst>
   </p:timing>
 </p:sld>
 </file>
@@ -38781,15 +38166,7 @@
           <a:p>
             <a:r>
               <a:rPr lang="en-US" dirty="0" smtClean="0"/>
-              <a:t>Vibrant community (books, </a:t>
-            </a:r>
-            <a:r>
-              <a:rPr lang="en-US" dirty="0" smtClean="0"/>
-              <a:t>Stack Overflow, blogs</a:t>
-            </a:r>
-            <a:r>
-              <a:rPr lang="en-US" dirty="0" smtClean="0"/>
-              <a:t>, plug-ins, resources, etc.)</a:t>
+              <a:t>Vibrant community (books, Stack Overflow, blogs, plug-ins, resources, etc.)</a:t>
             </a:r>
           </a:p>
           <a:p>

--- a/Building SPAs in SharePoint Using AngularJS.pptx
+++ b/Building SPAs in SharePoint Using AngularJS.pptx
@@ -5,10 +5,10 @@
     <p:sldMasterId id="2147483648" r:id="rId1"/>
   </p:sldMasterIdLst>
   <p:notesMasterIdLst>
-    <p:notesMasterId r:id="rId40"/>
+    <p:notesMasterId r:id="rId38"/>
   </p:notesMasterIdLst>
   <p:handoutMasterIdLst>
-    <p:handoutMasterId r:id="rId41"/>
+    <p:handoutMasterId r:id="rId39"/>
   </p:handoutMasterIdLst>
   <p:sldIdLst>
     <p:sldId id="323" r:id="rId2"/>
@@ -23,32 +23,30 @@
     <p:sldId id="277" r:id="rId11"/>
     <p:sldId id="331" r:id="rId12"/>
     <p:sldId id="290" r:id="rId13"/>
-    <p:sldId id="280" r:id="rId14"/>
-    <p:sldId id="284" r:id="rId15"/>
-    <p:sldId id="292" r:id="rId16"/>
-    <p:sldId id="293" r:id="rId17"/>
-    <p:sldId id="307" r:id="rId18"/>
-    <p:sldId id="261" r:id="rId19"/>
-    <p:sldId id="260" r:id="rId20"/>
-    <p:sldId id="271" r:id="rId21"/>
-    <p:sldId id="272" r:id="rId22"/>
-    <p:sldId id="305" r:id="rId23"/>
-    <p:sldId id="320" r:id="rId24"/>
-    <p:sldId id="274" r:id="rId25"/>
-    <p:sldId id="273" r:id="rId26"/>
-    <p:sldId id="298" r:id="rId27"/>
-    <p:sldId id="270" r:id="rId28"/>
-    <p:sldId id="311" r:id="rId29"/>
-    <p:sldId id="313" r:id="rId30"/>
-    <p:sldId id="301" r:id="rId31"/>
-    <p:sldId id="302" r:id="rId32"/>
-    <p:sldId id="296" r:id="rId33"/>
-    <p:sldId id="317" r:id="rId34"/>
-    <p:sldId id="297" r:id="rId35"/>
-    <p:sldId id="321" r:id="rId36"/>
-    <p:sldId id="322" r:id="rId37"/>
-    <p:sldId id="327" r:id="rId38"/>
-    <p:sldId id="333" r:id="rId39"/>
+    <p:sldId id="284" r:id="rId14"/>
+    <p:sldId id="292" r:id="rId15"/>
+    <p:sldId id="293" r:id="rId16"/>
+    <p:sldId id="307" r:id="rId17"/>
+    <p:sldId id="261" r:id="rId18"/>
+    <p:sldId id="260" r:id="rId19"/>
+    <p:sldId id="271" r:id="rId20"/>
+    <p:sldId id="272" r:id="rId21"/>
+    <p:sldId id="305" r:id="rId22"/>
+    <p:sldId id="320" r:id="rId23"/>
+    <p:sldId id="274" r:id="rId24"/>
+    <p:sldId id="298" r:id="rId25"/>
+    <p:sldId id="270" r:id="rId26"/>
+    <p:sldId id="311" r:id="rId27"/>
+    <p:sldId id="313" r:id="rId28"/>
+    <p:sldId id="301" r:id="rId29"/>
+    <p:sldId id="302" r:id="rId30"/>
+    <p:sldId id="296" r:id="rId31"/>
+    <p:sldId id="317" r:id="rId32"/>
+    <p:sldId id="297" r:id="rId33"/>
+    <p:sldId id="321" r:id="rId34"/>
+    <p:sldId id="322" r:id="rId35"/>
+    <p:sldId id="327" r:id="rId36"/>
+    <p:sldId id="333" r:id="rId37"/>
   </p:sldIdLst>
   <p:sldSz cx="12192000" cy="6858000"/>
   <p:notesSz cx="6858000" cy="9144000"/>
@@ -910,54 +908,42 @@
 </file>
 
 <file path=ppt/diagrams/colors2.xml><?xml version="1.0" encoding="utf-8"?>
-<dgm:colorsDef xmlns:dgm="http://schemas.openxmlformats.org/drawingml/2006/diagram" xmlns:a="http://schemas.openxmlformats.org/drawingml/2006/main" uniqueId="urn:microsoft.com/office/officeart/2005/8/colors/colorful1">
+<dgm:colorsDef xmlns:dgm="http://schemas.openxmlformats.org/drawingml/2006/diagram" xmlns:a="http://schemas.openxmlformats.org/drawingml/2006/main" uniqueId="urn:microsoft.com/office/officeart/2005/8/colors/accent0_3">
   <dgm:title val=""/>
   <dgm:desc val=""/>
   <dgm:catLst>
-    <dgm:cat type="colorful" pri="10100"/>
+    <dgm:cat type="mainScheme" pri="10300"/>
   </dgm:catLst>
   <dgm:styleLbl name="node0">
     <dgm:fillClrLst meth="repeat">
-      <a:schemeClr val="accent1"/>
+      <a:schemeClr val="dk2"/>
     </dgm:fillClrLst>
     <dgm:linClrLst meth="repeat">
-      <a:schemeClr val="lt1"/>
+      <a:schemeClr val="lt2"/>
     </dgm:linClrLst>
     <dgm:effectClrLst/>
     <dgm:txLinClrLst/>
     <dgm:txFillClrLst/>
     <dgm:txEffectClrLst/>
   </dgm:styleLbl>
-  <dgm:styleLbl name="node1">
+  <dgm:styleLbl name="alignNode1">
     <dgm:fillClrLst meth="repeat">
-      <a:schemeClr val="accent2"/>
-      <a:schemeClr val="accent3"/>
-      <a:schemeClr val="accent4"/>
-      <a:schemeClr val="accent5"/>
-      <a:schemeClr val="accent6"/>
+      <a:schemeClr val="dk2"/>
     </dgm:fillClrLst>
     <dgm:linClrLst meth="repeat">
-      <a:schemeClr val="lt1"/>
+      <a:schemeClr val="dk2"/>
     </dgm:linClrLst>
     <dgm:effectClrLst/>
     <dgm:txLinClrLst/>
     <dgm:txFillClrLst/>
     <dgm:txEffectClrLst/>
   </dgm:styleLbl>
-  <dgm:styleLbl name="alignNode1">
+  <dgm:styleLbl name="node1">
     <dgm:fillClrLst meth="repeat">
-      <a:schemeClr val="accent2"/>
-      <a:schemeClr val="accent3"/>
-      <a:schemeClr val="accent4"/>
-      <a:schemeClr val="accent5"/>
-      <a:schemeClr val="accent6"/>
+      <a:schemeClr val="dk2"/>
     </dgm:fillClrLst>
     <dgm:linClrLst meth="repeat">
-      <a:schemeClr val="accent2"/>
-      <a:schemeClr val="accent3"/>
-      <a:schemeClr val="accent4"/>
-      <a:schemeClr val="accent5"/>
-      <a:schemeClr val="accent6"/>
+      <a:schemeClr val="lt2"/>
     </dgm:linClrLst>
     <dgm:effectClrLst/>
     <dgm:txLinClrLst/>
@@ -966,14 +952,10 @@
   </dgm:styleLbl>
   <dgm:styleLbl name="lnNode1">
     <dgm:fillClrLst meth="repeat">
-      <a:schemeClr val="accent2"/>
-      <a:schemeClr val="accent3"/>
-      <a:schemeClr val="accent4"/>
-      <a:schemeClr val="accent5"/>
-      <a:schemeClr val="accent6"/>
+      <a:schemeClr val="dk2"/>
     </dgm:fillClrLst>
     <dgm:linClrLst meth="repeat">
-      <a:schemeClr val="lt1"/>
+      <a:schemeClr val="lt2"/>
     </dgm:linClrLst>
     <dgm:effectClrLst/>
     <dgm:txLinClrLst/>
@@ -982,24 +964,12 @@
   </dgm:styleLbl>
   <dgm:styleLbl name="vennNode1">
     <dgm:fillClrLst meth="repeat">
-      <a:schemeClr val="accent2">
-        <a:alpha val="50000"/>
-      </a:schemeClr>
-      <a:schemeClr val="accent3">
-        <a:alpha val="50000"/>
-      </a:schemeClr>
-      <a:schemeClr val="accent4">
-        <a:alpha val="50000"/>
-      </a:schemeClr>
-      <a:schemeClr val="accent5">
-        <a:alpha val="50000"/>
-      </a:schemeClr>
-      <a:schemeClr val="accent6">
+      <a:schemeClr val="dk2">
         <a:alpha val="50000"/>
       </a:schemeClr>
     </dgm:fillClrLst>
     <dgm:linClrLst meth="repeat">
-      <a:schemeClr val="lt1"/>
+      <a:schemeClr val="lt2"/>
     </dgm:linClrLst>
     <dgm:effectClrLst/>
     <dgm:txLinClrLst/>
@@ -1007,11 +977,11 @@
     <dgm:txEffectClrLst/>
   </dgm:styleLbl>
   <dgm:styleLbl name="node2">
-    <dgm:fillClrLst>
-      <a:schemeClr val="accent2"/>
+    <dgm:fillClrLst meth="repeat">
+      <a:schemeClr val="dk2"/>
     </dgm:fillClrLst>
     <dgm:linClrLst meth="repeat">
-      <a:schemeClr val="lt1"/>
+      <a:schemeClr val="lt2"/>
     </dgm:linClrLst>
     <dgm:effectClrLst/>
     <dgm:txLinClrLst/>
@@ -1019,11 +989,11 @@
     <dgm:txEffectClrLst/>
   </dgm:styleLbl>
   <dgm:styleLbl name="node3">
-    <dgm:fillClrLst>
-      <a:schemeClr val="accent3"/>
+    <dgm:fillClrLst meth="repeat">
+      <a:schemeClr val="dk2"/>
     </dgm:fillClrLst>
     <dgm:linClrLst meth="repeat">
-      <a:schemeClr val="lt1"/>
+      <a:schemeClr val="lt2"/>
     </dgm:linClrLst>
     <dgm:effectClrLst/>
     <dgm:txLinClrLst/>
@@ -1031,11 +1001,11 @@
     <dgm:txEffectClrLst/>
   </dgm:styleLbl>
   <dgm:styleLbl name="node4">
-    <dgm:fillClrLst>
-      <a:schemeClr val="accent4"/>
+    <dgm:fillClrLst meth="repeat">
+      <a:schemeClr val="dk2"/>
     </dgm:fillClrLst>
     <dgm:linClrLst meth="repeat">
-      <a:schemeClr val="lt1"/>
+      <a:schemeClr val="lt2"/>
     </dgm:linClrLst>
     <dgm:effectClrLst/>
     <dgm:txLinClrLst/>
@@ -1044,80 +1014,66 @@
   </dgm:styleLbl>
   <dgm:styleLbl name="fgImgPlace1">
     <dgm:fillClrLst meth="repeat">
-      <a:schemeClr val="accent2">
-        <a:tint val="50000"/>
-      </a:schemeClr>
-      <a:schemeClr val="accent3">
-        <a:tint val="50000"/>
-      </a:schemeClr>
-      <a:schemeClr val="accent4">
-        <a:tint val="50000"/>
-      </a:schemeClr>
-      <a:schemeClr val="accent5">
-        <a:tint val="50000"/>
-      </a:schemeClr>
-      <a:schemeClr val="accent6">
+      <a:schemeClr val="dk2">
         <a:tint val="50000"/>
       </a:schemeClr>
     </dgm:fillClrLst>
     <dgm:linClrLst meth="repeat">
-      <a:schemeClr val="lt1"/>
+      <a:schemeClr val="lt2"/>
     </dgm:linClrLst>
     <dgm:effectClrLst/>
     <dgm:txLinClrLst/>
     <dgm:txFillClrLst meth="repeat">
-      <a:schemeClr val="lt1"/>
+      <a:schemeClr val="lt2"/>
     </dgm:txFillClrLst>
     <dgm:txEffectClrLst/>
   </dgm:styleLbl>
   <dgm:styleLbl name="alignImgPlace1">
-    <dgm:fillClrLst>
-      <a:schemeClr val="accent1">
+    <dgm:fillClrLst meth="repeat">
+      <a:schemeClr val="dk2">
         <a:tint val="50000"/>
-      </a:schemeClr>
-      <a:schemeClr val="accent2">
-        <a:tint val="20000"/>
       </a:schemeClr>
     </dgm:fillClrLst>
     <dgm:linClrLst meth="repeat">
-      <a:schemeClr val="lt1"/>
+      <a:schemeClr val="dk2">
+        <a:shade val="80000"/>
+      </a:schemeClr>
     </dgm:linClrLst>
     <dgm:effectClrLst/>
     <dgm:txLinClrLst/>
     <dgm:txFillClrLst meth="repeat">
-      <a:schemeClr val="lt1"/>
+      <a:schemeClr val="lt2"/>
     </dgm:txFillClrLst>
     <dgm:txEffectClrLst/>
   </dgm:styleLbl>
   <dgm:styleLbl name="bgImgPlace1">
-    <dgm:fillClrLst>
-      <a:schemeClr val="accent1">
+    <dgm:fillClrLst meth="repeat">
+      <a:schemeClr val="dk2">
         <a:tint val="50000"/>
-      </a:schemeClr>
-      <a:schemeClr val="accent2">
-        <a:tint val="20000"/>
       </a:schemeClr>
     </dgm:fillClrLst>
     <dgm:linClrLst meth="repeat">
-      <a:schemeClr val="lt1"/>
+      <a:schemeClr val="dk2">
+        <a:shade val="80000"/>
+      </a:schemeClr>
     </dgm:linClrLst>
     <dgm:effectClrLst/>
     <dgm:txLinClrLst/>
     <dgm:txFillClrLst meth="repeat">
-      <a:schemeClr val="lt1"/>
+      <a:schemeClr val="lt2"/>
     </dgm:txFillClrLst>
     <dgm:txEffectClrLst/>
   </dgm:styleLbl>
   <dgm:styleLbl name="sibTrans2D1">
     <dgm:fillClrLst meth="repeat">
-      <a:schemeClr val="accent2"/>
-      <a:schemeClr val="accent3"/>
-      <a:schemeClr val="accent4"/>
-      <a:schemeClr val="accent5"/>
-      <a:schemeClr val="accent6"/>
+      <a:schemeClr val="dk2">
+        <a:tint val="60000"/>
+      </a:schemeClr>
     </dgm:fillClrLst>
-    <dgm:linClrLst meth="cycle">
-      <a:schemeClr val="lt1"/>
+    <dgm:linClrLst meth="repeat">
+      <a:schemeClr val="dk2">
+        <a:tint val="60000"/>
+      </a:schemeClr>
     </dgm:linClrLst>
     <dgm:effectClrLst/>
     <dgm:txLinClrLst/>
@@ -1126,69 +1082,193 @@
   </dgm:styleLbl>
   <dgm:styleLbl name="fgSibTrans2D1">
     <dgm:fillClrLst meth="repeat">
-      <a:schemeClr val="accent2"/>
-      <a:schemeClr val="accent3"/>
-      <a:schemeClr val="accent4"/>
-      <a:schemeClr val="accent5"/>
-      <a:schemeClr val="accent6"/>
+      <a:schemeClr val="dk2">
+        <a:tint val="60000"/>
+      </a:schemeClr>
     </dgm:fillClrLst>
-    <dgm:linClrLst meth="cycle">
-      <a:schemeClr val="lt1"/>
+    <dgm:linClrLst meth="repeat">
+      <a:schemeClr val="dk2">
+        <a:tint val="60000"/>
+      </a:schemeClr>
+    </dgm:linClrLst>
+    <dgm:effectClrLst/>
+    <dgm:txLinClrLst/>
+    <dgm:txFillClrLst/>
+    <dgm:txEffectClrLst/>
+  </dgm:styleLbl>
+  <dgm:styleLbl name="bgSibTrans2D1">
+    <dgm:fillClrLst meth="repeat">
+      <a:schemeClr val="dk2">
+        <a:tint val="60000"/>
+      </a:schemeClr>
+    </dgm:fillClrLst>
+    <dgm:linClrLst meth="repeat">
+      <a:schemeClr val="dk2">
+        <a:tint val="60000"/>
+      </a:schemeClr>
+    </dgm:linClrLst>
+    <dgm:effectClrLst/>
+    <dgm:txLinClrLst/>
+    <dgm:txFillClrLst/>
+    <dgm:txEffectClrLst/>
+  </dgm:styleLbl>
+  <dgm:styleLbl name="sibTrans1D1">
+    <dgm:fillClrLst meth="repeat">
+      <a:schemeClr val="dk2"/>
+    </dgm:fillClrLst>
+    <dgm:linClrLst meth="repeat">
+      <a:schemeClr val="dk2"/>
     </dgm:linClrLst>
     <dgm:effectClrLst/>
     <dgm:txLinClrLst/>
     <dgm:txFillClrLst meth="repeat">
-      <a:schemeClr val="lt1"/>
+      <a:schemeClr val="lt2"/>
     </dgm:txFillClrLst>
     <dgm:txEffectClrLst/>
   </dgm:styleLbl>
-  <dgm:styleLbl name="bgSibTrans2D1">
+  <dgm:styleLbl name="callout">
     <dgm:fillClrLst meth="repeat">
-      <a:schemeClr val="accent2"/>
-      <a:schemeClr val="accent3"/>
-      <a:schemeClr val="accent4"/>
-      <a:schemeClr val="accent5"/>
-      <a:schemeClr val="accent6"/>
+      <a:schemeClr val="dk2"/>
     </dgm:fillClrLst>
-    <dgm:linClrLst meth="cycle">
-      <a:schemeClr val="lt1"/>
+    <dgm:linClrLst meth="repeat">
+      <a:schemeClr val="dk2">
+        <a:tint val="50000"/>
+      </a:schemeClr>
     </dgm:linClrLst>
     <dgm:effectClrLst/>
     <dgm:txLinClrLst/>
     <dgm:txFillClrLst meth="repeat">
-      <a:schemeClr val="lt1"/>
+      <a:schemeClr val="lt2"/>
     </dgm:txFillClrLst>
     <dgm:txEffectClrLst/>
   </dgm:styleLbl>
-  <dgm:styleLbl name="sibTrans1D1">
+  <dgm:styleLbl name="asst0">
     <dgm:fillClrLst meth="repeat">
-      <a:schemeClr val="accent2"/>
-      <a:schemeClr val="accent3"/>
-      <a:schemeClr val="accent4"/>
-      <a:schemeClr val="accent5"/>
-      <a:schemeClr val="accent6"/>
+      <a:schemeClr val="dk2"/>
     </dgm:fillClrLst>
     <dgm:linClrLst meth="repeat">
-      <a:schemeClr val="accent2"/>
-      <a:schemeClr val="accent3"/>
-      <a:schemeClr val="accent4"/>
-      <a:schemeClr val="accent5"/>
-      <a:schemeClr val="accent6"/>
+      <a:schemeClr val="lt2"/>
+    </dgm:linClrLst>
+    <dgm:effectClrLst/>
+    <dgm:txLinClrLst/>
+    <dgm:txFillClrLst/>
+    <dgm:txEffectClrLst/>
+  </dgm:styleLbl>
+  <dgm:styleLbl name="asst1">
+    <dgm:fillClrLst meth="repeat">
+      <a:schemeClr val="dk2"/>
+    </dgm:fillClrLst>
+    <dgm:linClrLst meth="repeat">
+      <a:schemeClr val="lt2"/>
+    </dgm:linClrLst>
+    <dgm:effectClrLst/>
+    <dgm:txLinClrLst/>
+    <dgm:txFillClrLst/>
+    <dgm:txEffectClrLst/>
+  </dgm:styleLbl>
+  <dgm:styleLbl name="asst2">
+    <dgm:fillClrLst meth="repeat">
+      <a:schemeClr val="dk2"/>
+    </dgm:fillClrLst>
+    <dgm:linClrLst meth="repeat">
+      <a:schemeClr val="lt2"/>
+    </dgm:linClrLst>
+    <dgm:effectClrLst/>
+    <dgm:txLinClrLst/>
+    <dgm:txFillClrLst/>
+    <dgm:txEffectClrLst/>
+  </dgm:styleLbl>
+  <dgm:styleLbl name="asst3">
+    <dgm:fillClrLst meth="repeat">
+      <a:schemeClr val="dk2"/>
+    </dgm:fillClrLst>
+    <dgm:linClrLst meth="repeat">
+      <a:schemeClr val="lt2"/>
+    </dgm:linClrLst>
+    <dgm:effectClrLst/>
+    <dgm:txLinClrLst/>
+    <dgm:txFillClrLst/>
+    <dgm:txEffectClrLst/>
+  </dgm:styleLbl>
+  <dgm:styleLbl name="asst4">
+    <dgm:fillClrLst meth="repeat">
+      <a:schemeClr val="dk2"/>
+    </dgm:fillClrLst>
+    <dgm:linClrLst meth="repeat">
+      <a:schemeClr val="lt2"/>
+    </dgm:linClrLst>
+    <dgm:effectClrLst/>
+    <dgm:txLinClrLst/>
+    <dgm:txFillClrLst/>
+    <dgm:txEffectClrLst/>
+  </dgm:styleLbl>
+  <dgm:styleLbl name="parChTrans2D1">
+    <dgm:fillClrLst meth="repeat">
+      <a:schemeClr val="dk2">
+        <a:tint val="60000"/>
+      </a:schemeClr>
+    </dgm:fillClrLst>
+    <dgm:linClrLst meth="repeat">
+      <a:schemeClr val="dk2">
+        <a:tint val="60000"/>
+      </a:schemeClr>
     </dgm:linClrLst>
     <dgm:effectClrLst/>
     <dgm:txLinClrLst/>
     <dgm:txFillClrLst meth="repeat">
-      <a:schemeClr val="tx1"/>
+      <a:schemeClr val="lt2"/>
     </dgm:txFillClrLst>
     <dgm:txEffectClrLst/>
   </dgm:styleLbl>
-  <dgm:styleLbl name="callout">
+  <dgm:styleLbl name="parChTrans2D2">
     <dgm:fillClrLst meth="repeat">
-      <a:schemeClr val="accent2"/>
+      <a:schemeClr val="dk2"/>
     </dgm:fillClrLst>
     <dgm:linClrLst meth="repeat">
-      <a:schemeClr val="accent2">
-        <a:tint val="50000"/>
+      <a:schemeClr val="dk2"/>
+    </dgm:linClrLst>
+    <dgm:effectClrLst/>
+    <dgm:txLinClrLst/>
+    <dgm:txFillClrLst meth="repeat">
+      <a:schemeClr val="lt2"/>
+    </dgm:txFillClrLst>
+    <dgm:txEffectClrLst/>
+  </dgm:styleLbl>
+  <dgm:styleLbl name="parChTrans2D3">
+    <dgm:fillClrLst meth="repeat">
+      <a:schemeClr val="dk2"/>
+    </dgm:fillClrLst>
+    <dgm:linClrLst meth="repeat">
+      <a:schemeClr val="dk2"/>
+    </dgm:linClrLst>
+    <dgm:effectClrLst/>
+    <dgm:txLinClrLst/>
+    <dgm:txFillClrLst meth="repeat">
+      <a:schemeClr val="lt2"/>
+    </dgm:txFillClrLst>
+    <dgm:txEffectClrLst/>
+  </dgm:styleLbl>
+  <dgm:styleLbl name="parChTrans2D4">
+    <dgm:fillClrLst meth="repeat">
+      <a:schemeClr val="dk2"/>
+    </dgm:fillClrLst>
+    <dgm:linClrLst meth="repeat">
+      <a:schemeClr val="dk2"/>
+    </dgm:linClrLst>
+    <dgm:effectClrLst/>
+    <dgm:txLinClrLst/>
+    <dgm:txFillClrLst meth="repeat">
+      <a:schemeClr val="lt2"/>
+    </dgm:txFillClrLst>
+    <dgm:txEffectClrLst/>
+  </dgm:styleLbl>
+  <dgm:styleLbl name="parChTrans1D1">
+    <dgm:fillClrLst meth="repeat">
+      <a:schemeClr val="dk2"/>
+    </dgm:fillClrLst>
+    <dgm:linClrLst meth="repeat">
+      <a:schemeClr val="dk2">
+        <a:shade val="60000"/>
       </a:schemeClr>
     </dgm:linClrLst>
     <dgm:effectClrLst/>
@@ -1198,124 +1278,14 @@
     </dgm:txFillClrLst>
     <dgm:txEffectClrLst/>
   </dgm:styleLbl>
-  <dgm:styleLbl name="asst0">
+  <dgm:styleLbl name="parChTrans1D2">
     <dgm:fillClrLst meth="repeat">
-      <a:schemeClr val="accent1"/>
+      <a:schemeClr val="dk2"/>
     </dgm:fillClrLst>
     <dgm:linClrLst meth="repeat">
-      <a:schemeClr val="lt1"/>
-    </dgm:linClrLst>
-    <dgm:effectClrLst/>
-    <dgm:txLinClrLst/>
-    <dgm:txFillClrLst/>
-    <dgm:txEffectClrLst/>
-  </dgm:styleLbl>
-  <dgm:styleLbl name="asst1">
-    <dgm:fillClrLst meth="repeat">
-      <a:schemeClr val="accent2"/>
-    </dgm:fillClrLst>
-    <dgm:linClrLst meth="repeat">
-      <a:schemeClr val="lt1"/>
-    </dgm:linClrLst>
-    <dgm:effectClrLst/>
-    <dgm:txLinClrLst/>
-    <dgm:txFillClrLst/>
-    <dgm:txEffectClrLst/>
-  </dgm:styleLbl>
-  <dgm:styleLbl name="asst2">
-    <dgm:fillClrLst>
-      <a:schemeClr val="accent3"/>
-    </dgm:fillClrLst>
-    <dgm:linClrLst meth="repeat">
-      <a:schemeClr val="lt1"/>
-    </dgm:linClrLst>
-    <dgm:effectClrLst/>
-    <dgm:txLinClrLst/>
-    <dgm:txFillClrLst/>
-    <dgm:txEffectClrLst/>
-  </dgm:styleLbl>
-  <dgm:styleLbl name="asst3">
-    <dgm:fillClrLst>
-      <a:schemeClr val="accent4"/>
-    </dgm:fillClrLst>
-    <dgm:linClrLst meth="repeat">
-      <a:schemeClr val="lt1"/>
-    </dgm:linClrLst>
-    <dgm:effectClrLst/>
-    <dgm:txLinClrLst/>
-    <dgm:txFillClrLst/>
-    <dgm:txEffectClrLst/>
-  </dgm:styleLbl>
-  <dgm:styleLbl name="asst4">
-    <dgm:fillClrLst>
-      <a:schemeClr val="accent5"/>
-    </dgm:fillClrLst>
-    <dgm:linClrLst meth="repeat">
-      <a:schemeClr val="lt1"/>
-    </dgm:linClrLst>
-    <dgm:effectClrLst/>
-    <dgm:txLinClrLst/>
-    <dgm:txFillClrLst/>
-    <dgm:txEffectClrLst/>
-  </dgm:styleLbl>
-  <dgm:styleLbl name="parChTrans2D1">
-    <dgm:fillClrLst meth="repeat">
-      <a:schemeClr val="accent2"/>
-    </dgm:fillClrLst>
-    <dgm:linClrLst meth="repeat">
-      <a:schemeClr val="lt1"/>
-    </dgm:linClrLst>
-    <dgm:effectClrLst/>
-    <dgm:txLinClrLst/>
-    <dgm:txFillClrLst meth="repeat">
-      <a:schemeClr val="lt1"/>
-    </dgm:txFillClrLst>
-    <dgm:txEffectClrLst/>
-  </dgm:styleLbl>
-  <dgm:styleLbl name="parChTrans2D2">
-    <dgm:fillClrLst meth="repeat">
-      <a:schemeClr val="accent3"/>
-    </dgm:fillClrLst>
-    <dgm:linClrLst meth="repeat">
-      <a:schemeClr val="lt1"/>
-    </dgm:linClrLst>
-    <dgm:effectClrLst/>
-    <dgm:txLinClrLst/>
-    <dgm:txFillClrLst/>
-    <dgm:txEffectClrLst/>
-  </dgm:styleLbl>
-  <dgm:styleLbl name="parChTrans2D3">
-    <dgm:fillClrLst meth="repeat">
-      <a:schemeClr val="accent4"/>
-    </dgm:fillClrLst>
-    <dgm:linClrLst meth="repeat">
-      <a:schemeClr val="lt1"/>
-    </dgm:linClrLst>
-    <dgm:effectClrLst/>
-    <dgm:txLinClrLst/>
-    <dgm:txFillClrLst/>
-    <dgm:txEffectClrLst/>
-  </dgm:styleLbl>
-  <dgm:styleLbl name="parChTrans2D4">
-    <dgm:fillClrLst meth="repeat">
-      <a:schemeClr val="accent5"/>
-    </dgm:fillClrLst>
-    <dgm:linClrLst meth="repeat">
-      <a:schemeClr val="lt1"/>
-    </dgm:linClrLst>
-    <dgm:effectClrLst/>
-    <dgm:txLinClrLst/>
-    <dgm:txFillClrLst meth="repeat">
-      <a:schemeClr val="lt1"/>
-    </dgm:txFillClrLst>
-    <dgm:txEffectClrLst/>
-  </dgm:styleLbl>
-  <dgm:styleLbl name="parChTrans1D1">
-    <dgm:fillClrLst meth="repeat">
-      <a:schemeClr val="accent2"/>
-    </dgm:fillClrLst>
-    <dgm:linClrLst meth="repeat">
-      <a:schemeClr val="accent1"/>
+      <a:schemeClr val="dk2">
+        <a:shade val="60000"/>
+      </a:schemeClr>
     </dgm:linClrLst>
     <dgm:effectClrLst/>
     <dgm:txLinClrLst/>
@@ -1324,14 +1294,14 @@
     </dgm:txFillClrLst>
     <dgm:txEffectClrLst/>
   </dgm:styleLbl>
-  <dgm:styleLbl name="parChTrans1D2">
+  <dgm:styleLbl name="parChTrans1D3">
     <dgm:fillClrLst meth="repeat">
-      <a:schemeClr val="accent3">
-        <a:tint val="90000"/>
-      </a:schemeClr>
+      <a:schemeClr val="dk2"/>
     </dgm:fillClrLst>
     <dgm:linClrLst meth="repeat">
-      <a:schemeClr val="accent2"/>
+      <a:schemeClr val="dk2">
+        <a:shade val="80000"/>
+      </a:schemeClr>
     </dgm:linClrLst>
     <dgm:effectClrLst/>
     <dgm:txLinClrLst/>
@@ -1340,14 +1310,14 @@
     </dgm:txFillClrLst>
     <dgm:txEffectClrLst/>
   </dgm:styleLbl>
-  <dgm:styleLbl name="parChTrans1D3">
+  <dgm:styleLbl name="parChTrans1D4">
     <dgm:fillClrLst meth="repeat">
-      <a:schemeClr val="accent4">
-        <a:tint val="70000"/>
-      </a:schemeClr>
+      <a:schemeClr val="dk2"/>
     </dgm:fillClrLst>
     <dgm:linClrLst meth="repeat">
-      <a:schemeClr val="accent3"/>
+      <a:schemeClr val="dk2">
+        <a:shade val="80000"/>
+      </a:schemeClr>
     </dgm:linClrLst>
     <dgm:effectClrLst/>
     <dgm:txLinClrLst/>
@@ -1356,34 +1326,14 @@
     </dgm:txFillClrLst>
     <dgm:txEffectClrLst/>
   </dgm:styleLbl>
-  <dgm:styleLbl name="parChTrans1D4">
-    <dgm:fillClrLst meth="repeat">
-      <a:schemeClr val="accent5">
-        <a:tint val="50000"/>
-      </a:schemeClr>
-    </dgm:fillClrLst>
-    <dgm:linClrLst meth="repeat">
-      <a:schemeClr val="accent4"/>
-    </dgm:linClrLst>
-    <dgm:effectClrLst/>
-    <dgm:txLinClrLst/>
-    <dgm:txFillClrLst meth="repeat">
-      <a:schemeClr val="tx1"/>
-    </dgm:txFillClrLst>
-    <dgm:txEffectClrLst/>
-  </dgm:styleLbl>
   <dgm:styleLbl name="fgAcc1">
     <dgm:fillClrLst meth="repeat">
-      <a:schemeClr val="lt1">
+      <a:schemeClr val="lt2">
         <a:alpha val="90000"/>
       </a:schemeClr>
     </dgm:fillClrLst>
     <dgm:linClrLst meth="repeat">
-      <a:schemeClr val="accent2"/>
-      <a:schemeClr val="accent3"/>
-      <a:schemeClr val="accent4"/>
-      <a:schemeClr val="accent5"/>
-      <a:schemeClr val="accent6"/>
+      <a:schemeClr val="dk2"/>
     </dgm:linClrLst>
     <dgm:effectClrLst/>
     <dgm:txLinClrLst/>
@@ -1394,16 +1344,12 @@
   </dgm:styleLbl>
   <dgm:styleLbl name="conFgAcc1">
     <dgm:fillClrLst meth="repeat">
-      <a:schemeClr val="lt1">
+      <a:schemeClr val="lt2">
         <a:alpha val="90000"/>
       </a:schemeClr>
     </dgm:fillClrLst>
     <dgm:linClrLst meth="repeat">
-      <a:schemeClr val="accent2"/>
-      <a:schemeClr val="accent3"/>
-      <a:schemeClr val="accent4"/>
-      <a:schemeClr val="accent5"/>
-      <a:schemeClr val="accent6"/>
+      <a:schemeClr val="dk2"/>
     </dgm:linClrLst>
     <dgm:effectClrLst/>
     <dgm:txLinClrLst/>
@@ -1414,16 +1360,12 @@
   </dgm:styleLbl>
   <dgm:styleLbl name="alignAcc1">
     <dgm:fillClrLst meth="repeat">
-      <a:schemeClr val="lt1">
+      <a:schemeClr val="lt2">
         <a:alpha val="90000"/>
       </a:schemeClr>
     </dgm:fillClrLst>
     <dgm:linClrLst meth="repeat">
-      <a:schemeClr val="accent2"/>
-      <a:schemeClr val="accent3"/>
-      <a:schemeClr val="accent4"/>
-      <a:schemeClr val="accent5"/>
-      <a:schemeClr val="accent6"/>
+      <a:schemeClr val="dk2"/>
     </dgm:linClrLst>
     <dgm:effectClrLst/>
     <dgm:txLinClrLst/>
@@ -1434,12 +1376,12 @@
   </dgm:styleLbl>
   <dgm:styleLbl name="trAlignAcc1">
     <dgm:fillClrLst meth="repeat">
-      <a:schemeClr val="lt1">
+      <a:schemeClr val="lt2">
         <a:alpha val="40000"/>
       </a:schemeClr>
     </dgm:fillClrLst>
     <dgm:linClrLst meth="repeat">
-      <a:schemeClr val="accent1"/>
+      <a:schemeClr val="dk2"/>
     </dgm:linClrLst>
     <dgm:effectClrLst/>
     <dgm:txLinClrLst/>
@@ -1450,16 +1392,12 @@
   </dgm:styleLbl>
   <dgm:styleLbl name="bgAcc1">
     <dgm:fillClrLst meth="repeat">
-      <a:schemeClr val="lt1">
+      <a:schemeClr val="lt2">
         <a:alpha val="90000"/>
       </a:schemeClr>
     </dgm:fillClrLst>
     <dgm:linClrLst meth="repeat">
-      <a:schemeClr val="accent2"/>
-      <a:schemeClr val="accent3"/>
-      <a:schemeClr val="accent4"/>
-      <a:schemeClr val="accent5"/>
-      <a:schemeClr val="accent6"/>
+      <a:schemeClr val="dk2"/>
     </dgm:linClrLst>
     <dgm:effectClrLst/>
     <dgm:txLinClrLst/>
@@ -1470,14 +1408,10 @@
   </dgm:styleLbl>
   <dgm:styleLbl name="solidFgAcc1">
     <dgm:fillClrLst meth="repeat">
-      <a:schemeClr val="lt1"/>
+      <a:schemeClr val="lt2"/>
     </dgm:fillClrLst>
     <dgm:linClrLst meth="repeat">
-      <a:schemeClr val="accent2"/>
-      <a:schemeClr val="accent3"/>
-      <a:schemeClr val="accent4"/>
-      <a:schemeClr val="accent5"/>
-      <a:schemeClr val="accent6"/>
+      <a:schemeClr val="dk2"/>
     </dgm:linClrLst>
     <dgm:effectClrLst/>
     <dgm:txLinClrLst/>
@@ -1488,14 +1422,10 @@
   </dgm:styleLbl>
   <dgm:styleLbl name="solidAlignAcc1">
     <dgm:fillClrLst meth="repeat">
-      <a:schemeClr val="lt1"/>
+      <a:schemeClr val="lt2"/>
     </dgm:fillClrLst>
     <dgm:linClrLst meth="repeat">
-      <a:schemeClr val="accent2"/>
-      <a:schemeClr val="accent3"/>
-      <a:schemeClr val="accent4"/>
-      <a:schemeClr val="accent5"/>
-      <a:schemeClr val="accent6"/>
+      <a:schemeClr val="dk2"/>
     </dgm:linClrLst>
     <dgm:effectClrLst/>
     <dgm:txLinClrLst/>
@@ -1506,14 +1436,10 @@
   </dgm:styleLbl>
   <dgm:styleLbl name="solidBgAcc1">
     <dgm:fillClrLst meth="repeat">
-      <a:schemeClr val="lt1"/>
+      <a:schemeClr val="lt2"/>
     </dgm:fillClrLst>
     <dgm:linClrLst meth="repeat">
-      <a:schemeClr val="accent2"/>
-      <a:schemeClr val="accent3"/>
-      <a:schemeClr val="accent4"/>
-      <a:schemeClr val="accent5"/>
-      <a:schemeClr val="accent6"/>
+      <a:schemeClr val="dk2"/>
     </dgm:linClrLst>
     <dgm:effectClrLst/>
     <dgm:txLinClrLst/>
@@ -1524,47 +1450,15 @@
   </dgm:styleLbl>
   <dgm:styleLbl name="fgAccFollowNode1">
     <dgm:fillClrLst meth="repeat">
-      <a:schemeClr val="accent2">
+      <a:schemeClr val="dk2">
+        <a:alpha val="90000"/>
         <a:tint val="40000"/>
-        <a:alpha val="90000"/>
-      </a:schemeClr>
-      <a:schemeClr val="accent3">
-        <a:tint val="40000"/>
-        <a:alpha val="90000"/>
-      </a:schemeClr>
-      <a:schemeClr val="accent4">
-        <a:tint val="40000"/>
-        <a:alpha val="90000"/>
-      </a:schemeClr>
-      <a:schemeClr val="accent5">
-        <a:tint val="40000"/>
-        <a:alpha val="90000"/>
-      </a:schemeClr>
-      <a:schemeClr val="accent6">
-        <a:tint val="40000"/>
-        <a:alpha val="90000"/>
       </a:schemeClr>
     </dgm:fillClrLst>
     <dgm:linClrLst meth="repeat">
-      <a:schemeClr val="accent2">
+      <a:schemeClr val="dk2">
+        <a:alpha val="90000"/>
         <a:tint val="40000"/>
-        <a:alpha val="90000"/>
-      </a:schemeClr>
-      <a:schemeClr val="accent3">
-        <a:tint val="40000"/>
-        <a:alpha val="90000"/>
-      </a:schemeClr>
-      <a:schemeClr val="accent4">
-        <a:tint val="40000"/>
-        <a:alpha val="90000"/>
-      </a:schemeClr>
-      <a:schemeClr val="accent5">
-        <a:tint val="40000"/>
-        <a:alpha val="90000"/>
-      </a:schemeClr>
-      <a:schemeClr val="accent6">
-        <a:tint val="40000"/>
-        <a:alpha val="90000"/>
       </a:schemeClr>
     </dgm:linClrLst>
     <dgm:effectClrLst/>
@@ -1576,47 +1470,15 @@
   </dgm:styleLbl>
   <dgm:styleLbl name="alignAccFollowNode1">
     <dgm:fillClrLst meth="repeat">
-      <a:schemeClr val="accent2">
+      <a:schemeClr val="dk2">
+        <a:alpha val="90000"/>
         <a:tint val="40000"/>
-        <a:alpha val="90000"/>
-      </a:schemeClr>
-      <a:schemeClr val="accent3">
-        <a:tint val="40000"/>
-        <a:alpha val="90000"/>
-      </a:schemeClr>
-      <a:schemeClr val="accent4">
-        <a:tint val="40000"/>
-        <a:alpha val="90000"/>
-      </a:schemeClr>
-      <a:schemeClr val="accent5">
-        <a:tint val="40000"/>
-        <a:alpha val="90000"/>
-      </a:schemeClr>
-      <a:schemeClr val="accent6">
-        <a:tint val="40000"/>
-        <a:alpha val="90000"/>
       </a:schemeClr>
     </dgm:fillClrLst>
     <dgm:linClrLst meth="repeat">
-      <a:schemeClr val="accent2">
+      <a:schemeClr val="dk2">
+        <a:alpha val="90000"/>
         <a:tint val="40000"/>
-        <a:alpha val="90000"/>
-      </a:schemeClr>
-      <a:schemeClr val="accent3">
-        <a:tint val="40000"/>
-        <a:alpha val="90000"/>
-      </a:schemeClr>
-      <a:schemeClr val="accent4">
-        <a:tint val="40000"/>
-        <a:alpha val="90000"/>
-      </a:schemeClr>
-      <a:schemeClr val="accent5">
-        <a:tint val="40000"/>
-        <a:alpha val="90000"/>
-      </a:schemeClr>
-      <a:schemeClr val="accent6">
-        <a:tint val="40000"/>
-        <a:alpha val="90000"/>
       </a:schemeClr>
     </dgm:linClrLst>
     <dgm:effectClrLst/>
@@ -1628,47 +1490,15 @@
   </dgm:styleLbl>
   <dgm:styleLbl name="bgAccFollowNode1">
     <dgm:fillClrLst meth="repeat">
-      <a:schemeClr val="accent2">
+      <a:schemeClr val="dk2">
+        <a:alpha val="90000"/>
         <a:tint val="40000"/>
-        <a:alpha val="90000"/>
-      </a:schemeClr>
-      <a:schemeClr val="accent3">
-        <a:tint val="40000"/>
-        <a:alpha val="90000"/>
-      </a:schemeClr>
-      <a:schemeClr val="accent4">
-        <a:tint val="40000"/>
-        <a:alpha val="90000"/>
-      </a:schemeClr>
-      <a:schemeClr val="accent5">
-        <a:tint val="40000"/>
-        <a:alpha val="90000"/>
-      </a:schemeClr>
-      <a:schemeClr val="accent6">
-        <a:tint val="40000"/>
-        <a:alpha val="90000"/>
       </a:schemeClr>
     </dgm:fillClrLst>
     <dgm:linClrLst meth="repeat">
-      <a:schemeClr val="accent2">
+      <a:schemeClr val="dk2">
+        <a:alpha val="90000"/>
         <a:tint val="40000"/>
-        <a:alpha val="90000"/>
-      </a:schemeClr>
-      <a:schemeClr val="accent3">
-        <a:tint val="40000"/>
-        <a:alpha val="90000"/>
-      </a:schemeClr>
-      <a:schemeClr val="accent4">
-        <a:tint val="40000"/>
-        <a:alpha val="90000"/>
-      </a:schemeClr>
-      <a:schemeClr val="accent5">
-        <a:tint val="40000"/>
-        <a:alpha val="90000"/>
-      </a:schemeClr>
-      <a:schemeClr val="accent6">
-        <a:tint val="40000"/>
-        <a:alpha val="90000"/>
       </a:schemeClr>
     </dgm:linClrLst>
     <dgm:effectClrLst/>
@@ -1680,12 +1510,12 @@
   </dgm:styleLbl>
   <dgm:styleLbl name="fgAcc0">
     <dgm:fillClrLst meth="repeat">
-      <a:schemeClr val="lt1">
+      <a:schemeClr val="lt2">
         <a:alpha val="90000"/>
       </a:schemeClr>
     </dgm:fillClrLst>
-    <dgm:linClrLst>
-      <a:schemeClr val="accent1"/>
+    <dgm:linClrLst meth="repeat">
+      <a:schemeClr val="dk2"/>
     </dgm:linClrLst>
     <dgm:effectClrLst/>
     <dgm:txLinClrLst/>
@@ -1696,12 +1526,12 @@
   </dgm:styleLbl>
   <dgm:styleLbl name="fgAcc2">
     <dgm:fillClrLst meth="repeat">
-      <a:schemeClr val="lt1">
+      <a:schemeClr val="lt2">
         <a:alpha val="90000"/>
       </a:schemeClr>
     </dgm:fillClrLst>
-    <dgm:linClrLst>
-      <a:schemeClr val="accent2"/>
+    <dgm:linClrLst meth="repeat">
+      <a:schemeClr val="dk2"/>
     </dgm:linClrLst>
     <dgm:effectClrLst/>
     <dgm:txLinClrLst/>
@@ -1712,12 +1542,12 @@
   </dgm:styleLbl>
   <dgm:styleLbl name="fgAcc3">
     <dgm:fillClrLst meth="repeat">
-      <a:schemeClr val="lt1">
+      <a:schemeClr val="lt2">
         <a:alpha val="90000"/>
       </a:schemeClr>
     </dgm:fillClrLst>
-    <dgm:linClrLst>
-      <a:schemeClr val="accent3"/>
+    <dgm:linClrLst meth="repeat">
+      <a:schemeClr val="dk2"/>
     </dgm:linClrLst>
     <dgm:effectClrLst/>
     <dgm:txLinClrLst/>
@@ -1728,12 +1558,12 @@
   </dgm:styleLbl>
   <dgm:styleLbl name="fgAcc4">
     <dgm:fillClrLst meth="repeat">
-      <a:schemeClr val="lt1">
+      <a:schemeClr val="lt2">
         <a:alpha val="90000"/>
       </a:schemeClr>
     </dgm:fillClrLst>
-    <dgm:linClrLst>
-      <a:schemeClr val="accent4"/>
+    <dgm:linClrLst meth="repeat">
+      <a:schemeClr val="dk2"/>
     </dgm:linClrLst>
     <dgm:effectClrLst/>
     <dgm:txLinClrLst/>
@@ -1744,12 +1574,12 @@
   </dgm:styleLbl>
   <dgm:styleLbl name="bgShp">
     <dgm:fillClrLst meth="repeat">
-      <a:schemeClr val="accent2">
+      <a:schemeClr val="dk2">
         <a:tint val="40000"/>
       </a:schemeClr>
     </dgm:fillClrLst>
     <dgm:linClrLst meth="repeat">
-      <a:schemeClr val="dk1"/>
+      <a:schemeClr val="dk2"/>
     </dgm:linClrLst>
     <dgm:effectClrLst/>
     <dgm:txLinClrLst/>
@@ -1760,12 +1590,12 @@
   </dgm:styleLbl>
   <dgm:styleLbl name="dkBgShp">
     <dgm:fillClrLst meth="repeat">
-      <a:schemeClr val="accent2">
-        <a:shade val="90000"/>
+      <a:schemeClr val="dk2">
+        <a:shade val="80000"/>
       </a:schemeClr>
     </dgm:fillClrLst>
     <dgm:linClrLst meth="repeat">
-      <a:schemeClr val="dk1"/>
+      <a:schemeClr val="dk2"/>
     </dgm:linClrLst>
     <dgm:effectClrLst/>
     <dgm:txLinClrLst/>
@@ -1776,13 +1606,13 @@
   </dgm:styleLbl>
   <dgm:styleLbl name="trBgShp">
     <dgm:fillClrLst meth="repeat">
-      <a:schemeClr val="accent1">
+      <a:schemeClr val="dk2">
         <a:tint val="50000"/>
         <a:alpha val="40000"/>
       </a:schemeClr>
     </dgm:fillClrLst>
     <dgm:linClrLst meth="repeat">
-      <a:schemeClr val="accent2"/>
+      <a:schemeClr val="dk2"/>
     </dgm:linClrLst>
     <dgm:effectClrLst/>
     <dgm:txLinClrLst/>
@@ -1793,12 +1623,12 @@
   </dgm:styleLbl>
   <dgm:styleLbl name="fgShp">
     <dgm:fillClrLst meth="repeat">
-      <a:schemeClr val="accent2">
-        <a:tint val="40000"/>
+      <a:schemeClr val="dk2">
+        <a:tint val="60000"/>
       </a:schemeClr>
     </dgm:fillClrLst>
     <dgm:linClrLst meth="repeat">
-      <a:schemeClr val="lt1"/>
+      <a:schemeClr val="lt2"/>
     </dgm:linClrLst>
     <dgm:effectClrLst/>
     <dgm:txLinClrLst/>
@@ -1809,7 +1639,7 @@
   </dgm:styleLbl>
   <dgm:styleLbl name="revTx">
     <dgm:fillClrLst meth="repeat">
-      <a:schemeClr val="lt1">
+      <a:schemeClr val="lt2">
         <a:alpha val="0"/>
       </a:schemeClr>
     </dgm:fillClrLst>
@@ -5969,7 +5799,7 @@
 <dgm:dataModel xmlns:dgm="http://schemas.openxmlformats.org/drawingml/2006/diagram" xmlns:a="http://schemas.openxmlformats.org/drawingml/2006/main">
   <dgm:ptLst>
     <dgm:pt modelId="{55DD539A-F877-455E-BA38-5257B23937A4}" type="doc">
-      <dgm:prSet loTypeId="urn:microsoft.com/office/officeart/2005/8/layout/default" loCatId="list" qsTypeId="urn:microsoft.com/office/officeart/2005/8/quickstyle/simple1" qsCatId="simple" csTypeId="urn:microsoft.com/office/officeart/2005/8/colors/colorful1" csCatId="colorful" phldr="1"/>
+      <dgm:prSet loTypeId="urn:microsoft.com/office/officeart/2005/8/layout/default" loCatId="list" qsTypeId="urn:microsoft.com/office/officeart/2005/8/quickstyle/simple1" qsCatId="simple" csTypeId="urn:microsoft.com/office/officeart/2005/8/colors/accent0_3" csCatId="mainScheme" phldr="1"/>
       <dgm:spPr/>
       <dgm:t>
         <a:bodyPr/>
@@ -8535,6 +8365,1168 @@
       <dsp:cNvGrpSpPr/>
     </dsp:nvGrpSpPr>
     <dsp:grpSpPr/>
+    <dsp:sp modelId="{CFDA206A-66D4-4CB9-AD9B-54A2785435CF}">
+      <dsp:nvSpPr>
+        <dsp:cNvPr id="0" name=""/>
+        <dsp:cNvSpPr/>
+      </dsp:nvSpPr>
+      <dsp:spPr>
+        <a:xfrm>
+          <a:off x="3568" y="392199"/>
+          <a:ext cx="1931900" cy="1159140"/>
+        </a:xfrm>
+        <a:prstGeom prst="rect">
+          <a:avLst/>
+        </a:prstGeom>
+        <a:solidFill>
+          <a:schemeClr val="dk2">
+            <a:hueOff val="0"/>
+            <a:satOff val="0"/>
+            <a:lumOff val="0"/>
+            <a:alphaOff val="0"/>
+          </a:schemeClr>
+        </a:solidFill>
+        <a:ln w="12700" cap="flat" cmpd="sng" algn="ctr">
+          <a:solidFill>
+            <a:schemeClr val="lt2">
+              <a:hueOff val="0"/>
+              <a:satOff val="0"/>
+              <a:lumOff val="0"/>
+              <a:alphaOff val="0"/>
+            </a:schemeClr>
+          </a:solidFill>
+          <a:prstDash val="solid"/>
+          <a:miter lim="800000"/>
+        </a:ln>
+        <a:effectLst/>
+      </dsp:spPr>
+      <dsp:style>
+        <a:lnRef idx="2">
+          <a:scrgbClr r="0" g="0" b="0"/>
+        </a:lnRef>
+        <a:fillRef idx="1">
+          <a:scrgbClr r="0" g="0" b="0"/>
+        </a:fillRef>
+        <a:effectRef idx="0">
+          <a:scrgbClr r="0" g="0" b="0"/>
+        </a:effectRef>
+        <a:fontRef idx="minor">
+          <a:schemeClr val="lt1"/>
+        </a:fontRef>
+      </dsp:style>
+      <dsp:txBody>
+        <a:bodyPr spcFirstLastPara="0" vert="horz" wrap="square" lIns="87630" tIns="87630" rIns="87630" bIns="87630" numCol="1" spcCol="1270" anchor="ctr" anchorCtr="0">
+          <a:noAutofit/>
+        </a:bodyPr>
+        <a:lstStyle/>
+        <a:p>
+          <a:pPr lvl="0" algn="ctr" defTabSz="1022350">
+            <a:lnSpc>
+              <a:spcPct val="90000"/>
+            </a:lnSpc>
+            <a:spcBef>
+              <a:spcPct val="0"/>
+            </a:spcBef>
+            <a:spcAft>
+              <a:spcPct val="35000"/>
+            </a:spcAft>
+          </a:pPr>
+          <a:r>
+            <a:rPr lang="en-US" sz="2300" kern="1200" dirty="0" smtClean="0"/>
+            <a:t>Backed by Google &amp; Community</a:t>
+          </a:r>
+          <a:endParaRPr lang="en-US" sz="2300" kern="1200" dirty="0"/>
+        </a:p>
+      </dsp:txBody>
+      <dsp:txXfrm>
+        <a:off x="3568" y="392199"/>
+        <a:ext cx="1931900" cy="1159140"/>
+      </dsp:txXfrm>
+    </dsp:sp>
+    <dsp:sp modelId="{79C4F599-DAA5-4B64-B839-E136F05674D1}">
+      <dsp:nvSpPr>
+        <dsp:cNvPr id="0" name=""/>
+        <dsp:cNvSpPr/>
+      </dsp:nvSpPr>
+      <dsp:spPr>
+        <a:xfrm>
+          <a:off x="2128658" y="392199"/>
+          <a:ext cx="1931900" cy="1159140"/>
+        </a:xfrm>
+        <a:prstGeom prst="rect">
+          <a:avLst/>
+        </a:prstGeom>
+        <a:solidFill>
+          <a:schemeClr val="dk2">
+            <a:hueOff val="0"/>
+            <a:satOff val="0"/>
+            <a:lumOff val="0"/>
+            <a:alphaOff val="0"/>
+          </a:schemeClr>
+        </a:solidFill>
+        <a:ln w="12700" cap="flat" cmpd="sng" algn="ctr">
+          <a:solidFill>
+            <a:schemeClr val="lt2">
+              <a:hueOff val="0"/>
+              <a:satOff val="0"/>
+              <a:lumOff val="0"/>
+              <a:alphaOff val="0"/>
+            </a:schemeClr>
+          </a:solidFill>
+          <a:prstDash val="solid"/>
+          <a:miter lim="800000"/>
+        </a:ln>
+        <a:effectLst/>
+      </dsp:spPr>
+      <dsp:style>
+        <a:lnRef idx="2">
+          <a:scrgbClr r="0" g="0" b="0"/>
+        </a:lnRef>
+        <a:fillRef idx="1">
+          <a:scrgbClr r="0" g="0" b="0"/>
+        </a:fillRef>
+        <a:effectRef idx="0">
+          <a:scrgbClr r="0" g="0" b="0"/>
+        </a:effectRef>
+        <a:fontRef idx="minor">
+          <a:schemeClr val="lt1"/>
+        </a:fontRef>
+      </dsp:style>
+      <dsp:txBody>
+        <a:bodyPr spcFirstLastPara="0" vert="horz" wrap="square" lIns="87630" tIns="87630" rIns="87630" bIns="87630" numCol="1" spcCol="1270" anchor="ctr" anchorCtr="0">
+          <a:noAutofit/>
+        </a:bodyPr>
+        <a:lstStyle/>
+        <a:p>
+          <a:pPr lvl="0" algn="ctr" defTabSz="1022350">
+            <a:lnSpc>
+              <a:spcPct val="90000"/>
+            </a:lnSpc>
+            <a:spcBef>
+              <a:spcPct val="0"/>
+            </a:spcBef>
+            <a:spcAft>
+              <a:spcPct val="35000"/>
+            </a:spcAft>
+          </a:pPr>
+          <a:r>
+            <a:rPr lang="en-US" sz="2300" kern="1200" dirty="0" smtClean="0"/>
+            <a:t>Great for SPA’s</a:t>
+          </a:r>
+          <a:endParaRPr lang="en-US" sz="2300" kern="1200" dirty="0"/>
+        </a:p>
+      </dsp:txBody>
+      <dsp:txXfrm>
+        <a:off x="2128658" y="392199"/>
+        <a:ext cx="1931900" cy="1159140"/>
+      </dsp:txXfrm>
+    </dsp:sp>
+    <dsp:sp modelId="{323D8D7F-73C3-4AE0-ADFF-DEA47ACAEAEC}">
+      <dsp:nvSpPr>
+        <dsp:cNvPr id="0" name=""/>
+        <dsp:cNvSpPr/>
+      </dsp:nvSpPr>
+      <dsp:spPr>
+        <a:xfrm>
+          <a:off x="4253749" y="392199"/>
+          <a:ext cx="1931900" cy="1159140"/>
+        </a:xfrm>
+        <a:prstGeom prst="rect">
+          <a:avLst/>
+        </a:prstGeom>
+        <a:solidFill>
+          <a:schemeClr val="dk2">
+            <a:hueOff val="0"/>
+            <a:satOff val="0"/>
+            <a:lumOff val="0"/>
+            <a:alphaOff val="0"/>
+          </a:schemeClr>
+        </a:solidFill>
+        <a:ln w="12700" cap="flat" cmpd="sng" algn="ctr">
+          <a:solidFill>
+            <a:schemeClr val="lt2">
+              <a:hueOff val="0"/>
+              <a:satOff val="0"/>
+              <a:lumOff val="0"/>
+              <a:alphaOff val="0"/>
+            </a:schemeClr>
+          </a:solidFill>
+          <a:prstDash val="solid"/>
+          <a:miter lim="800000"/>
+        </a:ln>
+        <a:effectLst/>
+      </dsp:spPr>
+      <dsp:style>
+        <a:lnRef idx="2">
+          <a:scrgbClr r="0" g="0" b="0"/>
+        </a:lnRef>
+        <a:fillRef idx="1">
+          <a:scrgbClr r="0" g="0" b="0"/>
+        </a:fillRef>
+        <a:effectRef idx="0">
+          <a:scrgbClr r="0" g="0" b="0"/>
+        </a:effectRef>
+        <a:fontRef idx="minor">
+          <a:schemeClr val="lt1"/>
+        </a:fontRef>
+      </dsp:style>
+      <dsp:txBody>
+        <a:bodyPr spcFirstLastPara="0" vert="horz" wrap="square" lIns="87630" tIns="87630" rIns="87630" bIns="87630" numCol="1" spcCol="1270" anchor="ctr" anchorCtr="0">
+          <a:noAutofit/>
+        </a:bodyPr>
+        <a:lstStyle/>
+        <a:p>
+          <a:pPr lvl="0" algn="ctr" defTabSz="1022350">
+            <a:lnSpc>
+              <a:spcPct val="90000"/>
+            </a:lnSpc>
+            <a:spcBef>
+              <a:spcPct val="0"/>
+            </a:spcBef>
+            <a:spcAft>
+              <a:spcPct val="35000"/>
+            </a:spcAft>
+          </a:pPr>
+          <a:r>
+            <a:rPr lang="en-US" sz="2300" kern="1200" dirty="0" smtClean="0"/>
+            <a:t>Two-way Data Binding</a:t>
+          </a:r>
+          <a:endParaRPr lang="en-US" sz="2300" kern="1200" dirty="0"/>
+        </a:p>
+      </dsp:txBody>
+      <dsp:txXfrm>
+        <a:off x="4253749" y="392199"/>
+        <a:ext cx="1931900" cy="1159140"/>
+      </dsp:txXfrm>
+    </dsp:sp>
+    <dsp:sp modelId="{F42622AE-00E9-46E6-B25C-7610AB5BE17A}">
+      <dsp:nvSpPr>
+        <dsp:cNvPr id="0" name=""/>
+        <dsp:cNvSpPr/>
+      </dsp:nvSpPr>
+      <dsp:spPr>
+        <a:xfrm>
+          <a:off x="6378840" y="392199"/>
+          <a:ext cx="1931900" cy="1159140"/>
+        </a:xfrm>
+        <a:prstGeom prst="rect">
+          <a:avLst/>
+        </a:prstGeom>
+        <a:solidFill>
+          <a:schemeClr val="dk2">
+            <a:hueOff val="0"/>
+            <a:satOff val="0"/>
+            <a:lumOff val="0"/>
+            <a:alphaOff val="0"/>
+          </a:schemeClr>
+        </a:solidFill>
+        <a:ln w="12700" cap="flat" cmpd="sng" algn="ctr">
+          <a:solidFill>
+            <a:schemeClr val="lt2">
+              <a:hueOff val="0"/>
+              <a:satOff val="0"/>
+              <a:lumOff val="0"/>
+              <a:alphaOff val="0"/>
+            </a:schemeClr>
+          </a:solidFill>
+          <a:prstDash val="solid"/>
+          <a:miter lim="800000"/>
+        </a:ln>
+        <a:effectLst/>
+      </dsp:spPr>
+      <dsp:style>
+        <a:lnRef idx="2">
+          <a:scrgbClr r="0" g="0" b="0"/>
+        </a:lnRef>
+        <a:fillRef idx="1">
+          <a:scrgbClr r="0" g="0" b="0"/>
+        </a:fillRef>
+        <a:effectRef idx="0">
+          <a:scrgbClr r="0" g="0" b="0"/>
+        </a:effectRef>
+        <a:fontRef idx="minor">
+          <a:schemeClr val="lt1"/>
+        </a:fontRef>
+      </dsp:style>
+      <dsp:txBody>
+        <a:bodyPr spcFirstLastPara="0" vert="horz" wrap="square" lIns="87630" tIns="87630" rIns="87630" bIns="87630" numCol="1" spcCol="1270" anchor="ctr" anchorCtr="0">
+          <a:noAutofit/>
+        </a:bodyPr>
+        <a:lstStyle/>
+        <a:p>
+          <a:pPr lvl="0" algn="ctr" defTabSz="1022350">
+            <a:lnSpc>
+              <a:spcPct val="90000"/>
+            </a:lnSpc>
+            <a:spcBef>
+              <a:spcPct val="0"/>
+            </a:spcBef>
+            <a:spcAft>
+              <a:spcPct val="35000"/>
+            </a:spcAft>
+          </a:pPr>
+          <a:r>
+            <a:rPr lang="en-US" sz="2300" kern="1200" dirty="0" smtClean="0"/>
+            <a:t>MV*</a:t>
+          </a:r>
+          <a:endParaRPr lang="en-US" sz="2300" kern="1200" dirty="0"/>
+        </a:p>
+      </dsp:txBody>
+      <dsp:txXfrm>
+        <a:off x="6378840" y="392199"/>
+        <a:ext cx="1931900" cy="1159140"/>
+      </dsp:txXfrm>
+    </dsp:sp>
+    <dsp:sp modelId="{CEE8964B-4B00-4631-A3E8-5C19D9F55D5D}">
+      <dsp:nvSpPr>
+        <dsp:cNvPr id="0" name=""/>
+        <dsp:cNvSpPr/>
+      </dsp:nvSpPr>
+      <dsp:spPr>
+        <a:xfrm>
+          <a:off x="8503931" y="392199"/>
+          <a:ext cx="1931900" cy="1159140"/>
+        </a:xfrm>
+        <a:prstGeom prst="rect">
+          <a:avLst/>
+        </a:prstGeom>
+        <a:solidFill>
+          <a:schemeClr val="dk2">
+            <a:hueOff val="0"/>
+            <a:satOff val="0"/>
+            <a:lumOff val="0"/>
+            <a:alphaOff val="0"/>
+          </a:schemeClr>
+        </a:solidFill>
+        <a:ln w="12700" cap="flat" cmpd="sng" algn="ctr">
+          <a:solidFill>
+            <a:schemeClr val="lt2">
+              <a:hueOff val="0"/>
+              <a:satOff val="0"/>
+              <a:lumOff val="0"/>
+              <a:alphaOff val="0"/>
+            </a:schemeClr>
+          </a:solidFill>
+          <a:prstDash val="solid"/>
+          <a:miter lim="800000"/>
+        </a:ln>
+        <a:effectLst/>
+      </dsp:spPr>
+      <dsp:style>
+        <a:lnRef idx="2">
+          <a:scrgbClr r="0" g="0" b="0"/>
+        </a:lnRef>
+        <a:fillRef idx="1">
+          <a:scrgbClr r="0" g="0" b="0"/>
+        </a:fillRef>
+        <a:effectRef idx="0">
+          <a:scrgbClr r="0" g="0" b="0"/>
+        </a:effectRef>
+        <a:fontRef idx="minor">
+          <a:schemeClr val="lt1"/>
+        </a:fontRef>
+      </dsp:style>
+      <dsp:txBody>
+        <a:bodyPr spcFirstLastPara="0" vert="horz" wrap="square" lIns="87630" tIns="87630" rIns="87630" bIns="87630" numCol="1" spcCol="1270" anchor="ctr" anchorCtr="0">
+          <a:noAutofit/>
+        </a:bodyPr>
+        <a:lstStyle/>
+        <a:p>
+          <a:pPr lvl="0" algn="ctr" defTabSz="1022350">
+            <a:lnSpc>
+              <a:spcPct val="90000"/>
+            </a:lnSpc>
+            <a:spcBef>
+              <a:spcPct val="0"/>
+            </a:spcBef>
+            <a:spcAft>
+              <a:spcPct val="35000"/>
+            </a:spcAft>
+          </a:pPr>
+          <a:r>
+            <a:rPr lang="en-US" sz="2300" kern="1200" dirty="0" smtClean="0"/>
+            <a:t>Dependency Injection</a:t>
+          </a:r>
+          <a:endParaRPr lang="en-US" sz="2300" kern="1200" dirty="0"/>
+        </a:p>
+      </dsp:txBody>
+      <dsp:txXfrm>
+        <a:off x="8503931" y="392199"/>
+        <a:ext cx="1931900" cy="1159140"/>
+      </dsp:txXfrm>
+    </dsp:sp>
+    <dsp:sp modelId="{132B08A8-E421-4EA4-B062-31BC0FD62343}">
+      <dsp:nvSpPr>
+        <dsp:cNvPr id="0" name=""/>
+        <dsp:cNvSpPr/>
+      </dsp:nvSpPr>
+      <dsp:spPr>
+        <a:xfrm>
+          <a:off x="3568" y="1744529"/>
+          <a:ext cx="1931900" cy="1159140"/>
+        </a:xfrm>
+        <a:prstGeom prst="rect">
+          <a:avLst/>
+        </a:prstGeom>
+        <a:solidFill>
+          <a:schemeClr val="dk2">
+            <a:hueOff val="0"/>
+            <a:satOff val="0"/>
+            <a:lumOff val="0"/>
+            <a:alphaOff val="0"/>
+          </a:schemeClr>
+        </a:solidFill>
+        <a:ln w="12700" cap="flat" cmpd="sng" algn="ctr">
+          <a:solidFill>
+            <a:schemeClr val="lt2">
+              <a:hueOff val="0"/>
+              <a:satOff val="0"/>
+              <a:lumOff val="0"/>
+              <a:alphaOff val="0"/>
+            </a:schemeClr>
+          </a:solidFill>
+          <a:prstDash val="solid"/>
+          <a:miter lim="800000"/>
+        </a:ln>
+        <a:effectLst/>
+      </dsp:spPr>
+      <dsp:style>
+        <a:lnRef idx="2">
+          <a:scrgbClr r="0" g="0" b="0"/>
+        </a:lnRef>
+        <a:fillRef idx="1">
+          <a:scrgbClr r="0" g="0" b="0"/>
+        </a:fillRef>
+        <a:effectRef idx="0">
+          <a:scrgbClr r="0" g="0" b="0"/>
+        </a:effectRef>
+        <a:fontRef idx="minor">
+          <a:schemeClr val="lt1"/>
+        </a:fontRef>
+      </dsp:style>
+      <dsp:txBody>
+        <a:bodyPr spcFirstLastPara="0" vert="horz" wrap="square" lIns="87630" tIns="87630" rIns="87630" bIns="87630" numCol="1" spcCol="1270" anchor="ctr" anchorCtr="0">
+          <a:noAutofit/>
+        </a:bodyPr>
+        <a:lstStyle/>
+        <a:p>
+          <a:pPr lvl="0" algn="ctr" defTabSz="1022350">
+            <a:lnSpc>
+              <a:spcPct val="90000"/>
+            </a:lnSpc>
+            <a:spcBef>
+              <a:spcPct val="0"/>
+            </a:spcBef>
+            <a:spcAft>
+              <a:spcPct val="35000"/>
+            </a:spcAft>
+          </a:pPr>
+          <a:r>
+            <a:rPr lang="en-US" sz="2300" kern="1200" dirty="0" smtClean="0"/>
+            <a:t>Testing</a:t>
+          </a:r>
+          <a:endParaRPr lang="en-US" sz="2300" kern="1200" dirty="0"/>
+        </a:p>
+      </dsp:txBody>
+      <dsp:txXfrm>
+        <a:off x="3568" y="1744529"/>
+        <a:ext cx="1931900" cy="1159140"/>
+      </dsp:txXfrm>
+    </dsp:sp>
+    <dsp:sp modelId="{17459AAF-06DC-4C23-A450-BCC558EF88A4}">
+      <dsp:nvSpPr>
+        <dsp:cNvPr id="0" name=""/>
+        <dsp:cNvSpPr/>
+      </dsp:nvSpPr>
+      <dsp:spPr>
+        <a:xfrm>
+          <a:off x="2128658" y="1744529"/>
+          <a:ext cx="1931900" cy="1159140"/>
+        </a:xfrm>
+        <a:prstGeom prst="rect">
+          <a:avLst/>
+        </a:prstGeom>
+        <a:solidFill>
+          <a:schemeClr val="dk2">
+            <a:hueOff val="0"/>
+            <a:satOff val="0"/>
+            <a:lumOff val="0"/>
+            <a:alphaOff val="0"/>
+          </a:schemeClr>
+        </a:solidFill>
+        <a:ln w="12700" cap="flat" cmpd="sng" algn="ctr">
+          <a:solidFill>
+            <a:schemeClr val="lt2">
+              <a:hueOff val="0"/>
+              <a:satOff val="0"/>
+              <a:lumOff val="0"/>
+              <a:alphaOff val="0"/>
+            </a:schemeClr>
+          </a:solidFill>
+          <a:prstDash val="solid"/>
+          <a:miter lim="800000"/>
+        </a:ln>
+        <a:effectLst/>
+      </dsp:spPr>
+      <dsp:style>
+        <a:lnRef idx="2">
+          <a:scrgbClr r="0" g="0" b="0"/>
+        </a:lnRef>
+        <a:fillRef idx="1">
+          <a:scrgbClr r="0" g="0" b="0"/>
+        </a:fillRef>
+        <a:effectRef idx="0">
+          <a:scrgbClr r="0" g="0" b="0"/>
+        </a:effectRef>
+        <a:fontRef idx="minor">
+          <a:schemeClr val="lt1"/>
+        </a:fontRef>
+      </dsp:style>
+      <dsp:txBody>
+        <a:bodyPr spcFirstLastPara="0" vert="horz" wrap="square" lIns="87630" tIns="87630" rIns="87630" bIns="87630" numCol="1" spcCol="1270" anchor="ctr" anchorCtr="0">
+          <a:noAutofit/>
+        </a:bodyPr>
+        <a:lstStyle/>
+        <a:p>
+          <a:pPr lvl="0" algn="ctr" defTabSz="1022350">
+            <a:lnSpc>
+              <a:spcPct val="90000"/>
+            </a:lnSpc>
+            <a:spcBef>
+              <a:spcPct val="0"/>
+            </a:spcBef>
+            <a:spcAft>
+              <a:spcPct val="35000"/>
+            </a:spcAft>
+          </a:pPr>
+          <a:r>
+            <a:rPr lang="en-US" sz="2300" kern="1200" dirty="0" smtClean="0"/>
+            <a:t>jqLite</a:t>
+          </a:r>
+        </a:p>
+      </dsp:txBody>
+      <dsp:txXfrm>
+        <a:off x="2128658" y="1744529"/>
+        <a:ext cx="1931900" cy="1159140"/>
+      </dsp:txXfrm>
+    </dsp:sp>
+    <dsp:sp modelId="{CCBB4DFD-6C6B-4CC4-8737-4A003FB9F0DE}">
+      <dsp:nvSpPr>
+        <dsp:cNvPr id="0" name=""/>
+        <dsp:cNvSpPr/>
+      </dsp:nvSpPr>
+      <dsp:spPr>
+        <a:xfrm>
+          <a:off x="4253749" y="1744529"/>
+          <a:ext cx="1931900" cy="1159140"/>
+        </a:xfrm>
+        <a:prstGeom prst="rect">
+          <a:avLst/>
+        </a:prstGeom>
+        <a:solidFill>
+          <a:schemeClr val="dk2">
+            <a:hueOff val="0"/>
+            <a:satOff val="0"/>
+            <a:lumOff val="0"/>
+            <a:alphaOff val="0"/>
+          </a:schemeClr>
+        </a:solidFill>
+        <a:ln w="12700" cap="flat" cmpd="sng" algn="ctr">
+          <a:solidFill>
+            <a:schemeClr val="lt2">
+              <a:hueOff val="0"/>
+              <a:satOff val="0"/>
+              <a:lumOff val="0"/>
+              <a:alphaOff val="0"/>
+            </a:schemeClr>
+          </a:solidFill>
+          <a:prstDash val="solid"/>
+          <a:miter lim="800000"/>
+        </a:ln>
+        <a:effectLst/>
+      </dsp:spPr>
+      <dsp:style>
+        <a:lnRef idx="2">
+          <a:scrgbClr r="0" g="0" b="0"/>
+        </a:lnRef>
+        <a:fillRef idx="1">
+          <a:scrgbClr r="0" g="0" b="0"/>
+        </a:fillRef>
+        <a:effectRef idx="0">
+          <a:scrgbClr r="0" g="0" b="0"/>
+        </a:effectRef>
+        <a:fontRef idx="minor">
+          <a:schemeClr val="lt1"/>
+        </a:fontRef>
+      </dsp:style>
+      <dsp:txBody>
+        <a:bodyPr spcFirstLastPara="0" vert="horz" wrap="square" lIns="87630" tIns="87630" rIns="87630" bIns="87630" numCol="1" spcCol="1270" anchor="ctr" anchorCtr="0">
+          <a:noAutofit/>
+        </a:bodyPr>
+        <a:lstStyle/>
+        <a:p>
+          <a:pPr lvl="0" algn="ctr" defTabSz="1022350">
+            <a:lnSpc>
+              <a:spcPct val="90000"/>
+            </a:lnSpc>
+            <a:spcBef>
+              <a:spcPct val="0"/>
+            </a:spcBef>
+            <a:spcAft>
+              <a:spcPct val="35000"/>
+            </a:spcAft>
+          </a:pPr>
+          <a:r>
+            <a:rPr lang="en-US" sz="2300" kern="1200" dirty="0" smtClean="0"/>
+            <a:t>Templates</a:t>
+          </a:r>
+        </a:p>
+      </dsp:txBody>
+      <dsp:txXfrm>
+        <a:off x="4253749" y="1744529"/>
+        <a:ext cx="1931900" cy="1159140"/>
+      </dsp:txXfrm>
+    </dsp:sp>
+    <dsp:sp modelId="{9211F004-41C9-436B-9C68-0C8CD2CE5223}">
+      <dsp:nvSpPr>
+        <dsp:cNvPr id="0" name=""/>
+        <dsp:cNvSpPr/>
+      </dsp:nvSpPr>
+      <dsp:spPr>
+        <a:xfrm>
+          <a:off x="6378840" y="1744529"/>
+          <a:ext cx="1931900" cy="1159140"/>
+        </a:xfrm>
+        <a:prstGeom prst="rect">
+          <a:avLst/>
+        </a:prstGeom>
+        <a:solidFill>
+          <a:schemeClr val="dk2">
+            <a:hueOff val="0"/>
+            <a:satOff val="0"/>
+            <a:lumOff val="0"/>
+            <a:alphaOff val="0"/>
+          </a:schemeClr>
+        </a:solidFill>
+        <a:ln w="12700" cap="flat" cmpd="sng" algn="ctr">
+          <a:solidFill>
+            <a:schemeClr val="lt2">
+              <a:hueOff val="0"/>
+              <a:satOff val="0"/>
+              <a:lumOff val="0"/>
+              <a:alphaOff val="0"/>
+            </a:schemeClr>
+          </a:solidFill>
+          <a:prstDash val="solid"/>
+          <a:miter lim="800000"/>
+        </a:ln>
+        <a:effectLst/>
+      </dsp:spPr>
+      <dsp:style>
+        <a:lnRef idx="2">
+          <a:scrgbClr r="0" g="0" b="0"/>
+        </a:lnRef>
+        <a:fillRef idx="1">
+          <a:scrgbClr r="0" g="0" b="0"/>
+        </a:fillRef>
+        <a:effectRef idx="0">
+          <a:scrgbClr r="0" g="0" b="0"/>
+        </a:effectRef>
+        <a:fontRef idx="minor">
+          <a:schemeClr val="lt1"/>
+        </a:fontRef>
+      </dsp:style>
+      <dsp:txBody>
+        <a:bodyPr spcFirstLastPara="0" vert="horz" wrap="square" lIns="87630" tIns="87630" rIns="87630" bIns="87630" numCol="1" spcCol="1270" anchor="ctr" anchorCtr="0">
+          <a:noAutofit/>
+        </a:bodyPr>
+        <a:lstStyle/>
+        <a:p>
+          <a:pPr lvl="0" algn="ctr" defTabSz="1022350">
+            <a:lnSpc>
+              <a:spcPct val="90000"/>
+            </a:lnSpc>
+            <a:spcBef>
+              <a:spcPct val="0"/>
+            </a:spcBef>
+            <a:spcAft>
+              <a:spcPct val="35000"/>
+            </a:spcAft>
+          </a:pPr>
+          <a:r>
+            <a:rPr lang="en-US" sz="2300" kern="1200" dirty="0" smtClean="0"/>
+            <a:t>Modules</a:t>
+          </a:r>
+        </a:p>
+      </dsp:txBody>
+      <dsp:txXfrm>
+        <a:off x="6378840" y="1744529"/>
+        <a:ext cx="1931900" cy="1159140"/>
+      </dsp:txXfrm>
+    </dsp:sp>
+    <dsp:sp modelId="{99A5D91A-2D6B-4309-9471-E46BFB3D929C}">
+      <dsp:nvSpPr>
+        <dsp:cNvPr id="0" name=""/>
+        <dsp:cNvSpPr/>
+      </dsp:nvSpPr>
+      <dsp:spPr>
+        <a:xfrm>
+          <a:off x="8503931" y="1744529"/>
+          <a:ext cx="1931900" cy="1159140"/>
+        </a:xfrm>
+        <a:prstGeom prst="rect">
+          <a:avLst/>
+        </a:prstGeom>
+        <a:solidFill>
+          <a:schemeClr val="dk2">
+            <a:hueOff val="0"/>
+            <a:satOff val="0"/>
+            <a:lumOff val="0"/>
+            <a:alphaOff val="0"/>
+          </a:schemeClr>
+        </a:solidFill>
+        <a:ln w="12700" cap="flat" cmpd="sng" algn="ctr">
+          <a:solidFill>
+            <a:schemeClr val="lt2">
+              <a:hueOff val="0"/>
+              <a:satOff val="0"/>
+              <a:lumOff val="0"/>
+              <a:alphaOff val="0"/>
+            </a:schemeClr>
+          </a:solidFill>
+          <a:prstDash val="solid"/>
+          <a:miter lim="800000"/>
+        </a:ln>
+        <a:effectLst/>
+      </dsp:spPr>
+      <dsp:style>
+        <a:lnRef idx="2">
+          <a:scrgbClr r="0" g="0" b="0"/>
+        </a:lnRef>
+        <a:fillRef idx="1">
+          <a:scrgbClr r="0" g="0" b="0"/>
+        </a:fillRef>
+        <a:effectRef idx="0">
+          <a:scrgbClr r="0" g="0" b="0"/>
+        </a:effectRef>
+        <a:fontRef idx="minor">
+          <a:schemeClr val="lt1"/>
+        </a:fontRef>
+      </dsp:style>
+      <dsp:txBody>
+        <a:bodyPr spcFirstLastPara="0" vert="horz" wrap="square" lIns="87630" tIns="87630" rIns="87630" bIns="87630" numCol="1" spcCol="1270" anchor="ctr" anchorCtr="0">
+          <a:noAutofit/>
+        </a:bodyPr>
+        <a:lstStyle/>
+        <a:p>
+          <a:pPr lvl="0" algn="ctr" defTabSz="1022350">
+            <a:lnSpc>
+              <a:spcPct val="90000"/>
+            </a:lnSpc>
+            <a:spcBef>
+              <a:spcPct val="0"/>
+            </a:spcBef>
+            <a:spcAft>
+              <a:spcPct val="35000"/>
+            </a:spcAft>
+          </a:pPr>
+          <a:r>
+            <a:rPr lang="en-US" sz="2300" kern="1200" dirty="0" smtClean="0"/>
+            <a:t>Controllers</a:t>
+          </a:r>
+        </a:p>
+      </dsp:txBody>
+      <dsp:txXfrm>
+        <a:off x="8503931" y="1744529"/>
+        <a:ext cx="1931900" cy="1159140"/>
+      </dsp:txXfrm>
+    </dsp:sp>
+    <dsp:sp modelId="{C3DB7B56-D373-4A48-9A71-A46DD7871267}">
+      <dsp:nvSpPr>
+        <dsp:cNvPr id="0" name=""/>
+        <dsp:cNvSpPr/>
+      </dsp:nvSpPr>
+      <dsp:spPr>
+        <a:xfrm>
+          <a:off x="3568" y="3096860"/>
+          <a:ext cx="1931900" cy="1159140"/>
+        </a:xfrm>
+        <a:prstGeom prst="rect">
+          <a:avLst/>
+        </a:prstGeom>
+        <a:solidFill>
+          <a:schemeClr val="dk2">
+            <a:hueOff val="0"/>
+            <a:satOff val="0"/>
+            <a:lumOff val="0"/>
+            <a:alphaOff val="0"/>
+          </a:schemeClr>
+        </a:solidFill>
+        <a:ln w="12700" cap="flat" cmpd="sng" algn="ctr">
+          <a:solidFill>
+            <a:schemeClr val="lt2">
+              <a:hueOff val="0"/>
+              <a:satOff val="0"/>
+              <a:lumOff val="0"/>
+              <a:alphaOff val="0"/>
+            </a:schemeClr>
+          </a:solidFill>
+          <a:prstDash val="solid"/>
+          <a:miter lim="800000"/>
+        </a:ln>
+        <a:effectLst/>
+      </dsp:spPr>
+      <dsp:style>
+        <a:lnRef idx="2">
+          <a:scrgbClr r="0" g="0" b="0"/>
+        </a:lnRef>
+        <a:fillRef idx="1">
+          <a:scrgbClr r="0" g="0" b="0"/>
+        </a:fillRef>
+        <a:effectRef idx="0">
+          <a:scrgbClr r="0" g="0" b="0"/>
+        </a:effectRef>
+        <a:fontRef idx="minor">
+          <a:schemeClr val="lt1"/>
+        </a:fontRef>
+      </dsp:style>
+      <dsp:txBody>
+        <a:bodyPr spcFirstLastPara="0" vert="horz" wrap="square" lIns="87630" tIns="87630" rIns="87630" bIns="87630" numCol="1" spcCol="1270" anchor="ctr" anchorCtr="0">
+          <a:noAutofit/>
+        </a:bodyPr>
+        <a:lstStyle/>
+        <a:p>
+          <a:pPr lvl="0" algn="ctr" defTabSz="1022350">
+            <a:lnSpc>
+              <a:spcPct val="90000"/>
+            </a:lnSpc>
+            <a:spcBef>
+              <a:spcPct val="0"/>
+            </a:spcBef>
+            <a:spcAft>
+              <a:spcPct val="35000"/>
+            </a:spcAft>
+          </a:pPr>
+          <a:r>
+            <a:rPr lang="en-US" sz="2300" kern="1200" dirty="0" smtClean="0"/>
+            <a:t>Filters</a:t>
+          </a:r>
+        </a:p>
+      </dsp:txBody>
+      <dsp:txXfrm>
+        <a:off x="3568" y="3096860"/>
+        <a:ext cx="1931900" cy="1159140"/>
+      </dsp:txXfrm>
+    </dsp:sp>
+    <dsp:sp modelId="{82CDDC58-85B7-463A-BAD0-FBFCA0712F1C}">
+      <dsp:nvSpPr>
+        <dsp:cNvPr id="0" name=""/>
+        <dsp:cNvSpPr/>
+      </dsp:nvSpPr>
+      <dsp:spPr>
+        <a:xfrm>
+          <a:off x="2128658" y="3096860"/>
+          <a:ext cx="1931900" cy="1159140"/>
+        </a:xfrm>
+        <a:prstGeom prst="rect">
+          <a:avLst/>
+        </a:prstGeom>
+        <a:solidFill>
+          <a:schemeClr val="dk2">
+            <a:hueOff val="0"/>
+            <a:satOff val="0"/>
+            <a:lumOff val="0"/>
+            <a:alphaOff val="0"/>
+          </a:schemeClr>
+        </a:solidFill>
+        <a:ln w="12700" cap="flat" cmpd="sng" algn="ctr">
+          <a:solidFill>
+            <a:schemeClr val="lt2">
+              <a:hueOff val="0"/>
+              <a:satOff val="0"/>
+              <a:lumOff val="0"/>
+              <a:alphaOff val="0"/>
+            </a:schemeClr>
+          </a:solidFill>
+          <a:prstDash val="solid"/>
+          <a:miter lim="800000"/>
+        </a:ln>
+        <a:effectLst/>
+      </dsp:spPr>
+      <dsp:style>
+        <a:lnRef idx="2">
+          <a:scrgbClr r="0" g="0" b="0"/>
+        </a:lnRef>
+        <a:fillRef idx="1">
+          <a:scrgbClr r="0" g="0" b="0"/>
+        </a:fillRef>
+        <a:effectRef idx="0">
+          <a:scrgbClr r="0" g="0" b="0"/>
+        </a:effectRef>
+        <a:fontRef idx="minor">
+          <a:schemeClr val="lt1"/>
+        </a:fontRef>
+      </dsp:style>
+      <dsp:txBody>
+        <a:bodyPr spcFirstLastPara="0" vert="horz" wrap="square" lIns="87630" tIns="87630" rIns="87630" bIns="87630" numCol="1" spcCol="1270" anchor="ctr" anchorCtr="0">
+          <a:noAutofit/>
+        </a:bodyPr>
+        <a:lstStyle/>
+        <a:p>
+          <a:pPr lvl="0" algn="ctr" defTabSz="1022350">
+            <a:lnSpc>
+              <a:spcPct val="90000"/>
+            </a:lnSpc>
+            <a:spcBef>
+              <a:spcPct val="0"/>
+            </a:spcBef>
+            <a:spcAft>
+              <a:spcPct val="35000"/>
+            </a:spcAft>
+          </a:pPr>
+          <a:r>
+            <a:rPr lang="en-US" sz="2300" kern="1200" dirty="0" smtClean="0"/>
+            <a:t>Providers</a:t>
+          </a:r>
+        </a:p>
+      </dsp:txBody>
+      <dsp:txXfrm>
+        <a:off x="2128658" y="3096860"/>
+        <a:ext cx="1931900" cy="1159140"/>
+      </dsp:txXfrm>
+    </dsp:sp>
+    <dsp:sp modelId="{EB310276-7406-4F8F-B311-738501754F41}">
+      <dsp:nvSpPr>
+        <dsp:cNvPr id="0" name=""/>
+        <dsp:cNvSpPr/>
+      </dsp:nvSpPr>
+      <dsp:spPr>
+        <a:xfrm>
+          <a:off x="4253749" y="3096860"/>
+          <a:ext cx="1931900" cy="1159140"/>
+        </a:xfrm>
+        <a:prstGeom prst="rect">
+          <a:avLst/>
+        </a:prstGeom>
+        <a:solidFill>
+          <a:schemeClr val="dk2">
+            <a:hueOff val="0"/>
+            <a:satOff val="0"/>
+            <a:lumOff val="0"/>
+            <a:alphaOff val="0"/>
+          </a:schemeClr>
+        </a:solidFill>
+        <a:ln w="12700" cap="flat" cmpd="sng" algn="ctr">
+          <a:solidFill>
+            <a:schemeClr val="lt2">
+              <a:hueOff val="0"/>
+              <a:satOff val="0"/>
+              <a:lumOff val="0"/>
+              <a:alphaOff val="0"/>
+            </a:schemeClr>
+          </a:solidFill>
+          <a:prstDash val="solid"/>
+          <a:miter lim="800000"/>
+        </a:ln>
+        <a:effectLst/>
+      </dsp:spPr>
+      <dsp:style>
+        <a:lnRef idx="2">
+          <a:scrgbClr r="0" g="0" b="0"/>
+        </a:lnRef>
+        <a:fillRef idx="1">
+          <a:scrgbClr r="0" g="0" b="0"/>
+        </a:fillRef>
+        <a:effectRef idx="0">
+          <a:scrgbClr r="0" g="0" b="0"/>
+        </a:effectRef>
+        <a:fontRef idx="minor">
+          <a:schemeClr val="lt1"/>
+        </a:fontRef>
+      </dsp:style>
+      <dsp:txBody>
+        <a:bodyPr spcFirstLastPara="0" vert="horz" wrap="square" lIns="87630" tIns="87630" rIns="87630" bIns="87630" numCol="1" spcCol="1270" anchor="ctr" anchorCtr="0">
+          <a:noAutofit/>
+        </a:bodyPr>
+        <a:lstStyle/>
+        <a:p>
+          <a:pPr lvl="0" algn="ctr" defTabSz="1022350">
+            <a:lnSpc>
+              <a:spcPct val="90000"/>
+            </a:lnSpc>
+            <a:spcBef>
+              <a:spcPct val="0"/>
+            </a:spcBef>
+            <a:spcAft>
+              <a:spcPct val="35000"/>
+            </a:spcAft>
+          </a:pPr>
+          <a:r>
+            <a:rPr lang="en-US" sz="2300" kern="1200" dirty="0" smtClean="0"/>
+            <a:t>Directives</a:t>
+          </a:r>
+        </a:p>
+      </dsp:txBody>
+      <dsp:txXfrm>
+        <a:off x="4253749" y="3096860"/>
+        <a:ext cx="1931900" cy="1159140"/>
+      </dsp:txXfrm>
+    </dsp:sp>
+    <dsp:sp modelId="{60FA720F-99B1-498C-8299-B803124EC0FD}">
+      <dsp:nvSpPr>
+        <dsp:cNvPr id="0" name=""/>
+        <dsp:cNvSpPr/>
+      </dsp:nvSpPr>
+      <dsp:spPr>
+        <a:xfrm>
+          <a:off x="6378840" y="3096860"/>
+          <a:ext cx="1931900" cy="1159140"/>
+        </a:xfrm>
+        <a:prstGeom prst="rect">
+          <a:avLst/>
+        </a:prstGeom>
+        <a:solidFill>
+          <a:schemeClr val="dk2">
+            <a:hueOff val="0"/>
+            <a:satOff val="0"/>
+            <a:lumOff val="0"/>
+            <a:alphaOff val="0"/>
+          </a:schemeClr>
+        </a:solidFill>
+        <a:ln w="12700" cap="flat" cmpd="sng" algn="ctr">
+          <a:solidFill>
+            <a:schemeClr val="lt2">
+              <a:hueOff val="0"/>
+              <a:satOff val="0"/>
+              <a:lumOff val="0"/>
+              <a:alphaOff val="0"/>
+            </a:schemeClr>
+          </a:solidFill>
+          <a:prstDash val="solid"/>
+          <a:miter lim="800000"/>
+        </a:ln>
+        <a:effectLst/>
+      </dsp:spPr>
+      <dsp:style>
+        <a:lnRef idx="2">
+          <a:scrgbClr r="0" g="0" b="0"/>
+        </a:lnRef>
+        <a:fillRef idx="1">
+          <a:scrgbClr r="0" g="0" b="0"/>
+        </a:fillRef>
+        <a:effectRef idx="0">
+          <a:scrgbClr r="0" g="0" b="0"/>
+        </a:effectRef>
+        <a:fontRef idx="minor">
+          <a:schemeClr val="lt1"/>
+        </a:fontRef>
+      </dsp:style>
+      <dsp:txBody>
+        <a:bodyPr spcFirstLastPara="0" vert="horz" wrap="square" lIns="87630" tIns="87630" rIns="87630" bIns="87630" numCol="1" spcCol="1270" anchor="ctr" anchorCtr="0">
+          <a:noAutofit/>
+        </a:bodyPr>
+        <a:lstStyle/>
+        <a:p>
+          <a:pPr lvl="0" algn="ctr" defTabSz="1022350">
+            <a:lnSpc>
+              <a:spcPct val="90000"/>
+            </a:lnSpc>
+            <a:spcBef>
+              <a:spcPct val="0"/>
+            </a:spcBef>
+            <a:spcAft>
+              <a:spcPct val="35000"/>
+            </a:spcAft>
+          </a:pPr>
+          <a:r>
+            <a:rPr lang="en-US" sz="2300" kern="1200" dirty="0" smtClean="0"/>
+            <a:t>Routing</a:t>
+          </a:r>
+        </a:p>
+      </dsp:txBody>
+      <dsp:txXfrm>
+        <a:off x="6378840" y="3096860"/>
+        <a:ext cx="1931900" cy="1159140"/>
+      </dsp:txXfrm>
+    </dsp:sp>
+    <dsp:sp modelId="{38748953-EDFB-447D-B8F3-BDDEF5DFCCC7}">
+      <dsp:nvSpPr>
+        <dsp:cNvPr id="0" name=""/>
+        <dsp:cNvSpPr/>
+      </dsp:nvSpPr>
+      <dsp:spPr>
+        <a:xfrm>
+          <a:off x="8503931" y="3096860"/>
+          <a:ext cx="1931900" cy="1159140"/>
+        </a:xfrm>
+        <a:prstGeom prst="rect">
+          <a:avLst/>
+        </a:prstGeom>
+        <a:solidFill>
+          <a:schemeClr val="dk2">
+            <a:hueOff val="0"/>
+            <a:satOff val="0"/>
+            <a:lumOff val="0"/>
+            <a:alphaOff val="0"/>
+          </a:schemeClr>
+        </a:solidFill>
+        <a:ln w="12700" cap="flat" cmpd="sng" algn="ctr">
+          <a:solidFill>
+            <a:schemeClr val="lt2">
+              <a:hueOff val="0"/>
+              <a:satOff val="0"/>
+              <a:lumOff val="0"/>
+              <a:alphaOff val="0"/>
+            </a:schemeClr>
+          </a:solidFill>
+          <a:prstDash val="solid"/>
+          <a:miter lim="800000"/>
+        </a:ln>
+        <a:effectLst/>
+      </dsp:spPr>
+      <dsp:style>
+        <a:lnRef idx="2">
+          <a:scrgbClr r="0" g="0" b="0"/>
+        </a:lnRef>
+        <a:fillRef idx="1">
+          <a:scrgbClr r="0" g="0" b="0"/>
+        </a:fillRef>
+        <a:effectRef idx="0">
+          <a:scrgbClr r="0" g="0" b="0"/>
+        </a:effectRef>
+        <a:fontRef idx="minor">
+          <a:schemeClr val="lt1"/>
+        </a:fontRef>
+      </dsp:style>
+      <dsp:txBody>
+        <a:bodyPr spcFirstLastPara="0" vert="horz" wrap="square" lIns="87630" tIns="87630" rIns="87630" bIns="87630" numCol="1" spcCol="1270" anchor="ctr" anchorCtr="0">
+          <a:noAutofit/>
+        </a:bodyPr>
+        <a:lstStyle/>
+        <a:p>
+          <a:pPr lvl="0" algn="ctr" defTabSz="1022350">
+            <a:lnSpc>
+              <a:spcPct val="90000"/>
+            </a:lnSpc>
+            <a:spcBef>
+              <a:spcPct val="0"/>
+            </a:spcBef>
+            <a:spcAft>
+              <a:spcPct val="35000"/>
+            </a:spcAft>
+          </a:pPr>
+          <a:r>
+            <a:rPr lang="en-US" sz="2300" kern="1200" dirty="0" smtClean="0"/>
+            <a:t>Form Validation</a:t>
+          </a:r>
+          <a:endParaRPr lang="en-US" sz="2300" kern="1200" dirty="0"/>
+        </a:p>
+      </dsp:txBody>
+      <dsp:txXfrm>
+        <a:off x="8503931" y="3096860"/>
+        <a:ext cx="1931900" cy="1159140"/>
+      </dsp:txXfrm>
+    </dsp:sp>
   </dsp:spTree>
 </dsp:drawing>
 </file>
@@ -8547,6 +9539,481 @@
       <dsp:cNvGrpSpPr/>
     </dsp:nvGrpSpPr>
     <dsp:grpSpPr/>
+    <dsp:sp modelId="{4D44E2DE-A47D-4571-A3A9-CA7AEBC50503}">
+      <dsp:nvSpPr>
+        <dsp:cNvPr id="0" name=""/>
+        <dsp:cNvSpPr/>
+      </dsp:nvSpPr>
+      <dsp:spPr>
+        <a:xfrm>
+          <a:off x="3229" y="232066"/>
+          <a:ext cx="1748581" cy="1049148"/>
+        </a:xfrm>
+        <a:prstGeom prst="rect">
+          <a:avLst/>
+        </a:prstGeom>
+        <a:solidFill>
+          <a:schemeClr val="dk2">
+            <a:hueOff val="0"/>
+            <a:satOff val="0"/>
+            <a:lumOff val="0"/>
+            <a:alphaOff val="0"/>
+          </a:schemeClr>
+        </a:solidFill>
+        <a:ln w="12700" cap="flat" cmpd="sng" algn="ctr">
+          <a:solidFill>
+            <a:schemeClr val="lt2">
+              <a:hueOff val="0"/>
+              <a:satOff val="0"/>
+              <a:lumOff val="0"/>
+              <a:alphaOff val="0"/>
+            </a:schemeClr>
+          </a:solidFill>
+          <a:prstDash val="solid"/>
+          <a:miter lim="800000"/>
+        </a:ln>
+        <a:effectLst/>
+      </dsp:spPr>
+      <dsp:style>
+        <a:lnRef idx="2">
+          <a:scrgbClr r="0" g="0" b="0"/>
+        </a:lnRef>
+        <a:fillRef idx="1">
+          <a:scrgbClr r="0" g="0" b="0"/>
+        </a:fillRef>
+        <a:effectRef idx="0">
+          <a:scrgbClr r="0" g="0" b="0"/>
+        </a:effectRef>
+        <a:fontRef idx="minor">
+          <a:schemeClr val="lt1"/>
+        </a:fontRef>
+      </dsp:style>
+      <dsp:txBody>
+        <a:bodyPr spcFirstLastPara="0" vert="horz" wrap="square" lIns="64770" tIns="64770" rIns="64770" bIns="64770" numCol="1" spcCol="1270" anchor="ctr" anchorCtr="0">
+          <a:noAutofit/>
+        </a:bodyPr>
+        <a:lstStyle/>
+        <a:p>
+          <a:pPr lvl="0" algn="ctr" defTabSz="755650">
+            <a:lnSpc>
+              <a:spcPct val="90000"/>
+            </a:lnSpc>
+            <a:spcBef>
+              <a:spcPct val="0"/>
+            </a:spcBef>
+            <a:spcAft>
+              <a:spcPct val="35000"/>
+            </a:spcAft>
+          </a:pPr>
+          <a:r>
+            <a:rPr lang="en-US" sz="1700" kern="1200" dirty="0" smtClean="0"/>
+            <a:t>Constant</a:t>
+          </a:r>
+        </a:p>
+        <a:p>
+          <a:pPr lvl="0" algn="ctr" defTabSz="755650">
+            <a:lnSpc>
+              <a:spcPct val="90000"/>
+            </a:lnSpc>
+            <a:spcBef>
+              <a:spcPct val="0"/>
+            </a:spcBef>
+            <a:spcAft>
+              <a:spcPct val="35000"/>
+            </a:spcAft>
+          </a:pPr>
+          <a:r>
+            <a:rPr lang="en-US" sz="1700" kern="1200" dirty="0" smtClean="0"/>
+            <a:t>Value injected anywhere</a:t>
+          </a:r>
+          <a:endParaRPr lang="en-US" sz="1700" kern="1200" dirty="0"/>
+        </a:p>
+      </dsp:txBody>
+      <dsp:txXfrm>
+        <a:off x="3229" y="232066"/>
+        <a:ext cx="1748581" cy="1049148"/>
+      </dsp:txXfrm>
+    </dsp:sp>
+    <dsp:sp modelId="{4F3F2962-F6D5-4FC5-81BB-FD355CAD4FB9}">
+      <dsp:nvSpPr>
+        <dsp:cNvPr id="0" name=""/>
+        <dsp:cNvSpPr/>
+      </dsp:nvSpPr>
+      <dsp:spPr>
+        <a:xfrm>
+          <a:off x="1926669" y="232066"/>
+          <a:ext cx="1748581" cy="1049148"/>
+        </a:xfrm>
+        <a:prstGeom prst="rect">
+          <a:avLst/>
+        </a:prstGeom>
+        <a:solidFill>
+          <a:schemeClr val="dk2">
+            <a:hueOff val="0"/>
+            <a:satOff val="0"/>
+            <a:lumOff val="0"/>
+            <a:alphaOff val="0"/>
+          </a:schemeClr>
+        </a:solidFill>
+        <a:ln w="12700" cap="flat" cmpd="sng" algn="ctr">
+          <a:solidFill>
+            <a:schemeClr val="lt2">
+              <a:hueOff val="0"/>
+              <a:satOff val="0"/>
+              <a:lumOff val="0"/>
+              <a:alphaOff val="0"/>
+            </a:schemeClr>
+          </a:solidFill>
+          <a:prstDash val="solid"/>
+          <a:miter lim="800000"/>
+        </a:ln>
+        <a:effectLst/>
+      </dsp:spPr>
+      <dsp:style>
+        <a:lnRef idx="2">
+          <a:scrgbClr r="0" g="0" b="0"/>
+        </a:lnRef>
+        <a:fillRef idx="1">
+          <a:scrgbClr r="0" g="0" b="0"/>
+        </a:fillRef>
+        <a:effectRef idx="0">
+          <a:scrgbClr r="0" g="0" b="0"/>
+        </a:effectRef>
+        <a:fontRef idx="minor">
+          <a:schemeClr val="lt1"/>
+        </a:fontRef>
+      </dsp:style>
+      <dsp:txBody>
+        <a:bodyPr spcFirstLastPara="0" vert="horz" wrap="square" lIns="64770" tIns="64770" rIns="64770" bIns="64770" numCol="1" spcCol="1270" anchor="ctr" anchorCtr="0">
+          <a:noAutofit/>
+        </a:bodyPr>
+        <a:lstStyle/>
+        <a:p>
+          <a:pPr lvl="0" algn="ctr" defTabSz="755650">
+            <a:lnSpc>
+              <a:spcPct val="90000"/>
+            </a:lnSpc>
+            <a:spcBef>
+              <a:spcPct val="0"/>
+            </a:spcBef>
+            <a:spcAft>
+              <a:spcPct val="35000"/>
+            </a:spcAft>
+          </a:pPr>
+          <a:r>
+            <a:rPr lang="en-US" sz="1700" kern="1200" dirty="0" smtClean="0"/>
+            <a:t>Value</a:t>
+          </a:r>
+        </a:p>
+        <a:p>
+          <a:pPr lvl="0" algn="ctr" defTabSz="755650">
+            <a:lnSpc>
+              <a:spcPct val="90000"/>
+            </a:lnSpc>
+            <a:spcBef>
+              <a:spcPct val="0"/>
+            </a:spcBef>
+            <a:spcAft>
+              <a:spcPct val="35000"/>
+            </a:spcAft>
+          </a:pPr>
+          <a:r>
+            <a:rPr lang="en-US" sz="1700" kern="1200" dirty="0" smtClean="0"/>
+            <a:t>Simple injectable value</a:t>
+          </a:r>
+          <a:endParaRPr lang="en-US" sz="1700" kern="1200" dirty="0"/>
+        </a:p>
+      </dsp:txBody>
+      <dsp:txXfrm>
+        <a:off x="1926669" y="232066"/>
+        <a:ext cx="1748581" cy="1049148"/>
+      </dsp:txXfrm>
+    </dsp:sp>
+    <dsp:sp modelId="{38BB4842-1519-49DF-873B-E9FD426DDE54}">
+      <dsp:nvSpPr>
+        <dsp:cNvPr id="0" name=""/>
+        <dsp:cNvSpPr/>
+      </dsp:nvSpPr>
+      <dsp:spPr>
+        <a:xfrm>
+          <a:off x="3850109" y="232066"/>
+          <a:ext cx="1748581" cy="1049148"/>
+        </a:xfrm>
+        <a:prstGeom prst="rect">
+          <a:avLst/>
+        </a:prstGeom>
+        <a:solidFill>
+          <a:schemeClr val="dk2">
+            <a:hueOff val="0"/>
+            <a:satOff val="0"/>
+            <a:lumOff val="0"/>
+            <a:alphaOff val="0"/>
+          </a:schemeClr>
+        </a:solidFill>
+        <a:ln w="12700" cap="flat" cmpd="sng" algn="ctr">
+          <a:solidFill>
+            <a:schemeClr val="lt2">
+              <a:hueOff val="0"/>
+              <a:satOff val="0"/>
+              <a:lumOff val="0"/>
+              <a:alphaOff val="0"/>
+            </a:schemeClr>
+          </a:solidFill>
+          <a:prstDash val="solid"/>
+          <a:miter lim="800000"/>
+        </a:ln>
+        <a:effectLst/>
+      </dsp:spPr>
+      <dsp:style>
+        <a:lnRef idx="2">
+          <a:scrgbClr r="0" g="0" b="0"/>
+        </a:lnRef>
+        <a:fillRef idx="1">
+          <a:scrgbClr r="0" g="0" b="0"/>
+        </a:fillRef>
+        <a:effectRef idx="0">
+          <a:scrgbClr r="0" g="0" b="0"/>
+        </a:effectRef>
+        <a:fontRef idx="minor">
+          <a:schemeClr val="lt1"/>
+        </a:fontRef>
+      </dsp:style>
+      <dsp:txBody>
+        <a:bodyPr spcFirstLastPara="0" vert="horz" wrap="square" lIns="64770" tIns="64770" rIns="64770" bIns="64770" numCol="1" spcCol="1270" anchor="ctr" anchorCtr="0">
+          <a:noAutofit/>
+        </a:bodyPr>
+        <a:lstStyle/>
+        <a:p>
+          <a:pPr lvl="0" algn="ctr" defTabSz="755650">
+            <a:lnSpc>
+              <a:spcPct val="90000"/>
+            </a:lnSpc>
+            <a:spcBef>
+              <a:spcPct val="0"/>
+            </a:spcBef>
+            <a:spcAft>
+              <a:spcPct val="35000"/>
+            </a:spcAft>
+          </a:pPr>
+          <a:r>
+            <a:rPr lang="en-US" sz="1700" kern="1200" dirty="0" smtClean="0"/>
+            <a:t>Factory</a:t>
+          </a:r>
+        </a:p>
+        <a:p>
+          <a:pPr lvl="0" algn="ctr" defTabSz="755650">
+            <a:lnSpc>
+              <a:spcPct val="90000"/>
+            </a:lnSpc>
+            <a:spcBef>
+              <a:spcPct val="0"/>
+            </a:spcBef>
+            <a:spcAft>
+              <a:spcPct val="35000"/>
+            </a:spcAft>
+          </a:pPr>
+          <a:r>
+            <a:rPr lang="en-US" sz="1700" kern="1200" dirty="0" smtClean="0"/>
+            <a:t>Injectable function</a:t>
+          </a:r>
+          <a:endParaRPr lang="en-US" sz="1700" kern="1200" dirty="0"/>
+        </a:p>
+      </dsp:txBody>
+      <dsp:txXfrm>
+        <a:off x="3850109" y="232066"/>
+        <a:ext cx="1748581" cy="1049148"/>
+      </dsp:txXfrm>
+    </dsp:sp>
+    <dsp:sp modelId="{16A7048F-BA3E-4ACD-9935-C8D93F3348ED}">
+      <dsp:nvSpPr>
+        <dsp:cNvPr id="0" name=""/>
+        <dsp:cNvSpPr/>
+      </dsp:nvSpPr>
+      <dsp:spPr>
+        <a:xfrm>
+          <a:off x="5773548" y="232066"/>
+          <a:ext cx="1748581" cy="1049148"/>
+        </a:xfrm>
+        <a:prstGeom prst="rect">
+          <a:avLst/>
+        </a:prstGeom>
+        <a:solidFill>
+          <a:schemeClr val="dk2">
+            <a:hueOff val="0"/>
+            <a:satOff val="0"/>
+            <a:lumOff val="0"/>
+            <a:alphaOff val="0"/>
+          </a:schemeClr>
+        </a:solidFill>
+        <a:ln w="12700" cap="flat" cmpd="sng" algn="ctr">
+          <a:solidFill>
+            <a:schemeClr val="lt2">
+              <a:hueOff val="0"/>
+              <a:satOff val="0"/>
+              <a:lumOff val="0"/>
+              <a:alphaOff val="0"/>
+            </a:schemeClr>
+          </a:solidFill>
+          <a:prstDash val="solid"/>
+          <a:miter lim="800000"/>
+        </a:ln>
+        <a:effectLst/>
+      </dsp:spPr>
+      <dsp:style>
+        <a:lnRef idx="2">
+          <a:scrgbClr r="0" g="0" b="0"/>
+        </a:lnRef>
+        <a:fillRef idx="1">
+          <a:scrgbClr r="0" g="0" b="0"/>
+        </a:fillRef>
+        <a:effectRef idx="0">
+          <a:scrgbClr r="0" g="0" b="0"/>
+        </a:effectRef>
+        <a:fontRef idx="minor">
+          <a:schemeClr val="lt1"/>
+        </a:fontRef>
+      </dsp:style>
+      <dsp:txBody>
+        <a:bodyPr spcFirstLastPara="0" vert="horz" wrap="square" lIns="64770" tIns="64770" rIns="64770" bIns="64770" numCol="1" spcCol="1270" anchor="ctr" anchorCtr="0">
+          <a:noAutofit/>
+        </a:bodyPr>
+        <a:lstStyle/>
+        <a:p>
+          <a:pPr lvl="0" algn="ctr" defTabSz="755650">
+            <a:lnSpc>
+              <a:spcPct val="90000"/>
+            </a:lnSpc>
+            <a:spcBef>
+              <a:spcPct val="0"/>
+            </a:spcBef>
+            <a:spcAft>
+              <a:spcPct val="35000"/>
+            </a:spcAft>
+          </a:pPr>
+          <a:r>
+            <a:rPr lang="en-US" sz="1700" kern="1200" dirty="0" smtClean="0"/>
+            <a:t>Service</a:t>
+          </a:r>
+        </a:p>
+        <a:p>
+          <a:pPr lvl="0" algn="ctr" defTabSz="755650">
+            <a:lnSpc>
+              <a:spcPct val="90000"/>
+            </a:lnSpc>
+            <a:spcBef>
+              <a:spcPct val="0"/>
+            </a:spcBef>
+            <a:spcAft>
+              <a:spcPct val="35000"/>
+            </a:spcAft>
+          </a:pPr>
+          <a:r>
+            <a:rPr lang="en-US" sz="1700" kern="1200" dirty="0" smtClean="0"/>
+            <a:t>Injectable constructor</a:t>
+          </a:r>
+          <a:endParaRPr lang="en-US" sz="1700" kern="1200" dirty="0"/>
+        </a:p>
+      </dsp:txBody>
+      <dsp:txXfrm>
+        <a:off x="5773548" y="232066"/>
+        <a:ext cx="1748581" cy="1049148"/>
+      </dsp:txXfrm>
+    </dsp:sp>
+    <dsp:sp modelId="{35170A97-E2BC-4C89-A531-AA8880687368}">
+      <dsp:nvSpPr>
+        <dsp:cNvPr id="0" name=""/>
+        <dsp:cNvSpPr/>
+      </dsp:nvSpPr>
+      <dsp:spPr>
+        <a:xfrm>
+          <a:off x="7696988" y="232066"/>
+          <a:ext cx="1748581" cy="1049148"/>
+        </a:xfrm>
+        <a:prstGeom prst="rect">
+          <a:avLst/>
+        </a:prstGeom>
+        <a:solidFill>
+          <a:schemeClr val="dk2">
+            <a:hueOff val="0"/>
+            <a:satOff val="0"/>
+            <a:lumOff val="0"/>
+            <a:alphaOff val="0"/>
+          </a:schemeClr>
+        </a:solidFill>
+        <a:ln w="12700" cap="flat" cmpd="sng" algn="ctr">
+          <a:solidFill>
+            <a:schemeClr val="lt2">
+              <a:hueOff val="0"/>
+              <a:satOff val="0"/>
+              <a:lumOff val="0"/>
+              <a:alphaOff val="0"/>
+            </a:schemeClr>
+          </a:solidFill>
+          <a:prstDash val="solid"/>
+          <a:miter lim="800000"/>
+        </a:ln>
+        <a:effectLst/>
+      </dsp:spPr>
+      <dsp:style>
+        <a:lnRef idx="2">
+          <a:scrgbClr r="0" g="0" b="0"/>
+        </a:lnRef>
+        <a:fillRef idx="1">
+          <a:scrgbClr r="0" g="0" b="0"/>
+        </a:fillRef>
+        <a:effectRef idx="0">
+          <a:scrgbClr r="0" g="0" b="0"/>
+        </a:effectRef>
+        <a:fontRef idx="minor">
+          <a:schemeClr val="lt1"/>
+        </a:fontRef>
+      </dsp:style>
+      <dsp:txBody>
+        <a:bodyPr spcFirstLastPara="0" vert="horz" wrap="square" lIns="64770" tIns="64770" rIns="64770" bIns="64770" numCol="1" spcCol="1270" anchor="ctr" anchorCtr="0">
+          <a:noAutofit/>
+        </a:bodyPr>
+        <a:lstStyle/>
+        <a:p>
+          <a:pPr lvl="0" algn="ctr" defTabSz="755650">
+            <a:lnSpc>
+              <a:spcPct val="90000"/>
+            </a:lnSpc>
+            <a:spcBef>
+              <a:spcPct val="0"/>
+            </a:spcBef>
+            <a:spcAft>
+              <a:spcPct val="35000"/>
+            </a:spcAft>
+          </a:pPr>
+          <a:r>
+            <a:rPr lang="en-US" sz="1700" kern="1200" dirty="0" smtClean="0"/>
+            <a:t>Provider</a:t>
+          </a:r>
+        </a:p>
+        <a:p>
+          <a:pPr lvl="0" algn="ctr" defTabSz="755650">
+            <a:lnSpc>
+              <a:spcPct val="90000"/>
+            </a:lnSpc>
+            <a:spcBef>
+              <a:spcPct val="0"/>
+            </a:spcBef>
+            <a:spcAft>
+              <a:spcPct val="35000"/>
+            </a:spcAft>
+          </a:pPr>
+          <a:r>
+            <a:rPr lang="en-US" sz="1700" kern="1200" dirty="0" smtClean="0"/>
+            <a:t>Configurable factory</a:t>
+          </a:r>
+          <a:endParaRPr lang="en-US" sz="1700" kern="1200" dirty="0"/>
+        </a:p>
+      </dsp:txBody>
+      <dsp:txXfrm>
+        <a:off x="7696988" y="232066"/>
+        <a:ext cx="1748581" cy="1049148"/>
+      </dsp:txXfrm>
+    </dsp:sp>
   </dsp:spTree>
 </dsp:drawing>
 </file>
@@ -10125,632 +11592,6 @@
       <dsp:cNvGrpSpPr/>
     </dsp:nvGrpSpPr>
     <dsp:grpSpPr/>
-    <dsp:sp modelId="{E35DFE24-70FD-43AD-A695-3D2B18C1E436}">
-      <dsp:nvSpPr>
-        <dsp:cNvPr id="0" name=""/>
-        <dsp:cNvSpPr/>
-      </dsp:nvSpPr>
-      <dsp:spPr>
-        <a:xfrm>
-          <a:off x="851534" y="0"/>
-          <a:ext cx="9650730" cy="4351338"/>
-        </a:xfrm>
-        <a:prstGeom prst="rightArrow">
-          <a:avLst/>
-        </a:prstGeom>
-        <a:solidFill>
-          <a:schemeClr val="dk1">
-            <a:tint val="40000"/>
-            <a:hueOff val="0"/>
-            <a:satOff val="0"/>
-            <a:lumOff val="0"/>
-            <a:alphaOff val="0"/>
-          </a:schemeClr>
-        </a:solidFill>
-        <a:ln>
-          <a:noFill/>
-        </a:ln>
-        <a:effectLst/>
-      </dsp:spPr>
-      <dsp:style>
-        <a:lnRef idx="0">
-          <a:scrgbClr r="0" g="0" b="0"/>
-        </a:lnRef>
-        <a:fillRef idx="1">
-          <a:scrgbClr r="0" g="0" b="0"/>
-        </a:fillRef>
-        <a:effectRef idx="0">
-          <a:scrgbClr r="0" g="0" b="0"/>
-        </a:effectRef>
-        <a:fontRef idx="minor"/>
-      </dsp:style>
-    </dsp:sp>
-    <dsp:sp modelId="{C5C479F1-027C-425C-A0B3-5734FC2D9DF4}">
-      <dsp:nvSpPr>
-        <dsp:cNvPr id="0" name=""/>
-        <dsp:cNvSpPr/>
-      </dsp:nvSpPr>
-      <dsp:spPr>
-        <a:xfrm>
-          <a:off x="5682" y="1305401"/>
-          <a:ext cx="2733116" cy="1740535"/>
-        </a:xfrm>
-        <a:prstGeom prst="roundRect">
-          <a:avLst/>
-        </a:prstGeom>
-        <a:solidFill>
-          <a:schemeClr val="lt1">
-            <a:hueOff val="0"/>
-            <a:satOff val="0"/>
-            <a:lumOff val="0"/>
-            <a:alphaOff val="0"/>
-          </a:schemeClr>
-        </a:solidFill>
-        <a:ln w="12700" cap="flat" cmpd="sng" algn="ctr">
-          <a:solidFill>
-            <a:schemeClr val="dk1">
-              <a:shade val="80000"/>
-              <a:hueOff val="0"/>
-              <a:satOff val="0"/>
-              <a:lumOff val="0"/>
-              <a:alphaOff val="0"/>
-            </a:schemeClr>
-          </a:solidFill>
-          <a:prstDash val="solid"/>
-          <a:miter lim="800000"/>
-        </a:ln>
-        <a:effectLst/>
-      </dsp:spPr>
-      <dsp:style>
-        <a:lnRef idx="2">
-          <a:scrgbClr r="0" g="0" b="0"/>
-        </a:lnRef>
-        <a:fillRef idx="1">
-          <a:scrgbClr r="0" g="0" b="0"/>
-        </a:fillRef>
-        <a:effectRef idx="0">
-          <a:scrgbClr r="0" g="0" b="0"/>
-        </a:effectRef>
-        <a:fontRef idx="minor">
-          <a:schemeClr val="lt1"/>
-        </a:fontRef>
-      </dsp:style>
-      <dsp:txBody>
-        <a:bodyPr spcFirstLastPara="0" vert="horz" wrap="square" lIns="60960" tIns="60960" rIns="60960" bIns="60960" numCol="1" spcCol="1270" anchor="t" anchorCtr="0">
-          <a:noAutofit/>
-        </a:bodyPr>
-        <a:lstStyle/>
-        <a:p>
-          <a:pPr lvl="0" algn="l" defTabSz="711200">
-            <a:lnSpc>
-              <a:spcPct val="90000"/>
-            </a:lnSpc>
-            <a:spcBef>
-              <a:spcPct val="0"/>
-            </a:spcBef>
-            <a:spcAft>
-              <a:spcPct val="35000"/>
-            </a:spcAft>
-          </a:pPr>
-          <a:r>
-            <a:rPr lang="en-US" sz="1600" kern="1200" dirty="0" smtClean="0"/>
-            <a:t>Local Test</a:t>
-          </a:r>
-          <a:endParaRPr lang="en-US" sz="1600" kern="1200" dirty="0"/>
-        </a:p>
-        <a:p>
-          <a:pPr marL="114300" lvl="1" indent="-114300" algn="l" defTabSz="533400">
-            <a:lnSpc>
-              <a:spcPct val="90000"/>
-            </a:lnSpc>
-            <a:spcBef>
-              <a:spcPct val="0"/>
-            </a:spcBef>
-            <a:spcAft>
-              <a:spcPct val="15000"/>
-            </a:spcAft>
-            <a:buChar char="••"/>
-          </a:pPr>
-          <a:r>
-            <a:rPr lang="en-US" sz="1200" kern="1200" dirty="0" smtClean="0"/>
-            <a:t>Gulp tasks</a:t>
-          </a:r>
-          <a:endParaRPr lang="en-US" sz="1200" kern="1200" dirty="0"/>
-        </a:p>
-        <a:p>
-          <a:pPr marL="114300" lvl="1" indent="-114300" algn="l" defTabSz="533400">
-            <a:lnSpc>
-              <a:spcPct val="90000"/>
-            </a:lnSpc>
-            <a:spcBef>
-              <a:spcPct val="0"/>
-            </a:spcBef>
-            <a:spcAft>
-              <a:spcPct val="15000"/>
-            </a:spcAft>
-            <a:buChar char="••"/>
-          </a:pPr>
-          <a:r>
-            <a:rPr lang="en-US" sz="1200" kern="1200" smtClean="0"/>
-            <a:t>Disable </a:t>
-          </a:r>
-          <a:r>
-            <a:rPr lang="en-US" sz="1200" kern="1200" dirty="0" smtClean="0"/>
-            <a:t>web security (--disable-web-security) errors in Chrome</a:t>
-          </a:r>
-          <a:endParaRPr lang="en-US" sz="1200" kern="1200" dirty="0"/>
-        </a:p>
-        <a:p>
-          <a:pPr marL="114300" lvl="1" indent="-114300" algn="l" defTabSz="533400">
-            <a:lnSpc>
-              <a:spcPct val="90000"/>
-            </a:lnSpc>
-            <a:spcBef>
-              <a:spcPct val="0"/>
-            </a:spcBef>
-            <a:spcAft>
-              <a:spcPct val="15000"/>
-            </a:spcAft>
-            <a:buChar char="••"/>
-          </a:pPr>
-          <a:r>
-            <a:rPr lang="en-US" sz="1200" kern="1200" dirty="0" smtClean="0"/>
-            <a:t>Functional testing</a:t>
-          </a:r>
-          <a:endParaRPr lang="en-US" sz="1200" kern="1200" dirty="0"/>
-        </a:p>
-      </dsp:txBody>
-      <dsp:txXfrm>
-        <a:off x="90648" y="1390367"/>
-        <a:ext cx="2563184" cy="1570603"/>
-      </dsp:txXfrm>
-    </dsp:sp>
-    <dsp:sp modelId="{D0577E72-B23A-4C93-BA9C-507338C3954E}">
-      <dsp:nvSpPr>
-        <dsp:cNvPr id="0" name=""/>
-        <dsp:cNvSpPr/>
-      </dsp:nvSpPr>
-      <dsp:spPr>
-        <a:xfrm>
-          <a:off x="2875455" y="1305401"/>
-          <a:ext cx="2733116" cy="1740535"/>
-        </a:xfrm>
-        <a:prstGeom prst="roundRect">
-          <a:avLst/>
-        </a:prstGeom>
-        <a:solidFill>
-          <a:schemeClr val="lt1">
-            <a:hueOff val="0"/>
-            <a:satOff val="0"/>
-            <a:lumOff val="0"/>
-            <a:alphaOff val="0"/>
-          </a:schemeClr>
-        </a:solidFill>
-        <a:ln w="12700" cap="flat" cmpd="sng" algn="ctr">
-          <a:solidFill>
-            <a:schemeClr val="dk1">
-              <a:shade val="80000"/>
-              <a:hueOff val="0"/>
-              <a:satOff val="0"/>
-              <a:lumOff val="0"/>
-              <a:alphaOff val="0"/>
-            </a:schemeClr>
-          </a:solidFill>
-          <a:prstDash val="solid"/>
-          <a:miter lim="800000"/>
-        </a:ln>
-        <a:effectLst/>
-      </dsp:spPr>
-      <dsp:style>
-        <a:lnRef idx="2">
-          <a:scrgbClr r="0" g="0" b="0"/>
-        </a:lnRef>
-        <a:fillRef idx="1">
-          <a:scrgbClr r="0" g="0" b="0"/>
-        </a:fillRef>
-        <a:effectRef idx="0">
-          <a:scrgbClr r="0" g="0" b="0"/>
-        </a:effectRef>
-        <a:fontRef idx="minor">
-          <a:schemeClr val="lt1"/>
-        </a:fontRef>
-      </dsp:style>
-      <dsp:txBody>
-        <a:bodyPr spcFirstLastPara="0" vert="horz" wrap="square" lIns="60960" tIns="60960" rIns="60960" bIns="60960" numCol="1" spcCol="1270" anchor="t" anchorCtr="0">
-          <a:noAutofit/>
-        </a:bodyPr>
-        <a:lstStyle/>
-        <a:p>
-          <a:pPr lvl="0" algn="l" defTabSz="711200">
-            <a:lnSpc>
-              <a:spcPct val="90000"/>
-            </a:lnSpc>
-            <a:spcBef>
-              <a:spcPct val="0"/>
-            </a:spcBef>
-            <a:spcAft>
-              <a:spcPct val="35000"/>
-            </a:spcAft>
-          </a:pPr>
-          <a:r>
-            <a:rPr lang="en-US" sz="1600" kern="1200" dirty="0" smtClean="0"/>
-            <a:t>Create Custom Page Layout</a:t>
-          </a:r>
-          <a:endParaRPr lang="en-US" sz="1600" kern="1200" dirty="0"/>
-        </a:p>
-        <a:p>
-          <a:pPr marL="114300" lvl="1" indent="-114300" algn="l" defTabSz="533400">
-            <a:lnSpc>
-              <a:spcPct val="90000"/>
-            </a:lnSpc>
-            <a:spcBef>
-              <a:spcPct val="0"/>
-            </a:spcBef>
-            <a:spcAft>
-              <a:spcPct val="15000"/>
-            </a:spcAft>
-            <a:buChar char="••"/>
-          </a:pPr>
-          <a:r>
-            <a:rPr lang="en-US" sz="1200" kern="1200" dirty="0" smtClean="0"/>
-            <a:t>Style and script references</a:t>
-          </a:r>
-          <a:endParaRPr lang="en-US" sz="1200" kern="1200" dirty="0"/>
-        </a:p>
-        <a:p>
-          <a:pPr marL="114300" lvl="1" indent="-114300" algn="l" defTabSz="533400">
-            <a:lnSpc>
-              <a:spcPct val="90000"/>
-            </a:lnSpc>
-            <a:spcBef>
-              <a:spcPct val="0"/>
-            </a:spcBef>
-            <a:spcAft>
-              <a:spcPct val="15000"/>
-            </a:spcAft>
-            <a:buChar char="••"/>
-          </a:pPr>
-          <a:r>
-            <a:rPr lang="en-US" sz="1200" kern="1200" dirty="0" smtClean="0"/>
-            <a:t>Base HTML referencing ng-app</a:t>
-          </a:r>
-          <a:endParaRPr lang="en-US" sz="1200" kern="1200" dirty="0"/>
-        </a:p>
-        <a:p>
-          <a:pPr marL="114300" lvl="1" indent="-114300" algn="l" defTabSz="533400">
-            <a:lnSpc>
-              <a:spcPct val="90000"/>
-            </a:lnSpc>
-            <a:spcBef>
-              <a:spcPct val="0"/>
-            </a:spcBef>
-            <a:spcAft>
-              <a:spcPct val="15000"/>
-            </a:spcAft>
-            <a:buChar char="••"/>
-          </a:pPr>
-          <a:r>
-            <a:rPr lang="en-US" sz="1200" kern="1200" dirty="0" smtClean="0"/>
-            <a:t>Enable Publishing features</a:t>
-          </a:r>
-          <a:endParaRPr lang="en-US" sz="1200" kern="1200" dirty="0"/>
-        </a:p>
-        <a:p>
-          <a:pPr marL="114300" lvl="1" indent="-114300" algn="l" defTabSz="533400">
-            <a:lnSpc>
-              <a:spcPct val="90000"/>
-            </a:lnSpc>
-            <a:spcBef>
-              <a:spcPct val="0"/>
-            </a:spcBef>
-            <a:spcAft>
-              <a:spcPct val="15000"/>
-            </a:spcAft>
-            <a:buChar char="••"/>
-          </a:pPr>
-          <a:r>
-            <a:rPr lang="en-US" sz="1200" kern="1200" dirty="0" smtClean="0"/>
-            <a:t>Upload to Master Page Gallery</a:t>
-          </a:r>
-          <a:endParaRPr lang="en-US" sz="1200" kern="1200" dirty="0"/>
-        </a:p>
-      </dsp:txBody>
-      <dsp:txXfrm>
-        <a:off x="2960421" y="1390367"/>
-        <a:ext cx="2563184" cy="1570603"/>
-      </dsp:txXfrm>
-    </dsp:sp>
-    <dsp:sp modelId="{8B253DC2-B939-4DFC-A16E-B01B88769EE1}">
-      <dsp:nvSpPr>
-        <dsp:cNvPr id="0" name=""/>
-        <dsp:cNvSpPr/>
-      </dsp:nvSpPr>
-      <dsp:spPr>
-        <a:xfrm>
-          <a:off x="5745227" y="1305401"/>
-          <a:ext cx="2733116" cy="1740535"/>
-        </a:xfrm>
-        <a:prstGeom prst="roundRect">
-          <a:avLst/>
-        </a:prstGeom>
-        <a:solidFill>
-          <a:schemeClr val="lt1">
-            <a:hueOff val="0"/>
-            <a:satOff val="0"/>
-            <a:lumOff val="0"/>
-            <a:alphaOff val="0"/>
-          </a:schemeClr>
-        </a:solidFill>
-        <a:ln w="12700" cap="flat" cmpd="sng" algn="ctr">
-          <a:solidFill>
-            <a:schemeClr val="dk1">
-              <a:shade val="80000"/>
-              <a:hueOff val="0"/>
-              <a:satOff val="0"/>
-              <a:lumOff val="0"/>
-              <a:alphaOff val="0"/>
-            </a:schemeClr>
-          </a:solidFill>
-          <a:prstDash val="solid"/>
-          <a:miter lim="800000"/>
-        </a:ln>
-        <a:effectLst/>
-      </dsp:spPr>
-      <dsp:style>
-        <a:lnRef idx="2">
-          <a:scrgbClr r="0" g="0" b="0"/>
-        </a:lnRef>
-        <a:fillRef idx="1">
-          <a:scrgbClr r="0" g="0" b="0"/>
-        </a:fillRef>
-        <a:effectRef idx="0">
-          <a:scrgbClr r="0" g="0" b="0"/>
-        </a:effectRef>
-        <a:fontRef idx="minor">
-          <a:schemeClr val="lt1"/>
-        </a:fontRef>
-      </dsp:style>
-      <dsp:txBody>
-        <a:bodyPr spcFirstLastPara="0" vert="horz" wrap="square" lIns="60960" tIns="60960" rIns="60960" bIns="60960" numCol="1" spcCol="1270" anchor="t" anchorCtr="0">
-          <a:noAutofit/>
-        </a:bodyPr>
-        <a:lstStyle/>
-        <a:p>
-          <a:pPr lvl="0" algn="l" defTabSz="711200">
-            <a:lnSpc>
-              <a:spcPct val="90000"/>
-            </a:lnSpc>
-            <a:spcBef>
-              <a:spcPct val="0"/>
-            </a:spcBef>
-            <a:spcAft>
-              <a:spcPct val="35000"/>
-            </a:spcAft>
-          </a:pPr>
-          <a:r>
-            <a:rPr lang="en-US" sz="1600" kern="1200" dirty="0" smtClean="0"/>
-            <a:t>Upload Source Code to Pages library</a:t>
-          </a:r>
-          <a:endParaRPr lang="en-US" sz="1600" kern="1200" dirty="0"/>
-        </a:p>
-        <a:p>
-          <a:pPr marL="114300" lvl="1" indent="-114300" algn="l" defTabSz="533400">
-            <a:lnSpc>
-              <a:spcPct val="90000"/>
-            </a:lnSpc>
-            <a:spcBef>
-              <a:spcPct val="0"/>
-            </a:spcBef>
-            <a:spcAft>
-              <a:spcPct val="15000"/>
-            </a:spcAft>
-            <a:buChar char="••"/>
-          </a:pPr>
-          <a:r>
-            <a:rPr lang="en-US" sz="1200" kern="1200" dirty="0" smtClean="0"/>
-            <a:t>Same folder structure as local environment</a:t>
-          </a:r>
-          <a:endParaRPr lang="en-US" sz="1200" kern="1200" dirty="0"/>
-        </a:p>
-        <a:p>
-          <a:pPr marL="114300" lvl="1" indent="-114300" algn="l" defTabSz="533400">
-            <a:lnSpc>
-              <a:spcPct val="90000"/>
-            </a:lnSpc>
-            <a:spcBef>
-              <a:spcPct val="0"/>
-            </a:spcBef>
-            <a:spcAft>
-              <a:spcPct val="15000"/>
-            </a:spcAft>
-            <a:buChar char="••"/>
-          </a:pPr>
-          <a:r>
-            <a:rPr lang="en-US" sz="1200" kern="1200" dirty="0" smtClean="0"/>
-            <a:t>Only the build files are needed</a:t>
-          </a:r>
-          <a:endParaRPr lang="en-US" sz="1200" kern="1200" dirty="0"/>
-        </a:p>
-        <a:p>
-          <a:pPr marL="114300" lvl="1" indent="-114300" algn="l" defTabSz="533400">
-            <a:lnSpc>
-              <a:spcPct val="90000"/>
-            </a:lnSpc>
-            <a:spcBef>
-              <a:spcPct val="0"/>
-            </a:spcBef>
-            <a:spcAft>
-              <a:spcPct val="15000"/>
-            </a:spcAft>
-            <a:buChar char="••"/>
-          </a:pPr>
-          <a:r>
-            <a:rPr lang="en-US" sz="1200" kern="1200" dirty="0" smtClean="0"/>
-            <a:t>Update page layout (if needed)</a:t>
-          </a:r>
-          <a:endParaRPr lang="en-US" sz="1200" kern="1200" dirty="0"/>
-        </a:p>
-        <a:p>
-          <a:pPr marL="114300" lvl="1" indent="-114300" algn="l" defTabSz="533400">
-            <a:lnSpc>
-              <a:spcPct val="90000"/>
-            </a:lnSpc>
-            <a:spcBef>
-              <a:spcPct val="0"/>
-            </a:spcBef>
-            <a:spcAft>
-              <a:spcPct val="15000"/>
-            </a:spcAft>
-            <a:buChar char="••"/>
-          </a:pPr>
-          <a:r>
-            <a:rPr lang="en-US" sz="1200" kern="1200" dirty="0" smtClean="0"/>
-            <a:t>Upload source code</a:t>
-          </a:r>
-          <a:endParaRPr lang="en-US" sz="1200" kern="1200" dirty="0"/>
-        </a:p>
-      </dsp:txBody>
-      <dsp:txXfrm>
-        <a:off x="5830193" y="1390367"/>
-        <a:ext cx="2563184" cy="1570603"/>
-      </dsp:txXfrm>
-    </dsp:sp>
-    <dsp:sp modelId="{F8F803D2-F894-4A68-9008-99F98DB3F7B5}">
-      <dsp:nvSpPr>
-        <dsp:cNvPr id="0" name=""/>
-        <dsp:cNvSpPr/>
-      </dsp:nvSpPr>
-      <dsp:spPr>
-        <a:xfrm>
-          <a:off x="8615000" y="1305401"/>
-          <a:ext cx="2733116" cy="1740535"/>
-        </a:xfrm>
-        <a:prstGeom prst="roundRect">
-          <a:avLst/>
-        </a:prstGeom>
-        <a:solidFill>
-          <a:schemeClr val="lt1">
-            <a:hueOff val="0"/>
-            <a:satOff val="0"/>
-            <a:lumOff val="0"/>
-            <a:alphaOff val="0"/>
-          </a:schemeClr>
-        </a:solidFill>
-        <a:ln w="12700" cap="flat" cmpd="sng" algn="ctr">
-          <a:solidFill>
-            <a:schemeClr val="dk1">
-              <a:shade val="80000"/>
-              <a:hueOff val="0"/>
-              <a:satOff val="0"/>
-              <a:lumOff val="0"/>
-              <a:alphaOff val="0"/>
-            </a:schemeClr>
-          </a:solidFill>
-          <a:prstDash val="solid"/>
-          <a:miter lim="800000"/>
-        </a:ln>
-        <a:effectLst/>
-      </dsp:spPr>
-      <dsp:style>
-        <a:lnRef idx="2">
-          <a:scrgbClr r="0" g="0" b="0"/>
-        </a:lnRef>
-        <a:fillRef idx="1">
-          <a:scrgbClr r="0" g="0" b="0"/>
-        </a:fillRef>
-        <a:effectRef idx="0">
-          <a:scrgbClr r="0" g="0" b="0"/>
-        </a:effectRef>
-        <a:fontRef idx="minor">
-          <a:schemeClr val="lt1"/>
-        </a:fontRef>
-      </dsp:style>
-      <dsp:txBody>
-        <a:bodyPr spcFirstLastPara="0" vert="horz" wrap="square" lIns="60960" tIns="60960" rIns="60960" bIns="60960" numCol="1" spcCol="1270" anchor="t" anchorCtr="0">
-          <a:noAutofit/>
-        </a:bodyPr>
-        <a:lstStyle/>
-        <a:p>
-          <a:pPr lvl="0" algn="l" defTabSz="711200">
-            <a:lnSpc>
-              <a:spcPct val="90000"/>
-            </a:lnSpc>
-            <a:spcBef>
-              <a:spcPct val="0"/>
-            </a:spcBef>
-            <a:spcAft>
-              <a:spcPct val="35000"/>
-            </a:spcAft>
-          </a:pPr>
-          <a:r>
-            <a:rPr lang="en-US" sz="1600" kern="1200" dirty="0" smtClean="0"/>
-            <a:t>SharePoint Deployment &amp; Test</a:t>
-          </a:r>
-          <a:endParaRPr lang="en-US" sz="1600" kern="1200" dirty="0"/>
-        </a:p>
-        <a:p>
-          <a:pPr marL="114300" lvl="1" indent="-114300" algn="l" defTabSz="533400">
-            <a:lnSpc>
-              <a:spcPct val="90000"/>
-            </a:lnSpc>
-            <a:spcBef>
-              <a:spcPct val="0"/>
-            </a:spcBef>
-            <a:spcAft>
-              <a:spcPct val="15000"/>
-            </a:spcAft>
-            <a:buChar char="••"/>
-          </a:pPr>
-          <a:r>
-            <a:rPr lang="en-US" sz="1200" kern="1200" dirty="0" smtClean="0"/>
-            <a:t>Update and upload custom page (if necessary)</a:t>
-          </a:r>
-          <a:endParaRPr lang="en-US" sz="1200" kern="1200" dirty="0"/>
-        </a:p>
-        <a:p>
-          <a:pPr marL="114300" lvl="1" indent="-114300" algn="l" defTabSz="533400">
-            <a:lnSpc>
-              <a:spcPct val="90000"/>
-            </a:lnSpc>
-            <a:spcBef>
-              <a:spcPct val="0"/>
-            </a:spcBef>
-            <a:spcAft>
-              <a:spcPct val="15000"/>
-            </a:spcAft>
-            <a:buChar char="••"/>
-          </a:pPr>
-          <a:r>
-            <a:rPr lang="en-US" sz="1200" kern="1200" dirty="0" smtClean="0"/>
-            <a:t>Upload source code to Pages library</a:t>
-          </a:r>
-          <a:endParaRPr lang="en-US" sz="1200" kern="1200" dirty="0"/>
-        </a:p>
-        <a:p>
-          <a:pPr marL="114300" lvl="1" indent="-114300" algn="l" defTabSz="533400">
-            <a:lnSpc>
-              <a:spcPct val="90000"/>
-            </a:lnSpc>
-            <a:spcBef>
-              <a:spcPct val="0"/>
-            </a:spcBef>
-            <a:spcAft>
-              <a:spcPct val="15000"/>
-            </a:spcAft>
-            <a:buChar char="••"/>
-          </a:pPr>
-          <a:r>
-            <a:rPr lang="en-US" sz="1200" kern="1200" dirty="0" smtClean="0"/>
-            <a:t>Functional testing</a:t>
-          </a:r>
-          <a:endParaRPr lang="en-US" sz="1200" kern="1200" dirty="0"/>
-        </a:p>
-      </dsp:txBody>
-      <dsp:txXfrm>
-        <a:off x="8699966" y="1390367"/>
-        <a:ext cx="2563184" cy="1570603"/>
-      </dsp:txXfrm>
-    </dsp:sp>
   </dsp:spTree>
 </dsp:drawing>
 </file>
@@ -18725,7 +19566,7 @@
           <a:p>
             <a:fld id="{A11972B5-6BC1-3D45-8144-C53926F395E5}" type="slidenum">
               <a:rPr lang="en-US" smtClean="0"/>
-              <a:t>14</a:t>
+              <a:t>13</a:t>
             </a:fld>
             <a:endParaRPr lang="en-US"/>
           </a:p>
@@ -18813,7 +19654,7 @@
           <a:p>
             <a:fld id="{8DAEC444-603B-4F09-9A06-5917518DD901}" type="slidenum">
               <a:rPr lang="en-US" smtClean="0"/>
-              <a:t>15</a:t>
+              <a:t>14</a:t>
             </a:fld>
             <a:endParaRPr lang="en-US"/>
           </a:p>
@@ -19036,7 +19877,7 @@
           <a:p>
             <a:fld id="{A11972B5-6BC1-3D45-8144-C53926F395E5}" type="slidenum">
               <a:rPr lang="en-US" smtClean="0"/>
-              <a:t>21</a:t>
+              <a:t>20</a:t>
             </a:fld>
             <a:endParaRPr lang="en-US" dirty="0"/>
           </a:p>
@@ -19259,7 +20100,7 @@
           <a:p>
             <a:fld id="{A11972B5-6BC1-3D45-8144-C53926F395E5}" type="slidenum">
               <a:rPr lang="en-US" smtClean="0"/>
-              <a:t>22</a:t>
+              <a:t>21</a:t>
             </a:fld>
             <a:endParaRPr lang="en-US" dirty="0"/>
           </a:p>
@@ -19269,433 +20110,6 @@
     <p:extLst>
       <p:ext uri="{BB962C8B-B14F-4D97-AF65-F5344CB8AC3E}">
         <p14:creationId xmlns:p14="http://schemas.microsoft.com/office/powerpoint/2010/main" val="1942718713"/>
-      </p:ext>
-    </p:extLst>
-  </p:cSld>
-  <p:clrMapOvr>
-    <a:masterClrMapping/>
-  </p:clrMapOvr>
-</p:notes>
-</file>
-
-<file path=ppt/notesSlides/notesSlide6.xml><?xml version="1.0" encoding="utf-8"?>
-<p:notes xmlns:a="http://schemas.openxmlformats.org/drawingml/2006/main" xmlns:r="http://schemas.openxmlformats.org/officeDocument/2006/relationships" xmlns:p="http://schemas.openxmlformats.org/presentationml/2006/main">
-  <p:cSld>
-    <p:spTree>
-      <p:nvGrpSpPr>
-        <p:cNvPr id="1" name=""/>
-        <p:cNvGrpSpPr/>
-        <p:nvPr/>
-      </p:nvGrpSpPr>
-      <p:grpSpPr>
-        <a:xfrm>
-          <a:off x="0" y="0"/>
-          <a:ext cx="0" cy="0"/>
-          <a:chOff x="0" y="0"/>
-          <a:chExt cx="0" cy="0"/>
-        </a:xfrm>
-      </p:grpSpPr>
-      <p:sp>
-        <p:nvSpPr>
-          <p:cNvPr id="2" name="Slide Image Placeholder 1"/>
-          <p:cNvSpPr>
-            <a:spLocks noGrp="1" noRot="1" noChangeAspect="1"/>
-          </p:cNvSpPr>
-          <p:nvPr>
-            <p:ph type="sldImg"/>
-          </p:nvPr>
-        </p:nvSpPr>
-        <p:spPr>
-          <a:xfrm>
-            <a:off x="406400" y="696913"/>
-            <a:ext cx="6197600" cy="3486150"/>
-          </a:xfrm>
-        </p:spPr>
-      </p:sp>
-      <p:sp>
-        <p:nvSpPr>
-          <p:cNvPr id="3" name="Notes Placeholder 2"/>
-          <p:cNvSpPr>
-            <a:spLocks noGrp="1"/>
-          </p:cNvSpPr>
-          <p:nvPr>
-            <p:ph type="body" idx="1"/>
-          </p:nvPr>
-        </p:nvSpPr>
-        <p:spPr/>
-        <p:txBody>
-          <a:bodyPr/>
-          <a:lstStyle/>
-          <a:p>
-            <a:pPr marL="171450" indent="-171450">
-              <a:buFont typeface="Arial" panose="020B0604020202020204" pitchFamily="34" charset="0"/>
-              <a:buChar char="•"/>
-            </a:pPr>
-            <a:r>
-              <a:rPr lang="en-US" dirty="0" smtClean="0"/>
-              <a:t>Remote APIs are now a first-class citizen</a:t>
-            </a:r>
-          </a:p>
-          <a:p>
-            <a:pPr marL="628650" lvl="1" indent="-171450">
-              <a:buFont typeface="Arial" panose="020B0604020202020204" pitchFamily="34" charset="0"/>
-              <a:buChar char="•"/>
-            </a:pPr>
-            <a:r>
-              <a:rPr lang="en-US" dirty="0" smtClean="0"/>
-              <a:t>Search, MMS, User Profile, BCS, et al</a:t>
-            </a:r>
-          </a:p>
-          <a:p>
-            <a:pPr marL="628650" lvl="1" indent="-171450">
-              <a:buFont typeface="Arial" panose="020B0604020202020204" pitchFamily="34" charset="0"/>
-              <a:buChar char="•"/>
-            </a:pPr>
-            <a:r>
-              <a:rPr lang="en-US" dirty="0" smtClean="0"/>
-              <a:t>User-centric capabilities (no Central Admin-like support)</a:t>
-            </a:r>
-          </a:p>
-          <a:p>
-            <a:pPr marL="171450" indent="-171450">
-              <a:buFont typeface="Arial" panose="020B0604020202020204" pitchFamily="34" charset="0"/>
-              <a:buChar char="•"/>
-            </a:pPr>
-            <a:r>
-              <a:rPr lang="en-US" dirty="0" smtClean="0"/>
-              <a:t>Client-side object model (CSOM)</a:t>
-            </a:r>
-          </a:p>
-          <a:p>
-            <a:pPr marL="171450" indent="-171450">
-              <a:buFont typeface="Arial" panose="020B0604020202020204" pitchFamily="34" charset="0"/>
-              <a:buChar char="•"/>
-            </a:pPr>
-            <a:r>
-              <a:rPr lang="en-US" dirty="0" smtClean="0"/>
-              <a:t>REST-based (OData)</a:t>
-            </a:r>
-          </a:p>
-          <a:p>
-            <a:pPr marL="171450" indent="-171450">
-              <a:buFont typeface="Arial" panose="020B0604020202020204" pitchFamily="34" charset="0"/>
-              <a:buChar char="•"/>
-            </a:pPr>
-            <a:r>
-              <a:rPr lang="en-US" sz="1200" b="0" i="0" kern="1200" dirty="0" smtClean="0">
-                <a:solidFill>
-                  <a:schemeClr val="tx1"/>
-                </a:solidFill>
-                <a:effectLst/>
-                <a:latin typeface="+mn-lt"/>
-                <a:ea typeface="+mn-ea"/>
-                <a:cs typeface="+mn-cs"/>
-              </a:rPr>
-              <a:t>OAuth provides an open protocol that enables secure authorization in a simple and standard way. </a:t>
-            </a:r>
-          </a:p>
-          <a:p>
-            <a:pPr marL="171450" indent="-171450">
-              <a:buFont typeface="Arial" panose="020B0604020202020204" pitchFamily="34" charset="0"/>
-              <a:buChar char="•"/>
-            </a:pPr>
-            <a:r>
-              <a:rPr lang="en-US" sz="1200" b="0" i="0" kern="1200" dirty="0" smtClean="0">
-                <a:solidFill>
-                  <a:schemeClr val="tx1"/>
-                </a:solidFill>
-                <a:effectLst/>
-                <a:latin typeface="+mn-lt"/>
-                <a:ea typeface="+mn-ea"/>
-                <a:cs typeface="+mn-cs"/>
-              </a:rPr>
-              <a:t>The cross-domain library is a client-side alternative that lets your app communicate with SharePoint installations in the same internet zone.</a:t>
-            </a:r>
-            <a:endParaRPr lang="en-US" b="1" dirty="0" smtClean="0"/>
-          </a:p>
-          <a:p>
-            <a:endParaRPr lang="en-US" b="1" dirty="0" smtClean="0"/>
-          </a:p>
-          <a:p>
-            <a:r>
-              <a:rPr lang="en-US" b="1" dirty="0" smtClean="0"/>
-              <a:t>Changes from SharePoint 2010</a:t>
-            </a:r>
-          </a:p>
-          <a:p>
-            <a:endParaRPr lang="en-US" dirty="0" smtClean="0"/>
-          </a:p>
-          <a:p>
-            <a:pPr marL="174708" indent="-174708">
-              <a:buFont typeface="Arial" panose="020B0604020202020204" pitchFamily="34" charset="0"/>
-              <a:buChar char="•"/>
-            </a:pPr>
-            <a:r>
-              <a:rPr lang="en-US" dirty="0" smtClean="0"/>
-              <a:t>The client.svc service extended with REST capabilities</a:t>
-            </a:r>
-          </a:p>
-          <a:p>
-            <a:pPr marL="640594" lvl="1" indent="-174708">
-              <a:buFont typeface="Arial" panose="020B0604020202020204" pitchFamily="34" charset="0"/>
-              <a:buChar char="•"/>
-            </a:pPr>
-            <a:r>
-              <a:rPr lang="en-US" dirty="0" smtClean="0"/>
-              <a:t>Allows the ability for SharePoint to be accessible from many devices</a:t>
-            </a:r>
-          </a:p>
-          <a:p>
-            <a:pPr marL="640594" lvl="1" indent="-174708">
-              <a:buFont typeface="Arial" panose="020B0604020202020204" pitchFamily="34" charset="0"/>
-              <a:buChar char="•"/>
-            </a:pPr>
-            <a:r>
-              <a:rPr lang="en-US" dirty="0" smtClean="0"/>
-              <a:t>client.svc now supports direct access from REST clients</a:t>
-            </a:r>
-          </a:p>
-          <a:p>
-            <a:pPr marL="640594" lvl="1" indent="-174708">
-              <a:buFont typeface="Arial" panose="020B0604020202020204" pitchFamily="34" charset="0"/>
-              <a:buChar char="•"/>
-            </a:pPr>
-            <a:r>
-              <a:rPr lang="en-US" dirty="0" smtClean="0"/>
-              <a:t>client.svc accepts HTTP GET, PUT, POST requests</a:t>
-            </a:r>
-          </a:p>
-          <a:p>
-            <a:pPr marL="640594" lvl="1" indent="-174708">
-              <a:buFont typeface="Arial" panose="020B0604020202020204" pitchFamily="34" charset="0"/>
-              <a:buChar char="•"/>
-            </a:pPr>
-            <a:r>
-              <a:rPr lang="en-US" dirty="0" smtClean="0"/>
-              <a:t>Implemented in accordance with OData protocol (OData Spec != SharePoint REST)</a:t>
-            </a:r>
-          </a:p>
-          <a:p>
-            <a:pPr marL="640594" lvl="1" indent="-174708">
-              <a:buFont typeface="Arial" panose="020B0604020202020204" pitchFamily="34" charset="0"/>
-              <a:buChar char="•"/>
-            </a:pPr>
-            <a:r>
-              <a:rPr lang="en-US" dirty="0" smtClean="0"/>
-              <a:t>Many new API’s</a:t>
-            </a:r>
-          </a:p>
-          <a:p>
-            <a:pPr marL="174708" indent="-174708">
-              <a:buFont typeface="Arial" panose="020B0604020202020204" pitchFamily="34" charset="0"/>
-              <a:buChar char="•"/>
-            </a:pPr>
-            <a:r>
-              <a:rPr lang="en-US" dirty="0" smtClean="0"/>
-              <a:t>CSOM Extended new APIs</a:t>
-            </a:r>
-          </a:p>
-          <a:p>
-            <a:pPr marL="640594" lvl="1" indent="-174708">
-              <a:buFont typeface="Arial" panose="020B0604020202020204" pitchFamily="34" charset="0"/>
-              <a:buChar char="•"/>
-            </a:pPr>
-            <a:r>
-              <a:rPr lang="en-US" dirty="0" smtClean="0"/>
-              <a:t>New APIs for SharePoint Server functionality</a:t>
-            </a:r>
-          </a:p>
-          <a:p>
-            <a:endParaRPr lang="en-US" dirty="0" smtClean="0"/>
-          </a:p>
-          <a:p>
-            <a:r>
-              <a:rPr lang="en-US" b="1" dirty="0" smtClean="0"/>
-              <a:t>SharePoint</a:t>
-            </a:r>
-            <a:r>
-              <a:rPr lang="en-US" b="1" baseline="0" dirty="0" smtClean="0"/>
-              <a:t> 2013 REST</a:t>
-            </a:r>
-          </a:p>
-          <a:p>
-            <a:endParaRPr lang="en-US" baseline="0" dirty="0" smtClean="0"/>
-          </a:p>
-          <a:p>
-            <a:pPr marL="291179" indent="-291179">
-              <a:buFont typeface="Arial" panose="020B0604020202020204" pitchFamily="34" charset="0"/>
-              <a:buChar char="•"/>
-            </a:pPr>
-            <a:r>
-              <a:rPr lang="en-US" sz="1400" dirty="0"/>
-              <a:t>OData standards</a:t>
-            </a:r>
-          </a:p>
-          <a:p>
-            <a:pPr marL="291179" indent="-291179">
-              <a:buFont typeface="Arial" panose="020B0604020202020204" pitchFamily="34" charset="0"/>
-              <a:buChar char="•"/>
-            </a:pPr>
-            <a:r>
-              <a:rPr lang="en-US" sz="1400" dirty="0"/>
-              <a:t>Simple and Easy to Use</a:t>
-            </a:r>
-          </a:p>
-          <a:p>
-            <a:pPr marL="757066" lvl="1" indent="-291179">
-              <a:buFont typeface="Arial" panose="020B0604020202020204" pitchFamily="34" charset="0"/>
-              <a:buChar char="•"/>
-            </a:pPr>
-            <a:r>
-              <a:rPr lang="en-US" sz="1400" dirty="0"/>
-              <a:t>Much easier to use than SOAP-based Web service or CSOM</a:t>
-            </a:r>
-          </a:p>
-          <a:p>
-            <a:pPr marL="757066" lvl="1" indent="-291179">
-              <a:buFont typeface="Arial" panose="020B0604020202020204" pitchFamily="34" charset="0"/>
-              <a:buChar char="•"/>
-            </a:pPr>
-            <a:r>
-              <a:rPr lang="en-US" sz="1400" dirty="0"/>
-              <a:t>Higher productivity when using JavaScript and jQuery</a:t>
-            </a:r>
-          </a:p>
-          <a:p>
-            <a:pPr marL="757066" lvl="1" indent="-291179">
-              <a:buFont typeface="Arial" panose="020B0604020202020204" pitchFamily="34" charset="0"/>
-              <a:buChar char="•"/>
-            </a:pPr>
-            <a:r>
-              <a:rPr lang="en-US" sz="1400" dirty="0"/>
-              <a:t>Test in a browser</a:t>
-            </a:r>
-          </a:p>
-          <a:p>
-            <a:pPr marL="757066" lvl="1" indent="-291179">
-              <a:buFont typeface="Arial" panose="020B0604020202020204" pitchFamily="34" charset="0"/>
-              <a:buChar char="•"/>
-            </a:pPr>
-            <a:r>
-              <a:rPr lang="en-US" sz="1400" dirty="0"/>
-              <a:t>Platform agnostic</a:t>
-            </a:r>
-          </a:p>
-          <a:p>
-            <a:pPr marL="757066" lvl="1" indent="-291179">
-              <a:buFont typeface="Arial" panose="020B0604020202020204" pitchFamily="34" charset="0"/>
-              <a:buChar char="•"/>
-            </a:pPr>
-            <a:r>
-              <a:rPr lang="en-US" sz="1400" dirty="0"/>
-              <a:t>Better documentation</a:t>
-            </a:r>
-          </a:p>
-          <a:p>
-            <a:pPr marL="291179" indent="-291179">
-              <a:buFont typeface="Arial" panose="020B0604020202020204" pitchFamily="34" charset="0"/>
-              <a:buChar char="•"/>
-            </a:pPr>
-            <a:r>
-              <a:rPr lang="en-US" sz="1400" dirty="0"/>
-              <a:t>Each query is submitted with a unique URL</a:t>
-            </a:r>
-          </a:p>
-          <a:p>
-            <a:pPr marL="757066" lvl="1" indent="-291179">
-              <a:buFont typeface="Arial" panose="020B0604020202020204" pitchFamily="34" charset="0"/>
-              <a:buChar char="•"/>
-            </a:pPr>
-            <a:r>
-              <a:rPr lang="en-US" sz="1400" dirty="0"/>
-              <a:t>Results can be cached by proxy servers</a:t>
-            </a:r>
-          </a:p>
-          <a:p>
-            <a:pPr marL="291179" indent="-291179">
-              <a:buFont typeface="Arial" panose="020B0604020202020204" pitchFamily="34" charset="0"/>
-              <a:buChar char="•"/>
-            </a:pPr>
-            <a:r>
-              <a:rPr lang="en-US" sz="1400" dirty="0"/>
-              <a:t>Chattier than CSOM</a:t>
-            </a:r>
-            <a:r>
-              <a:rPr lang="en-US" dirty="0" smtClean="0"/>
-              <a:t>	</a:t>
-            </a:r>
-          </a:p>
-          <a:p>
-            <a:endParaRPr lang="en-US" dirty="0" smtClean="0"/>
-          </a:p>
-          <a:p>
-            <a:r>
-              <a:rPr lang="en-US" b="1" dirty="0" smtClean="0"/>
-              <a:t>SharePoint 2013 CSOM</a:t>
-            </a:r>
-          </a:p>
-          <a:p>
-            <a:endParaRPr lang="en-US" dirty="0" smtClean="0"/>
-          </a:p>
-          <a:p>
-            <a:pPr marL="174708" indent="-174708">
-              <a:buFont typeface="Arial" panose="020B0604020202020204" pitchFamily="34" charset="0"/>
-              <a:buChar char="•"/>
-            </a:pPr>
-            <a:r>
-              <a:rPr lang="en-US" dirty="0" smtClean="0"/>
-              <a:t>Collection of libraries that acts as a proxy to the server-side object model</a:t>
-            </a:r>
-          </a:p>
-          <a:p>
-            <a:pPr marL="174708" indent="-174708">
-              <a:buFont typeface="Arial" panose="020B0604020202020204" pitchFamily="34" charset="0"/>
-              <a:buChar char="•"/>
-            </a:pPr>
-            <a:r>
-              <a:rPr lang="en-US" dirty="0" smtClean="0"/>
-              <a:t>Accessible through client.svc</a:t>
-            </a:r>
-          </a:p>
-          <a:p>
-            <a:pPr marL="174708" indent="-174708">
-              <a:buFont typeface="Arial" panose="020B0604020202020204" pitchFamily="34" charset="0"/>
-              <a:buChar char="•"/>
-            </a:pPr>
-            <a:r>
-              <a:rPr lang="en-US" dirty="0" smtClean="0"/>
-              <a:t>Calls to client.svc must go through supported entry points (.NET, Silverlight, JavaScript)</a:t>
-            </a:r>
-          </a:p>
-          <a:p>
-            <a:pPr marL="174708" indent="-174708">
-              <a:buFont typeface="Arial" panose="020B0604020202020204" pitchFamily="34" charset="0"/>
-              <a:buChar char="•"/>
-            </a:pPr>
-            <a:r>
-              <a:rPr lang="en-US" dirty="0" smtClean="0"/>
-              <a:t>Provides more functionality than REST (i.e. filtering on nulls)</a:t>
-            </a:r>
-          </a:p>
-          <a:p>
-            <a:pPr marL="174708" indent="-174708">
-              <a:buFont typeface="Arial" panose="020B0604020202020204" pitchFamily="34" charset="0"/>
-              <a:buChar char="•"/>
-            </a:pPr>
-            <a:r>
-              <a:rPr lang="en-US" dirty="0" smtClean="0"/>
-              <a:t>Greater learning curve (i.e. CAML queries)</a:t>
-            </a:r>
-          </a:p>
-          <a:p>
-            <a:endParaRPr lang="en-US" dirty="0"/>
-          </a:p>
-        </p:txBody>
-      </p:sp>
-    </p:spTree>
-    <p:extLst>
-      <p:ext uri="{BB962C8B-B14F-4D97-AF65-F5344CB8AC3E}">
-        <p14:creationId xmlns:p14="http://schemas.microsoft.com/office/powerpoint/2010/main" val="2106743141"/>
       </p:ext>
     </p:extLst>
   </p:cSld>
@@ -20314,140 +20728,6 @@
 </file>
 
 <file path=ppt/slideLayouts/slideLayout12.xml><?xml version="1.0" encoding="utf-8"?>
-<p:sldLayout xmlns:a="http://schemas.openxmlformats.org/drawingml/2006/main" xmlns:r="http://schemas.openxmlformats.org/officeDocument/2006/relationships" xmlns:p="http://schemas.openxmlformats.org/presentationml/2006/main" userDrawn="1">
-  <p:cSld name="Title &amp; Content Layout">
-    <p:spTree>
-      <p:nvGrpSpPr>
-        <p:cNvPr id="1" name=""/>
-        <p:cNvGrpSpPr/>
-        <p:nvPr/>
-      </p:nvGrpSpPr>
-      <p:grpSpPr>
-        <a:xfrm>
-          <a:off x="0" y="0"/>
-          <a:ext cx="0" cy="0"/>
-          <a:chOff x="0" y="0"/>
-          <a:chExt cx="0" cy="0"/>
-        </a:xfrm>
-      </p:grpSpPr>
-      <p:sp>
-        <p:nvSpPr>
-          <p:cNvPr id="3" name="Title 2"/>
-          <p:cNvSpPr>
-            <a:spLocks noGrp="1"/>
-          </p:cNvSpPr>
-          <p:nvPr>
-            <p:ph type="title" hasCustomPrompt="1"/>
-          </p:nvPr>
-        </p:nvSpPr>
-        <p:spPr>
-          <a:xfrm>
-            <a:off x="609600" y="274638"/>
-            <a:ext cx="10972800" cy="1143000"/>
-          </a:xfrm>
-          <a:prstGeom prst="rect">
-            <a:avLst/>
-          </a:prstGeom>
-        </p:spPr>
-        <p:txBody>
-          <a:bodyPr>
-            <a:normAutofit/>
-          </a:bodyPr>
-          <a:lstStyle>
-            <a:lvl1pPr>
-              <a:defRPr sz="4000"/>
-            </a:lvl1pPr>
-          </a:lstStyle>
-          <a:p>
-            <a:r>
-              <a:rPr lang="en-US" dirty="0" smtClean="0"/>
-              <a:t>Click to edit master title style</a:t>
-            </a:r>
-            <a:endParaRPr lang="en-US" dirty="0"/>
-          </a:p>
-        </p:txBody>
-      </p:sp>
-      <p:sp>
-        <p:nvSpPr>
-          <p:cNvPr id="5" name="Text Placeholder 4"/>
-          <p:cNvSpPr>
-            <a:spLocks noGrp="1"/>
-          </p:cNvSpPr>
-          <p:nvPr>
-            <p:ph type="body" sz="quarter" idx="10"/>
-          </p:nvPr>
-        </p:nvSpPr>
-        <p:spPr>
-          <a:xfrm>
-            <a:off x="269240" y="1187622"/>
-            <a:ext cx="11653523" cy="5377755"/>
-          </a:xfrm>
-          <a:prstGeom prst="rect">
-            <a:avLst/>
-          </a:prstGeom>
-        </p:spPr>
-        <p:txBody>
-          <a:bodyPr/>
-          <a:lstStyle>
-            <a:lvl1pPr>
-              <a:defRPr>
-                <a:latin typeface="Effra Medium"/>
-                <a:cs typeface="Effra Medium"/>
-              </a:defRPr>
-            </a:lvl1pPr>
-          </a:lstStyle>
-          <a:p>
-            <a:pPr lvl="0"/>
-            <a:r>
-              <a:rPr lang="en-US" dirty="0" smtClean="0"/>
-              <a:t>Click to edit Master text styles</a:t>
-            </a:r>
-          </a:p>
-          <a:p>
-            <a:pPr lvl="1"/>
-            <a:r>
-              <a:rPr lang="en-US" dirty="0" smtClean="0"/>
-              <a:t>Second level</a:t>
-            </a:r>
-          </a:p>
-          <a:p>
-            <a:pPr lvl="2"/>
-            <a:r>
-              <a:rPr lang="en-US" dirty="0" smtClean="0"/>
-              <a:t>Third level</a:t>
-            </a:r>
-          </a:p>
-          <a:p>
-            <a:pPr lvl="3"/>
-            <a:r>
-              <a:rPr lang="en-US" dirty="0" smtClean="0"/>
-              <a:t>Fourth level</a:t>
-            </a:r>
-          </a:p>
-          <a:p>
-            <a:pPr lvl="4"/>
-            <a:r>
-              <a:rPr lang="en-US" dirty="0" smtClean="0"/>
-              <a:t>Fifth level</a:t>
-            </a:r>
-            <a:endParaRPr lang="en-US" dirty="0"/>
-          </a:p>
-        </p:txBody>
-      </p:sp>
-    </p:spTree>
-    <p:extLst>
-      <p:ext uri="{BB962C8B-B14F-4D97-AF65-F5344CB8AC3E}">
-        <p14:creationId xmlns:p14="http://schemas.microsoft.com/office/powerpoint/2010/main" val="3365186248"/>
-      </p:ext>
-    </p:extLst>
-  </p:cSld>
-  <p:clrMapOvr>
-    <a:masterClrMapping/>
-  </p:clrMapOvr>
-</p:sldLayout>
-</file>
-
-<file path=ppt/slideLayouts/slideLayout13.xml><?xml version="1.0" encoding="utf-8"?>
 <p:sldLayout xmlns:a="http://schemas.openxmlformats.org/drawingml/2006/main" xmlns:r="http://schemas.openxmlformats.org/officeDocument/2006/relationships" xmlns:p="http://schemas.openxmlformats.org/presentationml/2006/main" showMasterSp="0" userDrawn="1">
   <p:cSld name="Section Title Accent Color 1">
     <p:spTree>
@@ -22795,7 +23075,7 @@
           <p:nvPr userDrawn="1"/>
         </p:nvPicPr>
         <p:blipFill>
-          <a:blip r:embed="rId15">
+          <a:blip r:embed="rId14">
             <a:extLst>
               <a:ext uri="{28A0092B-C50C-407E-A947-70E740481C1C}">
                 <a14:useLocalDpi xmlns:a14="http://schemas.microsoft.com/office/drawing/2010/main" val="0"/>
@@ -22847,8 +23127,7 @@
     <p:sldLayoutId id="2147483657" r:id="rId9"/>
     <p:sldLayoutId id="2147483658" r:id="rId10"/>
     <p:sldLayoutId id="2147483659" r:id="rId11"/>
-    <p:sldLayoutId id="2147483660" r:id="rId12"/>
-    <p:sldLayoutId id="2147483661" r:id="rId13"/>
+    <p:sldLayoutId id="2147483661" r:id="rId12"/>
   </p:sldLayoutIdLst>
   <mc:AlternateContent xmlns:mc="http://schemas.openxmlformats.org/markup-compatibility/2006" xmlns:p14="http://schemas.microsoft.com/office/powerpoint/2010/main">
     <mc:Choice Requires="p14">
@@ -25562,2006 +25841,6 @@
           <a:chExt cx="0" cy="0"/>
         </a:xfrm>
       </p:grpSpPr>
-      <p:pic>
-        <p:nvPicPr>
-          <p:cNvPr id="19" name="Picture 18"/>
-          <p:cNvPicPr>
-            <a:picLocks noChangeAspect="1"/>
-          </p:cNvPicPr>
-          <p:nvPr/>
-        </p:nvPicPr>
-        <p:blipFill>
-          <a:blip r:embed="rId2"/>
-          <a:stretch>
-            <a:fillRect/>
-          </a:stretch>
-        </p:blipFill>
-        <p:spPr>
-          <a:xfrm>
-            <a:off x="2530330" y="2693854"/>
-            <a:ext cx="6400800" cy="2571107"/>
-          </a:xfrm>
-          <a:prstGeom prst="rect">
-            <a:avLst/>
-          </a:prstGeom>
-        </p:spPr>
-      </p:pic>
-      <p:sp>
-        <p:nvSpPr>
-          <p:cNvPr id="2" name="Title 1"/>
-          <p:cNvSpPr>
-            <a:spLocks noGrp="1"/>
-          </p:cNvSpPr>
-          <p:nvPr>
-            <p:ph type="title"/>
-          </p:nvPr>
-        </p:nvSpPr>
-        <p:spPr/>
-        <p:txBody>
-          <a:bodyPr/>
-          <a:lstStyle/>
-          <a:p>
-            <a:r>
-              <a:rPr lang="en-US" dirty="0" smtClean="0"/>
-              <a:t>Pulling things together</a:t>
-            </a:r>
-            <a:endParaRPr lang="en-US" dirty="0"/>
-          </a:p>
-        </p:txBody>
-      </p:sp>
-      <p:sp>
-        <p:nvSpPr>
-          <p:cNvPr id="3" name="Line Callout 1 2"/>
-          <p:cNvSpPr/>
-          <p:nvPr/>
-        </p:nvSpPr>
-        <p:spPr>
-          <a:xfrm>
-            <a:off x="4625830" y="1969653"/>
-            <a:ext cx="1447800" cy="380140"/>
-          </a:xfrm>
-          <a:prstGeom prst="borderCallout1">
-            <a:avLst>
-              <a:gd name="adj1" fmla="val 54179"/>
-              <a:gd name="adj2" fmla="val -3927"/>
-              <a:gd name="adj3" fmla="val 280322"/>
-              <a:gd name="adj4" fmla="val -64080"/>
-            </a:avLst>
-          </a:prstGeom>
-          <a:solidFill>
-            <a:schemeClr val="accent6">
-              <a:lumMod val="60000"/>
-              <a:lumOff val="40000"/>
-            </a:schemeClr>
-          </a:solidFill>
-        </p:spPr>
-        <p:style>
-          <a:lnRef idx="2">
-            <a:schemeClr val="accent1">
-              <a:shade val="50000"/>
-            </a:schemeClr>
-          </a:lnRef>
-          <a:fillRef idx="1">
-            <a:schemeClr val="accent1"/>
-          </a:fillRef>
-          <a:effectRef idx="0">
-            <a:schemeClr val="accent1"/>
-          </a:effectRef>
-          <a:fontRef idx="minor">
-            <a:schemeClr val="lt1"/>
-          </a:fontRef>
-        </p:style>
-        <p:txBody>
-          <a:bodyPr rtlCol="0" anchor="ctr"/>
-          <a:lstStyle/>
-          <a:p>
-            <a:pPr algn="ctr"/>
-            <a:r>
-              <a:rPr lang="en-US" dirty="0" smtClean="0">
-                <a:solidFill>
-                  <a:schemeClr val="accent6">
-                    <a:lumMod val="50000"/>
-                  </a:schemeClr>
-                </a:solidFill>
-              </a:rPr>
-              <a:t>Directive</a:t>
-            </a:r>
-            <a:endParaRPr lang="en-US" dirty="0">
-              <a:solidFill>
-                <a:schemeClr val="accent6">
-                  <a:lumMod val="50000"/>
-                </a:schemeClr>
-              </a:solidFill>
-            </a:endParaRPr>
-          </a:p>
-        </p:txBody>
-      </p:sp>
-      <p:sp>
-        <p:nvSpPr>
-          <p:cNvPr id="5" name="Line Callout 1 4"/>
-          <p:cNvSpPr/>
-          <p:nvPr/>
-        </p:nvSpPr>
-        <p:spPr>
-          <a:xfrm>
-            <a:off x="6988030" y="2076698"/>
-            <a:ext cx="1447800" cy="380140"/>
-          </a:xfrm>
-          <a:prstGeom prst="borderCallout1">
-            <a:avLst>
-              <a:gd name="adj1" fmla="val 54179"/>
-              <a:gd name="adj2" fmla="val -3927"/>
-              <a:gd name="adj3" fmla="val 326938"/>
-              <a:gd name="adj4" fmla="val -215365"/>
-            </a:avLst>
-          </a:prstGeom>
-          <a:solidFill>
-            <a:schemeClr val="accent6">
-              <a:lumMod val="60000"/>
-              <a:lumOff val="40000"/>
-            </a:schemeClr>
-          </a:solidFill>
-        </p:spPr>
-        <p:style>
-          <a:lnRef idx="2">
-            <a:schemeClr val="accent1">
-              <a:shade val="50000"/>
-            </a:schemeClr>
-          </a:lnRef>
-          <a:fillRef idx="1">
-            <a:schemeClr val="accent1"/>
-          </a:fillRef>
-          <a:effectRef idx="0">
-            <a:schemeClr val="accent1"/>
-          </a:effectRef>
-          <a:fontRef idx="minor">
-            <a:schemeClr val="lt1"/>
-          </a:fontRef>
-        </p:style>
-        <p:txBody>
-          <a:bodyPr rtlCol="0" anchor="ctr"/>
-          <a:lstStyle/>
-          <a:p>
-            <a:pPr algn="ctr"/>
-            <a:r>
-              <a:rPr lang="en-US" dirty="0" smtClean="0">
-                <a:solidFill>
-                  <a:schemeClr val="accent6">
-                    <a:lumMod val="50000"/>
-                  </a:schemeClr>
-                </a:solidFill>
-              </a:rPr>
-              <a:t>Directive</a:t>
-            </a:r>
-            <a:endParaRPr lang="en-US" dirty="0">
-              <a:solidFill>
-                <a:schemeClr val="accent6">
-                  <a:lumMod val="50000"/>
-                </a:schemeClr>
-              </a:solidFill>
-            </a:endParaRPr>
-          </a:p>
-        </p:txBody>
-      </p:sp>
-      <p:sp>
-        <p:nvSpPr>
-          <p:cNvPr id="6" name="Line Callout 1 5"/>
-          <p:cNvSpPr/>
-          <p:nvPr/>
-        </p:nvSpPr>
-        <p:spPr>
-          <a:xfrm>
-            <a:off x="663430" y="2959393"/>
-            <a:ext cx="1447800" cy="380140"/>
-          </a:xfrm>
-          <a:prstGeom prst="borderCallout1">
-            <a:avLst>
-              <a:gd name="adj1" fmla="val 54180"/>
-              <a:gd name="adj2" fmla="val 100357"/>
-              <a:gd name="adj3" fmla="val 207599"/>
-              <a:gd name="adj4" fmla="val 183166"/>
-            </a:avLst>
-          </a:prstGeom>
-          <a:solidFill>
-            <a:schemeClr val="accent6">
-              <a:lumMod val="60000"/>
-              <a:lumOff val="40000"/>
-            </a:schemeClr>
-          </a:solidFill>
-        </p:spPr>
-        <p:style>
-          <a:lnRef idx="2">
-            <a:schemeClr val="accent1">
-              <a:shade val="50000"/>
-            </a:schemeClr>
-          </a:lnRef>
-          <a:fillRef idx="1">
-            <a:schemeClr val="accent1"/>
-          </a:fillRef>
-          <a:effectRef idx="0">
-            <a:schemeClr val="accent1"/>
-          </a:effectRef>
-          <a:fontRef idx="minor">
-            <a:schemeClr val="lt1"/>
-          </a:fontRef>
-        </p:style>
-        <p:txBody>
-          <a:bodyPr rtlCol="0" anchor="ctr"/>
-          <a:lstStyle/>
-          <a:p>
-            <a:pPr algn="ctr"/>
-            <a:r>
-              <a:rPr lang="en-US" dirty="0" smtClean="0">
-                <a:solidFill>
-                  <a:schemeClr val="accent6">
-                    <a:lumMod val="50000"/>
-                  </a:schemeClr>
-                </a:solidFill>
-              </a:rPr>
-              <a:t>Directive</a:t>
-            </a:r>
-            <a:endParaRPr lang="en-US" dirty="0">
-              <a:solidFill>
-                <a:schemeClr val="accent6">
-                  <a:lumMod val="50000"/>
-                </a:schemeClr>
-              </a:solidFill>
-            </a:endParaRPr>
-          </a:p>
-        </p:txBody>
-      </p:sp>
-      <p:sp>
-        <p:nvSpPr>
-          <p:cNvPr id="7" name="Line Callout 1 6"/>
-          <p:cNvSpPr/>
-          <p:nvPr/>
-        </p:nvSpPr>
-        <p:spPr>
-          <a:xfrm>
-            <a:off x="663430" y="4635793"/>
-            <a:ext cx="1447800" cy="380140"/>
-          </a:xfrm>
-          <a:prstGeom prst="borderCallout1">
-            <a:avLst>
-              <a:gd name="adj1" fmla="val 50450"/>
-              <a:gd name="adj2" fmla="val 100357"/>
-              <a:gd name="adj3" fmla="val -174659"/>
-              <a:gd name="adj4" fmla="val 214990"/>
-            </a:avLst>
-          </a:prstGeom>
-          <a:solidFill>
-            <a:schemeClr val="accent6">
-              <a:lumMod val="60000"/>
-              <a:lumOff val="40000"/>
-            </a:schemeClr>
-          </a:solidFill>
-        </p:spPr>
-        <p:style>
-          <a:lnRef idx="2">
-            <a:schemeClr val="accent1">
-              <a:shade val="50000"/>
-            </a:schemeClr>
-          </a:lnRef>
-          <a:fillRef idx="1">
-            <a:schemeClr val="accent1"/>
-          </a:fillRef>
-          <a:effectRef idx="0">
-            <a:schemeClr val="accent1"/>
-          </a:effectRef>
-          <a:fontRef idx="minor">
-            <a:schemeClr val="lt1"/>
-          </a:fontRef>
-        </p:style>
-        <p:txBody>
-          <a:bodyPr rtlCol="0" anchor="ctr"/>
-          <a:lstStyle/>
-          <a:p>
-            <a:pPr algn="ctr"/>
-            <a:r>
-              <a:rPr lang="en-US" dirty="0" smtClean="0">
-                <a:solidFill>
-                  <a:schemeClr val="accent6">
-                    <a:lumMod val="50000"/>
-                  </a:schemeClr>
-                </a:solidFill>
-              </a:rPr>
-              <a:t>Expression</a:t>
-            </a:r>
-            <a:endParaRPr lang="en-US" dirty="0">
-              <a:solidFill>
-                <a:schemeClr val="accent6">
-                  <a:lumMod val="50000"/>
-                </a:schemeClr>
-              </a:solidFill>
-            </a:endParaRPr>
-          </a:p>
-        </p:txBody>
-      </p:sp>
-      <p:sp>
-        <p:nvSpPr>
-          <p:cNvPr id="8" name="Line Callout 1 7"/>
-          <p:cNvSpPr/>
-          <p:nvPr/>
-        </p:nvSpPr>
-        <p:spPr>
-          <a:xfrm>
-            <a:off x="3025630" y="5539580"/>
-            <a:ext cx="1447800" cy="380140"/>
-          </a:xfrm>
-          <a:prstGeom prst="borderCallout1">
-            <a:avLst>
-              <a:gd name="adj1" fmla="val 50450"/>
-              <a:gd name="adj2" fmla="val 100357"/>
-              <a:gd name="adj3" fmla="val -230599"/>
-              <a:gd name="adj4" fmla="val 172395"/>
-            </a:avLst>
-          </a:prstGeom>
-          <a:solidFill>
-            <a:schemeClr val="accent6">
-              <a:lumMod val="60000"/>
-              <a:lumOff val="40000"/>
-            </a:schemeClr>
-          </a:solidFill>
-        </p:spPr>
-        <p:style>
-          <a:lnRef idx="2">
-            <a:schemeClr val="accent1">
-              <a:shade val="50000"/>
-            </a:schemeClr>
-          </a:lnRef>
-          <a:fillRef idx="1">
-            <a:schemeClr val="accent1"/>
-          </a:fillRef>
-          <a:effectRef idx="0">
-            <a:schemeClr val="accent1"/>
-          </a:effectRef>
-          <a:fontRef idx="minor">
-            <a:schemeClr val="lt1"/>
-          </a:fontRef>
-        </p:style>
-        <p:txBody>
-          <a:bodyPr rtlCol="0" anchor="ctr"/>
-          <a:lstStyle/>
-          <a:p>
-            <a:pPr algn="ctr"/>
-            <a:r>
-              <a:rPr lang="en-US" dirty="0" smtClean="0">
-                <a:solidFill>
-                  <a:schemeClr val="accent6">
-                    <a:lumMod val="50000"/>
-                  </a:schemeClr>
-                </a:solidFill>
-              </a:rPr>
-              <a:t>Expression</a:t>
-            </a:r>
-            <a:endParaRPr lang="en-US" dirty="0">
-              <a:solidFill>
-                <a:schemeClr val="accent6">
-                  <a:lumMod val="50000"/>
-                </a:schemeClr>
-              </a:solidFill>
-            </a:endParaRPr>
-          </a:p>
-        </p:txBody>
-      </p:sp>
-      <p:sp>
-        <p:nvSpPr>
-          <p:cNvPr id="9" name="Line Callout 1 8"/>
-          <p:cNvSpPr/>
-          <p:nvPr/>
-        </p:nvSpPr>
-        <p:spPr>
-          <a:xfrm>
-            <a:off x="5006830" y="5557776"/>
-            <a:ext cx="1447800" cy="380140"/>
-          </a:xfrm>
-          <a:prstGeom prst="borderCallout1">
-            <a:avLst>
-              <a:gd name="adj1" fmla="val -1761"/>
-              <a:gd name="adj2" fmla="val 45522"/>
-              <a:gd name="adj3" fmla="val -273829"/>
-              <a:gd name="adj4" fmla="val 121073"/>
-            </a:avLst>
-          </a:prstGeom>
-          <a:solidFill>
-            <a:schemeClr val="accent6">
-              <a:lumMod val="60000"/>
-              <a:lumOff val="40000"/>
-            </a:schemeClr>
-          </a:solidFill>
-        </p:spPr>
-        <p:style>
-          <a:lnRef idx="2">
-            <a:schemeClr val="accent1">
-              <a:shade val="50000"/>
-            </a:schemeClr>
-          </a:lnRef>
-          <a:fillRef idx="1">
-            <a:schemeClr val="accent1"/>
-          </a:fillRef>
-          <a:effectRef idx="0">
-            <a:schemeClr val="accent1"/>
-          </a:effectRef>
-          <a:fontRef idx="minor">
-            <a:schemeClr val="lt1"/>
-          </a:fontRef>
-        </p:style>
-        <p:txBody>
-          <a:bodyPr rtlCol="0" anchor="ctr"/>
-          <a:lstStyle/>
-          <a:p>
-            <a:pPr algn="ctr"/>
-            <a:r>
-              <a:rPr lang="en-US" dirty="0" smtClean="0">
-                <a:solidFill>
-                  <a:schemeClr val="accent6">
-                    <a:lumMod val="50000"/>
-                  </a:schemeClr>
-                </a:solidFill>
-              </a:rPr>
-              <a:t>Expression</a:t>
-            </a:r>
-            <a:endParaRPr lang="en-US" dirty="0">
-              <a:solidFill>
-                <a:schemeClr val="accent6">
-                  <a:lumMod val="50000"/>
-                </a:schemeClr>
-              </a:solidFill>
-            </a:endParaRPr>
-          </a:p>
-        </p:txBody>
-      </p:sp>
-      <p:sp>
-        <p:nvSpPr>
-          <p:cNvPr id="10" name="Line Callout 1 9"/>
-          <p:cNvSpPr/>
-          <p:nvPr/>
-        </p:nvSpPr>
-        <p:spPr>
-          <a:xfrm>
-            <a:off x="9274030" y="2146425"/>
-            <a:ext cx="1447800" cy="380140"/>
-          </a:xfrm>
-          <a:prstGeom prst="borderCallout1">
-            <a:avLst>
-              <a:gd name="adj1" fmla="val 44856"/>
-              <a:gd name="adj2" fmla="val -1479"/>
-              <a:gd name="adj3" fmla="val 435089"/>
-              <a:gd name="adj4" fmla="val -155635"/>
-            </a:avLst>
-          </a:prstGeom>
-          <a:solidFill>
-            <a:schemeClr val="accent6">
-              <a:lumMod val="60000"/>
-              <a:lumOff val="40000"/>
-            </a:schemeClr>
-          </a:solidFill>
-        </p:spPr>
-        <p:style>
-          <a:lnRef idx="2">
-            <a:schemeClr val="accent1">
-              <a:shade val="50000"/>
-            </a:schemeClr>
-          </a:lnRef>
-          <a:fillRef idx="1">
-            <a:schemeClr val="accent1"/>
-          </a:fillRef>
-          <a:effectRef idx="0">
-            <a:schemeClr val="accent1"/>
-          </a:effectRef>
-          <a:fontRef idx="minor">
-            <a:schemeClr val="lt1"/>
-          </a:fontRef>
-        </p:style>
-        <p:txBody>
-          <a:bodyPr rtlCol="0" anchor="ctr"/>
-          <a:lstStyle/>
-          <a:p>
-            <a:pPr algn="ctr"/>
-            <a:r>
-              <a:rPr lang="en-US" dirty="0" smtClean="0">
-                <a:solidFill>
-                  <a:schemeClr val="accent6">
-                    <a:lumMod val="50000"/>
-                  </a:schemeClr>
-                </a:solidFill>
-              </a:rPr>
-              <a:t>Filter</a:t>
-            </a:r>
-            <a:endParaRPr lang="en-US" dirty="0">
-              <a:solidFill>
-                <a:schemeClr val="accent6">
-                  <a:lumMod val="50000"/>
-                </a:schemeClr>
-              </a:solidFill>
-            </a:endParaRPr>
-          </a:p>
-        </p:txBody>
-      </p:sp>
-      <p:sp>
-        <p:nvSpPr>
-          <p:cNvPr id="11" name="Line Callout 1 10"/>
-          <p:cNvSpPr/>
-          <p:nvPr/>
-        </p:nvSpPr>
-        <p:spPr>
-          <a:xfrm>
-            <a:off x="9197830" y="5495997"/>
-            <a:ext cx="1447800" cy="380140"/>
-          </a:xfrm>
-          <a:prstGeom prst="borderCallout1">
-            <a:avLst>
-              <a:gd name="adj1" fmla="val -5490"/>
-              <a:gd name="adj2" fmla="val 46012"/>
-              <a:gd name="adj3" fmla="val -267892"/>
-              <a:gd name="adj4" fmla="val -103248"/>
-            </a:avLst>
-          </a:prstGeom>
-          <a:solidFill>
-            <a:schemeClr val="accent6">
-              <a:lumMod val="60000"/>
-              <a:lumOff val="40000"/>
-            </a:schemeClr>
-          </a:solidFill>
-        </p:spPr>
-        <p:style>
-          <a:lnRef idx="2">
-            <a:schemeClr val="accent1">
-              <a:shade val="50000"/>
-            </a:schemeClr>
-          </a:lnRef>
-          <a:fillRef idx="1">
-            <a:schemeClr val="accent1"/>
-          </a:fillRef>
-          <a:effectRef idx="0">
-            <a:schemeClr val="accent1"/>
-          </a:effectRef>
-          <a:fontRef idx="minor">
-            <a:schemeClr val="lt1"/>
-          </a:fontRef>
-        </p:style>
-        <p:txBody>
-          <a:bodyPr rtlCol="0" anchor="ctr"/>
-          <a:lstStyle/>
-          <a:p>
-            <a:pPr algn="ctr"/>
-            <a:r>
-              <a:rPr lang="en-US" dirty="0" smtClean="0">
-                <a:solidFill>
-                  <a:schemeClr val="accent6">
-                    <a:lumMod val="50000"/>
-                  </a:schemeClr>
-                </a:solidFill>
-              </a:rPr>
-              <a:t>Filter</a:t>
-            </a:r>
-            <a:endParaRPr lang="en-US" dirty="0">
-              <a:solidFill>
-                <a:schemeClr val="accent6">
-                  <a:lumMod val="50000"/>
-                </a:schemeClr>
-              </a:solidFill>
-            </a:endParaRPr>
-          </a:p>
-        </p:txBody>
-      </p:sp>
-      <p:sp>
-        <p:nvSpPr>
-          <p:cNvPr id="13" name="Line Callout 1 12"/>
-          <p:cNvSpPr/>
-          <p:nvPr/>
-        </p:nvSpPr>
-        <p:spPr>
-          <a:xfrm>
-            <a:off x="663430" y="3886200"/>
-            <a:ext cx="1447800" cy="380140"/>
-          </a:xfrm>
-          <a:prstGeom prst="borderCallout1">
-            <a:avLst>
-              <a:gd name="adj1" fmla="val 50450"/>
-              <a:gd name="adj2" fmla="val 100357"/>
-              <a:gd name="adj3" fmla="val -81425"/>
-              <a:gd name="adj4" fmla="val 270804"/>
-            </a:avLst>
-          </a:prstGeom>
-          <a:solidFill>
-            <a:schemeClr val="accent6">
-              <a:lumMod val="60000"/>
-              <a:lumOff val="40000"/>
-            </a:schemeClr>
-          </a:solidFill>
-        </p:spPr>
-        <p:style>
-          <a:lnRef idx="2">
-            <a:schemeClr val="accent1">
-              <a:shade val="50000"/>
-            </a:schemeClr>
-          </a:lnRef>
-          <a:fillRef idx="1">
-            <a:schemeClr val="accent1"/>
-          </a:fillRef>
-          <a:effectRef idx="0">
-            <a:schemeClr val="accent1"/>
-          </a:effectRef>
-          <a:fontRef idx="minor">
-            <a:schemeClr val="lt1"/>
-          </a:fontRef>
-        </p:style>
-        <p:txBody>
-          <a:bodyPr rtlCol="0" anchor="ctr"/>
-          <a:lstStyle/>
-          <a:p>
-            <a:pPr algn="ctr"/>
-            <a:r>
-              <a:rPr lang="en-US" dirty="0" smtClean="0">
-                <a:solidFill>
-                  <a:schemeClr val="accent6">
-                    <a:lumMod val="50000"/>
-                  </a:schemeClr>
-                </a:solidFill>
-              </a:rPr>
-              <a:t>Expression</a:t>
-            </a:r>
-            <a:endParaRPr lang="en-US" dirty="0">
-              <a:solidFill>
-                <a:schemeClr val="accent6">
-                  <a:lumMod val="50000"/>
-                </a:schemeClr>
-              </a:solidFill>
-            </a:endParaRPr>
-          </a:p>
-        </p:txBody>
-      </p:sp>
-      <p:sp>
-        <p:nvSpPr>
-          <p:cNvPr id="14" name="Line Callout 1 13"/>
-          <p:cNvSpPr/>
-          <p:nvPr/>
-        </p:nvSpPr>
-        <p:spPr>
-          <a:xfrm>
-            <a:off x="2035030" y="1988399"/>
-            <a:ext cx="1447800" cy="380140"/>
-          </a:xfrm>
-          <a:prstGeom prst="borderCallout1">
-            <a:avLst>
-              <a:gd name="adj1" fmla="val 104936"/>
-              <a:gd name="adj2" fmla="val 49381"/>
-              <a:gd name="adj3" fmla="val 259160"/>
-              <a:gd name="adj4" fmla="val 110953"/>
-            </a:avLst>
-          </a:prstGeom>
-          <a:solidFill>
-            <a:schemeClr val="accent6">
-              <a:lumMod val="60000"/>
-              <a:lumOff val="40000"/>
-            </a:schemeClr>
-          </a:solidFill>
-        </p:spPr>
-        <p:style>
-          <a:lnRef idx="2">
-            <a:schemeClr val="accent1">
-              <a:shade val="50000"/>
-            </a:schemeClr>
-          </a:lnRef>
-          <a:fillRef idx="1">
-            <a:schemeClr val="accent1"/>
-          </a:fillRef>
-          <a:effectRef idx="0">
-            <a:schemeClr val="accent1"/>
-          </a:effectRef>
-          <a:fontRef idx="minor">
-            <a:schemeClr val="lt1"/>
-          </a:fontRef>
-        </p:style>
-        <p:txBody>
-          <a:bodyPr rtlCol="0" anchor="ctr"/>
-          <a:lstStyle/>
-          <a:p>
-            <a:pPr algn="ctr"/>
-            <a:r>
-              <a:rPr lang="en-US" dirty="0" smtClean="0">
-                <a:solidFill>
-                  <a:schemeClr val="accent6">
-                    <a:lumMod val="50000"/>
-                  </a:schemeClr>
-                </a:solidFill>
-              </a:rPr>
-              <a:t>Controller</a:t>
-            </a:r>
-            <a:endParaRPr lang="en-US" dirty="0">
-              <a:solidFill>
-                <a:schemeClr val="accent6">
-                  <a:lumMod val="50000"/>
-                </a:schemeClr>
-              </a:solidFill>
-            </a:endParaRPr>
-          </a:p>
-        </p:txBody>
-      </p:sp>
-      <p:sp>
-        <p:nvSpPr>
-          <p:cNvPr id="15" name="Line Callout 1 14"/>
-          <p:cNvSpPr/>
-          <p:nvPr/>
-        </p:nvSpPr>
-        <p:spPr>
-          <a:xfrm>
-            <a:off x="655041" y="3409779"/>
-            <a:ext cx="1447800" cy="380140"/>
-          </a:xfrm>
-          <a:prstGeom prst="borderCallout1">
-            <a:avLst>
-              <a:gd name="adj1" fmla="val 54180"/>
-              <a:gd name="adj2" fmla="val 100357"/>
-              <a:gd name="adj3" fmla="val 94025"/>
-              <a:gd name="adj4" fmla="val 324641"/>
-            </a:avLst>
-          </a:prstGeom>
-          <a:solidFill>
-            <a:schemeClr val="accent6">
-              <a:lumMod val="60000"/>
-              <a:lumOff val="40000"/>
-            </a:schemeClr>
-          </a:solidFill>
-        </p:spPr>
-        <p:style>
-          <a:lnRef idx="2">
-            <a:schemeClr val="accent1">
-              <a:shade val="50000"/>
-            </a:schemeClr>
-          </a:lnRef>
-          <a:fillRef idx="1">
-            <a:schemeClr val="accent1"/>
-          </a:fillRef>
-          <a:effectRef idx="0">
-            <a:schemeClr val="accent1"/>
-          </a:effectRef>
-          <a:fontRef idx="minor">
-            <a:schemeClr val="lt1"/>
-          </a:fontRef>
-        </p:style>
-        <p:txBody>
-          <a:bodyPr rtlCol="0" anchor="ctr"/>
-          <a:lstStyle/>
-          <a:p>
-            <a:pPr algn="ctr"/>
-            <a:r>
-              <a:rPr lang="en-US" dirty="0" smtClean="0">
-                <a:solidFill>
-                  <a:schemeClr val="accent6">
-                    <a:lumMod val="50000"/>
-                  </a:schemeClr>
-                </a:solidFill>
-              </a:rPr>
-              <a:t>Scope</a:t>
-            </a:r>
-            <a:endParaRPr lang="en-US" dirty="0">
-              <a:solidFill>
-                <a:schemeClr val="accent6">
-                  <a:lumMod val="50000"/>
-                </a:schemeClr>
-              </a:solidFill>
-            </a:endParaRPr>
-          </a:p>
-        </p:txBody>
-      </p:sp>
-      <p:sp>
-        <p:nvSpPr>
-          <p:cNvPr id="16" name="Line Callout 1 15"/>
-          <p:cNvSpPr/>
-          <p:nvPr/>
-        </p:nvSpPr>
-        <p:spPr>
-          <a:xfrm>
-            <a:off x="646652" y="2438785"/>
-            <a:ext cx="1447800" cy="380140"/>
-          </a:xfrm>
-          <a:prstGeom prst="borderCallout1">
-            <a:avLst>
-              <a:gd name="adj1" fmla="val 54180"/>
-              <a:gd name="adj2" fmla="val 100357"/>
-              <a:gd name="adj3" fmla="val 218821"/>
-              <a:gd name="adj4" fmla="val 262853"/>
-            </a:avLst>
-          </a:prstGeom>
-          <a:solidFill>
-            <a:schemeClr val="accent6">
-              <a:lumMod val="60000"/>
-              <a:lumOff val="40000"/>
-            </a:schemeClr>
-          </a:solidFill>
-        </p:spPr>
-        <p:style>
-          <a:lnRef idx="2">
-            <a:schemeClr val="accent1">
-              <a:shade val="50000"/>
-            </a:schemeClr>
-          </a:lnRef>
-          <a:fillRef idx="1">
-            <a:schemeClr val="accent1"/>
-          </a:fillRef>
-          <a:effectRef idx="0">
-            <a:schemeClr val="accent1"/>
-          </a:effectRef>
-          <a:fontRef idx="minor">
-            <a:schemeClr val="lt1"/>
-          </a:fontRef>
-        </p:style>
-        <p:txBody>
-          <a:bodyPr rtlCol="0" anchor="ctr"/>
-          <a:lstStyle/>
-          <a:p>
-            <a:pPr algn="ctr"/>
-            <a:r>
-              <a:rPr lang="en-US" dirty="0" smtClean="0">
-                <a:solidFill>
-                  <a:schemeClr val="accent6">
-                    <a:lumMod val="50000"/>
-                  </a:schemeClr>
-                </a:solidFill>
-              </a:rPr>
-              <a:t>Scope</a:t>
-            </a:r>
-            <a:endParaRPr lang="en-US" dirty="0">
-              <a:solidFill>
-                <a:schemeClr val="accent6">
-                  <a:lumMod val="50000"/>
-                </a:schemeClr>
-              </a:solidFill>
-            </a:endParaRPr>
-          </a:p>
-        </p:txBody>
-      </p:sp>
-      <p:sp>
-        <p:nvSpPr>
-          <p:cNvPr id="17" name="Line Callout 1 16"/>
-          <p:cNvSpPr/>
-          <p:nvPr/>
-        </p:nvSpPr>
-        <p:spPr>
-          <a:xfrm>
-            <a:off x="6692318" y="5539580"/>
-            <a:ext cx="1447800" cy="380140"/>
-          </a:xfrm>
-          <a:prstGeom prst="borderCallout1">
-            <a:avLst>
-              <a:gd name="adj1" fmla="val -990"/>
-              <a:gd name="adj2" fmla="val 46470"/>
-              <a:gd name="adj3" fmla="val -278550"/>
-              <a:gd name="adj4" fmla="val -16464"/>
-            </a:avLst>
-          </a:prstGeom>
-          <a:solidFill>
-            <a:schemeClr val="accent6">
-              <a:lumMod val="60000"/>
-              <a:lumOff val="40000"/>
-            </a:schemeClr>
-          </a:solidFill>
-        </p:spPr>
-        <p:style>
-          <a:lnRef idx="2">
-            <a:schemeClr val="accent1">
-              <a:shade val="50000"/>
-            </a:schemeClr>
-          </a:lnRef>
-          <a:fillRef idx="1">
-            <a:schemeClr val="accent1"/>
-          </a:fillRef>
-          <a:effectRef idx="0">
-            <a:schemeClr val="accent1"/>
-          </a:effectRef>
-          <a:fontRef idx="minor">
-            <a:schemeClr val="lt1"/>
-          </a:fontRef>
-        </p:style>
-        <p:txBody>
-          <a:bodyPr rtlCol="0" anchor="ctr"/>
-          <a:lstStyle/>
-          <a:p>
-            <a:pPr algn="ctr"/>
-            <a:r>
-              <a:rPr lang="en-US" dirty="0" smtClean="0">
-                <a:solidFill>
-                  <a:schemeClr val="accent6">
-                    <a:lumMod val="50000"/>
-                  </a:schemeClr>
-                </a:solidFill>
-              </a:rPr>
-              <a:t>Scope</a:t>
-            </a:r>
-            <a:endParaRPr lang="en-US" dirty="0">
-              <a:solidFill>
-                <a:schemeClr val="accent6">
-                  <a:lumMod val="50000"/>
-                </a:schemeClr>
-              </a:solidFill>
-            </a:endParaRPr>
-          </a:p>
-        </p:txBody>
-      </p:sp>
-      <p:sp>
-        <p:nvSpPr>
-          <p:cNvPr id="18" name="Line Callout 1 17"/>
-          <p:cNvSpPr/>
-          <p:nvPr/>
-        </p:nvSpPr>
-        <p:spPr>
-          <a:xfrm>
-            <a:off x="1504011" y="5513990"/>
-            <a:ext cx="1447800" cy="380140"/>
-          </a:xfrm>
-          <a:prstGeom prst="borderCallout1">
-            <a:avLst>
-              <a:gd name="adj1" fmla="val 58594"/>
-              <a:gd name="adj2" fmla="val 99778"/>
-              <a:gd name="adj3" fmla="val -221481"/>
-              <a:gd name="adj4" fmla="val 252414"/>
-            </a:avLst>
-          </a:prstGeom>
-          <a:solidFill>
-            <a:schemeClr val="accent6">
-              <a:lumMod val="60000"/>
-              <a:lumOff val="40000"/>
-            </a:schemeClr>
-          </a:solidFill>
-        </p:spPr>
-        <p:style>
-          <a:lnRef idx="2">
-            <a:schemeClr val="accent1">
-              <a:shade val="50000"/>
-            </a:schemeClr>
-          </a:lnRef>
-          <a:fillRef idx="1">
-            <a:schemeClr val="accent1"/>
-          </a:fillRef>
-          <a:effectRef idx="0">
-            <a:schemeClr val="accent1"/>
-          </a:effectRef>
-          <a:fontRef idx="minor">
-            <a:schemeClr val="lt1"/>
-          </a:fontRef>
-        </p:style>
-        <p:txBody>
-          <a:bodyPr rtlCol="0" anchor="ctr"/>
-          <a:lstStyle/>
-          <a:p>
-            <a:pPr algn="ctr"/>
-            <a:r>
-              <a:rPr lang="en-US" dirty="0" smtClean="0">
-                <a:solidFill>
-                  <a:schemeClr val="accent6">
-                    <a:lumMod val="50000"/>
-                  </a:schemeClr>
-                </a:solidFill>
-              </a:rPr>
-              <a:t>Scope</a:t>
-            </a:r>
-            <a:endParaRPr lang="en-US" dirty="0">
-              <a:solidFill>
-                <a:schemeClr val="accent6">
-                  <a:lumMod val="50000"/>
-                </a:schemeClr>
-              </a:solidFill>
-            </a:endParaRPr>
-          </a:p>
-        </p:txBody>
-      </p:sp>
-      <p:sp>
-        <p:nvSpPr>
-          <p:cNvPr id="20" name="Line Callout 1 19"/>
-          <p:cNvSpPr/>
-          <p:nvPr/>
-        </p:nvSpPr>
-        <p:spPr>
-          <a:xfrm>
-            <a:off x="641588" y="1876700"/>
-            <a:ext cx="1447800" cy="380140"/>
-          </a:xfrm>
-          <a:prstGeom prst="borderCallout1">
-            <a:avLst>
-              <a:gd name="adj1" fmla="val 54179"/>
-              <a:gd name="adj2" fmla="val 100847"/>
-              <a:gd name="adj3" fmla="val 228111"/>
-              <a:gd name="adj4" fmla="val 165540"/>
-            </a:avLst>
-          </a:prstGeom>
-          <a:solidFill>
-            <a:schemeClr val="accent6">
-              <a:lumMod val="60000"/>
-              <a:lumOff val="40000"/>
-            </a:schemeClr>
-          </a:solidFill>
-        </p:spPr>
-        <p:style>
-          <a:lnRef idx="2">
-            <a:schemeClr val="accent1">
-              <a:shade val="50000"/>
-            </a:schemeClr>
-          </a:lnRef>
-          <a:fillRef idx="1">
-            <a:schemeClr val="accent1"/>
-          </a:fillRef>
-          <a:effectRef idx="0">
-            <a:schemeClr val="accent1"/>
-          </a:effectRef>
-          <a:fontRef idx="minor">
-            <a:schemeClr val="lt1"/>
-          </a:fontRef>
-        </p:style>
-        <p:txBody>
-          <a:bodyPr rtlCol="0" anchor="ctr"/>
-          <a:lstStyle/>
-          <a:p>
-            <a:pPr algn="ctr"/>
-            <a:r>
-              <a:rPr lang="en-US" dirty="0" smtClean="0">
-                <a:solidFill>
-                  <a:schemeClr val="accent6">
-                    <a:lumMod val="50000"/>
-                  </a:schemeClr>
-                </a:solidFill>
-              </a:rPr>
-              <a:t>Directive</a:t>
-            </a:r>
-            <a:endParaRPr lang="en-US" dirty="0">
-              <a:solidFill>
-                <a:schemeClr val="accent6">
-                  <a:lumMod val="50000"/>
-                </a:schemeClr>
-              </a:solidFill>
-            </a:endParaRPr>
-          </a:p>
-        </p:txBody>
-      </p:sp>
-    </p:spTree>
-    <p:extLst>
-      <p:ext uri="{BB962C8B-B14F-4D97-AF65-F5344CB8AC3E}">
-        <p14:creationId xmlns:p14="http://schemas.microsoft.com/office/powerpoint/2010/main" val="2274547154"/>
-      </p:ext>
-    </p:extLst>
-  </p:cSld>
-  <p:clrMapOvr>
-    <a:masterClrMapping/>
-  </p:clrMapOvr>
-  <mc:AlternateContent xmlns:mc="http://schemas.openxmlformats.org/markup-compatibility/2006" xmlns:p14="http://schemas.microsoft.com/office/powerpoint/2010/main">
-    <mc:Choice Requires="p14">
-      <p:transition spd="med" p14:dur="700">
-        <p:fade/>
-      </p:transition>
-    </mc:Choice>
-    <mc:Fallback xmlns="">
-      <p:transition spd="med">
-        <p:fade/>
-      </p:transition>
-    </mc:Fallback>
-  </mc:AlternateContent>
-  <p:timing>
-    <p:tnLst>
-      <p:par>
-        <p:cTn id="1" dur="indefinite" restart="never" nodeType="tmRoot">
-          <p:childTnLst>
-            <p:seq concurrent="1" nextAc="seek">
-              <p:cTn id="2" dur="indefinite" nodeType="mainSeq">
-                <p:childTnLst>
-                  <p:par>
-                    <p:cTn id="3" fill="hold">
-                      <p:stCondLst>
-                        <p:cond delay="indefinite"/>
-                      </p:stCondLst>
-                      <p:childTnLst>
-                        <p:par>
-                          <p:cTn id="4" fill="hold">
-                            <p:stCondLst>
-                              <p:cond delay="0"/>
-                            </p:stCondLst>
-                            <p:childTnLst>
-                              <p:par>
-                                <p:cTn id="5" presetID="1" presetClass="entr" presetSubtype="0" fill="hold" grpId="0" nodeType="clickEffect">
-                                  <p:stCondLst>
-                                    <p:cond delay="0"/>
-                                  </p:stCondLst>
-                                  <p:childTnLst>
-                                    <p:set>
-                                      <p:cBhvr>
-                                        <p:cTn id="6" dur="1" fill="hold">
-                                          <p:stCondLst>
-                                            <p:cond delay="0"/>
-                                          </p:stCondLst>
-                                        </p:cTn>
-                                        <p:tgtEl>
-                                          <p:spTgt spid="14"/>
-                                        </p:tgtEl>
-                                        <p:attrNameLst>
-                                          <p:attrName>style.visibility</p:attrName>
-                                        </p:attrNameLst>
-                                      </p:cBhvr>
-                                      <p:to>
-                                        <p:strVal val="visible"/>
-                                      </p:to>
-                                    </p:set>
-                                  </p:childTnLst>
-                                </p:cTn>
-                              </p:par>
-                            </p:childTnLst>
-                          </p:cTn>
-                        </p:par>
-                      </p:childTnLst>
-                    </p:cTn>
-                  </p:par>
-                  <p:par>
-                    <p:cTn id="7" fill="hold">
-                      <p:stCondLst>
-                        <p:cond delay="indefinite"/>
-                      </p:stCondLst>
-                      <p:childTnLst>
-                        <p:par>
-                          <p:cTn id="8" fill="hold">
-                            <p:stCondLst>
-                              <p:cond delay="0"/>
-                            </p:stCondLst>
-                            <p:childTnLst>
-                              <p:par>
-                                <p:cTn id="9" presetID="1" presetClass="exit" presetSubtype="0" fill="hold" grpId="1" nodeType="clickEffect">
-                                  <p:stCondLst>
-                                    <p:cond delay="0"/>
-                                  </p:stCondLst>
-                                  <p:childTnLst>
-                                    <p:set>
-                                      <p:cBhvr>
-                                        <p:cTn id="10" dur="1" fill="hold">
-                                          <p:stCondLst>
-                                            <p:cond delay="0"/>
-                                          </p:stCondLst>
-                                        </p:cTn>
-                                        <p:tgtEl>
-                                          <p:spTgt spid="14"/>
-                                        </p:tgtEl>
-                                        <p:attrNameLst>
-                                          <p:attrName>style.visibility</p:attrName>
-                                        </p:attrNameLst>
-                                      </p:cBhvr>
-                                      <p:to>
-                                        <p:strVal val="hidden"/>
-                                      </p:to>
-                                    </p:set>
-                                  </p:childTnLst>
-                                </p:cTn>
-                              </p:par>
-                              <p:par>
-                                <p:cTn id="11" presetID="1" presetClass="entr" presetSubtype="0" fill="hold" grpId="0" nodeType="withEffect">
-                                  <p:stCondLst>
-                                    <p:cond delay="0"/>
-                                  </p:stCondLst>
-                                  <p:childTnLst>
-                                    <p:set>
-                                      <p:cBhvr>
-                                        <p:cTn id="12" dur="1" fill="hold">
-                                          <p:stCondLst>
-                                            <p:cond delay="0"/>
-                                          </p:stCondLst>
-                                        </p:cTn>
-                                        <p:tgtEl>
-                                          <p:spTgt spid="16"/>
-                                        </p:tgtEl>
-                                        <p:attrNameLst>
-                                          <p:attrName>style.visibility</p:attrName>
-                                        </p:attrNameLst>
-                                      </p:cBhvr>
-                                      <p:to>
-                                        <p:strVal val="visible"/>
-                                      </p:to>
-                                    </p:set>
-                                  </p:childTnLst>
-                                </p:cTn>
-                              </p:par>
-                              <p:par>
-                                <p:cTn id="13" presetID="1" presetClass="entr" presetSubtype="0" fill="hold" grpId="0" nodeType="withEffect">
-                                  <p:stCondLst>
-                                    <p:cond delay="0"/>
-                                  </p:stCondLst>
-                                  <p:childTnLst>
-                                    <p:set>
-                                      <p:cBhvr>
-                                        <p:cTn id="14" dur="1" fill="hold">
-                                          <p:stCondLst>
-                                            <p:cond delay="0"/>
-                                          </p:stCondLst>
-                                        </p:cTn>
-                                        <p:tgtEl>
-                                          <p:spTgt spid="17"/>
-                                        </p:tgtEl>
-                                        <p:attrNameLst>
-                                          <p:attrName>style.visibility</p:attrName>
-                                        </p:attrNameLst>
-                                      </p:cBhvr>
-                                      <p:to>
-                                        <p:strVal val="visible"/>
-                                      </p:to>
-                                    </p:set>
-                                  </p:childTnLst>
-                                </p:cTn>
-                              </p:par>
-                              <p:par>
-                                <p:cTn id="15" presetID="1" presetClass="entr" presetSubtype="0" fill="hold" grpId="0" nodeType="withEffect">
-                                  <p:stCondLst>
-                                    <p:cond delay="0"/>
-                                  </p:stCondLst>
-                                  <p:childTnLst>
-                                    <p:set>
-                                      <p:cBhvr>
-                                        <p:cTn id="16" dur="1" fill="hold">
-                                          <p:stCondLst>
-                                            <p:cond delay="0"/>
-                                          </p:stCondLst>
-                                        </p:cTn>
-                                        <p:tgtEl>
-                                          <p:spTgt spid="15"/>
-                                        </p:tgtEl>
-                                        <p:attrNameLst>
-                                          <p:attrName>style.visibility</p:attrName>
-                                        </p:attrNameLst>
-                                      </p:cBhvr>
-                                      <p:to>
-                                        <p:strVal val="visible"/>
-                                      </p:to>
-                                    </p:set>
-                                  </p:childTnLst>
-                                </p:cTn>
-                              </p:par>
-                              <p:par>
-                                <p:cTn id="17" presetID="1" presetClass="entr" presetSubtype="0" fill="hold" grpId="0" nodeType="withEffect">
-                                  <p:stCondLst>
-                                    <p:cond delay="0"/>
-                                  </p:stCondLst>
-                                  <p:childTnLst>
-                                    <p:set>
-                                      <p:cBhvr>
-                                        <p:cTn id="18" dur="1" fill="hold">
-                                          <p:stCondLst>
-                                            <p:cond delay="0"/>
-                                          </p:stCondLst>
-                                        </p:cTn>
-                                        <p:tgtEl>
-                                          <p:spTgt spid="18"/>
-                                        </p:tgtEl>
-                                        <p:attrNameLst>
-                                          <p:attrName>style.visibility</p:attrName>
-                                        </p:attrNameLst>
-                                      </p:cBhvr>
-                                      <p:to>
-                                        <p:strVal val="visible"/>
-                                      </p:to>
-                                    </p:set>
-                                  </p:childTnLst>
-                                </p:cTn>
-                              </p:par>
-                            </p:childTnLst>
-                          </p:cTn>
-                        </p:par>
-                      </p:childTnLst>
-                    </p:cTn>
-                  </p:par>
-                  <p:par>
-                    <p:cTn id="19" fill="hold">
-                      <p:stCondLst>
-                        <p:cond delay="indefinite"/>
-                      </p:stCondLst>
-                      <p:childTnLst>
-                        <p:par>
-                          <p:cTn id="20" fill="hold">
-                            <p:stCondLst>
-                              <p:cond delay="0"/>
-                            </p:stCondLst>
-                            <p:childTnLst>
-                              <p:par>
-                                <p:cTn id="21" presetID="1" presetClass="exit" presetSubtype="0" fill="hold" grpId="1" nodeType="clickEffect">
-                                  <p:stCondLst>
-                                    <p:cond delay="0"/>
-                                  </p:stCondLst>
-                                  <p:childTnLst>
-                                    <p:set>
-                                      <p:cBhvr>
-                                        <p:cTn id="22" dur="1" fill="hold">
-                                          <p:stCondLst>
-                                            <p:cond delay="0"/>
-                                          </p:stCondLst>
-                                        </p:cTn>
-                                        <p:tgtEl>
-                                          <p:spTgt spid="15"/>
-                                        </p:tgtEl>
-                                        <p:attrNameLst>
-                                          <p:attrName>style.visibility</p:attrName>
-                                        </p:attrNameLst>
-                                      </p:cBhvr>
-                                      <p:to>
-                                        <p:strVal val="hidden"/>
-                                      </p:to>
-                                    </p:set>
-                                  </p:childTnLst>
-                                </p:cTn>
-                              </p:par>
-                              <p:par>
-                                <p:cTn id="23" presetID="1" presetClass="exit" presetSubtype="0" fill="hold" grpId="1" nodeType="withEffect">
-                                  <p:stCondLst>
-                                    <p:cond delay="0"/>
-                                  </p:stCondLst>
-                                  <p:childTnLst>
-                                    <p:set>
-                                      <p:cBhvr>
-                                        <p:cTn id="24" dur="1" fill="hold">
-                                          <p:stCondLst>
-                                            <p:cond delay="0"/>
-                                          </p:stCondLst>
-                                        </p:cTn>
-                                        <p:tgtEl>
-                                          <p:spTgt spid="16"/>
-                                        </p:tgtEl>
-                                        <p:attrNameLst>
-                                          <p:attrName>style.visibility</p:attrName>
-                                        </p:attrNameLst>
-                                      </p:cBhvr>
-                                      <p:to>
-                                        <p:strVal val="hidden"/>
-                                      </p:to>
-                                    </p:set>
-                                  </p:childTnLst>
-                                </p:cTn>
-                              </p:par>
-                              <p:par>
-                                <p:cTn id="25" presetID="1" presetClass="exit" presetSubtype="0" fill="hold" grpId="1" nodeType="withEffect">
-                                  <p:stCondLst>
-                                    <p:cond delay="0"/>
-                                  </p:stCondLst>
-                                  <p:childTnLst>
-                                    <p:set>
-                                      <p:cBhvr>
-                                        <p:cTn id="26" dur="1" fill="hold">
-                                          <p:stCondLst>
-                                            <p:cond delay="0"/>
-                                          </p:stCondLst>
-                                        </p:cTn>
-                                        <p:tgtEl>
-                                          <p:spTgt spid="17"/>
-                                        </p:tgtEl>
-                                        <p:attrNameLst>
-                                          <p:attrName>style.visibility</p:attrName>
-                                        </p:attrNameLst>
-                                      </p:cBhvr>
-                                      <p:to>
-                                        <p:strVal val="hidden"/>
-                                      </p:to>
-                                    </p:set>
-                                  </p:childTnLst>
-                                </p:cTn>
-                              </p:par>
-                              <p:par>
-                                <p:cTn id="27" presetID="1" presetClass="exit" presetSubtype="0" fill="hold" grpId="1" nodeType="withEffect">
-                                  <p:stCondLst>
-                                    <p:cond delay="0"/>
-                                  </p:stCondLst>
-                                  <p:childTnLst>
-                                    <p:set>
-                                      <p:cBhvr>
-                                        <p:cTn id="28" dur="1" fill="hold">
-                                          <p:stCondLst>
-                                            <p:cond delay="0"/>
-                                          </p:stCondLst>
-                                        </p:cTn>
-                                        <p:tgtEl>
-                                          <p:spTgt spid="18"/>
-                                        </p:tgtEl>
-                                        <p:attrNameLst>
-                                          <p:attrName>style.visibility</p:attrName>
-                                        </p:attrNameLst>
-                                      </p:cBhvr>
-                                      <p:to>
-                                        <p:strVal val="hidden"/>
-                                      </p:to>
-                                    </p:set>
-                                  </p:childTnLst>
-                                </p:cTn>
-                              </p:par>
-                              <p:par>
-                                <p:cTn id="29" presetID="1" presetClass="entr" presetSubtype="0" fill="hold" grpId="0" nodeType="withEffect">
-                                  <p:stCondLst>
-                                    <p:cond delay="0"/>
-                                  </p:stCondLst>
-                                  <p:childTnLst>
-                                    <p:set>
-                                      <p:cBhvr>
-                                        <p:cTn id="30" dur="1" fill="hold">
-                                          <p:stCondLst>
-                                            <p:cond delay="0"/>
-                                          </p:stCondLst>
-                                        </p:cTn>
-                                        <p:tgtEl>
-                                          <p:spTgt spid="20"/>
-                                        </p:tgtEl>
-                                        <p:attrNameLst>
-                                          <p:attrName>style.visibility</p:attrName>
-                                        </p:attrNameLst>
-                                      </p:cBhvr>
-                                      <p:to>
-                                        <p:strVal val="visible"/>
-                                      </p:to>
-                                    </p:set>
-                                  </p:childTnLst>
-                                </p:cTn>
-                              </p:par>
-                              <p:par>
-                                <p:cTn id="31" presetID="1" presetClass="entr" presetSubtype="0" fill="hold" grpId="0" nodeType="withEffect">
-                                  <p:stCondLst>
-                                    <p:cond delay="0"/>
-                                  </p:stCondLst>
-                                  <p:childTnLst>
-                                    <p:set>
-                                      <p:cBhvr>
-                                        <p:cTn id="32" dur="1" fill="hold">
-                                          <p:stCondLst>
-                                            <p:cond delay="0"/>
-                                          </p:stCondLst>
-                                        </p:cTn>
-                                        <p:tgtEl>
-                                          <p:spTgt spid="6"/>
-                                        </p:tgtEl>
-                                        <p:attrNameLst>
-                                          <p:attrName>style.visibility</p:attrName>
-                                        </p:attrNameLst>
-                                      </p:cBhvr>
-                                      <p:to>
-                                        <p:strVal val="visible"/>
-                                      </p:to>
-                                    </p:set>
-                                  </p:childTnLst>
-                                </p:cTn>
-                              </p:par>
-                              <p:par>
-                                <p:cTn id="33" presetID="1" presetClass="entr" presetSubtype="0" fill="hold" grpId="0" nodeType="withEffect">
-                                  <p:stCondLst>
-                                    <p:cond delay="0"/>
-                                  </p:stCondLst>
-                                  <p:childTnLst>
-                                    <p:set>
-                                      <p:cBhvr>
-                                        <p:cTn id="34" dur="1" fill="hold">
-                                          <p:stCondLst>
-                                            <p:cond delay="0"/>
-                                          </p:stCondLst>
-                                        </p:cTn>
-                                        <p:tgtEl>
-                                          <p:spTgt spid="3"/>
-                                        </p:tgtEl>
-                                        <p:attrNameLst>
-                                          <p:attrName>style.visibility</p:attrName>
-                                        </p:attrNameLst>
-                                      </p:cBhvr>
-                                      <p:to>
-                                        <p:strVal val="visible"/>
-                                      </p:to>
-                                    </p:set>
-                                  </p:childTnLst>
-                                </p:cTn>
-                              </p:par>
-                              <p:par>
-                                <p:cTn id="35" presetID="1" presetClass="entr" presetSubtype="0" fill="hold" grpId="0" nodeType="withEffect">
-                                  <p:stCondLst>
-                                    <p:cond delay="0"/>
-                                  </p:stCondLst>
-                                  <p:childTnLst>
-                                    <p:set>
-                                      <p:cBhvr>
-                                        <p:cTn id="36" dur="1" fill="hold">
-                                          <p:stCondLst>
-                                            <p:cond delay="0"/>
-                                          </p:stCondLst>
-                                        </p:cTn>
-                                        <p:tgtEl>
-                                          <p:spTgt spid="5"/>
-                                        </p:tgtEl>
-                                        <p:attrNameLst>
-                                          <p:attrName>style.visibility</p:attrName>
-                                        </p:attrNameLst>
-                                      </p:cBhvr>
-                                      <p:to>
-                                        <p:strVal val="visible"/>
-                                      </p:to>
-                                    </p:set>
-                                  </p:childTnLst>
-                                </p:cTn>
-                              </p:par>
-                            </p:childTnLst>
-                          </p:cTn>
-                        </p:par>
-                      </p:childTnLst>
-                    </p:cTn>
-                  </p:par>
-                  <p:par>
-                    <p:cTn id="37" fill="hold">
-                      <p:stCondLst>
-                        <p:cond delay="indefinite"/>
-                      </p:stCondLst>
-                      <p:childTnLst>
-                        <p:par>
-                          <p:cTn id="38" fill="hold">
-                            <p:stCondLst>
-                              <p:cond delay="0"/>
-                            </p:stCondLst>
-                            <p:childTnLst>
-                              <p:par>
-                                <p:cTn id="39" presetID="1" presetClass="exit" presetSubtype="0" fill="hold" grpId="1" nodeType="clickEffect">
-                                  <p:stCondLst>
-                                    <p:cond delay="0"/>
-                                  </p:stCondLst>
-                                  <p:childTnLst>
-                                    <p:set>
-                                      <p:cBhvr>
-                                        <p:cTn id="40" dur="1" fill="hold">
-                                          <p:stCondLst>
-                                            <p:cond delay="0"/>
-                                          </p:stCondLst>
-                                        </p:cTn>
-                                        <p:tgtEl>
-                                          <p:spTgt spid="6"/>
-                                        </p:tgtEl>
-                                        <p:attrNameLst>
-                                          <p:attrName>style.visibility</p:attrName>
-                                        </p:attrNameLst>
-                                      </p:cBhvr>
-                                      <p:to>
-                                        <p:strVal val="hidden"/>
-                                      </p:to>
-                                    </p:set>
-                                  </p:childTnLst>
-                                </p:cTn>
-                              </p:par>
-                              <p:par>
-                                <p:cTn id="41" presetID="1" presetClass="exit" presetSubtype="0" fill="hold" grpId="1" nodeType="withEffect">
-                                  <p:stCondLst>
-                                    <p:cond delay="0"/>
-                                  </p:stCondLst>
-                                  <p:childTnLst>
-                                    <p:set>
-                                      <p:cBhvr>
-                                        <p:cTn id="42" dur="1" fill="hold">
-                                          <p:stCondLst>
-                                            <p:cond delay="0"/>
-                                          </p:stCondLst>
-                                        </p:cTn>
-                                        <p:tgtEl>
-                                          <p:spTgt spid="3"/>
-                                        </p:tgtEl>
-                                        <p:attrNameLst>
-                                          <p:attrName>style.visibility</p:attrName>
-                                        </p:attrNameLst>
-                                      </p:cBhvr>
-                                      <p:to>
-                                        <p:strVal val="hidden"/>
-                                      </p:to>
-                                    </p:set>
-                                  </p:childTnLst>
-                                </p:cTn>
-                              </p:par>
-                              <p:par>
-                                <p:cTn id="43" presetID="1" presetClass="exit" presetSubtype="0" fill="hold" grpId="1" nodeType="withEffect">
-                                  <p:stCondLst>
-                                    <p:cond delay="0"/>
-                                  </p:stCondLst>
-                                  <p:childTnLst>
-                                    <p:set>
-                                      <p:cBhvr>
-                                        <p:cTn id="44" dur="1" fill="hold">
-                                          <p:stCondLst>
-                                            <p:cond delay="0"/>
-                                          </p:stCondLst>
-                                        </p:cTn>
-                                        <p:tgtEl>
-                                          <p:spTgt spid="5"/>
-                                        </p:tgtEl>
-                                        <p:attrNameLst>
-                                          <p:attrName>style.visibility</p:attrName>
-                                        </p:attrNameLst>
-                                      </p:cBhvr>
-                                      <p:to>
-                                        <p:strVal val="hidden"/>
-                                      </p:to>
-                                    </p:set>
-                                  </p:childTnLst>
-                                </p:cTn>
-                              </p:par>
-                              <p:par>
-                                <p:cTn id="45" presetID="1" presetClass="exit" presetSubtype="0" fill="hold" grpId="1" nodeType="withEffect">
-                                  <p:stCondLst>
-                                    <p:cond delay="0"/>
-                                  </p:stCondLst>
-                                  <p:childTnLst>
-                                    <p:set>
-                                      <p:cBhvr>
-                                        <p:cTn id="46" dur="1" fill="hold">
-                                          <p:stCondLst>
-                                            <p:cond delay="0"/>
-                                          </p:stCondLst>
-                                        </p:cTn>
-                                        <p:tgtEl>
-                                          <p:spTgt spid="20"/>
-                                        </p:tgtEl>
-                                        <p:attrNameLst>
-                                          <p:attrName>style.visibility</p:attrName>
-                                        </p:attrNameLst>
-                                      </p:cBhvr>
-                                      <p:to>
-                                        <p:strVal val="hidden"/>
-                                      </p:to>
-                                    </p:set>
-                                  </p:childTnLst>
-                                </p:cTn>
-                              </p:par>
-                              <p:par>
-                                <p:cTn id="47" presetID="1" presetClass="entr" presetSubtype="0" fill="hold" grpId="0" nodeType="withEffect">
-                                  <p:stCondLst>
-                                    <p:cond delay="0"/>
-                                  </p:stCondLst>
-                                  <p:childTnLst>
-                                    <p:set>
-                                      <p:cBhvr>
-                                        <p:cTn id="48" dur="1" fill="hold">
-                                          <p:stCondLst>
-                                            <p:cond delay="0"/>
-                                          </p:stCondLst>
-                                        </p:cTn>
-                                        <p:tgtEl>
-                                          <p:spTgt spid="7"/>
-                                        </p:tgtEl>
-                                        <p:attrNameLst>
-                                          <p:attrName>style.visibility</p:attrName>
-                                        </p:attrNameLst>
-                                      </p:cBhvr>
-                                      <p:to>
-                                        <p:strVal val="visible"/>
-                                      </p:to>
-                                    </p:set>
-                                  </p:childTnLst>
-                                </p:cTn>
-                              </p:par>
-                              <p:par>
-                                <p:cTn id="49" presetID="1" presetClass="entr" presetSubtype="0" fill="hold" grpId="0" nodeType="withEffect">
-                                  <p:stCondLst>
-                                    <p:cond delay="0"/>
-                                  </p:stCondLst>
-                                  <p:childTnLst>
-                                    <p:set>
-                                      <p:cBhvr>
-                                        <p:cTn id="50" dur="1" fill="hold">
-                                          <p:stCondLst>
-                                            <p:cond delay="0"/>
-                                          </p:stCondLst>
-                                        </p:cTn>
-                                        <p:tgtEl>
-                                          <p:spTgt spid="13"/>
-                                        </p:tgtEl>
-                                        <p:attrNameLst>
-                                          <p:attrName>style.visibility</p:attrName>
-                                        </p:attrNameLst>
-                                      </p:cBhvr>
-                                      <p:to>
-                                        <p:strVal val="visible"/>
-                                      </p:to>
-                                    </p:set>
-                                  </p:childTnLst>
-                                </p:cTn>
-                              </p:par>
-                              <p:par>
-                                <p:cTn id="51" presetID="1" presetClass="entr" presetSubtype="0" fill="hold" grpId="0" nodeType="withEffect">
-                                  <p:stCondLst>
-                                    <p:cond delay="0"/>
-                                  </p:stCondLst>
-                                  <p:childTnLst>
-                                    <p:set>
-                                      <p:cBhvr>
-                                        <p:cTn id="52" dur="1" fill="hold">
-                                          <p:stCondLst>
-                                            <p:cond delay="0"/>
-                                          </p:stCondLst>
-                                        </p:cTn>
-                                        <p:tgtEl>
-                                          <p:spTgt spid="8"/>
-                                        </p:tgtEl>
-                                        <p:attrNameLst>
-                                          <p:attrName>style.visibility</p:attrName>
-                                        </p:attrNameLst>
-                                      </p:cBhvr>
-                                      <p:to>
-                                        <p:strVal val="visible"/>
-                                      </p:to>
-                                    </p:set>
-                                  </p:childTnLst>
-                                </p:cTn>
-                              </p:par>
-                              <p:par>
-                                <p:cTn id="53" presetID="1" presetClass="entr" presetSubtype="0" fill="hold" grpId="0" nodeType="withEffect">
-                                  <p:stCondLst>
-                                    <p:cond delay="0"/>
-                                  </p:stCondLst>
-                                  <p:childTnLst>
-                                    <p:set>
-                                      <p:cBhvr>
-                                        <p:cTn id="54" dur="1" fill="hold">
-                                          <p:stCondLst>
-                                            <p:cond delay="0"/>
-                                          </p:stCondLst>
-                                        </p:cTn>
-                                        <p:tgtEl>
-                                          <p:spTgt spid="9"/>
-                                        </p:tgtEl>
-                                        <p:attrNameLst>
-                                          <p:attrName>style.visibility</p:attrName>
-                                        </p:attrNameLst>
-                                      </p:cBhvr>
-                                      <p:to>
-                                        <p:strVal val="visible"/>
-                                      </p:to>
-                                    </p:set>
-                                  </p:childTnLst>
-                                </p:cTn>
-                              </p:par>
-                            </p:childTnLst>
-                          </p:cTn>
-                        </p:par>
-                      </p:childTnLst>
-                    </p:cTn>
-                  </p:par>
-                  <p:par>
-                    <p:cTn id="55" fill="hold">
-                      <p:stCondLst>
-                        <p:cond delay="indefinite"/>
-                      </p:stCondLst>
-                      <p:childTnLst>
-                        <p:par>
-                          <p:cTn id="56" fill="hold">
-                            <p:stCondLst>
-                              <p:cond delay="0"/>
-                            </p:stCondLst>
-                            <p:childTnLst>
-                              <p:par>
-                                <p:cTn id="57" presetID="1" presetClass="entr" presetSubtype="0" fill="hold" grpId="0" nodeType="clickEffect">
-                                  <p:stCondLst>
-                                    <p:cond delay="0"/>
-                                  </p:stCondLst>
-                                  <p:childTnLst>
-                                    <p:set>
-                                      <p:cBhvr>
-                                        <p:cTn id="58" dur="1" fill="hold">
-                                          <p:stCondLst>
-                                            <p:cond delay="0"/>
-                                          </p:stCondLst>
-                                        </p:cTn>
-                                        <p:tgtEl>
-                                          <p:spTgt spid="10"/>
-                                        </p:tgtEl>
-                                        <p:attrNameLst>
-                                          <p:attrName>style.visibility</p:attrName>
-                                        </p:attrNameLst>
-                                      </p:cBhvr>
-                                      <p:to>
-                                        <p:strVal val="visible"/>
-                                      </p:to>
-                                    </p:set>
-                                  </p:childTnLst>
-                                </p:cTn>
-                              </p:par>
-                              <p:par>
-                                <p:cTn id="59" presetID="1" presetClass="entr" presetSubtype="0" fill="hold" grpId="0" nodeType="withEffect">
-                                  <p:stCondLst>
-                                    <p:cond delay="0"/>
-                                  </p:stCondLst>
-                                  <p:childTnLst>
-                                    <p:set>
-                                      <p:cBhvr>
-                                        <p:cTn id="60" dur="1" fill="hold">
-                                          <p:stCondLst>
-                                            <p:cond delay="0"/>
-                                          </p:stCondLst>
-                                        </p:cTn>
-                                        <p:tgtEl>
-                                          <p:spTgt spid="11"/>
-                                        </p:tgtEl>
-                                        <p:attrNameLst>
-                                          <p:attrName>style.visibility</p:attrName>
-                                        </p:attrNameLst>
-                                      </p:cBhvr>
-                                      <p:to>
-                                        <p:strVal val="visible"/>
-                                      </p:to>
-                                    </p:set>
-                                  </p:childTnLst>
-                                </p:cTn>
-                              </p:par>
-                              <p:par>
-                                <p:cTn id="61" presetID="1" presetClass="exit" presetSubtype="0" fill="hold" grpId="1" nodeType="withEffect">
-                                  <p:stCondLst>
-                                    <p:cond delay="0"/>
-                                  </p:stCondLst>
-                                  <p:childTnLst>
-                                    <p:set>
-                                      <p:cBhvr>
-                                        <p:cTn id="62" dur="1" fill="hold">
-                                          <p:stCondLst>
-                                            <p:cond delay="0"/>
-                                          </p:stCondLst>
-                                        </p:cTn>
-                                        <p:tgtEl>
-                                          <p:spTgt spid="7"/>
-                                        </p:tgtEl>
-                                        <p:attrNameLst>
-                                          <p:attrName>style.visibility</p:attrName>
-                                        </p:attrNameLst>
-                                      </p:cBhvr>
-                                      <p:to>
-                                        <p:strVal val="hidden"/>
-                                      </p:to>
-                                    </p:set>
-                                  </p:childTnLst>
-                                </p:cTn>
-                              </p:par>
-                              <p:par>
-                                <p:cTn id="63" presetID="1" presetClass="exit" presetSubtype="0" fill="hold" grpId="1" nodeType="withEffect">
-                                  <p:stCondLst>
-                                    <p:cond delay="0"/>
-                                  </p:stCondLst>
-                                  <p:childTnLst>
-                                    <p:set>
-                                      <p:cBhvr>
-                                        <p:cTn id="64" dur="1" fill="hold">
-                                          <p:stCondLst>
-                                            <p:cond delay="0"/>
-                                          </p:stCondLst>
-                                        </p:cTn>
-                                        <p:tgtEl>
-                                          <p:spTgt spid="13"/>
-                                        </p:tgtEl>
-                                        <p:attrNameLst>
-                                          <p:attrName>style.visibility</p:attrName>
-                                        </p:attrNameLst>
-                                      </p:cBhvr>
-                                      <p:to>
-                                        <p:strVal val="hidden"/>
-                                      </p:to>
-                                    </p:set>
-                                  </p:childTnLst>
-                                </p:cTn>
-                              </p:par>
-                              <p:par>
-                                <p:cTn id="65" presetID="1" presetClass="exit" presetSubtype="0" fill="hold" grpId="1" nodeType="withEffect">
-                                  <p:stCondLst>
-                                    <p:cond delay="0"/>
-                                  </p:stCondLst>
-                                  <p:childTnLst>
-                                    <p:set>
-                                      <p:cBhvr>
-                                        <p:cTn id="66" dur="1" fill="hold">
-                                          <p:stCondLst>
-                                            <p:cond delay="0"/>
-                                          </p:stCondLst>
-                                        </p:cTn>
-                                        <p:tgtEl>
-                                          <p:spTgt spid="8"/>
-                                        </p:tgtEl>
-                                        <p:attrNameLst>
-                                          <p:attrName>style.visibility</p:attrName>
-                                        </p:attrNameLst>
-                                      </p:cBhvr>
-                                      <p:to>
-                                        <p:strVal val="hidden"/>
-                                      </p:to>
-                                    </p:set>
-                                  </p:childTnLst>
-                                </p:cTn>
-                              </p:par>
-                              <p:par>
-                                <p:cTn id="67" presetID="1" presetClass="exit" presetSubtype="0" fill="hold" grpId="1" nodeType="withEffect">
-                                  <p:stCondLst>
-                                    <p:cond delay="0"/>
-                                  </p:stCondLst>
-                                  <p:childTnLst>
-                                    <p:set>
-                                      <p:cBhvr>
-                                        <p:cTn id="68" dur="1" fill="hold">
-                                          <p:stCondLst>
-                                            <p:cond delay="0"/>
-                                          </p:stCondLst>
-                                        </p:cTn>
-                                        <p:tgtEl>
-                                          <p:spTgt spid="9"/>
-                                        </p:tgtEl>
-                                        <p:attrNameLst>
-                                          <p:attrName>style.visibility</p:attrName>
-                                        </p:attrNameLst>
-                                      </p:cBhvr>
-                                      <p:to>
-                                        <p:strVal val="hidden"/>
-                                      </p:to>
-                                    </p:set>
-                                  </p:childTnLst>
-                                </p:cTn>
-                              </p:par>
-                            </p:childTnLst>
-                          </p:cTn>
-                        </p:par>
-                      </p:childTnLst>
-                    </p:cTn>
-                  </p:par>
-                </p:childTnLst>
-              </p:cTn>
-              <p:prevCondLst>
-                <p:cond evt="onPrev" delay="0">
-                  <p:tgtEl>
-                    <p:sldTgt/>
-                  </p:tgtEl>
-                </p:cond>
-              </p:prevCondLst>
-              <p:nextCondLst>
-                <p:cond evt="onNext" delay="0">
-                  <p:tgtEl>
-                    <p:sldTgt/>
-                  </p:tgtEl>
-                </p:cond>
-              </p:nextCondLst>
-            </p:seq>
-          </p:childTnLst>
-        </p:cTn>
-      </p:par>
-    </p:tnLst>
-    <p:bldLst>
-      <p:bldP spid="3" grpId="0" animBg="1"/>
-      <p:bldP spid="3" grpId="1" animBg="1"/>
-      <p:bldP spid="5" grpId="0" animBg="1"/>
-      <p:bldP spid="5" grpId="1" animBg="1"/>
-      <p:bldP spid="6" grpId="0" animBg="1"/>
-      <p:bldP spid="6" grpId="1" animBg="1"/>
-      <p:bldP spid="7" grpId="0" animBg="1"/>
-      <p:bldP spid="7" grpId="1" animBg="1"/>
-      <p:bldP spid="8" grpId="0" animBg="1"/>
-      <p:bldP spid="8" grpId="1" animBg="1"/>
-      <p:bldP spid="9" grpId="0" animBg="1"/>
-      <p:bldP spid="9" grpId="1" animBg="1"/>
-      <p:bldP spid="10" grpId="0" animBg="1"/>
-      <p:bldP spid="11" grpId="0" animBg="1"/>
-      <p:bldP spid="13" grpId="0" animBg="1"/>
-      <p:bldP spid="13" grpId="1" animBg="1"/>
-      <p:bldP spid="14" grpId="0" animBg="1"/>
-      <p:bldP spid="14" grpId="1" animBg="1"/>
-      <p:bldP spid="15" grpId="0" animBg="1"/>
-      <p:bldP spid="15" grpId="1" animBg="1"/>
-      <p:bldP spid="16" grpId="0" animBg="1"/>
-      <p:bldP spid="16" grpId="1" animBg="1"/>
-      <p:bldP spid="17" grpId="0" animBg="1"/>
-      <p:bldP spid="17" grpId="1" animBg="1"/>
-      <p:bldP spid="18" grpId="0" animBg="1"/>
-      <p:bldP spid="18" grpId="1" animBg="1"/>
-      <p:bldP spid="20" grpId="0" animBg="1"/>
-      <p:bldP spid="20" grpId="1" animBg="1"/>
-    </p:bldLst>
-  </p:timing>
-</p:sld>
-</file>
-
-<file path=ppt/slides/slide14.xml><?xml version="1.0" encoding="utf-8"?>
-<p:sld xmlns:a="http://schemas.openxmlformats.org/drawingml/2006/main" xmlns:r="http://schemas.openxmlformats.org/officeDocument/2006/relationships" xmlns:p="http://schemas.openxmlformats.org/presentationml/2006/main">
-  <p:cSld>
-    <p:spTree>
-      <p:nvGrpSpPr>
-        <p:cNvPr id="1" name=""/>
-        <p:cNvGrpSpPr/>
-        <p:nvPr/>
-      </p:nvGrpSpPr>
-      <p:grpSpPr>
-        <a:xfrm>
-          <a:off x="0" y="0"/>
-          <a:ext cx="0" cy="0"/>
-          <a:chOff x="0" y="0"/>
-          <a:chExt cx="0" cy="0"/>
-        </a:xfrm>
-      </p:grpSpPr>
       <p:sp>
         <p:nvSpPr>
           <p:cNvPr id="2" name="Title 1"/>
@@ -27668,7 +25947,7 @@
 </p:sld>
 </file>
 
-<file path=ppt/slides/slide15.xml><?xml version="1.0" encoding="utf-8"?>
+<file path=ppt/slides/slide14.xml><?xml version="1.0" encoding="utf-8"?>
 <p:sld xmlns:a="http://schemas.openxmlformats.org/drawingml/2006/main" xmlns:r="http://schemas.openxmlformats.org/officeDocument/2006/relationships" xmlns:p="http://schemas.openxmlformats.org/presentationml/2006/main">
   <p:cSld>
     <p:spTree>
@@ -27794,7 +26073,7 @@
           <p:nvPr>
             <p:extLst>
               <p:ext uri="{D42A27DB-BD31-4B8C-83A1-F6EECF244321}">
-                <p14:modId xmlns:p14="http://schemas.microsoft.com/office/powerpoint/2010/main" val="3316845476"/>
+                <p14:modId xmlns:p14="http://schemas.microsoft.com/office/powerpoint/2010/main" val="2602823299"/>
               </p:ext>
             </p:extLst>
           </p:nvPr>
@@ -27841,7 +26120,7 @@
 </p:sld>
 </file>
 
-<file path=ppt/slides/slide16.xml><?xml version="1.0" encoding="utf-8"?>
+<file path=ppt/slides/slide15.xml><?xml version="1.0" encoding="utf-8"?>
 <p:sld xmlns:a="http://schemas.openxmlformats.org/drawingml/2006/main" xmlns:r="http://schemas.openxmlformats.org/officeDocument/2006/relationships" xmlns:p="http://schemas.openxmlformats.org/presentationml/2006/main">
   <p:cSld>
     <p:spTree>
@@ -28007,7 +26286,7 @@
 </p:sld>
 </file>
 
-<file path=ppt/slides/slide17.xml><?xml version="1.0" encoding="utf-8"?>
+<file path=ppt/slides/slide16.xml><?xml version="1.0" encoding="utf-8"?>
 <p:sld xmlns:a="http://schemas.openxmlformats.org/drawingml/2006/main" xmlns:r="http://schemas.openxmlformats.org/officeDocument/2006/relationships" xmlns:p="http://schemas.openxmlformats.org/presentationml/2006/main" showMasterSp="0">
   <p:cSld>
     <p:spTree>
@@ -28286,7 +26565,7 @@
 </p:sld>
 </file>
 
-<file path=ppt/slides/slide18.xml><?xml version="1.0" encoding="utf-8"?>
+<file path=ppt/slides/slide17.xml><?xml version="1.0" encoding="utf-8"?>
 <p:sld xmlns:a="http://schemas.openxmlformats.org/drawingml/2006/main" xmlns:r="http://schemas.openxmlformats.org/officeDocument/2006/relationships" xmlns:p="http://schemas.openxmlformats.org/presentationml/2006/main">
   <p:cSld>
     <p:spTree>
@@ -28377,7 +26656,7 @@
 </p:sld>
 </file>
 
-<file path=ppt/slides/slide19.xml><?xml version="1.0" encoding="utf-8"?>
+<file path=ppt/slides/slide18.xml><?xml version="1.0" encoding="utf-8"?>
 <p:sld xmlns:a="http://schemas.openxmlformats.org/drawingml/2006/main" xmlns:r="http://schemas.openxmlformats.org/officeDocument/2006/relationships" xmlns:p="http://schemas.openxmlformats.org/presentationml/2006/main">
   <p:cSld>
     <p:spTree>
@@ -28500,6 +26779,434 @@
     <p:extLst>
       <p:ext uri="{BB962C8B-B14F-4D97-AF65-F5344CB8AC3E}">
         <p14:creationId xmlns:p14="http://schemas.microsoft.com/office/powerpoint/2010/main" val="2426022026"/>
+      </p:ext>
+    </p:extLst>
+  </p:cSld>
+  <p:clrMapOvr>
+    <a:masterClrMapping/>
+  </p:clrMapOvr>
+  <mc:AlternateContent xmlns:mc="http://schemas.openxmlformats.org/markup-compatibility/2006" xmlns:p14="http://schemas.microsoft.com/office/powerpoint/2010/main">
+    <mc:Choice Requires="p14">
+      <p:transition spd="med" p14:dur="700">
+        <p:fade/>
+      </p:transition>
+    </mc:Choice>
+    <mc:Fallback xmlns="">
+      <p:transition spd="med">
+        <p:fade/>
+      </p:transition>
+    </mc:Fallback>
+  </mc:AlternateContent>
+  <p:timing>
+    <p:tnLst>
+      <p:par>
+        <p:cTn id="1" dur="indefinite" restart="never" nodeType="tmRoot">
+          <p:childTnLst>
+            <p:seq concurrent="1" nextAc="seek">
+              <p:cTn id="2" dur="indefinite" nodeType="mainSeq">
+                <p:childTnLst>
+                  <p:par>
+                    <p:cTn id="3" fill="hold">
+                      <p:stCondLst>
+                        <p:cond delay="indefinite"/>
+                      </p:stCondLst>
+                      <p:childTnLst>
+                        <p:par>
+                          <p:cTn id="4" fill="hold">
+                            <p:stCondLst>
+                              <p:cond delay="0"/>
+                            </p:stCondLst>
+                            <p:childTnLst>
+                              <p:par>
+                                <p:cTn id="5" presetID="1" presetClass="entr" presetSubtype="0" fill="hold" grpId="0" nodeType="clickEffect">
+                                  <p:stCondLst>
+                                    <p:cond delay="0"/>
+                                  </p:stCondLst>
+                                  <p:childTnLst>
+                                    <p:set>
+                                      <p:cBhvr>
+                                        <p:cTn id="6" dur="1" fill="hold">
+                                          <p:stCondLst>
+                                            <p:cond delay="0"/>
+                                          </p:stCondLst>
+                                        </p:cTn>
+                                        <p:tgtEl>
+                                          <p:spTgt spid="6"/>
+                                        </p:tgtEl>
+                                        <p:attrNameLst>
+                                          <p:attrName>style.visibility</p:attrName>
+                                        </p:attrNameLst>
+                                      </p:cBhvr>
+                                      <p:to>
+                                        <p:strVal val="visible"/>
+                                      </p:to>
+                                    </p:set>
+                                  </p:childTnLst>
+                                </p:cTn>
+                              </p:par>
+                            </p:childTnLst>
+                          </p:cTn>
+                        </p:par>
+                      </p:childTnLst>
+                    </p:cTn>
+                  </p:par>
+                  <p:par>
+                    <p:cTn id="7" fill="hold">
+                      <p:stCondLst>
+                        <p:cond delay="indefinite"/>
+                      </p:stCondLst>
+                      <p:childTnLst>
+                        <p:par>
+                          <p:cTn id="8" fill="hold">
+                            <p:stCondLst>
+                              <p:cond delay="0"/>
+                            </p:stCondLst>
+                            <p:childTnLst>
+                              <p:par>
+                                <p:cTn id="9" presetID="1" presetClass="entr" presetSubtype="0" fill="hold" grpId="0" nodeType="clickEffect">
+                                  <p:stCondLst>
+                                    <p:cond delay="0"/>
+                                  </p:stCondLst>
+                                  <p:childTnLst>
+                                    <p:set>
+                                      <p:cBhvr>
+                                        <p:cTn id="10" dur="1" fill="hold">
+                                          <p:stCondLst>
+                                            <p:cond delay="0"/>
+                                          </p:stCondLst>
+                                        </p:cTn>
+                                        <p:tgtEl>
+                                          <p:spTgt spid="5">
+                                            <p:txEl>
+                                              <p:pRg st="0" end="0"/>
+                                            </p:txEl>
+                                          </p:spTgt>
+                                        </p:tgtEl>
+                                        <p:attrNameLst>
+                                          <p:attrName>style.visibility</p:attrName>
+                                        </p:attrNameLst>
+                                      </p:cBhvr>
+                                      <p:to>
+                                        <p:strVal val="visible"/>
+                                      </p:to>
+                                    </p:set>
+                                  </p:childTnLst>
+                                </p:cTn>
+                              </p:par>
+                              <p:par>
+                                <p:cTn id="11" presetID="1" presetClass="entr" presetSubtype="0" fill="hold" grpId="0" nodeType="withEffect">
+                                  <p:stCondLst>
+                                    <p:cond delay="0"/>
+                                  </p:stCondLst>
+                                  <p:childTnLst>
+                                    <p:set>
+                                      <p:cBhvr>
+                                        <p:cTn id="12" dur="1" fill="hold">
+                                          <p:stCondLst>
+                                            <p:cond delay="0"/>
+                                          </p:stCondLst>
+                                        </p:cTn>
+                                        <p:tgtEl>
+                                          <p:spTgt spid="5">
+                                            <p:txEl>
+                                              <p:pRg st="1" end="1"/>
+                                            </p:txEl>
+                                          </p:spTgt>
+                                        </p:tgtEl>
+                                        <p:attrNameLst>
+                                          <p:attrName>style.visibility</p:attrName>
+                                        </p:attrNameLst>
+                                      </p:cBhvr>
+                                      <p:to>
+                                        <p:strVal val="visible"/>
+                                      </p:to>
+                                    </p:set>
+                                  </p:childTnLst>
+                                </p:cTn>
+                              </p:par>
+                              <p:par>
+                                <p:cTn id="13" presetID="1" presetClass="entr" presetSubtype="0" fill="hold" grpId="0" nodeType="withEffect">
+                                  <p:stCondLst>
+                                    <p:cond delay="0"/>
+                                  </p:stCondLst>
+                                  <p:childTnLst>
+                                    <p:set>
+                                      <p:cBhvr>
+                                        <p:cTn id="14" dur="1" fill="hold">
+                                          <p:stCondLst>
+                                            <p:cond delay="0"/>
+                                          </p:stCondLst>
+                                        </p:cTn>
+                                        <p:tgtEl>
+                                          <p:spTgt spid="5">
+                                            <p:txEl>
+                                              <p:pRg st="2" end="2"/>
+                                            </p:txEl>
+                                          </p:spTgt>
+                                        </p:tgtEl>
+                                        <p:attrNameLst>
+                                          <p:attrName>style.visibility</p:attrName>
+                                        </p:attrNameLst>
+                                      </p:cBhvr>
+                                      <p:to>
+                                        <p:strVal val="visible"/>
+                                      </p:to>
+                                    </p:set>
+                                  </p:childTnLst>
+                                </p:cTn>
+                              </p:par>
+                              <p:par>
+                                <p:cTn id="15" presetID="1" presetClass="entr" presetSubtype="0" fill="hold" grpId="0" nodeType="withEffect">
+                                  <p:stCondLst>
+                                    <p:cond delay="0"/>
+                                  </p:stCondLst>
+                                  <p:childTnLst>
+                                    <p:set>
+                                      <p:cBhvr>
+                                        <p:cTn id="16" dur="1" fill="hold">
+                                          <p:stCondLst>
+                                            <p:cond delay="0"/>
+                                          </p:stCondLst>
+                                        </p:cTn>
+                                        <p:tgtEl>
+                                          <p:spTgt spid="5">
+                                            <p:txEl>
+                                              <p:pRg st="3" end="3"/>
+                                            </p:txEl>
+                                          </p:spTgt>
+                                        </p:tgtEl>
+                                        <p:attrNameLst>
+                                          <p:attrName>style.visibility</p:attrName>
+                                        </p:attrNameLst>
+                                      </p:cBhvr>
+                                      <p:to>
+                                        <p:strVal val="visible"/>
+                                      </p:to>
+                                    </p:set>
+                                  </p:childTnLst>
+                                </p:cTn>
+                              </p:par>
+                              <p:par>
+                                <p:cTn id="17" presetID="1" presetClass="entr" presetSubtype="0" fill="hold" grpId="0" nodeType="withEffect">
+                                  <p:stCondLst>
+                                    <p:cond delay="0"/>
+                                  </p:stCondLst>
+                                  <p:childTnLst>
+                                    <p:set>
+                                      <p:cBhvr>
+                                        <p:cTn id="18" dur="1" fill="hold">
+                                          <p:stCondLst>
+                                            <p:cond delay="0"/>
+                                          </p:stCondLst>
+                                        </p:cTn>
+                                        <p:tgtEl>
+                                          <p:spTgt spid="5">
+                                            <p:txEl>
+                                              <p:pRg st="4" end="4"/>
+                                            </p:txEl>
+                                          </p:spTgt>
+                                        </p:tgtEl>
+                                        <p:attrNameLst>
+                                          <p:attrName>style.visibility</p:attrName>
+                                        </p:attrNameLst>
+                                      </p:cBhvr>
+                                      <p:to>
+                                        <p:strVal val="visible"/>
+                                      </p:to>
+                                    </p:set>
+                                  </p:childTnLst>
+                                </p:cTn>
+                              </p:par>
+                              <p:par>
+                                <p:cTn id="19" presetID="1" presetClass="entr" presetSubtype="0" fill="hold" grpId="0" nodeType="withEffect">
+                                  <p:stCondLst>
+                                    <p:cond delay="0"/>
+                                  </p:stCondLst>
+                                  <p:childTnLst>
+                                    <p:set>
+                                      <p:cBhvr>
+                                        <p:cTn id="20" dur="1" fill="hold">
+                                          <p:stCondLst>
+                                            <p:cond delay="0"/>
+                                          </p:stCondLst>
+                                        </p:cTn>
+                                        <p:tgtEl>
+                                          <p:spTgt spid="5">
+                                            <p:txEl>
+                                              <p:pRg st="5" end="5"/>
+                                            </p:txEl>
+                                          </p:spTgt>
+                                        </p:tgtEl>
+                                        <p:attrNameLst>
+                                          <p:attrName>style.visibility</p:attrName>
+                                        </p:attrNameLst>
+                                      </p:cBhvr>
+                                      <p:to>
+                                        <p:strVal val="visible"/>
+                                      </p:to>
+                                    </p:set>
+                                  </p:childTnLst>
+                                </p:cTn>
+                              </p:par>
+                            </p:childTnLst>
+                          </p:cTn>
+                        </p:par>
+                      </p:childTnLst>
+                    </p:cTn>
+                  </p:par>
+                </p:childTnLst>
+              </p:cTn>
+              <p:prevCondLst>
+                <p:cond evt="onPrev" delay="0">
+                  <p:tgtEl>
+                    <p:sldTgt/>
+                  </p:tgtEl>
+                </p:cond>
+              </p:prevCondLst>
+              <p:nextCondLst>
+                <p:cond evt="onNext" delay="0">
+                  <p:tgtEl>
+                    <p:sldTgt/>
+                  </p:tgtEl>
+                </p:cond>
+              </p:nextCondLst>
+            </p:seq>
+          </p:childTnLst>
+        </p:cTn>
+      </p:par>
+    </p:tnLst>
+    <p:bldLst>
+      <p:bldGraphic spid="6" grpId="0">
+        <p:bldAsOne/>
+      </p:bldGraphic>
+      <p:bldP spid="5" grpId="0" uiExpand="1" build="p"/>
+    </p:bldLst>
+  </p:timing>
+</p:sld>
+</file>
+
+<file path=ppt/slides/slide19.xml><?xml version="1.0" encoding="utf-8"?>
+<p:sld xmlns:a="http://schemas.openxmlformats.org/drawingml/2006/main" xmlns:r="http://schemas.openxmlformats.org/officeDocument/2006/relationships" xmlns:p="http://schemas.openxmlformats.org/presentationml/2006/main">
+  <p:cSld>
+    <p:spTree>
+      <p:nvGrpSpPr>
+        <p:cNvPr id="1" name=""/>
+        <p:cNvGrpSpPr/>
+        <p:nvPr/>
+      </p:nvGrpSpPr>
+      <p:grpSpPr>
+        <a:xfrm>
+          <a:off x="0" y="0"/>
+          <a:ext cx="0" cy="0"/>
+          <a:chOff x="0" y="0"/>
+          <a:chExt cx="0" cy="0"/>
+        </a:xfrm>
+      </p:grpSpPr>
+      <p:sp>
+        <p:nvSpPr>
+          <p:cNvPr id="2" name="Title 1"/>
+          <p:cNvSpPr>
+            <a:spLocks noGrp="1"/>
+          </p:cNvSpPr>
+          <p:nvPr>
+            <p:ph type="title"/>
+          </p:nvPr>
+        </p:nvSpPr>
+        <p:spPr/>
+        <p:txBody>
+          <a:bodyPr/>
+          <a:lstStyle/>
+          <a:p>
+            <a:r>
+              <a:rPr lang="en-US" dirty="0" smtClean="0"/>
+              <a:t>SharePoint 2010 Challenge</a:t>
+            </a:r>
+            <a:endParaRPr lang="en-US" dirty="0"/>
+          </a:p>
+        </p:txBody>
+      </p:sp>
+      <p:graphicFrame>
+        <p:nvGraphicFramePr>
+          <p:cNvPr id="6" name="Content Placeholder 5" descr="Segmented Process" title="SmartArt"/>
+          <p:cNvGraphicFramePr>
+            <a:graphicFrameLocks noGrp="1"/>
+          </p:cNvGraphicFramePr>
+          <p:nvPr>
+            <p:ph sz="half" idx="2"/>
+            <p:extLst>
+              <p:ext uri="{D42A27DB-BD31-4B8C-83A1-F6EECF244321}">
+                <p14:modId xmlns:p14="http://schemas.microsoft.com/office/powerpoint/2010/main" val="1061637021"/>
+              </p:ext>
+            </p:extLst>
+          </p:nvPr>
+        </p:nvGraphicFramePr>
+        <p:xfrm>
+          <a:off x="6324600" y="1676400"/>
+          <a:ext cx="5029200" cy="4648199"/>
+        </p:xfrm>
+        <a:graphic>
+          <a:graphicData uri="http://schemas.openxmlformats.org/drawingml/2006/diagram">
+            <dgm:relIds xmlns:dgm="http://schemas.openxmlformats.org/drawingml/2006/diagram" xmlns:r="http://schemas.openxmlformats.org/officeDocument/2006/relationships" r:dm="rId2" r:lo="rId3" r:qs="rId4" r:cs="rId5"/>
+          </a:graphicData>
+        </a:graphic>
+      </p:graphicFrame>
+      <p:sp>
+        <p:nvSpPr>
+          <p:cNvPr id="5" name="Content Placeholder 4"/>
+          <p:cNvSpPr>
+            <a:spLocks noGrp="1"/>
+          </p:cNvSpPr>
+          <p:nvPr>
+            <p:ph sz="half" idx="1"/>
+          </p:nvPr>
+        </p:nvSpPr>
+        <p:spPr/>
+        <p:txBody>
+          <a:bodyPr/>
+          <a:lstStyle/>
+          <a:p>
+            <a:r>
+              <a:rPr lang="en-US" dirty="0" smtClean="0"/>
+              <a:t>Sandbox solutions applications</a:t>
+            </a:r>
+          </a:p>
+          <a:p>
+            <a:r>
+              <a:rPr lang="en-US" dirty="0" smtClean="0"/>
+              <a:t>Code affects the site collection</a:t>
+            </a:r>
+          </a:p>
+          <a:p>
+            <a:r>
+              <a:rPr lang="en-US" dirty="0" smtClean="0"/>
+              <a:t>Developers build custom solutions</a:t>
+            </a:r>
+          </a:p>
+          <a:p>
+            <a:r>
+              <a:rPr lang="en-US" dirty="0" smtClean="0"/>
+              <a:t>Administrators define quotas and use resource monitors to check site collection usage</a:t>
+            </a:r>
+          </a:p>
+          <a:p>
+            <a:r>
+              <a:rPr lang="en-US" dirty="0" smtClean="0"/>
+              <a:t>Site collection owners deploy, activate, and implement the customizations</a:t>
+            </a:r>
+          </a:p>
+          <a:p>
+            <a:r>
+              <a:rPr lang="en-US" dirty="0" smtClean="0"/>
+              <a:t>Missing functionality in Sandbox Solutions</a:t>
+            </a:r>
+            <a:endParaRPr lang="en-US" dirty="0"/>
+          </a:p>
+        </p:txBody>
+      </p:sp>
+    </p:spTree>
+    <p:extLst>
+      <p:ext uri="{BB962C8B-B14F-4D97-AF65-F5344CB8AC3E}">
+        <p14:creationId xmlns:p14="http://schemas.microsoft.com/office/powerpoint/2010/main" val="1706411863"/>
       </p:ext>
     </p:extLst>
   </p:cSld>
@@ -29073,434 +27780,6 @@
 </file>
 
 <file path=ppt/slides/slide20.xml><?xml version="1.0" encoding="utf-8"?>
-<p:sld xmlns:a="http://schemas.openxmlformats.org/drawingml/2006/main" xmlns:r="http://schemas.openxmlformats.org/officeDocument/2006/relationships" xmlns:p="http://schemas.openxmlformats.org/presentationml/2006/main">
-  <p:cSld>
-    <p:spTree>
-      <p:nvGrpSpPr>
-        <p:cNvPr id="1" name=""/>
-        <p:cNvGrpSpPr/>
-        <p:nvPr/>
-      </p:nvGrpSpPr>
-      <p:grpSpPr>
-        <a:xfrm>
-          <a:off x="0" y="0"/>
-          <a:ext cx="0" cy="0"/>
-          <a:chOff x="0" y="0"/>
-          <a:chExt cx="0" cy="0"/>
-        </a:xfrm>
-      </p:grpSpPr>
-      <p:sp>
-        <p:nvSpPr>
-          <p:cNvPr id="2" name="Title 1"/>
-          <p:cNvSpPr>
-            <a:spLocks noGrp="1"/>
-          </p:cNvSpPr>
-          <p:nvPr>
-            <p:ph type="title"/>
-          </p:nvPr>
-        </p:nvSpPr>
-        <p:spPr/>
-        <p:txBody>
-          <a:bodyPr/>
-          <a:lstStyle/>
-          <a:p>
-            <a:r>
-              <a:rPr lang="en-US" dirty="0" smtClean="0"/>
-              <a:t>SharePoint 2010 Challenge</a:t>
-            </a:r>
-            <a:endParaRPr lang="en-US" dirty="0"/>
-          </a:p>
-        </p:txBody>
-      </p:sp>
-      <p:graphicFrame>
-        <p:nvGraphicFramePr>
-          <p:cNvPr id="6" name="Content Placeholder 5" descr="Segmented Process" title="SmartArt"/>
-          <p:cNvGraphicFramePr>
-            <a:graphicFrameLocks noGrp="1"/>
-          </p:cNvGraphicFramePr>
-          <p:nvPr>
-            <p:ph sz="half" idx="2"/>
-            <p:extLst>
-              <p:ext uri="{D42A27DB-BD31-4B8C-83A1-F6EECF244321}">
-                <p14:modId xmlns:p14="http://schemas.microsoft.com/office/powerpoint/2010/main" val="1061637021"/>
-              </p:ext>
-            </p:extLst>
-          </p:nvPr>
-        </p:nvGraphicFramePr>
-        <p:xfrm>
-          <a:off x="6324600" y="1676400"/>
-          <a:ext cx="5029200" cy="4648199"/>
-        </p:xfrm>
-        <a:graphic>
-          <a:graphicData uri="http://schemas.openxmlformats.org/drawingml/2006/diagram">
-            <dgm:relIds xmlns:dgm="http://schemas.openxmlformats.org/drawingml/2006/diagram" xmlns:r="http://schemas.openxmlformats.org/officeDocument/2006/relationships" r:dm="rId2" r:lo="rId3" r:qs="rId4" r:cs="rId5"/>
-          </a:graphicData>
-        </a:graphic>
-      </p:graphicFrame>
-      <p:sp>
-        <p:nvSpPr>
-          <p:cNvPr id="5" name="Content Placeholder 4"/>
-          <p:cNvSpPr>
-            <a:spLocks noGrp="1"/>
-          </p:cNvSpPr>
-          <p:nvPr>
-            <p:ph sz="half" idx="1"/>
-          </p:nvPr>
-        </p:nvSpPr>
-        <p:spPr/>
-        <p:txBody>
-          <a:bodyPr/>
-          <a:lstStyle/>
-          <a:p>
-            <a:r>
-              <a:rPr lang="en-US" dirty="0" smtClean="0"/>
-              <a:t>Sandbox solutions applications</a:t>
-            </a:r>
-          </a:p>
-          <a:p>
-            <a:r>
-              <a:rPr lang="en-US" dirty="0" smtClean="0"/>
-              <a:t>Code affects the site collection</a:t>
-            </a:r>
-          </a:p>
-          <a:p>
-            <a:r>
-              <a:rPr lang="en-US" dirty="0" smtClean="0"/>
-              <a:t>Developers build custom solutions</a:t>
-            </a:r>
-          </a:p>
-          <a:p>
-            <a:r>
-              <a:rPr lang="en-US" dirty="0" smtClean="0"/>
-              <a:t>Administrators define quotas and use resource monitors to check site collection usage</a:t>
-            </a:r>
-          </a:p>
-          <a:p>
-            <a:r>
-              <a:rPr lang="en-US" dirty="0" smtClean="0"/>
-              <a:t>Site collection owners deploy, activate, and implement the customizations</a:t>
-            </a:r>
-          </a:p>
-          <a:p>
-            <a:r>
-              <a:rPr lang="en-US" dirty="0" smtClean="0"/>
-              <a:t>Missing functionality in Sandbox Solutions</a:t>
-            </a:r>
-            <a:endParaRPr lang="en-US" dirty="0"/>
-          </a:p>
-        </p:txBody>
-      </p:sp>
-    </p:spTree>
-    <p:extLst>
-      <p:ext uri="{BB962C8B-B14F-4D97-AF65-F5344CB8AC3E}">
-        <p14:creationId xmlns:p14="http://schemas.microsoft.com/office/powerpoint/2010/main" val="1706411863"/>
-      </p:ext>
-    </p:extLst>
-  </p:cSld>
-  <p:clrMapOvr>
-    <a:masterClrMapping/>
-  </p:clrMapOvr>
-  <mc:AlternateContent xmlns:mc="http://schemas.openxmlformats.org/markup-compatibility/2006" xmlns:p14="http://schemas.microsoft.com/office/powerpoint/2010/main">
-    <mc:Choice Requires="p14">
-      <p:transition spd="med" p14:dur="700">
-        <p:fade/>
-      </p:transition>
-    </mc:Choice>
-    <mc:Fallback xmlns="">
-      <p:transition spd="med">
-        <p:fade/>
-      </p:transition>
-    </mc:Fallback>
-  </mc:AlternateContent>
-  <p:timing>
-    <p:tnLst>
-      <p:par>
-        <p:cTn id="1" dur="indefinite" restart="never" nodeType="tmRoot">
-          <p:childTnLst>
-            <p:seq concurrent="1" nextAc="seek">
-              <p:cTn id="2" dur="indefinite" nodeType="mainSeq">
-                <p:childTnLst>
-                  <p:par>
-                    <p:cTn id="3" fill="hold">
-                      <p:stCondLst>
-                        <p:cond delay="indefinite"/>
-                      </p:stCondLst>
-                      <p:childTnLst>
-                        <p:par>
-                          <p:cTn id="4" fill="hold">
-                            <p:stCondLst>
-                              <p:cond delay="0"/>
-                            </p:stCondLst>
-                            <p:childTnLst>
-                              <p:par>
-                                <p:cTn id="5" presetID="1" presetClass="entr" presetSubtype="0" fill="hold" grpId="0" nodeType="clickEffect">
-                                  <p:stCondLst>
-                                    <p:cond delay="0"/>
-                                  </p:stCondLst>
-                                  <p:childTnLst>
-                                    <p:set>
-                                      <p:cBhvr>
-                                        <p:cTn id="6" dur="1" fill="hold">
-                                          <p:stCondLst>
-                                            <p:cond delay="0"/>
-                                          </p:stCondLst>
-                                        </p:cTn>
-                                        <p:tgtEl>
-                                          <p:spTgt spid="6"/>
-                                        </p:tgtEl>
-                                        <p:attrNameLst>
-                                          <p:attrName>style.visibility</p:attrName>
-                                        </p:attrNameLst>
-                                      </p:cBhvr>
-                                      <p:to>
-                                        <p:strVal val="visible"/>
-                                      </p:to>
-                                    </p:set>
-                                  </p:childTnLst>
-                                </p:cTn>
-                              </p:par>
-                            </p:childTnLst>
-                          </p:cTn>
-                        </p:par>
-                      </p:childTnLst>
-                    </p:cTn>
-                  </p:par>
-                  <p:par>
-                    <p:cTn id="7" fill="hold">
-                      <p:stCondLst>
-                        <p:cond delay="indefinite"/>
-                      </p:stCondLst>
-                      <p:childTnLst>
-                        <p:par>
-                          <p:cTn id="8" fill="hold">
-                            <p:stCondLst>
-                              <p:cond delay="0"/>
-                            </p:stCondLst>
-                            <p:childTnLst>
-                              <p:par>
-                                <p:cTn id="9" presetID="1" presetClass="entr" presetSubtype="0" fill="hold" grpId="0" nodeType="clickEffect">
-                                  <p:stCondLst>
-                                    <p:cond delay="0"/>
-                                  </p:stCondLst>
-                                  <p:childTnLst>
-                                    <p:set>
-                                      <p:cBhvr>
-                                        <p:cTn id="10" dur="1" fill="hold">
-                                          <p:stCondLst>
-                                            <p:cond delay="0"/>
-                                          </p:stCondLst>
-                                        </p:cTn>
-                                        <p:tgtEl>
-                                          <p:spTgt spid="5">
-                                            <p:txEl>
-                                              <p:pRg st="0" end="0"/>
-                                            </p:txEl>
-                                          </p:spTgt>
-                                        </p:tgtEl>
-                                        <p:attrNameLst>
-                                          <p:attrName>style.visibility</p:attrName>
-                                        </p:attrNameLst>
-                                      </p:cBhvr>
-                                      <p:to>
-                                        <p:strVal val="visible"/>
-                                      </p:to>
-                                    </p:set>
-                                  </p:childTnLst>
-                                </p:cTn>
-                              </p:par>
-                              <p:par>
-                                <p:cTn id="11" presetID="1" presetClass="entr" presetSubtype="0" fill="hold" grpId="0" nodeType="withEffect">
-                                  <p:stCondLst>
-                                    <p:cond delay="0"/>
-                                  </p:stCondLst>
-                                  <p:childTnLst>
-                                    <p:set>
-                                      <p:cBhvr>
-                                        <p:cTn id="12" dur="1" fill="hold">
-                                          <p:stCondLst>
-                                            <p:cond delay="0"/>
-                                          </p:stCondLst>
-                                        </p:cTn>
-                                        <p:tgtEl>
-                                          <p:spTgt spid="5">
-                                            <p:txEl>
-                                              <p:pRg st="1" end="1"/>
-                                            </p:txEl>
-                                          </p:spTgt>
-                                        </p:tgtEl>
-                                        <p:attrNameLst>
-                                          <p:attrName>style.visibility</p:attrName>
-                                        </p:attrNameLst>
-                                      </p:cBhvr>
-                                      <p:to>
-                                        <p:strVal val="visible"/>
-                                      </p:to>
-                                    </p:set>
-                                  </p:childTnLst>
-                                </p:cTn>
-                              </p:par>
-                              <p:par>
-                                <p:cTn id="13" presetID="1" presetClass="entr" presetSubtype="0" fill="hold" grpId="0" nodeType="withEffect">
-                                  <p:stCondLst>
-                                    <p:cond delay="0"/>
-                                  </p:stCondLst>
-                                  <p:childTnLst>
-                                    <p:set>
-                                      <p:cBhvr>
-                                        <p:cTn id="14" dur="1" fill="hold">
-                                          <p:stCondLst>
-                                            <p:cond delay="0"/>
-                                          </p:stCondLst>
-                                        </p:cTn>
-                                        <p:tgtEl>
-                                          <p:spTgt spid="5">
-                                            <p:txEl>
-                                              <p:pRg st="2" end="2"/>
-                                            </p:txEl>
-                                          </p:spTgt>
-                                        </p:tgtEl>
-                                        <p:attrNameLst>
-                                          <p:attrName>style.visibility</p:attrName>
-                                        </p:attrNameLst>
-                                      </p:cBhvr>
-                                      <p:to>
-                                        <p:strVal val="visible"/>
-                                      </p:to>
-                                    </p:set>
-                                  </p:childTnLst>
-                                </p:cTn>
-                              </p:par>
-                              <p:par>
-                                <p:cTn id="15" presetID="1" presetClass="entr" presetSubtype="0" fill="hold" grpId="0" nodeType="withEffect">
-                                  <p:stCondLst>
-                                    <p:cond delay="0"/>
-                                  </p:stCondLst>
-                                  <p:childTnLst>
-                                    <p:set>
-                                      <p:cBhvr>
-                                        <p:cTn id="16" dur="1" fill="hold">
-                                          <p:stCondLst>
-                                            <p:cond delay="0"/>
-                                          </p:stCondLst>
-                                        </p:cTn>
-                                        <p:tgtEl>
-                                          <p:spTgt spid="5">
-                                            <p:txEl>
-                                              <p:pRg st="3" end="3"/>
-                                            </p:txEl>
-                                          </p:spTgt>
-                                        </p:tgtEl>
-                                        <p:attrNameLst>
-                                          <p:attrName>style.visibility</p:attrName>
-                                        </p:attrNameLst>
-                                      </p:cBhvr>
-                                      <p:to>
-                                        <p:strVal val="visible"/>
-                                      </p:to>
-                                    </p:set>
-                                  </p:childTnLst>
-                                </p:cTn>
-                              </p:par>
-                              <p:par>
-                                <p:cTn id="17" presetID="1" presetClass="entr" presetSubtype="0" fill="hold" grpId="0" nodeType="withEffect">
-                                  <p:stCondLst>
-                                    <p:cond delay="0"/>
-                                  </p:stCondLst>
-                                  <p:childTnLst>
-                                    <p:set>
-                                      <p:cBhvr>
-                                        <p:cTn id="18" dur="1" fill="hold">
-                                          <p:stCondLst>
-                                            <p:cond delay="0"/>
-                                          </p:stCondLst>
-                                        </p:cTn>
-                                        <p:tgtEl>
-                                          <p:spTgt spid="5">
-                                            <p:txEl>
-                                              <p:pRg st="4" end="4"/>
-                                            </p:txEl>
-                                          </p:spTgt>
-                                        </p:tgtEl>
-                                        <p:attrNameLst>
-                                          <p:attrName>style.visibility</p:attrName>
-                                        </p:attrNameLst>
-                                      </p:cBhvr>
-                                      <p:to>
-                                        <p:strVal val="visible"/>
-                                      </p:to>
-                                    </p:set>
-                                  </p:childTnLst>
-                                </p:cTn>
-                              </p:par>
-                              <p:par>
-                                <p:cTn id="19" presetID="1" presetClass="entr" presetSubtype="0" fill="hold" grpId="0" nodeType="withEffect">
-                                  <p:stCondLst>
-                                    <p:cond delay="0"/>
-                                  </p:stCondLst>
-                                  <p:childTnLst>
-                                    <p:set>
-                                      <p:cBhvr>
-                                        <p:cTn id="20" dur="1" fill="hold">
-                                          <p:stCondLst>
-                                            <p:cond delay="0"/>
-                                          </p:stCondLst>
-                                        </p:cTn>
-                                        <p:tgtEl>
-                                          <p:spTgt spid="5">
-                                            <p:txEl>
-                                              <p:pRg st="5" end="5"/>
-                                            </p:txEl>
-                                          </p:spTgt>
-                                        </p:tgtEl>
-                                        <p:attrNameLst>
-                                          <p:attrName>style.visibility</p:attrName>
-                                        </p:attrNameLst>
-                                      </p:cBhvr>
-                                      <p:to>
-                                        <p:strVal val="visible"/>
-                                      </p:to>
-                                    </p:set>
-                                  </p:childTnLst>
-                                </p:cTn>
-                              </p:par>
-                            </p:childTnLst>
-                          </p:cTn>
-                        </p:par>
-                      </p:childTnLst>
-                    </p:cTn>
-                  </p:par>
-                </p:childTnLst>
-              </p:cTn>
-              <p:prevCondLst>
-                <p:cond evt="onPrev" delay="0">
-                  <p:tgtEl>
-                    <p:sldTgt/>
-                  </p:tgtEl>
-                </p:cond>
-              </p:prevCondLst>
-              <p:nextCondLst>
-                <p:cond evt="onNext" delay="0">
-                  <p:tgtEl>
-                    <p:sldTgt/>
-                  </p:tgtEl>
-                </p:cond>
-              </p:nextCondLst>
-            </p:seq>
-          </p:childTnLst>
-        </p:cTn>
-      </p:par>
-    </p:tnLst>
-    <p:bldLst>
-      <p:bldGraphic spid="6" grpId="0">
-        <p:bldAsOne/>
-      </p:bldGraphic>
-      <p:bldP spid="5" grpId="0" uiExpand="1" build="p"/>
-    </p:bldLst>
-  </p:timing>
-</p:sld>
-</file>
-
-<file path=ppt/slides/slide21.xml><?xml version="1.0" encoding="utf-8"?>
 <p:sld xmlns:a="http://schemas.openxmlformats.org/drawingml/2006/main" xmlns:r="http://schemas.openxmlformats.org/officeDocument/2006/relationships" xmlns:p="http://schemas.openxmlformats.org/presentationml/2006/main">
   <p:cSld>
     <p:spTree>
@@ -30154,7 +28433,7 @@
           </a:ln>
           <a:extLst>
             <a:ext uri="{91240B29-F687-4f45-9708-019B960494DF}">
-              <a14:hiddenLine xmlns="" xmlns:a14="http://schemas.microsoft.com/office/drawing/2010/main" w="9525">
+              <a14:hiddenLine xmlns:a14="http://schemas.microsoft.com/office/drawing/2010/main" xmlns="" w="9525">
                 <a:solidFill>
                   <a:srgbClr val="000000"/>
                 </a:solidFill>
@@ -30208,7 +28487,7 @@
           </a:ln>
           <a:extLst>
             <a:ext uri="{91240B29-F687-4f45-9708-019B960494DF}">
-              <a14:hiddenLine xmlns="" xmlns:a14="http://schemas.microsoft.com/office/drawing/2010/main" w="9525">
+              <a14:hiddenLine xmlns:a14="http://schemas.microsoft.com/office/drawing/2010/main" xmlns="" w="9525">
                 <a:solidFill>
                   <a:srgbClr val="000000"/>
                 </a:solidFill>
@@ -30395,7 +28674,7 @@
 </p:sld>
 </file>
 
-<file path=ppt/slides/slide22.xml><?xml version="1.0" encoding="utf-8"?>
+<file path=ppt/slides/slide21.xml><?xml version="1.0" encoding="utf-8"?>
 <p:sld xmlns:a="http://schemas.openxmlformats.org/drawingml/2006/main" xmlns:r="http://schemas.openxmlformats.org/officeDocument/2006/relationships" xmlns:p="http://schemas.openxmlformats.org/presentationml/2006/main">
   <p:cSld>
     <p:spTree>
@@ -31045,7 +29324,7 @@
 </p:sld>
 </file>
 
-<file path=ppt/slides/slide23.xml><?xml version="1.0" encoding="utf-8"?>
+<file path=ppt/slides/slide22.xml><?xml version="1.0" encoding="utf-8"?>
 <p:sld xmlns:a="http://schemas.openxmlformats.org/drawingml/2006/main" xmlns:r="http://schemas.openxmlformats.org/officeDocument/2006/relationships" xmlns:p="http://schemas.openxmlformats.org/presentationml/2006/main">
   <p:cSld>
     <p:spTree>
@@ -31102,12 +29381,6 @@
           <a:p>
             <a:r>
               <a:rPr lang="en-US" dirty="0" smtClean="0"/>
-              <a:t>Can port a "Native" JavaScript application to SP2013 App Model (and vice versa)</a:t>
-            </a:r>
-          </a:p>
-          <a:p>
-            <a:r>
-              <a:rPr lang="en-US" dirty="0" smtClean="0"/>
               <a:t>"</a:t>
             </a:r>
             <a:r>
@@ -31136,8 +29409,31 @@
           <a:p>
             <a:r>
               <a:rPr lang="en-US" dirty="0" smtClean="0"/>
-              <a:t>App parts run as iframe which don't scroll in iOS</a:t>
+              <a:t>App parts run as iframe which don't scroll in </a:t>
             </a:r>
+            <a:r>
+              <a:rPr lang="en-US" dirty="0" smtClean="0"/>
+              <a:t>iOS</a:t>
+            </a:r>
+          </a:p>
+          <a:p>
+            <a:endParaRPr lang="en-US" dirty="0"/>
+          </a:p>
+          <a:p>
+            <a:r>
+              <a:rPr lang="en-US" dirty="0"/>
+              <a:t>Note: </a:t>
+            </a:r>
+            <a:r>
+              <a:rPr lang="en-US" dirty="0" smtClean="0"/>
+              <a:t>Port </a:t>
+            </a:r>
+            <a:r>
+              <a:rPr lang="en-US" dirty="0"/>
+              <a:t>a "Native" JavaScript application to SP2013 App Model (and vice versa)</a:t>
+            </a:r>
+          </a:p>
+          <a:p>
             <a:endParaRPr lang="en-US" dirty="0"/>
           </a:p>
         </p:txBody>
@@ -31174,7 +29470,7 @@
 </p:sld>
 </file>
 
-<file path=ppt/slides/slide24.xml><?xml version="1.0" encoding="utf-8"?>
+<file path=ppt/slides/slide23.xml><?xml version="1.0" encoding="utf-8"?>
 <p:sld xmlns:a="http://schemas.openxmlformats.org/drawingml/2006/main" xmlns:r="http://schemas.openxmlformats.org/officeDocument/2006/relationships" xmlns:p="http://schemas.openxmlformats.org/presentationml/2006/main">
   <p:cSld>
     <p:spTree>
@@ -31276,1187 +29572,7 @@
 </p:sld>
 </file>
 
-<file path=ppt/slides/slide25.xml><?xml version="1.0" encoding="utf-8"?>
-<p:sld xmlns:a="http://schemas.openxmlformats.org/drawingml/2006/main" xmlns:r="http://schemas.openxmlformats.org/officeDocument/2006/relationships" xmlns:p="http://schemas.openxmlformats.org/presentationml/2006/main">
-  <p:cSld>
-    <p:spTree>
-      <p:nvGrpSpPr>
-        <p:cNvPr id="1" name=""/>
-        <p:cNvGrpSpPr/>
-        <p:nvPr/>
-      </p:nvGrpSpPr>
-      <p:grpSpPr>
-        <a:xfrm>
-          <a:off x="0" y="0"/>
-          <a:ext cx="0" cy="0"/>
-          <a:chOff x="0" y="0"/>
-          <a:chExt cx="0" cy="0"/>
-        </a:xfrm>
-      </p:grpSpPr>
-      <p:cxnSp>
-        <p:nvCxnSpPr>
-          <p:cNvPr id="7" name="Straight Connector 6"/>
-          <p:cNvCxnSpPr/>
-          <p:nvPr/>
-        </p:nvCxnSpPr>
-        <p:spPr>
-          <a:xfrm>
-            <a:off x="2363703" y="2974926"/>
-            <a:ext cx="7388427" cy="0"/>
-          </a:xfrm>
-          <a:prstGeom prst="line">
-            <a:avLst/>
-          </a:prstGeom>
-          <a:ln w="28575">
-            <a:prstDash val="sysDash"/>
-          </a:ln>
-        </p:spPr>
-        <p:style>
-          <a:lnRef idx="1">
-            <a:schemeClr val="accent1"/>
-          </a:lnRef>
-          <a:fillRef idx="0">
-            <a:schemeClr val="accent1"/>
-          </a:fillRef>
-          <a:effectRef idx="0">
-            <a:schemeClr val="accent1"/>
-          </a:effectRef>
-          <a:fontRef idx="minor">
-            <a:schemeClr val="tx1"/>
-          </a:fontRef>
-        </p:style>
-      </p:cxnSp>
-      <p:sp>
-        <p:nvSpPr>
-          <p:cNvPr id="12" name="Right Arrow Callout 11"/>
-          <p:cNvSpPr/>
-          <p:nvPr/>
-        </p:nvSpPr>
-        <p:spPr>
-          <a:xfrm rot="16200000">
-            <a:off x="5964724" y="1519275"/>
-            <a:ext cx="1443449" cy="3867821"/>
-          </a:xfrm>
-          <a:prstGeom prst="rightArrowCallout">
-            <a:avLst>
-              <a:gd name="adj1" fmla="val 46561"/>
-              <a:gd name="adj2" fmla="val 34138"/>
-              <a:gd name="adj3" fmla="val 25000"/>
-              <a:gd name="adj4" fmla="val 62622"/>
-            </a:avLst>
-          </a:prstGeom>
-          <a:solidFill>
-            <a:schemeClr val="tx1">
-              <a:lumMod val="75000"/>
-              <a:alpha val="73000"/>
-            </a:schemeClr>
-          </a:solidFill>
-        </p:spPr>
-        <p:style>
-          <a:lnRef idx="2">
-            <a:schemeClr val="accent1">
-              <a:shade val="50000"/>
-            </a:schemeClr>
-          </a:lnRef>
-          <a:fillRef idx="1">
-            <a:schemeClr val="accent1"/>
-          </a:fillRef>
-          <a:effectRef idx="0">
-            <a:schemeClr val="accent1"/>
-          </a:effectRef>
-          <a:fontRef idx="minor">
-            <a:schemeClr val="lt1"/>
-          </a:fontRef>
-        </p:style>
-        <p:txBody>
-          <a:bodyPr lIns="87881" tIns="43940" rIns="87881" bIns="43940" rtlCol="0" anchor="ctr"/>
-          <a:lstStyle/>
-          <a:p>
-            <a:pPr algn="ctr" defTabSz="659174"/>
-            <a:endParaRPr lang="en-US" sz="1350">
-              <a:solidFill>
-                <a:prstClr val="white"/>
-              </a:solidFill>
-              <a:latin typeface="Effra"/>
-            </a:endParaRPr>
-          </a:p>
-        </p:txBody>
-      </p:sp>
-      <p:sp>
-        <p:nvSpPr>
-          <p:cNvPr id="2" name="Rectangle 1"/>
-          <p:cNvSpPr/>
-          <p:nvPr/>
-        </p:nvSpPr>
-        <p:spPr>
-          <a:xfrm>
-            <a:off x="4831355" y="3414671"/>
-            <a:ext cx="1142540" cy="685703"/>
-          </a:xfrm>
-          <a:prstGeom prst="rect">
-            <a:avLst/>
-          </a:prstGeom>
-          <a:solidFill>
-            <a:schemeClr val="accent3"/>
-          </a:solidFill>
-        </p:spPr>
-        <p:style>
-          <a:lnRef idx="2">
-            <a:schemeClr val="accent1">
-              <a:shade val="50000"/>
-            </a:schemeClr>
-          </a:lnRef>
-          <a:fillRef idx="1">
-            <a:schemeClr val="accent1"/>
-          </a:fillRef>
-          <a:effectRef idx="0">
-            <a:schemeClr val="accent1"/>
-          </a:effectRef>
-          <a:fontRef idx="minor">
-            <a:schemeClr val="lt1"/>
-          </a:fontRef>
-        </p:style>
-        <p:txBody>
-          <a:bodyPr lIns="87881" tIns="43940" rIns="87881" bIns="43940" rtlCol="0" anchor="ctr"/>
-          <a:lstStyle/>
-          <a:p>
-            <a:pPr algn="ctr" defTabSz="659174"/>
-            <a:r>
-              <a:rPr lang="en-US" sz="1350" dirty="0">
-                <a:solidFill>
-                  <a:srgbClr val="FFFFFF"/>
-                </a:solidFill>
-                <a:latin typeface="Effra"/>
-                <a:ea typeface="Segoe UI" pitchFamily="34" charset="0"/>
-                <a:cs typeface="Segoe UI" pitchFamily="34" charset="0"/>
-              </a:rPr>
-              <a:t>JavaScript Library</a:t>
-            </a:r>
-          </a:p>
-        </p:txBody>
-      </p:sp>
-      <p:sp>
-        <p:nvSpPr>
-          <p:cNvPr id="3" name="Rectangle 2"/>
-          <p:cNvSpPr/>
-          <p:nvPr/>
-        </p:nvSpPr>
-        <p:spPr>
-          <a:xfrm>
-            <a:off x="6087750" y="3414671"/>
-            <a:ext cx="1142540" cy="685703"/>
-          </a:xfrm>
-          <a:prstGeom prst="rect">
-            <a:avLst/>
-          </a:prstGeom>
-          <a:solidFill>
-            <a:schemeClr val="accent3"/>
-          </a:solidFill>
-          <a:effectLst/>
-        </p:spPr>
-        <p:style>
-          <a:lnRef idx="2">
-            <a:schemeClr val="accent1">
-              <a:shade val="50000"/>
-            </a:schemeClr>
-          </a:lnRef>
-          <a:fillRef idx="1">
-            <a:schemeClr val="accent1"/>
-          </a:fillRef>
-          <a:effectRef idx="0">
-            <a:schemeClr val="accent1"/>
-          </a:effectRef>
-          <a:fontRef idx="minor">
-            <a:schemeClr val="lt1"/>
-          </a:fontRef>
-        </p:style>
-        <p:txBody>
-          <a:bodyPr lIns="87881" tIns="43940" rIns="87881" bIns="43940" rtlCol="0" anchor="ctr"/>
-          <a:lstStyle/>
-          <a:p>
-            <a:pPr algn="ctr" defTabSz="659174"/>
-            <a:r>
-              <a:rPr lang="en-US" sz="1350" dirty="0">
-                <a:solidFill>
-                  <a:srgbClr val="FFFFFF"/>
-                </a:solidFill>
-                <a:latin typeface="Effra"/>
-                <a:ea typeface="Segoe UI" pitchFamily="34" charset="0"/>
-                <a:cs typeface="Segoe UI" pitchFamily="34" charset="0"/>
-              </a:rPr>
-              <a:t>Silverlight Library</a:t>
-            </a:r>
-          </a:p>
-        </p:txBody>
-      </p:sp>
-      <p:sp>
-        <p:nvSpPr>
-          <p:cNvPr id="4" name="Rectangle 3"/>
-          <p:cNvSpPr/>
-          <p:nvPr/>
-        </p:nvSpPr>
-        <p:spPr>
-          <a:xfrm>
-            <a:off x="7344146" y="3414671"/>
-            <a:ext cx="1142540" cy="685703"/>
-          </a:xfrm>
-          <a:prstGeom prst="rect">
-            <a:avLst/>
-          </a:prstGeom>
-          <a:solidFill>
-            <a:schemeClr val="accent3"/>
-          </a:solidFill>
-        </p:spPr>
-        <p:style>
-          <a:lnRef idx="2">
-            <a:schemeClr val="accent1">
-              <a:shade val="50000"/>
-            </a:schemeClr>
-          </a:lnRef>
-          <a:fillRef idx="1">
-            <a:schemeClr val="accent1"/>
-          </a:fillRef>
-          <a:effectRef idx="0">
-            <a:schemeClr val="accent1"/>
-          </a:effectRef>
-          <a:fontRef idx="minor">
-            <a:schemeClr val="lt1"/>
-          </a:fontRef>
-        </p:style>
-        <p:txBody>
-          <a:bodyPr lIns="87881" tIns="43940" rIns="87881" bIns="43940" rtlCol="0" anchor="ctr"/>
-          <a:lstStyle/>
-          <a:p>
-            <a:pPr algn="ctr" defTabSz="659174"/>
-            <a:r>
-              <a:rPr lang="en-US" sz="1350" dirty="0">
-                <a:solidFill>
-                  <a:srgbClr val="FFFFFF"/>
-                </a:solidFill>
-                <a:latin typeface="Effra"/>
-                <a:ea typeface="Segoe UI" pitchFamily="34" charset="0"/>
-                <a:cs typeface="Segoe UI" pitchFamily="34" charset="0"/>
-              </a:rPr>
-              <a:t>.NET CLR Library</a:t>
-            </a:r>
-          </a:p>
-        </p:txBody>
-      </p:sp>
-      <p:sp>
-        <p:nvSpPr>
-          <p:cNvPr id="5" name="Rectangle 4"/>
-          <p:cNvSpPr/>
-          <p:nvPr/>
-        </p:nvSpPr>
-        <p:spPr>
-          <a:xfrm>
-            <a:off x="3506245" y="5467079"/>
-            <a:ext cx="5179515" cy="628561"/>
-          </a:xfrm>
-          <a:prstGeom prst="rect">
-            <a:avLst/>
-          </a:prstGeom>
-          <a:solidFill>
-            <a:srgbClr val="00B050"/>
-          </a:solidFill>
-        </p:spPr>
-        <p:style>
-          <a:lnRef idx="2">
-            <a:schemeClr val="accent3">
-              <a:shade val="50000"/>
-            </a:schemeClr>
-          </a:lnRef>
-          <a:fillRef idx="1">
-            <a:schemeClr val="accent3"/>
-          </a:fillRef>
-          <a:effectRef idx="0">
-            <a:schemeClr val="accent3"/>
-          </a:effectRef>
-          <a:fontRef idx="minor">
-            <a:schemeClr val="lt1"/>
-          </a:fontRef>
-        </p:style>
-        <p:txBody>
-          <a:bodyPr lIns="87881" tIns="43940" rIns="87881" bIns="43940" rtlCol="0" anchor="ctr"/>
-          <a:lstStyle/>
-          <a:p>
-            <a:pPr algn="ctr" defTabSz="659174"/>
-            <a:r>
-              <a:rPr lang="en-US" sz="1350" dirty="0">
-                <a:solidFill>
-                  <a:srgbClr val="FFFFFF"/>
-                </a:solidFill>
-                <a:latin typeface="Effra"/>
-                <a:ea typeface="Segoe UI" pitchFamily="34" charset="0"/>
-                <a:cs typeface="Segoe UI" pitchFamily="34" charset="0"/>
-              </a:rPr>
-              <a:t>Remote App</a:t>
-            </a:r>
-          </a:p>
-        </p:txBody>
-      </p:sp>
-      <p:sp>
-        <p:nvSpPr>
-          <p:cNvPr id="8" name="TextBox 7"/>
-          <p:cNvSpPr txBox="1"/>
-          <p:nvPr/>
-        </p:nvSpPr>
-        <p:spPr>
-          <a:xfrm>
-            <a:off x="2330475" y="2974930"/>
-            <a:ext cx="619907" cy="296487"/>
-          </a:xfrm>
-          <a:prstGeom prst="rect">
-            <a:avLst/>
-          </a:prstGeom>
-          <a:noFill/>
-        </p:spPr>
-        <p:txBody>
-          <a:bodyPr wrap="none" lIns="87881" tIns="43940" rIns="87881" bIns="43940" rtlCol="0">
-            <a:spAutoFit/>
-          </a:bodyPr>
-          <a:lstStyle/>
-          <a:p>
-            <a:pPr defTabSz="659174"/>
-            <a:r>
-              <a:rPr lang="en-US" sz="1350" dirty="0">
-                <a:solidFill>
-                  <a:schemeClr val="tx2"/>
-                </a:solidFill>
-                <a:latin typeface="Effra"/>
-                <a:ea typeface="Segoe UI" pitchFamily="34" charset="0"/>
-                <a:cs typeface="Segoe UI" pitchFamily="34" charset="0"/>
-              </a:rPr>
-              <a:t>Client</a:t>
-            </a:r>
-          </a:p>
-        </p:txBody>
-      </p:sp>
-      <p:sp>
-        <p:nvSpPr>
-          <p:cNvPr id="9" name="TextBox 8"/>
-          <p:cNvSpPr txBox="1"/>
-          <p:nvPr/>
-        </p:nvSpPr>
-        <p:spPr>
-          <a:xfrm>
-            <a:off x="2340051" y="2692006"/>
-            <a:ext cx="687233" cy="296487"/>
-          </a:xfrm>
-          <a:prstGeom prst="rect">
-            <a:avLst/>
-          </a:prstGeom>
-          <a:noFill/>
-        </p:spPr>
-        <p:txBody>
-          <a:bodyPr wrap="none" lIns="87881" tIns="43940" rIns="87881" bIns="43940" rtlCol="0">
-            <a:spAutoFit/>
-          </a:bodyPr>
-          <a:lstStyle/>
-          <a:p>
-            <a:pPr defTabSz="659174"/>
-            <a:r>
-              <a:rPr lang="en-US" sz="1350" dirty="0">
-                <a:solidFill>
-                  <a:schemeClr val="tx2"/>
-                </a:solidFill>
-                <a:latin typeface="Effra"/>
-                <a:ea typeface="Segoe UI" pitchFamily="34" charset="0"/>
-                <a:cs typeface="Segoe UI" pitchFamily="34" charset="0"/>
-              </a:rPr>
-              <a:t>Server</a:t>
-            </a:r>
-          </a:p>
-        </p:txBody>
-      </p:sp>
-      <p:sp>
-        <p:nvSpPr>
-          <p:cNvPr id="10" name="Rectangle 9"/>
-          <p:cNvSpPr/>
-          <p:nvPr/>
-        </p:nvSpPr>
-        <p:spPr>
-          <a:xfrm>
-            <a:off x="3506244" y="1885276"/>
-            <a:ext cx="5103346" cy="793818"/>
-          </a:xfrm>
-          <a:prstGeom prst="rect">
-            <a:avLst/>
-          </a:prstGeom>
-          <a:solidFill>
-            <a:schemeClr val="accent6"/>
-          </a:solidFill>
-        </p:spPr>
-        <p:style>
-          <a:lnRef idx="2">
-            <a:schemeClr val="accent1">
-              <a:shade val="50000"/>
-            </a:schemeClr>
-          </a:lnRef>
-          <a:fillRef idx="1">
-            <a:schemeClr val="accent1"/>
-          </a:fillRef>
-          <a:effectRef idx="0">
-            <a:schemeClr val="accent1"/>
-          </a:effectRef>
-          <a:fontRef idx="minor">
-            <a:schemeClr val="lt1"/>
-          </a:fontRef>
-        </p:style>
-        <p:txBody>
-          <a:bodyPr lIns="87881" tIns="43940" rIns="87881" bIns="43940" rtlCol="0" anchor="ctr"/>
-          <a:lstStyle/>
-          <a:p>
-            <a:pPr algn="ctr" defTabSz="659174"/>
-            <a:r>
-              <a:rPr lang="en-US" sz="1350" b="1" dirty="0" smtClean="0">
-                <a:solidFill>
-                  <a:schemeClr val="accent6">
-                    <a:lumMod val="50000"/>
-                  </a:schemeClr>
-                </a:solidFill>
-                <a:latin typeface="Effra"/>
-                <a:ea typeface="Segoe UI" pitchFamily="34" charset="0"/>
-                <a:cs typeface="Segoe UI" pitchFamily="34" charset="0"/>
-              </a:rPr>
-              <a:t>SharePoint</a:t>
-            </a:r>
-          </a:p>
-          <a:p>
-            <a:pPr algn="ctr" defTabSz="659174"/>
-            <a:endParaRPr lang="en-US" sz="1350" b="1" dirty="0">
-              <a:solidFill>
-                <a:srgbClr val="FFFFFF"/>
-              </a:solidFill>
-              <a:latin typeface="Effra"/>
-              <a:ea typeface="Segoe UI" pitchFamily="34" charset="0"/>
-              <a:cs typeface="Segoe UI" pitchFamily="34" charset="0"/>
-            </a:endParaRPr>
-          </a:p>
-          <a:p>
-            <a:pPr algn="ctr" defTabSz="659174"/>
-            <a:r>
-              <a:rPr lang="en-US" sz="1350" b="1" dirty="0">
-                <a:solidFill>
-                  <a:srgbClr val="FFFFFF"/>
-                </a:solidFill>
-                <a:latin typeface="Effra"/>
-                <a:ea typeface="Segoe UI" pitchFamily="34" charset="0"/>
-                <a:cs typeface="Segoe UI" pitchFamily="34" charset="0"/>
-              </a:rPr>
-              <a:t>_api</a:t>
-            </a:r>
-            <a:r>
-              <a:rPr lang="en-US" sz="1350" dirty="0">
-                <a:solidFill>
-                  <a:srgbClr val="FFFFFF"/>
-                </a:solidFill>
-                <a:latin typeface="Effra"/>
-                <a:ea typeface="Segoe UI" pitchFamily="34" charset="0"/>
-                <a:cs typeface="Segoe UI" pitchFamily="34" charset="0"/>
-              </a:rPr>
-              <a:t>  </a:t>
-            </a:r>
-            <a:r>
-              <a:rPr lang="en-US" sz="1350" dirty="0">
-                <a:solidFill>
-                  <a:schemeClr val="bg1">
-                    <a:lumMod val="85000"/>
-                  </a:schemeClr>
-                </a:solidFill>
-                <a:latin typeface="Effra"/>
-                <a:ea typeface="Segoe UI" pitchFamily="34" charset="0"/>
-                <a:cs typeface="Segoe UI" pitchFamily="34" charset="0"/>
-              </a:rPr>
-              <a:t>is new alias for</a:t>
-            </a:r>
-            <a:r>
-              <a:rPr lang="en-US" sz="1350" dirty="0">
-                <a:solidFill>
-                  <a:srgbClr val="FFFFFF"/>
-                </a:solidFill>
-                <a:latin typeface="Effra"/>
-                <a:ea typeface="Segoe UI" pitchFamily="34" charset="0"/>
-                <a:cs typeface="Segoe UI" pitchFamily="34" charset="0"/>
-              </a:rPr>
-              <a:t> </a:t>
-            </a:r>
-            <a:r>
-              <a:rPr lang="en-US" sz="1350" b="1" dirty="0">
-                <a:solidFill>
-                  <a:srgbClr val="FFFFFF"/>
-                </a:solidFill>
-                <a:latin typeface="Effra"/>
-                <a:ea typeface="Segoe UI" pitchFamily="34" charset="0"/>
-                <a:cs typeface="Segoe UI" pitchFamily="34" charset="0"/>
-              </a:rPr>
-              <a:t>_vti_bin/client.svc</a:t>
-            </a:r>
-          </a:p>
-        </p:txBody>
-      </p:sp>
-      <p:sp>
-        <p:nvSpPr>
-          <p:cNvPr id="14" name="Down Arrow 13"/>
-          <p:cNvSpPr/>
-          <p:nvPr/>
-        </p:nvSpPr>
-        <p:spPr>
-          <a:xfrm rot="10800000">
-            <a:off x="3487812" y="2731462"/>
-            <a:ext cx="1227989" cy="1443449"/>
-          </a:xfrm>
-          <a:prstGeom prst="downArrow">
-            <a:avLst>
-              <a:gd name="adj1" fmla="val 51994"/>
-              <a:gd name="adj2" fmla="val 52111"/>
-            </a:avLst>
-          </a:prstGeom>
-          <a:solidFill>
-            <a:schemeClr val="tx1">
-              <a:lumMod val="75000"/>
-              <a:alpha val="90000"/>
-            </a:schemeClr>
-          </a:solidFill>
-          <a:effectLst/>
-        </p:spPr>
-        <p:style>
-          <a:lnRef idx="2">
-            <a:schemeClr val="accent1">
-              <a:shade val="50000"/>
-            </a:schemeClr>
-          </a:lnRef>
-          <a:fillRef idx="1">
-            <a:schemeClr val="accent1"/>
-          </a:fillRef>
-          <a:effectRef idx="0">
-            <a:schemeClr val="accent1"/>
-          </a:effectRef>
-          <a:fontRef idx="minor">
-            <a:schemeClr val="lt1"/>
-          </a:fontRef>
-        </p:style>
-        <p:txBody>
-          <a:bodyPr lIns="87881" tIns="43940" rIns="87881" bIns="43940" rtlCol="0" anchor="ctr"/>
-          <a:lstStyle/>
-          <a:p>
-            <a:pPr algn="ctr" defTabSz="659174"/>
-            <a:endParaRPr lang="en-US" sz="1350" dirty="0">
-              <a:solidFill>
-                <a:prstClr val="white"/>
-              </a:solidFill>
-              <a:latin typeface="Effra"/>
-            </a:endParaRPr>
-          </a:p>
-        </p:txBody>
-      </p:sp>
-      <p:sp>
-        <p:nvSpPr>
-          <p:cNvPr id="15" name="TextBox 14"/>
-          <p:cNvSpPr txBox="1"/>
-          <p:nvPr/>
-        </p:nvSpPr>
-        <p:spPr>
-          <a:xfrm>
-            <a:off x="3606705" y="3068435"/>
-            <a:ext cx="990202" cy="827402"/>
-          </a:xfrm>
-          <a:prstGeom prst="rect">
-            <a:avLst/>
-          </a:prstGeom>
-          <a:noFill/>
-        </p:spPr>
-        <p:txBody>
-          <a:bodyPr wrap="square" lIns="87881" tIns="43940" rIns="87881" bIns="43940" rtlCol="0">
-            <a:spAutoFit/>
-          </a:bodyPr>
-          <a:lstStyle/>
-          <a:p>
-            <a:pPr algn="ctr" defTabSz="659174"/>
-            <a:r>
-              <a:rPr lang="en-US" sz="1200" b="1" dirty="0">
-                <a:solidFill>
-                  <a:schemeClr val="bg2">
-                    <a:lumMod val="75000"/>
-                    <a:lumOff val="25000"/>
-                  </a:schemeClr>
-                </a:solidFill>
-                <a:latin typeface="Effra"/>
-              </a:rPr>
-              <a:t>REST</a:t>
-            </a:r>
-          </a:p>
-          <a:p>
-            <a:pPr algn="ctr" defTabSz="659174"/>
-            <a:r>
-              <a:rPr lang="en-US" sz="1200" b="1" dirty="0">
-                <a:solidFill>
-                  <a:schemeClr val="bg2">
-                    <a:lumMod val="75000"/>
-                    <a:lumOff val="25000"/>
-                  </a:schemeClr>
-                </a:solidFill>
-                <a:latin typeface="Effra"/>
-              </a:rPr>
-              <a:t>OData</a:t>
-            </a:r>
-          </a:p>
-          <a:p>
-            <a:pPr algn="ctr" defTabSz="659174"/>
-            <a:endParaRPr lang="en-US" sz="1200" b="1" dirty="0">
-              <a:solidFill>
-                <a:schemeClr val="bg2">
-                  <a:lumMod val="75000"/>
-                  <a:lumOff val="25000"/>
-                </a:schemeClr>
-              </a:solidFill>
-              <a:latin typeface="Effra"/>
-            </a:endParaRPr>
-          </a:p>
-          <a:p>
-            <a:pPr algn="ctr" defTabSz="659174"/>
-            <a:r>
-              <a:rPr lang="en-US" sz="1200" b="1" dirty="0" smtClean="0">
-                <a:solidFill>
-                  <a:schemeClr val="bg2">
-                    <a:lumMod val="75000"/>
-                    <a:lumOff val="25000"/>
-                  </a:schemeClr>
-                </a:solidFill>
-                <a:latin typeface="Effra"/>
-              </a:rPr>
-              <a:t>(</a:t>
-            </a:r>
-            <a:r>
-              <a:rPr lang="en-US" sz="1200" b="1" dirty="0">
-                <a:solidFill>
-                  <a:schemeClr val="bg2">
-                    <a:lumMod val="75000"/>
-                    <a:lumOff val="25000"/>
-                  </a:schemeClr>
-                </a:solidFill>
-                <a:latin typeface="Effra"/>
-              </a:rPr>
-              <a:t>2013)</a:t>
-            </a:r>
-          </a:p>
-        </p:txBody>
-      </p:sp>
-      <p:sp>
-        <p:nvSpPr>
-          <p:cNvPr id="16" name="TextBox 15"/>
-          <p:cNvSpPr txBox="1"/>
-          <p:nvPr/>
-        </p:nvSpPr>
-        <p:spPr>
-          <a:xfrm>
-            <a:off x="6191345" y="3010082"/>
-            <a:ext cx="990202" cy="296487"/>
-          </a:xfrm>
-          <a:prstGeom prst="rect">
-            <a:avLst/>
-          </a:prstGeom>
-          <a:noFill/>
-        </p:spPr>
-        <p:txBody>
-          <a:bodyPr wrap="square" lIns="87881" tIns="43940" rIns="87881" bIns="43940" rtlCol="0">
-            <a:spAutoFit/>
-          </a:bodyPr>
-          <a:lstStyle/>
-          <a:p>
-            <a:pPr algn="ctr" defTabSz="659174"/>
-            <a:r>
-              <a:rPr lang="en-US" sz="1350" dirty="0">
-                <a:solidFill>
-                  <a:schemeClr val="bg2">
-                    <a:lumMod val="75000"/>
-                    <a:lumOff val="25000"/>
-                  </a:schemeClr>
-                </a:solidFill>
-                <a:effectLst>
-                  <a:outerShdw blurRad="50800" dist="38100" dir="2700000" algn="tl" rotWithShape="0">
-                    <a:prstClr val="black">
-                      <a:alpha val="40000"/>
-                    </a:prstClr>
-                  </a:outerShdw>
-                </a:effectLst>
-                <a:latin typeface="Effra"/>
-              </a:rPr>
-              <a:t>CSOM</a:t>
-            </a:r>
-          </a:p>
-        </p:txBody>
-      </p:sp>
-      <p:sp>
-        <p:nvSpPr>
-          <p:cNvPr id="11" name="TextBox 10"/>
-          <p:cNvSpPr txBox="1"/>
-          <p:nvPr/>
-        </p:nvSpPr>
-        <p:spPr>
-          <a:xfrm>
-            <a:off x="6191346" y="6512604"/>
-            <a:ext cx="4570923" cy="307777"/>
-          </a:xfrm>
-          <a:prstGeom prst="rect">
-            <a:avLst/>
-          </a:prstGeom>
-          <a:noFill/>
-        </p:spPr>
-        <p:txBody>
-          <a:bodyPr wrap="square" rtlCol="0">
-            <a:spAutoFit/>
-          </a:bodyPr>
-          <a:lstStyle/>
-          <a:p>
-            <a:r>
-              <a:rPr lang="en-US" sz="1400" dirty="0">
-                <a:latin typeface="Effra"/>
-              </a:rPr>
-              <a:t>Note: ASMX web services have been deprecated</a:t>
-            </a:r>
-          </a:p>
-        </p:txBody>
-      </p:sp>
-      <p:sp>
-        <p:nvSpPr>
-          <p:cNvPr id="19" name="Rectangle 18"/>
-          <p:cNvSpPr/>
-          <p:nvPr/>
-        </p:nvSpPr>
-        <p:spPr>
-          <a:xfrm>
-            <a:off x="3506244" y="4508879"/>
-            <a:ext cx="2581506" cy="628561"/>
-          </a:xfrm>
-          <a:prstGeom prst="rect">
-            <a:avLst/>
-          </a:prstGeom>
-          <a:solidFill>
-            <a:schemeClr val="tx1">
-              <a:lumMod val="65000"/>
-            </a:schemeClr>
-          </a:solidFill>
-          <a:ln>
-            <a:solidFill>
-              <a:schemeClr val="tx1">
-                <a:lumMod val="50000"/>
-              </a:schemeClr>
-            </a:solidFill>
-          </a:ln>
-        </p:spPr>
-        <p:style>
-          <a:lnRef idx="2">
-            <a:schemeClr val="accent3">
-              <a:shade val="50000"/>
-            </a:schemeClr>
-          </a:lnRef>
-          <a:fillRef idx="1">
-            <a:schemeClr val="accent3"/>
-          </a:fillRef>
-          <a:effectRef idx="0">
-            <a:schemeClr val="accent3"/>
-          </a:effectRef>
-          <a:fontRef idx="minor">
-            <a:schemeClr val="lt1"/>
-          </a:fontRef>
-        </p:style>
-        <p:txBody>
-          <a:bodyPr lIns="87881" tIns="43940" rIns="87881" bIns="43940" rtlCol="0" anchor="ctr"/>
-          <a:lstStyle/>
-          <a:p>
-            <a:pPr algn="ctr" defTabSz="659174"/>
-            <a:r>
-              <a:rPr lang="en-US" sz="1350" dirty="0">
-                <a:solidFill>
-                  <a:schemeClr val="bg2">
-                    <a:lumMod val="75000"/>
-                    <a:lumOff val="25000"/>
-                  </a:schemeClr>
-                </a:solidFill>
-                <a:latin typeface="Effra"/>
-                <a:ea typeface="Segoe UI" pitchFamily="34" charset="0"/>
-                <a:cs typeface="Segoe UI" pitchFamily="34" charset="0"/>
-              </a:rPr>
-              <a:t>OAuth</a:t>
-            </a:r>
-          </a:p>
-        </p:txBody>
-      </p:sp>
-      <p:sp>
-        <p:nvSpPr>
-          <p:cNvPr id="20" name="Rectangle 19"/>
-          <p:cNvSpPr/>
-          <p:nvPr/>
-        </p:nvSpPr>
-        <p:spPr>
-          <a:xfrm>
-            <a:off x="6087751" y="4506430"/>
-            <a:ext cx="2532920" cy="628561"/>
-          </a:xfrm>
-          <a:prstGeom prst="rect">
-            <a:avLst/>
-          </a:prstGeom>
-          <a:solidFill>
-            <a:schemeClr val="tx1">
-              <a:lumMod val="65000"/>
-            </a:schemeClr>
-          </a:solidFill>
-          <a:ln>
-            <a:solidFill>
-              <a:schemeClr val="tx1">
-                <a:lumMod val="50000"/>
-              </a:schemeClr>
-            </a:solidFill>
-          </a:ln>
-        </p:spPr>
-        <p:style>
-          <a:lnRef idx="2">
-            <a:schemeClr val="accent3">
-              <a:shade val="50000"/>
-            </a:schemeClr>
-          </a:lnRef>
-          <a:fillRef idx="1">
-            <a:schemeClr val="accent3"/>
-          </a:fillRef>
-          <a:effectRef idx="0">
-            <a:schemeClr val="accent3"/>
-          </a:effectRef>
-          <a:fontRef idx="minor">
-            <a:schemeClr val="lt1"/>
-          </a:fontRef>
-        </p:style>
-        <p:txBody>
-          <a:bodyPr lIns="87881" tIns="43940" rIns="87881" bIns="43940" rtlCol="0" anchor="ctr"/>
-          <a:lstStyle/>
-          <a:p>
-            <a:pPr algn="ctr" defTabSz="659174"/>
-            <a:r>
-              <a:rPr lang="en-US" sz="1350" dirty="0">
-                <a:solidFill>
-                  <a:schemeClr val="bg2">
-                    <a:lumMod val="75000"/>
-                    <a:lumOff val="25000"/>
-                  </a:schemeClr>
-                </a:solidFill>
-                <a:latin typeface="Effra"/>
-                <a:ea typeface="Segoe UI" pitchFamily="34" charset="0"/>
-                <a:cs typeface="Segoe UI" pitchFamily="34" charset="0"/>
-              </a:rPr>
-              <a:t>Cross-domain Library</a:t>
-            </a:r>
-          </a:p>
-        </p:txBody>
-      </p:sp>
-      <p:sp>
-        <p:nvSpPr>
-          <p:cNvPr id="21" name="Up Arrow 20"/>
-          <p:cNvSpPr/>
-          <p:nvPr/>
-        </p:nvSpPr>
-        <p:spPr>
-          <a:xfrm>
-            <a:off x="5744308" y="5149904"/>
-            <a:ext cx="679938" cy="293077"/>
-          </a:xfrm>
-          <a:prstGeom prst="upArrow">
-            <a:avLst/>
-          </a:prstGeom>
-          <a:solidFill>
-            <a:schemeClr val="tx2"/>
-          </a:solidFill>
-          <a:ln>
-            <a:solidFill>
-              <a:schemeClr val="bg1">
-                <a:lumMod val="75000"/>
-              </a:schemeClr>
-            </a:solidFill>
-          </a:ln>
-          <a:effectLst/>
-        </p:spPr>
-        <p:style>
-          <a:lnRef idx="1">
-            <a:schemeClr val="accent1"/>
-          </a:lnRef>
-          <a:fillRef idx="3">
-            <a:schemeClr val="accent1"/>
-          </a:fillRef>
-          <a:effectRef idx="2">
-            <a:schemeClr val="accent1"/>
-          </a:effectRef>
-          <a:fontRef idx="minor">
-            <a:schemeClr val="lt1"/>
-          </a:fontRef>
-        </p:style>
-        <p:txBody>
-          <a:bodyPr rtlCol="0" anchor="ctr"/>
-          <a:lstStyle/>
-          <a:p>
-            <a:pPr algn="ctr"/>
-            <a:endParaRPr lang="en-US"/>
-          </a:p>
-        </p:txBody>
-      </p:sp>
-      <p:sp>
-        <p:nvSpPr>
-          <p:cNvPr id="22" name="Up Arrow 21"/>
-          <p:cNvSpPr/>
-          <p:nvPr/>
-        </p:nvSpPr>
-        <p:spPr>
-          <a:xfrm>
-            <a:off x="5717946" y="4184619"/>
-            <a:ext cx="679938" cy="293077"/>
-          </a:xfrm>
-          <a:prstGeom prst="upArrow">
-            <a:avLst/>
-          </a:prstGeom>
-          <a:solidFill>
-            <a:schemeClr val="tx2"/>
-          </a:solidFill>
-          <a:ln>
-            <a:solidFill>
-              <a:schemeClr val="bg1">
-                <a:lumMod val="75000"/>
-              </a:schemeClr>
-            </a:solidFill>
-          </a:ln>
-          <a:effectLst/>
-        </p:spPr>
-        <p:style>
-          <a:lnRef idx="1">
-            <a:schemeClr val="accent1"/>
-          </a:lnRef>
-          <a:fillRef idx="3">
-            <a:schemeClr val="accent1"/>
-          </a:fillRef>
-          <a:effectRef idx="2">
-            <a:schemeClr val="accent1"/>
-          </a:effectRef>
-          <a:fontRef idx="minor">
-            <a:schemeClr val="lt1"/>
-          </a:fontRef>
-        </p:style>
-        <p:txBody>
-          <a:bodyPr rtlCol="0" anchor="ctr"/>
-          <a:lstStyle/>
-          <a:p>
-            <a:pPr algn="ctr"/>
-            <a:endParaRPr lang="en-US"/>
-          </a:p>
-        </p:txBody>
-      </p:sp>
-      <p:sp>
-        <p:nvSpPr>
-          <p:cNvPr id="23" name="Left Brace 22"/>
-          <p:cNvSpPr/>
-          <p:nvPr/>
-        </p:nvSpPr>
-        <p:spPr>
-          <a:xfrm>
-            <a:off x="2950382" y="4473709"/>
-            <a:ext cx="378973" cy="676194"/>
-          </a:xfrm>
-          <a:prstGeom prst="leftBrace">
-            <a:avLst/>
-          </a:prstGeom>
-          <a:ln>
-            <a:solidFill>
-              <a:schemeClr val="tx1">
-                <a:lumMod val="50000"/>
-              </a:schemeClr>
-            </a:solidFill>
-          </a:ln>
-        </p:spPr>
-        <p:style>
-          <a:lnRef idx="2">
-            <a:schemeClr val="accent1"/>
-          </a:lnRef>
-          <a:fillRef idx="0">
-            <a:schemeClr val="accent1"/>
-          </a:fillRef>
-          <a:effectRef idx="1">
-            <a:schemeClr val="accent1"/>
-          </a:effectRef>
-          <a:fontRef idx="minor">
-            <a:schemeClr val="tx1"/>
-          </a:fontRef>
-        </p:style>
-        <p:txBody>
-          <a:bodyPr rtlCol="0" anchor="ctr"/>
-          <a:lstStyle/>
-          <a:p>
-            <a:pPr algn="ctr"/>
-            <a:endParaRPr lang="en-US"/>
-          </a:p>
-        </p:txBody>
-      </p:sp>
-      <p:sp>
-        <p:nvSpPr>
-          <p:cNvPr id="24" name="TextBox 23"/>
-          <p:cNvSpPr txBox="1"/>
-          <p:nvPr/>
-        </p:nvSpPr>
-        <p:spPr>
-          <a:xfrm>
-            <a:off x="1594338" y="4670487"/>
-            <a:ext cx="1337936" cy="276999"/>
-          </a:xfrm>
-          <a:prstGeom prst="rect">
-            <a:avLst/>
-          </a:prstGeom>
-          <a:noFill/>
-        </p:spPr>
-        <p:txBody>
-          <a:bodyPr wrap="square" rtlCol="0">
-            <a:spAutoFit/>
-          </a:bodyPr>
-          <a:lstStyle/>
-          <a:p>
-            <a:pPr algn="r"/>
-            <a:r>
-              <a:rPr lang="en-US" sz="1200" b="1" dirty="0">
-                <a:latin typeface="Effra"/>
-              </a:rPr>
-              <a:t>Authentication</a:t>
-            </a:r>
-          </a:p>
-        </p:txBody>
-      </p:sp>
-      <p:sp>
-        <p:nvSpPr>
-          <p:cNvPr id="25" name="Left Brace 24"/>
-          <p:cNvSpPr/>
-          <p:nvPr/>
-        </p:nvSpPr>
-        <p:spPr>
-          <a:xfrm>
-            <a:off x="2947808" y="3167255"/>
-            <a:ext cx="378973" cy="1007657"/>
-          </a:xfrm>
-          <a:prstGeom prst="leftBrace">
-            <a:avLst/>
-          </a:prstGeom>
-          <a:ln>
-            <a:solidFill>
-              <a:schemeClr val="tx1">
-                <a:lumMod val="50000"/>
-              </a:schemeClr>
-            </a:solidFill>
-          </a:ln>
-        </p:spPr>
-        <p:style>
-          <a:lnRef idx="2">
-            <a:schemeClr val="accent1"/>
-          </a:lnRef>
-          <a:fillRef idx="0">
-            <a:schemeClr val="accent1"/>
-          </a:fillRef>
-          <a:effectRef idx="1">
-            <a:schemeClr val="accent1"/>
-          </a:effectRef>
-          <a:fontRef idx="minor">
-            <a:schemeClr val="tx1"/>
-          </a:fontRef>
-        </p:style>
-        <p:txBody>
-          <a:bodyPr rtlCol="0" anchor="ctr"/>
-          <a:lstStyle/>
-          <a:p>
-            <a:pPr algn="ctr"/>
-            <a:endParaRPr lang="en-US"/>
-          </a:p>
-        </p:txBody>
-      </p:sp>
-      <p:sp>
-        <p:nvSpPr>
-          <p:cNvPr id="26" name="TextBox 25"/>
-          <p:cNvSpPr txBox="1"/>
-          <p:nvPr/>
-        </p:nvSpPr>
-        <p:spPr>
-          <a:xfrm>
-            <a:off x="1576248" y="3520046"/>
-            <a:ext cx="1337936" cy="276999"/>
-          </a:xfrm>
-          <a:prstGeom prst="rect">
-            <a:avLst/>
-          </a:prstGeom>
-          <a:noFill/>
-        </p:spPr>
-        <p:txBody>
-          <a:bodyPr wrap="square" rtlCol="0">
-            <a:spAutoFit/>
-          </a:bodyPr>
-          <a:lstStyle/>
-          <a:p>
-            <a:pPr algn="r"/>
-            <a:r>
-              <a:rPr lang="en-US" sz="1200" b="1" dirty="0">
-                <a:latin typeface="Effra"/>
-              </a:rPr>
-              <a:t>Data Access</a:t>
-            </a:r>
-          </a:p>
-        </p:txBody>
-      </p:sp>
-      <p:sp>
-        <p:nvSpPr>
-          <p:cNvPr id="13" name="Title 12"/>
-          <p:cNvSpPr>
-            <a:spLocks noGrp="1"/>
-          </p:cNvSpPr>
-          <p:nvPr>
-            <p:ph type="title"/>
-          </p:nvPr>
-        </p:nvSpPr>
-        <p:spPr/>
-        <p:txBody>
-          <a:bodyPr>
-            <a:normAutofit/>
-          </a:bodyPr>
-          <a:lstStyle/>
-          <a:p>
-            <a:r>
-              <a:rPr lang="en-US" sz="3400" dirty="0"/>
-              <a:t>SharePoint 2013 Remote API</a:t>
-            </a:r>
-          </a:p>
-        </p:txBody>
-      </p:sp>
-    </p:spTree>
-    <p:extLst>
-      <p:ext uri="{BB962C8B-B14F-4D97-AF65-F5344CB8AC3E}">
-        <p14:creationId xmlns:p14="http://schemas.microsoft.com/office/powerpoint/2010/main" val="3845828054"/>
-      </p:ext>
-    </p:extLst>
-  </p:cSld>
-  <p:clrMapOvr>
-    <a:masterClrMapping/>
-  </p:clrMapOvr>
-  <mc:AlternateContent xmlns:mc="http://schemas.openxmlformats.org/markup-compatibility/2006" xmlns:p14="http://schemas.microsoft.com/office/powerpoint/2010/main">
-    <mc:Choice Requires="p14">
-      <p:transition spd="med" p14:dur="700">
-        <p:fade/>
-      </p:transition>
-    </mc:Choice>
-    <mc:Fallback xmlns="">
-      <p:transition spd="med">
-        <p:fade/>
-      </p:transition>
-    </mc:Fallback>
-  </mc:AlternateContent>
-  <p:timing>
-    <p:tnLst>
-      <p:par>
-        <p:cTn id="1" dur="indefinite" restart="never" nodeType="tmRoot"/>
-      </p:par>
-    </p:tnLst>
-  </p:timing>
-</p:sld>
-</file>
-
-<file path=ppt/slides/slide26.xml><?xml version="1.0" encoding="utf-8"?>
+<file path=ppt/slides/slide24.xml><?xml version="1.0" encoding="utf-8"?>
 <p:sld xmlns:a="http://schemas.openxmlformats.org/drawingml/2006/main" xmlns:r="http://schemas.openxmlformats.org/officeDocument/2006/relationships" xmlns:p="http://schemas.openxmlformats.org/presentationml/2006/main">
   <p:cSld>
     <p:spTree>
@@ -32554,8 +29670,13 @@
             <a:pPr lvl="1"/>
             <a:r>
               <a:rPr lang="en-US" sz="1400" dirty="0" smtClean="0"/>
-              <a:t>Use Postman or Fiddler to execute, test, and review queries</a:t>
+              <a:t>Use Postman or Fiddler to </a:t>
             </a:r>
+            <a:r>
+              <a:rPr lang="en-US" sz="1400" dirty="0" smtClean="0"/>
+              <a:t>execute and test queries</a:t>
+            </a:r>
+            <a:endParaRPr lang="en-US" sz="1400" dirty="0" smtClean="0"/>
           </a:p>
           <a:p>
             <a:pPr lvl="1"/>
@@ -32568,7 +29689,23 @@
             <a:pPr lvl="1"/>
             <a:r>
               <a:rPr lang="en-US" sz="1400" dirty="0" smtClean="0"/>
-              <a:t>Only retrieve what you need. Use $select and $filter.</a:t>
+              <a:t>Only retrieve what you </a:t>
+            </a:r>
+            <a:r>
+              <a:rPr lang="en-US" sz="1400" dirty="0" smtClean="0"/>
+              <a:t>need by usin</a:t>
+            </a:r>
+            <a:r>
+              <a:rPr lang="en-US" sz="1400" dirty="0"/>
+              <a:t>g</a:t>
+            </a:r>
+            <a:r>
+              <a:rPr lang="en-US" sz="1400" dirty="0" smtClean="0"/>
+              <a:t> $select </a:t>
+            </a:r>
+            <a:r>
+              <a:rPr lang="en-US" sz="1400" dirty="0" smtClean="0"/>
+              <a:t>and $filter.</a:t>
             </a:r>
           </a:p>
           <a:p>
@@ -32583,7 +29720,7 @@
       </p:sp>
       <p:pic>
         <p:nvPicPr>
-          <p:cNvPr id="6" name="Picture 5"/>
+          <p:cNvPr id="4" name="Picture 3"/>
           <p:cNvPicPr>
             <a:picLocks noChangeAspect="1"/>
           </p:cNvPicPr>
@@ -32598,7 +29735,7 @@
         <p:spPr>
           <a:xfrm>
             <a:off x="1143000" y="2209800"/>
-            <a:ext cx="7648575" cy="2690030"/>
+            <a:ext cx="4876800" cy="2548878"/>
           </a:xfrm>
           <a:prstGeom prst="rect">
             <a:avLst/>
@@ -32637,7 +29774,7 @@
 </p:sld>
 </file>
 
-<file path=ppt/slides/slide27.xml><?xml version="1.0" encoding="utf-8"?>
+<file path=ppt/slides/slide25.xml><?xml version="1.0" encoding="utf-8"?>
 <p:sld xmlns:a="http://schemas.openxmlformats.org/drawingml/2006/main" xmlns:r="http://schemas.openxmlformats.org/officeDocument/2006/relationships" xmlns:p="http://schemas.openxmlformats.org/presentationml/2006/main">
   <p:cSld>
     <p:spTree>
@@ -32728,7 +29865,7 @@
 </p:sld>
 </file>
 
-<file path=ppt/slides/slide28.xml><?xml version="1.0" encoding="utf-8"?>
+<file path=ppt/slides/slide26.xml><?xml version="1.0" encoding="utf-8"?>
 <p:sld xmlns:a="http://schemas.openxmlformats.org/drawingml/2006/main" xmlns:r="http://schemas.openxmlformats.org/officeDocument/2006/relationships" xmlns:p="http://schemas.openxmlformats.org/presentationml/2006/main">
   <p:cSld>
     <p:spTree>
@@ -32819,7 +29956,7 @@
 </p:sld>
 </file>
 
-<file path=ppt/slides/slide29.xml><?xml version="1.0" encoding="utf-8"?>
+<file path=ppt/slides/slide27.xml><?xml version="1.0" encoding="utf-8"?>
 <p:sld xmlns:a="http://schemas.openxmlformats.org/drawingml/2006/main" xmlns:r="http://schemas.openxmlformats.org/officeDocument/2006/relationships" xmlns:p="http://schemas.openxmlformats.org/presentationml/2006/main">
   <p:cSld>
     <p:spTree>
@@ -32888,6 +30025,232 @@
     <p:extLst>
       <p:ext uri="{BB962C8B-B14F-4D97-AF65-F5344CB8AC3E}">
         <p14:creationId xmlns:p14="http://schemas.microsoft.com/office/powerpoint/2010/main" val="3713504668"/>
+      </p:ext>
+    </p:extLst>
+  </p:cSld>
+  <p:clrMapOvr>
+    <a:masterClrMapping/>
+  </p:clrMapOvr>
+  <mc:AlternateContent xmlns:mc="http://schemas.openxmlformats.org/markup-compatibility/2006" xmlns:p14="http://schemas.microsoft.com/office/powerpoint/2010/main">
+    <mc:Choice Requires="p14">
+      <p:transition spd="med" p14:dur="700">
+        <p:fade/>
+      </p:transition>
+    </mc:Choice>
+    <mc:Fallback xmlns="">
+      <p:transition spd="med">
+        <p:fade/>
+      </p:transition>
+    </mc:Fallback>
+  </mc:AlternateContent>
+  <p:timing>
+    <p:tnLst>
+      <p:par>
+        <p:cTn id="1" dur="indefinite" restart="never" nodeType="tmRoot"/>
+      </p:par>
+    </p:tnLst>
+  </p:timing>
+</p:sld>
+</file>
+
+<file path=ppt/slides/slide28.xml><?xml version="1.0" encoding="utf-8"?>
+<p:sld xmlns:a="http://schemas.openxmlformats.org/drawingml/2006/main" xmlns:r="http://schemas.openxmlformats.org/officeDocument/2006/relationships" xmlns:p="http://schemas.openxmlformats.org/presentationml/2006/main">
+  <p:cSld>
+    <p:spTree>
+      <p:nvGrpSpPr>
+        <p:cNvPr id="1" name=""/>
+        <p:cNvGrpSpPr/>
+        <p:nvPr/>
+      </p:nvGrpSpPr>
+      <p:grpSpPr>
+        <a:xfrm>
+          <a:off x="0" y="0"/>
+          <a:ext cx="0" cy="0"/>
+          <a:chOff x="0" y="0"/>
+          <a:chExt cx="0" cy="0"/>
+        </a:xfrm>
+      </p:grpSpPr>
+      <p:sp>
+        <p:nvSpPr>
+          <p:cNvPr id="2" name="Title 1"/>
+          <p:cNvSpPr>
+            <a:spLocks noGrp="1"/>
+          </p:cNvSpPr>
+          <p:nvPr>
+            <p:ph type="title"/>
+          </p:nvPr>
+        </p:nvSpPr>
+        <p:spPr/>
+        <p:txBody>
+          <a:bodyPr/>
+          <a:lstStyle/>
+          <a:p>
+            <a:r>
+              <a:rPr lang="en-US" dirty="0" smtClean="0"/>
+              <a:t>Tools</a:t>
+            </a:r>
+            <a:endParaRPr lang="en-US" dirty="0"/>
+          </a:p>
+        </p:txBody>
+      </p:sp>
+      <p:sp>
+        <p:nvSpPr>
+          <p:cNvPr id="3" name="Text Placeholder 2"/>
+          <p:cNvSpPr>
+            <a:spLocks noGrp="1"/>
+          </p:cNvSpPr>
+          <p:nvPr>
+            <p:ph type="body" idx="1"/>
+          </p:nvPr>
+        </p:nvSpPr>
+        <p:spPr/>
+        <p:txBody>
+          <a:bodyPr/>
+          <a:lstStyle/>
+          <a:p>
+            <a:endParaRPr lang="en-US"/>
+          </a:p>
+        </p:txBody>
+      </p:sp>
+    </p:spTree>
+    <p:extLst>
+      <p:ext uri="{BB962C8B-B14F-4D97-AF65-F5344CB8AC3E}">
+        <p14:creationId xmlns:p14="http://schemas.microsoft.com/office/powerpoint/2010/main" val="1893041578"/>
+      </p:ext>
+    </p:extLst>
+  </p:cSld>
+  <p:clrMapOvr>
+    <a:masterClrMapping/>
+  </p:clrMapOvr>
+  <mc:AlternateContent xmlns:mc="http://schemas.openxmlformats.org/markup-compatibility/2006" xmlns:p14="http://schemas.microsoft.com/office/powerpoint/2010/main">
+    <mc:Choice Requires="p14">
+      <p:transition spd="med" p14:dur="700">
+        <p:fade/>
+      </p:transition>
+    </mc:Choice>
+    <mc:Fallback xmlns="">
+      <p:transition spd="med">
+        <p:fade/>
+      </p:transition>
+    </mc:Fallback>
+  </mc:AlternateContent>
+  <p:timing>
+    <p:tnLst>
+      <p:par>
+        <p:cTn id="1" dur="indefinite" restart="never" nodeType="tmRoot"/>
+      </p:par>
+    </p:tnLst>
+  </p:timing>
+</p:sld>
+</file>
+
+<file path=ppt/slides/slide29.xml><?xml version="1.0" encoding="utf-8"?>
+<p:sld xmlns:a="http://schemas.openxmlformats.org/drawingml/2006/main" xmlns:r="http://schemas.openxmlformats.org/officeDocument/2006/relationships" xmlns:p="http://schemas.openxmlformats.org/presentationml/2006/main">
+  <p:cSld>
+    <p:spTree>
+      <p:nvGrpSpPr>
+        <p:cNvPr id="1" name=""/>
+        <p:cNvGrpSpPr/>
+        <p:nvPr/>
+      </p:nvGrpSpPr>
+      <p:grpSpPr>
+        <a:xfrm>
+          <a:off x="0" y="0"/>
+          <a:ext cx="0" cy="0"/>
+          <a:chOff x="0" y="0"/>
+          <a:chExt cx="0" cy="0"/>
+        </a:xfrm>
+      </p:grpSpPr>
+      <p:sp>
+        <p:nvSpPr>
+          <p:cNvPr id="2" name="Title 1"/>
+          <p:cNvSpPr>
+            <a:spLocks noGrp="1"/>
+          </p:cNvSpPr>
+          <p:nvPr>
+            <p:ph type="title"/>
+          </p:nvPr>
+        </p:nvSpPr>
+        <p:spPr/>
+        <p:txBody>
+          <a:bodyPr/>
+          <a:lstStyle/>
+          <a:p>
+            <a:r>
+              <a:rPr lang="en-US" dirty="0" smtClean="0"/>
+              <a:t>Tools</a:t>
+            </a:r>
+            <a:endParaRPr lang="en-US" dirty="0"/>
+          </a:p>
+        </p:txBody>
+      </p:sp>
+      <p:sp>
+        <p:nvSpPr>
+          <p:cNvPr id="3" name="Content Placeholder 2"/>
+          <p:cNvSpPr>
+            <a:spLocks noGrp="1"/>
+          </p:cNvSpPr>
+          <p:nvPr>
+            <p:ph idx="1"/>
+          </p:nvPr>
+        </p:nvSpPr>
+        <p:spPr/>
+        <p:txBody>
+          <a:bodyPr/>
+          <a:lstStyle/>
+          <a:p>
+            <a:r>
+              <a:rPr lang="en-US" dirty="0" smtClean="0"/>
+              <a:t>IDE: Visual Studio, WebStorm, Brackets, Atom, Sublime Text</a:t>
+            </a:r>
+          </a:p>
+          <a:p>
+            <a:r>
+              <a:rPr lang="en-US" dirty="0"/>
+              <a:t>Third-party JavaScript frameworks: jQuery, Bootstrap, Moment, DataTables, ng-tasty, Font Awesome, SPServices, lodash</a:t>
+            </a:r>
+          </a:p>
+          <a:p>
+            <a:r>
+              <a:rPr lang="en-US" dirty="0" smtClean="0"/>
+              <a:t>Browser Plug-ins: Firebug, Batarang, Postman</a:t>
+            </a:r>
+          </a:p>
+          <a:p>
+            <a:r>
+              <a:rPr lang="en-US" dirty="0" smtClean="0"/>
+              <a:t>Task Runners: Gulp, Grunt</a:t>
+            </a:r>
+          </a:p>
+          <a:p>
+            <a:r>
+              <a:rPr lang="en-US" dirty="0" smtClean="0"/>
+              <a:t>Package Managers: npm, Bower</a:t>
+            </a:r>
+          </a:p>
+          <a:p>
+            <a:r>
+              <a:rPr lang="en-US" dirty="0" smtClean="0"/>
+              <a:t>Source control: Git, Visual Studio Online</a:t>
+            </a:r>
+          </a:p>
+          <a:p>
+            <a:r>
+              <a:rPr lang="en-US" dirty="0" smtClean="0"/>
+              <a:t>Other tools: Node.js, Fiddler, Karma, Jasmine, </a:t>
+            </a:r>
+            <a:r>
+              <a:rPr lang="en-US" dirty="0" err="1" smtClean="0"/>
+              <a:t>PhantomJS</a:t>
+            </a:r>
+            <a:endParaRPr lang="en-US" dirty="0"/>
+          </a:p>
+        </p:txBody>
+      </p:sp>
+    </p:spTree>
+    <p:extLst>
+      <p:ext uri="{BB962C8B-B14F-4D97-AF65-F5344CB8AC3E}">
+        <p14:creationId xmlns:p14="http://schemas.microsoft.com/office/powerpoint/2010/main" val="3635730836"/>
       </p:ext>
     </p:extLst>
   </p:cSld>
@@ -33702,232 +31065,6 @@
           <a:p>
             <a:r>
               <a:rPr lang="en-US" dirty="0" smtClean="0"/>
-              <a:t>Tools</a:t>
-            </a:r>
-            <a:endParaRPr lang="en-US" dirty="0"/>
-          </a:p>
-        </p:txBody>
-      </p:sp>
-      <p:sp>
-        <p:nvSpPr>
-          <p:cNvPr id="3" name="Text Placeholder 2"/>
-          <p:cNvSpPr>
-            <a:spLocks noGrp="1"/>
-          </p:cNvSpPr>
-          <p:nvPr>
-            <p:ph type="body" idx="1"/>
-          </p:nvPr>
-        </p:nvSpPr>
-        <p:spPr/>
-        <p:txBody>
-          <a:bodyPr/>
-          <a:lstStyle/>
-          <a:p>
-            <a:endParaRPr lang="en-US"/>
-          </a:p>
-        </p:txBody>
-      </p:sp>
-    </p:spTree>
-    <p:extLst>
-      <p:ext uri="{BB962C8B-B14F-4D97-AF65-F5344CB8AC3E}">
-        <p14:creationId xmlns:p14="http://schemas.microsoft.com/office/powerpoint/2010/main" val="1893041578"/>
-      </p:ext>
-    </p:extLst>
-  </p:cSld>
-  <p:clrMapOvr>
-    <a:masterClrMapping/>
-  </p:clrMapOvr>
-  <mc:AlternateContent xmlns:mc="http://schemas.openxmlformats.org/markup-compatibility/2006" xmlns:p14="http://schemas.microsoft.com/office/powerpoint/2010/main">
-    <mc:Choice Requires="p14">
-      <p:transition spd="med" p14:dur="700">
-        <p:fade/>
-      </p:transition>
-    </mc:Choice>
-    <mc:Fallback xmlns="">
-      <p:transition spd="med">
-        <p:fade/>
-      </p:transition>
-    </mc:Fallback>
-  </mc:AlternateContent>
-  <p:timing>
-    <p:tnLst>
-      <p:par>
-        <p:cTn id="1" dur="indefinite" restart="never" nodeType="tmRoot"/>
-      </p:par>
-    </p:tnLst>
-  </p:timing>
-</p:sld>
-</file>
-
-<file path=ppt/slides/slide31.xml><?xml version="1.0" encoding="utf-8"?>
-<p:sld xmlns:a="http://schemas.openxmlformats.org/drawingml/2006/main" xmlns:r="http://schemas.openxmlformats.org/officeDocument/2006/relationships" xmlns:p="http://schemas.openxmlformats.org/presentationml/2006/main">
-  <p:cSld>
-    <p:spTree>
-      <p:nvGrpSpPr>
-        <p:cNvPr id="1" name=""/>
-        <p:cNvGrpSpPr/>
-        <p:nvPr/>
-      </p:nvGrpSpPr>
-      <p:grpSpPr>
-        <a:xfrm>
-          <a:off x="0" y="0"/>
-          <a:ext cx="0" cy="0"/>
-          <a:chOff x="0" y="0"/>
-          <a:chExt cx="0" cy="0"/>
-        </a:xfrm>
-      </p:grpSpPr>
-      <p:sp>
-        <p:nvSpPr>
-          <p:cNvPr id="2" name="Title 1"/>
-          <p:cNvSpPr>
-            <a:spLocks noGrp="1"/>
-          </p:cNvSpPr>
-          <p:nvPr>
-            <p:ph type="title"/>
-          </p:nvPr>
-        </p:nvSpPr>
-        <p:spPr/>
-        <p:txBody>
-          <a:bodyPr/>
-          <a:lstStyle/>
-          <a:p>
-            <a:r>
-              <a:rPr lang="en-US" dirty="0" smtClean="0"/>
-              <a:t>Tools</a:t>
-            </a:r>
-            <a:endParaRPr lang="en-US" dirty="0"/>
-          </a:p>
-        </p:txBody>
-      </p:sp>
-      <p:sp>
-        <p:nvSpPr>
-          <p:cNvPr id="3" name="Content Placeholder 2"/>
-          <p:cNvSpPr>
-            <a:spLocks noGrp="1"/>
-          </p:cNvSpPr>
-          <p:nvPr>
-            <p:ph idx="1"/>
-          </p:nvPr>
-        </p:nvSpPr>
-        <p:spPr/>
-        <p:txBody>
-          <a:bodyPr/>
-          <a:lstStyle/>
-          <a:p>
-            <a:r>
-              <a:rPr lang="en-US" dirty="0" smtClean="0"/>
-              <a:t>IDE: Visual Studio, WebStorm, Brackets, Atom, Sublime Text</a:t>
-            </a:r>
-          </a:p>
-          <a:p>
-            <a:r>
-              <a:rPr lang="en-US" dirty="0"/>
-              <a:t>Third-party JavaScript frameworks: jQuery, Bootstrap, Moment, DataTables, ng-tasty, Font Awesome, SPServices, lodash</a:t>
-            </a:r>
-          </a:p>
-          <a:p>
-            <a:r>
-              <a:rPr lang="en-US" dirty="0" smtClean="0"/>
-              <a:t>Browser Plug-ins: Firebug, Batarang, Postman</a:t>
-            </a:r>
-          </a:p>
-          <a:p>
-            <a:r>
-              <a:rPr lang="en-US" dirty="0" smtClean="0"/>
-              <a:t>Task Runners: Gulp, Grunt</a:t>
-            </a:r>
-          </a:p>
-          <a:p>
-            <a:r>
-              <a:rPr lang="en-US" dirty="0" smtClean="0"/>
-              <a:t>Package Managers: npm, Bower</a:t>
-            </a:r>
-          </a:p>
-          <a:p>
-            <a:r>
-              <a:rPr lang="en-US" dirty="0" smtClean="0"/>
-              <a:t>Source control: Git, Visual Studio Online</a:t>
-            </a:r>
-          </a:p>
-          <a:p>
-            <a:r>
-              <a:rPr lang="en-US" dirty="0" smtClean="0"/>
-              <a:t>Other tools: Node.js, Fiddler, Karma, Jasmine, </a:t>
-            </a:r>
-            <a:r>
-              <a:rPr lang="en-US" dirty="0" err="1" smtClean="0"/>
-              <a:t>PhantomJS</a:t>
-            </a:r>
-            <a:endParaRPr lang="en-US" dirty="0"/>
-          </a:p>
-        </p:txBody>
-      </p:sp>
-    </p:spTree>
-    <p:extLst>
-      <p:ext uri="{BB962C8B-B14F-4D97-AF65-F5344CB8AC3E}">
-        <p14:creationId xmlns:p14="http://schemas.microsoft.com/office/powerpoint/2010/main" val="3635730836"/>
-      </p:ext>
-    </p:extLst>
-  </p:cSld>
-  <p:clrMapOvr>
-    <a:masterClrMapping/>
-  </p:clrMapOvr>
-  <mc:AlternateContent xmlns:mc="http://schemas.openxmlformats.org/markup-compatibility/2006" xmlns:p14="http://schemas.microsoft.com/office/powerpoint/2010/main">
-    <mc:Choice Requires="p14">
-      <p:transition spd="med" p14:dur="700">
-        <p:fade/>
-      </p:transition>
-    </mc:Choice>
-    <mc:Fallback xmlns="">
-      <p:transition spd="med">
-        <p:fade/>
-      </p:transition>
-    </mc:Fallback>
-  </mc:AlternateContent>
-  <p:timing>
-    <p:tnLst>
-      <p:par>
-        <p:cTn id="1" dur="indefinite" restart="never" nodeType="tmRoot"/>
-      </p:par>
-    </p:tnLst>
-  </p:timing>
-</p:sld>
-</file>
-
-<file path=ppt/slides/slide32.xml><?xml version="1.0" encoding="utf-8"?>
-<p:sld xmlns:a="http://schemas.openxmlformats.org/drawingml/2006/main" xmlns:r="http://schemas.openxmlformats.org/officeDocument/2006/relationships" xmlns:p="http://schemas.openxmlformats.org/presentationml/2006/main">
-  <p:cSld>
-    <p:spTree>
-      <p:nvGrpSpPr>
-        <p:cNvPr id="1" name=""/>
-        <p:cNvGrpSpPr/>
-        <p:nvPr/>
-      </p:nvGrpSpPr>
-      <p:grpSpPr>
-        <a:xfrm>
-          <a:off x="0" y="0"/>
-          <a:ext cx="0" cy="0"/>
-          <a:chOff x="0" y="0"/>
-          <a:chExt cx="0" cy="0"/>
-        </a:xfrm>
-      </p:grpSpPr>
-      <p:sp>
-        <p:nvSpPr>
-          <p:cNvPr id="2" name="Title 1"/>
-          <p:cNvSpPr>
-            <a:spLocks noGrp="1"/>
-          </p:cNvSpPr>
-          <p:nvPr>
-            <p:ph type="title"/>
-          </p:nvPr>
-        </p:nvSpPr>
-        <p:spPr/>
-        <p:txBody>
-          <a:bodyPr/>
-          <a:lstStyle/>
-          <a:p>
-            <a:r>
-              <a:rPr lang="en-US" dirty="0" smtClean="0"/>
               <a:t>Best Practices &amp; Gotchas</a:t>
             </a:r>
             <a:endParaRPr lang="en-US" dirty="0"/>
@@ -33985,7 +31122,7 @@
 </p:sld>
 </file>
 
-<file path=ppt/slides/slide33.xml><?xml version="1.0" encoding="utf-8"?>
+<file path=ppt/slides/slide31.xml><?xml version="1.0" encoding="utf-8"?>
 <p:sld xmlns:a="http://schemas.openxmlformats.org/drawingml/2006/main" xmlns:r="http://schemas.openxmlformats.org/officeDocument/2006/relationships" xmlns:p="http://schemas.openxmlformats.org/presentationml/2006/main">
   <p:cSld>
     <p:spTree>
@@ -34161,7 +31298,7 @@
 </p:sld>
 </file>
 
-<file path=ppt/slides/slide34.xml><?xml version="1.0" encoding="utf-8"?>
+<file path=ppt/slides/slide32.xml><?xml version="1.0" encoding="utf-8"?>
 <p:sld xmlns:a="http://schemas.openxmlformats.org/drawingml/2006/main" xmlns:r="http://schemas.openxmlformats.org/officeDocument/2006/relationships" xmlns:p="http://schemas.openxmlformats.org/presentationml/2006/main">
   <p:cSld>
     <p:spTree>
@@ -34760,7 +31897,7 @@
 </p:sld>
 </file>
 
-<file path=ppt/slides/slide35.xml><?xml version="1.0" encoding="utf-8"?>
+<file path=ppt/slides/slide33.xml><?xml version="1.0" encoding="utf-8"?>
 <p:sld xmlns:a="http://schemas.openxmlformats.org/drawingml/2006/main" xmlns:r="http://schemas.openxmlformats.org/officeDocument/2006/relationships" xmlns:p="http://schemas.openxmlformats.org/presentationml/2006/main">
   <p:cSld>
     <p:bg>
@@ -34912,7 +32049,7 @@
 </p:sld>
 </file>
 
-<file path=ppt/slides/slide36.xml><?xml version="1.0" encoding="utf-8"?>
+<file path=ppt/slides/slide34.xml><?xml version="1.0" encoding="utf-8"?>
 <p:sld xmlns:a="http://schemas.openxmlformats.org/drawingml/2006/main" xmlns:r="http://schemas.openxmlformats.org/officeDocument/2006/relationships" xmlns:p="http://schemas.openxmlformats.org/presentationml/2006/main">
   <p:cSld>
     <p:bg>
@@ -35064,7 +32201,7 @@
 </p:sld>
 </file>
 
-<file path=ppt/slides/slide37.xml><?xml version="1.0" encoding="utf-8"?>
+<file path=ppt/slides/slide35.xml><?xml version="1.0" encoding="utf-8"?>
 <p:sld xmlns:a="http://schemas.openxmlformats.org/drawingml/2006/main" xmlns:r="http://schemas.openxmlformats.org/officeDocument/2006/relationships" xmlns:p="http://schemas.openxmlformats.org/presentationml/2006/main" showMasterSp="0">
   <p:cSld>
     <p:bg>
@@ -35598,7 +32735,7 @@
 </p:sld>
 </file>
 
-<file path=ppt/slides/slide38.xml><?xml version="1.0" encoding="utf-8"?>
+<file path=ppt/slides/slide36.xml><?xml version="1.0" encoding="utf-8"?>
 <p:sld xmlns:a="http://schemas.openxmlformats.org/drawingml/2006/main" xmlns:r="http://schemas.openxmlformats.org/officeDocument/2006/relationships" xmlns:p="http://schemas.openxmlformats.org/presentationml/2006/main" showMasterSp="0">
   <p:cSld>
     <p:bg>
@@ -37093,11 +34230,7 @@
           <a:p>
             <a:r>
               <a:rPr lang="en-US" dirty="0" smtClean="0"/>
-              <a:t>Projects </a:t>
-            </a:r>
-            <a:r>
-              <a:rPr lang="en-US" dirty="0" smtClean="0"/>
-              <a:t>Demo</a:t>
+              <a:t>Projects Demo</a:t>
             </a:r>
             <a:endParaRPr lang="en-US" dirty="0"/>
           </a:p>
@@ -37116,11 +34249,7 @@
           <a:p>
             <a:r>
               <a:rPr lang="en-US" dirty="0" smtClean="0"/>
-              <a:t>Best </a:t>
-            </a:r>
-            <a:r>
-              <a:rPr lang="en-US" dirty="0" smtClean="0"/>
-              <a:t>Practices &amp; Gotchas</a:t>
+              <a:t>Best Practices &amp; Gotchas</a:t>
             </a:r>
           </a:p>
         </p:txBody>

--- a/Building SPAs in SharePoint Using AngularJS.pptx
+++ b/Building SPAs in SharePoint Using AngularJS.pptx
@@ -5,10 +5,10 @@
     <p:sldMasterId id="2147483648" r:id="rId1"/>
   </p:sldMasterIdLst>
   <p:notesMasterIdLst>
-    <p:notesMasterId r:id="rId38"/>
+    <p:notesMasterId r:id="rId42"/>
   </p:notesMasterIdLst>
   <p:handoutMasterIdLst>
-    <p:handoutMasterId r:id="rId39"/>
+    <p:handoutMasterId r:id="rId43"/>
   </p:handoutMasterIdLst>
   <p:sldIdLst>
     <p:sldId id="323" r:id="rId2"/>
@@ -47,6 +47,10 @@
     <p:sldId id="322" r:id="rId35"/>
     <p:sldId id="327" r:id="rId36"/>
     <p:sldId id="333" r:id="rId37"/>
+    <p:sldId id="334" r:id="rId38"/>
+    <p:sldId id="336" r:id="rId39"/>
+    <p:sldId id="338" r:id="rId40"/>
+    <p:sldId id="337" r:id="rId41"/>
   </p:sldIdLst>
   <p:sldSz cx="12192000" cy="6858000"/>
   <p:notesSz cx="6858000" cy="9144000"/>
@@ -8365,1168 +8369,6 @@
       <dsp:cNvGrpSpPr/>
     </dsp:nvGrpSpPr>
     <dsp:grpSpPr/>
-    <dsp:sp modelId="{CFDA206A-66D4-4CB9-AD9B-54A2785435CF}">
-      <dsp:nvSpPr>
-        <dsp:cNvPr id="0" name=""/>
-        <dsp:cNvSpPr/>
-      </dsp:nvSpPr>
-      <dsp:spPr>
-        <a:xfrm>
-          <a:off x="3568" y="392199"/>
-          <a:ext cx="1931900" cy="1159140"/>
-        </a:xfrm>
-        <a:prstGeom prst="rect">
-          <a:avLst/>
-        </a:prstGeom>
-        <a:solidFill>
-          <a:schemeClr val="dk2">
-            <a:hueOff val="0"/>
-            <a:satOff val="0"/>
-            <a:lumOff val="0"/>
-            <a:alphaOff val="0"/>
-          </a:schemeClr>
-        </a:solidFill>
-        <a:ln w="12700" cap="flat" cmpd="sng" algn="ctr">
-          <a:solidFill>
-            <a:schemeClr val="lt2">
-              <a:hueOff val="0"/>
-              <a:satOff val="0"/>
-              <a:lumOff val="0"/>
-              <a:alphaOff val="0"/>
-            </a:schemeClr>
-          </a:solidFill>
-          <a:prstDash val="solid"/>
-          <a:miter lim="800000"/>
-        </a:ln>
-        <a:effectLst/>
-      </dsp:spPr>
-      <dsp:style>
-        <a:lnRef idx="2">
-          <a:scrgbClr r="0" g="0" b="0"/>
-        </a:lnRef>
-        <a:fillRef idx="1">
-          <a:scrgbClr r="0" g="0" b="0"/>
-        </a:fillRef>
-        <a:effectRef idx="0">
-          <a:scrgbClr r="0" g="0" b="0"/>
-        </a:effectRef>
-        <a:fontRef idx="minor">
-          <a:schemeClr val="lt1"/>
-        </a:fontRef>
-      </dsp:style>
-      <dsp:txBody>
-        <a:bodyPr spcFirstLastPara="0" vert="horz" wrap="square" lIns="87630" tIns="87630" rIns="87630" bIns="87630" numCol="1" spcCol="1270" anchor="ctr" anchorCtr="0">
-          <a:noAutofit/>
-        </a:bodyPr>
-        <a:lstStyle/>
-        <a:p>
-          <a:pPr lvl="0" algn="ctr" defTabSz="1022350">
-            <a:lnSpc>
-              <a:spcPct val="90000"/>
-            </a:lnSpc>
-            <a:spcBef>
-              <a:spcPct val="0"/>
-            </a:spcBef>
-            <a:spcAft>
-              <a:spcPct val="35000"/>
-            </a:spcAft>
-          </a:pPr>
-          <a:r>
-            <a:rPr lang="en-US" sz="2300" kern="1200" dirty="0" smtClean="0"/>
-            <a:t>Backed by Google &amp; Community</a:t>
-          </a:r>
-          <a:endParaRPr lang="en-US" sz="2300" kern="1200" dirty="0"/>
-        </a:p>
-      </dsp:txBody>
-      <dsp:txXfrm>
-        <a:off x="3568" y="392199"/>
-        <a:ext cx="1931900" cy="1159140"/>
-      </dsp:txXfrm>
-    </dsp:sp>
-    <dsp:sp modelId="{79C4F599-DAA5-4B64-B839-E136F05674D1}">
-      <dsp:nvSpPr>
-        <dsp:cNvPr id="0" name=""/>
-        <dsp:cNvSpPr/>
-      </dsp:nvSpPr>
-      <dsp:spPr>
-        <a:xfrm>
-          <a:off x="2128658" y="392199"/>
-          <a:ext cx="1931900" cy="1159140"/>
-        </a:xfrm>
-        <a:prstGeom prst="rect">
-          <a:avLst/>
-        </a:prstGeom>
-        <a:solidFill>
-          <a:schemeClr val="dk2">
-            <a:hueOff val="0"/>
-            <a:satOff val="0"/>
-            <a:lumOff val="0"/>
-            <a:alphaOff val="0"/>
-          </a:schemeClr>
-        </a:solidFill>
-        <a:ln w="12700" cap="flat" cmpd="sng" algn="ctr">
-          <a:solidFill>
-            <a:schemeClr val="lt2">
-              <a:hueOff val="0"/>
-              <a:satOff val="0"/>
-              <a:lumOff val="0"/>
-              <a:alphaOff val="0"/>
-            </a:schemeClr>
-          </a:solidFill>
-          <a:prstDash val="solid"/>
-          <a:miter lim="800000"/>
-        </a:ln>
-        <a:effectLst/>
-      </dsp:spPr>
-      <dsp:style>
-        <a:lnRef idx="2">
-          <a:scrgbClr r="0" g="0" b="0"/>
-        </a:lnRef>
-        <a:fillRef idx="1">
-          <a:scrgbClr r="0" g="0" b="0"/>
-        </a:fillRef>
-        <a:effectRef idx="0">
-          <a:scrgbClr r="0" g="0" b="0"/>
-        </a:effectRef>
-        <a:fontRef idx="minor">
-          <a:schemeClr val="lt1"/>
-        </a:fontRef>
-      </dsp:style>
-      <dsp:txBody>
-        <a:bodyPr spcFirstLastPara="0" vert="horz" wrap="square" lIns="87630" tIns="87630" rIns="87630" bIns="87630" numCol="1" spcCol="1270" anchor="ctr" anchorCtr="0">
-          <a:noAutofit/>
-        </a:bodyPr>
-        <a:lstStyle/>
-        <a:p>
-          <a:pPr lvl="0" algn="ctr" defTabSz="1022350">
-            <a:lnSpc>
-              <a:spcPct val="90000"/>
-            </a:lnSpc>
-            <a:spcBef>
-              <a:spcPct val="0"/>
-            </a:spcBef>
-            <a:spcAft>
-              <a:spcPct val="35000"/>
-            </a:spcAft>
-          </a:pPr>
-          <a:r>
-            <a:rPr lang="en-US" sz="2300" kern="1200" dirty="0" smtClean="0"/>
-            <a:t>Great for SPA’s</a:t>
-          </a:r>
-          <a:endParaRPr lang="en-US" sz="2300" kern="1200" dirty="0"/>
-        </a:p>
-      </dsp:txBody>
-      <dsp:txXfrm>
-        <a:off x="2128658" y="392199"/>
-        <a:ext cx="1931900" cy="1159140"/>
-      </dsp:txXfrm>
-    </dsp:sp>
-    <dsp:sp modelId="{323D8D7F-73C3-4AE0-ADFF-DEA47ACAEAEC}">
-      <dsp:nvSpPr>
-        <dsp:cNvPr id="0" name=""/>
-        <dsp:cNvSpPr/>
-      </dsp:nvSpPr>
-      <dsp:spPr>
-        <a:xfrm>
-          <a:off x="4253749" y="392199"/>
-          <a:ext cx="1931900" cy="1159140"/>
-        </a:xfrm>
-        <a:prstGeom prst="rect">
-          <a:avLst/>
-        </a:prstGeom>
-        <a:solidFill>
-          <a:schemeClr val="dk2">
-            <a:hueOff val="0"/>
-            <a:satOff val="0"/>
-            <a:lumOff val="0"/>
-            <a:alphaOff val="0"/>
-          </a:schemeClr>
-        </a:solidFill>
-        <a:ln w="12700" cap="flat" cmpd="sng" algn="ctr">
-          <a:solidFill>
-            <a:schemeClr val="lt2">
-              <a:hueOff val="0"/>
-              <a:satOff val="0"/>
-              <a:lumOff val="0"/>
-              <a:alphaOff val="0"/>
-            </a:schemeClr>
-          </a:solidFill>
-          <a:prstDash val="solid"/>
-          <a:miter lim="800000"/>
-        </a:ln>
-        <a:effectLst/>
-      </dsp:spPr>
-      <dsp:style>
-        <a:lnRef idx="2">
-          <a:scrgbClr r="0" g="0" b="0"/>
-        </a:lnRef>
-        <a:fillRef idx="1">
-          <a:scrgbClr r="0" g="0" b="0"/>
-        </a:fillRef>
-        <a:effectRef idx="0">
-          <a:scrgbClr r="0" g="0" b="0"/>
-        </a:effectRef>
-        <a:fontRef idx="minor">
-          <a:schemeClr val="lt1"/>
-        </a:fontRef>
-      </dsp:style>
-      <dsp:txBody>
-        <a:bodyPr spcFirstLastPara="0" vert="horz" wrap="square" lIns="87630" tIns="87630" rIns="87630" bIns="87630" numCol="1" spcCol="1270" anchor="ctr" anchorCtr="0">
-          <a:noAutofit/>
-        </a:bodyPr>
-        <a:lstStyle/>
-        <a:p>
-          <a:pPr lvl="0" algn="ctr" defTabSz="1022350">
-            <a:lnSpc>
-              <a:spcPct val="90000"/>
-            </a:lnSpc>
-            <a:spcBef>
-              <a:spcPct val="0"/>
-            </a:spcBef>
-            <a:spcAft>
-              <a:spcPct val="35000"/>
-            </a:spcAft>
-          </a:pPr>
-          <a:r>
-            <a:rPr lang="en-US" sz="2300" kern="1200" dirty="0" smtClean="0"/>
-            <a:t>Two-way Data Binding</a:t>
-          </a:r>
-          <a:endParaRPr lang="en-US" sz="2300" kern="1200" dirty="0"/>
-        </a:p>
-      </dsp:txBody>
-      <dsp:txXfrm>
-        <a:off x="4253749" y="392199"/>
-        <a:ext cx="1931900" cy="1159140"/>
-      </dsp:txXfrm>
-    </dsp:sp>
-    <dsp:sp modelId="{F42622AE-00E9-46E6-B25C-7610AB5BE17A}">
-      <dsp:nvSpPr>
-        <dsp:cNvPr id="0" name=""/>
-        <dsp:cNvSpPr/>
-      </dsp:nvSpPr>
-      <dsp:spPr>
-        <a:xfrm>
-          <a:off x="6378840" y="392199"/>
-          <a:ext cx="1931900" cy="1159140"/>
-        </a:xfrm>
-        <a:prstGeom prst="rect">
-          <a:avLst/>
-        </a:prstGeom>
-        <a:solidFill>
-          <a:schemeClr val="dk2">
-            <a:hueOff val="0"/>
-            <a:satOff val="0"/>
-            <a:lumOff val="0"/>
-            <a:alphaOff val="0"/>
-          </a:schemeClr>
-        </a:solidFill>
-        <a:ln w="12700" cap="flat" cmpd="sng" algn="ctr">
-          <a:solidFill>
-            <a:schemeClr val="lt2">
-              <a:hueOff val="0"/>
-              <a:satOff val="0"/>
-              <a:lumOff val="0"/>
-              <a:alphaOff val="0"/>
-            </a:schemeClr>
-          </a:solidFill>
-          <a:prstDash val="solid"/>
-          <a:miter lim="800000"/>
-        </a:ln>
-        <a:effectLst/>
-      </dsp:spPr>
-      <dsp:style>
-        <a:lnRef idx="2">
-          <a:scrgbClr r="0" g="0" b="0"/>
-        </a:lnRef>
-        <a:fillRef idx="1">
-          <a:scrgbClr r="0" g="0" b="0"/>
-        </a:fillRef>
-        <a:effectRef idx="0">
-          <a:scrgbClr r="0" g="0" b="0"/>
-        </a:effectRef>
-        <a:fontRef idx="minor">
-          <a:schemeClr val="lt1"/>
-        </a:fontRef>
-      </dsp:style>
-      <dsp:txBody>
-        <a:bodyPr spcFirstLastPara="0" vert="horz" wrap="square" lIns="87630" tIns="87630" rIns="87630" bIns="87630" numCol="1" spcCol="1270" anchor="ctr" anchorCtr="0">
-          <a:noAutofit/>
-        </a:bodyPr>
-        <a:lstStyle/>
-        <a:p>
-          <a:pPr lvl="0" algn="ctr" defTabSz="1022350">
-            <a:lnSpc>
-              <a:spcPct val="90000"/>
-            </a:lnSpc>
-            <a:spcBef>
-              <a:spcPct val="0"/>
-            </a:spcBef>
-            <a:spcAft>
-              <a:spcPct val="35000"/>
-            </a:spcAft>
-          </a:pPr>
-          <a:r>
-            <a:rPr lang="en-US" sz="2300" kern="1200" dirty="0" smtClean="0"/>
-            <a:t>MV*</a:t>
-          </a:r>
-          <a:endParaRPr lang="en-US" sz="2300" kern="1200" dirty="0"/>
-        </a:p>
-      </dsp:txBody>
-      <dsp:txXfrm>
-        <a:off x="6378840" y="392199"/>
-        <a:ext cx="1931900" cy="1159140"/>
-      </dsp:txXfrm>
-    </dsp:sp>
-    <dsp:sp modelId="{CEE8964B-4B00-4631-A3E8-5C19D9F55D5D}">
-      <dsp:nvSpPr>
-        <dsp:cNvPr id="0" name=""/>
-        <dsp:cNvSpPr/>
-      </dsp:nvSpPr>
-      <dsp:spPr>
-        <a:xfrm>
-          <a:off x="8503931" y="392199"/>
-          <a:ext cx="1931900" cy="1159140"/>
-        </a:xfrm>
-        <a:prstGeom prst="rect">
-          <a:avLst/>
-        </a:prstGeom>
-        <a:solidFill>
-          <a:schemeClr val="dk2">
-            <a:hueOff val="0"/>
-            <a:satOff val="0"/>
-            <a:lumOff val="0"/>
-            <a:alphaOff val="0"/>
-          </a:schemeClr>
-        </a:solidFill>
-        <a:ln w="12700" cap="flat" cmpd="sng" algn="ctr">
-          <a:solidFill>
-            <a:schemeClr val="lt2">
-              <a:hueOff val="0"/>
-              <a:satOff val="0"/>
-              <a:lumOff val="0"/>
-              <a:alphaOff val="0"/>
-            </a:schemeClr>
-          </a:solidFill>
-          <a:prstDash val="solid"/>
-          <a:miter lim="800000"/>
-        </a:ln>
-        <a:effectLst/>
-      </dsp:spPr>
-      <dsp:style>
-        <a:lnRef idx="2">
-          <a:scrgbClr r="0" g="0" b="0"/>
-        </a:lnRef>
-        <a:fillRef idx="1">
-          <a:scrgbClr r="0" g="0" b="0"/>
-        </a:fillRef>
-        <a:effectRef idx="0">
-          <a:scrgbClr r="0" g="0" b="0"/>
-        </a:effectRef>
-        <a:fontRef idx="minor">
-          <a:schemeClr val="lt1"/>
-        </a:fontRef>
-      </dsp:style>
-      <dsp:txBody>
-        <a:bodyPr spcFirstLastPara="0" vert="horz" wrap="square" lIns="87630" tIns="87630" rIns="87630" bIns="87630" numCol="1" spcCol="1270" anchor="ctr" anchorCtr="0">
-          <a:noAutofit/>
-        </a:bodyPr>
-        <a:lstStyle/>
-        <a:p>
-          <a:pPr lvl="0" algn="ctr" defTabSz="1022350">
-            <a:lnSpc>
-              <a:spcPct val="90000"/>
-            </a:lnSpc>
-            <a:spcBef>
-              <a:spcPct val="0"/>
-            </a:spcBef>
-            <a:spcAft>
-              <a:spcPct val="35000"/>
-            </a:spcAft>
-          </a:pPr>
-          <a:r>
-            <a:rPr lang="en-US" sz="2300" kern="1200" dirty="0" smtClean="0"/>
-            <a:t>Dependency Injection</a:t>
-          </a:r>
-          <a:endParaRPr lang="en-US" sz="2300" kern="1200" dirty="0"/>
-        </a:p>
-      </dsp:txBody>
-      <dsp:txXfrm>
-        <a:off x="8503931" y="392199"/>
-        <a:ext cx="1931900" cy="1159140"/>
-      </dsp:txXfrm>
-    </dsp:sp>
-    <dsp:sp modelId="{132B08A8-E421-4EA4-B062-31BC0FD62343}">
-      <dsp:nvSpPr>
-        <dsp:cNvPr id="0" name=""/>
-        <dsp:cNvSpPr/>
-      </dsp:nvSpPr>
-      <dsp:spPr>
-        <a:xfrm>
-          <a:off x="3568" y="1744529"/>
-          <a:ext cx="1931900" cy="1159140"/>
-        </a:xfrm>
-        <a:prstGeom prst="rect">
-          <a:avLst/>
-        </a:prstGeom>
-        <a:solidFill>
-          <a:schemeClr val="dk2">
-            <a:hueOff val="0"/>
-            <a:satOff val="0"/>
-            <a:lumOff val="0"/>
-            <a:alphaOff val="0"/>
-          </a:schemeClr>
-        </a:solidFill>
-        <a:ln w="12700" cap="flat" cmpd="sng" algn="ctr">
-          <a:solidFill>
-            <a:schemeClr val="lt2">
-              <a:hueOff val="0"/>
-              <a:satOff val="0"/>
-              <a:lumOff val="0"/>
-              <a:alphaOff val="0"/>
-            </a:schemeClr>
-          </a:solidFill>
-          <a:prstDash val="solid"/>
-          <a:miter lim="800000"/>
-        </a:ln>
-        <a:effectLst/>
-      </dsp:spPr>
-      <dsp:style>
-        <a:lnRef idx="2">
-          <a:scrgbClr r="0" g="0" b="0"/>
-        </a:lnRef>
-        <a:fillRef idx="1">
-          <a:scrgbClr r="0" g="0" b="0"/>
-        </a:fillRef>
-        <a:effectRef idx="0">
-          <a:scrgbClr r="0" g="0" b="0"/>
-        </a:effectRef>
-        <a:fontRef idx="minor">
-          <a:schemeClr val="lt1"/>
-        </a:fontRef>
-      </dsp:style>
-      <dsp:txBody>
-        <a:bodyPr spcFirstLastPara="0" vert="horz" wrap="square" lIns="87630" tIns="87630" rIns="87630" bIns="87630" numCol="1" spcCol="1270" anchor="ctr" anchorCtr="0">
-          <a:noAutofit/>
-        </a:bodyPr>
-        <a:lstStyle/>
-        <a:p>
-          <a:pPr lvl="0" algn="ctr" defTabSz="1022350">
-            <a:lnSpc>
-              <a:spcPct val="90000"/>
-            </a:lnSpc>
-            <a:spcBef>
-              <a:spcPct val="0"/>
-            </a:spcBef>
-            <a:spcAft>
-              <a:spcPct val="35000"/>
-            </a:spcAft>
-          </a:pPr>
-          <a:r>
-            <a:rPr lang="en-US" sz="2300" kern="1200" dirty="0" smtClean="0"/>
-            <a:t>Testing</a:t>
-          </a:r>
-          <a:endParaRPr lang="en-US" sz="2300" kern="1200" dirty="0"/>
-        </a:p>
-      </dsp:txBody>
-      <dsp:txXfrm>
-        <a:off x="3568" y="1744529"/>
-        <a:ext cx="1931900" cy="1159140"/>
-      </dsp:txXfrm>
-    </dsp:sp>
-    <dsp:sp modelId="{17459AAF-06DC-4C23-A450-BCC558EF88A4}">
-      <dsp:nvSpPr>
-        <dsp:cNvPr id="0" name=""/>
-        <dsp:cNvSpPr/>
-      </dsp:nvSpPr>
-      <dsp:spPr>
-        <a:xfrm>
-          <a:off x="2128658" y="1744529"/>
-          <a:ext cx="1931900" cy="1159140"/>
-        </a:xfrm>
-        <a:prstGeom prst="rect">
-          <a:avLst/>
-        </a:prstGeom>
-        <a:solidFill>
-          <a:schemeClr val="dk2">
-            <a:hueOff val="0"/>
-            <a:satOff val="0"/>
-            <a:lumOff val="0"/>
-            <a:alphaOff val="0"/>
-          </a:schemeClr>
-        </a:solidFill>
-        <a:ln w="12700" cap="flat" cmpd="sng" algn="ctr">
-          <a:solidFill>
-            <a:schemeClr val="lt2">
-              <a:hueOff val="0"/>
-              <a:satOff val="0"/>
-              <a:lumOff val="0"/>
-              <a:alphaOff val="0"/>
-            </a:schemeClr>
-          </a:solidFill>
-          <a:prstDash val="solid"/>
-          <a:miter lim="800000"/>
-        </a:ln>
-        <a:effectLst/>
-      </dsp:spPr>
-      <dsp:style>
-        <a:lnRef idx="2">
-          <a:scrgbClr r="0" g="0" b="0"/>
-        </a:lnRef>
-        <a:fillRef idx="1">
-          <a:scrgbClr r="0" g="0" b="0"/>
-        </a:fillRef>
-        <a:effectRef idx="0">
-          <a:scrgbClr r="0" g="0" b="0"/>
-        </a:effectRef>
-        <a:fontRef idx="minor">
-          <a:schemeClr val="lt1"/>
-        </a:fontRef>
-      </dsp:style>
-      <dsp:txBody>
-        <a:bodyPr spcFirstLastPara="0" vert="horz" wrap="square" lIns="87630" tIns="87630" rIns="87630" bIns="87630" numCol="1" spcCol="1270" anchor="ctr" anchorCtr="0">
-          <a:noAutofit/>
-        </a:bodyPr>
-        <a:lstStyle/>
-        <a:p>
-          <a:pPr lvl="0" algn="ctr" defTabSz="1022350">
-            <a:lnSpc>
-              <a:spcPct val="90000"/>
-            </a:lnSpc>
-            <a:spcBef>
-              <a:spcPct val="0"/>
-            </a:spcBef>
-            <a:spcAft>
-              <a:spcPct val="35000"/>
-            </a:spcAft>
-          </a:pPr>
-          <a:r>
-            <a:rPr lang="en-US" sz="2300" kern="1200" dirty="0" smtClean="0"/>
-            <a:t>jqLite</a:t>
-          </a:r>
-        </a:p>
-      </dsp:txBody>
-      <dsp:txXfrm>
-        <a:off x="2128658" y="1744529"/>
-        <a:ext cx="1931900" cy="1159140"/>
-      </dsp:txXfrm>
-    </dsp:sp>
-    <dsp:sp modelId="{CCBB4DFD-6C6B-4CC4-8737-4A003FB9F0DE}">
-      <dsp:nvSpPr>
-        <dsp:cNvPr id="0" name=""/>
-        <dsp:cNvSpPr/>
-      </dsp:nvSpPr>
-      <dsp:spPr>
-        <a:xfrm>
-          <a:off x="4253749" y="1744529"/>
-          <a:ext cx="1931900" cy="1159140"/>
-        </a:xfrm>
-        <a:prstGeom prst="rect">
-          <a:avLst/>
-        </a:prstGeom>
-        <a:solidFill>
-          <a:schemeClr val="dk2">
-            <a:hueOff val="0"/>
-            <a:satOff val="0"/>
-            <a:lumOff val="0"/>
-            <a:alphaOff val="0"/>
-          </a:schemeClr>
-        </a:solidFill>
-        <a:ln w="12700" cap="flat" cmpd="sng" algn="ctr">
-          <a:solidFill>
-            <a:schemeClr val="lt2">
-              <a:hueOff val="0"/>
-              <a:satOff val="0"/>
-              <a:lumOff val="0"/>
-              <a:alphaOff val="0"/>
-            </a:schemeClr>
-          </a:solidFill>
-          <a:prstDash val="solid"/>
-          <a:miter lim="800000"/>
-        </a:ln>
-        <a:effectLst/>
-      </dsp:spPr>
-      <dsp:style>
-        <a:lnRef idx="2">
-          <a:scrgbClr r="0" g="0" b="0"/>
-        </a:lnRef>
-        <a:fillRef idx="1">
-          <a:scrgbClr r="0" g="0" b="0"/>
-        </a:fillRef>
-        <a:effectRef idx="0">
-          <a:scrgbClr r="0" g="0" b="0"/>
-        </a:effectRef>
-        <a:fontRef idx="minor">
-          <a:schemeClr val="lt1"/>
-        </a:fontRef>
-      </dsp:style>
-      <dsp:txBody>
-        <a:bodyPr spcFirstLastPara="0" vert="horz" wrap="square" lIns="87630" tIns="87630" rIns="87630" bIns="87630" numCol="1" spcCol="1270" anchor="ctr" anchorCtr="0">
-          <a:noAutofit/>
-        </a:bodyPr>
-        <a:lstStyle/>
-        <a:p>
-          <a:pPr lvl="0" algn="ctr" defTabSz="1022350">
-            <a:lnSpc>
-              <a:spcPct val="90000"/>
-            </a:lnSpc>
-            <a:spcBef>
-              <a:spcPct val="0"/>
-            </a:spcBef>
-            <a:spcAft>
-              <a:spcPct val="35000"/>
-            </a:spcAft>
-          </a:pPr>
-          <a:r>
-            <a:rPr lang="en-US" sz="2300" kern="1200" dirty="0" smtClean="0"/>
-            <a:t>Templates</a:t>
-          </a:r>
-        </a:p>
-      </dsp:txBody>
-      <dsp:txXfrm>
-        <a:off x="4253749" y="1744529"/>
-        <a:ext cx="1931900" cy="1159140"/>
-      </dsp:txXfrm>
-    </dsp:sp>
-    <dsp:sp modelId="{9211F004-41C9-436B-9C68-0C8CD2CE5223}">
-      <dsp:nvSpPr>
-        <dsp:cNvPr id="0" name=""/>
-        <dsp:cNvSpPr/>
-      </dsp:nvSpPr>
-      <dsp:spPr>
-        <a:xfrm>
-          <a:off x="6378840" y="1744529"/>
-          <a:ext cx="1931900" cy="1159140"/>
-        </a:xfrm>
-        <a:prstGeom prst="rect">
-          <a:avLst/>
-        </a:prstGeom>
-        <a:solidFill>
-          <a:schemeClr val="dk2">
-            <a:hueOff val="0"/>
-            <a:satOff val="0"/>
-            <a:lumOff val="0"/>
-            <a:alphaOff val="0"/>
-          </a:schemeClr>
-        </a:solidFill>
-        <a:ln w="12700" cap="flat" cmpd="sng" algn="ctr">
-          <a:solidFill>
-            <a:schemeClr val="lt2">
-              <a:hueOff val="0"/>
-              <a:satOff val="0"/>
-              <a:lumOff val="0"/>
-              <a:alphaOff val="0"/>
-            </a:schemeClr>
-          </a:solidFill>
-          <a:prstDash val="solid"/>
-          <a:miter lim="800000"/>
-        </a:ln>
-        <a:effectLst/>
-      </dsp:spPr>
-      <dsp:style>
-        <a:lnRef idx="2">
-          <a:scrgbClr r="0" g="0" b="0"/>
-        </a:lnRef>
-        <a:fillRef idx="1">
-          <a:scrgbClr r="0" g="0" b="0"/>
-        </a:fillRef>
-        <a:effectRef idx="0">
-          <a:scrgbClr r="0" g="0" b="0"/>
-        </a:effectRef>
-        <a:fontRef idx="minor">
-          <a:schemeClr val="lt1"/>
-        </a:fontRef>
-      </dsp:style>
-      <dsp:txBody>
-        <a:bodyPr spcFirstLastPara="0" vert="horz" wrap="square" lIns="87630" tIns="87630" rIns="87630" bIns="87630" numCol="1" spcCol="1270" anchor="ctr" anchorCtr="0">
-          <a:noAutofit/>
-        </a:bodyPr>
-        <a:lstStyle/>
-        <a:p>
-          <a:pPr lvl="0" algn="ctr" defTabSz="1022350">
-            <a:lnSpc>
-              <a:spcPct val="90000"/>
-            </a:lnSpc>
-            <a:spcBef>
-              <a:spcPct val="0"/>
-            </a:spcBef>
-            <a:spcAft>
-              <a:spcPct val="35000"/>
-            </a:spcAft>
-          </a:pPr>
-          <a:r>
-            <a:rPr lang="en-US" sz="2300" kern="1200" dirty="0" smtClean="0"/>
-            <a:t>Modules</a:t>
-          </a:r>
-        </a:p>
-      </dsp:txBody>
-      <dsp:txXfrm>
-        <a:off x="6378840" y="1744529"/>
-        <a:ext cx="1931900" cy="1159140"/>
-      </dsp:txXfrm>
-    </dsp:sp>
-    <dsp:sp modelId="{99A5D91A-2D6B-4309-9471-E46BFB3D929C}">
-      <dsp:nvSpPr>
-        <dsp:cNvPr id="0" name=""/>
-        <dsp:cNvSpPr/>
-      </dsp:nvSpPr>
-      <dsp:spPr>
-        <a:xfrm>
-          <a:off x="8503931" y="1744529"/>
-          <a:ext cx="1931900" cy="1159140"/>
-        </a:xfrm>
-        <a:prstGeom prst="rect">
-          <a:avLst/>
-        </a:prstGeom>
-        <a:solidFill>
-          <a:schemeClr val="dk2">
-            <a:hueOff val="0"/>
-            <a:satOff val="0"/>
-            <a:lumOff val="0"/>
-            <a:alphaOff val="0"/>
-          </a:schemeClr>
-        </a:solidFill>
-        <a:ln w="12700" cap="flat" cmpd="sng" algn="ctr">
-          <a:solidFill>
-            <a:schemeClr val="lt2">
-              <a:hueOff val="0"/>
-              <a:satOff val="0"/>
-              <a:lumOff val="0"/>
-              <a:alphaOff val="0"/>
-            </a:schemeClr>
-          </a:solidFill>
-          <a:prstDash val="solid"/>
-          <a:miter lim="800000"/>
-        </a:ln>
-        <a:effectLst/>
-      </dsp:spPr>
-      <dsp:style>
-        <a:lnRef idx="2">
-          <a:scrgbClr r="0" g="0" b="0"/>
-        </a:lnRef>
-        <a:fillRef idx="1">
-          <a:scrgbClr r="0" g="0" b="0"/>
-        </a:fillRef>
-        <a:effectRef idx="0">
-          <a:scrgbClr r="0" g="0" b="0"/>
-        </a:effectRef>
-        <a:fontRef idx="minor">
-          <a:schemeClr val="lt1"/>
-        </a:fontRef>
-      </dsp:style>
-      <dsp:txBody>
-        <a:bodyPr spcFirstLastPara="0" vert="horz" wrap="square" lIns="87630" tIns="87630" rIns="87630" bIns="87630" numCol="1" spcCol="1270" anchor="ctr" anchorCtr="0">
-          <a:noAutofit/>
-        </a:bodyPr>
-        <a:lstStyle/>
-        <a:p>
-          <a:pPr lvl="0" algn="ctr" defTabSz="1022350">
-            <a:lnSpc>
-              <a:spcPct val="90000"/>
-            </a:lnSpc>
-            <a:spcBef>
-              <a:spcPct val="0"/>
-            </a:spcBef>
-            <a:spcAft>
-              <a:spcPct val="35000"/>
-            </a:spcAft>
-          </a:pPr>
-          <a:r>
-            <a:rPr lang="en-US" sz="2300" kern="1200" dirty="0" smtClean="0"/>
-            <a:t>Controllers</a:t>
-          </a:r>
-        </a:p>
-      </dsp:txBody>
-      <dsp:txXfrm>
-        <a:off x="8503931" y="1744529"/>
-        <a:ext cx="1931900" cy="1159140"/>
-      </dsp:txXfrm>
-    </dsp:sp>
-    <dsp:sp modelId="{C3DB7B56-D373-4A48-9A71-A46DD7871267}">
-      <dsp:nvSpPr>
-        <dsp:cNvPr id="0" name=""/>
-        <dsp:cNvSpPr/>
-      </dsp:nvSpPr>
-      <dsp:spPr>
-        <a:xfrm>
-          <a:off x="3568" y="3096860"/>
-          <a:ext cx="1931900" cy="1159140"/>
-        </a:xfrm>
-        <a:prstGeom prst="rect">
-          <a:avLst/>
-        </a:prstGeom>
-        <a:solidFill>
-          <a:schemeClr val="dk2">
-            <a:hueOff val="0"/>
-            <a:satOff val="0"/>
-            <a:lumOff val="0"/>
-            <a:alphaOff val="0"/>
-          </a:schemeClr>
-        </a:solidFill>
-        <a:ln w="12700" cap="flat" cmpd="sng" algn="ctr">
-          <a:solidFill>
-            <a:schemeClr val="lt2">
-              <a:hueOff val="0"/>
-              <a:satOff val="0"/>
-              <a:lumOff val="0"/>
-              <a:alphaOff val="0"/>
-            </a:schemeClr>
-          </a:solidFill>
-          <a:prstDash val="solid"/>
-          <a:miter lim="800000"/>
-        </a:ln>
-        <a:effectLst/>
-      </dsp:spPr>
-      <dsp:style>
-        <a:lnRef idx="2">
-          <a:scrgbClr r="0" g="0" b="0"/>
-        </a:lnRef>
-        <a:fillRef idx="1">
-          <a:scrgbClr r="0" g="0" b="0"/>
-        </a:fillRef>
-        <a:effectRef idx="0">
-          <a:scrgbClr r="0" g="0" b="0"/>
-        </a:effectRef>
-        <a:fontRef idx="minor">
-          <a:schemeClr val="lt1"/>
-        </a:fontRef>
-      </dsp:style>
-      <dsp:txBody>
-        <a:bodyPr spcFirstLastPara="0" vert="horz" wrap="square" lIns="87630" tIns="87630" rIns="87630" bIns="87630" numCol="1" spcCol="1270" anchor="ctr" anchorCtr="0">
-          <a:noAutofit/>
-        </a:bodyPr>
-        <a:lstStyle/>
-        <a:p>
-          <a:pPr lvl="0" algn="ctr" defTabSz="1022350">
-            <a:lnSpc>
-              <a:spcPct val="90000"/>
-            </a:lnSpc>
-            <a:spcBef>
-              <a:spcPct val="0"/>
-            </a:spcBef>
-            <a:spcAft>
-              <a:spcPct val="35000"/>
-            </a:spcAft>
-          </a:pPr>
-          <a:r>
-            <a:rPr lang="en-US" sz="2300" kern="1200" dirty="0" smtClean="0"/>
-            <a:t>Filters</a:t>
-          </a:r>
-        </a:p>
-      </dsp:txBody>
-      <dsp:txXfrm>
-        <a:off x="3568" y="3096860"/>
-        <a:ext cx="1931900" cy="1159140"/>
-      </dsp:txXfrm>
-    </dsp:sp>
-    <dsp:sp modelId="{82CDDC58-85B7-463A-BAD0-FBFCA0712F1C}">
-      <dsp:nvSpPr>
-        <dsp:cNvPr id="0" name=""/>
-        <dsp:cNvSpPr/>
-      </dsp:nvSpPr>
-      <dsp:spPr>
-        <a:xfrm>
-          <a:off x="2128658" y="3096860"/>
-          <a:ext cx="1931900" cy="1159140"/>
-        </a:xfrm>
-        <a:prstGeom prst="rect">
-          <a:avLst/>
-        </a:prstGeom>
-        <a:solidFill>
-          <a:schemeClr val="dk2">
-            <a:hueOff val="0"/>
-            <a:satOff val="0"/>
-            <a:lumOff val="0"/>
-            <a:alphaOff val="0"/>
-          </a:schemeClr>
-        </a:solidFill>
-        <a:ln w="12700" cap="flat" cmpd="sng" algn="ctr">
-          <a:solidFill>
-            <a:schemeClr val="lt2">
-              <a:hueOff val="0"/>
-              <a:satOff val="0"/>
-              <a:lumOff val="0"/>
-              <a:alphaOff val="0"/>
-            </a:schemeClr>
-          </a:solidFill>
-          <a:prstDash val="solid"/>
-          <a:miter lim="800000"/>
-        </a:ln>
-        <a:effectLst/>
-      </dsp:spPr>
-      <dsp:style>
-        <a:lnRef idx="2">
-          <a:scrgbClr r="0" g="0" b="0"/>
-        </a:lnRef>
-        <a:fillRef idx="1">
-          <a:scrgbClr r="0" g="0" b="0"/>
-        </a:fillRef>
-        <a:effectRef idx="0">
-          <a:scrgbClr r="0" g="0" b="0"/>
-        </a:effectRef>
-        <a:fontRef idx="minor">
-          <a:schemeClr val="lt1"/>
-        </a:fontRef>
-      </dsp:style>
-      <dsp:txBody>
-        <a:bodyPr spcFirstLastPara="0" vert="horz" wrap="square" lIns="87630" tIns="87630" rIns="87630" bIns="87630" numCol="1" spcCol="1270" anchor="ctr" anchorCtr="0">
-          <a:noAutofit/>
-        </a:bodyPr>
-        <a:lstStyle/>
-        <a:p>
-          <a:pPr lvl="0" algn="ctr" defTabSz="1022350">
-            <a:lnSpc>
-              <a:spcPct val="90000"/>
-            </a:lnSpc>
-            <a:spcBef>
-              <a:spcPct val="0"/>
-            </a:spcBef>
-            <a:spcAft>
-              <a:spcPct val="35000"/>
-            </a:spcAft>
-          </a:pPr>
-          <a:r>
-            <a:rPr lang="en-US" sz="2300" kern="1200" dirty="0" smtClean="0"/>
-            <a:t>Providers</a:t>
-          </a:r>
-        </a:p>
-      </dsp:txBody>
-      <dsp:txXfrm>
-        <a:off x="2128658" y="3096860"/>
-        <a:ext cx="1931900" cy="1159140"/>
-      </dsp:txXfrm>
-    </dsp:sp>
-    <dsp:sp modelId="{EB310276-7406-4F8F-B311-738501754F41}">
-      <dsp:nvSpPr>
-        <dsp:cNvPr id="0" name=""/>
-        <dsp:cNvSpPr/>
-      </dsp:nvSpPr>
-      <dsp:spPr>
-        <a:xfrm>
-          <a:off x="4253749" y="3096860"/>
-          <a:ext cx="1931900" cy="1159140"/>
-        </a:xfrm>
-        <a:prstGeom prst="rect">
-          <a:avLst/>
-        </a:prstGeom>
-        <a:solidFill>
-          <a:schemeClr val="dk2">
-            <a:hueOff val="0"/>
-            <a:satOff val="0"/>
-            <a:lumOff val="0"/>
-            <a:alphaOff val="0"/>
-          </a:schemeClr>
-        </a:solidFill>
-        <a:ln w="12700" cap="flat" cmpd="sng" algn="ctr">
-          <a:solidFill>
-            <a:schemeClr val="lt2">
-              <a:hueOff val="0"/>
-              <a:satOff val="0"/>
-              <a:lumOff val="0"/>
-              <a:alphaOff val="0"/>
-            </a:schemeClr>
-          </a:solidFill>
-          <a:prstDash val="solid"/>
-          <a:miter lim="800000"/>
-        </a:ln>
-        <a:effectLst/>
-      </dsp:spPr>
-      <dsp:style>
-        <a:lnRef idx="2">
-          <a:scrgbClr r="0" g="0" b="0"/>
-        </a:lnRef>
-        <a:fillRef idx="1">
-          <a:scrgbClr r="0" g="0" b="0"/>
-        </a:fillRef>
-        <a:effectRef idx="0">
-          <a:scrgbClr r="0" g="0" b="0"/>
-        </a:effectRef>
-        <a:fontRef idx="minor">
-          <a:schemeClr val="lt1"/>
-        </a:fontRef>
-      </dsp:style>
-      <dsp:txBody>
-        <a:bodyPr spcFirstLastPara="0" vert="horz" wrap="square" lIns="87630" tIns="87630" rIns="87630" bIns="87630" numCol="1" spcCol="1270" anchor="ctr" anchorCtr="0">
-          <a:noAutofit/>
-        </a:bodyPr>
-        <a:lstStyle/>
-        <a:p>
-          <a:pPr lvl="0" algn="ctr" defTabSz="1022350">
-            <a:lnSpc>
-              <a:spcPct val="90000"/>
-            </a:lnSpc>
-            <a:spcBef>
-              <a:spcPct val="0"/>
-            </a:spcBef>
-            <a:spcAft>
-              <a:spcPct val="35000"/>
-            </a:spcAft>
-          </a:pPr>
-          <a:r>
-            <a:rPr lang="en-US" sz="2300" kern="1200" dirty="0" smtClean="0"/>
-            <a:t>Directives</a:t>
-          </a:r>
-        </a:p>
-      </dsp:txBody>
-      <dsp:txXfrm>
-        <a:off x="4253749" y="3096860"/>
-        <a:ext cx="1931900" cy="1159140"/>
-      </dsp:txXfrm>
-    </dsp:sp>
-    <dsp:sp modelId="{60FA720F-99B1-498C-8299-B803124EC0FD}">
-      <dsp:nvSpPr>
-        <dsp:cNvPr id="0" name=""/>
-        <dsp:cNvSpPr/>
-      </dsp:nvSpPr>
-      <dsp:spPr>
-        <a:xfrm>
-          <a:off x="6378840" y="3096860"/>
-          <a:ext cx="1931900" cy="1159140"/>
-        </a:xfrm>
-        <a:prstGeom prst="rect">
-          <a:avLst/>
-        </a:prstGeom>
-        <a:solidFill>
-          <a:schemeClr val="dk2">
-            <a:hueOff val="0"/>
-            <a:satOff val="0"/>
-            <a:lumOff val="0"/>
-            <a:alphaOff val="0"/>
-          </a:schemeClr>
-        </a:solidFill>
-        <a:ln w="12700" cap="flat" cmpd="sng" algn="ctr">
-          <a:solidFill>
-            <a:schemeClr val="lt2">
-              <a:hueOff val="0"/>
-              <a:satOff val="0"/>
-              <a:lumOff val="0"/>
-              <a:alphaOff val="0"/>
-            </a:schemeClr>
-          </a:solidFill>
-          <a:prstDash val="solid"/>
-          <a:miter lim="800000"/>
-        </a:ln>
-        <a:effectLst/>
-      </dsp:spPr>
-      <dsp:style>
-        <a:lnRef idx="2">
-          <a:scrgbClr r="0" g="0" b="0"/>
-        </a:lnRef>
-        <a:fillRef idx="1">
-          <a:scrgbClr r="0" g="0" b="0"/>
-        </a:fillRef>
-        <a:effectRef idx="0">
-          <a:scrgbClr r="0" g="0" b="0"/>
-        </a:effectRef>
-        <a:fontRef idx="minor">
-          <a:schemeClr val="lt1"/>
-        </a:fontRef>
-      </dsp:style>
-      <dsp:txBody>
-        <a:bodyPr spcFirstLastPara="0" vert="horz" wrap="square" lIns="87630" tIns="87630" rIns="87630" bIns="87630" numCol="1" spcCol="1270" anchor="ctr" anchorCtr="0">
-          <a:noAutofit/>
-        </a:bodyPr>
-        <a:lstStyle/>
-        <a:p>
-          <a:pPr lvl="0" algn="ctr" defTabSz="1022350">
-            <a:lnSpc>
-              <a:spcPct val="90000"/>
-            </a:lnSpc>
-            <a:spcBef>
-              <a:spcPct val="0"/>
-            </a:spcBef>
-            <a:spcAft>
-              <a:spcPct val="35000"/>
-            </a:spcAft>
-          </a:pPr>
-          <a:r>
-            <a:rPr lang="en-US" sz="2300" kern="1200" dirty="0" smtClean="0"/>
-            <a:t>Routing</a:t>
-          </a:r>
-        </a:p>
-      </dsp:txBody>
-      <dsp:txXfrm>
-        <a:off x="6378840" y="3096860"/>
-        <a:ext cx="1931900" cy="1159140"/>
-      </dsp:txXfrm>
-    </dsp:sp>
-    <dsp:sp modelId="{38748953-EDFB-447D-B8F3-BDDEF5DFCCC7}">
-      <dsp:nvSpPr>
-        <dsp:cNvPr id="0" name=""/>
-        <dsp:cNvSpPr/>
-      </dsp:nvSpPr>
-      <dsp:spPr>
-        <a:xfrm>
-          <a:off x="8503931" y="3096860"/>
-          <a:ext cx="1931900" cy="1159140"/>
-        </a:xfrm>
-        <a:prstGeom prst="rect">
-          <a:avLst/>
-        </a:prstGeom>
-        <a:solidFill>
-          <a:schemeClr val="dk2">
-            <a:hueOff val="0"/>
-            <a:satOff val="0"/>
-            <a:lumOff val="0"/>
-            <a:alphaOff val="0"/>
-          </a:schemeClr>
-        </a:solidFill>
-        <a:ln w="12700" cap="flat" cmpd="sng" algn="ctr">
-          <a:solidFill>
-            <a:schemeClr val="lt2">
-              <a:hueOff val="0"/>
-              <a:satOff val="0"/>
-              <a:lumOff val="0"/>
-              <a:alphaOff val="0"/>
-            </a:schemeClr>
-          </a:solidFill>
-          <a:prstDash val="solid"/>
-          <a:miter lim="800000"/>
-        </a:ln>
-        <a:effectLst/>
-      </dsp:spPr>
-      <dsp:style>
-        <a:lnRef idx="2">
-          <a:scrgbClr r="0" g="0" b="0"/>
-        </a:lnRef>
-        <a:fillRef idx="1">
-          <a:scrgbClr r="0" g="0" b="0"/>
-        </a:fillRef>
-        <a:effectRef idx="0">
-          <a:scrgbClr r="0" g="0" b="0"/>
-        </a:effectRef>
-        <a:fontRef idx="minor">
-          <a:schemeClr val="lt1"/>
-        </a:fontRef>
-      </dsp:style>
-      <dsp:txBody>
-        <a:bodyPr spcFirstLastPara="0" vert="horz" wrap="square" lIns="87630" tIns="87630" rIns="87630" bIns="87630" numCol="1" spcCol="1270" anchor="ctr" anchorCtr="0">
-          <a:noAutofit/>
-        </a:bodyPr>
-        <a:lstStyle/>
-        <a:p>
-          <a:pPr lvl="0" algn="ctr" defTabSz="1022350">
-            <a:lnSpc>
-              <a:spcPct val="90000"/>
-            </a:lnSpc>
-            <a:spcBef>
-              <a:spcPct val="0"/>
-            </a:spcBef>
-            <a:spcAft>
-              <a:spcPct val="35000"/>
-            </a:spcAft>
-          </a:pPr>
-          <a:r>
-            <a:rPr lang="en-US" sz="2300" kern="1200" dirty="0" smtClean="0"/>
-            <a:t>Form Validation</a:t>
-          </a:r>
-          <a:endParaRPr lang="en-US" sz="2300" kern="1200" dirty="0"/>
-        </a:p>
-      </dsp:txBody>
-      <dsp:txXfrm>
-        <a:off x="8503931" y="3096860"/>
-        <a:ext cx="1931900" cy="1159140"/>
-      </dsp:txXfrm>
-    </dsp:sp>
   </dsp:spTree>
 </dsp:drawing>
 </file>
@@ -9539,481 +8381,6 @@
       <dsp:cNvGrpSpPr/>
     </dsp:nvGrpSpPr>
     <dsp:grpSpPr/>
-    <dsp:sp modelId="{4D44E2DE-A47D-4571-A3A9-CA7AEBC50503}">
-      <dsp:nvSpPr>
-        <dsp:cNvPr id="0" name=""/>
-        <dsp:cNvSpPr/>
-      </dsp:nvSpPr>
-      <dsp:spPr>
-        <a:xfrm>
-          <a:off x="3229" y="232066"/>
-          <a:ext cx="1748581" cy="1049148"/>
-        </a:xfrm>
-        <a:prstGeom prst="rect">
-          <a:avLst/>
-        </a:prstGeom>
-        <a:solidFill>
-          <a:schemeClr val="dk2">
-            <a:hueOff val="0"/>
-            <a:satOff val="0"/>
-            <a:lumOff val="0"/>
-            <a:alphaOff val="0"/>
-          </a:schemeClr>
-        </a:solidFill>
-        <a:ln w="12700" cap="flat" cmpd="sng" algn="ctr">
-          <a:solidFill>
-            <a:schemeClr val="lt2">
-              <a:hueOff val="0"/>
-              <a:satOff val="0"/>
-              <a:lumOff val="0"/>
-              <a:alphaOff val="0"/>
-            </a:schemeClr>
-          </a:solidFill>
-          <a:prstDash val="solid"/>
-          <a:miter lim="800000"/>
-        </a:ln>
-        <a:effectLst/>
-      </dsp:spPr>
-      <dsp:style>
-        <a:lnRef idx="2">
-          <a:scrgbClr r="0" g="0" b="0"/>
-        </a:lnRef>
-        <a:fillRef idx="1">
-          <a:scrgbClr r="0" g="0" b="0"/>
-        </a:fillRef>
-        <a:effectRef idx="0">
-          <a:scrgbClr r="0" g="0" b="0"/>
-        </a:effectRef>
-        <a:fontRef idx="minor">
-          <a:schemeClr val="lt1"/>
-        </a:fontRef>
-      </dsp:style>
-      <dsp:txBody>
-        <a:bodyPr spcFirstLastPara="0" vert="horz" wrap="square" lIns="64770" tIns="64770" rIns="64770" bIns="64770" numCol="1" spcCol="1270" anchor="ctr" anchorCtr="0">
-          <a:noAutofit/>
-        </a:bodyPr>
-        <a:lstStyle/>
-        <a:p>
-          <a:pPr lvl="0" algn="ctr" defTabSz="755650">
-            <a:lnSpc>
-              <a:spcPct val="90000"/>
-            </a:lnSpc>
-            <a:spcBef>
-              <a:spcPct val="0"/>
-            </a:spcBef>
-            <a:spcAft>
-              <a:spcPct val="35000"/>
-            </a:spcAft>
-          </a:pPr>
-          <a:r>
-            <a:rPr lang="en-US" sz="1700" kern="1200" dirty="0" smtClean="0"/>
-            <a:t>Constant</a:t>
-          </a:r>
-        </a:p>
-        <a:p>
-          <a:pPr lvl="0" algn="ctr" defTabSz="755650">
-            <a:lnSpc>
-              <a:spcPct val="90000"/>
-            </a:lnSpc>
-            <a:spcBef>
-              <a:spcPct val="0"/>
-            </a:spcBef>
-            <a:spcAft>
-              <a:spcPct val="35000"/>
-            </a:spcAft>
-          </a:pPr>
-          <a:r>
-            <a:rPr lang="en-US" sz="1700" kern="1200" dirty="0" smtClean="0"/>
-            <a:t>Value injected anywhere</a:t>
-          </a:r>
-          <a:endParaRPr lang="en-US" sz="1700" kern="1200" dirty="0"/>
-        </a:p>
-      </dsp:txBody>
-      <dsp:txXfrm>
-        <a:off x="3229" y="232066"/>
-        <a:ext cx="1748581" cy="1049148"/>
-      </dsp:txXfrm>
-    </dsp:sp>
-    <dsp:sp modelId="{4F3F2962-F6D5-4FC5-81BB-FD355CAD4FB9}">
-      <dsp:nvSpPr>
-        <dsp:cNvPr id="0" name=""/>
-        <dsp:cNvSpPr/>
-      </dsp:nvSpPr>
-      <dsp:spPr>
-        <a:xfrm>
-          <a:off x="1926669" y="232066"/>
-          <a:ext cx="1748581" cy="1049148"/>
-        </a:xfrm>
-        <a:prstGeom prst="rect">
-          <a:avLst/>
-        </a:prstGeom>
-        <a:solidFill>
-          <a:schemeClr val="dk2">
-            <a:hueOff val="0"/>
-            <a:satOff val="0"/>
-            <a:lumOff val="0"/>
-            <a:alphaOff val="0"/>
-          </a:schemeClr>
-        </a:solidFill>
-        <a:ln w="12700" cap="flat" cmpd="sng" algn="ctr">
-          <a:solidFill>
-            <a:schemeClr val="lt2">
-              <a:hueOff val="0"/>
-              <a:satOff val="0"/>
-              <a:lumOff val="0"/>
-              <a:alphaOff val="0"/>
-            </a:schemeClr>
-          </a:solidFill>
-          <a:prstDash val="solid"/>
-          <a:miter lim="800000"/>
-        </a:ln>
-        <a:effectLst/>
-      </dsp:spPr>
-      <dsp:style>
-        <a:lnRef idx="2">
-          <a:scrgbClr r="0" g="0" b="0"/>
-        </a:lnRef>
-        <a:fillRef idx="1">
-          <a:scrgbClr r="0" g="0" b="0"/>
-        </a:fillRef>
-        <a:effectRef idx="0">
-          <a:scrgbClr r="0" g="0" b="0"/>
-        </a:effectRef>
-        <a:fontRef idx="minor">
-          <a:schemeClr val="lt1"/>
-        </a:fontRef>
-      </dsp:style>
-      <dsp:txBody>
-        <a:bodyPr spcFirstLastPara="0" vert="horz" wrap="square" lIns="64770" tIns="64770" rIns="64770" bIns="64770" numCol="1" spcCol="1270" anchor="ctr" anchorCtr="0">
-          <a:noAutofit/>
-        </a:bodyPr>
-        <a:lstStyle/>
-        <a:p>
-          <a:pPr lvl="0" algn="ctr" defTabSz="755650">
-            <a:lnSpc>
-              <a:spcPct val="90000"/>
-            </a:lnSpc>
-            <a:spcBef>
-              <a:spcPct val="0"/>
-            </a:spcBef>
-            <a:spcAft>
-              <a:spcPct val="35000"/>
-            </a:spcAft>
-          </a:pPr>
-          <a:r>
-            <a:rPr lang="en-US" sz="1700" kern="1200" dirty="0" smtClean="0"/>
-            <a:t>Value</a:t>
-          </a:r>
-        </a:p>
-        <a:p>
-          <a:pPr lvl="0" algn="ctr" defTabSz="755650">
-            <a:lnSpc>
-              <a:spcPct val="90000"/>
-            </a:lnSpc>
-            <a:spcBef>
-              <a:spcPct val="0"/>
-            </a:spcBef>
-            <a:spcAft>
-              <a:spcPct val="35000"/>
-            </a:spcAft>
-          </a:pPr>
-          <a:r>
-            <a:rPr lang="en-US" sz="1700" kern="1200" dirty="0" smtClean="0"/>
-            <a:t>Simple injectable value</a:t>
-          </a:r>
-          <a:endParaRPr lang="en-US" sz="1700" kern="1200" dirty="0"/>
-        </a:p>
-      </dsp:txBody>
-      <dsp:txXfrm>
-        <a:off x="1926669" y="232066"/>
-        <a:ext cx="1748581" cy="1049148"/>
-      </dsp:txXfrm>
-    </dsp:sp>
-    <dsp:sp modelId="{38BB4842-1519-49DF-873B-E9FD426DDE54}">
-      <dsp:nvSpPr>
-        <dsp:cNvPr id="0" name=""/>
-        <dsp:cNvSpPr/>
-      </dsp:nvSpPr>
-      <dsp:spPr>
-        <a:xfrm>
-          <a:off x="3850109" y="232066"/>
-          <a:ext cx="1748581" cy="1049148"/>
-        </a:xfrm>
-        <a:prstGeom prst="rect">
-          <a:avLst/>
-        </a:prstGeom>
-        <a:solidFill>
-          <a:schemeClr val="dk2">
-            <a:hueOff val="0"/>
-            <a:satOff val="0"/>
-            <a:lumOff val="0"/>
-            <a:alphaOff val="0"/>
-          </a:schemeClr>
-        </a:solidFill>
-        <a:ln w="12700" cap="flat" cmpd="sng" algn="ctr">
-          <a:solidFill>
-            <a:schemeClr val="lt2">
-              <a:hueOff val="0"/>
-              <a:satOff val="0"/>
-              <a:lumOff val="0"/>
-              <a:alphaOff val="0"/>
-            </a:schemeClr>
-          </a:solidFill>
-          <a:prstDash val="solid"/>
-          <a:miter lim="800000"/>
-        </a:ln>
-        <a:effectLst/>
-      </dsp:spPr>
-      <dsp:style>
-        <a:lnRef idx="2">
-          <a:scrgbClr r="0" g="0" b="0"/>
-        </a:lnRef>
-        <a:fillRef idx="1">
-          <a:scrgbClr r="0" g="0" b="0"/>
-        </a:fillRef>
-        <a:effectRef idx="0">
-          <a:scrgbClr r="0" g="0" b="0"/>
-        </a:effectRef>
-        <a:fontRef idx="minor">
-          <a:schemeClr val="lt1"/>
-        </a:fontRef>
-      </dsp:style>
-      <dsp:txBody>
-        <a:bodyPr spcFirstLastPara="0" vert="horz" wrap="square" lIns="64770" tIns="64770" rIns="64770" bIns="64770" numCol="1" spcCol="1270" anchor="ctr" anchorCtr="0">
-          <a:noAutofit/>
-        </a:bodyPr>
-        <a:lstStyle/>
-        <a:p>
-          <a:pPr lvl="0" algn="ctr" defTabSz="755650">
-            <a:lnSpc>
-              <a:spcPct val="90000"/>
-            </a:lnSpc>
-            <a:spcBef>
-              <a:spcPct val="0"/>
-            </a:spcBef>
-            <a:spcAft>
-              <a:spcPct val="35000"/>
-            </a:spcAft>
-          </a:pPr>
-          <a:r>
-            <a:rPr lang="en-US" sz="1700" kern="1200" dirty="0" smtClean="0"/>
-            <a:t>Factory</a:t>
-          </a:r>
-        </a:p>
-        <a:p>
-          <a:pPr lvl="0" algn="ctr" defTabSz="755650">
-            <a:lnSpc>
-              <a:spcPct val="90000"/>
-            </a:lnSpc>
-            <a:spcBef>
-              <a:spcPct val="0"/>
-            </a:spcBef>
-            <a:spcAft>
-              <a:spcPct val="35000"/>
-            </a:spcAft>
-          </a:pPr>
-          <a:r>
-            <a:rPr lang="en-US" sz="1700" kern="1200" dirty="0" smtClean="0"/>
-            <a:t>Injectable function</a:t>
-          </a:r>
-          <a:endParaRPr lang="en-US" sz="1700" kern="1200" dirty="0"/>
-        </a:p>
-      </dsp:txBody>
-      <dsp:txXfrm>
-        <a:off x="3850109" y="232066"/>
-        <a:ext cx="1748581" cy="1049148"/>
-      </dsp:txXfrm>
-    </dsp:sp>
-    <dsp:sp modelId="{16A7048F-BA3E-4ACD-9935-C8D93F3348ED}">
-      <dsp:nvSpPr>
-        <dsp:cNvPr id="0" name=""/>
-        <dsp:cNvSpPr/>
-      </dsp:nvSpPr>
-      <dsp:spPr>
-        <a:xfrm>
-          <a:off x="5773548" y="232066"/>
-          <a:ext cx="1748581" cy="1049148"/>
-        </a:xfrm>
-        <a:prstGeom prst="rect">
-          <a:avLst/>
-        </a:prstGeom>
-        <a:solidFill>
-          <a:schemeClr val="dk2">
-            <a:hueOff val="0"/>
-            <a:satOff val="0"/>
-            <a:lumOff val="0"/>
-            <a:alphaOff val="0"/>
-          </a:schemeClr>
-        </a:solidFill>
-        <a:ln w="12700" cap="flat" cmpd="sng" algn="ctr">
-          <a:solidFill>
-            <a:schemeClr val="lt2">
-              <a:hueOff val="0"/>
-              <a:satOff val="0"/>
-              <a:lumOff val="0"/>
-              <a:alphaOff val="0"/>
-            </a:schemeClr>
-          </a:solidFill>
-          <a:prstDash val="solid"/>
-          <a:miter lim="800000"/>
-        </a:ln>
-        <a:effectLst/>
-      </dsp:spPr>
-      <dsp:style>
-        <a:lnRef idx="2">
-          <a:scrgbClr r="0" g="0" b="0"/>
-        </a:lnRef>
-        <a:fillRef idx="1">
-          <a:scrgbClr r="0" g="0" b="0"/>
-        </a:fillRef>
-        <a:effectRef idx="0">
-          <a:scrgbClr r="0" g="0" b="0"/>
-        </a:effectRef>
-        <a:fontRef idx="minor">
-          <a:schemeClr val="lt1"/>
-        </a:fontRef>
-      </dsp:style>
-      <dsp:txBody>
-        <a:bodyPr spcFirstLastPara="0" vert="horz" wrap="square" lIns="64770" tIns="64770" rIns="64770" bIns="64770" numCol="1" spcCol="1270" anchor="ctr" anchorCtr="0">
-          <a:noAutofit/>
-        </a:bodyPr>
-        <a:lstStyle/>
-        <a:p>
-          <a:pPr lvl="0" algn="ctr" defTabSz="755650">
-            <a:lnSpc>
-              <a:spcPct val="90000"/>
-            </a:lnSpc>
-            <a:spcBef>
-              <a:spcPct val="0"/>
-            </a:spcBef>
-            <a:spcAft>
-              <a:spcPct val="35000"/>
-            </a:spcAft>
-          </a:pPr>
-          <a:r>
-            <a:rPr lang="en-US" sz="1700" kern="1200" dirty="0" smtClean="0"/>
-            <a:t>Service</a:t>
-          </a:r>
-        </a:p>
-        <a:p>
-          <a:pPr lvl="0" algn="ctr" defTabSz="755650">
-            <a:lnSpc>
-              <a:spcPct val="90000"/>
-            </a:lnSpc>
-            <a:spcBef>
-              <a:spcPct val="0"/>
-            </a:spcBef>
-            <a:spcAft>
-              <a:spcPct val="35000"/>
-            </a:spcAft>
-          </a:pPr>
-          <a:r>
-            <a:rPr lang="en-US" sz="1700" kern="1200" dirty="0" smtClean="0"/>
-            <a:t>Injectable constructor</a:t>
-          </a:r>
-          <a:endParaRPr lang="en-US" sz="1700" kern="1200" dirty="0"/>
-        </a:p>
-      </dsp:txBody>
-      <dsp:txXfrm>
-        <a:off x="5773548" y="232066"/>
-        <a:ext cx="1748581" cy="1049148"/>
-      </dsp:txXfrm>
-    </dsp:sp>
-    <dsp:sp modelId="{35170A97-E2BC-4C89-A531-AA8880687368}">
-      <dsp:nvSpPr>
-        <dsp:cNvPr id="0" name=""/>
-        <dsp:cNvSpPr/>
-      </dsp:nvSpPr>
-      <dsp:spPr>
-        <a:xfrm>
-          <a:off x="7696988" y="232066"/>
-          <a:ext cx="1748581" cy="1049148"/>
-        </a:xfrm>
-        <a:prstGeom prst="rect">
-          <a:avLst/>
-        </a:prstGeom>
-        <a:solidFill>
-          <a:schemeClr val="dk2">
-            <a:hueOff val="0"/>
-            <a:satOff val="0"/>
-            <a:lumOff val="0"/>
-            <a:alphaOff val="0"/>
-          </a:schemeClr>
-        </a:solidFill>
-        <a:ln w="12700" cap="flat" cmpd="sng" algn="ctr">
-          <a:solidFill>
-            <a:schemeClr val="lt2">
-              <a:hueOff val="0"/>
-              <a:satOff val="0"/>
-              <a:lumOff val="0"/>
-              <a:alphaOff val="0"/>
-            </a:schemeClr>
-          </a:solidFill>
-          <a:prstDash val="solid"/>
-          <a:miter lim="800000"/>
-        </a:ln>
-        <a:effectLst/>
-      </dsp:spPr>
-      <dsp:style>
-        <a:lnRef idx="2">
-          <a:scrgbClr r="0" g="0" b="0"/>
-        </a:lnRef>
-        <a:fillRef idx="1">
-          <a:scrgbClr r="0" g="0" b="0"/>
-        </a:fillRef>
-        <a:effectRef idx="0">
-          <a:scrgbClr r="0" g="0" b="0"/>
-        </a:effectRef>
-        <a:fontRef idx="minor">
-          <a:schemeClr val="lt1"/>
-        </a:fontRef>
-      </dsp:style>
-      <dsp:txBody>
-        <a:bodyPr spcFirstLastPara="0" vert="horz" wrap="square" lIns="64770" tIns="64770" rIns="64770" bIns="64770" numCol="1" spcCol="1270" anchor="ctr" anchorCtr="0">
-          <a:noAutofit/>
-        </a:bodyPr>
-        <a:lstStyle/>
-        <a:p>
-          <a:pPr lvl="0" algn="ctr" defTabSz="755650">
-            <a:lnSpc>
-              <a:spcPct val="90000"/>
-            </a:lnSpc>
-            <a:spcBef>
-              <a:spcPct val="0"/>
-            </a:spcBef>
-            <a:spcAft>
-              <a:spcPct val="35000"/>
-            </a:spcAft>
-          </a:pPr>
-          <a:r>
-            <a:rPr lang="en-US" sz="1700" kern="1200" dirty="0" smtClean="0"/>
-            <a:t>Provider</a:t>
-          </a:r>
-        </a:p>
-        <a:p>
-          <a:pPr lvl="0" algn="ctr" defTabSz="755650">
-            <a:lnSpc>
-              <a:spcPct val="90000"/>
-            </a:lnSpc>
-            <a:spcBef>
-              <a:spcPct val="0"/>
-            </a:spcBef>
-            <a:spcAft>
-              <a:spcPct val="35000"/>
-            </a:spcAft>
-          </a:pPr>
-          <a:r>
-            <a:rPr lang="en-US" sz="1700" kern="1200" dirty="0" smtClean="0"/>
-            <a:t>Configurable factory</a:t>
-          </a:r>
-          <a:endParaRPr lang="en-US" sz="1700" kern="1200" dirty="0"/>
-        </a:p>
-      </dsp:txBody>
-      <dsp:txXfrm>
-        <a:off x="7696988" y="232066"/>
-        <a:ext cx="1748581" cy="1049148"/>
-      </dsp:txXfrm>
-    </dsp:sp>
   </dsp:spTree>
 </dsp:drawing>
 </file>
@@ -10026,537 +8393,6 @@
       <dsp:cNvGrpSpPr/>
     </dsp:nvGrpSpPr>
     <dsp:grpSpPr/>
-    <dsp:sp modelId="{D0247A5C-194D-40DD-ACBA-7E963F02BAC5}">
-      <dsp:nvSpPr>
-        <dsp:cNvPr id="0" name=""/>
-        <dsp:cNvSpPr/>
-      </dsp:nvSpPr>
-      <dsp:spPr>
-        <a:xfrm>
-          <a:off x="0" y="314857"/>
-          <a:ext cx="5029199" cy="1190700"/>
-        </a:xfrm>
-        <a:prstGeom prst="rect">
-          <a:avLst/>
-        </a:prstGeom>
-        <a:solidFill>
-          <a:schemeClr val="lt1">
-            <a:alpha val="90000"/>
-            <a:hueOff val="0"/>
-            <a:satOff val="0"/>
-            <a:lumOff val="0"/>
-            <a:alphaOff val="0"/>
-          </a:schemeClr>
-        </a:solidFill>
-        <a:ln w="6350" cap="flat" cmpd="sng" algn="ctr">
-          <a:solidFill>
-            <a:schemeClr val="accent6">
-              <a:hueOff val="0"/>
-              <a:satOff val="0"/>
-              <a:lumOff val="0"/>
-              <a:alphaOff val="0"/>
-            </a:schemeClr>
-          </a:solidFill>
-          <a:prstDash val="solid"/>
-          <a:miter lim="800000"/>
-        </a:ln>
-        <a:effectLst/>
-      </dsp:spPr>
-      <dsp:style>
-        <a:lnRef idx="1">
-          <a:scrgbClr r="0" g="0" b="0"/>
-        </a:lnRef>
-        <a:fillRef idx="1">
-          <a:scrgbClr r="0" g="0" b="0"/>
-        </a:fillRef>
-        <a:effectRef idx="0">
-          <a:scrgbClr r="0" g="0" b="0"/>
-        </a:effectRef>
-        <a:fontRef idx="minor"/>
-      </dsp:style>
-      <dsp:txBody>
-        <a:bodyPr spcFirstLastPara="0" vert="horz" wrap="square" lIns="390322" tIns="437388" rIns="390322" bIns="149352" numCol="1" spcCol="1270" anchor="t" anchorCtr="0">
-          <a:noAutofit/>
-        </a:bodyPr>
-        <a:lstStyle/>
-        <a:p>
-          <a:pPr marL="228600" lvl="1" indent="-228600" algn="l" defTabSz="933450">
-            <a:lnSpc>
-              <a:spcPct val="90000"/>
-            </a:lnSpc>
-            <a:spcBef>
-              <a:spcPct val="0"/>
-            </a:spcBef>
-            <a:spcAft>
-              <a:spcPct val="15000"/>
-            </a:spcAft>
-            <a:buChar char="••"/>
-          </a:pPr>
-          <a:r>
-            <a:rPr lang="en-US" sz="2100" kern="1200" dirty="0" smtClean="0"/>
-            <a:t>Design, build, and test customizations</a:t>
-          </a:r>
-          <a:endParaRPr lang="en-US" sz="2100" kern="1200" dirty="0"/>
-        </a:p>
-      </dsp:txBody>
-      <dsp:txXfrm>
-        <a:off x="0" y="314857"/>
-        <a:ext cx="5029199" cy="1190700"/>
-      </dsp:txXfrm>
-    </dsp:sp>
-    <dsp:sp modelId="{FE18ED5F-9A71-45CE-87E6-C0921B5A24D6}">
-      <dsp:nvSpPr>
-        <dsp:cNvPr id="0" name=""/>
-        <dsp:cNvSpPr/>
-      </dsp:nvSpPr>
-      <dsp:spPr>
-        <a:xfrm>
-          <a:off x="251460" y="4897"/>
-          <a:ext cx="3520440" cy="619920"/>
-        </a:xfrm>
-        <a:prstGeom prst="roundRect">
-          <a:avLst/>
-        </a:prstGeom>
-        <a:gradFill rotWithShape="0">
-          <a:gsLst>
-            <a:gs pos="0">
-              <a:schemeClr val="accent6">
-                <a:hueOff val="0"/>
-                <a:satOff val="0"/>
-                <a:lumOff val="0"/>
-                <a:alphaOff val="0"/>
-                <a:satMod val="103000"/>
-                <a:lumMod val="102000"/>
-                <a:tint val="94000"/>
-              </a:schemeClr>
-            </a:gs>
-            <a:gs pos="50000">
-              <a:schemeClr val="accent6">
-                <a:hueOff val="0"/>
-                <a:satOff val="0"/>
-                <a:lumOff val="0"/>
-                <a:alphaOff val="0"/>
-                <a:satMod val="110000"/>
-                <a:lumMod val="100000"/>
-                <a:shade val="100000"/>
-              </a:schemeClr>
-            </a:gs>
-            <a:gs pos="100000">
-              <a:schemeClr val="accent6">
-                <a:hueOff val="0"/>
-                <a:satOff val="0"/>
-                <a:lumOff val="0"/>
-                <a:alphaOff val="0"/>
-                <a:lumMod val="99000"/>
-                <a:satMod val="120000"/>
-                <a:shade val="78000"/>
-              </a:schemeClr>
-            </a:gs>
-          </a:gsLst>
-          <a:lin ang="5400000" scaled="0"/>
-        </a:gradFill>
-        <a:ln>
-          <a:noFill/>
-        </a:ln>
-        <a:effectLst/>
-      </dsp:spPr>
-      <dsp:style>
-        <a:lnRef idx="0">
-          <a:scrgbClr r="0" g="0" b="0"/>
-        </a:lnRef>
-        <a:fillRef idx="3">
-          <a:scrgbClr r="0" g="0" b="0"/>
-        </a:fillRef>
-        <a:effectRef idx="2">
-          <a:scrgbClr r="0" g="0" b="0"/>
-        </a:effectRef>
-        <a:fontRef idx="minor">
-          <a:schemeClr val="lt1"/>
-        </a:fontRef>
-      </dsp:style>
-      <dsp:txBody>
-        <a:bodyPr spcFirstLastPara="0" vert="horz" wrap="square" lIns="133064" tIns="0" rIns="133064" bIns="0" numCol="1" spcCol="1270" anchor="ctr" anchorCtr="0">
-          <a:noAutofit/>
-        </a:bodyPr>
-        <a:lstStyle/>
-        <a:p>
-          <a:pPr lvl="0" algn="l" defTabSz="933450">
-            <a:lnSpc>
-              <a:spcPct val="90000"/>
-            </a:lnSpc>
-            <a:spcBef>
-              <a:spcPct val="0"/>
-            </a:spcBef>
-            <a:spcAft>
-              <a:spcPct val="35000"/>
-            </a:spcAft>
-          </a:pPr>
-          <a:r>
-            <a:rPr lang="en-US" sz="2100" kern="1200" dirty="0" smtClean="0"/>
-            <a:t>Developer</a:t>
-          </a:r>
-          <a:endParaRPr lang="en-US" sz="2100" kern="1200" dirty="0"/>
-        </a:p>
-      </dsp:txBody>
-      <dsp:txXfrm>
-        <a:off x="281722" y="35159"/>
-        <a:ext cx="3459916" cy="559396"/>
-      </dsp:txXfrm>
-    </dsp:sp>
-    <dsp:sp modelId="{B014BCF9-3CF0-4932-9F01-C8EDA8E469DD}">
-      <dsp:nvSpPr>
-        <dsp:cNvPr id="0" name=""/>
-        <dsp:cNvSpPr/>
-      </dsp:nvSpPr>
-      <dsp:spPr>
-        <a:xfrm>
-          <a:off x="0" y="1928917"/>
-          <a:ext cx="5029199" cy="1190700"/>
-        </a:xfrm>
-        <a:prstGeom prst="rect">
-          <a:avLst/>
-        </a:prstGeom>
-        <a:solidFill>
-          <a:schemeClr val="lt1">
-            <a:alpha val="90000"/>
-            <a:hueOff val="0"/>
-            <a:satOff val="0"/>
-            <a:lumOff val="0"/>
-            <a:alphaOff val="0"/>
-          </a:schemeClr>
-        </a:solidFill>
-        <a:ln w="6350" cap="flat" cmpd="sng" algn="ctr">
-          <a:solidFill>
-            <a:schemeClr val="accent6">
-              <a:hueOff val="0"/>
-              <a:satOff val="0"/>
-              <a:lumOff val="0"/>
-              <a:alphaOff val="0"/>
-            </a:schemeClr>
-          </a:solidFill>
-          <a:prstDash val="solid"/>
-          <a:miter lim="800000"/>
-        </a:ln>
-        <a:effectLst/>
-      </dsp:spPr>
-      <dsp:style>
-        <a:lnRef idx="1">
-          <a:scrgbClr r="0" g="0" b="0"/>
-        </a:lnRef>
-        <a:fillRef idx="1">
-          <a:scrgbClr r="0" g="0" b="0"/>
-        </a:fillRef>
-        <a:effectRef idx="0">
-          <a:scrgbClr r="0" g="0" b="0"/>
-        </a:effectRef>
-        <a:fontRef idx="minor"/>
-      </dsp:style>
-      <dsp:txBody>
-        <a:bodyPr spcFirstLastPara="0" vert="horz" wrap="square" lIns="390322" tIns="437388" rIns="390322" bIns="149352" numCol="1" spcCol="1270" anchor="t" anchorCtr="0">
-          <a:noAutofit/>
-        </a:bodyPr>
-        <a:lstStyle/>
-        <a:p>
-          <a:pPr marL="228600" lvl="1" indent="-228600" algn="l" defTabSz="933450">
-            <a:lnSpc>
-              <a:spcPct val="90000"/>
-            </a:lnSpc>
-            <a:spcBef>
-              <a:spcPct val="0"/>
-            </a:spcBef>
-            <a:spcAft>
-              <a:spcPct val="15000"/>
-            </a:spcAft>
-            <a:buChar char="••"/>
-          </a:pPr>
-          <a:r>
-            <a:rPr lang="en-US" sz="2100" kern="1200" dirty="0" smtClean="0"/>
-            <a:t>Install and monitor customizations</a:t>
-          </a:r>
-          <a:endParaRPr lang="en-US" sz="2100" kern="1200" dirty="0"/>
-        </a:p>
-      </dsp:txBody>
-      <dsp:txXfrm>
-        <a:off x="0" y="1928917"/>
-        <a:ext cx="5029199" cy="1190700"/>
-      </dsp:txXfrm>
-    </dsp:sp>
-    <dsp:sp modelId="{1CF0D767-27A0-4A0D-8AD7-1C805538B782}">
-      <dsp:nvSpPr>
-        <dsp:cNvPr id="0" name=""/>
-        <dsp:cNvSpPr/>
-      </dsp:nvSpPr>
-      <dsp:spPr>
-        <a:xfrm>
-          <a:off x="251460" y="1618957"/>
-          <a:ext cx="3520440" cy="619920"/>
-        </a:xfrm>
-        <a:prstGeom prst="roundRect">
-          <a:avLst/>
-        </a:prstGeom>
-        <a:gradFill rotWithShape="0">
-          <a:gsLst>
-            <a:gs pos="0">
-              <a:schemeClr val="accent6">
-                <a:hueOff val="0"/>
-                <a:satOff val="0"/>
-                <a:lumOff val="0"/>
-                <a:alphaOff val="0"/>
-                <a:satMod val="103000"/>
-                <a:lumMod val="102000"/>
-                <a:tint val="94000"/>
-              </a:schemeClr>
-            </a:gs>
-            <a:gs pos="50000">
-              <a:schemeClr val="accent6">
-                <a:hueOff val="0"/>
-                <a:satOff val="0"/>
-                <a:lumOff val="0"/>
-                <a:alphaOff val="0"/>
-                <a:satMod val="110000"/>
-                <a:lumMod val="100000"/>
-                <a:shade val="100000"/>
-              </a:schemeClr>
-            </a:gs>
-            <a:gs pos="100000">
-              <a:schemeClr val="accent6">
-                <a:hueOff val="0"/>
-                <a:satOff val="0"/>
-                <a:lumOff val="0"/>
-                <a:alphaOff val="0"/>
-                <a:lumMod val="99000"/>
-                <a:satMod val="120000"/>
-                <a:shade val="78000"/>
-              </a:schemeClr>
-            </a:gs>
-          </a:gsLst>
-          <a:lin ang="5400000" scaled="0"/>
-        </a:gradFill>
-        <a:ln>
-          <a:noFill/>
-        </a:ln>
-        <a:effectLst/>
-      </dsp:spPr>
-      <dsp:style>
-        <a:lnRef idx="0">
-          <a:scrgbClr r="0" g="0" b="0"/>
-        </a:lnRef>
-        <a:fillRef idx="3">
-          <a:scrgbClr r="0" g="0" b="0"/>
-        </a:fillRef>
-        <a:effectRef idx="2">
-          <a:scrgbClr r="0" g="0" b="0"/>
-        </a:effectRef>
-        <a:fontRef idx="minor">
-          <a:schemeClr val="lt1"/>
-        </a:fontRef>
-      </dsp:style>
-      <dsp:txBody>
-        <a:bodyPr spcFirstLastPara="0" vert="horz" wrap="square" lIns="133064" tIns="0" rIns="133064" bIns="0" numCol="1" spcCol="1270" anchor="ctr" anchorCtr="0">
-          <a:noAutofit/>
-        </a:bodyPr>
-        <a:lstStyle/>
-        <a:p>
-          <a:pPr lvl="0" algn="l" defTabSz="933450">
-            <a:lnSpc>
-              <a:spcPct val="90000"/>
-            </a:lnSpc>
-            <a:spcBef>
-              <a:spcPct val="0"/>
-            </a:spcBef>
-            <a:spcAft>
-              <a:spcPct val="35000"/>
-            </a:spcAft>
-          </a:pPr>
-          <a:r>
-            <a:rPr lang="en-US" sz="2100" kern="1200" dirty="0" smtClean="0"/>
-            <a:t>Administrator</a:t>
-          </a:r>
-          <a:endParaRPr lang="en-US" sz="2100" kern="1200" dirty="0"/>
-        </a:p>
-      </dsp:txBody>
-      <dsp:txXfrm>
-        <a:off x="281722" y="1649219"/>
-        <a:ext cx="3459916" cy="559396"/>
-      </dsp:txXfrm>
-    </dsp:sp>
-    <dsp:sp modelId="{065ED812-3110-45CB-BF60-C55BC725AA59}">
-      <dsp:nvSpPr>
-        <dsp:cNvPr id="0" name=""/>
-        <dsp:cNvSpPr/>
-      </dsp:nvSpPr>
-      <dsp:spPr>
-        <a:xfrm>
-          <a:off x="0" y="3542977"/>
-          <a:ext cx="5029199" cy="876487"/>
-        </a:xfrm>
-        <a:prstGeom prst="rect">
-          <a:avLst/>
-        </a:prstGeom>
-        <a:solidFill>
-          <a:schemeClr val="lt1">
-            <a:alpha val="90000"/>
-            <a:hueOff val="0"/>
-            <a:satOff val="0"/>
-            <a:lumOff val="0"/>
-            <a:alphaOff val="0"/>
-          </a:schemeClr>
-        </a:solidFill>
-        <a:ln w="6350" cap="flat" cmpd="sng" algn="ctr">
-          <a:solidFill>
-            <a:schemeClr val="accent6">
-              <a:hueOff val="0"/>
-              <a:satOff val="0"/>
-              <a:lumOff val="0"/>
-              <a:alphaOff val="0"/>
-            </a:schemeClr>
-          </a:solidFill>
-          <a:prstDash val="solid"/>
-          <a:miter lim="800000"/>
-        </a:ln>
-        <a:effectLst/>
-      </dsp:spPr>
-      <dsp:style>
-        <a:lnRef idx="1">
-          <a:scrgbClr r="0" g="0" b="0"/>
-        </a:lnRef>
-        <a:fillRef idx="1">
-          <a:scrgbClr r="0" g="0" b="0"/>
-        </a:fillRef>
-        <a:effectRef idx="0">
-          <a:scrgbClr r="0" g="0" b="0"/>
-        </a:effectRef>
-        <a:fontRef idx="minor"/>
-      </dsp:style>
-      <dsp:txBody>
-        <a:bodyPr spcFirstLastPara="0" vert="horz" wrap="square" lIns="390322" tIns="437388" rIns="390322" bIns="149352" numCol="1" spcCol="1270" anchor="t" anchorCtr="0">
-          <a:noAutofit/>
-        </a:bodyPr>
-        <a:lstStyle/>
-        <a:p>
-          <a:pPr marL="228600" lvl="1" indent="-228600" algn="l" defTabSz="933450">
-            <a:lnSpc>
-              <a:spcPct val="90000"/>
-            </a:lnSpc>
-            <a:spcBef>
-              <a:spcPct val="0"/>
-            </a:spcBef>
-            <a:spcAft>
-              <a:spcPct val="15000"/>
-            </a:spcAft>
-            <a:buChar char="••"/>
-          </a:pPr>
-          <a:r>
-            <a:rPr lang="en-US" sz="2100" kern="1200" dirty="0" smtClean="0"/>
-            <a:t>Activate and use customizations</a:t>
-          </a:r>
-          <a:endParaRPr lang="en-US" sz="2100" kern="1200" dirty="0"/>
-        </a:p>
-      </dsp:txBody>
-      <dsp:txXfrm>
-        <a:off x="0" y="3542977"/>
-        <a:ext cx="5029199" cy="876487"/>
-      </dsp:txXfrm>
-    </dsp:sp>
-    <dsp:sp modelId="{25AD4B18-A6F3-4E52-A6B5-53F7A9EAF766}">
-      <dsp:nvSpPr>
-        <dsp:cNvPr id="0" name=""/>
-        <dsp:cNvSpPr/>
-      </dsp:nvSpPr>
-      <dsp:spPr>
-        <a:xfrm>
-          <a:off x="251460" y="3233017"/>
-          <a:ext cx="3520440" cy="619920"/>
-        </a:xfrm>
-        <a:prstGeom prst="roundRect">
-          <a:avLst/>
-        </a:prstGeom>
-        <a:gradFill rotWithShape="0">
-          <a:gsLst>
-            <a:gs pos="0">
-              <a:schemeClr val="accent6">
-                <a:hueOff val="0"/>
-                <a:satOff val="0"/>
-                <a:lumOff val="0"/>
-                <a:alphaOff val="0"/>
-                <a:satMod val="103000"/>
-                <a:lumMod val="102000"/>
-                <a:tint val="94000"/>
-              </a:schemeClr>
-            </a:gs>
-            <a:gs pos="50000">
-              <a:schemeClr val="accent6">
-                <a:hueOff val="0"/>
-                <a:satOff val="0"/>
-                <a:lumOff val="0"/>
-                <a:alphaOff val="0"/>
-                <a:satMod val="110000"/>
-                <a:lumMod val="100000"/>
-                <a:shade val="100000"/>
-              </a:schemeClr>
-            </a:gs>
-            <a:gs pos="100000">
-              <a:schemeClr val="accent6">
-                <a:hueOff val="0"/>
-                <a:satOff val="0"/>
-                <a:lumOff val="0"/>
-                <a:alphaOff val="0"/>
-                <a:lumMod val="99000"/>
-                <a:satMod val="120000"/>
-                <a:shade val="78000"/>
-              </a:schemeClr>
-            </a:gs>
-          </a:gsLst>
-          <a:lin ang="5400000" scaled="0"/>
-        </a:gradFill>
-        <a:ln>
-          <a:noFill/>
-        </a:ln>
-        <a:effectLst/>
-      </dsp:spPr>
-      <dsp:style>
-        <a:lnRef idx="0">
-          <a:scrgbClr r="0" g="0" b="0"/>
-        </a:lnRef>
-        <a:fillRef idx="3">
-          <a:scrgbClr r="0" g="0" b="0"/>
-        </a:fillRef>
-        <a:effectRef idx="2">
-          <a:scrgbClr r="0" g="0" b="0"/>
-        </a:effectRef>
-        <a:fontRef idx="minor">
-          <a:schemeClr val="lt1"/>
-        </a:fontRef>
-      </dsp:style>
-      <dsp:txBody>
-        <a:bodyPr spcFirstLastPara="0" vert="horz" wrap="square" lIns="133064" tIns="0" rIns="133064" bIns="0" numCol="1" spcCol="1270" anchor="ctr" anchorCtr="0">
-          <a:noAutofit/>
-        </a:bodyPr>
-        <a:lstStyle/>
-        <a:p>
-          <a:pPr lvl="0" algn="l" defTabSz="933450">
-            <a:lnSpc>
-              <a:spcPct val="90000"/>
-            </a:lnSpc>
-            <a:spcBef>
-              <a:spcPct val="0"/>
-            </a:spcBef>
-            <a:spcAft>
-              <a:spcPct val="35000"/>
-            </a:spcAft>
-          </a:pPr>
-          <a:r>
-            <a:rPr lang="en-US" sz="2100" kern="1200" dirty="0" smtClean="0"/>
-            <a:t>Site Collection Owner</a:t>
-          </a:r>
-          <a:endParaRPr lang="en-US" sz="2100" kern="1200" dirty="0"/>
-        </a:p>
-      </dsp:txBody>
-      <dsp:txXfrm>
-        <a:off x="281722" y="3263279"/>
-        <a:ext cx="3459916" cy="559396"/>
-      </dsp:txXfrm>
-    </dsp:sp>
   </dsp:spTree>
 </dsp:drawing>
 </file>
@@ -10569,556 +8405,6 @@
       <dsp:cNvGrpSpPr/>
     </dsp:nvGrpSpPr>
     <dsp:grpSpPr/>
-    <dsp:sp modelId="{D0247A5C-194D-40DD-ACBA-7E963F02BAC5}">
-      <dsp:nvSpPr>
-        <dsp:cNvPr id="0" name=""/>
-        <dsp:cNvSpPr/>
-      </dsp:nvSpPr>
-      <dsp:spPr>
-        <a:xfrm>
-          <a:off x="0" y="351749"/>
-          <a:ext cx="5029199" cy="1134000"/>
-        </a:xfrm>
-        <a:prstGeom prst="rect">
-          <a:avLst/>
-        </a:prstGeom>
-        <a:solidFill>
-          <a:schemeClr val="lt1">
-            <a:alpha val="90000"/>
-            <a:hueOff val="0"/>
-            <a:satOff val="0"/>
-            <a:lumOff val="0"/>
-            <a:alphaOff val="0"/>
-          </a:schemeClr>
-        </a:solidFill>
-        <a:ln w="6350" cap="flat" cmpd="sng" algn="ctr">
-          <a:solidFill>
-            <a:schemeClr val="accent6">
-              <a:hueOff val="0"/>
-              <a:satOff val="0"/>
-              <a:lumOff val="0"/>
-              <a:alphaOff val="0"/>
-            </a:schemeClr>
-          </a:solidFill>
-          <a:prstDash val="solid"/>
-          <a:miter lim="800000"/>
-        </a:ln>
-        <a:effectLst/>
-      </dsp:spPr>
-      <dsp:style>
-        <a:lnRef idx="1">
-          <a:scrgbClr r="0" g="0" b="0"/>
-        </a:lnRef>
-        <a:fillRef idx="1">
-          <a:scrgbClr r="0" g="0" b="0"/>
-        </a:fillRef>
-        <a:effectRef idx="0">
-          <a:scrgbClr r="0" g="0" b="0"/>
-        </a:effectRef>
-        <a:fontRef idx="minor"/>
-      </dsp:style>
-      <dsp:txBody>
-        <a:bodyPr spcFirstLastPara="0" vert="horz" wrap="square" lIns="390322" tIns="416560" rIns="390322" bIns="142240" numCol="1" spcCol="1270" anchor="t" anchorCtr="0">
-          <a:noAutofit/>
-        </a:bodyPr>
-        <a:lstStyle/>
-        <a:p>
-          <a:pPr marL="228600" lvl="1" indent="-228600" algn="l" defTabSz="889000">
-            <a:lnSpc>
-              <a:spcPct val="90000"/>
-            </a:lnSpc>
-            <a:spcBef>
-              <a:spcPct val="0"/>
-            </a:spcBef>
-            <a:spcAft>
-              <a:spcPct val="15000"/>
-            </a:spcAft>
-            <a:buChar char="••"/>
-          </a:pPr>
-          <a:r>
-            <a:rPr lang="en-US" sz="2000" kern="1200" dirty="0" smtClean="0"/>
-            <a:t>Design, build, and test customizations</a:t>
-          </a:r>
-          <a:endParaRPr lang="en-US" sz="2000" kern="1200" dirty="0"/>
-        </a:p>
-      </dsp:txBody>
-      <dsp:txXfrm>
-        <a:off x="0" y="351749"/>
-        <a:ext cx="5029199" cy="1134000"/>
-      </dsp:txXfrm>
-    </dsp:sp>
-    <dsp:sp modelId="{FE18ED5F-9A71-45CE-87E6-C0921B5A24D6}">
-      <dsp:nvSpPr>
-        <dsp:cNvPr id="0" name=""/>
-        <dsp:cNvSpPr/>
-      </dsp:nvSpPr>
-      <dsp:spPr>
-        <a:xfrm>
-          <a:off x="251460" y="56549"/>
-          <a:ext cx="3520440" cy="590400"/>
-        </a:xfrm>
-        <a:prstGeom prst="roundRect">
-          <a:avLst/>
-        </a:prstGeom>
-        <a:gradFill rotWithShape="0">
-          <a:gsLst>
-            <a:gs pos="0">
-              <a:schemeClr val="accent6">
-                <a:hueOff val="0"/>
-                <a:satOff val="0"/>
-                <a:lumOff val="0"/>
-                <a:alphaOff val="0"/>
-                <a:satMod val="103000"/>
-                <a:lumMod val="102000"/>
-                <a:tint val="94000"/>
-              </a:schemeClr>
-            </a:gs>
-            <a:gs pos="50000">
-              <a:schemeClr val="accent6">
-                <a:hueOff val="0"/>
-                <a:satOff val="0"/>
-                <a:lumOff val="0"/>
-                <a:alphaOff val="0"/>
-                <a:satMod val="110000"/>
-                <a:lumMod val="100000"/>
-                <a:shade val="100000"/>
-              </a:schemeClr>
-            </a:gs>
-            <a:gs pos="100000">
-              <a:schemeClr val="accent6">
-                <a:hueOff val="0"/>
-                <a:satOff val="0"/>
-                <a:lumOff val="0"/>
-                <a:alphaOff val="0"/>
-                <a:lumMod val="99000"/>
-                <a:satMod val="120000"/>
-                <a:shade val="78000"/>
-              </a:schemeClr>
-            </a:gs>
-          </a:gsLst>
-          <a:lin ang="5400000" scaled="0"/>
-        </a:gradFill>
-        <a:ln>
-          <a:noFill/>
-        </a:ln>
-        <a:effectLst/>
-      </dsp:spPr>
-      <dsp:style>
-        <a:lnRef idx="0">
-          <a:scrgbClr r="0" g="0" b="0"/>
-        </a:lnRef>
-        <a:fillRef idx="3">
-          <a:scrgbClr r="0" g="0" b="0"/>
-        </a:fillRef>
-        <a:effectRef idx="2">
-          <a:scrgbClr r="0" g="0" b="0"/>
-        </a:effectRef>
-        <a:fontRef idx="minor">
-          <a:schemeClr val="lt1"/>
-        </a:fontRef>
-      </dsp:style>
-      <dsp:txBody>
-        <a:bodyPr spcFirstLastPara="0" vert="horz" wrap="square" lIns="133064" tIns="0" rIns="133064" bIns="0" numCol="1" spcCol="1270" anchor="ctr" anchorCtr="0">
-          <a:noAutofit/>
-        </a:bodyPr>
-        <a:lstStyle/>
-        <a:p>
-          <a:pPr lvl="0" algn="l" defTabSz="889000">
-            <a:lnSpc>
-              <a:spcPct val="90000"/>
-            </a:lnSpc>
-            <a:spcBef>
-              <a:spcPct val="0"/>
-            </a:spcBef>
-            <a:spcAft>
-              <a:spcPct val="35000"/>
-            </a:spcAft>
-          </a:pPr>
-          <a:r>
-            <a:rPr lang="en-US" sz="2000" kern="1200" dirty="0" smtClean="0"/>
-            <a:t>Developer</a:t>
-          </a:r>
-          <a:endParaRPr lang="en-US" sz="2000" kern="1200" dirty="0"/>
-        </a:p>
-      </dsp:txBody>
-      <dsp:txXfrm>
-        <a:off x="280281" y="85370"/>
-        <a:ext cx="3462798" cy="532758"/>
-      </dsp:txXfrm>
-    </dsp:sp>
-    <dsp:sp modelId="{B014BCF9-3CF0-4932-9F01-C8EDA8E469DD}">
-      <dsp:nvSpPr>
-        <dsp:cNvPr id="0" name=""/>
-        <dsp:cNvSpPr/>
-      </dsp:nvSpPr>
-      <dsp:spPr>
-        <a:xfrm>
-          <a:off x="0" y="1888949"/>
-          <a:ext cx="5029199" cy="1134000"/>
-        </a:xfrm>
-        <a:prstGeom prst="rect">
-          <a:avLst/>
-        </a:prstGeom>
-        <a:solidFill>
-          <a:schemeClr val="lt1">
-            <a:alpha val="90000"/>
-            <a:hueOff val="0"/>
-            <a:satOff val="0"/>
-            <a:lumOff val="0"/>
-            <a:alphaOff val="0"/>
-          </a:schemeClr>
-        </a:solidFill>
-        <a:ln w="6350" cap="flat" cmpd="sng" algn="ctr">
-          <a:solidFill>
-            <a:schemeClr val="accent6">
-              <a:hueOff val="0"/>
-              <a:satOff val="0"/>
-              <a:lumOff val="0"/>
-              <a:alphaOff val="0"/>
-            </a:schemeClr>
-          </a:solidFill>
-          <a:prstDash val="solid"/>
-          <a:miter lim="800000"/>
-        </a:ln>
-        <a:effectLst/>
-      </dsp:spPr>
-      <dsp:style>
-        <a:lnRef idx="1">
-          <a:scrgbClr r="0" g="0" b="0"/>
-        </a:lnRef>
-        <a:fillRef idx="1">
-          <a:scrgbClr r="0" g="0" b="0"/>
-        </a:fillRef>
-        <a:effectRef idx="0">
-          <a:scrgbClr r="0" g="0" b="0"/>
-        </a:effectRef>
-        <a:fontRef idx="minor"/>
-      </dsp:style>
-      <dsp:txBody>
-        <a:bodyPr spcFirstLastPara="0" vert="horz" wrap="square" lIns="390322" tIns="416560" rIns="390322" bIns="142240" numCol="1" spcCol="1270" anchor="t" anchorCtr="0">
-          <a:noAutofit/>
-        </a:bodyPr>
-        <a:lstStyle/>
-        <a:p>
-          <a:pPr marL="228600" lvl="1" indent="-228600" algn="l" defTabSz="889000">
-            <a:lnSpc>
-              <a:spcPct val="90000"/>
-            </a:lnSpc>
-            <a:spcBef>
-              <a:spcPct val="0"/>
-            </a:spcBef>
-            <a:spcAft>
-              <a:spcPct val="15000"/>
-            </a:spcAft>
-            <a:buChar char="••"/>
-          </a:pPr>
-          <a:r>
-            <a:rPr lang="en-US" sz="2000" kern="1200" dirty="0" smtClean="0"/>
-            <a:t>Set quotas and monitor customizations</a:t>
-          </a:r>
-          <a:endParaRPr lang="en-US" sz="2000" kern="1200" dirty="0"/>
-        </a:p>
-      </dsp:txBody>
-      <dsp:txXfrm>
-        <a:off x="0" y="1888949"/>
-        <a:ext cx="5029199" cy="1134000"/>
-      </dsp:txXfrm>
-    </dsp:sp>
-    <dsp:sp modelId="{1CF0D767-27A0-4A0D-8AD7-1C805538B782}">
-      <dsp:nvSpPr>
-        <dsp:cNvPr id="0" name=""/>
-        <dsp:cNvSpPr/>
-      </dsp:nvSpPr>
-      <dsp:spPr>
-        <a:xfrm>
-          <a:off x="251460" y="1593749"/>
-          <a:ext cx="3520440" cy="590400"/>
-        </a:xfrm>
-        <a:prstGeom prst="roundRect">
-          <a:avLst/>
-        </a:prstGeom>
-        <a:gradFill rotWithShape="0">
-          <a:gsLst>
-            <a:gs pos="0">
-              <a:schemeClr val="accent6">
-                <a:hueOff val="0"/>
-                <a:satOff val="0"/>
-                <a:lumOff val="0"/>
-                <a:alphaOff val="0"/>
-                <a:satMod val="103000"/>
-                <a:lumMod val="102000"/>
-                <a:tint val="94000"/>
-              </a:schemeClr>
-            </a:gs>
-            <a:gs pos="50000">
-              <a:schemeClr val="accent6">
-                <a:hueOff val="0"/>
-                <a:satOff val="0"/>
-                <a:lumOff val="0"/>
-                <a:alphaOff val="0"/>
-                <a:satMod val="110000"/>
-                <a:lumMod val="100000"/>
-                <a:shade val="100000"/>
-              </a:schemeClr>
-            </a:gs>
-            <a:gs pos="100000">
-              <a:schemeClr val="accent6">
-                <a:hueOff val="0"/>
-                <a:satOff val="0"/>
-                <a:lumOff val="0"/>
-                <a:alphaOff val="0"/>
-                <a:lumMod val="99000"/>
-                <a:satMod val="120000"/>
-                <a:shade val="78000"/>
-              </a:schemeClr>
-            </a:gs>
-          </a:gsLst>
-          <a:lin ang="5400000" scaled="0"/>
-        </a:gradFill>
-        <a:ln>
-          <a:noFill/>
-        </a:ln>
-        <a:effectLst/>
-      </dsp:spPr>
-      <dsp:style>
-        <a:lnRef idx="0">
-          <a:scrgbClr r="0" g="0" b="0"/>
-        </a:lnRef>
-        <a:fillRef idx="3">
-          <a:scrgbClr r="0" g="0" b="0"/>
-        </a:fillRef>
-        <a:effectRef idx="2">
-          <a:scrgbClr r="0" g="0" b="0"/>
-        </a:effectRef>
-        <a:fontRef idx="minor">
-          <a:schemeClr val="lt1"/>
-        </a:fontRef>
-      </dsp:style>
-      <dsp:txBody>
-        <a:bodyPr spcFirstLastPara="0" vert="horz" wrap="square" lIns="133064" tIns="0" rIns="133064" bIns="0" numCol="1" spcCol="1270" anchor="ctr" anchorCtr="0">
-          <a:noAutofit/>
-        </a:bodyPr>
-        <a:lstStyle/>
-        <a:p>
-          <a:pPr lvl="0" algn="l" defTabSz="889000">
-            <a:lnSpc>
-              <a:spcPct val="90000"/>
-            </a:lnSpc>
-            <a:spcBef>
-              <a:spcPct val="0"/>
-            </a:spcBef>
-            <a:spcAft>
-              <a:spcPct val="35000"/>
-            </a:spcAft>
-          </a:pPr>
-          <a:r>
-            <a:rPr lang="en-US" sz="2000" kern="1200" dirty="0" smtClean="0"/>
-            <a:t>Administrator</a:t>
-          </a:r>
-          <a:endParaRPr lang="en-US" sz="2000" kern="1200" dirty="0"/>
-        </a:p>
-      </dsp:txBody>
-      <dsp:txXfrm>
-        <a:off x="280281" y="1622570"/>
-        <a:ext cx="3462798" cy="532758"/>
-      </dsp:txXfrm>
-    </dsp:sp>
-    <dsp:sp modelId="{065ED812-3110-45CB-BF60-C55BC725AA59}">
-      <dsp:nvSpPr>
-        <dsp:cNvPr id="0" name=""/>
-        <dsp:cNvSpPr/>
-      </dsp:nvSpPr>
-      <dsp:spPr>
-        <a:xfrm>
-          <a:off x="0" y="3426149"/>
-          <a:ext cx="5029199" cy="1165500"/>
-        </a:xfrm>
-        <a:prstGeom prst="rect">
-          <a:avLst/>
-        </a:prstGeom>
-        <a:solidFill>
-          <a:schemeClr val="lt1">
-            <a:alpha val="90000"/>
-            <a:hueOff val="0"/>
-            <a:satOff val="0"/>
-            <a:lumOff val="0"/>
-            <a:alphaOff val="0"/>
-          </a:schemeClr>
-        </a:solidFill>
-        <a:ln w="6350" cap="flat" cmpd="sng" algn="ctr">
-          <a:solidFill>
-            <a:schemeClr val="accent6">
-              <a:hueOff val="0"/>
-              <a:satOff val="0"/>
-              <a:lumOff val="0"/>
-              <a:alphaOff val="0"/>
-            </a:schemeClr>
-          </a:solidFill>
-          <a:prstDash val="solid"/>
-          <a:miter lim="800000"/>
-        </a:ln>
-        <a:effectLst/>
-      </dsp:spPr>
-      <dsp:style>
-        <a:lnRef idx="1">
-          <a:scrgbClr r="0" g="0" b="0"/>
-        </a:lnRef>
-        <a:fillRef idx="1">
-          <a:scrgbClr r="0" g="0" b="0"/>
-        </a:fillRef>
-        <a:effectRef idx="0">
-          <a:scrgbClr r="0" g="0" b="0"/>
-        </a:effectRef>
-        <a:fontRef idx="minor"/>
-      </dsp:style>
-      <dsp:txBody>
-        <a:bodyPr spcFirstLastPara="0" vert="horz" wrap="square" lIns="390322" tIns="416560" rIns="390322" bIns="142240" numCol="1" spcCol="1270" anchor="t" anchorCtr="0">
-          <a:noAutofit/>
-        </a:bodyPr>
-        <a:lstStyle/>
-        <a:p>
-          <a:pPr marL="228600" lvl="1" indent="-228600" algn="l" defTabSz="889000">
-            <a:lnSpc>
-              <a:spcPct val="90000"/>
-            </a:lnSpc>
-            <a:spcBef>
-              <a:spcPct val="0"/>
-            </a:spcBef>
-            <a:spcAft>
-              <a:spcPct val="15000"/>
-            </a:spcAft>
-            <a:buChar char="••"/>
-          </a:pPr>
-          <a:r>
-            <a:rPr lang="en-US" sz="2000" kern="1200" dirty="0" smtClean="0"/>
-            <a:t>Install customizations</a:t>
-          </a:r>
-          <a:endParaRPr lang="en-US" sz="2000" kern="1200" dirty="0"/>
-        </a:p>
-        <a:p>
-          <a:pPr marL="228600" lvl="1" indent="-228600" algn="l" defTabSz="889000">
-            <a:lnSpc>
-              <a:spcPct val="90000"/>
-            </a:lnSpc>
-            <a:spcBef>
-              <a:spcPct val="0"/>
-            </a:spcBef>
-            <a:spcAft>
-              <a:spcPct val="15000"/>
-            </a:spcAft>
-            <a:buChar char="••"/>
-          </a:pPr>
-          <a:r>
-            <a:rPr lang="en-US" sz="2000" kern="1200" dirty="0" smtClean="0"/>
-            <a:t>Activate and use customizations</a:t>
-          </a:r>
-          <a:endParaRPr lang="en-US" sz="2000" kern="1200" dirty="0"/>
-        </a:p>
-      </dsp:txBody>
-      <dsp:txXfrm>
-        <a:off x="0" y="3426149"/>
-        <a:ext cx="5029199" cy="1165500"/>
-      </dsp:txXfrm>
-    </dsp:sp>
-    <dsp:sp modelId="{25AD4B18-A6F3-4E52-A6B5-53F7A9EAF766}">
-      <dsp:nvSpPr>
-        <dsp:cNvPr id="0" name=""/>
-        <dsp:cNvSpPr/>
-      </dsp:nvSpPr>
-      <dsp:spPr>
-        <a:xfrm>
-          <a:off x="251460" y="3130949"/>
-          <a:ext cx="3520440" cy="590400"/>
-        </a:xfrm>
-        <a:prstGeom prst="roundRect">
-          <a:avLst/>
-        </a:prstGeom>
-        <a:gradFill rotWithShape="0">
-          <a:gsLst>
-            <a:gs pos="0">
-              <a:schemeClr val="accent6">
-                <a:hueOff val="0"/>
-                <a:satOff val="0"/>
-                <a:lumOff val="0"/>
-                <a:alphaOff val="0"/>
-                <a:satMod val="103000"/>
-                <a:lumMod val="102000"/>
-                <a:tint val="94000"/>
-              </a:schemeClr>
-            </a:gs>
-            <a:gs pos="50000">
-              <a:schemeClr val="accent6">
-                <a:hueOff val="0"/>
-                <a:satOff val="0"/>
-                <a:lumOff val="0"/>
-                <a:alphaOff val="0"/>
-                <a:satMod val="110000"/>
-                <a:lumMod val="100000"/>
-                <a:shade val="100000"/>
-              </a:schemeClr>
-            </a:gs>
-            <a:gs pos="100000">
-              <a:schemeClr val="accent6">
-                <a:hueOff val="0"/>
-                <a:satOff val="0"/>
-                <a:lumOff val="0"/>
-                <a:alphaOff val="0"/>
-                <a:lumMod val="99000"/>
-                <a:satMod val="120000"/>
-                <a:shade val="78000"/>
-              </a:schemeClr>
-            </a:gs>
-          </a:gsLst>
-          <a:lin ang="5400000" scaled="0"/>
-        </a:gradFill>
-        <a:ln>
-          <a:noFill/>
-        </a:ln>
-        <a:effectLst/>
-      </dsp:spPr>
-      <dsp:style>
-        <a:lnRef idx="0">
-          <a:scrgbClr r="0" g="0" b="0"/>
-        </a:lnRef>
-        <a:fillRef idx="3">
-          <a:scrgbClr r="0" g="0" b="0"/>
-        </a:fillRef>
-        <a:effectRef idx="2">
-          <a:scrgbClr r="0" g="0" b="0"/>
-        </a:effectRef>
-        <a:fontRef idx="minor">
-          <a:schemeClr val="lt1"/>
-        </a:fontRef>
-      </dsp:style>
-      <dsp:txBody>
-        <a:bodyPr spcFirstLastPara="0" vert="horz" wrap="square" lIns="133064" tIns="0" rIns="133064" bIns="0" numCol="1" spcCol="1270" anchor="ctr" anchorCtr="0">
-          <a:noAutofit/>
-        </a:bodyPr>
-        <a:lstStyle/>
-        <a:p>
-          <a:pPr lvl="0" algn="l" defTabSz="889000">
-            <a:lnSpc>
-              <a:spcPct val="90000"/>
-            </a:lnSpc>
-            <a:spcBef>
-              <a:spcPct val="0"/>
-            </a:spcBef>
-            <a:spcAft>
-              <a:spcPct val="35000"/>
-            </a:spcAft>
-          </a:pPr>
-          <a:r>
-            <a:rPr lang="en-US" sz="2000" kern="1200" dirty="0" smtClean="0"/>
-            <a:t>Site Collection Owner</a:t>
-          </a:r>
-          <a:endParaRPr lang="en-US" sz="2000" kern="1200" dirty="0"/>
-        </a:p>
-      </dsp:txBody>
-      <dsp:txXfrm>
-        <a:off x="280281" y="3159770"/>
-        <a:ext cx="3462798" cy="532758"/>
-      </dsp:txXfrm>
-    </dsp:sp>
   </dsp:spTree>
 </dsp:drawing>
 </file>
@@ -11131,455 +8417,6 @@
       <dsp:cNvGrpSpPr/>
     </dsp:nvGrpSpPr>
     <dsp:grpSpPr/>
-    <dsp:sp modelId="{A59FDD59-C845-48EE-8066-00A34A52D86B}">
-      <dsp:nvSpPr>
-        <dsp:cNvPr id="0" name=""/>
-        <dsp:cNvSpPr/>
-      </dsp:nvSpPr>
-      <dsp:spPr>
-        <a:xfrm>
-          <a:off x="0" y="0"/>
-          <a:ext cx="8229600" cy="2023110"/>
-        </a:xfrm>
-        <a:prstGeom prst="roundRect">
-          <a:avLst>
-            <a:gd name="adj" fmla="val 10000"/>
-          </a:avLst>
-        </a:prstGeom>
-        <a:solidFill>
-          <a:schemeClr val="lt1">
-            <a:alpha val="90000"/>
-            <a:tint val="40000"/>
-            <a:hueOff val="0"/>
-            <a:satOff val="0"/>
-            <a:lumOff val="0"/>
-            <a:alphaOff val="0"/>
-          </a:schemeClr>
-        </a:solidFill>
-        <a:ln w="12700" cap="flat" cmpd="sng" algn="ctr">
-          <a:solidFill>
-            <a:schemeClr val="dk1">
-              <a:alpha val="90000"/>
-              <a:hueOff val="0"/>
-              <a:satOff val="0"/>
-              <a:lumOff val="0"/>
-              <a:alphaOff val="0"/>
-            </a:schemeClr>
-          </a:solidFill>
-          <a:prstDash val="solid"/>
-          <a:miter lim="800000"/>
-        </a:ln>
-        <a:effectLst/>
-      </dsp:spPr>
-      <dsp:style>
-        <a:lnRef idx="2">
-          <a:scrgbClr r="0" g="0" b="0"/>
-        </a:lnRef>
-        <a:fillRef idx="1">
-          <a:scrgbClr r="0" g="0" b="0"/>
-        </a:fillRef>
-        <a:effectRef idx="0">
-          <a:scrgbClr r="0" g="0" b="0"/>
-        </a:effectRef>
-        <a:fontRef idx="minor"/>
-      </dsp:style>
-    </dsp:sp>
-    <dsp:sp modelId="{BD27DE20-0AD9-469D-8823-E453E4477F2C}">
-      <dsp:nvSpPr>
-        <dsp:cNvPr id="0" name=""/>
-        <dsp:cNvSpPr/>
-      </dsp:nvSpPr>
-      <dsp:spPr>
-        <a:xfrm>
-          <a:off x="246887" y="269748"/>
-          <a:ext cx="2417445" cy="1483614"/>
-        </a:xfrm>
-        <a:prstGeom prst="roundRect">
-          <a:avLst>
-            <a:gd name="adj" fmla="val 10000"/>
-          </a:avLst>
-        </a:prstGeom>
-        <a:blipFill rotWithShape="1">
-          <a:blip xmlns:r="http://schemas.openxmlformats.org/officeDocument/2006/relationships" r:embed="rId1"/>
-          <a:stretch>
-            <a:fillRect/>
-          </a:stretch>
-        </a:blipFill>
-        <a:ln w="12700" cap="flat" cmpd="sng" algn="ctr">
-          <a:solidFill>
-            <a:schemeClr val="dk1">
-              <a:shade val="80000"/>
-              <a:hueOff val="0"/>
-              <a:satOff val="0"/>
-              <a:lumOff val="0"/>
-              <a:alphaOff val="0"/>
-            </a:schemeClr>
-          </a:solidFill>
-          <a:prstDash val="solid"/>
-          <a:miter lim="800000"/>
-        </a:ln>
-        <a:effectLst/>
-      </dsp:spPr>
-      <dsp:style>
-        <a:lnRef idx="2">
-          <a:scrgbClr r="0" g="0" b="0"/>
-        </a:lnRef>
-        <a:fillRef idx="1">
-          <a:scrgbClr r="0" g="0" b="0"/>
-        </a:fillRef>
-        <a:effectRef idx="0">
-          <a:scrgbClr r="0" g="0" b="0"/>
-        </a:effectRef>
-        <a:fontRef idx="minor"/>
-      </dsp:style>
-    </dsp:sp>
-    <dsp:sp modelId="{55FCEC3D-61D9-4D5A-9134-49B382579D09}">
-      <dsp:nvSpPr>
-        <dsp:cNvPr id="0" name=""/>
-        <dsp:cNvSpPr/>
-      </dsp:nvSpPr>
-      <dsp:spPr>
-        <a:xfrm rot="10800000">
-          <a:off x="246887" y="2023109"/>
-          <a:ext cx="2417445" cy="2472690"/>
-        </a:xfrm>
-        <a:prstGeom prst="round2SameRect">
-          <a:avLst>
-            <a:gd name="adj1" fmla="val 10500"/>
-            <a:gd name="adj2" fmla="val 0"/>
-          </a:avLst>
-        </a:prstGeom>
-        <a:solidFill>
-          <a:schemeClr val="lt1">
-            <a:hueOff val="0"/>
-            <a:satOff val="0"/>
-            <a:lumOff val="0"/>
-            <a:alphaOff val="0"/>
-          </a:schemeClr>
-        </a:solidFill>
-        <a:ln w="12700" cap="flat" cmpd="sng" algn="ctr">
-          <a:solidFill>
-            <a:schemeClr val="dk1">
-              <a:shade val="80000"/>
-              <a:hueOff val="0"/>
-              <a:satOff val="0"/>
-              <a:lumOff val="0"/>
-              <a:alphaOff val="0"/>
-            </a:schemeClr>
-          </a:solidFill>
-          <a:prstDash val="solid"/>
-          <a:miter lim="800000"/>
-        </a:ln>
-        <a:effectLst/>
-      </dsp:spPr>
-      <dsp:style>
-        <a:lnRef idx="2">
-          <a:scrgbClr r="0" g="0" b="0"/>
-        </a:lnRef>
-        <a:fillRef idx="1">
-          <a:scrgbClr r="0" g="0" b="0"/>
-        </a:fillRef>
-        <a:effectRef idx="0">
-          <a:scrgbClr r="0" g="0" b="0"/>
-        </a:effectRef>
-        <a:fontRef idx="minor">
-          <a:schemeClr val="lt1"/>
-        </a:fontRef>
-      </dsp:style>
-      <dsp:txBody>
-        <a:bodyPr spcFirstLastPara="0" vert="horz" wrap="square" lIns="142240" tIns="142240" rIns="142240" bIns="142240" numCol="1" spcCol="1270" anchor="t" anchorCtr="0">
-          <a:noAutofit/>
-        </a:bodyPr>
-        <a:lstStyle/>
-        <a:p>
-          <a:pPr lvl="0" algn="ctr" defTabSz="889000">
-            <a:lnSpc>
-              <a:spcPct val="90000"/>
-            </a:lnSpc>
-            <a:spcBef>
-              <a:spcPct val="0"/>
-            </a:spcBef>
-            <a:spcAft>
-              <a:spcPct val="35000"/>
-            </a:spcAft>
-          </a:pPr>
-          <a:r>
-            <a:rPr lang="en-US" sz="2000" b="1" kern="1200" dirty="0" smtClean="0">
-              <a:latin typeface="Effra"/>
-            </a:rPr>
-            <a:t>Infrastructure</a:t>
-          </a:r>
-        </a:p>
-      </dsp:txBody>
-      <dsp:txXfrm rot="10800000">
-        <a:off x="321232" y="2023109"/>
-        <a:ext cx="2268755" cy="2398345"/>
-      </dsp:txXfrm>
-    </dsp:sp>
-    <dsp:sp modelId="{B0E764A7-B5C8-41CB-A789-340FD2E71147}">
-      <dsp:nvSpPr>
-        <dsp:cNvPr id="0" name=""/>
-        <dsp:cNvSpPr/>
-      </dsp:nvSpPr>
-      <dsp:spPr>
-        <a:xfrm>
-          <a:off x="2906077" y="269748"/>
-          <a:ext cx="2417445" cy="1483614"/>
-        </a:xfrm>
-        <a:prstGeom prst="roundRect">
-          <a:avLst>
-            <a:gd name="adj" fmla="val 10000"/>
-          </a:avLst>
-        </a:prstGeom>
-        <a:blipFill rotWithShape="1">
-          <a:blip xmlns:r="http://schemas.openxmlformats.org/officeDocument/2006/relationships" r:embed="rId2"/>
-          <a:stretch>
-            <a:fillRect/>
-          </a:stretch>
-        </a:blipFill>
-        <a:ln w="12700" cap="flat" cmpd="sng" algn="ctr">
-          <a:solidFill>
-            <a:schemeClr val="dk1">
-              <a:shade val="80000"/>
-              <a:hueOff val="0"/>
-              <a:satOff val="0"/>
-              <a:lumOff val="0"/>
-              <a:alphaOff val="0"/>
-            </a:schemeClr>
-          </a:solidFill>
-          <a:prstDash val="solid"/>
-          <a:miter lim="800000"/>
-        </a:ln>
-        <a:effectLst/>
-      </dsp:spPr>
-      <dsp:style>
-        <a:lnRef idx="2">
-          <a:scrgbClr r="0" g="0" b="0"/>
-        </a:lnRef>
-        <a:fillRef idx="1">
-          <a:scrgbClr r="0" g="0" b="0"/>
-        </a:fillRef>
-        <a:effectRef idx="0">
-          <a:scrgbClr r="0" g="0" b="0"/>
-        </a:effectRef>
-        <a:fontRef idx="minor"/>
-      </dsp:style>
-    </dsp:sp>
-    <dsp:sp modelId="{A5F7BD0E-6659-47E3-A5FA-DFC3DD5F56B0}">
-      <dsp:nvSpPr>
-        <dsp:cNvPr id="0" name=""/>
-        <dsp:cNvSpPr/>
-      </dsp:nvSpPr>
-      <dsp:spPr>
-        <a:xfrm rot="10800000">
-          <a:off x="2894570" y="2023109"/>
-          <a:ext cx="2417445" cy="2472690"/>
-        </a:xfrm>
-        <a:prstGeom prst="round2SameRect">
-          <a:avLst>
-            <a:gd name="adj1" fmla="val 10500"/>
-            <a:gd name="adj2" fmla="val 0"/>
-          </a:avLst>
-        </a:prstGeom>
-        <a:solidFill>
-          <a:schemeClr val="lt1">
-            <a:hueOff val="0"/>
-            <a:satOff val="0"/>
-            <a:lumOff val="0"/>
-            <a:alphaOff val="0"/>
-          </a:schemeClr>
-        </a:solidFill>
-        <a:ln w="12700" cap="flat" cmpd="sng" algn="ctr">
-          <a:solidFill>
-            <a:schemeClr val="dk1">
-              <a:shade val="80000"/>
-              <a:hueOff val="0"/>
-              <a:satOff val="0"/>
-              <a:lumOff val="0"/>
-              <a:alphaOff val="0"/>
-            </a:schemeClr>
-          </a:solidFill>
-          <a:prstDash val="solid"/>
-          <a:miter lim="800000"/>
-        </a:ln>
-        <a:effectLst/>
-      </dsp:spPr>
-      <dsp:style>
-        <a:lnRef idx="2">
-          <a:scrgbClr r="0" g="0" b="0"/>
-        </a:lnRef>
-        <a:fillRef idx="1">
-          <a:scrgbClr r="0" g="0" b="0"/>
-        </a:fillRef>
-        <a:effectRef idx="0">
-          <a:scrgbClr r="0" g="0" b="0"/>
-        </a:effectRef>
-        <a:fontRef idx="minor">
-          <a:schemeClr val="lt1"/>
-        </a:fontRef>
-      </dsp:style>
-      <dsp:txBody>
-        <a:bodyPr spcFirstLastPara="0" vert="horz" wrap="square" lIns="142240" tIns="142240" rIns="142240" bIns="142240" numCol="1" spcCol="1270" anchor="t" anchorCtr="0">
-          <a:noAutofit/>
-        </a:bodyPr>
-        <a:lstStyle/>
-        <a:p>
-          <a:pPr lvl="0" algn="ctr" defTabSz="889000">
-            <a:lnSpc>
-              <a:spcPct val="90000"/>
-            </a:lnSpc>
-            <a:spcBef>
-              <a:spcPct val="0"/>
-            </a:spcBef>
-            <a:spcAft>
-              <a:spcPct val="35000"/>
-            </a:spcAft>
-          </a:pPr>
-          <a:r>
-            <a:rPr lang="en-US" sz="2000" b="1" kern="1200" dirty="0" smtClean="0">
-              <a:latin typeface="Effra"/>
-            </a:rPr>
-            <a:t>Developers</a:t>
-          </a:r>
-        </a:p>
-      </dsp:txBody>
-      <dsp:txXfrm rot="10800000">
-        <a:off x="2968915" y="2023109"/>
-        <a:ext cx="2268755" cy="2398345"/>
-      </dsp:txXfrm>
-    </dsp:sp>
-    <dsp:sp modelId="{DED4691C-BB07-417F-A195-95EB39A4D2D8}">
-      <dsp:nvSpPr>
-        <dsp:cNvPr id="0" name=""/>
-        <dsp:cNvSpPr/>
-      </dsp:nvSpPr>
-      <dsp:spPr>
-        <a:xfrm>
-          <a:off x="5565267" y="269748"/>
-          <a:ext cx="2417445" cy="1483614"/>
-        </a:xfrm>
-        <a:prstGeom prst="roundRect">
-          <a:avLst>
-            <a:gd name="adj" fmla="val 10000"/>
-          </a:avLst>
-        </a:prstGeom>
-        <a:blipFill rotWithShape="1">
-          <a:blip xmlns:r="http://schemas.openxmlformats.org/officeDocument/2006/relationships" r:embed="rId3"/>
-          <a:stretch>
-            <a:fillRect/>
-          </a:stretch>
-        </a:blipFill>
-        <a:ln w="12700" cap="flat" cmpd="sng" algn="ctr">
-          <a:solidFill>
-            <a:schemeClr val="dk1">
-              <a:shade val="80000"/>
-              <a:hueOff val="0"/>
-              <a:satOff val="0"/>
-              <a:lumOff val="0"/>
-              <a:alphaOff val="0"/>
-            </a:schemeClr>
-          </a:solidFill>
-          <a:prstDash val="solid"/>
-          <a:miter lim="800000"/>
-        </a:ln>
-        <a:effectLst/>
-      </dsp:spPr>
-      <dsp:style>
-        <a:lnRef idx="2">
-          <a:scrgbClr r="0" g="0" b="0"/>
-        </a:lnRef>
-        <a:fillRef idx="1">
-          <a:scrgbClr r="0" g="0" b="0"/>
-        </a:fillRef>
-        <a:effectRef idx="0">
-          <a:scrgbClr r="0" g="0" b="0"/>
-        </a:effectRef>
-        <a:fontRef idx="minor"/>
-      </dsp:style>
-    </dsp:sp>
-    <dsp:sp modelId="{523E0811-2C40-44EF-86EE-740F30A20B69}">
-      <dsp:nvSpPr>
-        <dsp:cNvPr id="0" name=""/>
-        <dsp:cNvSpPr/>
-      </dsp:nvSpPr>
-      <dsp:spPr>
-        <a:xfrm rot="10800000">
-          <a:off x="5565267" y="2023109"/>
-          <a:ext cx="2417445" cy="2472690"/>
-        </a:xfrm>
-        <a:prstGeom prst="round2SameRect">
-          <a:avLst>
-            <a:gd name="adj1" fmla="val 10500"/>
-            <a:gd name="adj2" fmla="val 0"/>
-          </a:avLst>
-        </a:prstGeom>
-        <a:solidFill>
-          <a:schemeClr val="lt1">
-            <a:hueOff val="0"/>
-            <a:satOff val="0"/>
-            <a:lumOff val="0"/>
-            <a:alphaOff val="0"/>
-          </a:schemeClr>
-        </a:solidFill>
-        <a:ln w="12700" cap="flat" cmpd="sng" algn="ctr">
-          <a:solidFill>
-            <a:schemeClr val="dk1">
-              <a:shade val="80000"/>
-              <a:hueOff val="0"/>
-              <a:satOff val="0"/>
-              <a:lumOff val="0"/>
-              <a:alphaOff val="0"/>
-            </a:schemeClr>
-          </a:solidFill>
-          <a:prstDash val="solid"/>
-          <a:miter lim="800000"/>
-        </a:ln>
-        <a:effectLst/>
-      </dsp:spPr>
-      <dsp:style>
-        <a:lnRef idx="2">
-          <a:scrgbClr r="0" g="0" b="0"/>
-        </a:lnRef>
-        <a:fillRef idx="1">
-          <a:scrgbClr r="0" g="0" b="0"/>
-        </a:fillRef>
-        <a:effectRef idx="0">
-          <a:scrgbClr r="0" g="0" b="0"/>
-        </a:effectRef>
-        <a:fontRef idx="minor">
-          <a:schemeClr val="lt1"/>
-        </a:fontRef>
-      </dsp:style>
-      <dsp:txBody>
-        <a:bodyPr spcFirstLastPara="0" vert="horz" wrap="square" lIns="142240" tIns="142240" rIns="142240" bIns="142240" numCol="1" spcCol="1270" anchor="t" anchorCtr="0">
-          <a:noAutofit/>
-        </a:bodyPr>
-        <a:lstStyle/>
-        <a:p>
-          <a:pPr lvl="0" algn="ctr" defTabSz="889000">
-            <a:lnSpc>
-              <a:spcPct val="90000"/>
-            </a:lnSpc>
-            <a:spcBef>
-              <a:spcPct val="0"/>
-            </a:spcBef>
-            <a:spcAft>
-              <a:spcPct val="35000"/>
-            </a:spcAft>
-          </a:pPr>
-          <a:r>
-            <a:rPr lang="en-US" sz="2000" b="1" kern="1200" dirty="0" smtClean="0">
-              <a:latin typeface="Effra"/>
-            </a:rPr>
-            <a:t>Users</a:t>
-          </a:r>
-        </a:p>
-      </dsp:txBody>
-      <dsp:txXfrm rot="10800000">
-        <a:off x="5639612" y="2023109"/>
-        <a:ext cx="2268755" cy="2398345"/>
-      </dsp:txXfrm>
-    </dsp:sp>
   </dsp:spTree>
 </dsp:drawing>
 </file>
@@ -18969,7 +15806,7 @@
           <a:p>
             <a:fld id="{061C5132-FFA3-4B02-9F09-22FCF40EFA74}" type="datetimeFigureOut">
               <a:rPr lang="en-US" smtClean="0"/>
-              <a:t>4/23/2015</a:t>
+              <a:t>4/24/2015</a:t>
             </a:fld>
             <a:endParaRPr lang="en-US"/>
           </a:p>
@@ -19134,7 +15971,7 @@
           <a:p>
             <a:fld id="{0B6E42C9-243F-4DC5-AFF6-9D56B5FA9D63}" type="datetimeFigureOut">
               <a:rPr lang="en-US" smtClean="0"/>
-              <a:t>4/23/2015</a:t>
+              <a:t>4/24/2015</a:t>
             </a:fld>
             <a:endParaRPr lang="en-US"/>
           </a:p>
@@ -20434,7 +17271,7 @@
           <a:p>
             <a:fld id="{B0FE2824-C2A0-4931-BB32-60B24BDBB3CC}" type="datetimeFigureOut">
               <a:rPr lang="en-US" smtClean="0"/>
-              <a:t>4/23/2015</a:t>
+              <a:t>4/24/2015</a:t>
             </a:fld>
             <a:endParaRPr lang="en-US"/>
           </a:p>
@@ -20646,7 +17483,7 @@
           <a:p>
             <a:fld id="{B0FE2824-C2A0-4931-BB32-60B24BDBB3CC}" type="datetimeFigureOut">
               <a:rPr lang="en-US" smtClean="0"/>
-              <a:t>4/23/2015</a:t>
+              <a:t>4/24/2015</a:t>
             </a:fld>
             <a:endParaRPr lang="en-US"/>
           </a:p>
@@ -20924,7 +17761,7 @@
           <a:p>
             <a:fld id="{B0FE2824-C2A0-4931-BB32-60B24BDBB3CC}" type="datetimeFigureOut">
               <a:rPr lang="en-US" smtClean="0"/>
-              <a:t>4/23/2015</a:t>
+              <a:t>4/24/2015</a:t>
             </a:fld>
             <a:endParaRPr lang="en-US"/>
           </a:p>
@@ -21447,7 +18284,7 @@
           <a:p>
             <a:fld id="{B0FE2824-C2A0-4931-BB32-60B24BDBB3CC}" type="datetimeFigureOut">
               <a:rPr lang="en-US" smtClean="0"/>
-              <a:t>4/23/2015</a:t>
+              <a:t>4/24/2015</a:t>
             </a:fld>
             <a:endParaRPr lang="en-US"/>
           </a:p>
@@ -21907,7 +18744,7 @@
           <a:p>
             <a:fld id="{B0FE2824-C2A0-4931-BB32-60B24BDBB3CC}" type="datetimeFigureOut">
               <a:rPr lang="en-US" smtClean="0"/>
-              <a:t>4/23/2015</a:t>
+              <a:t>4/24/2015</a:t>
             </a:fld>
             <a:endParaRPr lang="en-US"/>
           </a:p>
@@ -22053,7 +18890,7 @@
           <a:p>
             <a:fld id="{B0FE2824-C2A0-4931-BB32-60B24BDBB3CC}" type="datetimeFigureOut">
               <a:rPr lang="en-US" smtClean="0"/>
-              <a:t>4/23/2015</a:t>
+              <a:t>4/24/2015</a:t>
             </a:fld>
             <a:endParaRPr lang="en-US"/>
           </a:p>
@@ -22176,7 +19013,7 @@
           <a:p>
             <a:fld id="{B0FE2824-C2A0-4931-BB32-60B24BDBB3CC}" type="datetimeFigureOut">
               <a:rPr lang="en-US" smtClean="0"/>
-              <a:t>4/23/2015</a:t>
+              <a:t>4/24/2015</a:t>
             </a:fld>
             <a:endParaRPr lang="en-US"/>
           </a:p>
@@ -22488,7 +19325,7 @@
           <a:p>
             <a:fld id="{B0FE2824-C2A0-4931-BB32-60B24BDBB3CC}" type="datetimeFigureOut">
               <a:rPr lang="en-US" smtClean="0"/>
-              <a:t>4/23/2015</a:t>
+              <a:t>4/24/2015</a:t>
             </a:fld>
             <a:endParaRPr lang="en-US"/>
           </a:p>
@@ -22778,7 +19615,7 @@
           <a:p>
             <a:fld id="{B0FE2824-C2A0-4931-BB32-60B24BDBB3CC}" type="datetimeFigureOut">
               <a:rPr lang="en-US" smtClean="0"/>
-              <a:t>4/23/2015</a:t>
+              <a:t>4/24/2015</a:t>
             </a:fld>
             <a:endParaRPr lang="en-US"/>
           </a:p>
@@ -28433,7 +25270,7 @@
           </a:ln>
           <a:extLst>
             <a:ext uri="{91240B29-F687-4f45-9708-019B960494DF}">
-              <a14:hiddenLine xmlns:a14="http://schemas.microsoft.com/office/drawing/2010/main" xmlns="" w="9525">
+              <a14:hiddenLine xmlns="" xmlns:a14="http://schemas.microsoft.com/office/drawing/2010/main" w="9525">
                 <a:solidFill>
                   <a:srgbClr val="000000"/>
                 </a:solidFill>
@@ -28487,7 +25324,7 @@
           </a:ln>
           <a:extLst>
             <a:ext uri="{91240B29-F687-4f45-9708-019B960494DF}">
-              <a14:hiddenLine xmlns:a14="http://schemas.microsoft.com/office/drawing/2010/main" xmlns="" w="9525">
+              <a14:hiddenLine xmlns="" xmlns:a14="http://schemas.microsoft.com/office/drawing/2010/main" w="9525">
                 <a:solidFill>
                   <a:srgbClr val="000000"/>
                 </a:solidFill>
@@ -29381,11 +26218,7 @@
           <a:p>
             <a:r>
               <a:rPr lang="en-US" dirty="0" smtClean="0"/>
-              <a:t>"</a:t>
-            </a:r>
-            <a:r>
-              <a:rPr lang="en-US" dirty="0" smtClean="0"/>
-              <a:t>Native" JavaScript provides a "quicker" development experience</a:t>
+              <a:t>"Native" JavaScript provides a "quicker" development experience</a:t>
             </a:r>
           </a:p>
           <a:p>
@@ -29409,11 +26242,7 @@
           <a:p>
             <a:r>
               <a:rPr lang="en-US" dirty="0" smtClean="0"/>
-              <a:t>App parts run as iframe which don't scroll in </a:t>
-            </a:r>
-            <a:r>
-              <a:rPr lang="en-US" dirty="0" smtClean="0"/>
-              <a:t>iOS</a:t>
+              <a:t>App parts run as iframe which don't scroll in iOS</a:t>
             </a:r>
           </a:p>
           <a:p>
@@ -29670,13 +26499,8 @@
             <a:pPr lvl="1"/>
             <a:r>
               <a:rPr lang="en-US" sz="1400" dirty="0" smtClean="0"/>
-              <a:t>Use Postman or Fiddler to </a:t>
-            </a:r>
-            <a:r>
-              <a:rPr lang="en-US" sz="1400" dirty="0" smtClean="0"/>
-              <a:t>execute and test queries</a:t>
-            </a:r>
-            <a:endParaRPr lang="en-US" sz="1400" dirty="0" smtClean="0"/>
+              <a:t>Use Postman or Fiddler to execute and test queries</a:t>
+            </a:r>
           </a:p>
           <a:p>
             <a:pPr lvl="1"/>
@@ -29689,11 +26513,7 @@
             <a:pPr lvl="1"/>
             <a:r>
               <a:rPr lang="en-US" sz="1400" dirty="0" smtClean="0"/>
-              <a:t>Only retrieve what you </a:t>
-            </a:r>
-            <a:r>
-              <a:rPr lang="en-US" sz="1400" dirty="0" smtClean="0"/>
-              <a:t>need by usin</a:t>
+              <a:t>Only retrieve what you need by usin</a:t>
             </a:r>
             <a:r>
               <a:rPr lang="en-US" sz="1400" dirty="0"/>
@@ -29701,11 +26521,7 @@
             </a:r>
             <a:r>
               <a:rPr lang="en-US" sz="1400" dirty="0" smtClean="0"/>
-              <a:t> $select </a:t>
-            </a:r>
-            <a:r>
-              <a:rPr lang="en-US" sz="1400" dirty="0" smtClean="0"/>
-              <a:t>and $filter.</a:t>
+              <a:t> $select and $filter.</a:t>
             </a:r>
           </a:p>
           <a:p>
@@ -33487,6 +30303,263 @@
 </p:sld>
 </file>
 
+<file path=ppt/slides/slide37.xml><?xml version="1.0" encoding="utf-8"?>
+<p:sld xmlns:a="http://schemas.openxmlformats.org/drawingml/2006/main" xmlns:r="http://schemas.openxmlformats.org/officeDocument/2006/relationships" xmlns:p="http://schemas.openxmlformats.org/presentationml/2006/main">
+  <p:cSld>
+    <p:spTree>
+      <p:nvGrpSpPr>
+        <p:cNvPr id="1" name=""/>
+        <p:cNvGrpSpPr/>
+        <p:nvPr/>
+      </p:nvGrpSpPr>
+      <p:grpSpPr>
+        <a:xfrm>
+          <a:off x="0" y="0"/>
+          <a:ext cx="0" cy="0"/>
+          <a:chOff x="0" y="0"/>
+          <a:chExt cx="0" cy="0"/>
+        </a:xfrm>
+      </p:grpSpPr>
+      <p:sp>
+        <p:nvSpPr>
+          <p:cNvPr id="2" name="Title 1"/>
+          <p:cNvSpPr>
+            <a:spLocks noGrp="1"/>
+          </p:cNvSpPr>
+          <p:nvPr>
+            <p:ph type="title"/>
+          </p:nvPr>
+        </p:nvSpPr>
+        <p:spPr/>
+        <p:txBody>
+          <a:bodyPr/>
+          <a:lstStyle/>
+          <a:p>
+            <a:r>
+              <a:rPr lang="en-US" dirty="0" smtClean="0"/>
+              <a:t>Offline Slides</a:t>
+            </a:r>
+            <a:endParaRPr lang="en-US" dirty="0"/>
+          </a:p>
+        </p:txBody>
+      </p:sp>
+      <p:sp>
+        <p:nvSpPr>
+          <p:cNvPr id="3" name="Text Placeholder 2"/>
+          <p:cNvSpPr>
+            <a:spLocks noGrp="1"/>
+          </p:cNvSpPr>
+          <p:nvPr>
+            <p:ph type="body" idx="1"/>
+          </p:nvPr>
+        </p:nvSpPr>
+        <p:spPr/>
+        <p:txBody>
+          <a:bodyPr/>
+          <a:lstStyle/>
+          <a:p>
+            <a:endParaRPr lang="en-US"/>
+          </a:p>
+        </p:txBody>
+      </p:sp>
+    </p:spTree>
+    <p:extLst>
+      <p:ext uri="{BB962C8B-B14F-4D97-AF65-F5344CB8AC3E}">
+        <p14:creationId xmlns:p14="http://schemas.microsoft.com/office/powerpoint/2010/main" val="1304600690"/>
+      </p:ext>
+    </p:extLst>
+  </p:cSld>
+  <p:clrMapOvr>
+    <a:masterClrMapping/>
+  </p:clrMapOvr>
+  <mc:AlternateContent xmlns:mc="http://schemas.openxmlformats.org/markup-compatibility/2006" xmlns:p14="http://schemas.microsoft.com/office/powerpoint/2010/main">
+    <mc:Choice Requires="p14">
+      <p:transition spd="med" p14:dur="700">
+        <p:fade/>
+      </p:transition>
+    </mc:Choice>
+    <mc:Fallback xmlns="">
+      <p:transition spd="med">
+        <p:fade/>
+      </p:transition>
+    </mc:Fallback>
+  </mc:AlternateContent>
+  <p:timing>
+    <p:tnLst>
+      <p:par>
+        <p:cTn id="1" dur="indefinite" restart="never" nodeType="tmRoot"/>
+      </p:par>
+    </p:tnLst>
+  </p:timing>
+</p:sld>
+</file>
+
+<file path=ppt/slides/slide38.xml><?xml version="1.0" encoding="utf-8"?>
+<p:sld xmlns:a="http://schemas.openxmlformats.org/drawingml/2006/main" xmlns:r="http://schemas.openxmlformats.org/officeDocument/2006/relationships" xmlns:p="http://schemas.openxmlformats.org/presentationml/2006/main" showMasterSp="0">
+  <p:cSld>
+    <p:bg>
+      <p:bgPr>
+        <a:solidFill>
+          <a:schemeClr val="tx1">
+            <a:lumMod val="65000"/>
+          </a:schemeClr>
+        </a:solidFill>
+        <a:effectLst/>
+      </p:bgPr>
+    </p:bg>
+    <p:spTree>
+      <p:nvGrpSpPr>
+        <p:cNvPr id="1" name=""/>
+        <p:cNvGrpSpPr/>
+        <p:nvPr/>
+      </p:nvGrpSpPr>
+      <p:grpSpPr>
+        <a:xfrm>
+          <a:off x="0" y="0"/>
+          <a:ext cx="0" cy="0"/>
+          <a:chOff x="0" y="0"/>
+          <a:chExt cx="0" cy="0"/>
+        </a:xfrm>
+      </p:grpSpPr>
+      <p:pic>
+        <p:nvPicPr>
+          <p:cNvPr id="2" name="Picture 1"/>
+          <p:cNvPicPr>
+            <a:picLocks noChangeAspect="1"/>
+          </p:cNvPicPr>
+          <p:nvPr/>
+        </p:nvPicPr>
+        <p:blipFill>
+          <a:blip r:embed="rId2"/>
+          <a:stretch>
+            <a:fillRect/>
+          </a:stretch>
+        </p:blipFill>
+        <p:spPr>
+          <a:xfrm>
+            <a:off x="152400" y="457200"/>
+            <a:ext cx="11953875" cy="5557357"/>
+          </a:xfrm>
+          <a:prstGeom prst="rect">
+            <a:avLst/>
+          </a:prstGeom>
+        </p:spPr>
+      </p:pic>
+    </p:spTree>
+    <p:extLst>
+      <p:ext uri="{BB962C8B-B14F-4D97-AF65-F5344CB8AC3E}">
+        <p14:creationId xmlns:p14="http://schemas.microsoft.com/office/powerpoint/2010/main" val="3304140960"/>
+      </p:ext>
+    </p:extLst>
+  </p:cSld>
+  <p:clrMapOvr>
+    <a:masterClrMapping/>
+  </p:clrMapOvr>
+  <mc:AlternateContent xmlns:mc="http://schemas.openxmlformats.org/markup-compatibility/2006">
+    <mc:Choice xmlns:p14="http://schemas.microsoft.com/office/powerpoint/2010/main" Requires="p14">
+      <p:transition spd="med" p14:dur="700">
+        <p:fade/>
+      </p:transition>
+    </mc:Choice>
+    <mc:Fallback>
+      <p:transition spd="med">
+        <p:fade/>
+      </p:transition>
+    </mc:Fallback>
+  </mc:AlternateContent>
+  <p:timing>
+    <p:tnLst>
+      <p:par>
+        <p:cTn id="1" dur="indefinite" restart="never" nodeType="tmRoot"/>
+      </p:par>
+    </p:tnLst>
+  </p:timing>
+</p:sld>
+</file>
+
+<file path=ppt/slides/slide39.xml><?xml version="1.0" encoding="utf-8"?>
+<p:sld xmlns:a="http://schemas.openxmlformats.org/drawingml/2006/main" xmlns:r="http://schemas.openxmlformats.org/officeDocument/2006/relationships" xmlns:p="http://schemas.openxmlformats.org/presentationml/2006/main" showMasterSp="0">
+  <p:cSld>
+    <p:bg>
+      <p:bgPr>
+        <a:solidFill>
+          <a:schemeClr val="tx1">
+            <a:lumMod val="65000"/>
+          </a:schemeClr>
+        </a:solidFill>
+        <a:effectLst/>
+      </p:bgPr>
+    </p:bg>
+    <p:spTree>
+      <p:nvGrpSpPr>
+        <p:cNvPr id="1" name=""/>
+        <p:cNvGrpSpPr/>
+        <p:nvPr/>
+      </p:nvGrpSpPr>
+      <p:grpSpPr>
+        <a:xfrm>
+          <a:off x="0" y="0"/>
+          <a:ext cx="0" cy="0"/>
+          <a:chOff x="0" y="0"/>
+          <a:chExt cx="0" cy="0"/>
+        </a:xfrm>
+      </p:grpSpPr>
+      <p:pic>
+        <p:nvPicPr>
+          <p:cNvPr id="3" name="Picture 2"/>
+          <p:cNvPicPr>
+            <a:picLocks noChangeAspect="1"/>
+          </p:cNvPicPr>
+          <p:nvPr/>
+        </p:nvPicPr>
+        <p:blipFill>
+          <a:blip r:embed="rId2"/>
+          <a:stretch>
+            <a:fillRect/>
+          </a:stretch>
+        </p:blipFill>
+        <p:spPr>
+          <a:xfrm>
+            <a:off x="152400" y="1295400"/>
+            <a:ext cx="11923601" cy="4343400"/>
+          </a:xfrm>
+          <a:prstGeom prst="rect">
+            <a:avLst/>
+          </a:prstGeom>
+        </p:spPr>
+      </p:pic>
+    </p:spTree>
+    <p:extLst>
+      <p:ext uri="{BB962C8B-B14F-4D97-AF65-F5344CB8AC3E}">
+        <p14:creationId xmlns:p14="http://schemas.microsoft.com/office/powerpoint/2010/main" val="788467652"/>
+      </p:ext>
+    </p:extLst>
+  </p:cSld>
+  <p:clrMapOvr>
+    <a:masterClrMapping/>
+  </p:clrMapOvr>
+  <mc:AlternateContent xmlns:mc="http://schemas.openxmlformats.org/markup-compatibility/2006">
+    <mc:Choice xmlns:p14="http://schemas.microsoft.com/office/powerpoint/2010/main" Requires="p14">
+      <p:transition spd="med" p14:dur="700">
+        <p:fade/>
+      </p:transition>
+    </mc:Choice>
+    <mc:Fallback>
+      <p:transition spd="med">
+        <p:fade/>
+      </p:transition>
+    </mc:Fallback>
+  </mc:AlternateContent>
+  <p:timing>
+    <p:tnLst>
+      <p:par>
+        <p:cTn id="1" dur="indefinite" restart="never" nodeType="tmRoot"/>
+      </p:par>
+    </p:tnLst>
+  </p:timing>
+</p:sld>
+</file>
+
 <file path=ppt/slides/slide4.xml><?xml version="1.0" encoding="utf-8"?>
 <p:sld xmlns:a="http://schemas.openxmlformats.org/drawingml/2006/main" xmlns:r="http://schemas.openxmlformats.org/officeDocument/2006/relationships" xmlns:p="http://schemas.openxmlformats.org/presentationml/2006/main" showMasterSp="0">
   <p:cSld>
@@ -34134,6 +31207,89 @@
       </p:transition>
     </mc:Choice>
     <mc:Fallback xmlns="">
+      <p:transition spd="med">
+        <p:fade/>
+      </p:transition>
+    </mc:Fallback>
+  </mc:AlternateContent>
+  <p:timing>
+    <p:tnLst>
+      <p:par>
+        <p:cTn id="1" dur="indefinite" restart="never" nodeType="tmRoot"/>
+      </p:par>
+    </p:tnLst>
+  </p:timing>
+</p:sld>
+</file>
+
+<file path=ppt/slides/slide40.xml><?xml version="1.0" encoding="utf-8"?>
+<p:sld xmlns:a="http://schemas.openxmlformats.org/drawingml/2006/main" xmlns:r="http://schemas.openxmlformats.org/officeDocument/2006/relationships" xmlns:p="http://schemas.openxmlformats.org/presentationml/2006/main" showMasterSp="0">
+  <p:cSld>
+    <p:bg>
+      <p:bgPr>
+        <a:solidFill>
+          <a:schemeClr val="tx1">
+            <a:lumMod val="65000"/>
+          </a:schemeClr>
+        </a:solidFill>
+        <a:effectLst/>
+      </p:bgPr>
+    </p:bg>
+    <p:spTree>
+      <p:nvGrpSpPr>
+        <p:cNvPr id="1" name=""/>
+        <p:cNvGrpSpPr/>
+        <p:nvPr/>
+      </p:nvGrpSpPr>
+      <p:grpSpPr>
+        <a:xfrm>
+          <a:off x="0" y="0"/>
+          <a:ext cx="0" cy="0"/>
+          <a:chOff x="0" y="0"/>
+          <a:chExt cx="0" cy="0"/>
+        </a:xfrm>
+      </p:grpSpPr>
+      <p:pic>
+        <p:nvPicPr>
+          <p:cNvPr id="3" name="Picture 2"/>
+          <p:cNvPicPr>
+            <a:picLocks noChangeAspect="1"/>
+          </p:cNvPicPr>
+          <p:nvPr/>
+        </p:nvPicPr>
+        <p:blipFill>
+          <a:blip r:embed="rId2"/>
+          <a:stretch>
+            <a:fillRect/>
+          </a:stretch>
+        </p:blipFill>
+        <p:spPr>
+          <a:xfrm>
+            <a:off x="228600" y="685800"/>
+            <a:ext cx="11791950" cy="5120045"/>
+          </a:xfrm>
+          <a:prstGeom prst="rect">
+            <a:avLst/>
+          </a:prstGeom>
+        </p:spPr>
+      </p:pic>
+    </p:spTree>
+    <p:extLst>
+      <p:ext uri="{BB962C8B-B14F-4D97-AF65-F5344CB8AC3E}">
+        <p14:creationId xmlns:p14="http://schemas.microsoft.com/office/powerpoint/2010/main" val="3941550808"/>
+      </p:ext>
+    </p:extLst>
+  </p:cSld>
+  <p:clrMapOvr>
+    <a:masterClrMapping/>
+  </p:clrMapOvr>
+  <mc:AlternateContent xmlns:mc="http://schemas.openxmlformats.org/markup-compatibility/2006">
+    <mc:Choice xmlns:p14="http://schemas.microsoft.com/office/powerpoint/2010/main" Requires="p14">
+      <p:transition spd="med" p14:dur="700">
+        <p:fade/>
+      </p:transition>
+    </mc:Choice>
+    <mc:Fallback>
       <p:transition spd="med">
         <p:fade/>
       </p:transition>

--- a/Building SPAs in SharePoint Using AngularJS.pptx
+++ b/Building SPAs in SharePoint Using AngularJS.pptx
@@ -7585,43 +7585,6 @@
       <dgm:prSet loTypeId="urn:microsoft.com/office/officeart/2005/8/layout/hProcess9" loCatId="process" qsTypeId="urn:microsoft.com/office/officeart/2005/8/quickstyle/simple1" qsCatId="simple" csTypeId="urn:microsoft.com/office/officeart/2005/8/colors/accent0_1" csCatId="mainScheme" phldr="1"/>
       <dgm:spPr/>
     </dgm:pt>
-    <dgm:pt modelId="{BF062759-82A3-4EE6-8B7D-352DA80FED78}">
-      <dgm:prSet phldrT="[Text]"/>
-      <dgm:spPr/>
-      <dgm:t>
-        <a:bodyPr/>
-        <a:lstStyle/>
-        <a:p>
-          <a:r>
-            <a:rPr lang="en-US" dirty="0" smtClean="0"/>
-            <a:t>Create Custom Page Layout</a:t>
-          </a:r>
-          <a:endParaRPr lang="en-US" dirty="0"/>
-        </a:p>
-      </dgm:t>
-    </dgm:pt>
-    <dgm:pt modelId="{967E591C-3001-4FDF-9A4F-79B1C87ECC17}" type="parTrans" cxnId="{962049B7-5730-4DFB-9E37-E0FAFE2094E5}">
-      <dgm:prSet/>
-      <dgm:spPr/>
-      <dgm:t>
-        <a:bodyPr/>
-        <a:lstStyle/>
-        <a:p>
-          <a:endParaRPr lang="en-US"/>
-        </a:p>
-      </dgm:t>
-    </dgm:pt>
-    <dgm:pt modelId="{EC6FF272-E018-4238-963A-5A4C7C8C5210}" type="sibTrans" cxnId="{962049B7-5730-4DFB-9E37-E0FAFE2094E5}">
-      <dgm:prSet/>
-      <dgm:spPr/>
-      <dgm:t>
-        <a:bodyPr/>
-        <a:lstStyle/>
-        <a:p>
-          <a:endParaRPr lang="en-US"/>
-        </a:p>
-      </dgm:t>
-    </dgm:pt>
     <dgm:pt modelId="{06ABEAEB-0AB1-4B03-9DB2-1747D846F76E}">
       <dgm:prSet phldrT="[Text]"/>
       <dgm:spPr/>
@@ -7631,7 +7594,7 @@
         <a:p>
           <a:r>
             <a:rPr lang="en-US" dirty="0" smtClean="0"/>
-            <a:t>Upload Source Code to Pages library</a:t>
+            <a:t>SharePoint Deployment</a:t>
           </a:r>
           <a:endParaRPr lang="en-US" dirty="0"/>
         </a:p>
@@ -7649,80 +7612,6 @@
       </dgm:t>
     </dgm:pt>
     <dgm:pt modelId="{31BEE491-4EB9-4240-BAFF-E839945F6CC2}" type="sibTrans" cxnId="{4B256FB0-F8A6-4FC7-9768-1B5644FB9597}">
-      <dgm:prSet/>
-      <dgm:spPr/>
-      <dgm:t>
-        <a:bodyPr/>
-        <a:lstStyle/>
-        <a:p>
-          <a:endParaRPr lang="en-US"/>
-        </a:p>
-      </dgm:t>
-    </dgm:pt>
-    <dgm:pt modelId="{58D83055-D030-43E5-9416-99E2EA94DAE9}">
-      <dgm:prSet phldrT="[Text]"/>
-      <dgm:spPr/>
-      <dgm:t>
-        <a:bodyPr/>
-        <a:lstStyle/>
-        <a:p>
-          <a:r>
-            <a:rPr lang="en-US" dirty="0" smtClean="0"/>
-            <a:t>Style and script references</a:t>
-          </a:r>
-          <a:endParaRPr lang="en-US" dirty="0"/>
-        </a:p>
-      </dgm:t>
-    </dgm:pt>
-    <dgm:pt modelId="{C830BC5C-B99A-4851-9221-DB92EC30C18C}" type="parTrans" cxnId="{2450A74E-017D-4228-843D-4B58F429494F}">
-      <dgm:prSet/>
-      <dgm:spPr/>
-      <dgm:t>
-        <a:bodyPr/>
-        <a:lstStyle/>
-        <a:p>
-          <a:endParaRPr lang="en-US"/>
-        </a:p>
-      </dgm:t>
-    </dgm:pt>
-    <dgm:pt modelId="{78F890E6-46BC-4337-8533-14B6EEC84A4C}" type="sibTrans" cxnId="{2450A74E-017D-4228-843D-4B58F429494F}">
-      <dgm:prSet/>
-      <dgm:spPr/>
-      <dgm:t>
-        <a:bodyPr/>
-        <a:lstStyle/>
-        <a:p>
-          <a:endParaRPr lang="en-US"/>
-        </a:p>
-      </dgm:t>
-    </dgm:pt>
-    <dgm:pt modelId="{D7B1ABCD-8C30-499D-8D95-BEA6D47792FA}">
-      <dgm:prSet phldrT="[Text]"/>
-      <dgm:spPr/>
-      <dgm:t>
-        <a:bodyPr/>
-        <a:lstStyle/>
-        <a:p>
-          <a:r>
-            <a:rPr lang="en-US" dirty="0" smtClean="0"/>
-            <a:t>Base HTML referencing ng-app</a:t>
-          </a:r>
-          <a:endParaRPr lang="en-US" dirty="0"/>
-        </a:p>
-      </dgm:t>
-    </dgm:pt>
-    <dgm:pt modelId="{45C13BCD-3CFC-4E2D-A9CF-258903BEB1AD}" type="parTrans" cxnId="{040B02EA-E474-4CAF-AD6B-79C4C83470BA}">
-      <dgm:prSet/>
-      <dgm:spPr/>
-      <dgm:t>
-        <a:bodyPr/>
-        <a:lstStyle/>
-        <a:p>
-          <a:endParaRPr lang="en-US"/>
-        </a:p>
-      </dgm:t>
-    </dgm:pt>
-    <dgm:pt modelId="{A68727A1-8171-454F-96B9-D72E9ADD0696}" type="sibTrans" cxnId="{040B02EA-E474-4CAF-AD6B-79C4C83470BA}">
       <dgm:prSet/>
       <dgm:spPr/>
       <dgm:t>
@@ -7807,191 +7696,6 @@
         </a:p>
       </dgm:t>
     </dgm:pt>
-    <dgm:pt modelId="{ABE8702E-C85F-4DF3-BEE1-89127B3D166E}">
-      <dgm:prSet phldrT="[Text]"/>
-      <dgm:spPr/>
-      <dgm:t>
-        <a:bodyPr/>
-        <a:lstStyle/>
-        <a:p>
-          <a:r>
-            <a:rPr lang="en-US" dirty="0" smtClean="0"/>
-            <a:t>SharePoint Deployment &amp; Test</a:t>
-          </a:r>
-          <a:endParaRPr lang="en-US" dirty="0"/>
-        </a:p>
-      </dgm:t>
-    </dgm:pt>
-    <dgm:pt modelId="{1A83ADD3-FE8B-4D5B-B98E-CDB103B5D1B8}" type="parTrans" cxnId="{C9FA1EB8-5B24-40AF-8C62-2AE1AFD2A8CC}">
-      <dgm:prSet/>
-      <dgm:spPr/>
-      <dgm:t>
-        <a:bodyPr/>
-        <a:lstStyle/>
-        <a:p>
-          <a:endParaRPr lang="en-US"/>
-        </a:p>
-      </dgm:t>
-    </dgm:pt>
-    <dgm:pt modelId="{8F224685-50DB-4839-85D6-BA3606041EBF}" type="sibTrans" cxnId="{C9FA1EB8-5B24-40AF-8C62-2AE1AFD2A8CC}">
-      <dgm:prSet/>
-      <dgm:spPr/>
-      <dgm:t>
-        <a:bodyPr/>
-        <a:lstStyle/>
-        <a:p>
-          <a:endParaRPr lang="en-US"/>
-        </a:p>
-      </dgm:t>
-    </dgm:pt>
-    <dgm:pt modelId="{BBB5467D-2CE7-4259-9D21-F873ADD52653}">
-      <dgm:prSet phldrT="[Text]"/>
-      <dgm:spPr/>
-      <dgm:t>
-        <a:bodyPr/>
-        <a:lstStyle/>
-        <a:p>
-          <a:r>
-            <a:rPr lang="en-US" dirty="0" smtClean="0"/>
-            <a:t>Enable Publishing features</a:t>
-          </a:r>
-          <a:endParaRPr lang="en-US" dirty="0"/>
-        </a:p>
-      </dgm:t>
-    </dgm:pt>
-    <dgm:pt modelId="{55B3F986-24D3-4C04-AED5-8CE564E37CB2}" type="parTrans" cxnId="{1D35C6CD-0B03-4A37-A4FF-23571B440958}">
-      <dgm:prSet/>
-      <dgm:spPr/>
-      <dgm:t>
-        <a:bodyPr/>
-        <a:lstStyle/>
-        <a:p>
-          <a:endParaRPr lang="en-US"/>
-        </a:p>
-      </dgm:t>
-    </dgm:pt>
-    <dgm:pt modelId="{FFD4E923-5A3F-4E67-9CC4-5FBD035A3DE4}" type="sibTrans" cxnId="{1D35C6CD-0B03-4A37-A4FF-23571B440958}">
-      <dgm:prSet/>
-      <dgm:spPr/>
-      <dgm:t>
-        <a:bodyPr/>
-        <a:lstStyle/>
-        <a:p>
-          <a:endParaRPr lang="en-US"/>
-        </a:p>
-      </dgm:t>
-    </dgm:pt>
-    <dgm:pt modelId="{7FD1CCA4-8CE5-4749-8436-3CCFF026D0FE}">
-      <dgm:prSet phldrT="[Text]"/>
-      <dgm:spPr/>
-      <dgm:t>
-        <a:bodyPr/>
-        <a:lstStyle/>
-        <a:p>
-          <a:r>
-            <a:rPr lang="en-US" dirty="0" smtClean="0"/>
-            <a:t>Upload to Master Page Gallery</a:t>
-          </a:r>
-          <a:endParaRPr lang="en-US" dirty="0"/>
-        </a:p>
-      </dgm:t>
-    </dgm:pt>
-    <dgm:pt modelId="{1FC35F6A-EFFD-4618-9009-EE6A969E3FC8}" type="parTrans" cxnId="{AFB530E7-5158-4BA8-B5DF-34C4C16E46CD}">
-      <dgm:prSet/>
-      <dgm:spPr/>
-      <dgm:t>
-        <a:bodyPr/>
-        <a:lstStyle/>
-        <a:p>
-          <a:endParaRPr lang="en-US"/>
-        </a:p>
-      </dgm:t>
-    </dgm:pt>
-    <dgm:pt modelId="{A0DA64D4-0E0B-4529-B1CC-FFC823A11E9C}" type="sibTrans" cxnId="{AFB530E7-5158-4BA8-B5DF-34C4C16E46CD}">
-      <dgm:prSet/>
-      <dgm:spPr/>
-      <dgm:t>
-        <a:bodyPr/>
-        <a:lstStyle/>
-        <a:p>
-          <a:endParaRPr lang="en-US"/>
-        </a:p>
-      </dgm:t>
-    </dgm:pt>
-    <dgm:pt modelId="{54E4D10D-9956-43BF-A898-E51BAEB96E54}">
-      <dgm:prSet phldrT="[Text]"/>
-      <dgm:spPr/>
-      <dgm:t>
-        <a:bodyPr/>
-        <a:lstStyle/>
-        <a:p>
-          <a:r>
-            <a:rPr lang="en-US" dirty="0" smtClean="0"/>
-            <a:t>Update and upload custom page (if necessary)</a:t>
-          </a:r>
-          <a:endParaRPr lang="en-US" dirty="0"/>
-        </a:p>
-      </dgm:t>
-    </dgm:pt>
-    <dgm:pt modelId="{B450279D-6E08-4D91-94E8-ADB70DE61604}" type="parTrans" cxnId="{15A76101-54F1-4204-B220-F7E0A51EBDDF}">
-      <dgm:prSet/>
-      <dgm:spPr/>
-      <dgm:t>
-        <a:bodyPr/>
-        <a:lstStyle/>
-        <a:p>
-          <a:endParaRPr lang="en-US"/>
-        </a:p>
-      </dgm:t>
-    </dgm:pt>
-    <dgm:pt modelId="{05DDF8D0-F5A0-41BD-B88A-6AF088F6FE35}" type="sibTrans" cxnId="{15A76101-54F1-4204-B220-F7E0A51EBDDF}">
-      <dgm:prSet/>
-      <dgm:spPr/>
-      <dgm:t>
-        <a:bodyPr/>
-        <a:lstStyle/>
-        <a:p>
-          <a:endParaRPr lang="en-US"/>
-        </a:p>
-      </dgm:t>
-    </dgm:pt>
-    <dgm:pt modelId="{19780FB9-F640-477D-8EBB-AA1833FE98F4}">
-      <dgm:prSet phldrT="[Text]"/>
-      <dgm:spPr/>
-      <dgm:t>
-        <a:bodyPr/>
-        <a:lstStyle/>
-        <a:p>
-          <a:r>
-            <a:rPr lang="en-US" dirty="0" smtClean="0"/>
-            <a:t>Upload source code to Pages library</a:t>
-          </a:r>
-          <a:endParaRPr lang="en-US" dirty="0"/>
-        </a:p>
-      </dgm:t>
-    </dgm:pt>
-    <dgm:pt modelId="{696747B4-73AC-4923-B2AF-0B24180240F3}" type="parTrans" cxnId="{1D18664A-1349-4004-8982-DF8E93BE35A8}">
-      <dgm:prSet/>
-      <dgm:spPr/>
-      <dgm:t>
-        <a:bodyPr/>
-        <a:lstStyle/>
-        <a:p>
-          <a:endParaRPr lang="en-US"/>
-        </a:p>
-      </dgm:t>
-    </dgm:pt>
-    <dgm:pt modelId="{CDF2244A-28E3-49D3-8CA1-1FB79F42DB1F}" type="sibTrans" cxnId="{1D18664A-1349-4004-8982-DF8E93BE35A8}">
-      <dgm:prSet/>
-      <dgm:spPr/>
-      <dgm:t>
-        <a:bodyPr/>
-        <a:lstStyle/>
-        <a:p>
-          <a:endParaRPr lang="en-US"/>
-        </a:p>
-      </dgm:t>
-    </dgm:pt>
     <dgm:pt modelId="{7BAE7899-E3C2-4B98-B54B-7CF98FABE6C9}">
       <dgm:prSet phldrT="[Text]"/>
       <dgm:spPr/>
@@ -8038,7 +7742,11 @@
         <a:p>
           <a:r>
             <a:rPr lang="en-US" dirty="0" smtClean="0"/>
-            <a:t>Gulp tasks</a:t>
+            <a:t>Gulp </a:t>
+          </a:r>
+          <a:r>
+            <a:rPr lang="en-US" dirty="0" smtClean="0"/>
+            <a:t>tasks (test &amp; serve-dev)</a:t>
           </a:r>
           <a:endParaRPr lang="en-US" dirty="0"/>
         </a:p>
@@ -8111,12 +7819,8 @@
         <a:lstStyle/>
         <a:p>
           <a:r>
-            <a:rPr lang="en-US" smtClean="0"/>
-            <a:t>Disable </a:t>
-          </a:r>
-          <a:r>
             <a:rPr lang="en-US" dirty="0" smtClean="0"/>
-            <a:t>web security (--disable-web-security) errors in Chrome</a:t>
+            <a:t>Disable web security (--disable-web-security) errors in Chrome</a:t>
           </a:r>
           <a:endParaRPr lang="en-US" dirty="0"/>
         </a:p>
@@ -8144,7 +7848,229 @@
         </a:p>
       </dgm:t>
     </dgm:pt>
-    <dgm:pt modelId="{36030709-E562-4714-B0C0-DCA3882F4A95}">
+    <dgm:pt modelId="{DAD5068A-7091-420C-87F0-598961455E7C}">
+      <dgm:prSet phldrT="[Text]"/>
+      <dgm:spPr/>
+      <dgm:t>
+        <a:bodyPr/>
+        <a:lstStyle/>
+        <a:p>
+          <a:r>
+            <a:rPr lang="en-US" dirty="0" smtClean="0"/>
+            <a:t>Gulp task (build)</a:t>
+          </a:r>
+          <a:endParaRPr lang="en-US" dirty="0"/>
+        </a:p>
+      </dgm:t>
+    </dgm:pt>
+    <dgm:pt modelId="{E2E48095-73D9-45CE-B1F4-5CC208A04174}" type="parTrans" cxnId="{56E07505-5528-42D2-BF65-AC0B13049BD5}">
+      <dgm:prSet/>
+      <dgm:spPr/>
+      <dgm:t>
+        <a:bodyPr/>
+        <a:lstStyle/>
+        <a:p>
+          <a:endParaRPr lang="en-US"/>
+        </a:p>
+      </dgm:t>
+    </dgm:pt>
+    <dgm:pt modelId="{6BA6DC11-1A25-4A5E-A262-45E03AB8968F}" type="sibTrans" cxnId="{56E07505-5528-42D2-BF65-AC0B13049BD5}">
+      <dgm:prSet/>
+      <dgm:spPr/>
+      <dgm:t>
+        <a:bodyPr/>
+        <a:lstStyle/>
+        <a:p>
+          <a:endParaRPr lang="en-US"/>
+        </a:p>
+      </dgm:t>
+    </dgm:pt>
+    <dgm:pt modelId="{EB74A234-8CAB-45D0-A223-6A45EB9687CD}">
+      <dgm:prSet phldrT="[Text]"/>
+      <dgm:spPr/>
+      <dgm:t>
+        <a:bodyPr/>
+        <a:lstStyle/>
+        <a:p>
+          <a:r>
+            <a:rPr lang="en-US" dirty="0" smtClean="0"/>
+            <a:t>Create Custom Page Layout</a:t>
+          </a:r>
+          <a:endParaRPr lang="en-US" dirty="0"/>
+        </a:p>
+      </dgm:t>
+    </dgm:pt>
+    <dgm:pt modelId="{231357B4-402F-4EE8-AC2E-528CE65E5962}" type="parTrans" cxnId="{0EBAB011-9F5F-47D9-9FE5-F5F3EF97E59F}">
+      <dgm:prSet/>
+      <dgm:spPr/>
+      <dgm:t>
+        <a:bodyPr/>
+        <a:lstStyle/>
+        <a:p>
+          <a:endParaRPr lang="en-US"/>
+        </a:p>
+      </dgm:t>
+    </dgm:pt>
+    <dgm:pt modelId="{E75A7134-44E9-4C91-A820-FAABAB2A3A2E}" type="sibTrans" cxnId="{0EBAB011-9F5F-47D9-9FE5-F5F3EF97E59F}">
+      <dgm:prSet/>
+      <dgm:spPr/>
+      <dgm:t>
+        <a:bodyPr/>
+        <a:lstStyle/>
+        <a:p>
+          <a:endParaRPr lang="en-US"/>
+        </a:p>
+      </dgm:t>
+    </dgm:pt>
+    <dgm:pt modelId="{63D96E81-F11C-4237-BF7B-5FAC011E1E2D}">
+      <dgm:prSet phldrT="[Text]"/>
+      <dgm:spPr/>
+      <dgm:t>
+        <a:bodyPr/>
+        <a:lstStyle/>
+        <a:p>
+          <a:r>
+            <a:rPr lang="en-US" dirty="0" smtClean="0"/>
+            <a:t>Enable Publishing features</a:t>
+          </a:r>
+          <a:endParaRPr lang="en-US" dirty="0"/>
+        </a:p>
+      </dgm:t>
+    </dgm:pt>
+    <dgm:pt modelId="{92C5499D-0BFD-415D-A694-BFD6124DD1BB}" type="parTrans" cxnId="{1894E0CF-08A4-430A-A16A-ECE92652F9D6}">
+      <dgm:prSet/>
+      <dgm:spPr/>
+      <dgm:t>
+        <a:bodyPr/>
+        <a:lstStyle/>
+        <a:p>
+          <a:endParaRPr lang="en-US"/>
+        </a:p>
+      </dgm:t>
+    </dgm:pt>
+    <dgm:pt modelId="{47244D83-76C5-4FDC-A7C7-526A1145CA17}" type="sibTrans" cxnId="{1894E0CF-08A4-430A-A16A-ECE92652F9D6}">
+      <dgm:prSet/>
+      <dgm:spPr/>
+      <dgm:t>
+        <a:bodyPr/>
+        <a:lstStyle/>
+        <a:p>
+          <a:endParaRPr lang="en-US"/>
+        </a:p>
+      </dgm:t>
+    </dgm:pt>
+    <dgm:pt modelId="{70477DB7-B9A1-4E56-998A-3D5870AA80A2}">
+      <dgm:prSet phldrT="[Text]"/>
+      <dgm:spPr/>
+      <dgm:t>
+        <a:bodyPr/>
+        <a:lstStyle/>
+        <a:p>
+          <a:r>
+            <a:rPr lang="en-US" dirty="0" smtClean="0"/>
+            <a:t>Style and script references</a:t>
+          </a:r>
+          <a:endParaRPr lang="en-US" dirty="0"/>
+        </a:p>
+      </dgm:t>
+    </dgm:pt>
+    <dgm:pt modelId="{34811034-876F-4DB4-9B0E-F1A447400235}" type="parTrans" cxnId="{0E8AD3C7-67E4-43D3-830B-B68799D5B3B4}">
+      <dgm:prSet/>
+      <dgm:spPr/>
+      <dgm:t>
+        <a:bodyPr/>
+        <a:lstStyle/>
+        <a:p>
+          <a:endParaRPr lang="en-US"/>
+        </a:p>
+      </dgm:t>
+    </dgm:pt>
+    <dgm:pt modelId="{A9B24944-DE13-499D-9298-3B2AA4726963}" type="sibTrans" cxnId="{0E8AD3C7-67E4-43D3-830B-B68799D5B3B4}">
+      <dgm:prSet/>
+      <dgm:spPr/>
+      <dgm:t>
+        <a:bodyPr/>
+        <a:lstStyle/>
+        <a:p>
+          <a:endParaRPr lang="en-US"/>
+        </a:p>
+      </dgm:t>
+    </dgm:pt>
+    <dgm:pt modelId="{73AD9478-DFBD-45AE-8C86-9F4CB3BB1065}">
+      <dgm:prSet phldrT="[Text]"/>
+      <dgm:spPr/>
+      <dgm:t>
+        <a:bodyPr/>
+        <a:lstStyle/>
+        <a:p>
+          <a:r>
+            <a:rPr lang="en-US" dirty="0" smtClean="0"/>
+            <a:t>Base HTML referencing ng-app</a:t>
+          </a:r>
+          <a:endParaRPr lang="en-US" dirty="0"/>
+        </a:p>
+      </dgm:t>
+    </dgm:pt>
+    <dgm:pt modelId="{9746DDD7-C15A-4CDE-A7A9-ECC7812B47E4}" type="parTrans" cxnId="{EA0EE867-287C-4759-B04B-1A44DD272934}">
+      <dgm:prSet/>
+      <dgm:spPr/>
+      <dgm:t>
+        <a:bodyPr/>
+        <a:lstStyle/>
+        <a:p>
+          <a:endParaRPr lang="en-US"/>
+        </a:p>
+      </dgm:t>
+    </dgm:pt>
+    <dgm:pt modelId="{B69AF354-070B-44D2-9041-ADEA0B558672}" type="sibTrans" cxnId="{EA0EE867-287C-4759-B04B-1A44DD272934}">
+      <dgm:prSet/>
+      <dgm:spPr/>
+      <dgm:t>
+        <a:bodyPr/>
+        <a:lstStyle/>
+        <a:p>
+          <a:endParaRPr lang="en-US"/>
+        </a:p>
+      </dgm:t>
+    </dgm:pt>
+    <dgm:pt modelId="{CF2E496F-FE56-4416-B846-DC12E4577A57}">
+      <dgm:prSet phldrT="[Text]"/>
+      <dgm:spPr/>
+      <dgm:t>
+        <a:bodyPr/>
+        <a:lstStyle/>
+        <a:p>
+          <a:r>
+            <a:rPr lang="en-US" dirty="0" smtClean="0"/>
+            <a:t>Upload to Master Page Gallery</a:t>
+          </a:r>
+          <a:endParaRPr lang="en-US" dirty="0"/>
+        </a:p>
+      </dgm:t>
+    </dgm:pt>
+    <dgm:pt modelId="{92BA7018-DC9A-4713-97F5-3F04165EB885}" type="parTrans" cxnId="{AC3E90FF-EA21-444E-ADD0-5C3FE2D63248}">
+      <dgm:prSet/>
+      <dgm:spPr/>
+      <dgm:t>
+        <a:bodyPr/>
+        <a:lstStyle/>
+        <a:p>
+          <a:endParaRPr lang="en-US"/>
+        </a:p>
+      </dgm:t>
+    </dgm:pt>
+    <dgm:pt modelId="{D1B809A2-E92A-4A68-B8C7-16E5F3CE2B4A}" type="sibTrans" cxnId="{AC3E90FF-EA21-444E-ADD0-5C3FE2D63248}">
+      <dgm:prSet/>
+      <dgm:spPr/>
+      <dgm:t>
+        <a:bodyPr/>
+        <a:lstStyle/>
+        <a:p>
+          <a:endParaRPr lang="en-US"/>
+        </a:p>
+      </dgm:t>
+    </dgm:pt>
+    <dgm:pt modelId="{F39A10F1-8338-421C-9A68-F2545859397D}">
       <dgm:prSet phldrT="[Text]"/>
       <dgm:spPr/>
       <dgm:t>
@@ -8159,59 +8085,27 @@
         </a:p>
       </dgm:t>
     </dgm:pt>
-    <dgm:pt modelId="{B98F7A53-9514-4901-81B1-230DE5562BA5}" type="parTrans" cxnId="{F0BD69C2-9231-4D6F-8114-C8DA2E529A54}">
+    <dgm:pt modelId="{A2EFCF3E-4540-4E61-BE0F-CCA03245534C}" type="parTrans" cxnId="{0A372BD6-7B41-430A-BB0B-14E680CEBF88}">
       <dgm:prSet/>
-      <dgm:spPr/>
-    </dgm:pt>
-    <dgm:pt modelId="{3D39F57E-541B-4389-BC0C-C2BA0CCED165}" type="sibTrans" cxnId="{F0BD69C2-9231-4D6F-8114-C8DA2E529A54}">
-      <dgm:prSet/>
-      <dgm:spPr/>
-    </dgm:pt>
-    <dgm:pt modelId="{FE3B62F3-16B2-4505-A781-2C5EA89C0A75}">
-      <dgm:prSet phldrT="[Text]"/>
       <dgm:spPr/>
       <dgm:t>
         <a:bodyPr/>
         <a:lstStyle/>
         <a:p>
-          <a:r>
-            <a:rPr lang="en-US" dirty="0" smtClean="0"/>
-            <a:t>Only the build files are needed</a:t>
-          </a:r>
-          <a:endParaRPr lang="en-US" dirty="0"/>
+          <a:endParaRPr lang="en-US"/>
         </a:p>
       </dgm:t>
     </dgm:pt>
-    <dgm:pt modelId="{FCE8BF76-8459-44A6-AF47-516739743B79}" type="parTrans" cxnId="{7DB6483A-B80D-42D2-BF45-8FC42D52B7C2}">
+    <dgm:pt modelId="{3DFD37D0-75BD-4F5C-9779-9D20EEAE02C1}" type="sibTrans" cxnId="{0A372BD6-7B41-430A-BB0B-14E680CEBF88}">
       <dgm:prSet/>
-      <dgm:spPr/>
-    </dgm:pt>
-    <dgm:pt modelId="{BBFF9749-C9E0-4A6F-93AB-6AB20DBCFFA6}" type="sibTrans" cxnId="{7DB6483A-B80D-42D2-BF45-8FC42D52B7C2}">
-      <dgm:prSet/>
-      <dgm:spPr/>
-    </dgm:pt>
-    <dgm:pt modelId="{74FB470A-E441-467D-956F-2FC796E4BDC8}">
-      <dgm:prSet phldrT="[Text]"/>
       <dgm:spPr/>
       <dgm:t>
         <a:bodyPr/>
         <a:lstStyle/>
         <a:p>
-          <a:r>
-            <a:rPr lang="en-US" dirty="0" smtClean="0"/>
-            <a:t>Update page layout (if needed)</a:t>
-          </a:r>
-          <a:endParaRPr lang="en-US" dirty="0"/>
+          <a:endParaRPr lang="en-US"/>
         </a:p>
       </dgm:t>
-    </dgm:pt>
-    <dgm:pt modelId="{0355E365-3799-4385-B097-C5DA766BFC7C}" type="parTrans" cxnId="{EEBD650F-A538-45EE-8FE9-74AAACFC99F0}">
-      <dgm:prSet/>
-      <dgm:spPr/>
-    </dgm:pt>
-    <dgm:pt modelId="{333944FA-4967-42F0-AD64-79DB6EA3E66F}" type="sibTrans" cxnId="{EEBD650F-A538-45EE-8FE9-74AAACFC99F0}">
-      <dgm:prSet/>
-      <dgm:spPr/>
     </dgm:pt>
     <dgm:pt modelId="{00FBBFAD-D4C0-4377-829A-C2558C4FF800}" type="pres">
       <dgm:prSet presAssocID="{95A2F766-9D02-45F9-8F0E-E4477259B64E}" presName="CompostProcess" presStyleCnt="0">
@@ -8230,8 +8124,27 @@
       <dgm:prSet presAssocID="{95A2F766-9D02-45F9-8F0E-E4477259B64E}" presName="linearProcess" presStyleCnt="0"/>
       <dgm:spPr/>
     </dgm:pt>
+    <dgm:pt modelId="{17A1F249-6BEF-4F56-A4D8-8470A1E98F15}" type="pres">
+      <dgm:prSet presAssocID="{EB74A234-8CAB-45D0-A223-6A45EB9687CD}" presName="textNode" presStyleLbl="node1" presStyleIdx="0" presStyleCnt="3">
+        <dgm:presLayoutVars>
+          <dgm:bulletEnabled val="1"/>
+        </dgm:presLayoutVars>
+      </dgm:prSet>
+      <dgm:spPr/>
+      <dgm:t>
+        <a:bodyPr/>
+        <a:lstStyle/>
+        <a:p>
+          <a:endParaRPr lang="en-US"/>
+        </a:p>
+      </dgm:t>
+    </dgm:pt>
+    <dgm:pt modelId="{4635A732-9EDC-4E12-9DDB-957C96AFE4A4}" type="pres">
+      <dgm:prSet presAssocID="{E75A7134-44E9-4C91-A820-FAABAB2A3A2E}" presName="sibTrans" presStyleCnt="0"/>
+      <dgm:spPr/>
+    </dgm:pt>
     <dgm:pt modelId="{C5C479F1-027C-425C-A0B3-5734FC2D9DF4}" type="pres">
-      <dgm:prSet presAssocID="{7BAE7899-E3C2-4B98-B54B-7CF98FABE6C9}" presName="textNode" presStyleLbl="node1" presStyleIdx="0" presStyleCnt="4">
+      <dgm:prSet presAssocID="{7BAE7899-E3C2-4B98-B54B-7CF98FABE6C9}" presName="textNode" presStyleLbl="node1" presStyleIdx="1" presStyleCnt="3">
         <dgm:presLayoutVars>
           <dgm:bulletEnabled val="1"/>
         </dgm:presLayoutVars>
@@ -8249,46 +8162,8 @@
       <dgm:prSet presAssocID="{F555F416-CF8C-46B6-A6CB-31C043865330}" presName="sibTrans" presStyleCnt="0"/>
       <dgm:spPr/>
     </dgm:pt>
-    <dgm:pt modelId="{D0577E72-B23A-4C93-BA9C-507338C3954E}" type="pres">
-      <dgm:prSet presAssocID="{BF062759-82A3-4EE6-8B7D-352DA80FED78}" presName="textNode" presStyleLbl="node1" presStyleIdx="1" presStyleCnt="4">
-        <dgm:presLayoutVars>
-          <dgm:bulletEnabled val="1"/>
-        </dgm:presLayoutVars>
-      </dgm:prSet>
-      <dgm:spPr/>
-      <dgm:t>
-        <a:bodyPr/>
-        <a:lstStyle/>
-        <a:p>
-          <a:endParaRPr lang="en-US"/>
-        </a:p>
-      </dgm:t>
-    </dgm:pt>
-    <dgm:pt modelId="{B8558C8D-23BE-42F8-A56F-3E21A9482389}" type="pres">
-      <dgm:prSet presAssocID="{EC6FF272-E018-4238-963A-5A4C7C8C5210}" presName="sibTrans" presStyleCnt="0"/>
-      <dgm:spPr/>
-    </dgm:pt>
     <dgm:pt modelId="{8B253DC2-B939-4DFC-A16E-B01B88769EE1}" type="pres">
-      <dgm:prSet presAssocID="{06ABEAEB-0AB1-4B03-9DB2-1747D846F76E}" presName="textNode" presStyleLbl="node1" presStyleIdx="2" presStyleCnt="4">
-        <dgm:presLayoutVars>
-          <dgm:bulletEnabled val="1"/>
-        </dgm:presLayoutVars>
-      </dgm:prSet>
-      <dgm:spPr/>
-      <dgm:t>
-        <a:bodyPr/>
-        <a:lstStyle/>
-        <a:p>
-          <a:endParaRPr lang="en-US"/>
-        </a:p>
-      </dgm:t>
-    </dgm:pt>
-    <dgm:pt modelId="{FAEBD167-A555-48F7-96E4-AA86E57E59A5}" type="pres">
-      <dgm:prSet presAssocID="{31BEE491-4EB9-4240-BAFF-E839945F6CC2}" presName="sibTrans" presStyleCnt="0"/>
-      <dgm:spPr/>
-    </dgm:pt>
-    <dgm:pt modelId="{F8F803D2-F894-4A68-9008-99F98DB3F7B5}" type="pres">
-      <dgm:prSet presAssocID="{ABE8702E-C85F-4DF3-BEE1-89127B3D166E}" presName="textNode" presStyleLbl="node1" presStyleIdx="3" presStyleCnt="4">
+      <dgm:prSet presAssocID="{06ABEAEB-0AB1-4B03-9DB2-1747D846F76E}" presName="textNode" presStyleLbl="node1" presStyleIdx="2" presStyleCnt="3">
         <dgm:presLayoutVars>
           <dgm:bulletEnabled val="1"/>
         </dgm:presLayoutVars>
@@ -8304,52 +8179,42 @@
     </dgm:pt>
   </dgm:ptLst>
   <dgm:cxnLst>
-    <dgm:cxn modelId="{2450A74E-017D-4228-843D-4B58F429494F}" srcId="{BF062759-82A3-4EE6-8B7D-352DA80FED78}" destId="{58D83055-D030-43E5-9416-99E2EA94DAE9}" srcOrd="0" destOrd="0" parTransId="{C830BC5C-B99A-4851-9221-DB92EC30C18C}" sibTransId="{78F890E6-46BC-4337-8533-14B6EEC84A4C}"/>
-    <dgm:cxn modelId="{25179955-2854-724D-800F-FC6B233375D9}" type="presOf" srcId="{D7B1ABCD-8C30-499D-8D95-BEA6D47792FA}" destId="{D0577E72-B23A-4C93-BA9C-507338C3954E}" srcOrd="0" destOrd="2" presId="urn:microsoft.com/office/officeart/2005/8/layout/hProcess9"/>
+    <dgm:cxn modelId="{DE8DD188-0417-6E44-8E8C-DBDB37F39AD8}" type="presOf" srcId="{9D1C7FDD-1C7E-4F92-A303-4A4F612A191B}" destId="{C5C479F1-027C-425C-A0B3-5734FC2D9DF4}" srcOrd="0" destOrd="1" presId="urn:microsoft.com/office/officeart/2005/8/layout/hProcess9"/>
+    <dgm:cxn modelId="{8FAFBC31-6E96-4B77-8028-255B0141455A}" type="presOf" srcId="{F39A10F1-8338-421C-9A68-F2545859397D}" destId="{8B253DC2-B939-4DFC-A16E-B01B88769EE1}" srcOrd="0" destOrd="4" presId="urn:microsoft.com/office/officeart/2005/8/layout/hProcess9"/>
+    <dgm:cxn modelId="{1894E0CF-08A4-430A-A16A-ECE92652F9D6}" srcId="{EB74A234-8CAB-45D0-A223-6A45EB9687CD}" destId="{63D96E81-F11C-4237-BF7B-5FAC011E1E2D}" srcOrd="0" destOrd="0" parTransId="{92C5499D-0BFD-415D-A694-BFD6124DD1BB}" sibTransId="{47244D83-76C5-4FDC-A7C7-526A1145CA17}"/>
+    <dgm:cxn modelId="{3C56471F-AA96-4207-866D-6775275115AD}" type="presOf" srcId="{63D96E81-F11C-4237-BF7B-5FAC011E1E2D}" destId="{17A1F249-6BEF-4F56-A4D8-8470A1E98F15}" srcOrd="0" destOrd="1" presId="urn:microsoft.com/office/officeart/2005/8/layout/hProcess9"/>
+    <dgm:cxn modelId="{27F51015-B2CA-41D5-AFE7-D640D06CB70A}" type="presOf" srcId="{DAD5068A-7091-420C-87F0-598961455E7C}" destId="{8B253DC2-B939-4DFC-A16E-B01B88769EE1}" srcOrd="0" destOrd="1" presId="urn:microsoft.com/office/officeart/2005/8/layout/hProcess9"/>
+    <dgm:cxn modelId="{CD9A4531-C4FA-294C-9FAC-E46A5D2956E7}" type="presOf" srcId="{95A2F766-9D02-45F9-8F0E-E4477259B64E}" destId="{00FBBFAD-D4C0-4377-829A-C2558C4FF800}" srcOrd="0" destOrd="0" presId="urn:microsoft.com/office/officeart/2005/8/layout/hProcess9"/>
+    <dgm:cxn modelId="{AC3E90FF-EA21-444E-ADD0-5C3FE2D63248}" srcId="{EB74A234-8CAB-45D0-A223-6A45EB9687CD}" destId="{CF2E496F-FE56-4416-B846-DC12E4577A57}" srcOrd="3" destOrd="0" parTransId="{92BA7018-DC9A-4713-97F5-3F04165EB885}" sibTransId="{D1B809A2-E92A-4A68-B8C7-16E5F3CE2B4A}"/>
+    <dgm:cxn modelId="{3EC882FA-6183-448F-BC80-19515F55D921}" srcId="{7BAE7899-E3C2-4B98-B54B-7CF98FABE6C9}" destId="{4AC61540-7617-4732-ADAC-918FB94D7DDC}" srcOrd="1" destOrd="0" parTransId="{1E487906-A4AF-47F5-812F-9A3398C165E2}" sibTransId="{8E22819A-3FF2-405D-B575-CA25288F4BD6}"/>
+    <dgm:cxn modelId="{0E8AE683-6858-4ECC-8F94-9CB028DF1605}" srcId="{7BAE7899-E3C2-4B98-B54B-7CF98FABE6C9}" destId="{9D1C7FDD-1C7E-4F92-A303-4A4F612A191B}" srcOrd="0" destOrd="0" parTransId="{CE3951D3-C82F-4197-BB44-E4023C884400}" sibTransId="{78BC0FB8-1233-449C-947F-C73B9E9738DF}"/>
+    <dgm:cxn modelId="{05A2D981-131B-4FDA-AFCA-31E7F3248401}" type="presOf" srcId="{70477DB7-B9A1-4E56-998A-3D5870AA80A2}" destId="{17A1F249-6BEF-4F56-A4D8-8470A1E98F15}" srcOrd="0" destOrd="2" presId="urn:microsoft.com/office/officeart/2005/8/layout/hProcess9"/>
+    <dgm:cxn modelId="{4FABC529-A5C2-4BD8-95E9-D873CF0D16C1}" srcId="{06ABEAEB-0AB1-4B03-9DB2-1747D846F76E}" destId="{7F458D31-EC2B-4CAB-B19E-F7C40C9ABA16}" srcOrd="2" destOrd="0" parTransId="{ECE3180D-2FC0-4CFB-AE90-A09F89AFE409}" sibTransId="{3C2C19E8-FA57-41DC-A53F-5A326E3903BC}"/>
+    <dgm:cxn modelId="{02C707EA-0438-B646-A0A5-80B002599522}" type="presOf" srcId="{06ABEAEB-0AB1-4B03-9DB2-1747D846F76E}" destId="{8B253DC2-B939-4DFC-A16E-B01B88769EE1}" srcOrd="0" destOrd="0" presId="urn:microsoft.com/office/officeart/2005/8/layout/hProcess9"/>
+    <dgm:cxn modelId="{7028A244-1AE9-4417-89A2-8F186A9763A9}" type="presOf" srcId="{73AD9478-DFBD-45AE-8C86-9F4CB3BB1065}" destId="{17A1F249-6BEF-4F56-A4D8-8470A1E98F15}" srcOrd="0" destOrd="3" presId="urn:microsoft.com/office/officeart/2005/8/layout/hProcess9"/>
+    <dgm:cxn modelId="{473F1D17-F827-4796-925C-E14CCBB35FFC}" srcId="{7BAE7899-E3C2-4B98-B54B-7CF98FABE6C9}" destId="{3D2CA84F-7F83-488E-9CE9-2466A7E58E8C}" srcOrd="2" destOrd="0" parTransId="{3C3B9F91-AF82-4FDC-A060-EB2DDB1CD268}" sibTransId="{1588283E-DB7A-402F-9F19-32C128DE5E57}"/>
+    <dgm:cxn modelId="{0EBAB011-9F5F-47D9-9FE5-F5F3EF97E59F}" srcId="{95A2F766-9D02-45F9-8F0E-E4477259B64E}" destId="{EB74A234-8CAB-45D0-A223-6A45EB9687CD}" srcOrd="0" destOrd="0" parTransId="{231357B4-402F-4EE8-AC2E-528CE65E5962}" sibTransId="{E75A7134-44E9-4C91-A820-FAABAB2A3A2E}"/>
+    <dgm:cxn modelId="{ED280040-6AB7-468E-BE7E-4C895EA8D422}" type="presOf" srcId="{EB74A234-8CAB-45D0-A223-6A45EB9687CD}" destId="{17A1F249-6BEF-4F56-A4D8-8470A1E98F15}" srcOrd="0" destOrd="0" presId="urn:microsoft.com/office/officeart/2005/8/layout/hProcess9"/>
+    <dgm:cxn modelId="{56E07505-5528-42D2-BF65-AC0B13049BD5}" srcId="{06ABEAEB-0AB1-4B03-9DB2-1747D846F76E}" destId="{DAD5068A-7091-420C-87F0-598961455E7C}" srcOrd="0" destOrd="0" parTransId="{E2E48095-73D9-45CE-B1F4-5CC208A04174}" sibTransId="{6BA6DC11-1A25-4A5E-A262-45E03AB8968F}"/>
+    <dgm:cxn modelId="{04F02849-7425-4E1F-898E-FA7DF4ED9666}" srcId="{95A2F766-9D02-45F9-8F0E-E4477259B64E}" destId="{7BAE7899-E3C2-4B98-B54B-7CF98FABE6C9}" srcOrd="1" destOrd="0" parTransId="{6A4813D0-9A5E-4C8A-8814-6B3627CFB165}" sibTransId="{F555F416-CF8C-46B6-A6CB-31C043865330}"/>
+    <dgm:cxn modelId="{24AB987A-E071-4342-B448-BE8F73810B03}" type="presOf" srcId="{ED8C6F13-9AE5-48F3-9E7D-DFFA59D5DA38}" destId="{8B253DC2-B939-4DFC-A16E-B01B88769EE1}" srcOrd="0" destOrd="2" presId="urn:microsoft.com/office/officeart/2005/8/layout/hProcess9"/>
     <dgm:cxn modelId="{8E76E4D6-2E5C-3F4A-B001-C57DF5FC248D}" type="presOf" srcId="{4AC61540-7617-4732-ADAC-918FB94D7DDC}" destId="{C5C479F1-027C-425C-A0B3-5734FC2D9DF4}" srcOrd="0" destOrd="2" presId="urn:microsoft.com/office/officeart/2005/8/layout/hProcess9"/>
-    <dgm:cxn modelId="{484E6D90-1A48-0F4D-A15F-25DB0CEBD943}" type="presOf" srcId="{36030709-E562-4714-B0C0-DCA3882F4A95}" destId="{F8F803D2-F894-4A68-9008-99F98DB3F7B5}" srcOrd="0" destOrd="3" presId="urn:microsoft.com/office/officeart/2005/8/layout/hProcess9"/>
-    <dgm:cxn modelId="{59B0AD58-9564-A946-8BAB-CD11509E5C28}" type="presOf" srcId="{FE3B62F3-16B2-4505-A781-2C5EA89C0A75}" destId="{8B253DC2-B939-4DFC-A16E-B01B88769EE1}" srcOrd="0" destOrd="2" presId="urn:microsoft.com/office/officeart/2005/8/layout/hProcess9"/>
-    <dgm:cxn modelId="{E944A282-6C73-AE46-83EE-990A35DF98B5}" type="presOf" srcId="{ABE8702E-C85F-4DF3-BEE1-89127B3D166E}" destId="{F8F803D2-F894-4A68-9008-99F98DB3F7B5}" srcOrd="0" destOrd="0" presId="urn:microsoft.com/office/officeart/2005/8/layout/hProcess9"/>
-    <dgm:cxn modelId="{7DB6483A-B80D-42D2-BF45-8FC42D52B7C2}" srcId="{06ABEAEB-0AB1-4B03-9DB2-1747D846F76E}" destId="{FE3B62F3-16B2-4505-A781-2C5EA89C0A75}" srcOrd="1" destOrd="0" parTransId="{FCE8BF76-8459-44A6-AF47-516739743B79}" sibTransId="{BBFF9749-C9E0-4A6F-93AB-6AB20DBCFFA6}"/>
-    <dgm:cxn modelId="{040B02EA-E474-4CAF-AD6B-79C4C83470BA}" srcId="{BF062759-82A3-4EE6-8B7D-352DA80FED78}" destId="{D7B1ABCD-8C30-499D-8D95-BEA6D47792FA}" srcOrd="1" destOrd="0" parTransId="{45C13BCD-3CFC-4E2D-A9CF-258903BEB1AD}" sibTransId="{A68727A1-8171-454F-96B9-D72E9ADD0696}"/>
-    <dgm:cxn modelId="{D63F7F86-6986-9043-8516-C39D383A055A}" type="presOf" srcId="{BF062759-82A3-4EE6-8B7D-352DA80FED78}" destId="{D0577E72-B23A-4C93-BA9C-507338C3954E}" srcOrd="0" destOrd="0" presId="urn:microsoft.com/office/officeart/2005/8/layout/hProcess9"/>
-    <dgm:cxn modelId="{3EC882FA-6183-448F-BC80-19515F55D921}" srcId="{7BAE7899-E3C2-4B98-B54B-7CF98FABE6C9}" destId="{4AC61540-7617-4732-ADAC-918FB94D7DDC}" srcOrd="1" destOrd="0" parTransId="{1E487906-A4AF-47F5-812F-9A3398C165E2}" sibTransId="{8E22819A-3FF2-405D-B575-CA25288F4BD6}"/>
-    <dgm:cxn modelId="{F0BD69C2-9231-4D6F-8114-C8DA2E529A54}" srcId="{ABE8702E-C85F-4DF3-BEE1-89127B3D166E}" destId="{36030709-E562-4714-B0C0-DCA3882F4A95}" srcOrd="2" destOrd="0" parTransId="{B98F7A53-9514-4901-81B1-230DE5562BA5}" sibTransId="{3D39F57E-541B-4389-BC0C-C2BA0CCED165}"/>
+    <dgm:cxn modelId="{BAD6D932-295D-4B11-AB4F-C6A51681FEBF}" type="presOf" srcId="{CF2E496F-FE56-4416-B846-DC12E4577A57}" destId="{17A1F249-6BEF-4F56-A4D8-8470A1E98F15}" srcOrd="0" destOrd="4" presId="urn:microsoft.com/office/officeart/2005/8/layout/hProcess9"/>
+    <dgm:cxn modelId="{0E8AD3C7-67E4-43D3-830B-B68799D5B3B4}" srcId="{EB74A234-8CAB-45D0-A223-6A45EB9687CD}" destId="{70477DB7-B9A1-4E56-998A-3D5870AA80A2}" srcOrd="1" destOrd="0" parTransId="{34811034-876F-4DB4-9B0E-F1A447400235}" sibTransId="{A9B24944-DE13-499D-9298-3B2AA4726963}"/>
+    <dgm:cxn modelId="{0F63B6E7-FE4E-41E7-AF6A-DC5BF6790EF8}" srcId="{06ABEAEB-0AB1-4B03-9DB2-1747D846F76E}" destId="{ED8C6F13-9AE5-48F3-9E7D-DFFA59D5DA38}" srcOrd="1" destOrd="0" parTransId="{BD649F77-EC7D-4E4C-8F6D-DE5197B642CF}" sibTransId="{F7DE48FB-30BE-402B-82EB-2615866D79FA}"/>
+    <dgm:cxn modelId="{827A0127-AFCA-7D4B-9972-8BBD1E938A61}" type="presOf" srcId="{7F458D31-EC2B-4CAB-B19E-F7C40C9ABA16}" destId="{8B253DC2-B939-4DFC-A16E-B01B88769EE1}" srcOrd="0" destOrd="3" presId="urn:microsoft.com/office/officeart/2005/8/layout/hProcess9"/>
+    <dgm:cxn modelId="{0A372BD6-7B41-430A-BB0B-14E680CEBF88}" srcId="{06ABEAEB-0AB1-4B03-9DB2-1747D846F76E}" destId="{F39A10F1-8338-421C-9A68-F2545859397D}" srcOrd="3" destOrd="0" parTransId="{A2EFCF3E-4540-4E61-BE0F-CCA03245534C}" sibTransId="{3DFD37D0-75BD-4F5C-9779-9D20EEAE02C1}"/>
+    <dgm:cxn modelId="{597B6F7A-1AB8-7A40-A88C-F20BDA8446CA}" type="presOf" srcId="{3D2CA84F-7F83-488E-9CE9-2466A7E58E8C}" destId="{C5C479F1-027C-425C-A0B3-5734FC2D9DF4}" srcOrd="0" destOrd="3" presId="urn:microsoft.com/office/officeart/2005/8/layout/hProcess9"/>
+    <dgm:cxn modelId="{4B256FB0-F8A6-4FC7-9768-1B5644FB9597}" srcId="{95A2F766-9D02-45F9-8F0E-E4477259B64E}" destId="{06ABEAEB-0AB1-4B03-9DB2-1747D846F76E}" srcOrd="2" destOrd="0" parTransId="{39D41540-6B5A-4F2C-B728-B10955AEA6F0}" sibTransId="{31BEE491-4EB9-4240-BAFF-E839945F6CC2}"/>
+    <dgm:cxn modelId="{EA0EE867-287C-4759-B04B-1A44DD272934}" srcId="{EB74A234-8CAB-45D0-A223-6A45EB9687CD}" destId="{73AD9478-DFBD-45AE-8C86-9F4CB3BB1065}" srcOrd="2" destOrd="0" parTransId="{9746DDD7-C15A-4CDE-A7A9-ECC7812B47E4}" sibTransId="{B69AF354-070B-44D2-9041-ADEA0B558672}"/>
     <dgm:cxn modelId="{366208EB-6298-CA47-B3AA-BF112F98E530}" type="presOf" srcId="{7BAE7899-E3C2-4B98-B54B-7CF98FABE6C9}" destId="{C5C479F1-027C-425C-A0B3-5734FC2D9DF4}" srcOrd="0" destOrd="0" presId="urn:microsoft.com/office/officeart/2005/8/layout/hProcess9"/>
-    <dgm:cxn modelId="{24AB987A-E071-4342-B448-BE8F73810B03}" type="presOf" srcId="{ED8C6F13-9AE5-48F3-9E7D-DFFA59D5DA38}" destId="{8B253DC2-B939-4DFC-A16E-B01B88769EE1}" srcOrd="0" destOrd="1" presId="urn:microsoft.com/office/officeart/2005/8/layout/hProcess9"/>
-    <dgm:cxn modelId="{0E8AE683-6858-4ECC-8F94-9CB028DF1605}" srcId="{7BAE7899-E3C2-4B98-B54B-7CF98FABE6C9}" destId="{9D1C7FDD-1C7E-4F92-A303-4A4F612A191B}" srcOrd="0" destOrd="0" parTransId="{CE3951D3-C82F-4197-BB44-E4023C884400}" sibTransId="{78BC0FB8-1233-449C-947F-C73B9E9738DF}"/>
-    <dgm:cxn modelId="{CD9A4531-C4FA-294C-9FAC-E46A5D2956E7}" type="presOf" srcId="{95A2F766-9D02-45F9-8F0E-E4477259B64E}" destId="{00FBBFAD-D4C0-4377-829A-C2558C4FF800}" srcOrd="0" destOrd="0" presId="urn:microsoft.com/office/officeart/2005/8/layout/hProcess9"/>
-    <dgm:cxn modelId="{B994F418-8A3E-9B42-9A78-D5458E1D5A7A}" type="presOf" srcId="{7FD1CCA4-8CE5-4749-8436-3CCFF026D0FE}" destId="{D0577E72-B23A-4C93-BA9C-507338C3954E}" srcOrd="0" destOrd="4" presId="urn:microsoft.com/office/officeart/2005/8/layout/hProcess9"/>
-    <dgm:cxn modelId="{827A0127-AFCA-7D4B-9972-8BBD1E938A61}" type="presOf" srcId="{7F458D31-EC2B-4CAB-B19E-F7C40C9ABA16}" destId="{8B253DC2-B939-4DFC-A16E-B01B88769EE1}" srcOrd="0" destOrd="4" presId="urn:microsoft.com/office/officeart/2005/8/layout/hProcess9"/>
-    <dgm:cxn modelId="{C9FA1EB8-5B24-40AF-8C62-2AE1AFD2A8CC}" srcId="{95A2F766-9D02-45F9-8F0E-E4477259B64E}" destId="{ABE8702E-C85F-4DF3-BEE1-89127B3D166E}" srcOrd="3" destOrd="0" parTransId="{1A83ADD3-FE8B-4D5B-B98E-CDB103B5D1B8}" sibTransId="{8F224685-50DB-4839-85D6-BA3606041EBF}"/>
-    <dgm:cxn modelId="{1D18664A-1349-4004-8982-DF8E93BE35A8}" srcId="{ABE8702E-C85F-4DF3-BEE1-89127B3D166E}" destId="{19780FB9-F640-477D-8EBB-AA1833FE98F4}" srcOrd="1" destOrd="0" parTransId="{696747B4-73AC-4923-B2AF-0B24180240F3}" sibTransId="{CDF2244A-28E3-49D3-8CA1-1FB79F42DB1F}"/>
-    <dgm:cxn modelId="{4B256FB0-F8A6-4FC7-9768-1B5644FB9597}" srcId="{95A2F766-9D02-45F9-8F0E-E4477259B64E}" destId="{06ABEAEB-0AB1-4B03-9DB2-1747D846F76E}" srcOrd="2" destOrd="0" parTransId="{39D41540-6B5A-4F2C-B728-B10955AEA6F0}" sibTransId="{31BEE491-4EB9-4240-BAFF-E839945F6CC2}"/>
-    <dgm:cxn modelId="{CE9A3FB9-5929-9C42-9D54-C7FCDEF434B2}" type="presOf" srcId="{54E4D10D-9956-43BF-A898-E51BAEB96E54}" destId="{F8F803D2-F894-4A68-9008-99F98DB3F7B5}" srcOrd="0" destOrd="1" presId="urn:microsoft.com/office/officeart/2005/8/layout/hProcess9"/>
-    <dgm:cxn modelId="{473F1D17-F827-4796-925C-E14CCBB35FFC}" srcId="{7BAE7899-E3C2-4B98-B54B-7CF98FABE6C9}" destId="{3D2CA84F-7F83-488E-9CE9-2466A7E58E8C}" srcOrd="2" destOrd="0" parTransId="{3C3B9F91-AF82-4FDC-A060-EB2DDB1CD268}" sibTransId="{1588283E-DB7A-402F-9F19-32C128DE5E57}"/>
-    <dgm:cxn modelId="{02C707EA-0438-B646-A0A5-80B002599522}" type="presOf" srcId="{06ABEAEB-0AB1-4B03-9DB2-1747D846F76E}" destId="{8B253DC2-B939-4DFC-A16E-B01B88769EE1}" srcOrd="0" destOrd="0" presId="urn:microsoft.com/office/officeart/2005/8/layout/hProcess9"/>
-    <dgm:cxn modelId="{4FABC529-A5C2-4BD8-95E9-D873CF0D16C1}" srcId="{06ABEAEB-0AB1-4B03-9DB2-1747D846F76E}" destId="{7F458D31-EC2B-4CAB-B19E-F7C40C9ABA16}" srcOrd="3" destOrd="0" parTransId="{ECE3180D-2FC0-4CFB-AE90-A09F89AFE409}" sibTransId="{3C2C19E8-FA57-41DC-A53F-5A326E3903BC}"/>
-    <dgm:cxn modelId="{04F02849-7425-4E1F-898E-FA7DF4ED9666}" srcId="{95A2F766-9D02-45F9-8F0E-E4477259B64E}" destId="{7BAE7899-E3C2-4B98-B54B-7CF98FABE6C9}" srcOrd="0" destOrd="0" parTransId="{6A4813D0-9A5E-4C8A-8814-6B3627CFB165}" sibTransId="{F555F416-CF8C-46B6-A6CB-31C043865330}"/>
-    <dgm:cxn modelId="{962049B7-5730-4DFB-9E37-E0FAFE2094E5}" srcId="{95A2F766-9D02-45F9-8F0E-E4477259B64E}" destId="{BF062759-82A3-4EE6-8B7D-352DA80FED78}" srcOrd="1" destOrd="0" parTransId="{967E591C-3001-4FDF-9A4F-79B1C87ECC17}" sibTransId="{EC6FF272-E018-4238-963A-5A4C7C8C5210}"/>
-    <dgm:cxn modelId="{1D35C6CD-0B03-4A37-A4FF-23571B440958}" srcId="{BF062759-82A3-4EE6-8B7D-352DA80FED78}" destId="{BBB5467D-2CE7-4259-9D21-F873ADD52653}" srcOrd="2" destOrd="0" parTransId="{55B3F986-24D3-4C04-AED5-8CE564E37CB2}" sibTransId="{FFD4E923-5A3F-4E67-9CC4-5FBD035A3DE4}"/>
-    <dgm:cxn modelId="{56837E31-0868-CD4B-A396-274E402FEB16}" type="presOf" srcId="{74FB470A-E441-467D-956F-2FC796E4BDC8}" destId="{8B253DC2-B939-4DFC-A16E-B01B88769EE1}" srcOrd="0" destOrd="3" presId="urn:microsoft.com/office/officeart/2005/8/layout/hProcess9"/>
-    <dgm:cxn modelId="{EEBD650F-A538-45EE-8FE9-74AAACFC99F0}" srcId="{06ABEAEB-0AB1-4B03-9DB2-1747D846F76E}" destId="{74FB470A-E441-467D-956F-2FC796E4BDC8}" srcOrd="2" destOrd="0" parTransId="{0355E365-3799-4385-B097-C5DA766BFC7C}" sibTransId="{333944FA-4967-42F0-AD64-79DB6EA3E66F}"/>
-    <dgm:cxn modelId="{DE8DD188-0417-6E44-8E8C-DBDB37F39AD8}" type="presOf" srcId="{9D1C7FDD-1C7E-4F92-A303-4A4F612A191B}" destId="{C5C479F1-027C-425C-A0B3-5734FC2D9DF4}" srcOrd="0" destOrd="1" presId="urn:microsoft.com/office/officeart/2005/8/layout/hProcess9"/>
-    <dgm:cxn modelId="{597B6F7A-1AB8-7A40-A88C-F20BDA8446CA}" type="presOf" srcId="{3D2CA84F-7F83-488E-9CE9-2466A7E58E8C}" destId="{C5C479F1-027C-425C-A0B3-5734FC2D9DF4}" srcOrd="0" destOrd="3" presId="urn:microsoft.com/office/officeart/2005/8/layout/hProcess9"/>
-    <dgm:cxn modelId="{87F7E4DC-98AD-6D45-8DC2-9E5EBA5E6FE9}" type="presOf" srcId="{BBB5467D-2CE7-4259-9D21-F873ADD52653}" destId="{D0577E72-B23A-4C93-BA9C-507338C3954E}" srcOrd="0" destOrd="3" presId="urn:microsoft.com/office/officeart/2005/8/layout/hProcess9"/>
-    <dgm:cxn modelId="{0F63B6E7-FE4E-41E7-AF6A-DC5BF6790EF8}" srcId="{06ABEAEB-0AB1-4B03-9DB2-1747D846F76E}" destId="{ED8C6F13-9AE5-48F3-9E7D-DFFA59D5DA38}" srcOrd="0" destOrd="0" parTransId="{BD649F77-EC7D-4E4C-8F6D-DE5197B642CF}" sibTransId="{F7DE48FB-30BE-402B-82EB-2615866D79FA}"/>
-    <dgm:cxn modelId="{E57F0E8E-1CFB-DA46-A5E1-F79A985B615C}" type="presOf" srcId="{58D83055-D030-43E5-9416-99E2EA94DAE9}" destId="{D0577E72-B23A-4C93-BA9C-507338C3954E}" srcOrd="0" destOrd="1" presId="urn:microsoft.com/office/officeart/2005/8/layout/hProcess9"/>
-    <dgm:cxn modelId="{D69EB580-A972-3B4B-BDE6-50BA59DB20A6}" type="presOf" srcId="{19780FB9-F640-477D-8EBB-AA1833FE98F4}" destId="{F8F803D2-F894-4A68-9008-99F98DB3F7B5}" srcOrd="0" destOrd="2" presId="urn:microsoft.com/office/officeart/2005/8/layout/hProcess9"/>
-    <dgm:cxn modelId="{AFB530E7-5158-4BA8-B5DF-34C4C16E46CD}" srcId="{BF062759-82A3-4EE6-8B7D-352DA80FED78}" destId="{7FD1CCA4-8CE5-4749-8436-3CCFF026D0FE}" srcOrd="3" destOrd="0" parTransId="{1FC35F6A-EFFD-4618-9009-EE6A969E3FC8}" sibTransId="{A0DA64D4-0E0B-4529-B1CC-FFC823A11E9C}"/>
-    <dgm:cxn modelId="{15A76101-54F1-4204-B220-F7E0A51EBDDF}" srcId="{ABE8702E-C85F-4DF3-BEE1-89127B3D166E}" destId="{54E4D10D-9956-43BF-A898-E51BAEB96E54}" srcOrd="0" destOrd="0" parTransId="{B450279D-6E08-4D91-94E8-ADB70DE61604}" sibTransId="{05DDF8D0-F5A0-41BD-B88A-6AF088F6FE35}"/>
     <dgm:cxn modelId="{EACCE5C3-631A-A147-A419-8D33E27A026C}" type="presParOf" srcId="{00FBBFAD-D4C0-4377-829A-C2558C4FF800}" destId="{E35DFE24-70FD-43AD-A695-3D2B18C1E436}" srcOrd="0" destOrd="0" presId="urn:microsoft.com/office/officeart/2005/8/layout/hProcess9"/>
     <dgm:cxn modelId="{6FBC1EB4-EF76-4A4E-AE70-F4A45A6F031E}" type="presParOf" srcId="{00FBBFAD-D4C0-4377-829A-C2558C4FF800}" destId="{C247645C-4C2A-4EE1-9C60-AE50FD08E8F3}" srcOrd="1" destOrd="0" presId="urn:microsoft.com/office/officeart/2005/8/layout/hProcess9"/>
-    <dgm:cxn modelId="{6BB31340-28F5-B444-AAA8-46BAD79C4F0A}" type="presParOf" srcId="{C247645C-4C2A-4EE1-9C60-AE50FD08E8F3}" destId="{C5C479F1-027C-425C-A0B3-5734FC2D9DF4}" srcOrd="0" destOrd="0" presId="urn:microsoft.com/office/officeart/2005/8/layout/hProcess9"/>
-    <dgm:cxn modelId="{F6BB738A-3E48-2F41-A231-3F3C067DD444}" type="presParOf" srcId="{C247645C-4C2A-4EE1-9C60-AE50FD08E8F3}" destId="{006EE0D8-F5B3-4585-8648-4921FF54835D}" srcOrd="1" destOrd="0" presId="urn:microsoft.com/office/officeart/2005/8/layout/hProcess9"/>
-    <dgm:cxn modelId="{57B221A5-5C91-CE49-83EA-6145EECC2563}" type="presParOf" srcId="{C247645C-4C2A-4EE1-9C60-AE50FD08E8F3}" destId="{D0577E72-B23A-4C93-BA9C-507338C3954E}" srcOrd="2" destOrd="0" presId="urn:microsoft.com/office/officeart/2005/8/layout/hProcess9"/>
-    <dgm:cxn modelId="{7870A89E-03A6-C549-B5BC-2917110D8AB5}" type="presParOf" srcId="{C247645C-4C2A-4EE1-9C60-AE50FD08E8F3}" destId="{B8558C8D-23BE-42F8-A56F-3E21A9482389}" srcOrd="3" destOrd="0" presId="urn:microsoft.com/office/officeart/2005/8/layout/hProcess9"/>
+    <dgm:cxn modelId="{7F3B8E26-0931-4197-91B6-A7317AF4C00E}" type="presParOf" srcId="{C247645C-4C2A-4EE1-9C60-AE50FD08E8F3}" destId="{17A1F249-6BEF-4F56-A4D8-8470A1E98F15}" srcOrd="0" destOrd="0" presId="urn:microsoft.com/office/officeart/2005/8/layout/hProcess9"/>
+    <dgm:cxn modelId="{2B4ED167-8803-48D6-9917-050E512ADD44}" type="presParOf" srcId="{C247645C-4C2A-4EE1-9C60-AE50FD08E8F3}" destId="{4635A732-9EDC-4E12-9DDB-957C96AFE4A4}" srcOrd="1" destOrd="0" presId="urn:microsoft.com/office/officeart/2005/8/layout/hProcess9"/>
+    <dgm:cxn modelId="{6BB31340-28F5-B444-AAA8-46BAD79C4F0A}" type="presParOf" srcId="{C247645C-4C2A-4EE1-9C60-AE50FD08E8F3}" destId="{C5C479F1-027C-425C-A0B3-5734FC2D9DF4}" srcOrd="2" destOrd="0" presId="urn:microsoft.com/office/officeart/2005/8/layout/hProcess9"/>
+    <dgm:cxn modelId="{F6BB738A-3E48-2F41-A231-3F3C067DD444}" type="presParOf" srcId="{C247645C-4C2A-4EE1-9C60-AE50FD08E8F3}" destId="{006EE0D8-F5B3-4585-8648-4921FF54835D}" srcOrd="3" destOrd="0" presId="urn:microsoft.com/office/officeart/2005/8/layout/hProcess9"/>
     <dgm:cxn modelId="{2FC6D53B-4104-144D-9C41-C5B755567E60}" type="presParOf" srcId="{C247645C-4C2A-4EE1-9C60-AE50FD08E8F3}" destId="{8B253DC2-B939-4DFC-A16E-B01B88769EE1}" srcOrd="4" destOrd="0" presId="urn:microsoft.com/office/officeart/2005/8/layout/hProcess9"/>
-    <dgm:cxn modelId="{E3F7B294-B4F9-2E48-A9A6-2F3897EFFF96}" type="presParOf" srcId="{C247645C-4C2A-4EE1-9C60-AE50FD08E8F3}" destId="{FAEBD167-A555-48F7-96E4-AA86E57E59A5}" srcOrd="5" destOrd="0" presId="urn:microsoft.com/office/officeart/2005/8/layout/hProcess9"/>
-    <dgm:cxn modelId="{E4334671-16EE-9049-AEA5-3BF037167B23}" type="presParOf" srcId="{C247645C-4C2A-4EE1-9C60-AE50FD08E8F3}" destId="{F8F803D2-F894-4A68-9008-99F98DB3F7B5}" srcOrd="6" destOrd="0" presId="urn:microsoft.com/office/officeart/2005/8/layout/hProcess9"/>
   </dgm:cxnLst>
   <dgm:bg/>
   <dgm:whole/>
@@ -8417,6 +8282,455 @@
       <dsp:cNvGrpSpPr/>
     </dsp:nvGrpSpPr>
     <dsp:grpSpPr/>
+    <dsp:sp modelId="{A59FDD59-C845-48EE-8066-00A34A52D86B}">
+      <dsp:nvSpPr>
+        <dsp:cNvPr id="0" name=""/>
+        <dsp:cNvSpPr/>
+      </dsp:nvSpPr>
+      <dsp:spPr>
+        <a:xfrm>
+          <a:off x="0" y="0"/>
+          <a:ext cx="8229600" cy="2023110"/>
+        </a:xfrm>
+        <a:prstGeom prst="roundRect">
+          <a:avLst>
+            <a:gd name="adj" fmla="val 10000"/>
+          </a:avLst>
+        </a:prstGeom>
+        <a:solidFill>
+          <a:schemeClr val="lt1">
+            <a:alpha val="90000"/>
+            <a:tint val="40000"/>
+            <a:hueOff val="0"/>
+            <a:satOff val="0"/>
+            <a:lumOff val="0"/>
+            <a:alphaOff val="0"/>
+          </a:schemeClr>
+        </a:solidFill>
+        <a:ln w="12700" cap="flat" cmpd="sng" algn="ctr">
+          <a:solidFill>
+            <a:schemeClr val="dk1">
+              <a:alpha val="90000"/>
+              <a:hueOff val="0"/>
+              <a:satOff val="0"/>
+              <a:lumOff val="0"/>
+              <a:alphaOff val="0"/>
+            </a:schemeClr>
+          </a:solidFill>
+          <a:prstDash val="solid"/>
+          <a:miter lim="800000"/>
+        </a:ln>
+        <a:effectLst/>
+      </dsp:spPr>
+      <dsp:style>
+        <a:lnRef idx="2">
+          <a:scrgbClr r="0" g="0" b="0"/>
+        </a:lnRef>
+        <a:fillRef idx="1">
+          <a:scrgbClr r="0" g="0" b="0"/>
+        </a:fillRef>
+        <a:effectRef idx="0">
+          <a:scrgbClr r="0" g="0" b="0"/>
+        </a:effectRef>
+        <a:fontRef idx="minor"/>
+      </dsp:style>
+    </dsp:sp>
+    <dsp:sp modelId="{BD27DE20-0AD9-469D-8823-E453E4477F2C}">
+      <dsp:nvSpPr>
+        <dsp:cNvPr id="0" name=""/>
+        <dsp:cNvSpPr/>
+      </dsp:nvSpPr>
+      <dsp:spPr>
+        <a:xfrm>
+          <a:off x="246887" y="269748"/>
+          <a:ext cx="2417445" cy="1483614"/>
+        </a:xfrm>
+        <a:prstGeom prst="roundRect">
+          <a:avLst>
+            <a:gd name="adj" fmla="val 10000"/>
+          </a:avLst>
+        </a:prstGeom>
+        <a:blipFill rotWithShape="1">
+          <a:blip xmlns:r="http://schemas.openxmlformats.org/officeDocument/2006/relationships" r:embed="rId1"/>
+          <a:stretch>
+            <a:fillRect/>
+          </a:stretch>
+        </a:blipFill>
+        <a:ln w="12700" cap="flat" cmpd="sng" algn="ctr">
+          <a:solidFill>
+            <a:schemeClr val="dk1">
+              <a:shade val="80000"/>
+              <a:hueOff val="0"/>
+              <a:satOff val="0"/>
+              <a:lumOff val="0"/>
+              <a:alphaOff val="0"/>
+            </a:schemeClr>
+          </a:solidFill>
+          <a:prstDash val="solid"/>
+          <a:miter lim="800000"/>
+        </a:ln>
+        <a:effectLst/>
+      </dsp:spPr>
+      <dsp:style>
+        <a:lnRef idx="2">
+          <a:scrgbClr r="0" g="0" b="0"/>
+        </a:lnRef>
+        <a:fillRef idx="1">
+          <a:scrgbClr r="0" g="0" b="0"/>
+        </a:fillRef>
+        <a:effectRef idx="0">
+          <a:scrgbClr r="0" g="0" b="0"/>
+        </a:effectRef>
+        <a:fontRef idx="minor"/>
+      </dsp:style>
+    </dsp:sp>
+    <dsp:sp modelId="{55FCEC3D-61D9-4D5A-9134-49B382579D09}">
+      <dsp:nvSpPr>
+        <dsp:cNvPr id="0" name=""/>
+        <dsp:cNvSpPr/>
+      </dsp:nvSpPr>
+      <dsp:spPr>
+        <a:xfrm rot="10800000">
+          <a:off x="246887" y="2023109"/>
+          <a:ext cx="2417445" cy="2472690"/>
+        </a:xfrm>
+        <a:prstGeom prst="round2SameRect">
+          <a:avLst>
+            <a:gd name="adj1" fmla="val 10500"/>
+            <a:gd name="adj2" fmla="val 0"/>
+          </a:avLst>
+        </a:prstGeom>
+        <a:solidFill>
+          <a:schemeClr val="lt1">
+            <a:hueOff val="0"/>
+            <a:satOff val="0"/>
+            <a:lumOff val="0"/>
+            <a:alphaOff val="0"/>
+          </a:schemeClr>
+        </a:solidFill>
+        <a:ln w="12700" cap="flat" cmpd="sng" algn="ctr">
+          <a:solidFill>
+            <a:schemeClr val="dk1">
+              <a:shade val="80000"/>
+              <a:hueOff val="0"/>
+              <a:satOff val="0"/>
+              <a:lumOff val="0"/>
+              <a:alphaOff val="0"/>
+            </a:schemeClr>
+          </a:solidFill>
+          <a:prstDash val="solid"/>
+          <a:miter lim="800000"/>
+        </a:ln>
+        <a:effectLst/>
+      </dsp:spPr>
+      <dsp:style>
+        <a:lnRef idx="2">
+          <a:scrgbClr r="0" g="0" b="0"/>
+        </a:lnRef>
+        <a:fillRef idx="1">
+          <a:scrgbClr r="0" g="0" b="0"/>
+        </a:fillRef>
+        <a:effectRef idx="0">
+          <a:scrgbClr r="0" g="0" b="0"/>
+        </a:effectRef>
+        <a:fontRef idx="minor">
+          <a:schemeClr val="lt1"/>
+        </a:fontRef>
+      </dsp:style>
+      <dsp:txBody>
+        <a:bodyPr spcFirstLastPara="0" vert="horz" wrap="square" lIns="142240" tIns="142240" rIns="142240" bIns="142240" numCol="1" spcCol="1270" anchor="t" anchorCtr="0">
+          <a:noAutofit/>
+        </a:bodyPr>
+        <a:lstStyle/>
+        <a:p>
+          <a:pPr lvl="0" algn="ctr" defTabSz="889000">
+            <a:lnSpc>
+              <a:spcPct val="90000"/>
+            </a:lnSpc>
+            <a:spcBef>
+              <a:spcPct val="0"/>
+            </a:spcBef>
+            <a:spcAft>
+              <a:spcPct val="35000"/>
+            </a:spcAft>
+          </a:pPr>
+          <a:r>
+            <a:rPr lang="en-US" sz="2000" b="1" kern="1200" dirty="0" smtClean="0">
+              <a:latin typeface="Effra"/>
+            </a:rPr>
+            <a:t>Infrastructure</a:t>
+          </a:r>
+        </a:p>
+      </dsp:txBody>
+      <dsp:txXfrm rot="10800000">
+        <a:off x="321232" y="2023109"/>
+        <a:ext cx="2268755" cy="2398345"/>
+      </dsp:txXfrm>
+    </dsp:sp>
+    <dsp:sp modelId="{B0E764A7-B5C8-41CB-A789-340FD2E71147}">
+      <dsp:nvSpPr>
+        <dsp:cNvPr id="0" name=""/>
+        <dsp:cNvSpPr/>
+      </dsp:nvSpPr>
+      <dsp:spPr>
+        <a:xfrm>
+          <a:off x="2906077" y="269748"/>
+          <a:ext cx="2417445" cy="1483614"/>
+        </a:xfrm>
+        <a:prstGeom prst="roundRect">
+          <a:avLst>
+            <a:gd name="adj" fmla="val 10000"/>
+          </a:avLst>
+        </a:prstGeom>
+        <a:blipFill rotWithShape="1">
+          <a:blip xmlns:r="http://schemas.openxmlformats.org/officeDocument/2006/relationships" r:embed="rId2"/>
+          <a:stretch>
+            <a:fillRect/>
+          </a:stretch>
+        </a:blipFill>
+        <a:ln w="12700" cap="flat" cmpd="sng" algn="ctr">
+          <a:solidFill>
+            <a:schemeClr val="dk1">
+              <a:shade val="80000"/>
+              <a:hueOff val="0"/>
+              <a:satOff val="0"/>
+              <a:lumOff val="0"/>
+              <a:alphaOff val="0"/>
+            </a:schemeClr>
+          </a:solidFill>
+          <a:prstDash val="solid"/>
+          <a:miter lim="800000"/>
+        </a:ln>
+        <a:effectLst/>
+      </dsp:spPr>
+      <dsp:style>
+        <a:lnRef idx="2">
+          <a:scrgbClr r="0" g="0" b="0"/>
+        </a:lnRef>
+        <a:fillRef idx="1">
+          <a:scrgbClr r="0" g="0" b="0"/>
+        </a:fillRef>
+        <a:effectRef idx="0">
+          <a:scrgbClr r="0" g="0" b="0"/>
+        </a:effectRef>
+        <a:fontRef idx="minor"/>
+      </dsp:style>
+    </dsp:sp>
+    <dsp:sp modelId="{A5F7BD0E-6659-47E3-A5FA-DFC3DD5F56B0}">
+      <dsp:nvSpPr>
+        <dsp:cNvPr id="0" name=""/>
+        <dsp:cNvSpPr/>
+      </dsp:nvSpPr>
+      <dsp:spPr>
+        <a:xfrm rot="10800000">
+          <a:off x="2894570" y="2023109"/>
+          <a:ext cx="2417445" cy="2472690"/>
+        </a:xfrm>
+        <a:prstGeom prst="round2SameRect">
+          <a:avLst>
+            <a:gd name="adj1" fmla="val 10500"/>
+            <a:gd name="adj2" fmla="val 0"/>
+          </a:avLst>
+        </a:prstGeom>
+        <a:solidFill>
+          <a:schemeClr val="lt1">
+            <a:hueOff val="0"/>
+            <a:satOff val="0"/>
+            <a:lumOff val="0"/>
+            <a:alphaOff val="0"/>
+          </a:schemeClr>
+        </a:solidFill>
+        <a:ln w="12700" cap="flat" cmpd="sng" algn="ctr">
+          <a:solidFill>
+            <a:schemeClr val="dk1">
+              <a:shade val="80000"/>
+              <a:hueOff val="0"/>
+              <a:satOff val="0"/>
+              <a:lumOff val="0"/>
+              <a:alphaOff val="0"/>
+            </a:schemeClr>
+          </a:solidFill>
+          <a:prstDash val="solid"/>
+          <a:miter lim="800000"/>
+        </a:ln>
+        <a:effectLst/>
+      </dsp:spPr>
+      <dsp:style>
+        <a:lnRef idx="2">
+          <a:scrgbClr r="0" g="0" b="0"/>
+        </a:lnRef>
+        <a:fillRef idx="1">
+          <a:scrgbClr r="0" g="0" b="0"/>
+        </a:fillRef>
+        <a:effectRef idx="0">
+          <a:scrgbClr r="0" g="0" b="0"/>
+        </a:effectRef>
+        <a:fontRef idx="minor">
+          <a:schemeClr val="lt1"/>
+        </a:fontRef>
+      </dsp:style>
+      <dsp:txBody>
+        <a:bodyPr spcFirstLastPara="0" vert="horz" wrap="square" lIns="142240" tIns="142240" rIns="142240" bIns="142240" numCol="1" spcCol="1270" anchor="t" anchorCtr="0">
+          <a:noAutofit/>
+        </a:bodyPr>
+        <a:lstStyle/>
+        <a:p>
+          <a:pPr lvl="0" algn="ctr" defTabSz="889000">
+            <a:lnSpc>
+              <a:spcPct val="90000"/>
+            </a:lnSpc>
+            <a:spcBef>
+              <a:spcPct val="0"/>
+            </a:spcBef>
+            <a:spcAft>
+              <a:spcPct val="35000"/>
+            </a:spcAft>
+          </a:pPr>
+          <a:r>
+            <a:rPr lang="en-US" sz="2000" b="1" kern="1200" dirty="0" smtClean="0">
+              <a:latin typeface="Effra"/>
+            </a:rPr>
+            <a:t>Developers</a:t>
+          </a:r>
+        </a:p>
+      </dsp:txBody>
+      <dsp:txXfrm rot="10800000">
+        <a:off x="2968915" y="2023109"/>
+        <a:ext cx="2268755" cy="2398345"/>
+      </dsp:txXfrm>
+    </dsp:sp>
+    <dsp:sp modelId="{DED4691C-BB07-417F-A195-95EB39A4D2D8}">
+      <dsp:nvSpPr>
+        <dsp:cNvPr id="0" name=""/>
+        <dsp:cNvSpPr/>
+      </dsp:nvSpPr>
+      <dsp:spPr>
+        <a:xfrm>
+          <a:off x="5565267" y="269748"/>
+          <a:ext cx="2417445" cy="1483614"/>
+        </a:xfrm>
+        <a:prstGeom prst="roundRect">
+          <a:avLst>
+            <a:gd name="adj" fmla="val 10000"/>
+          </a:avLst>
+        </a:prstGeom>
+        <a:blipFill rotWithShape="1">
+          <a:blip xmlns:r="http://schemas.openxmlformats.org/officeDocument/2006/relationships" r:embed="rId3"/>
+          <a:stretch>
+            <a:fillRect/>
+          </a:stretch>
+        </a:blipFill>
+        <a:ln w="12700" cap="flat" cmpd="sng" algn="ctr">
+          <a:solidFill>
+            <a:schemeClr val="dk1">
+              <a:shade val="80000"/>
+              <a:hueOff val="0"/>
+              <a:satOff val="0"/>
+              <a:lumOff val="0"/>
+              <a:alphaOff val="0"/>
+            </a:schemeClr>
+          </a:solidFill>
+          <a:prstDash val="solid"/>
+          <a:miter lim="800000"/>
+        </a:ln>
+        <a:effectLst/>
+      </dsp:spPr>
+      <dsp:style>
+        <a:lnRef idx="2">
+          <a:scrgbClr r="0" g="0" b="0"/>
+        </a:lnRef>
+        <a:fillRef idx="1">
+          <a:scrgbClr r="0" g="0" b="0"/>
+        </a:fillRef>
+        <a:effectRef idx="0">
+          <a:scrgbClr r="0" g="0" b="0"/>
+        </a:effectRef>
+        <a:fontRef idx="minor"/>
+      </dsp:style>
+    </dsp:sp>
+    <dsp:sp modelId="{523E0811-2C40-44EF-86EE-740F30A20B69}">
+      <dsp:nvSpPr>
+        <dsp:cNvPr id="0" name=""/>
+        <dsp:cNvSpPr/>
+      </dsp:nvSpPr>
+      <dsp:spPr>
+        <a:xfrm rot="10800000">
+          <a:off x="5565267" y="2023109"/>
+          <a:ext cx="2417445" cy="2472690"/>
+        </a:xfrm>
+        <a:prstGeom prst="round2SameRect">
+          <a:avLst>
+            <a:gd name="adj1" fmla="val 10500"/>
+            <a:gd name="adj2" fmla="val 0"/>
+          </a:avLst>
+        </a:prstGeom>
+        <a:solidFill>
+          <a:schemeClr val="lt1">
+            <a:hueOff val="0"/>
+            <a:satOff val="0"/>
+            <a:lumOff val="0"/>
+            <a:alphaOff val="0"/>
+          </a:schemeClr>
+        </a:solidFill>
+        <a:ln w="12700" cap="flat" cmpd="sng" algn="ctr">
+          <a:solidFill>
+            <a:schemeClr val="dk1">
+              <a:shade val="80000"/>
+              <a:hueOff val="0"/>
+              <a:satOff val="0"/>
+              <a:lumOff val="0"/>
+              <a:alphaOff val="0"/>
+            </a:schemeClr>
+          </a:solidFill>
+          <a:prstDash val="solid"/>
+          <a:miter lim="800000"/>
+        </a:ln>
+        <a:effectLst/>
+      </dsp:spPr>
+      <dsp:style>
+        <a:lnRef idx="2">
+          <a:scrgbClr r="0" g="0" b="0"/>
+        </a:lnRef>
+        <a:fillRef idx="1">
+          <a:scrgbClr r="0" g="0" b="0"/>
+        </a:fillRef>
+        <a:effectRef idx="0">
+          <a:scrgbClr r="0" g="0" b="0"/>
+        </a:effectRef>
+        <a:fontRef idx="minor">
+          <a:schemeClr val="lt1"/>
+        </a:fontRef>
+      </dsp:style>
+      <dsp:txBody>
+        <a:bodyPr spcFirstLastPara="0" vert="horz" wrap="square" lIns="142240" tIns="142240" rIns="142240" bIns="142240" numCol="1" spcCol="1270" anchor="t" anchorCtr="0">
+          <a:noAutofit/>
+        </a:bodyPr>
+        <a:lstStyle/>
+        <a:p>
+          <a:pPr lvl="0" algn="ctr" defTabSz="889000">
+            <a:lnSpc>
+              <a:spcPct val="90000"/>
+            </a:lnSpc>
+            <a:spcBef>
+              <a:spcPct val="0"/>
+            </a:spcBef>
+            <a:spcAft>
+              <a:spcPct val="35000"/>
+            </a:spcAft>
+          </a:pPr>
+          <a:r>
+            <a:rPr lang="en-US" sz="2000" b="1" kern="1200" dirty="0" smtClean="0">
+              <a:latin typeface="Effra"/>
+            </a:rPr>
+            <a:t>Users</a:t>
+          </a:r>
+        </a:p>
+      </dsp:txBody>
+      <dsp:txXfrm rot="10800000">
+        <a:off x="5639612" y="2023109"/>
+        <a:ext cx="2268755" cy="2398345"/>
+      </dsp:txXfrm>
+    </dsp:sp>
   </dsp:spTree>
 </dsp:drawing>
 </file>
@@ -8429,6 +8743,496 @@
       <dsp:cNvGrpSpPr/>
     </dsp:nvGrpSpPr>
     <dsp:grpSpPr/>
+    <dsp:sp modelId="{E35DFE24-70FD-43AD-A695-3D2B18C1E436}">
+      <dsp:nvSpPr>
+        <dsp:cNvPr id="0" name=""/>
+        <dsp:cNvSpPr/>
+      </dsp:nvSpPr>
+      <dsp:spPr>
+        <a:xfrm>
+          <a:off x="851534" y="0"/>
+          <a:ext cx="9650730" cy="4351338"/>
+        </a:xfrm>
+        <a:prstGeom prst="rightArrow">
+          <a:avLst/>
+        </a:prstGeom>
+        <a:solidFill>
+          <a:schemeClr val="dk1">
+            <a:tint val="40000"/>
+            <a:hueOff val="0"/>
+            <a:satOff val="0"/>
+            <a:lumOff val="0"/>
+            <a:alphaOff val="0"/>
+          </a:schemeClr>
+        </a:solidFill>
+        <a:ln>
+          <a:noFill/>
+        </a:ln>
+        <a:effectLst/>
+      </dsp:spPr>
+      <dsp:style>
+        <a:lnRef idx="0">
+          <a:scrgbClr r="0" g="0" b="0"/>
+        </a:lnRef>
+        <a:fillRef idx="1">
+          <a:scrgbClr r="0" g="0" b="0"/>
+        </a:fillRef>
+        <a:effectRef idx="0">
+          <a:scrgbClr r="0" g="0" b="0"/>
+        </a:effectRef>
+        <a:fontRef idx="minor"/>
+      </dsp:style>
+    </dsp:sp>
+    <dsp:sp modelId="{17A1F249-6BEF-4F56-A4D8-8470A1E98F15}">
+      <dsp:nvSpPr>
+        <dsp:cNvPr id="0" name=""/>
+        <dsp:cNvSpPr/>
+      </dsp:nvSpPr>
+      <dsp:spPr>
+        <a:xfrm>
+          <a:off x="384743" y="1305401"/>
+          <a:ext cx="3406140" cy="1740535"/>
+        </a:xfrm>
+        <a:prstGeom prst="roundRect">
+          <a:avLst/>
+        </a:prstGeom>
+        <a:solidFill>
+          <a:schemeClr val="lt1">
+            <a:hueOff val="0"/>
+            <a:satOff val="0"/>
+            <a:lumOff val="0"/>
+            <a:alphaOff val="0"/>
+          </a:schemeClr>
+        </a:solidFill>
+        <a:ln w="12700" cap="flat" cmpd="sng" algn="ctr">
+          <a:solidFill>
+            <a:schemeClr val="dk1">
+              <a:shade val="80000"/>
+              <a:hueOff val="0"/>
+              <a:satOff val="0"/>
+              <a:lumOff val="0"/>
+              <a:alphaOff val="0"/>
+            </a:schemeClr>
+          </a:solidFill>
+          <a:prstDash val="solid"/>
+          <a:miter lim="800000"/>
+        </a:ln>
+        <a:effectLst/>
+      </dsp:spPr>
+      <dsp:style>
+        <a:lnRef idx="2">
+          <a:scrgbClr r="0" g="0" b="0"/>
+        </a:lnRef>
+        <a:fillRef idx="1">
+          <a:scrgbClr r="0" g="0" b="0"/>
+        </a:fillRef>
+        <a:effectRef idx="0">
+          <a:scrgbClr r="0" g="0" b="0"/>
+        </a:effectRef>
+        <a:fontRef idx="minor">
+          <a:schemeClr val="lt1"/>
+        </a:fontRef>
+      </dsp:style>
+      <dsp:txBody>
+        <a:bodyPr spcFirstLastPara="0" vert="horz" wrap="square" lIns="68580" tIns="68580" rIns="68580" bIns="68580" numCol="1" spcCol="1270" anchor="t" anchorCtr="0">
+          <a:noAutofit/>
+        </a:bodyPr>
+        <a:lstStyle/>
+        <a:p>
+          <a:pPr lvl="0" algn="l" defTabSz="800100">
+            <a:lnSpc>
+              <a:spcPct val="90000"/>
+            </a:lnSpc>
+            <a:spcBef>
+              <a:spcPct val="0"/>
+            </a:spcBef>
+            <a:spcAft>
+              <a:spcPct val="35000"/>
+            </a:spcAft>
+          </a:pPr>
+          <a:r>
+            <a:rPr lang="en-US" sz="1800" kern="1200" dirty="0" smtClean="0"/>
+            <a:t>Create Custom Page Layout</a:t>
+          </a:r>
+          <a:endParaRPr lang="en-US" sz="1800" kern="1200" dirty="0"/>
+        </a:p>
+        <a:p>
+          <a:pPr marL="114300" lvl="1" indent="-114300" algn="l" defTabSz="622300">
+            <a:lnSpc>
+              <a:spcPct val="90000"/>
+            </a:lnSpc>
+            <a:spcBef>
+              <a:spcPct val="0"/>
+            </a:spcBef>
+            <a:spcAft>
+              <a:spcPct val="15000"/>
+            </a:spcAft>
+            <a:buChar char="••"/>
+          </a:pPr>
+          <a:r>
+            <a:rPr lang="en-US" sz="1400" kern="1200" dirty="0" smtClean="0"/>
+            <a:t>Enable Publishing features</a:t>
+          </a:r>
+          <a:endParaRPr lang="en-US" sz="1400" kern="1200" dirty="0"/>
+        </a:p>
+        <a:p>
+          <a:pPr marL="114300" lvl="1" indent="-114300" algn="l" defTabSz="622300">
+            <a:lnSpc>
+              <a:spcPct val="90000"/>
+            </a:lnSpc>
+            <a:spcBef>
+              <a:spcPct val="0"/>
+            </a:spcBef>
+            <a:spcAft>
+              <a:spcPct val="15000"/>
+            </a:spcAft>
+            <a:buChar char="••"/>
+          </a:pPr>
+          <a:r>
+            <a:rPr lang="en-US" sz="1400" kern="1200" dirty="0" smtClean="0"/>
+            <a:t>Style and script references</a:t>
+          </a:r>
+          <a:endParaRPr lang="en-US" sz="1400" kern="1200" dirty="0"/>
+        </a:p>
+        <a:p>
+          <a:pPr marL="114300" lvl="1" indent="-114300" algn="l" defTabSz="622300">
+            <a:lnSpc>
+              <a:spcPct val="90000"/>
+            </a:lnSpc>
+            <a:spcBef>
+              <a:spcPct val="0"/>
+            </a:spcBef>
+            <a:spcAft>
+              <a:spcPct val="15000"/>
+            </a:spcAft>
+            <a:buChar char="••"/>
+          </a:pPr>
+          <a:r>
+            <a:rPr lang="en-US" sz="1400" kern="1200" dirty="0" smtClean="0"/>
+            <a:t>Base HTML referencing ng-app</a:t>
+          </a:r>
+          <a:endParaRPr lang="en-US" sz="1400" kern="1200" dirty="0"/>
+        </a:p>
+        <a:p>
+          <a:pPr marL="114300" lvl="1" indent="-114300" algn="l" defTabSz="622300">
+            <a:lnSpc>
+              <a:spcPct val="90000"/>
+            </a:lnSpc>
+            <a:spcBef>
+              <a:spcPct val="0"/>
+            </a:spcBef>
+            <a:spcAft>
+              <a:spcPct val="15000"/>
+            </a:spcAft>
+            <a:buChar char="••"/>
+          </a:pPr>
+          <a:r>
+            <a:rPr lang="en-US" sz="1400" kern="1200" dirty="0" smtClean="0"/>
+            <a:t>Upload to Master Page Gallery</a:t>
+          </a:r>
+          <a:endParaRPr lang="en-US" sz="1400" kern="1200" dirty="0"/>
+        </a:p>
+      </dsp:txBody>
+      <dsp:txXfrm>
+        <a:off x="469709" y="1390367"/>
+        <a:ext cx="3236208" cy="1570603"/>
+      </dsp:txXfrm>
+    </dsp:sp>
+    <dsp:sp modelId="{C5C479F1-027C-425C-A0B3-5734FC2D9DF4}">
+      <dsp:nvSpPr>
+        <dsp:cNvPr id="0" name=""/>
+        <dsp:cNvSpPr/>
+      </dsp:nvSpPr>
+      <dsp:spPr>
+        <a:xfrm>
+          <a:off x="3973829" y="1305401"/>
+          <a:ext cx="3406140" cy="1740535"/>
+        </a:xfrm>
+        <a:prstGeom prst="roundRect">
+          <a:avLst/>
+        </a:prstGeom>
+        <a:solidFill>
+          <a:schemeClr val="lt1">
+            <a:hueOff val="0"/>
+            <a:satOff val="0"/>
+            <a:lumOff val="0"/>
+            <a:alphaOff val="0"/>
+          </a:schemeClr>
+        </a:solidFill>
+        <a:ln w="12700" cap="flat" cmpd="sng" algn="ctr">
+          <a:solidFill>
+            <a:schemeClr val="dk1">
+              <a:shade val="80000"/>
+              <a:hueOff val="0"/>
+              <a:satOff val="0"/>
+              <a:lumOff val="0"/>
+              <a:alphaOff val="0"/>
+            </a:schemeClr>
+          </a:solidFill>
+          <a:prstDash val="solid"/>
+          <a:miter lim="800000"/>
+        </a:ln>
+        <a:effectLst/>
+      </dsp:spPr>
+      <dsp:style>
+        <a:lnRef idx="2">
+          <a:scrgbClr r="0" g="0" b="0"/>
+        </a:lnRef>
+        <a:fillRef idx="1">
+          <a:scrgbClr r="0" g="0" b="0"/>
+        </a:fillRef>
+        <a:effectRef idx="0">
+          <a:scrgbClr r="0" g="0" b="0"/>
+        </a:effectRef>
+        <a:fontRef idx="minor">
+          <a:schemeClr val="lt1"/>
+        </a:fontRef>
+      </dsp:style>
+      <dsp:txBody>
+        <a:bodyPr spcFirstLastPara="0" vert="horz" wrap="square" lIns="68580" tIns="68580" rIns="68580" bIns="68580" numCol="1" spcCol="1270" anchor="t" anchorCtr="0">
+          <a:noAutofit/>
+        </a:bodyPr>
+        <a:lstStyle/>
+        <a:p>
+          <a:pPr lvl="0" algn="l" defTabSz="800100">
+            <a:lnSpc>
+              <a:spcPct val="90000"/>
+            </a:lnSpc>
+            <a:spcBef>
+              <a:spcPct val="0"/>
+            </a:spcBef>
+            <a:spcAft>
+              <a:spcPct val="35000"/>
+            </a:spcAft>
+          </a:pPr>
+          <a:r>
+            <a:rPr lang="en-US" sz="1800" kern="1200" dirty="0" smtClean="0"/>
+            <a:t>Local Test</a:t>
+          </a:r>
+          <a:endParaRPr lang="en-US" sz="1800" kern="1200" dirty="0"/>
+        </a:p>
+        <a:p>
+          <a:pPr marL="114300" lvl="1" indent="-114300" algn="l" defTabSz="622300">
+            <a:lnSpc>
+              <a:spcPct val="90000"/>
+            </a:lnSpc>
+            <a:spcBef>
+              <a:spcPct val="0"/>
+            </a:spcBef>
+            <a:spcAft>
+              <a:spcPct val="15000"/>
+            </a:spcAft>
+            <a:buChar char="••"/>
+          </a:pPr>
+          <a:r>
+            <a:rPr lang="en-US" sz="1400" kern="1200" dirty="0" smtClean="0"/>
+            <a:t>Gulp </a:t>
+          </a:r>
+          <a:r>
+            <a:rPr lang="en-US" sz="1400" kern="1200" dirty="0" smtClean="0"/>
+            <a:t>tasks (test &amp; serve-dev)</a:t>
+          </a:r>
+          <a:endParaRPr lang="en-US" sz="1400" kern="1200" dirty="0"/>
+        </a:p>
+        <a:p>
+          <a:pPr marL="114300" lvl="1" indent="-114300" algn="l" defTabSz="622300">
+            <a:lnSpc>
+              <a:spcPct val="90000"/>
+            </a:lnSpc>
+            <a:spcBef>
+              <a:spcPct val="0"/>
+            </a:spcBef>
+            <a:spcAft>
+              <a:spcPct val="15000"/>
+            </a:spcAft>
+            <a:buChar char="••"/>
+          </a:pPr>
+          <a:r>
+            <a:rPr lang="en-US" sz="1400" kern="1200" dirty="0" smtClean="0"/>
+            <a:t>Disable web security (--disable-web-security) errors in Chrome</a:t>
+          </a:r>
+          <a:endParaRPr lang="en-US" sz="1400" kern="1200" dirty="0"/>
+        </a:p>
+        <a:p>
+          <a:pPr marL="114300" lvl="1" indent="-114300" algn="l" defTabSz="622300">
+            <a:lnSpc>
+              <a:spcPct val="90000"/>
+            </a:lnSpc>
+            <a:spcBef>
+              <a:spcPct val="0"/>
+            </a:spcBef>
+            <a:spcAft>
+              <a:spcPct val="15000"/>
+            </a:spcAft>
+            <a:buChar char="••"/>
+          </a:pPr>
+          <a:r>
+            <a:rPr lang="en-US" sz="1400" kern="1200" dirty="0" smtClean="0"/>
+            <a:t>Functional testing</a:t>
+          </a:r>
+          <a:endParaRPr lang="en-US" sz="1400" kern="1200" dirty="0"/>
+        </a:p>
+      </dsp:txBody>
+      <dsp:txXfrm>
+        <a:off x="4058795" y="1390367"/>
+        <a:ext cx="3236208" cy="1570603"/>
+      </dsp:txXfrm>
+    </dsp:sp>
+    <dsp:sp modelId="{8B253DC2-B939-4DFC-A16E-B01B88769EE1}">
+      <dsp:nvSpPr>
+        <dsp:cNvPr id="0" name=""/>
+        <dsp:cNvSpPr/>
+      </dsp:nvSpPr>
+      <dsp:spPr>
+        <a:xfrm>
+          <a:off x="7562916" y="1305401"/>
+          <a:ext cx="3406140" cy="1740535"/>
+        </a:xfrm>
+        <a:prstGeom prst="roundRect">
+          <a:avLst/>
+        </a:prstGeom>
+        <a:solidFill>
+          <a:schemeClr val="lt1">
+            <a:hueOff val="0"/>
+            <a:satOff val="0"/>
+            <a:lumOff val="0"/>
+            <a:alphaOff val="0"/>
+          </a:schemeClr>
+        </a:solidFill>
+        <a:ln w="12700" cap="flat" cmpd="sng" algn="ctr">
+          <a:solidFill>
+            <a:schemeClr val="dk1">
+              <a:shade val="80000"/>
+              <a:hueOff val="0"/>
+              <a:satOff val="0"/>
+              <a:lumOff val="0"/>
+              <a:alphaOff val="0"/>
+            </a:schemeClr>
+          </a:solidFill>
+          <a:prstDash val="solid"/>
+          <a:miter lim="800000"/>
+        </a:ln>
+        <a:effectLst/>
+      </dsp:spPr>
+      <dsp:style>
+        <a:lnRef idx="2">
+          <a:scrgbClr r="0" g="0" b="0"/>
+        </a:lnRef>
+        <a:fillRef idx="1">
+          <a:scrgbClr r="0" g="0" b="0"/>
+        </a:fillRef>
+        <a:effectRef idx="0">
+          <a:scrgbClr r="0" g="0" b="0"/>
+        </a:effectRef>
+        <a:fontRef idx="minor">
+          <a:schemeClr val="lt1"/>
+        </a:fontRef>
+      </dsp:style>
+      <dsp:txBody>
+        <a:bodyPr spcFirstLastPara="0" vert="horz" wrap="square" lIns="68580" tIns="68580" rIns="68580" bIns="68580" numCol="1" spcCol="1270" anchor="t" anchorCtr="0">
+          <a:noAutofit/>
+        </a:bodyPr>
+        <a:lstStyle/>
+        <a:p>
+          <a:pPr lvl="0" algn="l" defTabSz="800100">
+            <a:lnSpc>
+              <a:spcPct val="90000"/>
+            </a:lnSpc>
+            <a:spcBef>
+              <a:spcPct val="0"/>
+            </a:spcBef>
+            <a:spcAft>
+              <a:spcPct val="35000"/>
+            </a:spcAft>
+          </a:pPr>
+          <a:r>
+            <a:rPr lang="en-US" sz="1800" kern="1200" dirty="0" smtClean="0"/>
+            <a:t>SharePoint Deployment</a:t>
+          </a:r>
+          <a:endParaRPr lang="en-US" sz="1800" kern="1200" dirty="0"/>
+        </a:p>
+        <a:p>
+          <a:pPr marL="114300" lvl="1" indent="-114300" algn="l" defTabSz="622300">
+            <a:lnSpc>
+              <a:spcPct val="90000"/>
+            </a:lnSpc>
+            <a:spcBef>
+              <a:spcPct val="0"/>
+            </a:spcBef>
+            <a:spcAft>
+              <a:spcPct val="15000"/>
+            </a:spcAft>
+            <a:buChar char="••"/>
+          </a:pPr>
+          <a:r>
+            <a:rPr lang="en-US" sz="1400" kern="1200" dirty="0" smtClean="0"/>
+            <a:t>Gulp task (build)</a:t>
+          </a:r>
+          <a:endParaRPr lang="en-US" sz="1400" kern="1200" dirty="0"/>
+        </a:p>
+        <a:p>
+          <a:pPr marL="114300" lvl="1" indent="-114300" algn="l" defTabSz="622300">
+            <a:lnSpc>
+              <a:spcPct val="90000"/>
+            </a:lnSpc>
+            <a:spcBef>
+              <a:spcPct val="0"/>
+            </a:spcBef>
+            <a:spcAft>
+              <a:spcPct val="15000"/>
+            </a:spcAft>
+            <a:buChar char="••"/>
+          </a:pPr>
+          <a:r>
+            <a:rPr lang="en-US" sz="1400" kern="1200" dirty="0" smtClean="0"/>
+            <a:t>Same folder structure as local environment</a:t>
+          </a:r>
+          <a:endParaRPr lang="en-US" sz="1400" kern="1200" dirty="0"/>
+        </a:p>
+        <a:p>
+          <a:pPr marL="114300" lvl="1" indent="-114300" algn="l" defTabSz="622300">
+            <a:lnSpc>
+              <a:spcPct val="90000"/>
+            </a:lnSpc>
+            <a:spcBef>
+              <a:spcPct val="0"/>
+            </a:spcBef>
+            <a:spcAft>
+              <a:spcPct val="15000"/>
+            </a:spcAft>
+            <a:buChar char="••"/>
+          </a:pPr>
+          <a:r>
+            <a:rPr lang="en-US" sz="1400" kern="1200" dirty="0" smtClean="0"/>
+            <a:t>Upload source code</a:t>
+          </a:r>
+          <a:endParaRPr lang="en-US" sz="1400" kern="1200" dirty="0"/>
+        </a:p>
+        <a:p>
+          <a:pPr marL="114300" lvl="1" indent="-114300" algn="l" defTabSz="622300">
+            <a:lnSpc>
+              <a:spcPct val="90000"/>
+            </a:lnSpc>
+            <a:spcBef>
+              <a:spcPct val="0"/>
+            </a:spcBef>
+            <a:spcAft>
+              <a:spcPct val="15000"/>
+            </a:spcAft>
+            <a:buChar char="••"/>
+          </a:pPr>
+          <a:r>
+            <a:rPr lang="en-US" sz="1400" kern="1200" dirty="0" smtClean="0"/>
+            <a:t>Functional testing</a:t>
+          </a:r>
+          <a:endParaRPr lang="en-US" sz="1400" kern="1200" dirty="0"/>
+        </a:p>
+      </dsp:txBody>
+      <dsp:txXfrm>
+        <a:off x="7647882" y="1390367"/>
+        <a:ext cx="3236208" cy="1570603"/>
+      </dsp:txXfrm>
+    </dsp:sp>
   </dsp:spTree>
 </dsp:drawing>
 </file>
@@ -25270,7 +26074,7 @@
           </a:ln>
           <a:extLst>
             <a:ext uri="{91240B29-F687-4f45-9708-019B960494DF}">
-              <a14:hiddenLine xmlns="" xmlns:a14="http://schemas.microsoft.com/office/drawing/2010/main" w="9525">
+              <a14:hiddenLine xmlns:a14="http://schemas.microsoft.com/office/drawing/2010/main" xmlns="" w="9525">
                 <a:solidFill>
                   <a:srgbClr val="000000"/>
                 </a:solidFill>
@@ -25324,7 +26128,7 @@
           </a:ln>
           <a:extLst>
             <a:ext uri="{91240B29-F687-4f45-9708-019B960494DF}">
-              <a14:hiddenLine xmlns="" xmlns:a14="http://schemas.microsoft.com/office/drawing/2010/main" w="9525">
+              <a14:hiddenLine xmlns:a14="http://schemas.microsoft.com/office/drawing/2010/main" xmlns="" w="9525">
                 <a:solidFill>
                   <a:srgbClr val="000000"/>
                 </a:solidFill>
@@ -26822,7 +27626,7 @@
             <p:ph idx="1"/>
             <p:extLst>
               <p:ext uri="{D42A27DB-BD31-4B8C-83A1-F6EECF244321}">
-                <p14:modId xmlns:p14="http://schemas.microsoft.com/office/powerpoint/2010/main" val="3823091511"/>
+                <p14:modId xmlns:p14="http://schemas.microsoft.com/office/powerpoint/2010/main" val="877841777"/>
               </p:ext>
             </p:extLst>
           </p:nvPr>
@@ -30455,13 +31259,13 @@
   <p:clrMapOvr>
     <a:masterClrMapping/>
   </p:clrMapOvr>
-  <mc:AlternateContent xmlns:mc="http://schemas.openxmlformats.org/markup-compatibility/2006">
-    <mc:Choice xmlns:p14="http://schemas.microsoft.com/office/powerpoint/2010/main" Requires="p14">
+  <mc:AlternateContent xmlns:mc="http://schemas.openxmlformats.org/markup-compatibility/2006" xmlns:p14="http://schemas.microsoft.com/office/powerpoint/2010/main">
+    <mc:Choice Requires="p14">
       <p:transition spd="med" p14:dur="700">
         <p:fade/>
       </p:transition>
     </mc:Choice>
-    <mc:Fallback>
+    <mc:Fallback xmlns="">
       <p:transition spd="med">
         <p:fade/>
       </p:transition>
@@ -30538,13 +31342,13 @@
   <p:clrMapOvr>
     <a:masterClrMapping/>
   </p:clrMapOvr>
-  <mc:AlternateContent xmlns:mc="http://schemas.openxmlformats.org/markup-compatibility/2006">
-    <mc:Choice xmlns:p14="http://schemas.microsoft.com/office/powerpoint/2010/main" Requires="p14">
+  <mc:AlternateContent xmlns:mc="http://schemas.openxmlformats.org/markup-compatibility/2006" xmlns:p14="http://schemas.microsoft.com/office/powerpoint/2010/main">
+    <mc:Choice Requires="p14">
       <p:transition spd="med" p14:dur="700">
         <p:fade/>
       </p:transition>
     </mc:Choice>
-    <mc:Fallback>
+    <mc:Fallback xmlns="">
       <p:transition spd="med">
         <p:fade/>
       </p:transition>
@@ -31283,13 +32087,13 @@
   <p:clrMapOvr>
     <a:masterClrMapping/>
   </p:clrMapOvr>
-  <mc:AlternateContent xmlns:mc="http://schemas.openxmlformats.org/markup-compatibility/2006">
-    <mc:Choice xmlns:p14="http://schemas.microsoft.com/office/powerpoint/2010/main" Requires="p14">
+  <mc:AlternateContent xmlns:mc="http://schemas.openxmlformats.org/markup-compatibility/2006" xmlns:p14="http://schemas.microsoft.com/office/powerpoint/2010/main">
+    <mc:Choice Requires="p14">
       <p:transition spd="med" p14:dur="700">
         <p:fade/>
       </p:transition>
     </mc:Choice>
-    <mc:Fallback>
+    <mc:Fallback xmlns="">
       <p:transition spd="med">
         <p:fade/>
       </p:transition>
